--- a/Figures.pptx
+++ b/Figures.pptx
@@ -6,6 +6,7 @@
   </p:sldMasterIdLst>
   <p:sldIdLst>
     <p:sldId id="256" r:id="rId2"/>
+    <p:sldId id="257" r:id="rId3"/>
   </p:sldIdLst>
   <p:sldSz cx="12192000" cy="6858000"/>
   <p:notesSz cx="6858000" cy="9144000"/>
@@ -259,7 +260,7 @@
           <a:p>
             <a:fld id="{9BED4BE8-31C7-403D-911A-3E727E0E58BF}" type="datetimeFigureOut">
               <a:rPr lang="en-US" smtClean="0"/>
-              <a:t>8/16/2021</a:t>
+              <a:t>8/18/2021</a:t>
             </a:fld>
             <a:endParaRPr lang="en-US"/>
           </a:p>
@@ -457,7 +458,7 @@
           <a:p>
             <a:fld id="{9BED4BE8-31C7-403D-911A-3E727E0E58BF}" type="datetimeFigureOut">
               <a:rPr lang="en-US" smtClean="0"/>
-              <a:t>8/16/2021</a:t>
+              <a:t>8/18/2021</a:t>
             </a:fld>
             <a:endParaRPr lang="en-US"/>
           </a:p>
@@ -665,7 +666,7 @@
           <a:p>
             <a:fld id="{9BED4BE8-31C7-403D-911A-3E727E0E58BF}" type="datetimeFigureOut">
               <a:rPr lang="en-US" smtClean="0"/>
-              <a:t>8/16/2021</a:t>
+              <a:t>8/18/2021</a:t>
             </a:fld>
             <a:endParaRPr lang="en-US"/>
           </a:p>
@@ -863,7 +864,7 @@
           <a:p>
             <a:fld id="{9BED4BE8-31C7-403D-911A-3E727E0E58BF}" type="datetimeFigureOut">
               <a:rPr lang="en-US" smtClean="0"/>
-              <a:t>8/16/2021</a:t>
+              <a:t>8/18/2021</a:t>
             </a:fld>
             <a:endParaRPr lang="en-US"/>
           </a:p>
@@ -1138,7 +1139,7 @@
           <a:p>
             <a:fld id="{9BED4BE8-31C7-403D-911A-3E727E0E58BF}" type="datetimeFigureOut">
               <a:rPr lang="en-US" smtClean="0"/>
-              <a:t>8/16/2021</a:t>
+              <a:t>8/18/2021</a:t>
             </a:fld>
             <a:endParaRPr lang="en-US"/>
           </a:p>
@@ -1403,7 +1404,7 @@
           <a:p>
             <a:fld id="{9BED4BE8-31C7-403D-911A-3E727E0E58BF}" type="datetimeFigureOut">
               <a:rPr lang="en-US" smtClean="0"/>
-              <a:t>8/16/2021</a:t>
+              <a:t>8/18/2021</a:t>
             </a:fld>
             <a:endParaRPr lang="en-US"/>
           </a:p>
@@ -1815,7 +1816,7 @@
           <a:p>
             <a:fld id="{9BED4BE8-31C7-403D-911A-3E727E0E58BF}" type="datetimeFigureOut">
               <a:rPr lang="en-US" smtClean="0"/>
-              <a:t>8/16/2021</a:t>
+              <a:t>8/18/2021</a:t>
             </a:fld>
             <a:endParaRPr lang="en-US"/>
           </a:p>
@@ -1956,7 +1957,7 @@
           <a:p>
             <a:fld id="{9BED4BE8-31C7-403D-911A-3E727E0E58BF}" type="datetimeFigureOut">
               <a:rPr lang="en-US" smtClean="0"/>
-              <a:t>8/16/2021</a:t>
+              <a:t>8/18/2021</a:t>
             </a:fld>
             <a:endParaRPr lang="en-US"/>
           </a:p>
@@ -2069,7 +2070,7 @@
           <a:p>
             <a:fld id="{9BED4BE8-31C7-403D-911A-3E727E0E58BF}" type="datetimeFigureOut">
               <a:rPr lang="en-US" smtClean="0"/>
-              <a:t>8/16/2021</a:t>
+              <a:t>8/18/2021</a:t>
             </a:fld>
             <a:endParaRPr lang="en-US"/>
           </a:p>
@@ -2380,7 +2381,7 @@
           <a:p>
             <a:fld id="{9BED4BE8-31C7-403D-911A-3E727E0E58BF}" type="datetimeFigureOut">
               <a:rPr lang="en-US" smtClean="0"/>
-              <a:t>8/16/2021</a:t>
+              <a:t>8/18/2021</a:t>
             </a:fld>
             <a:endParaRPr lang="en-US"/>
           </a:p>
@@ -2668,7 +2669,7 @@
           <a:p>
             <a:fld id="{9BED4BE8-31C7-403D-911A-3E727E0E58BF}" type="datetimeFigureOut">
               <a:rPr lang="en-US" smtClean="0"/>
-              <a:t>8/16/2021</a:t>
+              <a:t>8/18/2021</a:t>
             </a:fld>
             <a:endParaRPr lang="en-US"/>
           </a:p>
@@ -2909,7 +2910,7 @@
           <a:p>
             <a:fld id="{9BED4BE8-31C7-403D-911A-3E727E0E58BF}" type="datetimeFigureOut">
               <a:rPr lang="en-US" smtClean="0"/>
-              <a:t>8/16/2021</a:t>
+              <a:t>8/18/2021</a:t>
             </a:fld>
             <a:endParaRPr lang="en-US"/>
           </a:p>
@@ -3340,7 +3341,7 @@
         </p:nvGrpSpPr>
         <p:grpSpPr>
           <a:xfrm>
-            <a:off x="6321" y="1839898"/>
+            <a:off x="0" y="1860832"/>
             <a:ext cx="11790098" cy="3043706"/>
             <a:chOff x="6321" y="1839898"/>
             <a:chExt cx="11790098" cy="3043706"/>
@@ -6839,10 +6840,10 @@
           </p:nvGrpSpPr>
           <p:grpSpPr>
             <a:xfrm>
-              <a:off x="6462093" y="1949514"/>
-              <a:ext cx="1546643" cy="1479486"/>
-              <a:chOff x="5242560" y="2600539"/>
-              <a:chExt cx="1706880" cy="1658723"/>
+              <a:off x="6369691" y="1949514"/>
+              <a:ext cx="1639045" cy="1348283"/>
+              <a:chOff x="5140585" y="2600539"/>
+              <a:chExt cx="1808855" cy="1511625"/>
             </a:xfrm>
           </p:grpSpPr>
           <p:grpSp>
@@ -8380,7 +8381,7 @@
             </p:nvSpPr>
             <p:spPr bwMode="auto">
               <a:xfrm>
-                <a:off x="5284769" y="3903167"/>
+                <a:off x="5140585" y="3756069"/>
                 <a:ext cx="470957" cy="356095"/>
               </a:xfrm>
               <a:prstGeom prst="rect">
@@ -8500,10 +8501,10 @@
           </p:nvGrpSpPr>
           <p:grpSpPr>
             <a:xfrm>
-              <a:off x="6454893" y="3353001"/>
-              <a:ext cx="1611271" cy="1375459"/>
-              <a:chOff x="3453001" y="3370086"/>
-              <a:chExt cx="1611271" cy="1375459"/>
+              <a:off x="6454893" y="3489004"/>
+              <a:ext cx="1611271" cy="1239456"/>
+              <a:chOff x="3453001" y="3506089"/>
+              <a:chExt cx="1611271" cy="1239456"/>
             </a:xfrm>
           </p:grpSpPr>
           <p:grpSp>
@@ -9187,14 +9188,15 @@
                 </a:extLst>
               </p:cNvPr>
               <p:cNvCxnSpPr>
+                <a:cxnSpLocks/>
                 <a:stCxn id="148" idx="6"/>
               </p:cNvCxnSpPr>
               <p:nvPr/>
             </p:nvCxnSpPr>
             <p:spPr>
-              <a:xfrm flipV="1">
-                <a:off x="4286686" y="3421927"/>
-                <a:ext cx="297091" cy="138948"/>
+              <a:xfrm>
+                <a:off x="4286687" y="3560876"/>
+                <a:ext cx="359959" cy="81906"/>
               </a:xfrm>
               <a:prstGeom prst="straightConnector1">
                 <a:avLst/>
@@ -9281,7 +9283,7 @@
             </p:nvSpPr>
             <p:spPr bwMode="auto">
               <a:xfrm>
-                <a:off x="3880293" y="3370086"/>
+                <a:off x="3836996" y="3537186"/>
                 <a:ext cx="406392" cy="281362"/>
               </a:xfrm>
               <a:prstGeom prst="rect">
@@ -9746,7 +9748,7 @@
               <a:pPr algn="ctr"/>
               <a:r>
                 <a:rPr lang="en-US" dirty="0"/>
-                <a:t>Pairing Model</a:t>
+                <a:t>FL Model</a:t>
               </a:r>
             </a:p>
           </p:txBody>
@@ -9832,7 +9834,7 @@
               <a:pPr algn="ctr"/>
               <a:r>
                 <a:rPr lang="en-US" dirty="0"/>
-                <a:t>Pairing Model</a:t>
+                <a:t>FL Model</a:t>
               </a:r>
             </a:p>
           </p:txBody>
@@ -12428,14 +12430,15 @@
                 </a:extLst>
               </p:cNvPr>
               <p:cNvCxnSpPr>
+                <a:cxnSpLocks/>
                 <a:stCxn id="212" idx="6"/>
               </p:cNvCxnSpPr>
               <p:nvPr/>
             </p:nvCxnSpPr>
             <p:spPr>
-              <a:xfrm flipV="1">
-                <a:off x="4286686" y="3421927"/>
-                <a:ext cx="297091" cy="138948"/>
+              <a:xfrm>
+                <a:off x="4286687" y="3560876"/>
+                <a:ext cx="328116" cy="85191"/>
               </a:xfrm>
               <a:prstGeom prst="straightConnector1">
                 <a:avLst/>
@@ -12950,10 +12953,2691 @@
           </a:fontRef>
         </p:style>
       </p:cxnSp>
+      <p:sp>
+        <p:nvSpPr>
+          <p:cNvPr id="193" name="TextBox 192">
+            <a:extLst>
+              <a:ext uri="{FF2B5EF4-FFF2-40B4-BE49-F238E27FC236}">
+                <a16:creationId xmlns:a16="http://schemas.microsoft.com/office/drawing/2014/main" id="{5F55E4F4-CDF0-43E8-A8C6-25FC5BD31FE5}"/>
+              </a:ext>
+            </a:extLst>
+          </p:cNvPr>
+          <p:cNvSpPr txBox="1"/>
+          <p:nvPr/>
+        </p:nvSpPr>
+        <p:spPr>
+          <a:xfrm>
+            <a:off x="6458965" y="1694985"/>
+            <a:ext cx="1493872" cy="369332"/>
+          </a:xfrm>
+          <a:prstGeom prst="rect">
+            <a:avLst/>
+          </a:prstGeom>
+          <a:noFill/>
+        </p:spPr>
+        <p:txBody>
+          <a:bodyPr wrap="none" rtlCol="0">
+            <a:spAutoFit/>
+          </a:bodyPr>
+          <a:lstStyle/>
+          <a:p>
+            <a:pPr algn="ctr"/>
+            <a:r>
+              <a:rPr lang="en-US" dirty="0"/>
+              <a:t>Feature graph</a:t>
+            </a:r>
+          </a:p>
+        </p:txBody>
+      </p:sp>
+      <p:sp>
+        <p:nvSpPr>
+          <p:cNvPr id="215" name="TextBox 214">
+            <a:extLst>
+              <a:ext uri="{FF2B5EF4-FFF2-40B4-BE49-F238E27FC236}">
+                <a16:creationId xmlns:a16="http://schemas.microsoft.com/office/drawing/2014/main" id="{2606FEFE-E4CC-4C69-8782-EBAD92DC0181}"/>
+              </a:ext>
+            </a:extLst>
+          </p:cNvPr>
+          <p:cNvSpPr txBox="1"/>
+          <p:nvPr/>
+        </p:nvSpPr>
+        <p:spPr>
+          <a:xfrm>
+            <a:off x="6464512" y="3211895"/>
+            <a:ext cx="1493872" cy="369332"/>
+          </a:xfrm>
+          <a:prstGeom prst="rect">
+            <a:avLst/>
+          </a:prstGeom>
+          <a:noFill/>
+        </p:spPr>
+        <p:txBody>
+          <a:bodyPr wrap="none" rtlCol="0">
+            <a:spAutoFit/>
+          </a:bodyPr>
+          <a:lstStyle/>
+          <a:p>
+            <a:pPr algn="ctr"/>
+            <a:r>
+              <a:rPr lang="en-US" dirty="0"/>
+              <a:t>Feature graph</a:t>
+            </a:r>
+          </a:p>
+        </p:txBody>
+      </p:sp>
     </p:spTree>
     <p:extLst>
       <p:ext uri="{BB962C8B-B14F-4D97-AF65-F5344CB8AC3E}">
         <p14:creationId xmlns:p14="http://schemas.microsoft.com/office/powerpoint/2010/main" val="1322561968"/>
+      </p:ext>
+    </p:extLst>
+  </p:cSld>
+  <p:clrMapOvr>
+    <a:masterClrMapping/>
+  </p:clrMapOvr>
+</p:sld>
+</file>
+
+<file path=ppt/slides/slide2.xml><?xml version="1.0" encoding="utf-8"?>
+<p:sld xmlns:a="http://schemas.openxmlformats.org/drawingml/2006/main" xmlns:r="http://schemas.openxmlformats.org/officeDocument/2006/relationships" xmlns:p="http://schemas.openxmlformats.org/presentationml/2006/main">
+  <p:cSld>
+    <p:spTree>
+      <p:nvGrpSpPr>
+        <p:cNvPr id="1" name=""/>
+        <p:cNvGrpSpPr/>
+        <p:nvPr/>
+      </p:nvGrpSpPr>
+      <p:grpSpPr>
+        <a:xfrm>
+          <a:off x="0" y="0"/>
+          <a:ext cx="0" cy="0"/>
+          <a:chOff x="0" y="0"/>
+          <a:chExt cx="0" cy="0"/>
+        </a:xfrm>
+      </p:grpSpPr>
+      <p:grpSp>
+        <p:nvGrpSpPr>
+          <p:cNvPr id="10" name="Group 9">
+            <a:extLst>
+              <a:ext uri="{FF2B5EF4-FFF2-40B4-BE49-F238E27FC236}">
+                <a16:creationId xmlns:a16="http://schemas.microsoft.com/office/drawing/2014/main" id="{EA87C178-D4AC-4FE5-B810-CAA862BF60B9}"/>
+              </a:ext>
+            </a:extLst>
+          </p:cNvPr>
+          <p:cNvGrpSpPr/>
+          <p:nvPr/>
+        </p:nvGrpSpPr>
+        <p:grpSpPr>
+          <a:xfrm>
+            <a:off x="6321" y="1850544"/>
+            <a:ext cx="9738395" cy="2888100"/>
+            <a:chOff x="6321" y="1850544"/>
+            <a:chExt cx="9738395" cy="2888100"/>
+          </a:xfrm>
+        </p:grpSpPr>
+        <p:sp>
+          <p:nvSpPr>
+            <p:cNvPr id="2" name="TextBox 1">
+              <a:extLst>
+                <a:ext uri="{FF2B5EF4-FFF2-40B4-BE49-F238E27FC236}">
+                  <a16:creationId xmlns:a16="http://schemas.microsoft.com/office/drawing/2014/main" id="{821F932F-1AEF-4D91-97C5-FAF1793E1AB7}"/>
+                </a:ext>
+              </a:extLst>
+            </p:cNvPr>
+            <p:cNvSpPr txBox="1"/>
+            <p:nvPr/>
+          </p:nvSpPr>
+          <p:spPr>
+            <a:xfrm>
+              <a:off x="25845" y="2178915"/>
+              <a:ext cx="713657" cy="646331"/>
+            </a:xfrm>
+            <a:prstGeom prst="rect">
+              <a:avLst/>
+            </a:prstGeom>
+            <a:noFill/>
+          </p:spPr>
+          <p:txBody>
+            <a:bodyPr wrap="none" rtlCol="0">
+              <a:spAutoFit/>
+            </a:bodyPr>
+            <a:lstStyle/>
+            <a:p>
+              <a:pPr algn="ctr"/>
+              <a:r>
+                <a:rPr lang="en-US" dirty="0"/>
+                <a:t>Test </a:t>
+              </a:r>
+            </a:p>
+            <a:p>
+              <a:pPr algn="ctr"/>
+              <a:r>
+                <a:rPr lang="en-US" dirty="0"/>
+                <a:t>Cases</a:t>
+              </a:r>
+            </a:p>
+          </p:txBody>
+        </p:sp>
+        <p:sp>
+          <p:nvSpPr>
+            <p:cNvPr id="3" name="TextBox 2">
+              <a:extLst>
+                <a:ext uri="{FF2B5EF4-FFF2-40B4-BE49-F238E27FC236}">
+                  <a16:creationId xmlns:a16="http://schemas.microsoft.com/office/drawing/2014/main" id="{E0BB1125-061E-4EFF-846A-C8EBB3512C3E}"/>
+                </a:ext>
+              </a:extLst>
+            </p:cNvPr>
+            <p:cNvSpPr txBox="1"/>
+            <p:nvPr/>
+          </p:nvSpPr>
+          <p:spPr>
+            <a:xfrm>
+              <a:off x="6321" y="3404842"/>
+              <a:ext cx="824072" cy="923330"/>
+            </a:xfrm>
+            <a:prstGeom prst="rect">
+              <a:avLst/>
+            </a:prstGeom>
+            <a:noFill/>
+          </p:spPr>
+          <p:txBody>
+            <a:bodyPr wrap="none" rtlCol="0">
+              <a:spAutoFit/>
+            </a:bodyPr>
+            <a:lstStyle/>
+            <a:p>
+              <a:pPr algn="ctr"/>
+              <a:r>
+                <a:rPr lang="en-US" dirty="0"/>
+                <a:t>Source</a:t>
+              </a:r>
+            </a:p>
+            <a:p>
+              <a:pPr algn="ctr"/>
+              <a:r>
+                <a:rPr lang="en-US" dirty="0"/>
+                <a:t>Code </a:t>
+              </a:r>
+            </a:p>
+            <a:p>
+              <a:pPr algn="ctr"/>
+              <a:r>
+                <a:rPr lang="en-US" dirty="0"/>
+                <a:t>Repo</a:t>
+              </a:r>
+            </a:p>
+          </p:txBody>
+        </p:sp>
+        <p:sp>
+          <p:nvSpPr>
+            <p:cNvPr id="4" name="TextBox 3">
+              <a:extLst>
+                <a:ext uri="{FF2B5EF4-FFF2-40B4-BE49-F238E27FC236}">
+                  <a16:creationId xmlns:a16="http://schemas.microsoft.com/office/drawing/2014/main" id="{ACB76812-AB8A-4818-AC65-DF6053BB957F}"/>
+                </a:ext>
+              </a:extLst>
+            </p:cNvPr>
+            <p:cNvSpPr txBox="1"/>
+            <p:nvPr/>
+          </p:nvSpPr>
+          <p:spPr>
+            <a:xfrm>
+              <a:off x="1279116" y="2002543"/>
+              <a:ext cx="1522326" cy="923330"/>
+            </a:xfrm>
+            <a:prstGeom prst="rect">
+              <a:avLst/>
+            </a:prstGeom>
+            <a:gradFill flip="none" rotWithShape="1">
+              <a:gsLst>
+                <a:gs pos="0">
+                  <a:schemeClr val="accent5">
+                    <a:lumMod val="67000"/>
+                  </a:schemeClr>
+                </a:gs>
+                <a:gs pos="48000">
+                  <a:schemeClr val="accent5">
+                    <a:lumMod val="97000"/>
+                    <a:lumOff val="3000"/>
+                  </a:schemeClr>
+                </a:gs>
+                <a:gs pos="100000">
+                  <a:schemeClr val="accent5">
+                    <a:lumMod val="60000"/>
+                    <a:lumOff val="40000"/>
+                  </a:schemeClr>
+                </a:gs>
+              </a:gsLst>
+              <a:lin ang="16200000" scaled="1"/>
+              <a:tileRect/>
+            </a:gradFill>
+            <a:ln>
+              <a:noFill/>
+            </a:ln>
+          </p:spPr>
+          <p:style>
+            <a:lnRef idx="0">
+              <a:scrgbClr r="0" g="0" b="0"/>
+            </a:lnRef>
+            <a:fillRef idx="0">
+              <a:scrgbClr r="0" g="0" b="0"/>
+            </a:fillRef>
+            <a:effectRef idx="0">
+              <a:scrgbClr r="0" g="0" b="0"/>
+            </a:effectRef>
+            <a:fontRef idx="minor">
+              <a:schemeClr val="lt1"/>
+            </a:fontRef>
+          </p:style>
+          <p:txBody>
+            <a:bodyPr wrap="square" rtlCol="0">
+              <a:spAutoFit/>
+            </a:bodyPr>
+            <a:lstStyle/>
+            <a:p>
+              <a:pPr algn="ctr"/>
+              <a:r>
+                <a:rPr lang="en-US" dirty="0"/>
+                <a:t>Method-level</a:t>
+              </a:r>
+            </a:p>
+            <a:p>
+              <a:pPr algn="ctr"/>
+              <a:r>
+                <a:rPr lang="en-US" dirty="0"/>
+                <a:t>Graph Feature Extraction</a:t>
+              </a:r>
+            </a:p>
+          </p:txBody>
+        </p:sp>
+        <p:sp>
+          <p:nvSpPr>
+            <p:cNvPr id="5" name="Right Brace 4">
+              <a:extLst>
+                <a:ext uri="{FF2B5EF4-FFF2-40B4-BE49-F238E27FC236}">
+                  <a16:creationId xmlns:a16="http://schemas.microsoft.com/office/drawing/2014/main" id="{C9601AB6-04C0-41A1-95B8-30B83925F095}"/>
+                </a:ext>
+              </a:extLst>
+            </p:cNvPr>
+            <p:cNvSpPr/>
+            <p:nvPr/>
+          </p:nvSpPr>
+          <p:spPr>
+            <a:xfrm>
+              <a:off x="575548" y="2468331"/>
+              <a:ext cx="367948" cy="1526536"/>
+            </a:xfrm>
+            <a:prstGeom prst="rightBrace">
+              <a:avLst/>
+            </a:prstGeom>
+          </p:spPr>
+          <p:style>
+            <a:lnRef idx="1">
+              <a:schemeClr val="accent1"/>
+            </a:lnRef>
+            <a:fillRef idx="0">
+              <a:schemeClr val="accent1"/>
+            </a:fillRef>
+            <a:effectRef idx="0">
+              <a:schemeClr val="accent1"/>
+            </a:effectRef>
+            <a:fontRef idx="minor">
+              <a:schemeClr val="tx1"/>
+            </a:fontRef>
+          </p:style>
+          <p:txBody>
+            <a:bodyPr rtlCol="0" anchor="ctr"/>
+            <a:lstStyle/>
+            <a:p>
+              <a:pPr algn="ctr"/>
+              <a:endParaRPr lang="en-US"/>
+            </a:p>
+          </p:txBody>
+        </p:sp>
+        <p:cxnSp>
+          <p:nvCxnSpPr>
+            <p:cNvPr id="7" name="Connector: Elbow 6">
+              <a:extLst>
+                <a:ext uri="{FF2B5EF4-FFF2-40B4-BE49-F238E27FC236}">
+                  <a16:creationId xmlns:a16="http://schemas.microsoft.com/office/drawing/2014/main" id="{2FD08E26-9243-4605-A285-463D9AF8A9CD}"/>
+                </a:ext>
+              </a:extLst>
+            </p:cNvPr>
+            <p:cNvCxnSpPr>
+              <a:cxnSpLocks/>
+            </p:cNvCxnSpPr>
+            <p:nvPr/>
+          </p:nvCxnSpPr>
+          <p:spPr>
+            <a:xfrm rot="10800000" flipH="1">
+              <a:off x="882735" y="2464208"/>
+              <a:ext cx="386660" cy="763268"/>
+            </a:xfrm>
+            <a:prstGeom prst="bentConnector5">
+              <a:avLst>
+                <a:gd name="adj1" fmla="val 34121"/>
+                <a:gd name="adj2" fmla="val 99828"/>
+                <a:gd name="adj3" fmla="val 61377"/>
+              </a:avLst>
+            </a:prstGeom>
+            <a:ln w="12700">
+              <a:tailEnd type="triangle"/>
+            </a:ln>
+          </p:spPr>
+          <p:style>
+            <a:lnRef idx="1">
+              <a:schemeClr val="accent1"/>
+            </a:lnRef>
+            <a:fillRef idx="0">
+              <a:schemeClr val="accent1"/>
+            </a:fillRef>
+            <a:effectRef idx="0">
+              <a:schemeClr val="accent1"/>
+            </a:effectRef>
+            <a:fontRef idx="minor">
+              <a:schemeClr val="tx1"/>
+            </a:fontRef>
+          </p:style>
+        </p:cxnSp>
+        <p:sp>
+          <p:nvSpPr>
+            <p:cNvPr id="19" name="TextBox 18">
+              <a:extLst>
+                <a:ext uri="{FF2B5EF4-FFF2-40B4-BE49-F238E27FC236}">
+                  <a16:creationId xmlns:a16="http://schemas.microsoft.com/office/drawing/2014/main" id="{5A7790F9-D415-43B0-BE47-C97E1415155D}"/>
+                </a:ext>
+              </a:extLst>
+            </p:cNvPr>
+            <p:cNvSpPr txBox="1"/>
+            <p:nvPr/>
+          </p:nvSpPr>
+          <p:spPr>
+            <a:xfrm>
+              <a:off x="1279116" y="3538315"/>
+              <a:ext cx="1522326" cy="1200329"/>
+            </a:xfrm>
+            <a:prstGeom prst="rect">
+              <a:avLst/>
+            </a:prstGeom>
+            <a:gradFill flip="none" rotWithShape="1">
+              <a:gsLst>
+                <a:gs pos="0">
+                  <a:schemeClr val="accent5">
+                    <a:lumMod val="67000"/>
+                  </a:schemeClr>
+                </a:gs>
+                <a:gs pos="48000">
+                  <a:schemeClr val="accent5">
+                    <a:lumMod val="97000"/>
+                    <a:lumOff val="3000"/>
+                  </a:schemeClr>
+                </a:gs>
+                <a:gs pos="100000">
+                  <a:schemeClr val="accent5">
+                    <a:lumMod val="60000"/>
+                    <a:lumOff val="40000"/>
+                  </a:schemeClr>
+                </a:gs>
+              </a:gsLst>
+              <a:lin ang="16200000" scaled="1"/>
+              <a:tileRect/>
+            </a:gradFill>
+            <a:ln>
+              <a:noFill/>
+            </a:ln>
+          </p:spPr>
+          <p:style>
+            <a:lnRef idx="0">
+              <a:scrgbClr r="0" g="0" b="0"/>
+            </a:lnRef>
+            <a:fillRef idx="0">
+              <a:scrgbClr r="0" g="0" b="0"/>
+            </a:fillRef>
+            <a:effectRef idx="0">
+              <a:scrgbClr r="0" g="0" b="0"/>
+            </a:effectRef>
+            <a:fontRef idx="minor">
+              <a:schemeClr val="lt1"/>
+            </a:fontRef>
+          </p:style>
+          <p:txBody>
+            <a:bodyPr wrap="square" rtlCol="0">
+              <a:spAutoFit/>
+            </a:bodyPr>
+            <a:lstStyle/>
+            <a:p>
+              <a:pPr algn="ctr"/>
+              <a:r>
+                <a:rPr lang="en-US" dirty="0"/>
+                <a:t>Statement-level</a:t>
+              </a:r>
+            </a:p>
+            <a:p>
+              <a:pPr algn="ctr"/>
+              <a:r>
+                <a:rPr lang="en-US" dirty="0"/>
+                <a:t>Graph Feature Extraction</a:t>
+              </a:r>
+            </a:p>
+          </p:txBody>
+        </p:sp>
+        <p:cxnSp>
+          <p:nvCxnSpPr>
+            <p:cNvPr id="20" name="Connector: Elbow 19">
+              <a:extLst>
+                <a:ext uri="{FF2B5EF4-FFF2-40B4-BE49-F238E27FC236}">
+                  <a16:creationId xmlns:a16="http://schemas.microsoft.com/office/drawing/2014/main" id="{9AC0A0F2-1EFB-4AC2-8D84-1954CE245C15}"/>
+                </a:ext>
+              </a:extLst>
+            </p:cNvPr>
+            <p:cNvCxnSpPr>
+              <a:cxnSpLocks/>
+            </p:cNvCxnSpPr>
+            <p:nvPr/>
+          </p:nvCxnSpPr>
+          <p:spPr>
+            <a:xfrm rot="16200000" flipH="1">
+              <a:off x="691820" y="3516423"/>
+              <a:ext cx="909647" cy="264944"/>
+            </a:xfrm>
+            <a:prstGeom prst="bentConnector2">
+              <a:avLst/>
+            </a:prstGeom>
+            <a:ln w="12700">
+              <a:tailEnd type="triangle"/>
+            </a:ln>
+          </p:spPr>
+          <p:style>
+            <a:lnRef idx="1">
+              <a:schemeClr val="accent1"/>
+            </a:lnRef>
+            <a:fillRef idx="0">
+              <a:schemeClr val="accent1"/>
+            </a:fillRef>
+            <a:effectRef idx="0">
+              <a:schemeClr val="accent1"/>
+            </a:effectRef>
+            <a:fontRef idx="minor">
+              <a:schemeClr val="tx1"/>
+            </a:fontRef>
+          </p:style>
+        </p:cxnSp>
+        <p:sp>
+          <p:nvSpPr>
+            <p:cNvPr id="90" name="TextBox 89">
+              <a:extLst>
+                <a:ext uri="{FF2B5EF4-FFF2-40B4-BE49-F238E27FC236}">
+                  <a16:creationId xmlns:a16="http://schemas.microsoft.com/office/drawing/2014/main" id="{9FB850CD-B375-4990-BA15-7CC15E14BE85}"/>
+                </a:ext>
+              </a:extLst>
+            </p:cNvPr>
+            <p:cNvSpPr txBox="1"/>
+            <p:nvPr/>
+          </p:nvSpPr>
+          <p:spPr>
+            <a:xfrm>
+              <a:off x="3579805" y="1850544"/>
+              <a:ext cx="1631539" cy="1200329"/>
+            </a:xfrm>
+            <a:prstGeom prst="rect">
+              <a:avLst/>
+            </a:prstGeom>
+            <a:gradFill flip="none" rotWithShape="1">
+              <a:gsLst>
+                <a:gs pos="0">
+                  <a:schemeClr val="accent5">
+                    <a:lumMod val="67000"/>
+                  </a:schemeClr>
+                </a:gs>
+                <a:gs pos="48000">
+                  <a:schemeClr val="accent5">
+                    <a:lumMod val="97000"/>
+                    <a:lumOff val="3000"/>
+                  </a:schemeClr>
+                </a:gs>
+                <a:gs pos="100000">
+                  <a:schemeClr val="accent5">
+                    <a:lumMod val="60000"/>
+                    <a:lumOff val="40000"/>
+                  </a:schemeClr>
+                </a:gs>
+              </a:gsLst>
+              <a:lin ang="16200000" scaled="1"/>
+              <a:tileRect/>
+            </a:gradFill>
+            <a:ln>
+              <a:noFill/>
+            </a:ln>
+          </p:spPr>
+          <p:style>
+            <a:lnRef idx="0">
+              <a:scrgbClr r="0" g="0" b="0"/>
+            </a:lnRef>
+            <a:fillRef idx="0">
+              <a:scrgbClr r="0" g="0" b="0"/>
+            </a:fillRef>
+            <a:effectRef idx="0">
+              <a:scrgbClr r="0" g="0" b="0"/>
+            </a:effectRef>
+            <a:fontRef idx="minor">
+              <a:schemeClr val="lt1"/>
+            </a:fontRef>
+          </p:style>
+          <p:txBody>
+            <a:bodyPr wrap="square" rtlCol="0">
+              <a:spAutoFit/>
+            </a:bodyPr>
+            <a:lstStyle/>
+            <a:p>
+              <a:pPr algn="ctr"/>
+              <a:r>
+                <a:rPr lang="en-US" dirty="0"/>
+                <a:t>Method-level</a:t>
+              </a:r>
+            </a:p>
+            <a:p>
+              <a:pPr algn="ctr"/>
+              <a:r>
+                <a:rPr lang="en-US" dirty="0"/>
+                <a:t>Graph Feature Representation Learning</a:t>
+              </a:r>
+            </a:p>
+          </p:txBody>
+        </p:sp>
+        <p:sp>
+          <p:nvSpPr>
+            <p:cNvPr id="92" name="TextBox 91">
+              <a:extLst>
+                <a:ext uri="{FF2B5EF4-FFF2-40B4-BE49-F238E27FC236}">
+                  <a16:creationId xmlns:a16="http://schemas.microsoft.com/office/drawing/2014/main" id="{FC2681C1-5253-45B8-B62B-05AEB5C92255}"/>
+                </a:ext>
+              </a:extLst>
+            </p:cNvPr>
+            <p:cNvSpPr txBox="1"/>
+            <p:nvPr/>
+          </p:nvSpPr>
+          <p:spPr>
+            <a:xfrm>
+              <a:off x="3579805" y="3516997"/>
+              <a:ext cx="1631539" cy="1200329"/>
+            </a:xfrm>
+            <a:prstGeom prst="rect">
+              <a:avLst/>
+            </a:prstGeom>
+            <a:gradFill flip="none" rotWithShape="1">
+              <a:gsLst>
+                <a:gs pos="0">
+                  <a:schemeClr val="accent5">
+                    <a:lumMod val="67000"/>
+                  </a:schemeClr>
+                </a:gs>
+                <a:gs pos="48000">
+                  <a:schemeClr val="accent5">
+                    <a:lumMod val="97000"/>
+                    <a:lumOff val="3000"/>
+                  </a:schemeClr>
+                </a:gs>
+                <a:gs pos="100000">
+                  <a:schemeClr val="accent5">
+                    <a:lumMod val="60000"/>
+                    <a:lumOff val="40000"/>
+                  </a:schemeClr>
+                </a:gs>
+              </a:gsLst>
+              <a:lin ang="16200000" scaled="1"/>
+              <a:tileRect/>
+            </a:gradFill>
+            <a:ln>
+              <a:noFill/>
+            </a:ln>
+          </p:spPr>
+          <p:style>
+            <a:lnRef idx="0">
+              <a:scrgbClr r="0" g="0" b="0"/>
+            </a:lnRef>
+            <a:fillRef idx="0">
+              <a:scrgbClr r="0" g="0" b="0"/>
+            </a:fillRef>
+            <a:effectRef idx="0">
+              <a:scrgbClr r="0" g="0" b="0"/>
+            </a:effectRef>
+            <a:fontRef idx="minor">
+              <a:schemeClr val="lt1"/>
+            </a:fontRef>
+          </p:style>
+          <p:txBody>
+            <a:bodyPr wrap="square" rtlCol="0">
+              <a:spAutoFit/>
+            </a:bodyPr>
+            <a:lstStyle/>
+            <a:p>
+              <a:pPr algn="ctr"/>
+              <a:r>
+                <a:rPr lang="en-US" dirty="0" err="1"/>
+                <a:t>Stmt</a:t>
+              </a:r>
+              <a:r>
+                <a:rPr lang="en-US" dirty="0"/>
+                <a:t>-level</a:t>
+              </a:r>
+            </a:p>
+            <a:p>
+              <a:pPr algn="ctr"/>
+              <a:r>
+                <a:rPr lang="en-US" dirty="0"/>
+                <a:t>Graph Feature Representation Learning</a:t>
+              </a:r>
+            </a:p>
+          </p:txBody>
+        </p:sp>
+        <p:cxnSp>
+          <p:nvCxnSpPr>
+            <p:cNvPr id="94" name="Straight Arrow Connector 93">
+              <a:extLst>
+                <a:ext uri="{FF2B5EF4-FFF2-40B4-BE49-F238E27FC236}">
+                  <a16:creationId xmlns:a16="http://schemas.microsoft.com/office/drawing/2014/main" id="{13C24D93-63D0-4D47-87E1-9077D804B0A2}"/>
+                </a:ext>
+              </a:extLst>
+            </p:cNvPr>
+            <p:cNvCxnSpPr>
+              <a:stCxn id="4" idx="3"/>
+            </p:cNvCxnSpPr>
+            <p:nvPr/>
+          </p:nvCxnSpPr>
+          <p:spPr>
+            <a:xfrm>
+              <a:off x="2801442" y="2464208"/>
+              <a:ext cx="235769" cy="0"/>
+            </a:xfrm>
+            <a:prstGeom prst="straightConnector1">
+              <a:avLst/>
+            </a:prstGeom>
+            <a:ln w="12700">
+              <a:tailEnd type="triangle"/>
+            </a:ln>
+          </p:spPr>
+          <p:style>
+            <a:lnRef idx="1">
+              <a:schemeClr val="accent1"/>
+            </a:lnRef>
+            <a:fillRef idx="0">
+              <a:schemeClr val="accent1"/>
+            </a:fillRef>
+            <a:effectRef idx="0">
+              <a:schemeClr val="accent1"/>
+            </a:effectRef>
+            <a:fontRef idx="minor">
+              <a:schemeClr val="tx1"/>
+            </a:fontRef>
+          </p:style>
+        </p:cxnSp>
+        <p:cxnSp>
+          <p:nvCxnSpPr>
+            <p:cNvPr id="95" name="Straight Arrow Connector 94">
+              <a:extLst>
+                <a:ext uri="{FF2B5EF4-FFF2-40B4-BE49-F238E27FC236}">
+                  <a16:creationId xmlns:a16="http://schemas.microsoft.com/office/drawing/2014/main" id="{BF7CF6E9-DCD6-4029-89D6-E9C2EF68AC83}"/>
+                </a:ext>
+              </a:extLst>
+            </p:cNvPr>
+            <p:cNvCxnSpPr/>
+            <p:nvPr/>
+          </p:nvCxnSpPr>
+          <p:spPr>
+            <a:xfrm>
+              <a:off x="3344036" y="2474791"/>
+              <a:ext cx="235769" cy="0"/>
+            </a:xfrm>
+            <a:prstGeom prst="straightConnector1">
+              <a:avLst/>
+            </a:prstGeom>
+            <a:ln w="12700">
+              <a:tailEnd type="triangle"/>
+            </a:ln>
+          </p:spPr>
+          <p:style>
+            <a:lnRef idx="1">
+              <a:schemeClr val="accent1"/>
+            </a:lnRef>
+            <a:fillRef idx="0">
+              <a:schemeClr val="accent1"/>
+            </a:fillRef>
+            <a:effectRef idx="0">
+              <a:schemeClr val="accent1"/>
+            </a:effectRef>
+            <a:fontRef idx="minor">
+              <a:schemeClr val="tx1"/>
+            </a:fontRef>
+          </p:style>
+        </p:cxnSp>
+        <p:cxnSp>
+          <p:nvCxnSpPr>
+            <p:cNvPr id="96" name="Straight Arrow Connector 95">
+              <a:extLst>
+                <a:ext uri="{FF2B5EF4-FFF2-40B4-BE49-F238E27FC236}">
+                  <a16:creationId xmlns:a16="http://schemas.microsoft.com/office/drawing/2014/main" id="{CA40C683-94E2-4EF0-81BF-E2614B9E394D}"/>
+                </a:ext>
+              </a:extLst>
+            </p:cNvPr>
+            <p:cNvCxnSpPr/>
+            <p:nvPr/>
+          </p:nvCxnSpPr>
+          <p:spPr>
+            <a:xfrm>
+              <a:off x="2798935" y="4121342"/>
+              <a:ext cx="235769" cy="0"/>
+            </a:xfrm>
+            <a:prstGeom prst="straightConnector1">
+              <a:avLst/>
+            </a:prstGeom>
+            <a:ln w="12700">
+              <a:tailEnd type="triangle"/>
+            </a:ln>
+          </p:spPr>
+          <p:style>
+            <a:lnRef idx="1">
+              <a:schemeClr val="accent1"/>
+            </a:lnRef>
+            <a:fillRef idx="0">
+              <a:schemeClr val="accent1"/>
+            </a:fillRef>
+            <a:effectRef idx="0">
+              <a:schemeClr val="accent1"/>
+            </a:effectRef>
+            <a:fontRef idx="minor">
+              <a:schemeClr val="tx1"/>
+            </a:fontRef>
+          </p:style>
+        </p:cxnSp>
+        <p:cxnSp>
+          <p:nvCxnSpPr>
+            <p:cNvPr id="97" name="Straight Arrow Connector 96">
+              <a:extLst>
+                <a:ext uri="{FF2B5EF4-FFF2-40B4-BE49-F238E27FC236}">
+                  <a16:creationId xmlns:a16="http://schemas.microsoft.com/office/drawing/2014/main" id="{3BAE5FF5-D5B4-4D95-BA1C-A6CA49115E61}"/>
+                </a:ext>
+              </a:extLst>
+            </p:cNvPr>
+            <p:cNvCxnSpPr/>
+            <p:nvPr/>
+          </p:nvCxnSpPr>
+          <p:spPr>
+            <a:xfrm>
+              <a:off x="3348350" y="4124751"/>
+              <a:ext cx="235769" cy="0"/>
+            </a:xfrm>
+            <a:prstGeom prst="straightConnector1">
+              <a:avLst/>
+            </a:prstGeom>
+            <a:ln w="12700">
+              <a:tailEnd type="triangle"/>
+            </a:ln>
+          </p:spPr>
+          <p:style>
+            <a:lnRef idx="1">
+              <a:schemeClr val="accent1"/>
+            </a:lnRef>
+            <a:fillRef idx="0">
+              <a:schemeClr val="accent1"/>
+            </a:fillRef>
+            <a:effectRef idx="0">
+              <a:schemeClr val="accent1"/>
+            </a:effectRef>
+            <a:fontRef idx="minor">
+              <a:schemeClr val="tx1"/>
+            </a:fontRef>
+          </p:style>
+        </p:cxnSp>
+        <p:cxnSp>
+          <p:nvCxnSpPr>
+            <p:cNvPr id="151" name="Straight Arrow Connector 150">
+              <a:extLst>
+                <a:ext uri="{FF2B5EF4-FFF2-40B4-BE49-F238E27FC236}">
+                  <a16:creationId xmlns:a16="http://schemas.microsoft.com/office/drawing/2014/main" id="{24879065-5DEA-4CC8-888F-1E1BDEF4A199}"/>
+                </a:ext>
+              </a:extLst>
+            </p:cNvPr>
+            <p:cNvCxnSpPr/>
+            <p:nvPr/>
+          </p:nvCxnSpPr>
+          <p:spPr>
+            <a:xfrm>
+              <a:off x="5211344" y="2474791"/>
+              <a:ext cx="235769" cy="0"/>
+            </a:xfrm>
+            <a:prstGeom prst="straightConnector1">
+              <a:avLst/>
+            </a:prstGeom>
+            <a:ln w="12700">
+              <a:tailEnd type="triangle"/>
+            </a:ln>
+          </p:spPr>
+          <p:style>
+            <a:lnRef idx="1">
+              <a:schemeClr val="accent1"/>
+            </a:lnRef>
+            <a:fillRef idx="0">
+              <a:schemeClr val="accent1"/>
+            </a:fillRef>
+            <a:effectRef idx="0">
+              <a:schemeClr val="accent1"/>
+            </a:effectRef>
+            <a:fontRef idx="minor">
+              <a:schemeClr val="tx1"/>
+            </a:fontRef>
+          </p:style>
+        </p:cxnSp>
+        <p:cxnSp>
+          <p:nvCxnSpPr>
+            <p:cNvPr id="152" name="Straight Arrow Connector 151">
+              <a:extLst>
+                <a:ext uri="{FF2B5EF4-FFF2-40B4-BE49-F238E27FC236}">
+                  <a16:creationId xmlns:a16="http://schemas.microsoft.com/office/drawing/2014/main" id="{6EF263BE-F17A-45C8-9290-FA48D44D200B}"/>
+                </a:ext>
+              </a:extLst>
+            </p:cNvPr>
+            <p:cNvCxnSpPr/>
+            <p:nvPr/>
+          </p:nvCxnSpPr>
+          <p:spPr>
+            <a:xfrm>
+              <a:off x="5212965" y="4122708"/>
+              <a:ext cx="235769" cy="0"/>
+            </a:xfrm>
+            <a:prstGeom prst="straightConnector1">
+              <a:avLst/>
+            </a:prstGeom>
+            <a:ln w="12700">
+              <a:tailEnd type="triangle"/>
+            </a:ln>
+          </p:spPr>
+          <p:style>
+            <a:lnRef idx="1">
+              <a:schemeClr val="accent1"/>
+            </a:lnRef>
+            <a:fillRef idx="0">
+              <a:schemeClr val="accent1"/>
+            </a:fillRef>
+            <a:effectRef idx="0">
+              <a:schemeClr val="accent1"/>
+            </a:effectRef>
+            <a:fontRef idx="minor">
+              <a:schemeClr val="tx1"/>
+            </a:fontRef>
+          </p:style>
+        </p:cxnSp>
+        <p:sp>
+          <p:nvSpPr>
+            <p:cNvPr id="153" name="TextBox 152">
+              <a:extLst>
+                <a:ext uri="{FF2B5EF4-FFF2-40B4-BE49-F238E27FC236}">
+                  <a16:creationId xmlns:a16="http://schemas.microsoft.com/office/drawing/2014/main" id="{9DD3F948-FD73-417B-A172-1F7A347B9538}"/>
+                </a:ext>
+              </a:extLst>
+            </p:cNvPr>
+            <p:cNvSpPr txBox="1"/>
+            <p:nvPr/>
+          </p:nvSpPr>
+          <p:spPr>
+            <a:xfrm>
+              <a:off x="6027114" y="1888040"/>
+              <a:ext cx="1631539" cy="646331"/>
+            </a:xfrm>
+            <a:prstGeom prst="rect">
+              <a:avLst/>
+            </a:prstGeom>
+            <a:gradFill flip="none" rotWithShape="1">
+              <a:gsLst>
+                <a:gs pos="0">
+                  <a:schemeClr val="accent5">
+                    <a:lumMod val="67000"/>
+                  </a:schemeClr>
+                </a:gs>
+                <a:gs pos="48000">
+                  <a:schemeClr val="accent5">
+                    <a:lumMod val="97000"/>
+                    <a:lumOff val="3000"/>
+                  </a:schemeClr>
+                </a:gs>
+                <a:gs pos="100000">
+                  <a:schemeClr val="accent5">
+                    <a:lumMod val="60000"/>
+                    <a:lumOff val="40000"/>
+                  </a:schemeClr>
+                </a:gs>
+              </a:gsLst>
+              <a:lin ang="16200000" scaled="1"/>
+              <a:tileRect/>
+            </a:gradFill>
+            <a:ln>
+              <a:noFill/>
+            </a:ln>
+          </p:spPr>
+          <p:style>
+            <a:lnRef idx="0">
+              <a:scrgbClr r="0" g="0" b="0"/>
+            </a:lnRef>
+            <a:fillRef idx="0">
+              <a:scrgbClr r="0" g="0" b="0"/>
+            </a:fillRef>
+            <a:effectRef idx="0">
+              <a:scrgbClr r="0" g="0" b="0"/>
+            </a:effectRef>
+            <a:fontRef idx="minor">
+              <a:schemeClr val="lt1"/>
+            </a:fontRef>
+          </p:style>
+          <p:txBody>
+            <a:bodyPr wrap="square" rtlCol="0">
+              <a:spAutoFit/>
+            </a:bodyPr>
+            <a:lstStyle/>
+            <a:p>
+              <a:pPr algn="ctr"/>
+              <a:r>
+                <a:rPr lang="en-US" dirty="0"/>
+                <a:t>Method-level</a:t>
+              </a:r>
+            </a:p>
+            <a:p>
+              <a:pPr algn="ctr"/>
+              <a:r>
+                <a:rPr lang="en-US" dirty="0"/>
+                <a:t>FL Model</a:t>
+              </a:r>
+            </a:p>
+          </p:txBody>
+        </p:sp>
+        <p:sp>
+          <p:nvSpPr>
+            <p:cNvPr id="154" name="TextBox 153">
+              <a:extLst>
+                <a:ext uri="{FF2B5EF4-FFF2-40B4-BE49-F238E27FC236}">
+                  <a16:creationId xmlns:a16="http://schemas.microsoft.com/office/drawing/2014/main" id="{64682A9A-6251-4D7F-B83A-D79B8E832C25}"/>
+                </a:ext>
+              </a:extLst>
+            </p:cNvPr>
+            <p:cNvSpPr txBox="1"/>
+            <p:nvPr/>
+          </p:nvSpPr>
+          <p:spPr>
+            <a:xfrm>
+              <a:off x="6027114" y="3966478"/>
+              <a:ext cx="1631539" cy="646331"/>
+            </a:xfrm>
+            <a:prstGeom prst="rect">
+              <a:avLst/>
+            </a:prstGeom>
+            <a:gradFill flip="none" rotWithShape="1">
+              <a:gsLst>
+                <a:gs pos="0">
+                  <a:schemeClr val="accent5">
+                    <a:lumMod val="67000"/>
+                  </a:schemeClr>
+                </a:gs>
+                <a:gs pos="48000">
+                  <a:schemeClr val="accent5">
+                    <a:lumMod val="97000"/>
+                    <a:lumOff val="3000"/>
+                  </a:schemeClr>
+                </a:gs>
+                <a:gs pos="100000">
+                  <a:schemeClr val="accent5">
+                    <a:lumMod val="60000"/>
+                    <a:lumOff val="40000"/>
+                  </a:schemeClr>
+                </a:gs>
+              </a:gsLst>
+              <a:lin ang="16200000" scaled="1"/>
+              <a:tileRect/>
+            </a:gradFill>
+            <a:ln>
+              <a:noFill/>
+            </a:ln>
+          </p:spPr>
+          <p:style>
+            <a:lnRef idx="0">
+              <a:scrgbClr r="0" g="0" b="0"/>
+            </a:lnRef>
+            <a:fillRef idx="0">
+              <a:scrgbClr r="0" g="0" b="0"/>
+            </a:fillRef>
+            <a:effectRef idx="0">
+              <a:scrgbClr r="0" g="0" b="0"/>
+            </a:effectRef>
+            <a:fontRef idx="minor">
+              <a:schemeClr val="lt1"/>
+            </a:fontRef>
+          </p:style>
+          <p:txBody>
+            <a:bodyPr wrap="square" rtlCol="0">
+              <a:spAutoFit/>
+            </a:bodyPr>
+            <a:lstStyle/>
+            <a:p>
+              <a:pPr algn="ctr"/>
+              <a:r>
+                <a:rPr lang="en-US" dirty="0" err="1"/>
+                <a:t>Stmt</a:t>
+              </a:r>
+              <a:r>
+                <a:rPr lang="en-US" dirty="0"/>
+                <a:t>-level</a:t>
+              </a:r>
+            </a:p>
+            <a:p>
+              <a:pPr algn="ctr"/>
+              <a:r>
+                <a:rPr lang="en-US" dirty="0"/>
+                <a:t>FL Model</a:t>
+              </a:r>
+            </a:p>
+          </p:txBody>
+        </p:sp>
+        <p:sp>
+          <p:nvSpPr>
+            <p:cNvPr id="155" name="TextBox 154">
+              <a:extLst>
+                <a:ext uri="{FF2B5EF4-FFF2-40B4-BE49-F238E27FC236}">
+                  <a16:creationId xmlns:a16="http://schemas.microsoft.com/office/drawing/2014/main" id="{37A1A2B7-5ADE-42B6-B8CA-798FA8BE0861}"/>
+                </a:ext>
+              </a:extLst>
+            </p:cNvPr>
+            <p:cNvSpPr txBox="1"/>
+            <p:nvPr/>
+          </p:nvSpPr>
+          <p:spPr>
+            <a:xfrm>
+              <a:off x="6027113" y="3059668"/>
+              <a:ext cx="1631539" cy="369332"/>
+            </a:xfrm>
+            <a:prstGeom prst="rect">
+              <a:avLst/>
+            </a:prstGeom>
+            <a:gradFill flip="none" rotWithShape="1">
+              <a:gsLst>
+                <a:gs pos="0">
+                  <a:schemeClr val="accent5">
+                    <a:lumMod val="67000"/>
+                  </a:schemeClr>
+                </a:gs>
+                <a:gs pos="48000">
+                  <a:schemeClr val="accent5">
+                    <a:lumMod val="97000"/>
+                    <a:lumOff val="3000"/>
+                  </a:schemeClr>
+                </a:gs>
+                <a:gs pos="100000">
+                  <a:schemeClr val="accent5">
+                    <a:lumMod val="60000"/>
+                    <a:lumOff val="40000"/>
+                  </a:schemeClr>
+                </a:gs>
+              </a:gsLst>
+              <a:lin ang="16200000" scaled="1"/>
+              <a:tileRect/>
+            </a:gradFill>
+            <a:ln>
+              <a:noFill/>
+            </a:ln>
+          </p:spPr>
+          <p:style>
+            <a:lnRef idx="0">
+              <a:scrgbClr r="0" g="0" b="0"/>
+            </a:lnRef>
+            <a:fillRef idx="0">
+              <a:scrgbClr r="0" g="0" b="0"/>
+            </a:fillRef>
+            <a:effectRef idx="0">
+              <a:scrgbClr r="0" g="0" b="0"/>
+            </a:effectRef>
+            <a:fontRef idx="minor">
+              <a:schemeClr val="lt1"/>
+            </a:fontRef>
+          </p:style>
+          <p:txBody>
+            <a:bodyPr wrap="square" rtlCol="0">
+              <a:spAutoFit/>
+            </a:bodyPr>
+            <a:lstStyle/>
+            <a:p>
+              <a:pPr algn="ctr"/>
+              <a:r>
+                <a:rPr lang="en-US" dirty="0"/>
+                <a:t>Joint Training</a:t>
+              </a:r>
+            </a:p>
+          </p:txBody>
+        </p:sp>
+        <p:cxnSp>
+          <p:nvCxnSpPr>
+            <p:cNvPr id="156" name="Straight Arrow Connector 155">
+              <a:extLst>
+                <a:ext uri="{FF2B5EF4-FFF2-40B4-BE49-F238E27FC236}">
+                  <a16:creationId xmlns:a16="http://schemas.microsoft.com/office/drawing/2014/main" id="{4F5EF4EA-791A-4752-B567-AC589101715F}"/>
+                </a:ext>
+              </a:extLst>
+            </p:cNvPr>
+            <p:cNvCxnSpPr/>
+            <p:nvPr/>
+          </p:nvCxnSpPr>
+          <p:spPr>
+            <a:xfrm>
+              <a:off x="5791344" y="2211205"/>
+              <a:ext cx="235769" cy="0"/>
+            </a:xfrm>
+            <a:prstGeom prst="straightConnector1">
+              <a:avLst/>
+            </a:prstGeom>
+            <a:ln w="12700">
+              <a:tailEnd type="triangle"/>
+            </a:ln>
+          </p:spPr>
+          <p:style>
+            <a:lnRef idx="1">
+              <a:schemeClr val="accent1"/>
+            </a:lnRef>
+            <a:fillRef idx="0">
+              <a:schemeClr val="accent1"/>
+            </a:fillRef>
+            <a:effectRef idx="0">
+              <a:schemeClr val="accent1"/>
+            </a:effectRef>
+            <a:fontRef idx="minor">
+              <a:schemeClr val="tx1"/>
+            </a:fontRef>
+          </p:style>
+        </p:cxnSp>
+        <p:cxnSp>
+          <p:nvCxnSpPr>
+            <p:cNvPr id="157" name="Straight Arrow Connector 156">
+              <a:extLst>
+                <a:ext uri="{FF2B5EF4-FFF2-40B4-BE49-F238E27FC236}">
+                  <a16:creationId xmlns:a16="http://schemas.microsoft.com/office/drawing/2014/main" id="{FC354CA0-763F-4526-86D8-E499267241BE}"/>
+                </a:ext>
+              </a:extLst>
+            </p:cNvPr>
+            <p:cNvCxnSpPr/>
+            <p:nvPr/>
+          </p:nvCxnSpPr>
+          <p:spPr>
+            <a:xfrm>
+              <a:off x="5791344" y="4289643"/>
+              <a:ext cx="235769" cy="0"/>
+            </a:xfrm>
+            <a:prstGeom prst="straightConnector1">
+              <a:avLst/>
+            </a:prstGeom>
+            <a:ln w="12700">
+              <a:tailEnd type="triangle"/>
+            </a:ln>
+          </p:spPr>
+          <p:style>
+            <a:lnRef idx="1">
+              <a:schemeClr val="accent1"/>
+            </a:lnRef>
+            <a:fillRef idx="0">
+              <a:schemeClr val="accent1"/>
+            </a:fillRef>
+            <a:effectRef idx="0">
+              <a:schemeClr val="accent1"/>
+            </a:effectRef>
+            <a:fontRef idx="minor">
+              <a:schemeClr val="tx1"/>
+            </a:fontRef>
+          </p:style>
+        </p:cxnSp>
+        <p:cxnSp>
+          <p:nvCxnSpPr>
+            <p:cNvPr id="159" name="Straight Connector 158">
+              <a:extLst>
+                <a:ext uri="{FF2B5EF4-FFF2-40B4-BE49-F238E27FC236}">
+                  <a16:creationId xmlns:a16="http://schemas.microsoft.com/office/drawing/2014/main" id="{27F67FA0-CA2F-4631-A651-7F5ADD22B759}"/>
+                </a:ext>
+              </a:extLst>
+            </p:cNvPr>
+            <p:cNvCxnSpPr>
+              <a:stCxn id="153" idx="2"/>
+              <a:endCxn id="155" idx="0"/>
+            </p:cNvCxnSpPr>
+            <p:nvPr/>
+          </p:nvCxnSpPr>
+          <p:spPr>
+            <a:xfrm flipH="1">
+              <a:off x="6842883" y="2534371"/>
+              <a:ext cx="1" cy="525297"/>
+            </a:xfrm>
+            <a:prstGeom prst="line">
+              <a:avLst/>
+            </a:prstGeom>
+            <a:ln w="12700"/>
+          </p:spPr>
+          <p:style>
+            <a:lnRef idx="1">
+              <a:schemeClr val="dk1"/>
+            </a:lnRef>
+            <a:fillRef idx="0">
+              <a:schemeClr val="dk1"/>
+            </a:fillRef>
+            <a:effectRef idx="0">
+              <a:schemeClr val="dk1"/>
+            </a:effectRef>
+            <a:fontRef idx="minor">
+              <a:schemeClr val="tx1"/>
+            </a:fontRef>
+          </p:style>
+        </p:cxnSp>
+        <p:cxnSp>
+          <p:nvCxnSpPr>
+            <p:cNvPr id="160" name="Straight Connector 159">
+              <a:extLst>
+                <a:ext uri="{FF2B5EF4-FFF2-40B4-BE49-F238E27FC236}">
+                  <a16:creationId xmlns:a16="http://schemas.microsoft.com/office/drawing/2014/main" id="{D8BE09C1-4AF9-41C9-B9D4-09C71B2FF7D2}"/>
+                </a:ext>
+              </a:extLst>
+            </p:cNvPr>
+            <p:cNvCxnSpPr/>
+            <p:nvPr/>
+          </p:nvCxnSpPr>
+          <p:spPr>
+            <a:xfrm flipH="1">
+              <a:off x="6846632" y="3430344"/>
+              <a:ext cx="1" cy="525297"/>
+            </a:xfrm>
+            <a:prstGeom prst="line">
+              <a:avLst/>
+            </a:prstGeom>
+            <a:ln w="12700"/>
+          </p:spPr>
+          <p:style>
+            <a:lnRef idx="1">
+              <a:schemeClr val="dk1"/>
+            </a:lnRef>
+            <a:fillRef idx="0">
+              <a:schemeClr val="dk1"/>
+            </a:fillRef>
+            <a:effectRef idx="0">
+              <a:schemeClr val="dk1"/>
+            </a:effectRef>
+            <a:fontRef idx="minor">
+              <a:schemeClr val="tx1"/>
+            </a:fontRef>
+          </p:style>
+        </p:cxnSp>
+        <p:grpSp>
+          <p:nvGrpSpPr>
+            <p:cNvPr id="194" name="Group 193">
+              <a:extLst>
+                <a:ext uri="{FF2B5EF4-FFF2-40B4-BE49-F238E27FC236}">
+                  <a16:creationId xmlns:a16="http://schemas.microsoft.com/office/drawing/2014/main" id="{388B4CC7-98E1-4126-B464-6135900858D5}"/>
+                </a:ext>
+              </a:extLst>
+            </p:cNvPr>
+            <p:cNvGrpSpPr/>
+            <p:nvPr/>
+          </p:nvGrpSpPr>
+          <p:grpSpPr>
+            <a:xfrm>
+              <a:off x="8119966" y="2679909"/>
+              <a:ext cx="1624750" cy="1375459"/>
+              <a:chOff x="3453001" y="3370086"/>
+              <a:chExt cx="1624750" cy="1375459"/>
+            </a:xfrm>
+          </p:grpSpPr>
+          <p:grpSp>
+            <p:nvGrpSpPr>
+              <p:cNvPr id="195" name="Group 194">
+                <a:extLst>
+                  <a:ext uri="{FF2B5EF4-FFF2-40B4-BE49-F238E27FC236}">
+                    <a16:creationId xmlns:a16="http://schemas.microsoft.com/office/drawing/2014/main" id="{450EBF04-D5E6-4D08-838D-6577F627F980}"/>
+                  </a:ext>
+                </a:extLst>
+              </p:cNvPr>
+              <p:cNvGrpSpPr/>
+              <p:nvPr/>
+            </p:nvGrpSpPr>
+            <p:grpSpPr>
+              <a:xfrm>
+                <a:off x="3690538" y="3506089"/>
+                <a:ext cx="1023821" cy="1021105"/>
+                <a:chOff x="-63500" y="50800"/>
+                <a:chExt cx="1003300" cy="1074111"/>
+              </a:xfrm>
+            </p:grpSpPr>
+            <p:sp>
+              <p:nvSpPr>
+                <p:cNvPr id="210" name="Oval 209">
+                  <a:extLst>
+                    <a:ext uri="{FF2B5EF4-FFF2-40B4-BE49-F238E27FC236}">
+                      <a16:creationId xmlns:a16="http://schemas.microsoft.com/office/drawing/2014/main" id="{D4A22691-8B7B-493A-996C-23A6C28E2A33}"/>
+                    </a:ext>
+                  </a:extLst>
+                </p:cNvPr>
+                <p:cNvSpPr/>
+                <p:nvPr/>
+              </p:nvSpPr>
+              <p:spPr>
+                <a:xfrm>
+                  <a:off x="368300" y="488950"/>
+                  <a:ext cx="114300" cy="115261"/>
+                </a:xfrm>
+                <a:prstGeom prst="ellipse">
+                  <a:avLst/>
+                </a:prstGeom>
+                <a:solidFill>
+                  <a:schemeClr val="accent2">
+                    <a:lumMod val="60000"/>
+                    <a:lumOff val="40000"/>
+                  </a:schemeClr>
+                </a:solidFill>
+                <a:ln>
+                  <a:solidFill>
+                    <a:srgbClr val="C00000"/>
+                  </a:solidFill>
+                </a:ln>
+              </p:spPr>
+              <p:style>
+                <a:lnRef idx="2">
+                  <a:schemeClr val="accent1">
+                    <a:shade val="50000"/>
+                  </a:schemeClr>
+                </a:lnRef>
+                <a:fillRef idx="1">
+                  <a:schemeClr val="accent1"/>
+                </a:fillRef>
+                <a:effectRef idx="0">
+                  <a:schemeClr val="accent1"/>
+                </a:effectRef>
+                <a:fontRef idx="minor">
+                  <a:schemeClr val="lt1"/>
+                </a:fontRef>
+              </p:style>
+              <p:txBody>
+                <a:bodyPr rot="0" spcFirstLastPara="0" vert="horz" wrap="square" lIns="91440" tIns="45720" rIns="91440" bIns="45720" numCol="1" spcCol="0" rtlCol="0" fromWordArt="0" anchor="ctr" anchorCtr="0" forceAA="0" compatLnSpc="1">
+                  <a:prstTxWarp prst="textNoShape">
+                    <a:avLst/>
+                  </a:prstTxWarp>
+                  <a:noAutofit/>
+                </a:bodyPr>
+                <a:lstStyle/>
+                <a:p>
+                  <a:endParaRPr lang="en-US">
+                    <a:solidFill>
+                      <a:schemeClr val="tx1"/>
+                    </a:solidFill>
+                  </a:endParaRPr>
+                </a:p>
+              </p:txBody>
+            </p:sp>
+            <p:sp>
+              <p:nvSpPr>
+                <p:cNvPr id="211" name="Oval 210">
+                  <a:extLst>
+                    <a:ext uri="{FF2B5EF4-FFF2-40B4-BE49-F238E27FC236}">
+                      <a16:creationId xmlns:a16="http://schemas.microsoft.com/office/drawing/2014/main" id="{A106255B-8573-4D00-BEBB-F83BFE201390}"/>
+                    </a:ext>
+                  </a:extLst>
+                </p:cNvPr>
+                <p:cNvSpPr/>
+                <p:nvPr/>
+              </p:nvSpPr>
+              <p:spPr>
+                <a:xfrm>
+                  <a:off x="-63500" y="590786"/>
+                  <a:ext cx="114300" cy="115261"/>
+                </a:xfrm>
+                <a:prstGeom prst="ellipse">
+                  <a:avLst/>
+                </a:prstGeom>
+                <a:solidFill>
+                  <a:schemeClr val="accent4">
+                    <a:lumMod val="20000"/>
+                    <a:lumOff val="80000"/>
+                  </a:schemeClr>
+                </a:solidFill>
+                <a:ln>
+                  <a:solidFill>
+                    <a:schemeClr val="accent4">
+                      <a:lumMod val="60000"/>
+                      <a:lumOff val="40000"/>
+                    </a:schemeClr>
+                  </a:solidFill>
+                </a:ln>
+              </p:spPr>
+              <p:style>
+                <a:lnRef idx="2">
+                  <a:schemeClr val="accent1">
+                    <a:shade val="50000"/>
+                  </a:schemeClr>
+                </a:lnRef>
+                <a:fillRef idx="1">
+                  <a:schemeClr val="accent1"/>
+                </a:fillRef>
+                <a:effectRef idx="0">
+                  <a:schemeClr val="accent1"/>
+                </a:effectRef>
+                <a:fontRef idx="minor">
+                  <a:schemeClr val="lt1"/>
+                </a:fontRef>
+              </p:style>
+              <p:txBody>
+                <a:bodyPr rot="0" spcFirstLastPara="0" vert="horz" wrap="square" lIns="91440" tIns="45720" rIns="91440" bIns="45720" numCol="1" spcCol="0" rtlCol="0" fromWordArt="0" anchor="ctr" anchorCtr="0" forceAA="0" compatLnSpc="1">
+                  <a:prstTxWarp prst="textNoShape">
+                    <a:avLst/>
+                  </a:prstTxWarp>
+                  <a:noAutofit/>
+                </a:bodyPr>
+                <a:lstStyle/>
+                <a:p>
+                  <a:endParaRPr lang="en-US">
+                    <a:solidFill>
+                      <a:schemeClr val="tx1"/>
+                    </a:solidFill>
+                  </a:endParaRPr>
+                </a:p>
+              </p:txBody>
+            </p:sp>
+            <p:sp>
+              <p:nvSpPr>
+                <p:cNvPr id="212" name="Oval 211">
+                  <a:extLst>
+                    <a:ext uri="{FF2B5EF4-FFF2-40B4-BE49-F238E27FC236}">
+                      <a16:creationId xmlns:a16="http://schemas.microsoft.com/office/drawing/2014/main" id="{F4EB7643-85DA-49E5-9F53-B82EAB7EEEDA}"/>
+                    </a:ext>
+                  </a:extLst>
+                </p:cNvPr>
+                <p:cNvSpPr/>
+                <p:nvPr/>
+              </p:nvSpPr>
+              <p:spPr>
+                <a:xfrm>
+                  <a:off x="406400" y="50800"/>
+                  <a:ext cx="114300" cy="115261"/>
+                </a:xfrm>
+                <a:prstGeom prst="ellipse">
+                  <a:avLst/>
+                </a:prstGeom>
+                <a:solidFill>
+                  <a:schemeClr val="accent4">
+                    <a:lumMod val="20000"/>
+                    <a:lumOff val="80000"/>
+                  </a:schemeClr>
+                </a:solidFill>
+                <a:ln>
+                  <a:solidFill>
+                    <a:schemeClr val="accent4">
+                      <a:lumMod val="60000"/>
+                      <a:lumOff val="40000"/>
+                    </a:schemeClr>
+                  </a:solidFill>
+                </a:ln>
+              </p:spPr>
+              <p:style>
+                <a:lnRef idx="2">
+                  <a:schemeClr val="accent1">
+                    <a:shade val="50000"/>
+                  </a:schemeClr>
+                </a:lnRef>
+                <a:fillRef idx="1">
+                  <a:schemeClr val="accent1"/>
+                </a:fillRef>
+                <a:effectRef idx="0">
+                  <a:schemeClr val="accent1"/>
+                </a:effectRef>
+                <a:fontRef idx="minor">
+                  <a:schemeClr val="lt1"/>
+                </a:fontRef>
+              </p:style>
+              <p:txBody>
+                <a:bodyPr rot="0" spcFirstLastPara="0" vert="horz" wrap="square" lIns="91440" tIns="45720" rIns="91440" bIns="45720" numCol="1" spcCol="0" rtlCol="0" fromWordArt="0" anchor="ctr" anchorCtr="0" forceAA="0" compatLnSpc="1">
+                  <a:prstTxWarp prst="textNoShape">
+                    <a:avLst/>
+                  </a:prstTxWarp>
+                  <a:noAutofit/>
+                </a:bodyPr>
+                <a:lstStyle/>
+                <a:p>
+                  <a:endParaRPr lang="en-US">
+                    <a:solidFill>
+                      <a:schemeClr val="tx1"/>
+                    </a:solidFill>
+                  </a:endParaRPr>
+                </a:p>
+              </p:txBody>
+            </p:sp>
+            <p:sp>
+              <p:nvSpPr>
+                <p:cNvPr id="213" name="Oval 212">
+                  <a:extLst>
+                    <a:ext uri="{FF2B5EF4-FFF2-40B4-BE49-F238E27FC236}">
+                      <a16:creationId xmlns:a16="http://schemas.microsoft.com/office/drawing/2014/main" id="{DC8FF376-591E-4DDC-BEAB-9604A1EB04CF}"/>
+                    </a:ext>
+                  </a:extLst>
+                </p:cNvPr>
+                <p:cNvSpPr/>
+                <p:nvPr/>
+              </p:nvSpPr>
+              <p:spPr>
+                <a:xfrm>
+                  <a:off x="825500" y="539750"/>
+                  <a:ext cx="114300" cy="115261"/>
+                </a:xfrm>
+                <a:prstGeom prst="ellipse">
+                  <a:avLst/>
+                </a:prstGeom>
+                <a:solidFill>
+                  <a:schemeClr val="accent4">
+                    <a:lumMod val="20000"/>
+                    <a:lumOff val="80000"/>
+                  </a:schemeClr>
+                </a:solidFill>
+                <a:ln>
+                  <a:solidFill>
+                    <a:schemeClr val="accent4">
+                      <a:lumMod val="60000"/>
+                      <a:lumOff val="40000"/>
+                    </a:schemeClr>
+                  </a:solidFill>
+                </a:ln>
+              </p:spPr>
+              <p:style>
+                <a:lnRef idx="2">
+                  <a:schemeClr val="accent1">
+                    <a:shade val="50000"/>
+                  </a:schemeClr>
+                </a:lnRef>
+                <a:fillRef idx="1">
+                  <a:schemeClr val="accent1"/>
+                </a:fillRef>
+                <a:effectRef idx="0">
+                  <a:schemeClr val="accent1"/>
+                </a:effectRef>
+                <a:fontRef idx="minor">
+                  <a:schemeClr val="lt1"/>
+                </a:fontRef>
+              </p:style>
+              <p:txBody>
+                <a:bodyPr rot="0" spcFirstLastPara="0" vert="horz" wrap="square" lIns="91440" tIns="45720" rIns="91440" bIns="45720" numCol="1" spcCol="0" rtlCol="0" fromWordArt="0" anchor="ctr" anchorCtr="0" forceAA="0" compatLnSpc="1">
+                  <a:prstTxWarp prst="textNoShape">
+                    <a:avLst/>
+                  </a:prstTxWarp>
+                  <a:noAutofit/>
+                </a:bodyPr>
+                <a:lstStyle/>
+                <a:p>
+                  <a:endParaRPr lang="en-US">
+                    <a:solidFill>
+                      <a:schemeClr val="tx1"/>
+                    </a:solidFill>
+                  </a:endParaRPr>
+                </a:p>
+              </p:txBody>
+            </p:sp>
+            <p:sp>
+              <p:nvSpPr>
+                <p:cNvPr id="214" name="Oval 213">
+                  <a:extLst>
+                    <a:ext uri="{FF2B5EF4-FFF2-40B4-BE49-F238E27FC236}">
+                      <a16:creationId xmlns:a16="http://schemas.microsoft.com/office/drawing/2014/main" id="{455499F8-260D-474B-9DB5-2993CBBB817D}"/>
+                    </a:ext>
+                  </a:extLst>
+                </p:cNvPr>
+                <p:cNvSpPr/>
+                <p:nvPr/>
+              </p:nvSpPr>
+              <p:spPr>
+                <a:xfrm>
+                  <a:off x="355600" y="1009650"/>
+                  <a:ext cx="114300" cy="115261"/>
+                </a:xfrm>
+                <a:prstGeom prst="ellipse">
+                  <a:avLst/>
+                </a:prstGeom>
+                <a:solidFill>
+                  <a:schemeClr val="accent4">
+                    <a:lumMod val="20000"/>
+                    <a:lumOff val="80000"/>
+                  </a:schemeClr>
+                </a:solidFill>
+                <a:ln>
+                  <a:solidFill>
+                    <a:schemeClr val="accent4">
+                      <a:lumMod val="60000"/>
+                      <a:lumOff val="40000"/>
+                    </a:schemeClr>
+                  </a:solidFill>
+                </a:ln>
+              </p:spPr>
+              <p:style>
+                <a:lnRef idx="2">
+                  <a:schemeClr val="accent1">
+                    <a:shade val="50000"/>
+                  </a:schemeClr>
+                </a:lnRef>
+                <a:fillRef idx="1">
+                  <a:schemeClr val="accent1"/>
+                </a:fillRef>
+                <a:effectRef idx="0">
+                  <a:schemeClr val="accent1"/>
+                </a:effectRef>
+                <a:fontRef idx="minor">
+                  <a:schemeClr val="lt1"/>
+                </a:fontRef>
+              </p:style>
+              <p:txBody>
+                <a:bodyPr rot="0" spcFirstLastPara="0" vert="horz" wrap="square" lIns="91440" tIns="45720" rIns="91440" bIns="45720" numCol="1" spcCol="0" rtlCol="0" fromWordArt="0" anchor="ctr" anchorCtr="0" forceAA="0" compatLnSpc="1">
+                  <a:prstTxWarp prst="textNoShape">
+                    <a:avLst/>
+                  </a:prstTxWarp>
+                  <a:noAutofit/>
+                </a:bodyPr>
+                <a:lstStyle/>
+                <a:p>
+                  <a:endParaRPr lang="en-US">
+                    <a:solidFill>
+                      <a:schemeClr val="tx1"/>
+                    </a:solidFill>
+                  </a:endParaRPr>
+                </a:p>
+              </p:txBody>
+            </p:sp>
+          </p:grpSp>
+          <p:cxnSp>
+            <p:nvCxnSpPr>
+              <p:cNvPr id="196" name="Straight Arrow Connector 195">
+                <a:extLst>
+                  <a:ext uri="{FF2B5EF4-FFF2-40B4-BE49-F238E27FC236}">
+                    <a16:creationId xmlns:a16="http://schemas.microsoft.com/office/drawing/2014/main" id="{06EF67B4-30A4-4167-8F79-9C901EF75514}"/>
+                  </a:ext>
+                </a:extLst>
+              </p:cNvPr>
+              <p:cNvCxnSpPr>
+                <a:stCxn id="214" idx="7"/>
+                <a:endCxn id="213" idx="3"/>
+              </p:cNvCxnSpPr>
+              <p:nvPr/>
+            </p:nvCxnSpPr>
+            <p:spPr>
+              <a:xfrm flipV="1">
+                <a:off x="4217767" y="4064146"/>
+                <a:ext cx="397036" cy="369055"/>
+              </a:xfrm>
+              <a:prstGeom prst="straightConnector1">
+                <a:avLst/>
+              </a:prstGeom>
+              <a:ln w="12700">
+                <a:solidFill>
+                  <a:schemeClr val="tx1"/>
+                </a:solidFill>
+                <a:tailEnd type="triangle" w="sm" len="med"/>
+              </a:ln>
+            </p:spPr>
+            <p:style>
+              <a:lnRef idx="1">
+                <a:schemeClr val="accent1"/>
+              </a:lnRef>
+              <a:fillRef idx="0">
+                <a:schemeClr val="accent1"/>
+              </a:fillRef>
+              <a:effectRef idx="0">
+                <a:schemeClr val="accent1"/>
+              </a:effectRef>
+              <a:fontRef idx="minor">
+                <a:schemeClr val="tx1"/>
+              </a:fontRef>
+            </p:style>
+          </p:cxnSp>
+          <p:cxnSp>
+            <p:nvCxnSpPr>
+              <p:cNvPr id="197" name="Straight Arrow Connector 196">
+                <a:extLst>
+                  <a:ext uri="{FF2B5EF4-FFF2-40B4-BE49-F238E27FC236}">
+                    <a16:creationId xmlns:a16="http://schemas.microsoft.com/office/drawing/2014/main" id="{EACB575F-793E-4D29-89D0-6A58452C72CA}"/>
+                  </a:ext>
+                </a:extLst>
+              </p:cNvPr>
+              <p:cNvCxnSpPr>
+                <a:stCxn id="211" idx="4"/>
+              </p:cNvCxnSpPr>
+              <p:nvPr/>
+            </p:nvCxnSpPr>
+            <p:spPr>
+              <a:xfrm flipH="1">
+                <a:off x="3606300" y="4128680"/>
+                <a:ext cx="142557" cy="336976"/>
+              </a:xfrm>
+              <a:prstGeom prst="straightConnector1">
+                <a:avLst/>
+              </a:prstGeom>
+              <a:ln w="12700">
+                <a:solidFill>
+                  <a:schemeClr val="tx1"/>
+                </a:solidFill>
+                <a:tailEnd type="triangle" w="sm" len="med"/>
+              </a:ln>
+            </p:spPr>
+            <p:style>
+              <a:lnRef idx="1">
+                <a:schemeClr val="accent1"/>
+              </a:lnRef>
+              <a:fillRef idx="0">
+                <a:schemeClr val="accent1"/>
+              </a:fillRef>
+              <a:effectRef idx="0">
+                <a:schemeClr val="accent1"/>
+              </a:effectRef>
+              <a:fontRef idx="minor">
+                <a:schemeClr val="tx1"/>
+              </a:fontRef>
+            </p:style>
+          </p:cxnSp>
+          <p:cxnSp>
+            <p:nvCxnSpPr>
+              <p:cNvPr id="198" name="Straight Arrow Connector 197">
+                <a:extLst>
+                  <a:ext uri="{FF2B5EF4-FFF2-40B4-BE49-F238E27FC236}">
+                    <a16:creationId xmlns:a16="http://schemas.microsoft.com/office/drawing/2014/main" id="{14CE1DFB-36D9-4CF5-B65F-8BC2744CEAD1}"/>
+                  </a:ext>
+                </a:extLst>
+              </p:cNvPr>
+              <p:cNvCxnSpPr>
+                <a:stCxn id="211" idx="6"/>
+                <a:endCxn id="210" idx="2"/>
+              </p:cNvCxnSpPr>
+              <p:nvPr/>
+            </p:nvCxnSpPr>
+            <p:spPr>
+              <a:xfrm flipV="1">
+                <a:off x="3807176" y="3977155"/>
+                <a:ext cx="323994" cy="96765"/>
+              </a:xfrm>
+              <a:prstGeom prst="straightConnector1">
+                <a:avLst/>
+              </a:prstGeom>
+              <a:ln w="12700">
+                <a:solidFill>
+                  <a:schemeClr val="tx1"/>
+                </a:solidFill>
+                <a:tailEnd type="triangle" w="sm" len="med"/>
+              </a:ln>
+            </p:spPr>
+            <p:style>
+              <a:lnRef idx="1">
+                <a:schemeClr val="accent1"/>
+              </a:lnRef>
+              <a:fillRef idx="0">
+                <a:schemeClr val="accent1"/>
+              </a:fillRef>
+              <a:effectRef idx="0">
+                <a:schemeClr val="accent1"/>
+              </a:effectRef>
+              <a:fontRef idx="minor">
+                <a:schemeClr val="tx1"/>
+              </a:fontRef>
+            </p:style>
+          </p:cxnSp>
+          <p:cxnSp>
+            <p:nvCxnSpPr>
+              <p:cNvPr id="199" name="Straight Arrow Connector 198">
+                <a:extLst>
+                  <a:ext uri="{FF2B5EF4-FFF2-40B4-BE49-F238E27FC236}">
+                    <a16:creationId xmlns:a16="http://schemas.microsoft.com/office/drawing/2014/main" id="{12AFEFE4-FDA3-42ED-A8D8-1540D5717BC9}"/>
+                  </a:ext>
+                </a:extLst>
+              </p:cNvPr>
+              <p:cNvCxnSpPr>
+                <a:endCxn id="214" idx="3"/>
+              </p:cNvCxnSpPr>
+              <p:nvPr/>
+            </p:nvCxnSpPr>
+            <p:spPr>
+              <a:xfrm flipV="1">
+                <a:off x="3976664" y="4510672"/>
+                <a:ext cx="158164" cy="234873"/>
+              </a:xfrm>
+              <a:prstGeom prst="straightConnector1">
+                <a:avLst/>
+              </a:prstGeom>
+              <a:ln w="12700">
+                <a:solidFill>
+                  <a:schemeClr val="tx1"/>
+                </a:solidFill>
+                <a:tailEnd type="triangle" w="sm" len="med"/>
+              </a:ln>
+            </p:spPr>
+            <p:style>
+              <a:lnRef idx="1">
+                <a:schemeClr val="accent1"/>
+              </a:lnRef>
+              <a:fillRef idx="0">
+                <a:schemeClr val="accent1"/>
+              </a:fillRef>
+              <a:effectRef idx="0">
+                <a:schemeClr val="accent1"/>
+              </a:effectRef>
+              <a:fontRef idx="minor">
+                <a:schemeClr val="tx1"/>
+              </a:fontRef>
+            </p:style>
+          </p:cxnSp>
+          <p:cxnSp>
+            <p:nvCxnSpPr>
+              <p:cNvPr id="200" name="Straight Arrow Connector 199">
+                <a:extLst>
+                  <a:ext uri="{FF2B5EF4-FFF2-40B4-BE49-F238E27FC236}">
+                    <a16:creationId xmlns:a16="http://schemas.microsoft.com/office/drawing/2014/main" id="{254DCE8B-8904-4BA2-BC6E-3BD6BA679773}"/>
+                  </a:ext>
+                </a:extLst>
+              </p:cNvPr>
+              <p:cNvCxnSpPr>
+                <a:stCxn id="214" idx="0"/>
+                <a:endCxn id="210" idx="4"/>
+              </p:cNvCxnSpPr>
+              <p:nvPr/>
+            </p:nvCxnSpPr>
+            <p:spPr>
+              <a:xfrm flipV="1">
+                <a:off x="4176529" y="4031915"/>
+                <a:ext cx="12960" cy="385247"/>
+              </a:xfrm>
+              <a:prstGeom prst="straightConnector1">
+                <a:avLst/>
+              </a:prstGeom>
+              <a:ln w="12700">
+                <a:solidFill>
+                  <a:schemeClr val="tx1"/>
+                </a:solidFill>
+                <a:tailEnd type="triangle" w="sm" len="med"/>
+              </a:ln>
+            </p:spPr>
+            <p:style>
+              <a:lnRef idx="1">
+                <a:schemeClr val="accent1"/>
+              </a:lnRef>
+              <a:fillRef idx="0">
+                <a:schemeClr val="accent1"/>
+              </a:fillRef>
+              <a:effectRef idx="0">
+                <a:schemeClr val="accent1"/>
+              </a:effectRef>
+              <a:fontRef idx="minor">
+                <a:schemeClr val="tx1"/>
+              </a:fontRef>
+            </p:style>
+          </p:cxnSp>
+          <p:cxnSp>
+            <p:nvCxnSpPr>
+              <p:cNvPr id="201" name="Straight Arrow Connector 200">
+                <a:extLst>
+                  <a:ext uri="{FF2B5EF4-FFF2-40B4-BE49-F238E27FC236}">
+                    <a16:creationId xmlns:a16="http://schemas.microsoft.com/office/drawing/2014/main" id="{3DBDF566-6922-4E4D-B403-0920A63AF693}"/>
+                  </a:ext>
+                </a:extLst>
+              </p:cNvPr>
+              <p:cNvCxnSpPr>
+                <a:stCxn id="213" idx="2"/>
+                <a:endCxn id="210" idx="6"/>
+              </p:cNvCxnSpPr>
+              <p:nvPr/>
+            </p:nvCxnSpPr>
+            <p:spPr>
+              <a:xfrm flipH="1" flipV="1">
+                <a:off x="4247808" y="3977155"/>
+                <a:ext cx="349913" cy="48270"/>
+              </a:xfrm>
+              <a:prstGeom prst="straightConnector1">
+                <a:avLst/>
+              </a:prstGeom>
+              <a:ln w="12700">
+                <a:solidFill>
+                  <a:schemeClr val="tx1"/>
+                </a:solidFill>
+                <a:tailEnd type="triangle" w="sm" len="med"/>
+              </a:ln>
+            </p:spPr>
+            <p:style>
+              <a:lnRef idx="1">
+                <a:schemeClr val="accent1"/>
+              </a:lnRef>
+              <a:fillRef idx="0">
+                <a:schemeClr val="accent1"/>
+              </a:fillRef>
+              <a:effectRef idx="0">
+                <a:schemeClr val="accent1"/>
+              </a:effectRef>
+              <a:fontRef idx="minor">
+                <a:schemeClr val="tx1"/>
+              </a:fontRef>
+            </p:style>
+          </p:cxnSp>
+          <p:cxnSp>
+            <p:nvCxnSpPr>
+              <p:cNvPr id="202" name="Straight Arrow Connector 201">
+                <a:extLst>
+                  <a:ext uri="{FF2B5EF4-FFF2-40B4-BE49-F238E27FC236}">
+                    <a16:creationId xmlns:a16="http://schemas.microsoft.com/office/drawing/2014/main" id="{BE000F4A-823F-47DB-8121-74DB20F28B31}"/>
+                  </a:ext>
+                </a:extLst>
+              </p:cNvPr>
+              <p:cNvCxnSpPr>
+                <a:stCxn id="210" idx="0"/>
+                <a:endCxn id="212" idx="4"/>
+              </p:cNvCxnSpPr>
+              <p:nvPr/>
+            </p:nvCxnSpPr>
+            <p:spPr>
+              <a:xfrm flipV="1">
+                <a:off x="4189489" y="3615587"/>
+                <a:ext cx="38879" cy="306807"/>
+              </a:xfrm>
+              <a:prstGeom prst="straightConnector1">
+                <a:avLst/>
+              </a:prstGeom>
+              <a:ln w="12700">
+                <a:solidFill>
+                  <a:schemeClr val="tx1"/>
+                </a:solidFill>
+                <a:tailEnd type="triangle" w="sm" len="med"/>
+              </a:ln>
+            </p:spPr>
+            <p:style>
+              <a:lnRef idx="1">
+                <a:schemeClr val="accent1"/>
+              </a:lnRef>
+              <a:fillRef idx="0">
+                <a:schemeClr val="accent1"/>
+              </a:fillRef>
+              <a:effectRef idx="0">
+                <a:schemeClr val="accent1"/>
+              </a:effectRef>
+              <a:fontRef idx="minor">
+                <a:schemeClr val="tx1"/>
+              </a:fontRef>
+            </p:style>
+          </p:cxnSp>
+          <p:cxnSp>
+            <p:nvCxnSpPr>
+              <p:cNvPr id="203" name="Straight Arrow Connector 202">
+                <a:extLst>
+                  <a:ext uri="{FF2B5EF4-FFF2-40B4-BE49-F238E27FC236}">
+                    <a16:creationId xmlns:a16="http://schemas.microsoft.com/office/drawing/2014/main" id="{E1DE6B22-4ABB-4C27-94E1-A3313AB468C4}"/>
+                  </a:ext>
+                </a:extLst>
+              </p:cNvPr>
+              <p:cNvCxnSpPr>
+                <a:stCxn id="212" idx="6"/>
+              </p:cNvCxnSpPr>
+              <p:nvPr/>
+            </p:nvCxnSpPr>
+            <p:spPr>
+              <a:xfrm flipV="1">
+                <a:off x="4286686" y="3421927"/>
+                <a:ext cx="297091" cy="138948"/>
+              </a:xfrm>
+              <a:prstGeom prst="straightConnector1">
+                <a:avLst/>
+              </a:prstGeom>
+              <a:ln w="12700">
+                <a:solidFill>
+                  <a:schemeClr val="tx1"/>
+                </a:solidFill>
+                <a:tailEnd type="triangle" w="sm" len="med"/>
+              </a:ln>
+            </p:spPr>
+            <p:style>
+              <a:lnRef idx="1">
+                <a:schemeClr val="accent1"/>
+              </a:lnRef>
+              <a:fillRef idx="0">
+                <a:schemeClr val="accent1"/>
+              </a:fillRef>
+              <a:effectRef idx="0">
+                <a:schemeClr val="accent1"/>
+              </a:effectRef>
+              <a:fontRef idx="minor">
+                <a:schemeClr val="tx1"/>
+              </a:fontRef>
+            </p:style>
+          </p:cxnSp>
+          <p:cxnSp>
+            <p:nvCxnSpPr>
+              <p:cNvPr id="204" name="Straight Arrow Connector 203">
+                <a:extLst>
+                  <a:ext uri="{FF2B5EF4-FFF2-40B4-BE49-F238E27FC236}">
+                    <a16:creationId xmlns:a16="http://schemas.microsoft.com/office/drawing/2014/main" id="{6627E1E3-375E-4A99-B113-C3A5015989F4}"/>
+                  </a:ext>
+                </a:extLst>
+              </p:cNvPr>
+              <p:cNvCxnSpPr>
+                <a:endCxn id="211" idx="1"/>
+              </p:cNvCxnSpPr>
+              <p:nvPr/>
+            </p:nvCxnSpPr>
+            <p:spPr>
+              <a:xfrm>
+                <a:off x="3453001" y="3856821"/>
+                <a:ext cx="254618" cy="178377"/>
+              </a:xfrm>
+              <a:prstGeom prst="straightConnector1">
+                <a:avLst/>
+              </a:prstGeom>
+              <a:ln w="12700">
+                <a:solidFill>
+                  <a:schemeClr val="tx1"/>
+                </a:solidFill>
+                <a:tailEnd type="triangle" w="sm" len="med"/>
+              </a:ln>
+            </p:spPr>
+            <p:style>
+              <a:lnRef idx="1">
+                <a:schemeClr val="accent1"/>
+              </a:lnRef>
+              <a:fillRef idx="0">
+                <a:schemeClr val="accent1"/>
+              </a:fillRef>
+              <a:effectRef idx="0">
+                <a:schemeClr val="accent1"/>
+              </a:effectRef>
+              <a:fontRef idx="minor">
+                <a:schemeClr val="tx1"/>
+              </a:fontRef>
+            </p:style>
+          </p:cxnSp>
+          <p:sp>
+            <p:nvSpPr>
+              <p:cNvPr id="205" name="Text Box 2">
+                <a:extLst>
+                  <a:ext uri="{FF2B5EF4-FFF2-40B4-BE49-F238E27FC236}">
+                    <a16:creationId xmlns:a16="http://schemas.microsoft.com/office/drawing/2014/main" id="{8CD485F3-7106-4B69-8D7C-EA70A8EBBEDB}"/>
+                  </a:ext>
+                </a:extLst>
+              </p:cNvPr>
+              <p:cNvSpPr txBox="1">
+                <a:spLocks noChangeArrowheads="1"/>
+              </p:cNvSpPr>
+              <p:nvPr/>
+            </p:nvSpPr>
+            <p:spPr bwMode="auto">
+              <a:xfrm>
+                <a:off x="3880293" y="3370086"/>
+                <a:ext cx="406392" cy="281362"/>
+              </a:xfrm>
+              <a:prstGeom prst="rect">
+                <a:avLst/>
+              </a:prstGeom>
+              <a:noFill/>
+              <a:ln w="9525">
+                <a:noFill/>
+                <a:miter lim="800000"/>
+                <a:headEnd/>
+                <a:tailEnd/>
+              </a:ln>
+            </p:spPr>
+            <p:txBody>
+              <a:bodyPr rot="0" vert="horz" wrap="square" lIns="91440" tIns="45720" rIns="91440" bIns="45720" anchor="t" anchorCtr="0">
+                <a:noAutofit/>
+              </a:bodyPr>
+              <a:lstStyle/>
+              <a:p>
+                <a:pPr marL="0" marR="0">
+                  <a:lnSpc>
+                    <a:spcPct val="107000"/>
+                  </a:lnSpc>
+                  <a:spcBef>
+                    <a:spcPts val="0"/>
+                  </a:spcBef>
+                  <a:spcAft>
+                    <a:spcPts val="800"/>
+                  </a:spcAft>
+                </a:pPr>
+                <a:r>
+                  <a:rPr lang="en-US" sz="1200" dirty="0">
+                    <a:effectLst/>
+                    <a:latin typeface="Calibri" panose="020F0502020204030204" pitchFamily="34" charset="0"/>
+                    <a:ea typeface="DengXian" panose="02010600030101010101" pitchFamily="2" charset="-122"/>
+                    <a:cs typeface="Times New Roman" panose="02020603050405020304" pitchFamily="18" charset="0"/>
+                  </a:rPr>
+                  <a:t>N</a:t>
+                </a:r>
+                <a:endParaRPr lang="en-US" sz="1100" dirty="0">
+                  <a:effectLst/>
+                  <a:latin typeface="Calibri" panose="020F0502020204030204" pitchFamily="34" charset="0"/>
+                  <a:ea typeface="DengXian" panose="02010600030101010101" pitchFamily="2" charset="-122"/>
+                  <a:cs typeface="Times New Roman" panose="02020603050405020304" pitchFamily="18" charset="0"/>
+                </a:endParaRPr>
+              </a:p>
+            </p:txBody>
+          </p:sp>
+          <p:sp>
+            <p:nvSpPr>
+              <p:cNvPr id="206" name="Text Box 2">
+                <a:extLst>
+                  <a:ext uri="{FF2B5EF4-FFF2-40B4-BE49-F238E27FC236}">
+                    <a16:creationId xmlns:a16="http://schemas.microsoft.com/office/drawing/2014/main" id="{5FA5EE62-5AC8-489C-B62A-88D7EEC149C7}"/>
+                  </a:ext>
+                </a:extLst>
+              </p:cNvPr>
+              <p:cNvSpPr txBox="1">
+                <a:spLocks noChangeArrowheads="1"/>
+              </p:cNvSpPr>
+              <p:nvPr/>
+            </p:nvSpPr>
+            <p:spPr bwMode="auto">
+              <a:xfrm>
+                <a:off x="3671713" y="4095019"/>
+                <a:ext cx="406392" cy="281362"/>
+              </a:xfrm>
+              <a:prstGeom prst="rect">
+                <a:avLst/>
+              </a:prstGeom>
+              <a:noFill/>
+              <a:ln w="9525">
+                <a:noFill/>
+                <a:miter lim="800000"/>
+                <a:headEnd/>
+                <a:tailEnd/>
+              </a:ln>
+            </p:spPr>
+            <p:txBody>
+              <a:bodyPr rot="0" vert="horz" wrap="square" lIns="91440" tIns="45720" rIns="91440" bIns="45720" anchor="t" anchorCtr="0">
+                <a:noAutofit/>
+              </a:bodyPr>
+              <a:lstStyle/>
+              <a:p>
+                <a:pPr marL="0" marR="0">
+                  <a:lnSpc>
+                    <a:spcPct val="107000"/>
+                  </a:lnSpc>
+                  <a:spcBef>
+                    <a:spcPts val="0"/>
+                  </a:spcBef>
+                  <a:spcAft>
+                    <a:spcPts val="800"/>
+                  </a:spcAft>
+                </a:pPr>
+                <a:r>
+                  <a:rPr lang="en-US" sz="1200" dirty="0">
+                    <a:effectLst/>
+                    <a:latin typeface="Calibri" panose="020F0502020204030204" pitchFamily="34" charset="0"/>
+                    <a:ea typeface="DengXian" panose="02010600030101010101" pitchFamily="2" charset="-122"/>
+                    <a:cs typeface="Times New Roman" panose="02020603050405020304" pitchFamily="18" charset="0"/>
+                  </a:rPr>
+                  <a:t>B</a:t>
+                </a:r>
+                <a:endParaRPr lang="en-US" sz="1100" dirty="0">
+                  <a:effectLst/>
+                  <a:latin typeface="Calibri" panose="020F0502020204030204" pitchFamily="34" charset="0"/>
+                  <a:ea typeface="DengXian" panose="02010600030101010101" pitchFamily="2" charset="-122"/>
+                  <a:cs typeface="Times New Roman" panose="02020603050405020304" pitchFamily="18" charset="0"/>
+                </a:endParaRPr>
+              </a:p>
+            </p:txBody>
+          </p:sp>
+          <p:sp>
+            <p:nvSpPr>
+              <p:cNvPr id="207" name="Text Box 2">
+                <a:extLst>
+                  <a:ext uri="{FF2B5EF4-FFF2-40B4-BE49-F238E27FC236}">
+                    <a16:creationId xmlns:a16="http://schemas.microsoft.com/office/drawing/2014/main" id="{34C52B86-AF35-491D-B7AA-3EB087B5E1A2}"/>
+                  </a:ext>
+                </a:extLst>
+              </p:cNvPr>
+              <p:cNvSpPr txBox="1">
+                <a:spLocks noChangeArrowheads="1"/>
+              </p:cNvSpPr>
+              <p:nvPr/>
+            </p:nvSpPr>
+            <p:spPr bwMode="auto">
+              <a:xfrm>
+                <a:off x="4217767" y="3646067"/>
+                <a:ext cx="406392" cy="281362"/>
+              </a:xfrm>
+              <a:prstGeom prst="rect">
+                <a:avLst/>
+              </a:prstGeom>
+              <a:noFill/>
+              <a:ln w="9525">
+                <a:noFill/>
+                <a:miter lim="800000"/>
+                <a:headEnd/>
+                <a:tailEnd/>
+              </a:ln>
+            </p:spPr>
+            <p:txBody>
+              <a:bodyPr rot="0" vert="horz" wrap="square" lIns="91440" tIns="45720" rIns="91440" bIns="45720" anchor="t" anchorCtr="0">
+                <a:noAutofit/>
+              </a:bodyPr>
+              <a:lstStyle/>
+              <a:p>
+                <a:pPr marL="0" marR="0">
+                  <a:lnSpc>
+                    <a:spcPct val="107000"/>
+                  </a:lnSpc>
+                  <a:spcBef>
+                    <a:spcPts val="0"/>
+                  </a:spcBef>
+                  <a:spcAft>
+                    <a:spcPts val="800"/>
+                  </a:spcAft>
+                </a:pPr>
+                <a:r>
+                  <a:rPr lang="en-US" sz="1200" dirty="0">
+                    <a:effectLst/>
+                    <a:latin typeface="Calibri" panose="020F0502020204030204" pitchFamily="34" charset="0"/>
+                    <a:ea typeface="DengXian" panose="02010600030101010101" pitchFamily="2" charset="-122"/>
+                    <a:cs typeface="Times New Roman" panose="02020603050405020304" pitchFamily="18" charset="0"/>
+                  </a:rPr>
+                  <a:t>N</a:t>
+                </a:r>
+                <a:endParaRPr lang="en-US" sz="1100" dirty="0">
+                  <a:effectLst/>
+                  <a:latin typeface="Calibri" panose="020F0502020204030204" pitchFamily="34" charset="0"/>
+                  <a:ea typeface="DengXian" panose="02010600030101010101" pitchFamily="2" charset="-122"/>
+                  <a:cs typeface="Times New Roman" panose="02020603050405020304" pitchFamily="18" charset="0"/>
+                </a:endParaRPr>
+              </a:p>
+            </p:txBody>
+          </p:sp>
+          <p:sp>
+            <p:nvSpPr>
+              <p:cNvPr id="208" name="Text Box 2">
+                <a:extLst>
+                  <a:ext uri="{FF2B5EF4-FFF2-40B4-BE49-F238E27FC236}">
+                    <a16:creationId xmlns:a16="http://schemas.microsoft.com/office/drawing/2014/main" id="{C50BD565-11CE-4397-9601-D95089996E80}"/>
+                  </a:ext>
+                </a:extLst>
+              </p:cNvPr>
+              <p:cNvSpPr txBox="1">
+                <a:spLocks noChangeArrowheads="1"/>
+              </p:cNvSpPr>
+              <p:nvPr/>
+            </p:nvSpPr>
+            <p:spPr bwMode="auto">
+              <a:xfrm>
+                <a:off x="4671359" y="3983283"/>
+                <a:ext cx="406392" cy="281362"/>
+              </a:xfrm>
+              <a:prstGeom prst="rect">
+                <a:avLst/>
+              </a:prstGeom>
+              <a:noFill/>
+              <a:ln w="9525">
+                <a:noFill/>
+                <a:miter lim="800000"/>
+                <a:headEnd/>
+                <a:tailEnd/>
+              </a:ln>
+            </p:spPr>
+            <p:txBody>
+              <a:bodyPr rot="0" vert="horz" wrap="square" lIns="91440" tIns="45720" rIns="91440" bIns="45720" anchor="t" anchorCtr="0">
+                <a:noAutofit/>
+              </a:bodyPr>
+              <a:lstStyle/>
+              <a:p>
+                <a:pPr marL="0" marR="0">
+                  <a:lnSpc>
+                    <a:spcPct val="107000"/>
+                  </a:lnSpc>
+                  <a:spcBef>
+                    <a:spcPts val="0"/>
+                  </a:spcBef>
+                  <a:spcAft>
+                    <a:spcPts val="800"/>
+                  </a:spcAft>
+                </a:pPr>
+                <a:r>
+                  <a:rPr lang="en-US" sz="1200" dirty="0">
+                    <a:effectLst/>
+                    <a:latin typeface="Calibri" panose="020F0502020204030204" pitchFamily="34" charset="0"/>
+                    <a:ea typeface="DengXian" panose="02010600030101010101" pitchFamily="2" charset="-122"/>
+                    <a:cs typeface="Times New Roman" panose="02020603050405020304" pitchFamily="18" charset="0"/>
+                  </a:rPr>
+                  <a:t>B</a:t>
+                </a:r>
+                <a:endParaRPr lang="en-US" sz="1100" dirty="0">
+                  <a:effectLst/>
+                  <a:latin typeface="Calibri" panose="020F0502020204030204" pitchFamily="34" charset="0"/>
+                  <a:ea typeface="DengXian" panose="02010600030101010101" pitchFamily="2" charset="-122"/>
+                  <a:cs typeface="Times New Roman" panose="02020603050405020304" pitchFamily="18" charset="0"/>
+                </a:endParaRPr>
+              </a:p>
+            </p:txBody>
+          </p:sp>
+          <p:sp>
+            <p:nvSpPr>
+              <p:cNvPr id="209" name="Text Box 2">
+                <a:extLst>
+                  <a:ext uri="{FF2B5EF4-FFF2-40B4-BE49-F238E27FC236}">
+                    <a16:creationId xmlns:a16="http://schemas.microsoft.com/office/drawing/2014/main" id="{196B60A6-A054-4EB7-A0F0-7CDAF12077F9}"/>
+                  </a:ext>
+                </a:extLst>
+              </p:cNvPr>
+              <p:cNvSpPr txBox="1">
+                <a:spLocks noChangeArrowheads="1"/>
+              </p:cNvSpPr>
+              <p:nvPr/>
+            </p:nvSpPr>
+            <p:spPr bwMode="auto">
+              <a:xfrm>
+                <a:off x="4197809" y="4436117"/>
+                <a:ext cx="406392" cy="281362"/>
+              </a:xfrm>
+              <a:prstGeom prst="rect">
+                <a:avLst/>
+              </a:prstGeom>
+              <a:noFill/>
+              <a:ln w="9525">
+                <a:noFill/>
+                <a:miter lim="800000"/>
+                <a:headEnd/>
+                <a:tailEnd/>
+              </a:ln>
+            </p:spPr>
+            <p:txBody>
+              <a:bodyPr rot="0" vert="horz" wrap="square" lIns="91440" tIns="45720" rIns="91440" bIns="45720" anchor="t" anchorCtr="0">
+                <a:noAutofit/>
+              </a:bodyPr>
+              <a:lstStyle/>
+              <a:p>
+                <a:pPr marL="0" marR="0">
+                  <a:lnSpc>
+                    <a:spcPct val="107000"/>
+                  </a:lnSpc>
+                  <a:spcBef>
+                    <a:spcPts val="0"/>
+                  </a:spcBef>
+                  <a:spcAft>
+                    <a:spcPts val="800"/>
+                  </a:spcAft>
+                </a:pPr>
+                <a:r>
+                  <a:rPr lang="en-US" sz="1200" dirty="0">
+                    <a:effectLst/>
+                    <a:latin typeface="Calibri" panose="020F0502020204030204" pitchFamily="34" charset="0"/>
+                    <a:ea typeface="DengXian" panose="02010600030101010101" pitchFamily="2" charset="-122"/>
+                    <a:cs typeface="Times New Roman" panose="02020603050405020304" pitchFamily="18" charset="0"/>
+                  </a:rPr>
+                  <a:t>B</a:t>
+                </a:r>
+                <a:endParaRPr lang="en-US" sz="1100" dirty="0">
+                  <a:effectLst/>
+                  <a:latin typeface="Calibri" panose="020F0502020204030204" pitchFamily="34" charset="0"/>
+                  <a:ea typeface="DengXian" panose="02010600030101010101" pitchFamily="2" charset="-122"/>
+                  <a:cs typeface="Times New Roman" panose="02020603050405020304" pitchFamily="18" charset="0"/>
+                </a:endParaRPr>
+              </a:p>
+            </p:txBody>
+          </p:sp>
+        </p:grpSp>
+        <p:sp>
+          <p:nvSpPr>
+            <p:cNvPr id="193" name="TextBox 192">
+              <a:extLst>
+                <a:ext uri="{FF2B5EF4-FFF2-40B4-BE49-F238E27FC236}">
+                  <a16:creationId xmlns:a16="http://schemas.microsoft.com/office/drawing/2014/main" id="{6FDA7911-931A-4C17-8BDA-3977A5DF28F1}"/>
+                </a:ext>
+              </a:extLst>
+            </p:cNvPr>
+            <p:cNvSpPr txBox="1"/>
+            <p:nvPr/>
+          </p:nvSpPr>
+          <p:spPr>
+            <a:xfrm>
+              <a:off x="3014669" y="2234711"/>
+              <a:ext cx="343363" cy="369332"/>
+            </a:xfrm>
+            <a:prstGeom prst="rect">
+              <a:avLst/>
+            </a:prstGeom>
+            <a:noFill/>
+          </p:spPr>
+          <p:txBody>
+            <a:bodyPr wrap="none" rtlCol="0">
+              <a:spAutoFit/>
+            </a:bodyPr>
+            <a:lstStyle/>
+            <a:p>
+              <a:pPr algn="ctr"/>
+              <a:r>
+                <a:rPr lang="en-US" dirty="0"/>
+                <a:t>…</a:t>
+              </a:r>
+            </a:p>
+          </p:txBody>
+        </p:sp>
+        <p:sp>
+          <p:nvSpPr>
+            <p:cNvPr id="215" name="TextBox 214">
+              <a:extLst>
+                <a:ext uri="{FF2B5EF4-FFF2-40B4-BE49-F238E27FC236}">
+                  <a16:creationId xmlns:a16="http://schemas.microsoft.com/office/drawing/2014/main" id="{5CFC3278-6296-4242-8185-1E91CF950D03}"/>
+                </a:ext>
+              </a:extLst>
+            </p:cNvPr>
+            <p:cNvSpPr txBox="1"/>
+            <p:nvPr/>
+          </p:nvSpPr>
+          <p:spPr>
+            <a:xfrm>
+              <a:off x="3021462" y="3874521"/>
+              <a:ext cx="343363" cy="369332"/>
+            </a:xfrm>
+            <a:prstGeom prst="rect">
+              <a:avLst/>
+            </a:prstGeom>
+            <a:noFill/>
+          </p:spPr>
+          <p:txBody>
+            <a:bodyPr wrap="none" rtlCol="0">
+              <a:spAutoFit/>
+            </a:bodyPr>
+            <a:lstStyle/>
+            <a:p>
+              <a:pPr algn="ctr"/>
+              <a:r>
+                <a:rPr lang="en-US" dirty="0"/>
+                <a:t>…</a:t>
+              </a:r>
+            </a:p>
+          </p:txBody>
+        </p:sp>
+        <p:sp>
+          <p:nvSpPr>
+            <p:cNvPr id="219" name="TextBox 218">
+              <a:extLst>
+                <a:ext uri="{FF2B5EF4-FFF2-40B4-BE49-F238E27FC236}">
+                  <a16:creationId xmlns:a16="http://schemas.microsoft.com/office/drawing/2014/main" id="{23221289-5C76-4878-9BA1-36965D0FC66C}"/>
+                </a:ext>
+              </a:extLst>
+            </p:cNvPr>
+            <p:cNvSpPr txBox="1"/>
+            <p:nvPr/>
+          </p:nvSpPr>
+          <p:spPr>
+            <a:xfrm>
+              <a:off x="5163193" y="1855749"/>
+              <a:ext cx="902298" cy="923330"/>
+            </a:xfrm>
+            <a:prstGeom prst="rect">
+              <a:avLst/>
+            </a:prstGeom>
+            <a:noFill/>
+          </p:spPr>
+          <p:txBody>
+            <a:bodyPr wrap="none" rtlCol="0">
+              <a:spAutoFit/>
+            </a:bodyPr>
+            <a:lstStyle/>
+            <a:p>
+              <a:pPr algn="ctr"/>
+              <a:r>
+                <a:rPr lang="en-US" dirty="0"/>
+                <a:t>Feature</a:t>
+              </a:r>
+            </a:p>
+            <a:p>
+              <a:pPr algn="ctr"/>
+              <a:r>
+                <a:rPr lang="en-US" dirty="0"/>
+                <a:t>graph</a:t>
+              </a:r>
+            </a:p>
+            <a:p>
+              <a:pPr algn="ctr"/>
+              <a:r>
+                <a:rPr lang="en-US" dirty="0"/>
+                <a:t>(meth)</a:t>
+              </a:r>
+            </a:p>
+          </p:txBody>
+        </p:sp>
+        <p:sp>
+          <p:nvSpPr>
+            <p:cNvPr id="220" name="TextBox 219">
+              <a:extLst>
+                <a:ext uri="{FF2B5EF4-FFF2-40B4-BE49-F238E27FC236}">
+                  <a16:creationId xmlns:a16="http://schemas.microsoft.com/office/drawing/2014/main" id="{7A17D8A5-BB2F-47CC-B75A-178DF04E18F0}"/>
+                </a:ext>
+              </a:extLst>
+            </p:cNvPr>
+            <p:cNvSpPr txBox="1"/>
+            <p:nvPr/>
+          </p:nvSpPr>
+          <p:spPr>
+            <a:xfrm>
+              <a:off x="5163193" y="3750072"/>
+              <a:ext cx="902298" cy="923330"/>
+            </a:xfrm>
+            <a:prstGeom prst="rect">
+              <a:avLst/>
+            </a:prstGeom>
+            <a:noFill/>
+          </p:spPr>
+          <p:txBody>
+            <a:bodyPr wrap="none" rtlCol="0">
+              <a:spAutoFit/>
+            </a:bodyPr>
+            <a:lstStyle/>
+            <a:p>
+              <a:pPr algn="ctr"/>
+              <a:r>
+                <a:rPr lang="en-US" dirty="0"/>
+                <a:t>Feature</a:t>
+              </a:r>
+            </a:p>
+            <a:p>
+              <a:pPr algn="ctr"/>
+              <a:r>
+                <a:rPr lang="en-US" dirty="0"/>
+                <a:t>graph</a:t>
+              </a:r>
+            </a:p>
+            <a:p>
+              <a:pPr algn="ctr"/>
+              <a:r>
+                <a:rPr lang="en-US" dirty="0"/>
+                <a:t>(</a:t>
+              </a:r>
+              <a:r>
+                <a:rPr lang="en-US" dirty="0" err="1"/>
+                <a:t>stmt</a:t>
+              </a:r>
+              <a:r>
+                <a:rPr lang="en-US" dirty="0"/>
+                <a:t>)</a:t>
+              </a:r>
+            </a:p>
+          </p:txBody>
+        </p:sp>
+        <p:cxnSp>
+          <p:nvCxnSpPr>
+            <p:cNvPr id="9" name="Straight Arrow Connector 8">
+              <a:extLst>
+                <a:ext uri="{FF2B5EF4-FFF2-40B4-BE49-F238E27FC236}">
+                  <a16:creationId xmlns:a16="http://schemas.microsoft.com/office/drawing/2014/main" id="{ADA60A95-0984-4C5F-9CD3-4E81ABB897B4}"/>
+                </a:ext>
+              </a:extLst>
+            </p:cNvPr>
+            <p:cNvCxnSpPr>
+              <a:cxnSpLocks/>
+            </p:cNvCxnSpPr>
+            <p:nvPr/>
+          </p:nvCxnSpPr>
+          <p:spPr>
+            <a:xfrm flipV="1">
+              <a:off x="7626324" y="3450234"/>
+              <a:ext cx="588622" cy="851141"/>
+            </a:xfrm>
+            <a:prstGeom prst="straightConnector1">
+              <a:avLst/>
+            </a:prstGeom>
+            <a:ln>
+              <a:tailEnd type="triangle"/>
+            </a:ln>
+          </p:spPr>
+          <p:style>
+            <a:lnRef idx="1">
+              <a:schemeClr val="accent1"/>
+            </a:lnRef>
+            <a:fillRef idx="0">
+              <a:schemeClr val="accent1"/>
+            </a:fillRef>
+            <a:effectRef idx="0">
+              <a:schemeClr val="accent1"/>
+            </a:effectRef>
+            <a:fontRef idx="minor">
+              <a:schemeClr val="tx1"/>
+            </a:fontRef>
+          </p:style>
+        </p:cxnSp>
+        <p:sp>
+          <p:nvSpPr>
+            <p:cNvPr id="221" name="TextBox 220">
+              <a:extLst>
+                <a:ext uri="{FF2B5EF4-FFF2-40B4-BE49-F238E27FC236}">
+                  <a16:creationId xmlns:a16="http://schemas.microsoft.com/office/drawing/2014/main" id="{514C2167-B16F-4EAE-97F6-EE23B46EE0AC}"/>
+                </a:ext>
+              </a:extLst>
+            </p:cNvPr>
+            <p:cNvSpPr txBox="1"/>
+            <p:nvPr/>
+          </p:nvSpPr>
+          <p:spPr>
+            <a:xfrm>
+              <a:off x="7663519" y="4000595"/>
+              <a:ext cx="1519070" cy="646331"/>
+            </a:xfrm>
+            <a:prstGeom prst="rect">
+              <a:avLst/>
+            </a:prstGeom>
+            <a:noFill/>
+          </p:spPr>
+          <p:txBody>
+            <a:bodyPr wrap="none" rtlCol="0">
+              <a:spAutoFit/>
+            </a:bodyPr>
+            <a:lstStyle/>
+            <a:p>
+              <a:pPr algn="ctr"/>
+              <a:r>
+                <a:rPr lang="en-US" dirty="0"/>
+                <a:t>Predict buggy </a:t>
+              </a:r>
+            </a:p>
+            <a:p>
+              <a:pPr algn="ctr"/>
+              <a:r>
+                <a:rPr lang="en-US" dirty="0"/>
+                <a:t>statements</a:t>
+              </a:r>
+            </a:p>
+          </p:txBody>
+        </p:sp>
+      </p:grpSp>
+    </p:spTree>
+    <p:extLst>
+      <p:ext uri="{BB962C8B-B14F-4D97-AF65-F5344CB8AC3E}">
+        <p14:creationId xmlns:p14="http://schemas.microsoft.com/office/powerpoint/2010/main" val="2887107357"/>
       </p:ext>
     </p:extLst>
   </p:cSld>

--- a/Figures.pptx
+++ b/Figures.pptx
@@ -13069,10 +13069,10 @@
         </p:nvGrpSpPr>
         <p:grpSpPr>
           <a:xfrm>
-            <a:off x="6321" y="1850544"/>
-            <a:ext cx="9738395" cy="2888100"/>
-            <a:chOff x="6321" y="1850544"/>
-            <a:chExt cx="9738395" cy="2888100"/>
+            <a:off x="-44356" y="1850544"/>
+            <a:ext cx="9789072" cy="2888100"/>
+            <a:chOff x="-44356" y="1850544"/>
+            <a:chExt cx="9789072" cy="2888100"/>
           </a:xfrm>
         </p:grpSpPr>
         <p:sp>
@@ -13132,8 +13132,8 @@
           </p:nvSpPr>
           <p:spPr>
             <a:xfrm>
-              <a:off x="6321" y="3404842"/>
-              <a:ext cx="824072" cy="923330"/>
+              <a:off x="-44356" y="3643834"/>
+              <a:ext cx="824072" cy="646331"/>
             </a:xfrm>
             <a:prstGeom prst="rect">
               <a:avLst/>
@@ -13156,14 +13156,7 @@
               <a:pPr algn="ctr"/>
               <a:r>
                 <a:rPr lang="en-US" dirty="0"/>
-                <a:t>Code </a:t>
-              </a:r>
-            </a:p>
-            <a:p>
-              <a:pPr algn="ctr"/>
-              <a:r>
-                <a:rPr lang="en-US" dirty="0"/>
-                <a:t>Repo</a:t>
+                <a:t>Code</a:t>
               </a:r>
             </a:p>
           </p:txBody>

--- a/Figures.pptx
+++ b/Figures.pptx
@@ -13025,6 +13025,114 @@
           </a:p>
         </p:txBody>
       </p:sp>
+      <p:sp>
+        <p:nvSpPr>
+          <p:cNvPr id="219" name="TextBox 218">
+            <a:extLst>
+              <a:ext uri="{FF2B5EF4-FFF2-40B4-BE49-F238E27FC236}">
+                <a16:creationId xmlns:a16="http://schemas.microsoft.com/office/drawing/2014/main" id="{B3A7F8EB-5895-411C-800C-E59D18237E3C}"/>
+              </a:ext>
+            </a:extLst>
+          </p:cNvPr>
+          <p:cNvSpPr txBox="1"/>
+          <p:nvPr/>
+        </p:nvSpPr>
+        <p:spPr>
+          <a:xfrm>
+            <a:off x="1665372" y="1663169"/>
+            <a:ext cx="772070" cy="369332"/>
+          </a:xfrm>
+          <a:prstGeom prst="rect">
+            <a:avLst/>
+          </a:prstGeom>
+          <a:noFill/>
+        </p:spPr>
+        <p:txBody>
+          <a:bodyPr wrap="none" rtlCol="0">
+            <a:spAutoFit/>
+          </a:bodyPr>
+          <a:lstStyle/>
+          <a:p>
+            <a:pPr algn="ctr"/>
+            <a:r>
+              <a:rPr lang="en-US" dirty="0"/>
+              <a:t>Step 1</a:t>
+            </a:r>
+          </a:p>
+        </p:txBody>
+      </p:sp>
+      <p:sp>
+        <p:nvSpPr>
+          <p:cNvPr id="220" name="TextBox 219">
+            <a:extLst>
+              <a:ext uri="{FF2B5EF4-FFF2-40B4-BE49-F238E27FC236}">
+                <a16:creationId xmlns:a16="http://schemas.microsoft.com/office/drawing/2014/main" id="{31250854-889A-48B3-92AB-5F248F560C5C}"/>
+              </a:ext>
+            </a:extLst>
+          </p:cNvPr>
+          <p:cNvSpPr txBox="1"/>
+          <p:nvPr/>
+        </p:nvSpPr>
+        <p:spPr>
+          <a:xfrm>
+            <a:off x="5114559" y="1579091"/>
+            <a:ext cx="772070" cy="369332"/>
+          </a:xfrm>
+          <a:prstGeom prst="rect">
+            <a:avLst/>
+          </a:prstGeom>
+          <a:noFill/>
+        </p:spPr>
+        <p:txBody>
+          <a:bodyPr wrap="none" rtlCol="0">
+            <a:spAutoFit/>
+          </a:bodyPr>
+          <a:lstStyle/>
+          <a:p>
+            <a:pPr algn="ctr"/>
+            <a:r>
+              <a:rPr lang="en-US" dirty="0"/>
+              <a:t>Step 2</a:t>
+            </a:r>
+          </a:p>
+        </p:txBody>
+      </p:sp>
+      <p:sp>
+        <p:nvSpPr>
+          <p:cNvPr id="221" name="TextBox 220">
+            <a:extLst>
+              <a:ext uri="{FF2B5EF4-FFF2-40B4-BE49-F238E27FC236}">
+                <a16:creationId xmlns:a16="http://schemas.microsoft.com/office/drawing/2014/main" id="{69D55F2C-89AE-4BE9-BD7A-AD10F664989B}"/>
+              </a:ext>
+            </a:extLst>
+          </p:cNvPr>
+          <p:cNvSpPr txBox="1"/>
+          <p:nvPr/>
+        </p:nvSpPr>
+        <p:spPr>
+          <a:xfrm>
+            <a:off x="8593035" y="1584016"/>
+            <a:ext cx="772070" cy="369332"/>
+          </a:xfrm>
+          <a:prstGeom prst="rect">
+            <a:avLst/>
+          </a:prstGeom>
+          <a:noFill/>
+        </p:spPr>
+        <p:txBody>
+          <a:bodyPr wrap="none" rtlCol="0">
+            <a:spAutoFit/>
+          </a:bodyPr>
+          <a:lstStyle/>
+          <a:p>
+            <a:pPr algn="ctr"/>
+            <a:r>
+              <a:rPr lang="en-US" dirty="0"/>
+              <a:t>Step 3</a:t>
+            </a:r>
+          </a:p>
+        </p:txBody>
+      </p:sp>
     </p:spTree>
     <p:extLst>
       <p:ext uri="{BB962C8B-B14F-4D97-AF65-F5344CB8AC3E}">
@@ -15627,6 +15735,115 @@
           </p:txBody>
         </p:sp>
       </p:grpSp>
+      <p:sp>
+        <p:nvSpPr>
+          <p:cNvPr id="52" name="TextBox 51">
+            <a:extLst>
+              <a:ext uri="{FF2B5EF4-FFF2-40B4-BE49-F238E27FC236}">
+                <a16:creationId xmlns:a16="http://schemas.microsoft.com/office/drawing/2014/main" id="{787FBB32-3C8D-43BC-8C92-9F9AF6515E92}"/>
+              </a:ext>
+            </a:extLst>
+          </p:cNvPr>
+          <p:cNvSpPr txBox="1"/>
+          <p:nvPr/>
+        </p:nvSpPr>
+        <p:spPr>
+          <a:xfrm>
+            <a:off x="1665372" y="1663169"/>
+            <a:ext cx="772070" cy="369332"/>
+          </a:xfrm>
+          <a:prstGeom prst="rect">
+            <a:avLst/>
+          </a:prstGeom>
+          <a:noFill/>
+        </p:spPr>
+        <p:txBody>
+          <a:bodyPr wrap="none" rtlCol="0">
+            <a:spAutoFit/>
+          </a:bodyPr>
+          <a:lstStyle/>
+          <a:p>
+            <a:pPr algn="ctr"/>
+            <a:r>
+              <a:rPr lang="en-US" dirty="0"/>
+              <a:t>Step 1</a:t>
+            </a:r>
+          </a:p>
+        </p:txBody>
+      </p:sp>
+      <p:sp>
+        <p:nvSpPr>
+          <p:cNvPr id="53" name="TextBox 52">
+            <a:extLst>
+              <a:ext uri="{FF2B5EF4-FFF2-40B4-BE49-F238E27FC236}">
+                <a16:creationId xmlns:a16="http://schemas.microsoft.com/office/drawing/2014/main" id="{7BDD9A77-B6FC-412F-89E6-811CBC600F9E}"/>
+              </a:ext>
+            </a:extLst>
+          </p:cNvPr>
+          <p:cNvSpPr txBox="1"/>
+          <p:nvPr/>
+        </p:nvSpPr>
+        <p:spPr>
+          <a:xfrm>
+            <a:off x="4020830" y="1518708"/>
+            <a:ext cx="772070" cy="369332"/>
+          </a:xfrm>
+          <a:prstGeom prst="rect">
+            <a:avLst/>
+          </a:prstGeom>
+          <a:noFill/>
+        </p:spPr>
+        <p:txBody>
+          <a:bodyPr wrap="none" rtlCol="0">
+            <a:spAutoFit/>
+          </a:bodyPr>
+          <a:lstStyle/>
+          <a:p>
+            <a:pPr algn="ctr"/>
+            <a:r>
+              <a:rPr lang="en-US" dirty="0"/>
+              <a:t>Step 2</a:t>
+            </a:r>
+          </a:p>
+        </p:txBody>
+      </p:sp>
+      <p:sp>
+        <p:nvSpPr>
+          <p:cNvPr id="54" name="TextBox 53">
+            <a:extLst>
+              <a:ext uri="{FF2B5EF4-FFF2-40B4-BE49-F238E27FC236}">
+                <a16:creationId xmlns:a16="http://schemas.microsoft.com/office/drawing/2014/main" id="{8D7DC9DC-3015-46F0-BE5E-3ECC5A1C7F24}"/>
+              </a:ext>
+            </a:extLst>
+          </p:cNvPr>
+          <p:cNvSpPr txBox="1"/>
+          <p:nvPr/>
+        </p:nvSpPr>
+        <p:spPr>
+          <a:xfrm>
+            <a:off x="6408697" y="1558896"/>
+            <a:ext cx="772070" cy="369332"/>
+          </a:xfrm>
+          <a:prstGeom prst="rect">
+            <a:avLst/>
+          </a:prstGeom>
+          <a:noFill/>
+        </p:spPr>
+        <p:txBody>
+          <a:bodyPr wrap="none" rtlCol="0">
+            <a:spAutoFit/>
+          </a:bodyPr>
+          <a:lstStyle/>
+          <a:p>
+            <a:pPr algn="ctr"/>
+            <a:r>
+              <a:rPr lang="en-US"/>
+              <a:t>Step 3</a:t>
+            </a:r>
+            <a:endParaRPr lang="en-US" dirty="0"/>
+          </a:p>
+        </p:txBody>
+      </p:sp>
     </p:spTree>
     <p:extLst>
       <p:ext uri="{BB962C8B-B14F-4D97-AF65-F5344CB8AC3E}">

--- a/Figures.pptx
+++ b/Figures.pptx
@@ -7,6 +7,8 @@
   <p:sldIdLst>
     <p:sldId id="256" r:id="rId2"/>
     <p:sldId id="257" r:id="rId3"/>
+    <p:sldId id="258" r:id="rId4"/>
+    <p:sldId id="259" r:id="rId5"/>
   </p:sldIdLst>
   <p:sldSz cx="12192000" cy="6858000"/>
   <p:notesSz cx="6858000" cy="9144000"/>
@@ -260,7 +262,7 @@
           <a:p>
             <a:fld id="{9BED4BE8-31C7-403D-911A-3E727E0E58BF}" type="datetimeFigureOut">
               <a:rPr lang="en-US" smtClean="0"/>
-              <a:t>8/18/2021</a:t>
+              <a:t>8/19/2021</a:t>
             </a:fld>
             <a:endParaRPr lang="en-US"/>
           </a:p>
@@ -458,7 +460,7 @@
           <a:p>
             <a:fld id="{9BED4BE8-31C7-403D-911A-3E727E0E58BF}" type="datetimeFigureOut">
               <a:rPr lang="en-US" smtClean="0"/>
-              <a:t>8/18/2021</a:t>
+              <a:t>8/19/2021</a:t>
             </a:fld>
             <a:endParaRPr lang="en-US"/>
           </a:p>
@@ -666,7 +668,7 @@
           <a:p>
             <a:fld id="{9BED4BE8-31C7-403D-911A-3E727E0E58BF}" type="datetimeFigureOut">
               <a:rPr lang="en-US" smtClean="0"/>
-              <a:t>8/18/2021</a:t>
+              <a:t>8/19/2021</a:t>
             </a:fld>
             <a:endParaRPr lang="en-US"/>
           </a:p>
@@ -864,7 +866,7 @@
           <a:p>
             <a:fld id="{9BED4BE8-31C7-403D-911A-3E727E0E58BF}" type="datetimeFigureOut">
               <a:rPr lang="en-US" smtClean="0"/>
-              <a:t>8/18/2021</a:t>
+              <a:t>8/19/2021</a:t>
             </a:fld>
             <a:endParaRPr lang="en-US"/>
           </a:p>
@@ -1139,7 +1141,7 @@
           <a:p>
             <a:fld id="{9BED4BE8-31C7-403D-911A-3E727E0E58BF}" type="datetimeFigureOut">
               <a:rPr lang="en-US" smtClean="0"/>
-              <a:t>8/18/2021</a:t>
+              <a:t>8/19/2021</a:t>
             </a:fld>
             <a:endParaRPr lang="en-US"/>
           </a:p>
@@ -1404,7 +1406,7 @@
           <a:p>
             <a:fld id="{9BED4BE8-31C7-403D-911A-3E727E0E58BF}" type="datetimeFigureOut">
               <a:rPr lang="en-US" smtClean="0"/>
-              <a:t>8/18/2021</a:t>
+              <a:t>8/19/2021</a:t>
             </a:fld>
             <a:endParaRPr lang="en-US"/>
           </a:p>
@@ -1816,7 +1818,7 @@
           <a:p>
             <a:fld id="{9BED4BE8-31C7-403D-911A-3E727E0E58BF}" type="datetimeFigureOut">
               <a:rPr lang="en-US" smtClean="0"/>
-              <a:t>8/18/2021</a:t>
+              <a:t>8/19/2021</a:t>
             </a:fld>
             <a:endParaRPr lang="en-US"/>
           </a:p>
@@ -1957,7 +1959,7 @@
           <a:p>
             <a:fld id="{9BED4BE8-31C7-403D-911A-3E727E0E58BF}" type="datetimeFigureOut">
               <a:rPr lang="en-US" smtClean="0"/>
-              <a:t>8/18/2021</a:t>
+              <a:t>8/19/2021</a:t>
             </a:fld>
             <a:endParaRPr lang="en-US"/>
           </a:p>
@@ -2070,7 +2072,7 @@
           <a:p>
             <a:fld id="{9BED4BE8-31C7-403D-911A-3E727E0E58BF}" type="datetimeFigureOut">
               <a:rPr lang="en-US" smtClean="0"/>
-              <a:t>8/18/2021</a:t>
+              <a:t>8/19/2021</a:t>
             </a:fld>
             <a:endParaRPr lang="en-US"/>
           </a:p>
@@ -2381,7 +2383,7 @@
           <a:p>
             <a:fld id="{9BED4BE8-31C7-403D-911A-3E727E0E58BF}" type="datetimeFigureOut">
               <a:rPr lang="en-US" smtClean="0"/>
-              <a:t>8/18/2021</a:t>
+              <a:t>8/19/2021</a:t>
             </a:fld>
             <a:endParaRPr lang="en-US"/>
           </a:p>
@@ -2669,7 +2671,7 @@
           <a:p>
             <a:fld id="{9BED4BE8-31C7-403D-911A-3E727E0E58BF}" type="datetimeFigureOut">
               <a:rPr lang="en-US" smtClean="0"/>
-              <a:t>8/18/2021</a:t>
+              <a:t>8/19/2021</a:t>
             </a:fld>
             <a:endParaRPr lang="en-US"/>
           </a:p>
@@ -2910,7 +2912,7 @@
           <a:p>
             <a:fld id="{9BED4BE8-31C7-403D-911A-3E727E0E58BF}" type="datetimeFigureOut">
               <a:rPr lang="en-US" smtClean="0"/>
-              <a:t>8/18/2021</a:t>
+              <a:t>8/19/2021</a:t>
             </a:fld>
             <a:endParaRPr lang="en-US"/>
           </a:p>
@@ -15857,6 +15859,5598 @@
 </p:sld>
 </file>
 
+<file path=ppt/slides/slide3.xml><?xml version="1.0" encoding="utf-8"?>
+<p:sld xmlns:a="http://schemas.openxmlformats.org/drawingml/2006/main" xmlns:r="http://schemas.openxmlformats.org/officeDocument/2006/relationships" xmlns:p="http://schemas.openxmlformats.org/presentationml/2006/main">
+  <p:cSld>
+    <p:spTree>
+      <p:nvGrpSpPr>
+        <p:cNvPr id="1" name=""/>
+        <p:cNvGrpSpPr/>
+        <p:nvPr/>
+      </p:nvGrpSpPr>
+      <p:grpSpPr>
+        <a:xfrm>
+          <a:off x="0" y="0"/>
+          <a:ext cx="0" cy="0"/>
+          <a:chOff x="0" y="0"/>
+          <a:chExt cx="0" cy="0"/>
+        </a:xfrm>
+      </p:grpSpPr>
+      <p:sp>
+        <p:nvSpPr>
+          <p:cNvPr id="2" name="TextBox 1">
+            <a:extLst>
+              <a:ext uri="{FF2B5EF4-FFF2-40B4-BE49-F238E27FC236}">
+                <a16:creationId xmlns:a16="http://schemas.microsoft.com/office/drawing/2014/main" id="{EF430766-1EB8-4C57-8395-D95AB19E6BBC}"/>
+              </a:ext>
+            </a:extLst>
+          </p:cNvPr>
+          <p:cNvSpPr txBox="1"/>
+          <p:nvPr/>
+        </p:nvSpPr>
+        <p:spPr>
+          <a:xfrm>
+            <a:off x="4065691" y="2290321"/>
+            <a:ext cx="678539" cy="369332"/>
+          </a:xfrm>
+          <a:prstGeom prst="rect">
+            <a:avLst/>
+          </a:prstGeom>
+          <a:noFill/>
+        </p:spPr>
+        <p:txBody>
+          <a:bodyPr wrap="square" rtlCol="0">
+            <a:spAutoFit/>
+          </a:bodyPr>
+          <a:lstStyle/>
+          <a:p>
+            <a:r>
+              <a:rPr lang="en-US" dirty="0"/>
+              <a:t>M1</a:t>
+            </a:r>
+          </a:p>
+        </p:txBody>
+      </p:sp>
+      <p:grpSp>
+        <p:nvGrpSpPr>
+          <p:cNvPr id="4" name="Group 3">
+            <a:extLst>
+              <a:ext uri="{FF2B5EF4-FFF2-40B4-BE49-F238E27FC236}">
+                <a16:creationId xmlns:a16="http://schemas.microsoft.com/office/drawing/2014/main" id="{9BCC29A2-250E-4013-AAD5-258695DEF999}"/>
+              </a:ext>
+            </a:extLst>
+          </p:cNvPr>
+          <p:cNvGrpSpPr/>
+          <p:nvPr/>
+        </p:nvGrpSpPr>
+        <p:grpSpPr>
+          <a:xfrm>
+            <a:off x="2051420" y="1898276"/>
+            <a:ext cx="2563770" cy="1324129"/>
+            <a:chOff x="2018646" y="2226734"/>
+            <a:chExt cx="2680354" cy="1324129"/>
+          </a:xfrm>
+        </p:grpSpPr>
+        <p:sp>
+          <p:nvSpPr>
+            <p:cNvPr id="20" name="Oval 19">
+              <a:extLst>
+                <a:ext uri="{FF2B5EF4-FFF2-40B4-BE49-F238E27FC236}">
+                  <a16:creationId xmlns:a16="http://schemas.microsoft.com/office/drawing/2014/main" id="{246932BC-DA9A-4180-86CE-EBA4FD59FEB6}"/>
+                </a:ext>
+              </a:extLst>
+            </p:cNvPr>
+            <p:cNvSpPr/>
+            <p:nvPr/>
+          </p:nvSpPr>
+          <p:spPr>
+            <a:xfrm>
+              <a:off x="2260600" y="2396067"/>
+              <a:ext cx="169333" cy="169333"/>
+            </a:xfrm>
+            <a:prstGeom prst="ellipse">
+              <a:avLst/>
+            </a:prstGeom>
+            <a:solidFill>
+              <a:schemeClr val="accent4">
+                <a:lumMod val="20000"/>
+                <a:lumOff val="80000"/>
+              </a:schemeClr>
+            </a:solidFill>
+            <a:ln>
+              <a:solidFill>
+                <a:srgbClr val="FFC000"/>
+              </a:solidFill>
+            </a:ln>
+          </p:spPr>
+          <p:style>
+            <a:lnRef idx="2">
+              <a:schemeClr val="accent1">
+                <a:shade val="50000"/>
+              </a:schemeClr>
+            </a:lnRef>
+            <a:fillRef idx="1">
+              <a:schemeClr val="accent1"/>
+            </a:fillRef>
+            <a:effectRef idx="0">
+              <a:schemeClr val="accent1"/>
+            </a:effectRef>
+            <a:fontRef idx="minor">
+              <a:schemeClr val="lt1"/>
+            </a:fontRef>
+          </p:style>
+          <p:txBody>
+            <a:bodyPr rtlCol="0" anchor="ctr"/>
+            <a:lstStyle/>
+            <a:p>
+              <a:pPr algn="ctr"/>
+              <a:endParaRPr lang="en-US" dirty="0"/>
+            </a:p>
+          </p:txBody>
+        </p:sp>
+        <p:sp>
+          <p:nvSpPr>
+            <p:cNvPr id="21" name="Oval 20">
+              <a:extLst>
+                <a:ext uri="{FF2B5EF4-FFF2-40B4-BE49-F238E27FC236}">
+                  <a16:creationId xmlns:a16="http://schemas.microsoft.com/office/drawing/2014/main" id="{FF0DF298-FE8B-4153-8B5D-EBB685754FD9}"/>
+                </a:ext>
+              </a:extLst>
+            </p:cNvPr>
+            <p:cNvSpPr/>
+            <p:nvPr/>
+          </p:nvSpPr>
+          <p:spPr>
+            <a:xfrm>
+              <a:off x="2931123" y="3049400"/>
+              <a:ext cx="169333" cy="169333"/>
+            </a:xfrm>
+            <a:prstGeom prst="ellipse">
+              <a:avLst/>
+            </a:prstGeom>
+            <a:solidFill>
+              <a:schemeClr val="accent4">
+                <a:lumMod val="20000"/>
+                <a:lumOff val="80000"/>
+              </a:schemeClr>
+            </a:solidFill>
+            <a:ln>
+              <a:solidFill>
+                <a:srgbClr val="FFC000"/>
+              </a:solidFill>
+            </a:ln>
+          </p:spPr>
+          <p:style>
+            <a:lnRef idx="2">
+              <a:schemeClr val="accent1">
+                <a:shade val="50000"/>
+              </a:schemeClr>
+            </a:lnRef>
+            <a:fillRef idx="1">
+              <a:schemeClr val="accent1"/>
+            </a:fillRef>
+            <a:effectRef idx="0">
+              <a:schemeClr val="accent1"/>
+            </a:effectRef>
+            <a:fontRef idx="minor">
+              <a:schemeClr val="lt1"/>
+            </a:fontRef>
+          </p:style>
+          <p:txBody>
+            <a:bodyPr rtlCol="0" anchor="ctr"/>
+            <a:lstStyle/>
+            <a:p>
+              <a:pPr algn="ctr"/>
+              <a:endParaRPr lang="en-US" dirty="0"/>
+            </a:p>
+          </p:txBody>
+        </p:sp>
+        <p:sp>
+          <p:nvSpPr>
+            <p:cNvPr id="22" name="Oval 21">
+              <a:extLst>
+                <a:ext uri="{FF2B5EF4-FFF2-40B4-BE49-F238E27FC236}">
+                  <a16:creationId xmlns:a16="http://schemas.microsoft.com/office/drawing/2014/main" id="{B74BC0AF-165E-41AC-8CB8-74ABCE239EDD}"/>
+                </a:ext>
+              </a:extLst>
+            </p:cNvPr>
+            <p:cNvSpPr/>
+            <p:nvPr/>
+          </p:nvSpPr>
+          <p:spPr>
+            <a:xfrm>
+              <a:off x="3327400" y="2226734"/>
+              <a:ext cx="169333" cy="169333"/>
+            </a:xfrm>
+            <a:prstGeom prst="ellipse">
+              <a:avLst/>
+            </a:prstGeom>
+            <a:solidFill>
+              <a:schemeClr val="accent4">
+                <a:lumMod val="20000"/>
+                <a:lumOff val="80000"/>
+              </a:schemeClr>
+            </a:solidFill>
+            <a:ln>
+              <a:solidFill>
+                <a:srgbClr val="FFC000"/>
+              </a:solidFill>
+            </a:ln>
+          </p:spPr>
+          <p:style>
+            <a:lnRef idx="2">
+              <a:schemeClr val="accent1">
+                <a:shade val="50000"/>
+              </a:schemeClr>
+            </a:lnRef>
+            <a:fillRef idx="1">
+              <a:schemeClr val="accent1"/>
+            </a:fillRef>
+            <a:effectRef idx="0">
+              <a:schemeClr val="accent1"/>
+            </a:effectRef>
+            <a:fontRef idx="minor">
+              <a:schemeClr val="lt1"/>
+            </a:fontRef>
+          </p:style>
+          <p:txBody>
+            <a:bodyPr rtlCol="0" anchor="ctr"/>
+            <a:lstStyle/>
+            <a:p>
+              <a:pPr algn="ctr"/>
+              <a:endParaRPr lang="en-US" dirty="0"/>
+            </a:p>
+          </p:txBody>
+        </p:sp>
+        <p:sp>
+          <p:nvSpPr>
+            <p:cNvPr id="23" name="Oval 22">
+              <a:extLst>
+                <a:ext uri="{FF2B5EF4-FFF2-40B4-BE49-F238E27FC236}">
+                  <a16:creationId xmlns:a16="http://schemas.microsoft.com/office/drawing/2014/main" id="{CA89DD98-0931-483A-93A5-C6C93AFEA524}"/>
+                </a:ext>
+              </a:extLst>
+            </p:cNvPr>
+            <p:cNvSpPr/>
+            <p:nvPr/>
+          </p:nvSpPr>
+          <p:spPr>
+            <a:xfrm>
+              <a:off x="3983567" y="3331632"/>
+              <a:ext cx="169333" cy="169333"/>
+            </a:xfrm>
+            <a:prstGeom prst="ellipse">
+              <a:avLst/>
+            </a:prstGeom>
+            <a:solidFill>
+              <a:schemeClr val="accent4">
+                <a:lumMod val="20000"/>
+                <a:lumOff val="80000"/>
+              </a:schemeClr>
+            </a:solidFill>
+            <a:ln>
+              <a:solidFill>
+                <a:srgbClr val="FFC000"/>
+              </a:solidFill>
+            </a:ln>
+          </p:spPr>
+          <p:style>
+            <a:lnRef idx="2">
+              <a:schemeClr val="accent1">
+                <a:shade val="50000"/>
+              </a:schemeClr>
+            </a:lnRef>
+            <a:fillRef idx="1">
+              <a:schemeClr val="accent1"/>
+            </a:fillRef>
+            <a:effectRef idx="0">
+              <a:schemeClr val="accent1"/>
+            </a:effectRef>
+            <a:fontRef idx="minor">
+              <a:schemeClr val="lt1"/>
+            </a:fontRef>
+          </p:style>
+          <p:txBody>
+            <a:bodyPr rtlCol="0" anchor="ctr"/>
+            <a:lstStyle/>
+            <a:p>
+              <a:pPr algn="ctr"/>
+              <a:endParaRPr lang="en-US" dirty="0"/>
+            </a:p>
+          </p:txBody>
+        </p:sp>
+        <p:sp>
+          <p:nvSpPr>
+            <p:cNvPr id="24" name="Oval 23">
+              <a:extLst>
+                <a:ext uri="{FF2B5EF4-FFF2-40B4-BE49-F238E27FC236}">
+                  <a16:creationId xmlns:a16="http://schemas.microsoft.com/office/drawing/2014/main" id="{929EE3A2-3168-4346-8CAB-B7FB7B0A786C}"/>
+                </a:ext>
+              </a:extLst>
+            </p:cNvPr>
+            <p:cNvSpPr/>
+            <p:nvPr/>
+          </p:nvSpPr>
+          <p:spPr>
+            <a:xfrm>
+              <a:off x="4529667" y="2567516"/>
+              <a:ext cx="169333" cy="169333"/>
+            </a:xfrm>
+            <a:prstGeom prst="ellipse">
+              <a:avLst/>
+            </a:prstGeom>
+            <a:solidFill>
+              <a:schemeClr val="accent2">
+                <a:lumMod val="40000"/>
+                <a:lumOff val="60000"/>
+              </a:schemeClr>
+            </a:solidFill>
+            <a:ln>
+              <a:solidFill>
+                <a:srgbClr val="FF0000"/>
+              </a:solidFill>
+            </a:ln>
+          </p:spPr>
+          <p:style>
+            <a:lnRef idx="2">
+              <a:schemeClr val="accent1">
+                <a:shade val="50000"/>
+              </a:schemeClr>
+            </a:lnRef>
+            <a:fillRef idx="1">
+              <a:schemeClr val="accent1"/>
+            </a:fillRef>
+            <a:effectRef idx="0">
+              <a:schemeClr val="accent1"/>
+            </a:effectRef>
+            <a:fontRef idx="minor">
+              <a:schemeClr val="lt1"/>
+            </a:fontRef>
+          </p:style>
+          <p:txBody>
+            <a:bodyPr rtlCol="0" anchor="ctr"/>
+            <a:lstStyle/>
+            <a:p>
+              <a:pPr algn="ctr"/>
+              <a:endParaRPr lang="en-US" dirty="0"/>
+            </a:p>
+          </p:txBody>
+        </p:sp>
+        <p:sp>
+          <p:nvSpPr>
+            <p:cNvPr id="25" name="Oval 24">
+              <a:extLst>
+                <a:ext uri="{FF2B5EF4-FFF2-40B4-BE49-F238E27FC236}">
+                  <a16:creationId xmlns:a16="http://schemas.microsoft.com/office/drawing/2014/main" id="{3AA374C3-60D6-4A5C-9CD0-128BF17BCA28}"/>
+                </a:ext>
+              </a:extLst>
+            </p:cNvPr>
+            <p:cNvSpPr/>
+            <p:nvPr/>
+          </p:nvSpPr>
+          <p:spPr>
+            <a:xfrm>
+              <a:off x="2018646" y="3381530"/>
+              <a:ext cx="169333" cy="169333"/>
+            </a:xfrm>
+            <a:prstGeom prst="ellipse">
+              <a:avLst/>
+            </a:prstGeom>
+            <a:solidFill>
+              <a:schemeClr val="accent4">
+                <a:lumMod val="20000"/>
+                <a:lumOff val="80000"/>
+              </a:schemeClr>
+            </a:solidFill>
+            <a:ln>
+              <a:solidFill>
+                <a:srgbClr val="FFC000"/>
+              </a:solidFill>
+            </a:ln>
+          </p:spPr>
+          <p:style>
+            <a:lnRef idx="2">
+              <a:schemeClr val="accent1">
+                <a:shade val="50000"/>
+              </a:schemeClr>
+            </a:lnRef>
+            <a:fillRef idx="1">
+              <a:schemeClr val="accent1"/>
+            </a:fillRef>
+            <a:effectRef idx="0">
+              <a:schemeClr val="accent1"/>
+            </a:effectRef>
+            <a:fontRef idx="minor">
+              <a:schemeClr val="lt1"/>
+            </a:fontRef>
+          </p:style>
+          <p:txBody>
+            <a:bodyPr rtlCol="0" anchor="ctr"/>
+            <a:lstStyle/>
+            <a:p>
+              <a:pPr algn="ctr"/>
+              <a:endParaRPr lang="en-US" dirty="0"/>
+            </a:p>
+          </p:txBody>
+        </p:sp>
+      </p:grpSp>
+      <p:cxnSp>
+        <p:nvCxnSpPr>
+          <p:cNvPr id="5" name="Straight Arrow Connector 4">
+            <a:extLst>
+              <a:ext uri="{FF2B5EF4-FFF2-40B4-BE49-F238E27FC236}">
+                <a16:creationId xmlns:a16="http://schemas.microsoft.com/office/drawing/2014/main" id="{05AE284A-CA52-4CC4-8C6D-DA13261B5B9A}"/>
+              </a:ext>
+            </a:extLst>
+          </p:cNvPr>
+          <p:cNvCxnSpPr>
+            <a:stCxn id="20" idx="6"/>
+            <a:endCxn id="22" idx="2"/>
+          </p:cNvCxnSpPr>
+          <p:nvPr/>
+        </p:nvCxnSpPr>
+        <p:spPr>
+          <a:xfrm flipV="1">
+            <a:off x="2444818" y="1982943"/>
+            <a:ext cx="858431" cy="169333"/>
+          </a:xfrm>
+          <a:prstGeom prst="straightConnector1">
+            <a:avLst/>
+          </a:prstGeom>
+          <a:ln w="25400">
+            <a:tailEnd type="triangle"/>
+          </a:ln>
+        </p:spPr>
+        <p:style>
+          <a:lnRef idx="1">
+            <a:schemeClr val="accent1"/>
+          </a:lnRef>
+          <a:fillRef idx="0">
+            <a:schemeClr val="accent1"/>
+          </a:fillRef>
+          <a:effectRef idx="0">
+            <a:schemeClr val="accent1"/>
+          </a:effectRef>
+          <a:fontRef idx="minor">
+            <a:schemeClr val="tx1"/>
+          </a:fontRef>
+        </p:style>
+      </p:cxnSp>
+      <p:cxnSp>
+        <p:nvCxnSpPr>
+          <p:cNvPr id="6" name="Straight Arrow Connector 5">
+            <a:extLst>
+              <a:ext uri="{FF2B5EF4-FFF2-40B4-BE49-F238E27FC236}">
+                <a16:creationId xmlns:a16="http://schemas.microsoft.com/office/drawing/2014/main" id="{3F05AA35-E8FA-4E2D-A218-1881A4E7B544}"/>
+              </a:ext>
+            </a:extLst>
+          </p:cNvPr>
+          <p:cNvCxnSpPr>
+            <a:cxnSpLocks/>
+            <a:stCxn id="22" idx="6"/>
+            <a:endCxn id="24" idx="2"/>
+          </p:cNvCxnSpPr>
+          <p:nvPr/>
+        </p:nvCxnSpPr>
+        <p:spPr>
+          <a:xfrm>
+            <a:off x="3465217" y="1982943"/>
+            <a:ext cx="988006" cy="340782"/>
+          </a:xfrm>
+          <a:prstGeom prst="straightConnector1">
+            <a:avLst/>
+          </a:prstGeom>
+          <a:ln w="25400">
+            <a:tailEnd type="triangle"/>
+          </a:ln>
+        </p:spPr>
+        <p:style>
+          <a:lnRef idx="1">
+            <a:schemeClr val="accent1"/>
+          </a:lnRef>
+          <a:fillRef idx="0">
+            <a:schemeClr val="accent1"/>
+          </a:fillRef>
+          <a:effectRef idx="0">
+            <a:schemeClr val="accent1"/>
+          </a:effectRef>
+          <a:fontRef idx="minor">
+            <a:schemeClr val="tx1"/>
+          </a:fontRef>
+        </p:style>
+      </p:cxnSp>
+      <p:cxnSp>
+        <p:nvCxnSpPr>
+          <p:cNvPr id="7" name="Straight Arrow Connector 6">
+            <a:extLst>
+              <a:ext uri="{FF2B5EF4-FFF2-40B4-BE49-F238E27FC236}">
+                <a16:creationId xmlns:a16="http://schemas.microsoft.com/office/drawing/2014/main" id="{6AFF0859-BB72-4171-9043-0D1737B4934F}"/>
+              </a:ext>
+            </a:extLst>
+          </p:cNvPr>
+          <p:cNvCxnSpPr>
+            <a:cxnSpLocks/>
+            <a:stCxn id="22" idx="5"/>
+            <a:endCxn id="23" idx="1"/>
+          </p:cNvCxnSpPr>
+          <p:nvPr/>
+        </p:nvCxnSpPr>
+        <p:spPr>
+          <a:xfrm>
+            <a:off x="3441497" y="2042811"/>
+            <a:ext cx="513098" cy="985161"/>
+          </a:xfrm>
+          <a:prstGeom prst="straightConnector1">
+            <a:avLst/>
+          </a:prstGeom>
+          <a:ln w="25400">
+            <a:solidFill>
+              <a:schemeClr val="accent6">
+                <a:lumMod val="75000"/>
+              </a:schemeClr>
+            </a:solidFill>
+            <a:prstDash val="dash"/>
+            <a:tailEnd type="triangle"/>
+          </a:ln>
+        </p:spPr>
+        <p:style>
+          <a:lnRef idx="1">
+            <a:schemeClr val="accent1"/>
+          </a:lnRef>
+          <a:fillRef idx="0">
+            <a:schemeClr val="accent1"/>
+          </a:fillRef>
+          <a:effectRef idx="0">
+            <a:schemeClr val="accent1"/>
+          </a:effectRef>
+          <a:fontRef idx="minor">
+            <a:schemeClr val="tx1"/>
+          </a:fontRef>
+        </p:style>
+      </p:cxnSp>
+      <p:cxnSp>
+        <p:nvCxnSpPr>
+          <p:cNvPr id="8" name="Straight Arrow Connector 7">
+            <a:extLst>
+              <a:ext uri="{FF2B5EF4-FFF2-40B4-BE49-F238E27FC236}">
+                <a16:creationId xmlns:a16="http://schemas.microsoft.com/office/drawing/2014/main" id="{932298D3-CD5E-4588-A904-6418DEC84151}"/>
+              </a:ext>
+            </a:extLst>
+          </p:cNvPr>
+          <p:cNvCxnSpPr>
+            <a:cxnSpLocks/>
+            <a:stCxn id="20" idx="5"/>
+            <a:endCxn id="21" idx="1"/>
+          </p:cNvCxnSpPr>
+          <p:nvPr/>
+        </p:nvCxnSpPr>
+        <p:spPr>
+          <a:xfrm>
+            <a:off x="2421098" y="2212144"/>
+            <a:ext cx="526829" cy="533596"/>
+          </a:xfrm>
+          <a:prstGeom prst="straightConnector1">
+            <a:avLst/>
+          </a:prstGeom>
+          <a:ln w="25400">
+            <a:solidFill>
+              <a:schemeClr val="accent6">
+                <a:lumMod val="75000"/>
+              </a:schemeClr>
+            </a:solidFill>
+            <a:prstDash val="dash"/>
+            <a:tailEnd type="triangle"/>
+          </a:ln>
+        </p:spPr>
+        <p:style>
+          <a:lnRef idx="1">
+            <a:schemeClr val="accent1"/>
+          </a:lnRef>
+          <a:fillRef idx="0">
+            <a:schemeClr val="accent1"/>
+          </a:fillRef>
+          <a:effectRef idx="0">
+            <a:schemeClr val="accent1"/>
+          </a:effectRef>
+          <a:fontRef idx="minor">
+            <a:schemeClr val="tx1"/>
+          </a:fontRef>
+        </p:style>
+      </p:cxnSp>
+      <p:cxnSp>
+        <p:nvCxnSpPr>
+          <p:cNvPr id="9" name="Straight Arrow Connector 8">
+            <a:extLst>
+              <a:ext uri="{FF2B5EF4-FFF2-40B4-BE49-F238E27FC236}">
+                <a16:creationId xmlns:a16="http://schemas.microsoft.com/office/drawing/2014/main" id="{C31E3B50-9B70-4ED7-9034-D6401030D76F}"/>
+              </a:ext>
+            </a:extLst>
+          </p:cNvPr>
+          <p:cNvCxnSpPr>
+            <a:cxnSpLocks/>
+            <a:endCxn id="20" idx="2"/>
+          </p:cNvCxnSpPr>
+          <p:nvPr/>
+        </p:nvCxnSpPr>
+        <p:spPr>
+          <a:xfrm flipV="1">
+            <a:off x="2054655" y="2152276"/>
+            <a:ext cx="228195" cy="366404"/>
+          </a:xfrm>
+          <a:prstGeom prst="straightConnector1">
+            <a:avLst/>
+          </a:prstGeom>
+          <a:ln w="25400">
+            <a:tailEnd type="triangle"/>
+          </a:ln>
+        </p:spPr>
+        <p:style>
+          <a:lnRef idx="1">
+            <a:schemeClr val="accent1"/>
+          </a:lnRef>
+          <a:fillRef idx="0">
+            <a:schemeClr val="accent1"/>
+          </a:fillRef>
+          <a:effectRef idx="0">
+            <a:schemeClr val="accent1"/>
+          </a:effectRef>
+          <a:fontRef idx="minor">
+            <a:schemeClr val="tx1"/>
+          </a:fontRef>
+        </p:style>
+      </p:cxnSp>
+      <p:cxnSp>
+        <p:nvCxnSpPr>
+          <p:cNvPr id="10" name="Straight Arrow Connector 9">
+            <a:extLst>
+              <a:ext uri="{FF2B5EF4-FFF2-40B4-BE49-F238E27FC236}">
+                <a16:creationId xmlns:a16="http://schemas.microsoft.com/office/drawing/2014/main" id="{AE96EA14-7BDD-40AB-AC8E-B45F44D4F60F}"/>
+              </a:ext>
+            </a:extLst>
+          </p:cNvPr>
+          <p:cNvCxnSpPr>
+            <a:cxnSpLocks/>
+            <a:stCxn id="21" idx="3"/>
+            <a:endCxn id="25" idx="5"/>
+          </p:cNvCxnSpPr>
+          <p:nvPr/>
+        </p:nvCxnSpPr>
+        <p:spPr>
+          <a:xfrm flipH="1">
+            <a:off x="2189668" y="2865477"/>
+            <a:ext cx="758259" cy="332130"/>
+          </a:xfrm>
+          <a:prstGeom prst="straightConnector1">
+            <a:avLst/>
+          </a:prstGeom>
+          <a:ln w="25400">
+            <a:solidFill>
+              <a:schemeClr val="accent6">
+                <a:lumMod val="75000"/>
+              </a:schemeClr>
+            </a:solidFill>
+            <a:prstDash val="dash"/>
+            <a:tailEnd type="triangle"/>
+          </a:ln>
+        </p:spPr>
+        <p:style>
+          <a:lnRef idx="1">
+            <a:schemeClr val="accent1"/>
+          </a:lnRef>
+          <a:fillRef idx="0">
+            <a:schemeClr val="accent1"/>
+          </a:fillRef>
+          <a:effectRef idx="0">
+            <a:schemeClr val="accent1"/>
+          </a:effectRef>
+          <a:fontRef idx="minor">
+            <a:schemeClr val="tx1"/>
+          </a:fontRef>
+        </p:style>
+      </p:cxnSp>
+      <p:cxnSp>
+        <p:nvCxnSpPr>
+          <p:cNvPr id="11" name="Straight Arrow Connector 10">
+            <a:extLst>
+              <a:ext uri="{FF2B5EF4-FFF2-40B4-BE49-F238E27FC236}">
+                <a16:creationId xmlns:a16="http://schemas.microsoft.com/office/drawing/2014/main" id="{E66661D4-8BBC-4500-AC22-9EF43D391539}"/>
+              </a:ext>
+            </a:extLst>
+          </p:cNvPr>
+          <p:cNvCxnSpPr>
+            <a:cxnSpLocks/>
+            <a:stCxn id="21" idx="1"/>
+            <a:endCxn id="25" idx="7"/>
+          </p:cNvCxnSpPr>
+          <p:nvPr/>
+        </p:nvCxnSpPr>
+        <p:spPr>
+          <a:xfrm flipH="1">
+            <a:off x="2189668" y="2745740"/>
+            <a:ext cx="758259" cy="332130"/>
+          </a:xfrm>
+          <a:prstGeom prst="straightConnector1">
+            <a:avLst/>
+          </a:prstGeom>
+          <a:ln w="25400">
+            <a:solidFill>
+              <a:schemeClr val="accent2">
+                <a:lumMod val="75000"/>
+              </a:schemeClr>
+            </a:solidFill>
+            <a:prstDash val="lgDash"/>
+            <a:headEnd type="triangle"/>
+            <a:tailEnd type="triangle"/>
+          </a:ln>
+        </p:spPr>
+        <p:style>
+          <a:lnRef idx="1">
+            <a:schemeClr val="accent1"/>
+          </a:lnRef>
+          <a:fillRef idx="0">
+            <a:schemeClr val="accent1"/>
+          </a:fillRef>
+          <a:effectRef idx="0">
+            <a:schemeClr val="accent1"/>
+          </a:effectRef>
+          <a:fontRef idx="minor">
+            <a:schemeClr val="tx1"/>
+          </a:fontRef>
+        </p:style>
+      </p:cxnSp>
+      <p:sp>
+        <p:nvSpPr>
+          <p:cNvPr id="12" name="TextBox 11">
+            <a:extLst>
+              <a:ext uri="{FF2B5EF4-FFF2-40B4-BE49-F238E27FC236}">
+                <a16:creationId xmlns:a16="http://schemas.microsoft.com/office/drawing/2014/main" id="{033544F6-E93D-4D9C-913F-FAB6DBFE9086}"/>
+              </a:ext>
+            </a:extLst>
+          </p:cNvPr>
+          <p:cNvSpPr txBox="1"/>
+          <p:nvPr/>
+        </p:nvSpPr>
+        <p:spPr>
+          <a:xfrm>
+            <a:off x="3276056" y="1591458"/>
+            <a:ext cx="678538" cy="369332"/>
+          </a:xfrm>
+          <a:prstGeom prst="rect">
+            <a:avLst/>
+          </a:prstGeom>
+          <a:noFill/>
+        </p:spPr>
+        <p:txBody>
+          <a:bodyPr wrap="square" rtlCol="0">
+            <a:spAutoFit/>
+          </a:bodyPr>
+          <a:lstStyle/>
+          <a:p>
+            <a:r>
+              <a:rPr lang="en-US" dirty="0"/>
+              <a:t>M2</a:t>
+            </a:r>
+          </a:p>
+        </p:txBody>
+      </p:sp>
+      <p:sp>
+        <p:nvSpPr>
+          <p:cNvPr id="13" name="TextBox 12">
+            <a:extLst>
+              <a:ext uri="{FF2B5EF4-FFF2-40B4-BE49-F238E27FC236}">
+                <a16:creationId xmlns:a16="http://schemas.microsoft.com/office/drawing/2014/main" id="{7330ED72-DAE1-41D9-B6C7-EFE17AE38774}"/>
+              </a:ext>
+            </a:extLst>
+          </p:cNvPr>
+          <p:cNvSpPr txBox="1"/>
+          <p:nvPr/>
+        </p:nvSpPr>
+        <p:spPr>
+          <a:xfrm>
+            <a:off x="2207355" y="1743440"/>
+            <a:ext cx="678538" cy="369332"/>
+          </a:xfrm>
+          <a:prstGeom prst="rect">
+            <a:avLst/>
+          </a:prstGeom>
+          <a:noFill/>
+        </p:spPr>
+        <p:txBody>
+          <a:bodyPr wrap="square" rtlCol="0">
+            <a:spAutoFit/>
+          </a:bodyPr>
+          <a:lstStyle/>
+          <a:p>
+            <a:r>
+              <a:rPr lang="en-US" dirty="0"/>
+              <a:t>M3</a:t>
+            </a:r>
+          </a:p>
+        </p:txBody>
+      </p:sp>
+      <p:sp>
+        <p:nvSpPr>
+          <p:cNvPr id="14" name="TextBox 13">
+            <a:extLst>
+              <a:ext uri="{FF2B5EF4-FFF2-40B4-BE49-F238E27FC236}">
+                <a16:creationId xmlns:a16="http://schemas.microsoft.com/office/drawing/2014/main" id="{250F84CB-4AA8-4BFB-BF1E-76B62D1A1C3B}"/>
+              </a:ext>
+            </a:extLst>
+          </p:cNvPr>
+          <p:cNvSpPr txBox="1"/>
+          <p:nvPr/>
+        </p:nvSpPr>
+        <p:spPr>
+          <a:xfrm>
+            <a:off x="3849525" y="3113980"/>
+            <a:ext cx="678538" cy="369332"/>
+          </a:xfrm>
+          <a:prstGeom prst="rect">
+            <a:avLst/>
+          </a:prstGeom>
+          <a:noFill/>
+        </p:spPr>
+        <p:txBody>
+          <a:bodyPr wrap="square" rtlCol="0">
+            <a:spAutoFit/>
+          </a:bodyPr>
+          <a:lstStyle/>
+          <a:p>
+            <a:r>
+              <a:rPr lang="en-US" dirty="0"/>
+              <a:t>M4</a:t>
+            </a:r>
+          </a:p>
+        </p:txBody>
+      </p:sp>
+      <p:sp>
+        <p:nvSpPr>
+          <p:cNvPr id="15" name="TextBox 14">
+            <a:extLst>
+              <a:ext uri="{FF2B5EF4-FFF2-40B4-BE49-F238E27FC236}">
+                <a16:creationId xmlns:a16="http://schemas.microsoft.com/office/drawing/2014/main" id="{6C1A7F79-18EB-41F1-8183-2CB3DE52FCBC}"/>
+              </a:ext>
+            </a:extLst>
+          </p:cNvPr>
+          <p:cNvSpPr txBox="1"/>
+          <p:nvPr/>
+        </p:nvSpPr>
+        <p:spPr>
+          <a:xfrm>
+            <a:off x="2977354" y="2903174"/>
+            <a:ext cx="747663" cy="369332"/>
+          </a:xfrm>
+          <a:prstGeom prst="rect">
+            <a:avLst/>
+          </a:prstGeom>
+          <a:noFill/>
+        </p:spPr>
+        <p:txBody>
+          <a:bodyPr wrap="square" rtlCol="0">
+            <a:spAutoFit/>
+          </a:bodyPr>
+          <a:lstStyle/>
+          <a:p>
+            <a:r>
+              <a:rPr lang="en-US" dirty="0"/>
+              <a:t>M5</a:t>
+            </a:r>
+          </a:p>
+        </p:txBody>
+      </p:sp>
+      <p:sp>
+        <p:nvSpPr>
+          <p:cNvPr id="16" name="TextBox 15">
+            <a:extLst>
+              <a:ext uri="{FF2B5EF4-FFF2-40B4-BE49-F238E27FC236}">
+                <a16:creationId xmlns:a16="http://schemas.microsoft.com/office/drawing/2014/main" id="{6709335A-CC4C-408F-8FEC-6CC07E35BF68}"/>
+              </a:ext>
+            </a:extLst>
+          </p:cNvPr>
+          <p:cNvSpPr txBox="1"/>
+          <p:nvPr/>
+        </p:nvSpPr>
+        <p:spPr>
+          <a:xfrm>
+            <a:off x="1905833" y="3172560"/>
+            <a:ext cx="678538" cy="369332"/>
+          </a:xfrm>
+          <a:prstGeom prst="rect">
+            <a:avLst/>
+          </a:prstGeom>
+          <a:noFill/>
+        </p:spPr>
+        <p:txBody>
+          <a:bodyPr wrap="square" rtlCol="0">
+            <a:spAutoFit/>
+          </a:bodyPr>
+          <a:lstStyle/>
+          <a:p>
+            <a:r>
+              <a:rPr lang="en-US" dirty="0"/>
+              <a:t>M6</a:t>
+            </a:r>
+          </a:p>
+        </p:txBody>
+      </p:sp>
+      <p:sp>
+        <p:nvSpPr>
+          <p:cNvPr id="17" name="TextBox 16">
+            <a:extLst>
+              <a:ext uri="{FF2B5EF4-FFF2-40B4-BE49-F238E27FC236}">
+                <a16:creationId xmlns:a16="http://schemas.microsoft.com/office/drawing/2014/main" id="{A2C1D497-8437-4E9F-B3B8-D1652E401C3D}"/>
+              </a:ext>
+            </a:extLst>
+          </p:cNvPr>
+          <p:cNvSpPr txBox="1"/>
+          <p:nvPr/>
+        </p:nvSpPr>
+        <p:spPr>
+          <a:xfrm>
+            <a:off x="5040613" y="1493328"/>
+            <a:ext cx="1022830" cy="646331"/>
+          </a:xfrm>
+          <a:prstGeom prst="rect">
+            <a:avLst/>
+          </a:prstGeom>
+          <a:noFill/>
+        </p:spPr>
+        <p:txBody>
+          <a:bodyPr wrap="square" rtlCol="0">
+            <a:spAutoFit/>
+          </a:bodyPr>
+          <a:lstStyle/>
+          <a:p>
+            <a:r>
+              <a:rPr lang="en-US" dirty="0"/>
+              <a:t>Method Content</a:t>
+            </a:r>
+          </a:p>
+        </p:txBody>
+      </p:sp>
+      <p:sp>
+        <p:nvSpPr>
+          <p:cNvPr id="18" name="TextBox 17">
+            <a:extLst>
+              <a:ext uri="{FF2B5EF4-FFF2-40B4-BE49-F238E27FC236}">
+                <a16:creationId xmlns:a16="http://schemas.microsoft.com/office/drawing/2014/main" id="{9B64C624-DA25-4987-9443-E8F18DDC00CE}"/>
+              </a:ext>
+            </a:extLst>
+          </p:cNvPr>
+          <p:cNvSpPr txBox="1"/>
+          <p:nvPr/>
+        </p:nvSpPr>
+        <p:spPr>
+          <a:xfrm>
+            <a:off x="4888623" y="2535712"/>
+            <a:ext cx="1475867" cy="646331"/>
+          </a:xfrm>
+          <a:prstGeom prst="rect">
+            <a:avLst/>
+          </a:prstGeom>
+          <a:noFill/>
+        </p:spPr>
+        <p:txBody>
+          <a:bodyPr wrap="square" rtlCol="0">
+            <a:spAutoFit/>
+          </a:bodyPr>
+          <a:lstStyle/>
+          <a:p>
+            <a:pPr algn="ctr"/>
+            <a:r>
+              <a:rPr lang="en-US" dirty="0"/>
+              <a:t>Abstract Syntax Tree</a:t>
+            </a:r>
+          </a:p>
+        </p:txBody>
+      </p:sp>
+      <p:sp>
+        <p:nvSpPr>
+          <p:cNvPr id="19" name="TextBox 18">
+            <a:extLst>
+              <a:ext uri="{FF2B5EF4-FFF2-40B4-BE49-F238E27FC236}">
+                <a16:creationId xmlns:a16="http://schemas.microsoft.com/office/drawing/2014/main" id="{A7D17F0A-2CEC-4B62-97D1-8F8F613E4C47}"/>
+              </a:ext>
+            </a:extLst>
+          </p:cNvPr>
+          <p:cNvSpPr txBox="1"/>
+          <p:nvPr/>
+        </p:nvSpPr>
+        <p:spPr>
+          <a:xfrm>
+            <a:off x="4981090" y="3609269"/>
+            <a:ext cx="1412660" cy="923330"/>
+          </a:xfrm>
+          <a:prstGeom prst="rect">
+            <a:avLst/>
+          </a:prstGeom>
+          <a:noFill/>
+        </p:spPr>
+        <p:txBody>
+          <a:bodyPr wrap="square" rtlCol="0">
+            <a:spAutoFit/>
+          </a:bodyPr>
+          <a:lstStyle/>
+          <a:p>
+            <a:pPr algn="ctr"/>
+            <a:r>
+              <a:rPr lang="en-US" dirty="0"/>
+              <a:t>Most Similar Buggy Method</a:t>
+            </a:r>
+          </a:p>
+        </p:txBody>
+      </p:sp>
+      <p:sp>
+        <p:nvSpPr>
+          <p:cNvPr id="43" name="TextBox 42">
+            <a:extLst>
+              <a:ext uri="{FF2B5EF4-FFF2-40B4-BE49-F238E27FC236}">
+                <a16:creationId xmlns:a16="http://schemas.microsoft.com/office/drawing/2014/main" id="{C030AAF2-D856-4628-82FA-25A240861DA8}"/>
+              </a:ext>
+            </a:extLst>
+          </p:cNvPr>
+          <p:cNvSpPr txBox="1"/>
+          <p:nvPr/>
+        </p:nvSpPr>
+        <p:spPr>
+          <a:xfrm>
+            <a:off x="5990982" y="1432396"/>
+            <a:ext cx="1892379" cy="738664"/>
+          </a:xfrm>
+          <a:prstGeom prst="rect">
+            <a:avLst/>
+          </a:prstGeom>
+          <a:noFill/>
+        </p:spPr>
+        <p:txBody>
+          <a:bodyPr wrap="square" rtlCol="0">
+            <a:spAutoFit/>
+          </a:bodyPr>
+          <a:lstStyle/>
+          <a:p>
+            <a:pPr algn="ctr"/>
+            <a:r>
+              <a:rPr lang="en-US" sz="1400" dirty="0"/>
+              <a:t>protected void compute Geometrical Properties ……</a:t>
+            </a:r>
+          </a:p>
+        </p:txBody>
+      </p:sp>
+      <p:sp>
+        <p:nvSpPr>
+          <p:cNvPr id="36" name="Rectangle 35">
+            <a:extLst>
+              <a:ext uri="{FF2B5EF4-FFF2-40B4-BE49-F238E27FC236}">
+                <a16:creationId xmlns:a16="http://schemas.microsoft.com/office/drawing/2014/main" id="{D8A32053-ABDF-46D7-9D8C-07C53E991625}"/>
+              </a:ext>
+            </a:extLst>
+          </p:cNvPr>
+          <p:cNvSpPr/>
+          <p:nvPr/>
+        </p:nvSpPr>
+        <p:spPr>
+          <a:xfrm>
+            <a:off x="6079866" y="1470652"/>
+            <a:ext cx="1704041" cy="679796"/>
+          </a:xfrm>
+          <a:prstGeom prst="rect">
+            <a:avLst/>
+          </a:prstGeom>
+          <a:noFill/>
+          <a:ln>
+            <a:solidFill>
+              <a:schemeClr val="tx1"/>
+            </a:solidFill>
+          </a:ln>
+        </p:spPr>
+        <p:style>
+          <a:lnRef idx="2">
+            <a:schemeClr val="accent1">
+              <a:shade val="50000"/>
+            </a:schemeClr>
+          </a:lnRef>
+          <a:fillRef idx="1">
+            <a:schemeClr val="accent1"/>
+          </a:fillRef>
+          <a:effectRef idx="0">
+            <a:schemeClr val="accent1"/>
+          </a:effectRef>
+          <a:fontRef idx="minor">
+            <a:schemeClr val="lt1"/>
+          </a:fontRef>
+        </p:style>
+        <p:txBody>
+          <a:bodyPr rtlCol="0" anchor="ctr"/>
+          <a:lstStyle/>
+          <a:p>
+            <a:pPr algn="ctr"/>
+            <a:endParaRPr lang="en-US" dirty="0"/>
+          </a:p>
+        </p:txBody>
+      </p:sp>
+      <p:grpSp>
+        <p:nvGrpSpPr>
+          <p:cNvPr id="82" name="Group 81">
+            <a:extLst>
+              <a:ext uri="{FF2B5EF4-FFF2-40B4-BE49-F238E27FC236}">
+                <a16:creationId xmlns:a16="http://schemas.microsoft.com/office/drawing/2014/main" id="{A7FC2D23-585B-439D-9A1B-A822E8464D27}"/>
+              </a:ext>
+            </a:extLst>
+          </p:cNvPr>
+          <p:cNvGrpSpPr/>
+          <p:nvPr/>
+        </p:nvGrpSpPr>
+        <p:grpSpPr>
+          <a:xfrm>
+            <a:off x="2150948" y="3602170"/>
+            <a:ext cx="2761607" cy="1035278"/>
+            <a:chOff x="1893885" y="3670447"/>
+            <a:chExt cx="2761607" cy="1035278"/>
+          </a:xfrm>
+        </p:grpSpPr>
+        <p:cxnSp>
+          <p:nvCxnSpPr>
+            <p:cNvPr id="37" name="Straight Arrow Connector 36">
+              <a:extLst>
+                <a:ext uri="{FF2B5EF4-FFF2-40B4-BE49-F238E27FC236}">
+                  <a16:creationId xmlns:a16="http://schemas.microsoft.com/office/drawing/2014/main" id="{44DDF15A-7FE5-4CEB-A762-2D8FD77BCA9B}"/>
+                </a:ext>
+              </a:extLst>
+            </p:cNvPr>
+            <p:cNvCxnSpPr>
+              <a:cxnSpLocks/>
+            </p:cNvCxnSpPr>
+            <p:nvPr/>
+          </p:nvCxnSpPr>
+          <p:spPr>
+            <a:xfrm>
+              <a:off x="1893885" y="4087379"/>
+              <a:ext cx="474382" cy="0"/>
+            </a:xfrm>
+            <a:prstGeom prst="straightConnector1">
+              <a:avLst/>
+            </a:prstGeom>
+            <a:ln w="25400">
+              <a:solidFill>
+                <a:schemeClr val="accent6">
+                  <a:lumMod val="75000"/>
+                </a:schemeClr>
+              </a:solidFill>
+              <a:prstDash val="dash"/>
+              <a:tailEnd type="triangle"/>
+            </a:ln>
+          </p:spPr>
+          <p:style>
+            <a:lnRef idx="1">
+              <a:schemeClr val="accent1"/>
+            </a:lnRef>
+            <a:fillRef idx="0">
+              <a:schemeClr val="accent1"/>
+            </a:fillRef>
+            <a:effectRef idx="0">
+              <a:schemeClr val="accent1"/>
+            </a:effectRef>
+            <a:fontRef idx="minor">
+              <a:schemeClr val="tx1"/>
+            </a:fontRef>
+          </p:style>
+        </p:cxnSp>
+        <p:cxnSp>
+          <p:nvCxnSpPr>
+            <p:cNvPr id="38" name="Straight Arrow Connector 37">
+              <a:extLst>
+                <a:ext uri="{FF2B5EF4-FFF2-40B4-BE49-F238E27FC236}">
+                  <a16:creationId xmlns:a16="http://schemas.microsoft.com/office/drawing/2014/main" id="{702A1946-4BD2-401C-BA24-3073E84A373A}"/>
+                </a:ext>
+              </a:extLst>
+            </p:cNvPr>
+            <p:cNvCxnSpPr>
+              <a:cxnSpLocks/>
+            </p:cNvCxnSpPr>
+            <p:nvPr/>
+          </p:nvCxnSpPr>
+          <p:spPr>
+            <a:xfrm flipH="1">
+              <a:off x="1893925" y="4314440"/>
+              <a:ext cx="472299" cy="0"/>
+            </a:xfrm>
+            <a:prstGeom prst="straightConnector1">
+              <a:avLst/>
+            </a:prstGeom>
+            <a:ln w="25400">
+              <a:solidFill>
+                <a:schemeClr val="accent2">
+                  <a:lumMod val="75000"/>
+                </a:schemeClr>
+              </a:solidFill>
+              <a:prstDash val="dash"/>
+              <a:headEnd type="triangle"/>
+              <a:tailEnd type="triangle"/>
+            </a:ln>
+          </p:spPr>
+          <p:style>
+            <a:lnRef idx="1">
+              <a:schemeClr val="accent1"/>
+            </a:lnRef>
+            <a:fillRef idx="0">
+              <a:schemeClr val="accent1"/>
+            </a:fillRef>
+            <a:effectRef idx="0">
+              <a:schemeClr val="accent1"/>
+            </a:effectRef>
+            <a:fontRef idx="minor">
+              <a:schemeClr val="tx1"/>
+            </a:fontRef>
+          </p:style>
+        </p:cxnSp>
+        <p:cxnSp>
+          <p:nvCxnSpPr>
+            <p:cNvPr id="39" name="Straight Arrow Connector 38">
+              <a:extLst>
+                <a:ext uri="{FF2B5EF4-FFF2-40B4-BE49-F238E27FC236}">
+                  <a16:creationId xmlns:a16="http://schemas.microsoft.com/office/drawing/2014/main" id="{3FB8F353-ECA7-4105-AE4E-420E100EC959}"/>
+                </a:ext>
+              </a:extLst>
+            </p:cNvPr>
+            <p:cNvCxnSpPr>
+              <a:cxnSpLocks/>
+            </p:cNvCxnSpPr>
+            <p:nvPr/>
+          </p:nvCxnSpPr>
+          <p:spPr>
+            <a:xfrm>
+              <a:off x="1893885" y="4538337"/>
+              <a:ext cx="472299" cy="0"/>
+            </a:xfrm>
+            <a:prstGeom prst="straightConnector1">
+              <a:avLst/>
+            </a:prstGeom>
+            <a:ln w="25400">
+              <a:tailEnd type="triangle"/>
+            </a:ln>
+          </p:spPr>
+          <p:style>
+            <a:lnRef idx="1">
+              <a:schemeClr val="accent1"/>
+            </a:lnRef>
+            <a:fillRef idx="0">
+              <a:schemeClr val="accent1"/>
+            </a:fillRef>
+            <a:effectRef idx="0">
+              <a:schemeClr val="accent1"/>
+            </a:effectRef>
+            <a:fontRef idx="minor">
+              <a:schemeClr val="tx1"/>
+            </a:fontRef>
+          </p:style>
+        </p:cxnSp>
+        <p:sp>
+          <p:nvSpPr>
+            <p:cNvPr id="40" name="TextBox 39">
+              <a:extLst>
+                <a:ext uri="{FF2B5EF4-FFF2-40B4-BE49-F238E27FC236}">
+                  <a16:creationId xmlns:a16="http://schemas.microsoft.com/office/drawing/2014/main" id="{944BBDB2-40A4-499C-A690-B5D3800C1AA7}"/>
+                </a:ext>
+              </a:extLst>
+            </p:cNvPr>
+            <p:cNvSpPr txBox="1"/>
+            <p:nvPr/>
+          </p:nvSpPr>
+          <p:spPr>
+            <a:xfrm>
+              <a:off x="2336865" y="3919182"/>
+              <a:ext cx="1743977" cy="369332"/>
+            </a:xfrm>
+            <a:prstGeom prst="rect">
+              <a:avLst/>
+            </a:prstGeom>
+            <a:noFill/>
+          </p:spPr>
+          <p:txBody>
+            <a:bodyPr wrap="square" rtlCol="0">
+              <a:spAutoFit/>
+            </a:bodyPr>
+            <a:lstStyle/>
+            <a:p>
+              <a:r>
+                <a:rPr lang="en-US" dirty="0"/>
+                <a:t>Execution Path</a:t>
+              </a:r>
+            </a:p>
+          </p:txBody>
+        </p:sp>
+        <p:sp>
+          <p:nvSpPr>
+            <p:cNvPr id="41" name="TextBox 40">
+              <a:extLst>
+                <a:ext uri="{FF2B5EF4-FFF2-40B4-BE49-F238E27FC236}">
+                  <a16:creationId xmlns:a16="http://schemas.microsoft.com/office/drawing/2014/main" id="{E0FBDDA4-DF8C-44EA-9BF6-3241F080DE2B}"/>
+                </a:ext>
+              </a:extLst>
+            </p:cNvPr>
+            <p:cNvSpPr txBox="1"/>
+            <p:nvPr/>
+          </p:nvSpPr>
+          <p:spPr>
+            <a:xfrm>
+              <a:off x="2331090" y="4133236"/>
+              <a:ext cx="2324402" cy="369332"/>
+            </a:xfrm>
+            <a:prstGeom prst="rect">
+              <a:avLst/>
+            </a:prstGeom>
+            <a:noFill/>
+          </p:spPr>
+          <p:txBody>
+            <a:bodyPr wrap="square" rtlCol="0">
+              <a:spAutoFit/>
+            </a:bodyPr>
+            <a:lstStyle/>
+            <a:p>
+              <a:r>
+                <a:rPr lang="en-US" dirty="0"/>
+                <a:t>Co-Change Relation</a:t>
+              </a:r>
+            </a:p>
+          </p:txBody>
+        </p:sp>
+        <p:sp>
+          <p:nvSpPr>
+            <p:cNvPr id="42" name="TextBox 41">
+              <a:extLst>
+                <a:ext uri="{FF2B5EF4-FFF2-40B4-BE49-F238E27FC236}">
+                  <a16:creationId xmlns:a16="http://schemas.microsoft.com/office/drawing/2014/main" id="{C82EC97E-5F66-4282-8F71-3158E86D96C8}"/>
+                </a:ext>
+              </a:extLst>
+            </p:cNvPr>
+            <p:cNvSpPr txBox="1"/>
+            <p:nvPr/>
+          </p:nvSpPr>
+          <p:spPr>
+            <a:xfrm>
+              <a:off x="2331090" y="4336393"/>
+              <a:ext cx="2324402" cy="369332"/>
+            </a:xfrm>
+            <a:prstGeom prst="rect">
+              <a:avLst/>
+            </a:prstGeom>
+            <a:noFill/>
+          </p:spPr>
+          <p:txBody>
+            <a:bodyPr wrap="square" rtlCol="0">
+              <a:spAutoFit/>
+            </a:bodyPr>
+            <a:lstStyle/>
+            <a:p>
+              <a:r>
+                <a:rPr lang="en-US" dirty="0"/>
+                <a:t>Stack Trace</a:t>
+              </a:r>
+            </a:p>
+          </p:txBody>
+        </p:sp>
+        <p:sp>
+          <p:nvSpPr>
+            <p:cNvPr id="33" name="Oval 32">
+              <a:extLst>
+                <a:ext uri="{FF2B5EF4-FFF2-40B4-BE49-F238E27FC236}">
+                  <a16:creationId xmlns:a16="http://schemas.microsoft.com/office/drawing/2014/main" id="{91CF1D32-5DBB-44ED-89D2-3A4EE60D9DAF}"/>
+                </a:ext>
+              </a:extLst>
+            </p:cNvPr>
+            <p:cNvSpPr/>
+            <p:nvPr/>
+          </p:nvSpPr>
+          <p:spPr>
+            <a:xfrm>
+              <a:off x="2027417" y="3794566"/>
+              <a:ext cx="161968" cy="169333"/>
+            </a:xfrm>
+            <a:prstGeom prst="ellipse">
+              <a:avLst/>
+            </a:prstGeom>
+            <a:solidFill>
+              <a:schemeClr val="accent2">
+                <a:lumMod val="40000"/>
+                <a:lumOff val="60000"/>
+              </a:schemeClr>
+            </a:solidFill>
+            <a:ln>
+              <a:solidFill>
+                <a:srgbClr val="FF0000"/>
+              </a:solidFill>
+            </a:ln>
+          </p:spPr>
+          <p:style>
+            <a:lnRef idx="2">
+              <a:schemeClr val="accent1">
+                <a:shade val="50000"/>
+              </a:schemeClr>
+            </a:lnRef>
+            <a:fillRef idx="1">
+              <a:schemeClr val="accent1"/>
+            </a:fillRef>
+            <a:effectRef idx="0">
+              <a:schemeClr val="accent1"/>
+            </a:effectRef>
+            <a:fontRef idx="minor">
+              <a:schemeClr val="lt1"/>
+            </a:fontRef>
+          </p:style>
+          <p:txBody>
+            <a:bodyPr rtlCol="0" anchor="ctr"/>
+            <a:lstStyle/>
+            <a:p>
+              <a:pPr algn="ctr"/>
+              <a:endParaRPr lang="en-US" dirty="0"/>
+            </a:p>
+          </p:txBody>
+        </p:sp>
+        <p:sp>
+          <p:nvSpPr>
+            <p:cNvPr id="28" name="TextBox 27">
+              <a:extLst>
+                <a:ext uri="{FF2B5EF4-FFF2-40B4-BE49-F238E27FC236}">
+                  <a16:creationId xmlns:a16="http://schemas.microsoft.com/office/drawing/2014/main" id="{1753EAB4-ED81-45AA-8A14-96F00DA45B4F}"/>
+                </a:ext>
+              </a:extLst>
+            </p:cNvPr>
+            <p:cNvSpPr txBox="1"/>
+            <p:nvPr/>
+          </p:nvSpPr>
+          <p:spPr>
+            <a:xfrm>
+              <a:off x="2331975" y="3670447"/>
+              <a:ext cx="2051892" cy="369332"/>
+            </a:xfrm>
+            <a:prstGeom prst="rect">
+              <a:avLst/>
+            </a:prstGeom>
+            <a:noFill/>
+          </p:spPr>
+          <p:txBody>
+            <a:bodyPr wrap="square" rtlCol="0">
+              <a:spAutoFit/>
+            </a:bodyPr>
+            <a:lstStyle/>
+            <a:p>
+              <a:r>
+                <a:rPr lang="en-US" dirty="0"/>
+                <a:t>Fail/crash Position</a:t>
+              </a:r>
+            </a:p>
+          </p:txBody>
+        </p:sp>
+      </p:grpSp>
+      <p:sp>
+        <p:nvSpPr>
+          <p:cNvPr id="29" name="TextBox 28">
+            <a:extLst>
+              <a:ext uri="{FF2B5EF4-FFF2-40B4-BE49-F238E27FC236}">
+                <a16:creationId xmlns:a16="http://schemas.microsoft.com/office/drawing/2014/main" id="{139715F5-3352-4736-B011-0012F8C1EFD9}"/>
+              </a:ext>
+            </a:extLst>
+          </p:cNvPr>
+          <p:cNvSpPr txBox="1"/>
+          <p:nvPr/>
+        </p:nvSpPr>
+        <p:spPr>
+          <a:xfrm>
+            <a:off x="6009978" y="2131051"/>
+            <a:ext cx="2051892" cy="307777"/>
+          </a:xfrm>
+          <a:prstGeom prst="rect">
+            <a:avLst/>
+          </a:prstGeom>
+          <a:noFill/>
+        </p:spPr>
+        <p:txBody>
+          <a:bodyPr wrap="square" rtlCol="0">
+            <a:spAutoFit/>
+          </a:bodyPr>
+          <a:lstStyle/>
+          <a:p>
+            <a:r>
+              <a:rPr lang="en-US" sz="1400" dirty="0"/>
+              <a:t>Sequence of Sub-token</a:t>
+            </a:r>
+          </a:p>
+        </p:txBody>
+      </p:sp>
+      <p:grpSp>
+        <p:nvGrpSpPr>
+          <p:cNvPr id="47" name="Group 46">
+            <a:extLst>
+              <a:ext uri="{FF2B5EF4-FFF2-40B4-BE49-F238E27FC236}">
+                <a16:creationId xmlns:a16="http://schemas.microsoft.com/office/drawing/2014/main" id="{1A8C112A-9116-4AC6-8B31-D5EDB860B462}"/>
+              </a:ext>
+            </a:extLst>
+          </p:cNvPr>
+          <p:cNvGrpSpPr/>
+          <p:nvPr/>
+        </p:nvGrpSpPr>
+        <p:grpSpPr>
+          <a:xfrm>
+            <a:off x="6381935" y="2424673"/>
+            <a:ext cx="924957" cy="913916"/>
+            <a:chOff x="6766338" y="2672758"/>
+            <a:chExt cx="967018" cy="913916"/>
+          </a:xfrm>
+        </p:grpSpPr>
+        <p:sp>
+          <p:nvSpPr>
+            <p:cNvPr id="48" name="Oval 47">
+              <a:extLst>
+                <a:ext uri="{FF2B5EF4-FFF2-40B4-BE49-F238E27FC236}">
+                  <a16:creationId xmlns:a16="http://schemas.microsoft.com/office/drawing/2014/main" id="{9A4990FA-8C1A-498E-B0D7-CA6FBB9DC790}"/>
+                </a:ext>
+              </a:extLst>
+            </p:cNvPr>
+            <p:cNvSpPr/>
+            <p:nvPr/>
+          </p:nvSpPr>
+          <p:spPr>
+            <a:xfrm>
+              <a:off x="7032937" y="2672758"/>
+              <a:ext cx="200993" cy="200993"/>
+            </a:xfrm>
+            <a:prstGeom prst="ellipse">
+              <a:avLst/>
+            </a:prstGeom>
+            <a:solidFill>
+              <a:schemeClr val="accent6">
+                <a:lumMod val="60000"/>
+                <a:lumOff val="40000"/>
+              </a:schemeClr>
+            </a:solidFill>
+            <a:ln>
+              <a:solidFill>
+                <a:schemeClr val="accent6">
+                  <a:lumMod val="75000"/>
+                </a:schemeClr>
+              </a:solidFill>
+            </a:ln>
+          </p:spPr>
+          <p:style>
+            <a:lnRef idx="2">
+              <a:schemeClr val="accent1">
+                <a:shade val="50000"/>
+              </a:schemeClr>
+            </a:lnRef>
+            <a:fillRef idx="1">
+              <a:schemeClr val="accent1"/>
+            </a:fillRef>
+            <a:effectRef idx="0">
+              <a:schemeClr val="accent1"/>
+            </a:effectRef>
+            <a:fontRef idx="minor">
+              <a:schemeClr val="lt1"/>
+            </a:fontRef>
+          </p:style>
+          <p:txBody>
+            <a:bodyPr rtlCol="0" anchor="ctr"/>
+            <a:lstStyle/>
+            <a:p>
+              <a:pPr algn="ctr"/>
+              <a:endParaRPr lang="en-US" dirty="0"/>
+            </a:p>
+          </p:txBody>
+        </p:sp>
+        <p:sp>
+          <p:nvSpPr>
+            <p:cNvPr id="49" name="Oval 48">
+              <a:extLst>
+                <a:ext uri="{FF2B5EF4-FFF2-40B4-BE49-F238E27FC236}">
+                  <a16:creationId xmlns:a16="http://schemas.microsoft.com/office/drawing/2014/main" id="{53EEE7D8-2730-4BDC-93A9-370DF77E8CCE}"/>
+                </a:ext>
+              </a:extLst>
+            </p:cNvPr>
+            <p:cNvSpPr/>
+            <p:nvPr/>
+          </p:nvSpPr>
+          <p:spPr>
+            <a:xfrm>
+              <a:off x="6766338" y="3011937"/>
+              <a:ext cx="200993" cy="200993"/>
+            </a:xfrm>
+            <a:prstGeom prst="ellipse">
+              <a:avLst/>
+            </a:prstGeom>
+            <a:solidFill>
+              <a:schemeClr val="accent6">
+                <a:lumMod val="60000"/>
+                <a:lumOff val="40000"/>
+              </a:schemeClr>
+            </a:solidFill>
+            <a:ln>
+              <a:solidFill>
+                <a:schemeClr val="accent6">
+                  <a:lumMod val="75000"/>
+                </a:schemeClr>
+              </a:solidFill>
+            </a:ln>
+          </p:spPr>
+          <p:style>
+            <a:lnRef idx="2">
+              <a:schemeClr val="accent1">
+                <a:shade val="50000"/>
+              </a:schemeClr>
+            </a:lnRef>
+            <a:fillRef idx="1">
+              <a:schemeClr val="accent1"/>
+            </a:fillRef>
+            <a:effectRef idx="0">
+              <a:schemeClr val="accent1"/>
+            </a:effectRef>
+            <a:fontRef idx="minor">
+              <a:schemeClr val="lt1"/>
+            </a:fontRef>
+          </p:style>
+          <p:txBody>
+            <a:bodyPr rtlCol="0" anchor="ctr"/>
+            <a:lstStyle/>
+            <a:p>
+              <a:pPr algn="ctr"/>
+              <a:endParaRPr lang="en-US" dirty="0"/>
+            </a:p>
+          </p:txBody>
+        </p:sp>
+        <p:sp>
+          <p:nvSpPr>
+            <p:cNvPr id="50" name="Oval 49">
+              <a:extLst>
+                <a:ext uri="{FF2B5EF4-FFF2-40B4-BE49-F238E27FC236}">
+                  <a16:creationId xmlns:a16="http://schemas.microsoft.com/office/drawing/2014/main" id="{0C1F5BC2-0555-46AE-BBC9-0DC764E47182}"/>
+                </a:ext>
+              </a:extLst>
+            </p:cNvPr>
+            <p:cNvSpPr/>
+            <p:nvPr/>
+          </p:nvSpPr>
+          <p:spPr>
+            <a:xfrm>
+              <a:off x="7252169" y="3011937"/>
+              <a:ext cx="200993" cy="200993"/>
+            </a:xfrm>
+            <a:prstGeom prst="ellipse">
+              <a:avLst/>
+            </a:prstGeom>
+            <a:solidFill>
+              <a:schemeClr val="accent6">
+                <a:lumMod val="60000"/>
+                <a:lumOff val="40000"/>
+              </a:schemeClr>
+            </a:solidFill>
+            <a:ln>
+              <a:solidFill>
+                <a:schemeClr val="accent6">
+                  <a:lumMod val="75000"/>
+                </a:schemeClr>
+              </a:solidFill>
+            </a:ln>
+          </p:spPr>
+          <p:style>
+            <a:lnRef idx="2">
+              <a:schemeClr val="accent1">
+                <a:shade val="50000"/>
+              </a:schemeClr>
+            </a:lnRef>
+            <a:fillRef idx="1">
+              <a:schemeClr val="accent1"/>
+            </a:fillRef>
+            <a:effectRef idx="0">
+              <a:schemeClr val="accent1"/>
+            </a:effectRef>
+            <a:fontRef idx="minor">
+              <a:schemeClr val="lt1"/>
+            </a:fontRef>
+          </p:style>
+          <p:txBody>
+            <a:bodyPr rtlCol="0" anchor="ctr"/>
+            <a:lstStyle/>
+            <a:p>
+              <a:pPr algn="ctr"/>
+              <a:endParaRPr lang="en-US" dirty="0"/>
+            </a:p>
+          </p:txBody>
+        </p:sp>
+        <p:sp>
+          <p:nvSpPr>
+            <p:cNvPr id="52" name="Oval 51">
+              <a:extLst>
+                <a:ext uri="{FF2B5EF4-FFF2-40B4-BE49-F238E27FC236}">
+                  <a16:creationId xmlns:a16="http://schemas.microsoft.com/office/drawing/2014/main" id="{22D40B3C-E26C-4706-8E02-EC0A7DB36142}"/>
+                </a:ext>
+              </a:extLst>
+            </p:cNvPr>
+            <p:cNvSpPr/>
+            <p:nvPr/>
+          </p:nvSpPr>
+          <p:spPr>
+            <a:xfrm>
+              <a:off x="7532363" y="3385681"/>
+              <a:ext cx="200993" cy="200993"/>
+            </a:xfrm>
+            <a:prstGeom prst="ellipse">
+              <a:avLst/>
+            </a:prstGeom>
+            <a:solidFill>
+              <a:schemeClr val="accent6">
+                <a:lumMod val="60000"/>
+                <a:lumOff val="40000"/>
+              </a:schemeClr>
+            </a:solidFill>
+            <a:ln>
+              <a:solidFill>
+                <a:schemeClr val="accent6">
+                  <a:lumMod val="75000"/>
+                </a:schemeClr>
+              </a:solidFill>
+            </a:ln>
+          </p:spPr>
+          <p:style>
+            <a:lnRef idx="2">
+              <a:schemeClr val="accent1">
+                <a:shade val="50000"/>
+              </a:schemeClr>
+            </a:lnRef>
+            <a:fillRef idx="1">
+              <a:schemeClr val="accent1"/>
+            </a:fillRef>
+            <a:effectRef idx="0">
+              <a:schemeClr val="accent1"/>
+            </a:effectRef>
+            <a:fontRef idx="minor">
+              <a:schemeClr val="lt1"/>
+            </a:fontRef>
+          </p:style>
+          <p:txBody>
+            <a:bodyPr rtlCol="0" anchor="ctr"/>
+            <a:lstStyle/>
+            <a:p>
+              <a:pPr algn="ctr"/>
+              <a:endParaRPr lang="en-US" dirty="0"/>
+            </a:p>
+          </p:txBody>
+        </p:sp>
+        <p:sp>
+          <p:nvSpPr>
+            <p:cNvPr id="53" name="Oval 52">
+              <a:extLst>
+                <a:ext uri="{FF2B5EF4-FFF2-40B4-BE49-F238E27FC236}">
+                  <a16:creationId xmlns:a16="http://schemas.microsoft.com/office/drawing/2014/main" id="{BC6FAC2F-AD12-48D9-B428-3181278470B1}"/>
+                </a:ext>
+              </a:extLst>
+            </p:cNvPr>
+            <p:cNvSpPr/>
+            <p:nvPr/>
+          </p:nvSpPr>
+          <p:spPr>
+            <a:xfrm>
+              <a:off x="7006326" y="3385680"/>
+              <a:ext cx="200993" cy="200993"/>
+            </a:xfrm>
+            <a:prstGeom prst="ellipse">
+              <a:avLst/>
+            </a:prstGeom>
+            <a:solidFill>
+              <a:schemeClr val="accent6">
+                <a:lumMod val="60000"/>
+                <a:lumOff val="40000"/>
+              </a:schemeClr>
+            </a:solidFill>
+            <a:ln>
+              <a:solidFill>
+                <a:schemeClr val="accent6">
+                  <a:lumMod val="75000"/>
+                </a:schemeClr>
+              </a:solidFill>
+            </a:ln>
+          </p:spPr>
+          <p:style>
+            <a:lnRef idx="2">
+              <a:schemeClr val="accent1">
+                <a:shade val="50000"/>
+              </a:schemeClr>
+            </a:lnRef>
+            <a:fillRef idx="1">
+              <a:schemeClr val="accent1"/>
+            </a:fillRef>
+            <a:effectRef idx="0">
+              <a:schemeClr val="accent1"/>
+            </a:effectRef>
+            <a:fontRef idx="minor">
+              <a:schemeClr val="lt1"/>
+            </a:fontRef>
+          </p:style>
+          <p:txBody>
+            <a:bodyPr rtlCol="0" anchor="ctr"/>
+            <a:lstStyle/>
+            <a:p>
+              <a:pPr algn="ctr"/>
+              <a:endParaRPr lang="en-US" dirty="0"/>
+            </a:p>
+          </p:txBody>
+        </p:sp>
+        <p:cxnSp>
+          <p:nvCxnSpPr>
+            <p:cNvPr id="54" name="Straight Arrow Connector 53">
+              <a:extLst>
+                <a:ext uri="{FF2B5EF4-FFF2-40B4-BE49-F238E27FC236}">
+                  <a16:creationId xmlns:a16="http://schemas.microsoft.com/office/drawing/2014/main" id="{D446EE87-A390-44BC-AD8E-B04FF1ACE0E7}"/>
+                </a:ext>
+              </a:extLst>
+            </p:cNvPr>
+            <p:cNvCxnSpPr>
+              <a:cxnSpLocks/>
+              <a:stCxn id="48" idx="3"/>
+              <a:endCxn id="49" idx="7"/>
+            </p:cNvCxnSpPr>
+            <p:nvPr/>
+          </p:nvCxnSpPr>
+          <p:spPr>
+            <a:xfrm flipH="1">
+              <a:off x="6937896" y="2844316"/>
+              <a:ext cx="124476" cy="197056"/>
+            </a:xfrm>
+            <a:prstGeom prst="straightConnector1">
+              <a:avLst/>
+            </a:prstGeom>
+            <a:ln w="19050">
+              <a:tailEnd type="triangle"/>
+            </a:ln>
+          </p:spPr>
+          <p:style>
+            <a:lnRef idx="1">
+              <a:schemeClr val="accent1"/>
+            </a:lnRef>
+            <a:fillRef idx="0">
+              <a:schemeClr val="accent1"/>
+            </a:fillRef>
+            <a:effectRef idx="0">
+              <a:schemeClr val="accent1"/>
+            </a:effectRef>
+            <a:fontRef idx="minor">
+              <a:schemeClr val="tx1"/>
+            </a:fontRef>
+          </p:style>
+        </p:cxnSp>
+        <p:cxnSp>
+          <p:nvCxnSpPr>
+            <p:cNvPr id="55" name="Straight Arrow Connector 54">
+              <a:extLst>
+                <a:ext uri="{FF2B5EF4-FFF2-40B4-BE49-F238E27FC236}">
+                  <a16:creationId xmlns:a16="http://schemas.microsoft.com/office/drawing/2014/main" id="{A643FD84-B5D2-40E0-9A2A-FE07A92163C0}"/>
+                </a:ext>
+              </a:extLst>
+            </p:cNvPr>
+            <p:cNvCxnSpPr>
+              <a:cxnSpLocks/>
+              <a:stCxn id="48" idx="5"/>
+              <a:endCxn id="50" idx="0"/>
+            </p:cNvCxnSpPr>
+            <p:nvPr/>
+          </p:nvCxnSpPr>
+          <p:spPr>
+            <a:xfrm>
+              <a:off x="7204495" y="2844316"/>
+              <a:ext cx="148171" cy="167621"/>
+            </a:xfrm>
+            <a:prstGeom prst="straightConnector1">
+              <a:avLst/>
+            </a:prstGeom>
+            <a:ln w="19050">
+              <a:tailEnd type="triangle"/>
+            </a:ln>
+          </p:spPr>
+          <p:style>
+            <a:lnRef idx="1">
+              <a:schemeClr val="accent1"/>
+            </a:lnRef>
+            <a:fillRef idx="0">
+              <a:schemeClr val="accent1"/>
+            </a:fillRef>
+            <a:effectRef idx="0">
+              <a:schemeClr val="accent1"/>
+            </a:effectRef>
+            <a:fontRef idx="minor">
+              <a:schemeClr val="tx1"/>
+            </a:fontRef>
+          </p:style>
+        </p:cxnSp>
+        <p:cxnSp>
+          <p:nvCxnSpPr>
+            <p:cNvPr id="57" name="Straight Arrow Connector 56">
+              <a:extLst>
+                <a:ext uri="{FF2B5EF4-FFF2-40B4-BE49-F238E27FC236}">
+                  <a16:creationId xmlns:a16="http://schemas.microsoft.com/office/drawing/2014/main" id="{9789AF06-A5A7-457A-B3F9-13848332CA86}"/>
+                </a:ext>
+              </a:extLst>
+            </p:cNvPr>
+            <p:cNvCxnSpPr>
+              <a:cxnSpLocks/>
+              <a:stCxn id="50" idx="5"/>
+              <a:endCxn id="52" idx="1"/>
+            </p:cNvCxnSpPr>
+            <p:nvPr/>
+          </p:nvCxnSpPr>
+          <p:spPr>
+            <a:xfrm>
+              <a:off x="7423727" y="3183495"/>
+              <a:ext cx="138071" cy="231621"/>
+            </a:xfrm>
+            <a:prstGeom prst="straightConnector1">
+              <a:avLst/>
+            </a:prstGeom>
+            <a:ln w="19050">
+              <a:tailEnd type="triangle"/>
+            </a:ln>
+          </p:spPr>
+          <p:style>
+            <a:lnRef idx="1">
+              <a:schemeClr val="accent1"/>
+            </a:lnRef>
+            <a:fillRef idx="0">
+              <a:schemeClr val="accent1"/>
+            </a:fillRef>
+            <a:effectRef idx="0">
+              <a:schemeClr val="accent1"/>
+            </a:effectRef>
+            <a:fontRef idx="minor">
+              <a:schemeClr val="tx1"/>
+            </a:fontRef>
+          </p:style>
+        </p:cxnSp>
+        <p:cxnSp>
+          <p:nvCxnSpPr>
+            <p:cNvPr id="58" name="Straight Arrow Connector 57">
+              <a:extLst>
+                <a:ext uri="{FF2B5EF4-FFF2-40B4-BE49-F238E27FC236}">
+                  <a16:creationId xmlns:a16="http://schemas.microsoft.com/office/drawing/2014/main" id="{BC634697-E6E2-4DCD-BA40-D0159A32E891}"/>
+                </a:ext>
+              </a:extLst>
+            </p:cNvPr>
+            <p:cNvCxnSpPr>
+              <a:cxnSpLocks/>
+              <a:stCxn id="50" idx="3"/>
+              <a:endCxn id="53" idx="7"/>
+            </p:cNvCxnSpPr>
+            <p:nvPr/>
+          </p:nvCxnSpPr>
+          <p:spPr>
+            <a:xfrm flipH="1">
+              <a:off x="7177884" y="3183495"/>
+              <a:ext cx="103720" cy="231620"/>
+            </a:xfrm>
+            <a:prstGeom prst="straightConnector1">
+              <a:avLst/>
+            </a:prstGeom>
+            <a:ln w="19050">
+              <a:tailEnd type="triangle"/>
+            </a:ln>
+          </p:spPr>
+          <p:style>
+            <a:lnRef idx="1">
+              <a:schemeClr val="accent1"/>
+            </a:lnRef>
+            <a:fillRef idx="0">
+              <a:schemeClr val="accent1"/>
+            </a:fillRef>
+            <a:effectRef idx="0">
+              <a:schemeClr val="accent1"/>
+            </a:effectRef>
+            <a:fontRef idx="minor">
+              <a:schemeClr val="tx1"/>
+            </a:fontRef>
+          </p:style>
+        </p:cxnSp>
+      </p:grpSp>
+      <p:grpSp>
+        <p:nvGrpSpPr>
+          <p:cNvPr id="59" name="Group 58">
+            <a:extLst>
+              <a:ext uri="{FF2B5EF4-FFF2-40B4-BE49-F238E27FC236}">
+                <a16:creationId xmlns:a16="http://schemas.microsoft.com/office/drawing/2014/main" id="{A5BDF993-E024-471A-A753-2C60A1B7F233}"/>
+              </a:ext>
+            </a:extLst>
+          </p:cNvPr>
+          <p:cNvGrpSpPr/>
+          <p:nvPr/>
+        </p:nvGrpSpPr>
+        <p:grpSpPr>
+          <a:xfrm>
+            <a:off x="6369135" y="3453097"/>
+            <a:ext cx="1132607" cy="873122"/>
+            <a:chOff x="6752673" y="2659896"/>
+            <a:chExt cx="1184110" cy="873122"/>
+          </a:xfrm>
+        </p:grpSpPr>
+        <p:sp>
+          <p:nvSpPr>
+            <p:cNvPr id="60" name="Oval 59">
+              <a:extLst>
+                <a:ext uri="{FF2B5EF4-FFF2-40B4-BE49-F238E27FC236}">
+                  <a16:creationId xmlns:a16="http://schemas.microsoft.com/office/drawing/2014/main" id="{3BD67822-B13D-48E3-AEDB-4EB3A4CA8278}"/>
+                </a:ext>
+              </a:extLst>
+            </p:cNvPr>
+            <p:cNvSpPr/>
+            <p:nvPr/>
+          </p:nvSpPr>
+          <p:spPr>
+            <a:xfrm>
+              <a:off x="7151673" y="2659896"/>
+              <a:ext cx="200993" cy="200993"/>
+            </a:xfrm>
+            <a:prstGeom prst="ellipse">
+              <a:avLst/>
+            </a:prstGeom>
+            <a:solidFill>
+              <a:schemeClr val="accent6">
+                <a:lumMod val="60000"/>
+                <a:lumOff val="40000"/>
+              </a:schemeClr>
+            </a:solidFill>
+            <a:ln>
+              <a:solidFill>
+                <a:schemeClr val="accent6">
+                  <a:lumMod val="75000"/>
+                </a:schemeClr>
+              </a:solidFill>
+            </a:ln>
+          </p:spPr>
+          <p:style>
+            <a:lnRef idx="2">
+              <a:schemeClr val="accent1">
+                <a:shade val="50000"/>
+              </a:schemeClr>
+            </a:lnRef>
+            <a:fillRef idx="1">
+              <a:schemeClr val="accent1"/>
+            </a:fillRef>
+            <a:effectRef idx="0">
+              <a:schemeClr val="accent1"/>
+            </a:effectRef>
+            <a:fontRef idx="minor">
+              <a:schemeClr val="lt1"/>
+            </a:fontRef>
+          </p:style>
+          <p:txBody>
+            <a:bodyPr rtlCol="0" anchor="ctr"/>
+            <a:lstStyle/>
+            <a:p>
+              <a:pPr algn="ctr"/>
+              <a:endParaRPr lang="en-US" dirty="0"/>
+            </a:p>
+          </p:txBody>
+        </p:sp>
+        <p:sp>
+          <p:nvSpPr>
+            <p:cNvPr id="61" name="Oval 60">
+              <a:extLst>
+                <a:ext uri="{FF2B5EF4-FFF2-40B4-BE49-F238E27FC236}">
+                  <a16:creationId xmlns:a16="http://schemas.microsoft.com/office/drawing/2014/main" id="{A9A7615C-1077-4190-8C61-5423291E81A8}"/>
+                </a:ext>
+              </a:extLst>
+            </p:cNvPr>
+            <p:cNvSpPr/>
+            <p:nvPr/>
+          </p:nvSpPr>
+          <p:spPr>
+            <a:xfrm>
+              <a:off x="6752673" y="3028649"/>
+              <a:ext cx="200993" cy="200993"/>
+            </a:xfrm>
+            <a:prstGeom prst="ellipse">
+              <a:avLst/>
+            </a:prstGeom>
+            <a:solidFill>
+              <a:schemeClr val="accent6">
+                <a:lumMod val="60000"/>
+                <a:lumOff val="40000"/>
+              </a:schemeClr>
+            </a:solidFill>
+            <a:ln>
+              <a:solidFill>
+                <a:schemeClr val="accent6">
+                  <a:lumMod val="75000"/>
+                </a:schemeClr>
+              </a:solidFill>
+            </a:ln>
+          </p:spPr>
+          <p:style>
+            <a:lnRef idx="2">
+              <a:schemeClr val="accent1">
+                <a:shade val="50000"/>
+              </a:schemeClr>
+            </a:lnRef>
+            <a:fillRef idx="1">
+              <a:schemeClr val="accent1"/>
+            </a:fillRef>
+            <a:effectRef idx="0">
+              <a:schemeClr val="accent1"/>
+            </a:effectRef>
+            <a:fontRef idx="minor">
+              <a:schemeClr val="lt1"/>
+            </a:fontRef>
+          </p:style>
+          <p:txBody>
+            <a:bodyPr rtlCol="0" anchor="ctr"/>
+            <a:lstStyle/>
+            <a:p>
+              <a:pPr algn="ctr"/>
+              <a:endParaRPr lang="en-US" dirty="0"/>
+            </a:p>
+          </p:txBody>
+        </p:sp>
+        <p:sp>
+          <p:nvSpPr>
+            <p:cNvPr id="62" name="Oval 61">
+              <a:extLst>
+                <a:ext uri="{FF2B5EF4-FFF2-40B4-BE49-F238E27FC236}">
+                  <a16:creationId xmlns:a16="http://schemas.microsoft.com/office/drawing/2014/main" id="{62006158-58AE-4AD6-A19A-82D3CC1DC68B}"/>
+                </a:ext>
+              </a:extLst>
+            </p:cNvPr>
+            <p:cNvSpPr/>
+            <p:nvPr/>
+          </p:nvSpPr>
+          <p:spPr>
+            <a:xfrm>
+              <a:off x="7252169" y="3011937"/>
+              <a:ext cx="200993" cy="200993"/>
+            </a:xfrm>
+            <a:prstGeom prst="ellipse">
+              <a:avLst/>
+            </a:prstGeom>
+            <a:solidFill>
+              <a:schemeClr val="accent6">
+                <a:lumMod val="60000"/>
+                <a:lumOff val="40000"/>
+              </a:schemeClr>
+            </a:solidFill>
+            <a:ln>
+              <a:solidFill>
+                <a:schemeClr val="accent6">
+                  <a:lumMod val="75000"/>
+                </a:schemeClr>
+              </a:solidFill>
+            </a:ln>
+          </p:spPr>
+          <p:style>
+            <a:lnRef idx="2">
+              <a:schemeClr val="accent1">
+                <a:shade val="50000"/>
+              </a:schemeClr>
+            </a:lnRef>
+            <a:fillRef idx="1">
+              <a:schemeClr val="accent1"/>
+            </a:fillRef>
+            <a:effectRef idx="0">
+              <a:schemeClr val="accent1"/>
+            </a:effectRef>
+            <a:fontRef idx="minor">
+              <a:schemeClr val="lt1"/>
+            </a:fontRef>
+          </p:style>
+          <p:txBody>
+            <a:bodyPr rtlCol="0" anchor="ctr"/>
+            <a:lstStyle/>
+            <a:p>
+              <a:pPr algn="ctr"/>
+              <a:endParaRPr lang="en-US" dirty="0"/>
+            </a:p>
+          </p:txBody>
+        </p:sp>
+        <p:sp>
+          <p:nvSpPr>
+            <p:cNvPr id="63" name="Oval 62">
+              <a:extLst>
+                <a:ext uri="{FF2B5EF4-FFF2-40B4-BE49-F238E27FC236}">
+                  <a16:creationId xmlns:a16="http://schemas.microsoft.com/office/drawing/2014/main" id="{BAA08248-FC8C-478B-B34F-3C3E08D50CB9}"/>
+                </a:ext>
+              </a:extLst>
+            </p:cNvPr>
+            <p:cNvSpPr/>
+            <p:nvPr/>
+          </p:nvSpPr>
+          <p:spPr>
+            <a:xfrm>
+              <a:off x="7735790" y="3011937"/>
+              <a:ext cx="200993" cy="200993"/>
+            </a:xfrm>
+            <a:prstGeom prst="ellipse">
+              <a:avLst/>
+            </a:prstGeom>
+            <a:solidFill>
+              <a:schemeClr val="accent6">
+                <a:lumMod val="60000"/>
+                <a:lumOff val="40000"/>
+              </a:schemeClr>
+            </a:solidFill>
+            <a:ln>
+              <a:solidFill>
+                <a:schemeClr val="accent6">
+                  <a:lumMod val="75000"/>
+                </a:schemeClr>
+              </a:solidFill>
+            </a:ln>
+          </p:spPr>
+          <p:style>
+            <a:lnRef idx="2">
+              <a:schemeClr val="accent1">
+                <a:shade val="50000"/>
+              </a:schemeClr>
+            </a:lnRef>
+            <a:fillRef idx="1">
+              <a:schemeClr val="accent1"/>
+            </a:fillRef>
+            <a:effectRef idx="0">
+              <a:schemeClr val="accent1"/>
+            </a:effectRef>
+            <a:fontRef idx="minor">
+              <a:schemeClr val="lt1"/>
+            </a:fontRef>
+          </p:style>
+          <p:txBody>
+            <a:bodyPr rtlCol="0" anchor="ctr"/>
+            <a:lstStyle/>
+            <a:p>
+              <a:pPr algn="ctr"/>
+              <a:endParaRPr lang="en-US" dirty="0"/>
+            </a:p>
+          </p:txBody>
+        </p:sp>
+        <p:sp>
+          <p:nvSpPr>
+            <p:cNvPr id="64" name="Oval 63">
+              <a:extLst>
+                <a:ext uri="{FF2B5EF4-FFF2-40B4-BE49-F238E27FC236}">
+                  <a16:creationId xmlns:a16="http://schemas.microsoft.com/office/drawing/2014/main" id="{59B1827B-2617-4CF8-8792-07AE0B49529E}"/>
+                </a:ext>
+              </a:extLst>
+            </p:cNvPr>
+            <p:cNvSpPr/>
+            <p:nvPr/>
+          </p:nvSpPr>
+          <p:spPr>
+            <a:xfrm>
+              <a:off x="7531954" y="3332025"/>
+              <a:ext cx="200993" cy="200993"/>
+            </a:xfrm>
+            <a:prstGeom prst="ellipse">
+              <a:avLst/>
+            </a:prstGeom>
+            <a:solidFill>
+              <a:schemeClr val="accent6">
+                <a:lumMod val="60000"/>
+                <a:lumOff val="40000"/>
+              </a:schemeClr>
+            </a:solidFill>
+            <a:ln>
+              <a:solidFill>
+                <a:schemeClr val="accent6">
+                  <a:lumMod val="75000"/>
+                </a:schemeClr>
+              </a:solidFill>
+            </a:ln>
+          </p:spPr>
+          <p:style>
+            <a:lnRef idx="2">
+              <a:schemeClr val="accent1">
+                <a:shade val="50000"/>
+              </a:schemeClr>
+            </a:lnRef>
+            <a:fillRef idx="1">
+              <a:schemeClr val="accent1"/>
+            </a:fillRef>
+            <a:effectRef idx="0">
+              <a:schemeClr val="accent1"/>
+            </a:effectRef>
+            <a:fontRef idx="minor">
+              <a:schemeClr val="lt1"/>
+            </a:fontRef>
+          </p:style>
+          <p:txBody>
+            <a:bodyPr rtlCol="0" anchor="ctr"/>
+            <a:lstStyle/>
+            <a:p>
+              <a:pPr algn="ctr"/>
+              <a:endParaRPr lang="en-US" dirty="0"/>
+            </a:p>
+          </p:txBody>
+        </p:sp>
+        <p:sp>
+          <p:nvSpPr>
+            <p:cNvPr id="65" name="Oval 64">
+              <a:extLst>
+                <a:ext uri="{FF2B5EF4-FFF2-40B4-BE49-F238E27FC236}">
+                  <a16:creationId xmlns:a16="http://schemas.microsoft.com/office/drawing/2014/main" id="{578A4418-3705-4435-A15D-B3252DD828D0}"/>
+                </a:ext>
+              </a:extLst>
+            </p:cNvPr>
+            <p:cNvSpPr/>
+            <p:nvPr/>
+          </p:nvSpPr>
+          <p:spPr>
+            <a:xfrm>
+              <a:off x="6985929" y="3332024"/>
+              <a:ext cx="200993" cy="200993"/>
+            </a:xfrm>
+            <a:prstGeom prst="ellipse">
+              <a:avLst/>
+            </a:prstGeom>
+            <a:solidFill>
+              <a:schemeClr val="accent6">
+                <a:lumMod val="60000"/>
+                <a:lumOff val="40000"/>
+              </a:schemeClr>
+            </a:solidFill>
+            <a:ln>
+              <a:solidFill>
+                <a:schemeClr val="accent6">
+                  <a:lumMod val="75000"/>
+                </a:schemeClr>
+              </a:solidFill>
+            </a:ln>
+          </p:spPr>
+          <p:style>
+            <a:lnRef idx="2">
+              <a:schemeClr val="accent1">
+                <a:shade val="50000"/>
+              </a:schemeClr>
+            </a:lnRef>
+            <a:fillRef idx="1">
+              <a:schemeClr val="accent1"/>
+            </a:fillRef>
+            <a:effectRef idx="0">
+              <a:schemeClr val="accent1"/>
+            </a:effectRef>
+            <a:fontRef idx="minor">
+              <a:schemeClr val="lt1"/>
+            </a:fontRef>
+          </p:style>
+          <p:txBody>
+            <a:bodyPr rtlCol="0" anchor="ctr"/>
+            <a:lstStyle/>
+            <a:p>
+              <a:pPr algn="ctr"/>
+              <a:endParaRPr lang="en-US" dirty="0"/>
+            </a:p>
+          </p:txBody>
+        </p:sp>
+        <p:cxnSp>
+          <p:nvCxnSpPr>
+            <p:cNvPr id="66" name="Straight Arrow Connector 65">
+              <a:extLst>
+                <a:ext uri="{FF2B5EF4-FFF2-40B4-BE49-F238E27FC236}">
+                  <a16:creationId xmlns:a16="http://schemas.microsoft.com/office/drawing/2014/main" id="{DA774245-7413-4AC0-811B-032EF739DC38}"/>
+                </a:ext>
+              </a:extLst>
+            </p:cNvPr>
+            <p:cNvCxnSpPr>
+              <a:stCxn id="60" idx="3"/>
+              <a:endCxn id="61" idx="7"/>
+            </p:cNvCxnSpPr>
+            <p:nvPr/>
+          </p:nvCxnSpPr>
+          <p:spPr>
+            <a:xfrm flipH="1">
+              <a:off x="6924231" y="2831454"/>
+              <a:ext cx="256877" cy="226630"/>
+            </a:xfrm>
+            <a:prstGeom prst="straightConnector1">
+              <a:avLst/>
+            </a:prstGeom>
+            <a:ln w="19050">
+              <a:tailEnd type="triangle"/>
+            </a:ln>
+          </p:spPr>
+          <p:style>
+            <a:lnRef idx="1">
+              <a:schemeClr val="accent1"/>
+            </a:lnRef>
+            <a:fillRef idx="0">
+              <a:schemeClr val="accent1"/>
+            </a:fillRef>
+            <a:effectRef idx="0">
+              <a:schemeClr val="accent1"/>
+            </a:effectRef>
+            <a:fontRef idx="minor">
+              <a:schemeClr val="tx1"/>
+            </a:fontRef>
+          </p:style>
+        </p:cxnSp>
+        <p:cxnSp>
+          <p:nvCxnSpPr>
+            <p:cNvPr id="67" name="Straight Arrow Connector 66">
+              <a:extLst>
+                <a:ext uri="{FF2B5EF4-FFF2-40B4-BE49-F238E27FC236}">
+                  <a16:creationId xmlns:a16="http://schemas.microsoft.com/office/drawing/2014/main" id="{AC50EA93-146D-4886-8C53-4EF01D89ACB5}"/>
+                </a:ext>
+              </a:extLst>
+            </p:cNvPr>
+            <p:cNvCxnSpPr>
+              <a:cxnSpLocks/>
+              <a:stCxn id="60" idx="4"/>
+              <a:endCxn id="62" idx="0"/>
+            </p:cNvCxnSpPr>
+            <p:nvPr/>
+          </p:nvCxnSpPr>
+          <p:spPr>
+            <a:xfrm>
+              <a:off x="7252170" y="2860889"/>
+              <a:ext cx="100496" cy="151048"/>
+            </a:xfrm>
+            <a:prstGeom prst="straightConnector1">
+              <a:avLst/>
+            </a:prstGeom>
+            <a:ln w="19050">
+              <a:tailEnd type="triangle"/>
+            </a:ln>
+          </p:spPr>
+          <p:style>
+            <a:lnRef idx="1">
+              <a:schemeClr val="accent1"/>
+            </a:lnRef>
+            <a:fillRef idx="0">
+              <a:schemeClr val="accent1"/>
+            </a:fillRef>
+            <a:effectRef idx="0">
+              <a:schemeClr val="accent1"/>
+            </a:effectRef>
+            <a:fontRef idx="minor">
+              <a:schemeClr val="tx1"/>
+            </a:fontRef>
+          </p:style>
+        </p:cxnSp>
+        <p:cxnSp>
+          <p:nvCxnSpPr>
+            <p:cNvPr id="68" name="Straight Arrow Connector 67">
+              <a:extLst>
+                <a:ext uri="{FF2B5EF4-FFF2-40B4-BE49-F238E27FC236}">
+                  <a16:creationId xmlns:a16="http://schemas.microsoft.com/office/drawing/2014/main" id="{565254DE-7C60-4581-8333-E6D5DFFFBAF3}"/>
+                </a:ext>
+              </a:extLst>
+            </p:cNvPr>
+            <p:cNvCxnSpPr>
+              <a:cxnSpLocks/>
+              <a:stCxn id="60" idx="5"/>
+              <a:endCxn id="63" idx="1"/>
+            </p:cNvCxnSpPr>
+            <p:nvPr/>
+          </p:nvCxnSpPr>
+          <p:spPr>
+            <a:xfrm>
+              <a:off x="7323231" y="2831454"/>
+              <a:ext cx="441994" cy="209918"/>
+            </a:xfrm>
+            <a:prstGeom prst="straightConnector1">
+              <a:avLst/>
+            </a:prstGeom>
+            <a:ln w="19050">
+              <a:tailEnd type="triangle"/>
+            </a:ln>
+          </p:spPr>
+          <p:style>
+            <a:lnRef idx="1">
+              <a:schemeClr val="accent1"/>
+            </a:lnRef>
+            <a:fillRef idx="0">
+              <a:schemeClr val="accent1"/>
+            </a:fillRef>
+            <a:effectRef idx="0">
+              <a:schemeClr val="accent1"/>
+            </a:effectRef>
+            <a:fontRef idx="minor">
+              <a:schemeClr val="tx1"/>
+            </a:fontRef>
+          </p:style>
+        </p:cxnSp>
+        <p:cxnSp>
+          <p:nvCxnSpPr>
+            <p:cNvPr id="69" name="Straight Arrow Connector 68">
+              <a:extLst>
+                <a:ext uri="{FF2B5EF4-FFF2-40B4-BE49-F238E27FC236}">
+                  <a16:creationId xmlns:a16="http://schemas.microsoft.com/office/drawing/2014/main" id="{EF62151A-78B7-4865-853B-15EEE6306A97}"/>
+                </a:ext>
+              </a:extLst>
+            </p:cNvPr>
+            <p:cNvCxnSpPr>
+              <a:cxnSpLocks/>
+              <a:stCxn id="62" idx="5"/>
+              <a:endCxn id="64" idx="1"/>
+            </p:cNvCxnSpPr>
+            <p:nvPr/>
+          </p:nvCxnSpPr>
+          <p:spPr>
+            <a:xfrm>
+              <a:off x="7423727" y="3183495"/>
+              <a:ext cx="137662" cy="177965"/>
+            </a:xfrm>
+            <a:prstGeom prst="straightConnector1">
+              <a:avLst/>
+            </a:prstGeom>
+            <a:ln w="19050">
+              <a:tailEnd type="triangle"/>
+            </a:ln>
+          </p:spPr>
+          <p:style>
+            <a:lnRef idx="1">
+              <a:schemeClr val="accent1"/>
+            </a:lnRef>
+            <a:fillRef idx="0">
+              <a:schemeClr val="accent1"/>
+            </a:fillRef>
+            <a:effectRef idx="0">
+              <a:schemeClr val="accent1"/>
+            </a:effectRef>
+            <a:fontRef idx="minor">
+              <a:schemeClr val="tx1"/>
+            </a:fontRef>
+          </p:style>
+        </p:cxnSp>
+        <p:cxnSp>
+          <p:nvCxnSpPr>
+            <p:cNvPr id="70" name="Straight Arrow Connector 69">
+              <a:extLst>
+                <a:ext uri="{FF2B5EF4-FFF2-40B4-BE49-F238E27FC236}">
+                  <a16:creationId xmlns:a16="http://schemas.microsoft.com/office/drawing/2014/main" id="{F0CE9C1C-66F2-4F1C-8F79-D7395929A1F8}"/>
+                </a:ext>
+              </a:extLst>
+            </p:cNvPr>
+            <p:cNvCxnSpPr>
+              <a:cxnSpLocks/>
+              <a:stCxn id="62" idx="3"/>
+              <a:endCxn id="65" idx="7"/>
+            </p:cNvCxnSpPr>
+            <p:nvPr/>
+          </p:nvCxnSpPr>
+          <p:spPr>
+            <a:xfrm flipH="1">
+              <a:off x="7157487" y="3183495"/>
+              <a:ext cx="124117" cy="177964"/>
+            </a:xfrm>
+            <a:prstGeom prst="straightConnector1">
+              <a:avLst/>
+            </a:prstGeom>
+            <a:ln w="19050">
+              <a:tailEnd type="triangle"/>
+            </a:ln>
+          </p:spPr>
+          <p:style>
+            <a:lnRef idx="1">
+              <a:schemeClr val="accent1"/>
+            </a:lnRef>
+            <a:fillRef idx="0">
+              <a:schemeClr val="accent1"/>
+            </a:fillRef>
+            <a:effectRef idx="0">
+              <a:schemeClr val="accent1"/>
+            </a:effectRef>
+            <a:fontRef idx="minor">
+              <a:schemeClr val="tx1"/>
+            </a:fontRef>
+          </p:style>
+        </p:cxnSp>
+      </p:grpSp>
+      <p:cxnSp>
+        <p:nvCxnSpPr>
+          <p:cNvPr id="72" name="Straight Connector 71">
+            <a:extLst>
+              <a:ext uri="{FF2B5EF4-FFF2-40B4-BE49-F238E27FC236}">
+                <a16:creationId xmlns:a16="http://schemas.microsoft.com/office/drawing/2014/main" id="{A4EE17D5-9592-4BF0-A657-5D4EC357A64C}"/>
+              </a:ext>
+            </a:extLst>
+          </p:cNvPr>
+          <p:cNvCxnSpPr>
+            <a:cxnSpLocks/>
+            <a:stCxn id="24" idx="7"/>
+          </p:cNvCxnSpPr>
+          <p:nvPr/>
+        </p:nvCxnSpPr>
+        <p:spPr>
+          <a:xfrm flipV="1">
+            <a:off x="4591470" y="1382766"/>
+            <a:ext cx="338083" cy="881090"/>
+          </a:xfrm>
+          <a:prstGeom prst="line">
+            <a:avLst/>
+          </a:prstGeom>
+          <a:ln w="12700">
+            <a:solidFill>
+              <a:schemeClr val="tx1"/>
+            </a:solidFill>
+            <a:prstDash val="dash"/>
+          </a:ln>
+        </p:spPr>
+        <p:style>
+          <a:lnRef idx="1">
+            <a:schemeClr val="accent1"/>
+          </a:lnRef>
+          <a:fillRef idx="0">
+            <a:schemeClr val="accent1"/>
+          </a:fillRef>
+          <a:effectRef idx="0">
+            <a:schemeClr val="accent1"/>
+          </a:effectRef>
+          <a:fontRef idx="minor">
+            <a:schemeClr val="tx1"/>
+          </a:fontRef>
+        </p:style>
+      </p:cxnSp>
+      <p:cxnSp>
+        <p:nvCxnSpPr>
+          <p:cNvPr id="73" name="Straight Connector 72">
+            <a:extLst>
+              <a:ext uri="{FF2B5EF4-FFF2-40B4-BE49-F238E27FC236}">
+                <a16:creationId xmlns:a16="http://schemas.microsoft.com/office/drawing/2014/main" id="{9A05FB89-B1BA-47BF-9E9D-CD97947F07EC}"/>
+              </a:ext>
+            </a:extLst>
+          </p:cNvPr>
+          <p:cNvCxnSpPr>
+            <a:cxnSpLocks/>
+          </p:cNvCxnSpPr>
+          <p:nvPr/>
+        </p:nvCxnSpPr>
+        <p:spPr>
+          <a:xfrm>
+            <a:off x="4929553" y="1382766"/>
+            <a:ext cx="2922815" cy="0"/>
+          </a:xfrm>
+          <a:prstGeom prst="line">
+            <a:avLst/>
+          </a:prstGeom>
+          <a:ln w="12700">
+            <a:solidFill>
+              <a:schemeClr val="tx1"/>
+            </a:solidFill>
+            <a:prstDash val="dash"/>
+          </a:ln>
+        </p:spPr>
+        <p:style>
+          <a:lnRef idx="1">
+            <a:schemeClr val="accent1"/>
+          </a:lnRef>
+          <a:fillRef idx="0">
+            <a:schemeClr val="accent1"/>
+          </a:fillRef>
+          <a:effectRef idx="0">
+            <a:schemeClr val="accent1"/>
+          </a:effectRef>
+          <a:fontRef idx="minor">
+            <a:schemeClr val="tx1"/>
+          </a:fontRef>
+        </p:style>
+      </p:cxnSp>
+      <p:cxnSp>
+        <p:nvCxnSpPr>
+          <p:cNvPr id="74" name="Straight Connector 73">
+            <a:extLst>
+              <a:ext uri="{FF2B5EF4-FFF2-40B4-BE49-F238E27FC236}">
+                <a16:creationId xmlns:a16="http://schemas.microsoft.com/office/drawing/2014/main" id="{1E91DEC2-17C5-4B82-AE01-7C7DF5222D90}"/>
+              </a:ext>
+            </a:extLst>
+          </p:cNvPr>
+          <p:cNvCxnSpPr>
+            <a:cxnSpLocks/>
+          </p:cNvCxnSpPr>
+          <p:nvPr/>
+        </p:nvCxnSpPr>
+        <p:spPr>
+          <a:xfrm>
+            <a:off x="4606720" y="2424673"/>
+            <a:ext cx="441777" cy="2107926"/>
+          </a:xfrm>
+          <a:prstGeom prst="line">
+            <a:avLst/>
+          </a:prstGeom>
+          <a:ln w="12700">
+            <a:solidFill>
+              <a:schemeClr val="tx1"/>
+            </a:solidFill>
+            <a:prstDash val="dash"/>
+          </a:ln>
+        </p:spPr>
+        <p:style>
+          <a:lnRef idx="1">
+            <a:schemeClr val="accent1"/>
+          </a:lnRef>
+          <a:fillRef idx="0">
+            <a:schemeClr val="accent1"/>
+          </a:fillRef>
+          <a:effectRef idx="0">
+            <a:schemeClr val="accent1"/>
+          </a:effectRef>
+          <a:fontRef idx="minor">
+            <a:schemeClr val="tx1"/>
+          </a:fontRef>
+        </p:style>
+      </p:cxnSp>
+      <p:cxnSp>
+        <p:nvCxnSpPr>
+          <p:cNvPr id="75" name="Straight Connector 74">
+            <a:extLst>
+              <a:ext uri="{FF2B5EF4-FFF2-40B4-BE49-F238E27FC236}">
+                <a16:creationId xmlns:a16="http://schemas.microsoft.com/office/drawing/2014/main" id="{73771B4C-095B-4F05-9F7E-A01ED94BB082}"/>
+              </a:ext>
+            </a:extLst>
+          </p:cNvPr>
+          <p:cNvCxnSpPr>
+            <a:cxnSpLocks/>
+          </p:cNvCxnSpPr>
+          <p:nvPr/>
+        </p:nvCxnSpPr>
+        <p:spPr>
+          <a:xfrm>
+            <a:off x="5048497" y="4532216"/>
+            <a:ext cx="2812066" cy="14717"/>
+          </a:xfrm>
+          <a:prstGeom prst="line">
+            <a:avLst/>
+          </a:prstGeom>
+          <a:ln w="12700">
+            <a:solidFill>
+              <a:schemeClr val="tx1"/>
+            </a:solidFill>
+            <a:prstDash val="dash"/>
+          </a:ln>
+        </p:spPr>
+        <p:style>
+          <a:lnRef idx="1">
+            <a:schemeClr val="accent1"/>
+          </a:lnRef>
+          <a:fillRef idx="0">
+            <a:schemeClr val="accent1"/>
+          </a:fillRef>
+          <a:effectRef idx="0">
+            <a:schemeClr val="accent1"/>
+          </a:effectRef>
+          <a:fontRef idx="minor">
+            <a:schemeClr val="tx1"/>
+          </a:fontRef>
+        </p:style>
+      </p:cxnSp>
+      <p:cxnSp>
+        <p:nvCxnSpPr>
+          <p:cNvPr id="76" name="Straight Connector 75">
+            <a:extLst>
+              <a:ext uri="{FF2B5EF4-FFF2-40B4-BE49-F238E27FC236}">
+                <a16:creationId xmlns:a16="http://schemas.microsoft.com/office/drawing/2014/main" id="{C349F69F-654C-4F5E-A086-845F8AE518F0}"/>
+              </a:ext>
+            </a:extLst>
+          </p:cNvPr>
+          <p:cNvCxnSpPr>
+            <a:cxnSpLocks/>
+          </p:cNvCxnSpPr>
+          <p:nvPr/>
+        </p:nvCxnSpPr>
+        <p:spPr>
+          <a:xfrm flipH="1">
+            <a:off x="7860563" y="1382766"/>
+            <a:ext cx="1" cy="3168325"/>
+          </a:xfrm>
+          <a:prstGeom prst="line">
+            <a:avLst/>
+          </a:prstGeom>
+          <a:ln w="12700">
+            <a:solidFill>
+              <a:schemeClr val="tx1"/>
+            </a:solidFill>
+            <a:prstDash val="dash"/>
+          </a:ln>
+        </p:spPr>
+        <p:style>
+          <a:lnRef idx="1">
+            <a:schemeClr val="accent1"/>
+          </a:lnRef>
+          <a:fillRef idx="0">
+            <a:schemeClr val="accent1"/>
+          </a:fillRef>
+          <a:effectRef idx="0">
+            <a:schemeClr val="accent1"/>
+          </a:effectRef>
+          <a:fontRef idx="minor">
+            <a:schemeClr val="tx1"/>
+          </a:fontRef>
+        </p:style>
+      </p:cxnSp>
+      <p:sp>
+        <p:nvSpPr>
+          <p:cNvPr id="78" name="TextBox 77">
+            <a:extLst>
+              <a:ext uri="{FF2B5EF4-FFF2-40B4-BE49-F238E27FC236}">
+                <a16:creationId xmlns:a16="http://schemas.microsoft.com/office/drawing/2014/main" id="{F546D2EF-9BFA-4E1B-AA24-089D5264129A}"/>
+              </a:ext>
+            </a:extLst>
+          </p:cNvPr>
+          <p:cNvSpPr txBox="1"/>
+          <p:nvPr/>
+        </p:nvSpPr>
+        <p:spPr>
+          <a:xfrm>
+            <a:off x="1742560" y="1318047"/>
+            <a:ext cx="2996777" cy="338554"/>
+          </a:xfrm>
+          <a:prstGeom prst="rect">
+            <a:avLst/>
+          </a:prstGeom>
+          <a:noFill/>
+        </p:spPr>
+        <p:txBody>
+          <a:bodyPr wrap="square" rtlCol="0">
+            <a:spAutoFit/>
+          </a:bodyPr>
+          <a:lstStyle/>
+          <a:p>
+            <a:pPr algn="ctr"/>
+            <a:r>
+              <a:rPr lang="en-US" sz="1600" dirty="0"/>
+              <a:t>Method-level Feature graph</a:t>
+            </a:r>
+          </a:p>
+        </p:txBody>
+      </p:sp>
+      <p:sp>
+        <p:nvSpPr>
+          <p:cNvPr id="71" name="TextBox 70">
+            <a:extLst>
+              <a:ext uri="{FF2B5EF4-FFF2-40B4-BE49-F238E27FC236}">
+                <a16:creationId xmlns:a16="http://schemas.microsoft.com/office/drawing/2014/main" id="{60E8974D-8417-4716-AD1A-5FCB8719A2DC}"/>
+              </a:ext>
+            </a:extLst>
+          </p:cNvPr>
+          <p:cNvSpPr txBox="1"/>
+          <p:nvPr/>
+        </p:nvSpPr>
+        <p:spPr>
+          <a:xfrm rot="17458556">
+            <a:off x="3880907" y="1222901"/>
+            <a:ext cx="1823281" cy="338554"/>
+          </a:xfrm>
+          <a:prstGeom prst="rect">
+            <a:avLst/>
+          </a:prstGeom>
+          <a:noFill/>
+        </p:spPr>
+        <p:txBody>
+          <a:bodyPr wrap="square" rtlCol="0">
+            <a:spAutoFit/>
+          </a:bodyPr>
+          <a:lstStyle/>
+          <a:p>
+            <a:r>
+              <a:rPr lang="en-US" sz="1600" dirty="0"/>
+              <a:t>attributes</a:t>
+            </a:r>
+          </a:p>
+        </p:txBody>
+      </p:sp>
+    </p:spTree>
+    <p:extLst>
+      <p:ext uri="{BB962C8B-B14F-4D97-AF65-F5344CB8AC3E}">
+        <p14:creationId xmlns:p14="http://schemas.microsoft.com/office/powerpoint/2010/main" val="2965456835"/>
+      </p:ext>
+    </p:extLst>
+  </p:cSld>
+  <p:clrMapOvr>
+    <a:masterClrMapping/>
+  </p:clrMapOvr>
+</p:sld>
+</file>
+
+<file path=ppt/slides/slide4.xml><?xml version="1.0" encoding="utf-8"?>
+<p:sld xmlns:a="http://schemas.openxmlformats.org/drawingml/2006/main" xmlns:r="http://schemas.openxmlformats.org/officeDocument/2006/relationships" xmlns:p="http://schemas.openxmlformats.org/presentationml/2006/main">
+  <p:cSld>
+    <p:spTree>
+      <p:nvGrpSpPr>
+        <p:cNvPr id="1" name=""/>
+        <p:cNvGrpSpPr/>
+        <p:nvPr/>
+      </p:nvGrpSpPr>
+      <p:grpSpPr>
+        <a:xfrm>
+          <a:off x="0" y="0"/>
+          <a:ext cx="0" cy="0"/>
+          <a:chOff x="0" y="0"/>
+          <a:chExt cx="0" cy="0"/>
+        </a:xfrm>
+      </p:grpSpPr>
+      <p:sp>
+        <p:nvSpPr>
+          <p:cNvPr id="70" name="TextBox 69">
+            <a:extLst>
+              <a:ext uri="{FF2B5EF4-FFF2-40B4-BE49-F238E27FC236}">
+                <a16:creationId xmlns:a16="http://schemas.microsoft.com/office/drawing/2014/main" id="{C57BE588-86D2-4596-AB6D-555741489CBB}"/>
+              </a:ext>
+            </a:extLst>
+          </p:cNvPr>
+          <p:cNvSpPr txBox="1"/>
+          <p:nvPr/>
+        </p:nvSpPr>
+        <p:spPr>
+          <a:xfrm rot="18315628">
+            <a:off x="5155339" y="892743"/>
+            <a:ext cx="1823281" cy="338554"/>
+          </a:xfrm>
+          <a:prstGeom prst="rect">
+            <a:avLst/>
+          </a:prstGeom>
+          <a:noFill/>
+        </p:spPr>
+        <p:txBody>
+          <a:bodyPr wrap="square" rtlCol="0">
+            <a:spAutoFit/>
+          </a:bodyPr>
+          <a:lstStyle/>
+          <a:p>
+            <a:r>
+              <a:rPr lang="en-US" sz="1600" dirty="0" err="1"/>
+              <a:t>attr</a:t>
+            </a:r>
+            <a:endParaRPr lang="en-US" sz="1600" dirty="0"/>
+          </a:p>
+        </p:txBody>
+      </p:sp>
+      <p:grpSp>
+        <p:nvGrpSpPr>
+          <p:cNvPr id="21" name="Group 20">
+            <a:extLst>
+              <a:ext uri="{FF2B5EF4-FFF2-40B4-BE49-F238E27FC236}">
+                <a16:creationId xmlns:a16="http://schemas.microsoft.com/office/drawing/2014/main" id="{02B7BAD3-C365-4967-B6BD-E9B5CD97556A}"/>
+              </a:ext>
+            </a:extLst>
+          </p:cNvPr>
+          <p:cNvGrpSpPr/>
+          <p:nvPr/>
+        </p:nvGrpSpPr>
+        <p:grpSpPr>
+          <a:xfrm>
+            <a:off x="155700" y="1368651"/>
+            <a:ext cx="8465729" cy="3027762"/>
+            <a:chOff x="155700" y="1368651"/>
+            <a:chExt cx="8465729" cy="3027762"/>
+          </a:xfrm>
+        </p:grpSpPr>
+        <p:sp>
+          <p:nvSpPr>
+            <p:cNvPr id="42" name="TextBox 41">
+              <a:extLst>
+                <a:ext uri="{FF2B5EF4-FFF2-40B4-BE49-F238E27FC236}">
+                  <a16:creationId xmlns:a16="http://schemas.microsoft.com/office/drawing/2014/main" id="{0BB705E9-8317-4436-A526-04126BF073D1}"/>
+                </a:ext>
+              </a:extLst>
+            </p:cNvPr>
+            <p:cNvSpPr txBox="1"/>
+            <p:nvPr/>
+          </p:nvSpPr>
+          <p:spPr>
+            <a:xfrm>
+              <a:off x="4519688" y="1410081"/>
+              <a:ext cx="709394" cy="369332"/>
+            </a:xfrm>
+            <a:prstGeom prst="rect">
+              <a:avLst/>
+            </a:prstGeom>
+            <a:noFill/>
+          </p:spPr>
+          <p:txBody>
+            <a:bodyPr wrap="square" rtlCol="0">
+              <a:spAutoFit/>
+            </a:bodyPr>
+            <a:lstStyle/>
+            <a:p>
+              <a:r>
+                <a:rPr lang="en-US" dirty="0"/>
+                <a:t>S4</a:t>
+              </a:r>
+            </a:p>
+          </p:txBody>
+        </p:sp>
+        <p:grpSp>
+          <p:nvGrpSpPr>
+            <p:cNvPr id="81" name="Group 80">
+              <a:extLst>
+                <a:ext uri="{FF2B5EF4-FFF2-40B4-BE49-F238E27FC236}">
+                  <a16:creationId xmlns:a16="http://schemas.microsoft.com/office/drawing/2014/main" id="{29EA1248-34C3-41EC-9F95-D9B5551DD32A}"/>
+                </a:ext>
+              </a:extLst>
+            </p:cNvPr>
+            <p:cNvGrpSpPr/>
+            <p:nvPr/>
+          </p:nvGrpSpPr>
+          <p:grpSpPr>
+            <a:xfrm>
+              <a:off x="3637402" y="1468694"/>
+              <a:ext cx="3435372" cy="2723830"/>
+              <a:chOff x="2776280" y="1871780"/>
+              <a:chExt cx="3435372" cy="2723830"/>
+            </a:xfrm>
+          </p:grpSpPr>
+          <p:grpSp>
+            <p:nvGrpSpPr>
+              <p:cNvPr id="11" name="Group 10">
+                <a:extLst>
+                  <a:ext uri="{FF2B5EF4-FFF2-40B4-BE49-F238E27FC236}">
+                    <a16:creationId xmlns:a16="http://schemas.microsoft.com/office/drawing/2014/main" id="{2F8404E2-78FF-407E-A95D-8269B2D776E5}"/>
+                  </a:ext>
+                </a:extLst>
+              </p:cNvPr>
+              <p:cNvGrpSpPr/>
+              <p:nvPr/>
+            </p:nvGrpSpPr>
+            <p:grpSpPr>
+              <a:xfrm>
+                <a:off x="2866515" y="2140165"/>
+                <a:ext cx="1832485" cy="1446049"/>
+                <a:chOff x="2866515" y="2140165"/>
+                <a:chExt cx="1832485" cy="1446049"/>
+              </a:xfrm>
+            </p:grpSpPr>
+            <p:sp>
+              <p:nvSpPr>
+                <p:cNvPr id="2" name="Oval 1">
+                  <a:extLst>
+                    <a:ext uri="{FF2B5EF4-FFF2-40B4-BE49-F238E27FC236}">
+                      <a16:creationId xmlns:a16="http://schemas.microsoft.com/office/drawing/2014/main" id="{ADF2087A-789D-442A-BC2C-AE2F3A96149D}"/>
+                    </a:ext>
+                  </a:extLst>
+                </p:cNvPr>
+                <p:cNvSpPr/>
+                <p:nvPr/>
+              </p:nvSpPr>
+              <p:spPr>
+                <a:xfrm>
+                  <a:off x="3830042" y="2140165"/>
+                  <a:ext cx="169333" cy="169333"/>
+                </a:xfrm>
+                <a:prstGeom prst="ellipse">
+                  <a:avLst/>
+                </a:prstGeom>
+                <a:solidFill>
+                  <a:schemeClr val="accent4">
+                    <a:lumMod val="20000"/>
+                    <a:lumOff val="80000"/>
+                  </a:schemeClr>
+                </a:solidFill>
+                <a:ln>
+                  <a:solidFill>
+                    <a:srgbClr val="FFC000"/>
+                  </a:solidFill>
+                </a:ln>
+              </p:spPr>
+              <p:style>
+                <a:lnRef idx="2">
+                  <a:schemeClr val="accent1">
+                    <a:shade val="50000"/>
+                  </a:schemeClr>
+                </a:lnRef>
+                <a:fillRef idx="1">
+                  <a:schemeClr val="accent1"/>
+                </a:fillRef>
+                <a:effectRef idx="0">
+                  <a:schemeClr val="accent1"/>
+                </a:effectRef>
+                <a:fontRef idx="minor">
+                  <a:schemeClr val="lt1"/>
+                </a:fontRef>
+              </p:style>
+              <p:txBody>
+                <a:bodyPr rtlCol="0" anchor="ctr"/>
+                <a:lstStyle/>
+                <a:p>
+                  <a:pPr algn="ctr"/>
+                  <a:endParaRPr lang="en-US" dirty="0"/>
+                </a:p>
+              </p:txBody>
+            </p:sp>
+            <p:sp>
+              <p:nvSpPr>
+                <p:cNvPr id="4" name="Oval 3">
+                  <a:extLst>
+                    <a:ext uri="{FF2B5EF4-FFF2-40B4-BE49-F238E27FC236}">
+                      <a16:creationId xmlns:a16="http://schemas.microsoft.com/office/drawing/2014/main" id="{0B2AC305-3B48-445B-B908-232A42EA50BA}"/>
+                    </a:ext>
+                  </a:extLst>
+                </p:cNvPr>
+                <p:cNvSpPr/>
+                <p:nvPr/>
+              </p:nvSpPr>
+              <p:spPr>
+                <a:xfrm>
+                  <a:off x="3590744" y="2660695"/>
+                  <a:ext cx="169333" cy="169333"/>
+                </a:xfrm>
+                <a:prstGeom prst="ellipse">
+                  <a:avLst/>
+                </a:prstGeom>
+                <a:solidFill>
+                  <a:schemeClr val="accent4">
+                    <a:lumMod val="20000"/>
+                    <a:lumOff val="80000"/>
+                  </a:schemeClr>
+                </a:solidFill>
+                <a:ln>
+                  <a:solidFill>
+                    <a:srgbClr val="FFC000"/>
+                  </a:solidFill>
+                </a:ln>
+              </p:spPr>
+              <p:style>
+                <a:lnRef idx="2">
+                  <a:schemeClr val="accent1">
+                    <a:shade val="50000"/>
+                  </a:schemeClr>
+                </a:lnRef>
+                <a:fillRef idx="1">
+                  <a:schemeClr val="accent1"/>
+                </a:fillRef>
+                <a:effectRef idx="0">
+                  <a:schemeClr val="accent1"/>
+                </a:effectRef>
+                <a:fontRef idx="minor">
+                  <a:schemeClr val="lt1"/>
+                </a:fontRef>
+              </p:style>
+              <p:txBody>
+                <a:bodyPr rtlCol="0" anchor="ctr"/>
+                <a:lstStyle/>
+                <a:p>
+                  <a:pPr algn="ctr"/>
+                  <a:endParaRPr lang="en-US" dirty="0"/>
+                </a:p>
+              </p:txBody>
+            </p:sp>
+            <p:sp>
+              <p:nvSpPr>
+                <p:cNvPr id="5" name="Oval 4">
+                  <a:extLst>
+                    <a:ext uri="{FF2B5EF4-FFF2-40B4-BE49-F238E27FC236}">
+                      <a16:creationId xmlns:a16="http://schemas.microsoft.com/office/drawing/2014/main" id="{05A4C324-2196-4D15-BF97-8841230628CC}"/>
+                    </a:ext>
+                  </a:extLst>
+                </p:cNvPr>
+                <p:cNvSpPr/>
+                <p:nvPr/>
+              </p:nvSpPr>
+              <p:spPr>
+                <a:xfrm>
+                  <a:off x="4289943" y="3273751"/>
+                  <a:ext cx="169333" cy="169333"/>
+                </a:xfrm>
+                <a:prstGeom prst="ellipse">
+                  <a:avLst/>
+                </a:prstGeom>
+                <a:solidFill>
+                  <a:schemeClr val="accent4">
+                    <a:lumMod val="20000"/>
+                    <a:lumOff val="80000"/>
+                  </a:schemeClr>
+                </a:solidFill>
+                <a:ln>
+                  <a:solidFill>
+                    <a:srgbClr val="FFC000"/>
+                  </a:solidFill>
+                </a:ln>
+              </p:spPr>
+              <p:style>
+                <a:lnRef idx="2">
+                  <a:schemeClr val="accent1">
+                    <a:shade val="50000"/>
+                  </a:schemeClr>
+                </a:lnRef>
+                <a:fillRef idx="1">
+                  <a:schemeClr val="accent1"/>
+                </a:fillRef>
+                <a:effectRef idx="0">
+                  <a:schemeClr val="accent1"/>
+                </a:effectRef>
+                <a:fontRef idx="minor">
+                  <a:schemeClr val="lt1"/>
+                </a:fontRef>
+              </p:style>
+              <p:txBody>
+                <a:bodyPr rtlCol="0" anchor="ctr"/>
+                <a:lstStyle/>
+                <a:p>
+                  <a:pPr algn="ctr"/>
+                  <a:endParaRPr lang="en-US" dirty="0"/>
+                </a:p>
+              </p:txBody>
+            </p:sp>
+            <p:sp>
+              <p:nvSpPr>
+                <p:cNvPr id="6" name="Oval 5">
+                  <a:extLst>
+                    <a:ext uri="{FF2B5EF4-FFF2-40B4-BE49-F238E27FC236}">
+                      <a16:creationId xmlns:a16="http://schemas.microsoft.com/office/drawing/2014/main" id="{4A076DFB-2D35-4302-BAC3-39A7EB197FB9}"/>
+                    </a:ext>
+                  </a:extLst>
+                </p:cNvPr>
+                <p:cNvSpPr/>
+                <p:nvPr/>
+              </p:nvSpPr>
+              <p:spPr>
+                <a:xfrm>
+                  <a:off x="2866515" y="2861393"/>
+                  <a:ext cx="169333" cy="169333"/>
+                </a:xfrm>
+                <a:prstGeom prst="ellipse">
+                  <a:avLst/>
+                </a:prstGeom>
+                <a:solidFill>
+                  <a:schemeClr val="accent4">
+                    <a:lumMod val="20000"/>
+                    <a:lumOff val="80000"/>
+                  </a:schemeClr>
+                </a:solidFill>
+                <a:ln>
+                  <a:solidFill>
+                    <a:srgbClr val="FFC000"/>
+                  </a:solidFill>
+                </a:ln>
+              </p:spPr>
+              <p:style>
+                <a:lnRef idx="2">
+                  <a:schemeClr val="accent1">
+                    <a:shade val="50000"/>
+                  </a:schemeClr>
+                </a:lnRef>
+                <a:fillRef idx="1">
+                  <a:schemeClr val="accent1"/>
+                </a:fillRef>
+                <a:effectRef idx="0">
+                  <a:schemeClr val="accent1"/>
+                </a:effectRef>
+                <a:fontRef idx="minor">
+                  <a:schemeClr val="lt1"/>
+                </a:fontRef>
+              </p:style>
+              <p:txBody>
+                <a:bodyPr rtlCol="0" anchor="ctr"/>
+                <a:lstStyle/>
+                <a:p>
+                  <a:pPr algn="ctr"/>
+                  <a:endParaRPr lang="en-US" dirty="0"/>
+                </a:p>
+              </p:txBody>
+            </p:sp>
+            <p:sp>
+              <p:nvSpPr>
+                <p:cNvPr id="7" name="Oval 6">
+                  <a:extLst>
+                    <a:ext uri="{FF2B5EF4-FFF2-40B4-BE49-F238E27FC236}">
+                      <a16:creationId xmlns:a16="http://schemas.microsoft.com/office/drawing/2014/main" id="{0578147D-FD76-4BE3-B6BC-3B5FD7C7F99C}"/>
+                    </a:ext>
+                  </a:extLst>
+                </p:cNvPr>
+                <p:cNvSpPr/>
+                <p:nvPr/>
+              </p:nvSpPr>
+              <p:spPr>
+                <a:xfrm>
+                  <a:off x="4529667" y="2567516"/>
+                  <a:ext cx="169333" cy="169333"/>
+                </a:xfrm>
+                <a:prstGeom prst="ellipse">
+                  <a:avLst/>
+                </a:prstGeom>
+                <a:solidFill>
+                  <a:schemeClr val="accent2">
+                    <a:lumMod val="40000"/>
+                    <a:lumOff val="60000"/>
+                  </a:schemeClr>
+                </a:solidFill>
+                <a:ln>
+                  <a:solidFill>
+                    <a:srgbClr val="FF0000"/>
+                  </a:solidFill>
+                </a:ln>
+              </p:spPr>
+              <p:style>
+                <a:lnRef idx="2">
+                  <a:schemeClr val="accent1">
+                    <a:shade val="50000"/>
+                  </a:schemeClr>
+                </a:lnRef>
+                <a:fillRef idx="1">
+                  <a:schemeClr val="accent1"/>
+                </a:fillRef>
+                <a:effectRef idx="0">
+                  <a:schemeClr val="accent1"/>
+                </a:effectRef>
+                <a:fontRef idx="minor">
+                  <a:schemeClr val="lt1"/>
+                </a:fontRef>
+              </p:style>
+              <p:txBody>
+                <a:bodyPr rtlCol="0" anchor="ctr"/>
+                <a:lstStyle/>
+                <a:p>
+                  <a:pPr algn="ctr"/>
+                  <a:endParaRPr lang="en-US" dirty="0"/>
+                </a:p>
+              </p:txBody>
+            </p:sp>
+            <p:sp>
+              <p:nvSpPr>
+                <p:cNvPr id="262" name="Oval 261">
+                  <a:extLst>
+                    <a:ext uri="{FF2B5EF4-FFF2-40B4-BE49-F238E27FC236}">
+                      <a16:creationId xmlns:a16="http://schemas.microsoft.com/office/drawing/2014/main" id="{4C60D344-7FF3-417F-A5DA-EA83DCFA7949}"/>
+                    </a:ext>
+                  </a:extLst>
+                </p:cNvPr>
+                <p:cNvSpPr/>
+                <p:nvPr/>
+              </p:nvSpPr>
+              <p:spPr>
+                <a:xfrm>
+                  <a:off x="3681823" y="3416881"/>
+                  <a:ext cx="169333" cy="169333"/>
+                </a:xfrm>
+                <a:prstGeom prst="ellipse">
+                  <a:avLst/>
+                </a:prstGeom>
+                <a:solidFill>
+                  <a:schemeClr val="accent4">
+                    <a:lumMod val="20000"/>
+                    <a:lumOff val="80000"/>
+                  </a:schemeClr>
+                </a:solidFill>
+                <a:ln>
+                  <a:solidFill>
+                    <a:srgbClr val="FFC000"/>
+                  </a:solidFill>
+                </a:ln>
+              </p:spPr>
+              <p:style>
+                <a:lnRef idx="2">
+                  <a:schemeClr val="accent1">
+                    <a:shade val="50000"/>
+                  </a:schemeClr>
+                </a:lnRef>
+                <a:fillRef idx="1">
+                  <a:schemeClr val="accent1"/>
+                </a:fillRef>
+                <a:effectRef idx="0">
+                  <a:schemeClr val="accent1"/>
+                </a:effectRef>
+                <a:fontRef idx="minor">
+                  <a:schemeClr val="lt1"/>
+                </a:fontRef>
+              </p:style>
+              <p:txBody>
+                <a:bodyPr rtlCol="0" anchor="ctr"/>
+                <a:lstStyle/>
+                <a:p>
+                  <a:pPr algn="ctr"/>
+                  <a:endParaRPr lang="en-US" dirty="0"/>
+                </a:p>
+              </p:txBody>
+            </p:sp>
+          </p:grpSp>
+          <p:cxnSp>
+            <p:nvCxnSpPr>
+              <p:cNvPr id="20" name="Straight Arrow Connector 19">
+                <a:extLst>
+                  <a:ext uri="{FF2B5EF4-FFF2-40B4-BE49-F238E27FC236}">
+                    <a16:creationId xmlns:a16="http://schemas.microsoft.com/office/drawing/2014/main" id="{00242B1F-5A4D-473D-981D-027607AFBE79}"/>
+                  </a:ext>
+                </a:extLst>
+              </p:cNvPr>
+              <p:cNvCxnSpPr>
+                <a:cxnSpLocks/>
+                <a:endCxn id="2" idx="3"/>
+              </p:cNvCxnSpPr>
+              <p:nvPr/>
+            </p:nvCxnSpPr>
+            <p:spPr>
+              <a:xfrm flipV="1">
+                <a:off x="3083267" y="2284700"/>
+                <a:ext cx="771573" cy="193474"/>
+              </a:xfrm>
+              <a:prstGeom prst="straightConnector1">
+                <a:avLst/>
+              </a:prstGeom>
+              <a:ln w="25400">
+                <a:solidFill>
+                  <a:schemeClr val="accent6">
+                    <a:lumMod val="75000"/>
+                  </a:schemeClr>
+                </a:solidFill>
+                <a:prstDash val="dash"/>
+                <a:tailEnd type="triangle"/>
+              </a:ln>
+            </p:spPr>
+            <p:style>
+              <a:lnRef idx="1">
+                <a:schemeClr val="accent1"/>
+              </a:lnRef>
+              <a:fillRef idx="0">
+                <a:schemeClr val="accent1"/>
+              </a:fillRef>
+              <a:effectRef idx="0">
+                <a:schemeClr val="accent1"/>
+              </a:effectRef>
+              <a:fontRef idx="minor">
+                <a:schemeClr val="tx1"/>
+              </a:fontRef>
+            </p:style>
+          </p:cxnSp>
+          <p:cxnSp>
+            <p:nvCxnSpPr>
+              <p:cNvPr id="23" name="Straight Arrow Connector 22">
+                <a:extLst>
+                  <a:ext uri="{FF2B5EF4-FFF2-40B4-BE49-F238E27FC236}">
+                    <a16:creationId xmlns:a16="http://schemas.microsoft.com/office/drawing/2014/main" id="{C97B8577-2705-438E-B535-BFAD97E27E31}"/>
+                  </a:ext>
+                </a:extLst>
+              </p:cNvPr>
+              <p:cNvCxnSpPr>
+                <a:cxnSpLocks/>
+                <a:endCxn id="2" idx="1"/>
+              </p:cNvCxnSpPr>
+              <p:nvPr/>
+            </p:nvCxnSpPr>
+            <p:spPr>
+              <a:xfrm flipV="1">
+                <a:off x="3083267" y="2164963"/>
+                <a:ext cx="771573" cy="168676"/>
+              </a:xfrm>
+              <a:prstGeom prst="straightConnector1">
+                <a:avLst/>
+              </a:prstGeom>
+              <a:ln w="25400">
+                <a:tailEnd type="triangle"/>
+              </a:ln>
+            </p:spPr>
+            <p:style>
+              <a:lnRef idx="1">
+                <a:schemeClr val="accent1"/>
+              </a:lnRef>
+              <a:fillRef idx="0">
+                <a:schemeClr val="accent1"/>
+              </a:fillRef>
+              <a:effectRef idx="0">
+                <a:schemeClr val="accent1"/>
+              </a:effectRef>
+              <a:fontRef idx="minor">
+                <a:schemeClr val="tx1"/>
+              </a:fontRef>
+            </p:style>
+          </p:cxnSp>
+          <p:cxnSp>
+            <p:nvCxnSpPr>
+              <p:cNvPr id="38" name="Straight Arrow Connector 37">
+                <a:extLst>
+                  <a:ext uri="{FF2B5EF4-FFF2-40B4-BE49-F238E27FC236}">
+                    <a16:creationId xmlns:a16="http://schemas.microsoft.com/office/drawing/2014/main" id="{D17BBFF5-C56A-406E-A839-2323D880E922}"/>
+                  </a:ext>
+                </a:extLst>
+              </p:cNvPr>
+              <p:cNvCxnSpPr>
+                <a:cxnSpLocks/>
+                <a:stCxn id="7" idx="1"/>
+                <a:endCxn id="2" idx="5"/>
+              </p:cNvCxnSpPr>
+              <p:nvPr/>
+            </p:nvCxnSpPr>
+            <p:spPr>
+              <a:xfrm flipH="1" flipV="1">
+                <a:off x="3974577" y="2284700"/>
+                <a:ext cx="579888" cy="307614"/>
+              </a:xfrm>
+              <a:prstGeom prst="straightConnector1">
+                <a:avLst/>
+              </a:prstGeom>
+              <a:ln w="25400">
+                <a:solidFill>
+                  <a:schemeClr val="accent2">
+                    <a:lumMod val="75000"/>
+                  </a:schemeClr>
+                </a:solidFill>
+                <a:prstDash val="sysDot"/>
+                <a:headEnd type="triangle"/>
+                <a:tailEnd type="triangle"/>
+              </a:ln>
+            </p:spPr>
+            <p:style>
+              <a:lnRef idx="1">
+                <a:schemeClr val="accent1"/>
+              </a:lnRef>
+              <a:fillRef idx="0">
+                <a:schemeClr val="accent1"/>
+              </a:fillRef>
+              <a:effectRef idx="0">
+                <a:schemeClr val="accent1"/>
+              </a:effectRef>
+              <a:fontRef idx="minor">
+                <a:schemeClr val="tx1"/>
+              </a:fontRef>
+            </p:style>
+          </p:cxnSp>
+          <p:sp>
+            <p:nvSpPr>
+              <p:cNvPr id="45" name="TextBox 44">
+                <a:extLst>
+                  <a:ext uri="{FF2B5EF4-FFF2-40B4-BE49-F238E27FC236}">
+                    <a16:creationId xmlns:a16="http://schemas.microsoft.com/office/drawing/2014/main" id="{AB48C492-B47E-47AF-B9F9-BF11E04F708C}"/>
+                  </a:ext>
+                </a:extLst>
+              </p:cNvPr>
+              <p:cNvSpPr txBox="1"/>
+              <p:nvPr/>
+            </p:nvSpPr>
+            <p:spPr>
+              <a:xfrm>
+                <a:off x="3484940" y="2757561"/>
+                <a:ext cx="709394" cy="369332"/>
+              </a:xfrm>
+              <a:prstGeom prst="rect">
+                <a:avLst/>
+              </a:prstGeom>
+              <a:noFill/>
+            </p:spPr>
+            <p:txBody>
+              <a:bodyPr wrap="square" rtlCol="0">
+                <a:spAutoFit/>
+              </a:bodyPr>
+              <a:lstStyle/>
+              <a:p>
+                <a:r>
+                  <a:rPr lang="en-US" dirty="0"/>
+                  <a:t>S7</a:t>
+                </a:r>
+              </a:p>
+            </p:txBody>
+          </p:sp>
+          <p:sp>
+            <p:nvSpPr>
+              <p:cNvPr id="46" name="TextBox 45">
+                <a:extLst>
+                  <a:ext uri="{FF2B5EF4-FFF2-40B4-BE49-F238E27FC236}">
+                    <a16:creationId xmlns:a16="http://schemas.microsoft.com/office/drawing/2014/main" id="{AC198DCD-67B0-47E2-8E5B-835618AC81AA}"/>
+                  </a:ext>
+                </a:extLst>
+              </p:cNvPr>
+              <p:cNvSpPr txBox="1"/>
+              <p:nvPr/>
+            </p:nvSpPr>
+            <p:spPr>
+              <a:xfrm>
+                <a:off x="2776280" y="2991640"/>
+                <a:ext cx="781662" cy="369332"/>
+              </a:xfrm>
+              <a:prstGeom prst="rect">
+                <a:avLst/>
+              </a:prstGeom>
+              <a:noFill/>
+            </p:spPr>
+            <p:txBody>
+              <a:bodyPr wrap="square" rtlCol="0">
+                <a:spAutoFit/>
+              </a:bodyPr>
+              <a:lstStyle/>
+              <a:p>
+                <a:r>
+                  <a:rPr lang="en-US" dirty="0"/>
+                  <a:t>S8</a:t>
+                </a:r>
+              </a:p>
+            </p:txBody>
+          </p:sp>
+          <p:sp>
+            <p:nvSpPr>
+              <p:cNvPr id="97" name="TextBox 96">
+                <a:extLst>
+                  <a:ext uri="{FF2B5EF4-FFF2-40B4-BE49-F238E27FC236}">
+                    <a16:creationId xmlns:a16="http://schemas.microsoft.com/office/drawing/2014/main" id="{40F9B207-4B05-4208-B8EC-4C4D128D6C57}"/>
+                  </a:ext>
+                </a:extLst>
+              </p:cNvPr>
+              <p:cNvSpPr txBox="1"/>
+              <p:nvPr/>
+            </p:nvSpPr>
+            <p:spPr>
+              <a:xfrm>
+                <a:off x="4869293" y="1871780"/>
+                <a:ext cx="1342359" cy="584775"/>
+              </a:xfrm>
+              <a:prstGeom prst="rect">
+                <a:avLst/>
+              </a:prstGeom>
+              <a:noFill/>
+            </p:spPr>
+            <p:txBody>
+              <a:bodyPr wrap="square" rtlCol="0">
+                <a:spAutoFit/>
+              </a:bodyPr>
+              <a:lstStyle/>
+              <a:p>
+                <a:pPr algn="ctr"/>
+                <a:r>
+                  <a:rPr lang="en-US" sz="1600" dirty="0"/>
+                  <a:t>Code Coverage</a:t>
+                </a:r>
+              </a:p>
+            </p:txBody>
+          </p:sp>
+          <p:sp>
+            <p:nvSpPr>
+              <p:cNvPr id="100" name="TextBox 99">
+                <a:extLst>
+                  <a:ext uri="{FF2B5EF4-FFF2-40B4-BE49-F238E27FC236}">
+                    <a16:creationId xmlns:a16="http://schemas.microsoft.com/office/drawing/2014/main" id="{4491C72C-8C4A-4644-BACD-88ECD8378CB7}"/>
+                  </a:ext>
+                </a:extLst>
+              </p:cNvPr>
+              <p:cNvSpPr txBox="1"/>
+              <p:nvPr/>
+            </p:nvSpPr>
+            <p:spPr>
+              <a:xfrm>
+                <a:off x="4950480" y="3159195"/>
+                <a:ext cx="1244478" cy="338554"/>
+              </a:xfrm>
+              <a:prstGeom prst="rect">
+                <a:avLst/>
+              </a:prstGeom>
+              <a:noFill/>
+            </p:spPr>
+            <p:txBody>
+              <a:bodyPr wrap="square" rtlCol="0">
+                <a:spAutoFit/>
+              </a:bodyPr>
+              <a:lstStyle/>
+              <a:p>
+                <a:pPr algn="ctr"/>
+                <a:r>
+                  <a:rPr lang="en-US" sz="1600" dirty="0"/>
+                  <a:t>AST subtree</a:t>
+                </a:r>
+              </a:p>
+            </p:txBody>
+          </p:sp>
+          <p:sp>
+            <p:nvSpPr>
+              <p:cNvPr id="101" name="TextBox 100">
+                <a:extLst>
+                  <a:ext uri="{FF2B5EF4-FFF2-40B4-BE49-F238E27FC236}">
+                    <a16:creationId xmlns:a16="http://schemas.microsoft.com/office/drawing/2014/main" id="{805848FF-C927-4C9D-9445-E5456F25F248}"/>
+                  </a:ext>
+                </a:extLst>
+              </p:cNvPr>
+              <p:cNvSpPr txBox="1"/>
+              <p:nvPr/>
+            </p:nvSpPr>
+            <p:spPr>
+              <a:xfrm>
+                <a:off x="4912640" y="4257056"/>
+                <a:ext cx="1244478" cy="338554"/>
+              </a:xfrm>
+              <a:prstGeom prst="rect">
+                <a:avLst/>
+              </a:prstGeom>
+              <a:noFill/>
+            </p:spPr>
+            <p:txBody>
+              <a:bodyPr wrap="square" rtlCol="0">
+                <a:spAutoFit/>
+              </a:bodyPr>
+              <a:lstStyle/>
+              <a:p>
+                <a:pPr algn="ctr"/>
+                <a:r>
+                  <a:rPr lang="en-US" sz="1600" dirty="0"/>
+                  <a:t>Variables               </a:t>
+                </a:r>
+              </a:p>
+            </p:txBody>
+          </p:sp>
+          <p:cxnSp>
+            <p:nvCxnSpPr>
+              <p:cNvPr id="195" name="Straight Arrow Connector 194">
+                <a:extLst>
+                  <a:ext uri="{FF2B5EF4-FFF2-40B4-BE49-F238E27FC236}">
+                    <a16:creationId xmlns:a16="http://schemas.microsoft.com/office/drawing/2014/main" id="{1B3EF0AE-501B-4F13-8651-E1E7B0934845}"/>
+                  </a:ext>
+                </a:extLst>
+              </p:cNvPr>
+              <p:cNvCxnSpPr>
+                <a:cxnSpLocks/>
+              </p:cNvCxnSpPr>
+              <p:nvPr/>
+            </p:nvCxnSpPr>
+            <p:spPr>
+              <a:xfrm>
+                <a:off x="4010417" y="2216319"/>
+                <a:ext cx="614959" cy="342684"/>
+              </a:xfrm>
+              <a:prstGeom prst="straightConnector1">
+                <a:avLst/>
+              </a:prstGeom>
+              <a:ln w="25400">
+                <a:tailEnd type="triangle"/>
+              </a:ln>
+            </p:spPr>
+            <p:style>
+              <a:lnRef idx="1">
+                <a:schemeClr val="accent1"/>
+              </a:lnRef>
+              <a:fillRef idx="0">
+                <a:schemeClr val="accent1"/>
+              </a:fillRef>
+              <a:effectRef idx="0">
+                <a:schemeClr val="accent1"/>
+              </a:effectRef>
+              <a:fontRef idx="minor">
+                <a:schemeClr val="tx1"/>
+              </a:fontRef>
+            </p:style>
+          </p:cxnSp>
+          <p:cxnSp>
+            <p:nvCxnSpPr>
+              <p:cNvPr id="200" name="Straight Arrow Connector 199">
+                <a:extLst>
+                  <a:ext uri="{FF2B5EF4-FFF2-40B4-BE49-F238E27FC236}">
+                    <a16:creationId xmlns:a16="http://schemas.microsoft.com/office/drawing/2014/main" id="{95B35322-7B93-44A3-8602-583225FEBAA6}"/>
+                  </a:ext>
+                </a:extLst>
+              </p:cNvPr>
+              <p:cNvCxnSpPr>
+                <a:cxnSpLocks/>
+                <a:stCxn id="7" idx="4"/>
+                <a:endCxn id="5" idx="7"/>
+              </p:cNvCxnSpPr>
+              <p:nvPr/>
+            </p:nvCxnSpPr>
+            <p:spPr>
+              <a:xfrm flipH="1">
+                <a:off x="4434478" y="2736849"/>
+                <a:ext cx="179856" cy="561700"/>
+              </a:xfrm>
+              <a:prstGeom prst="straightConnector1">
+                <a:avLst/>
+              </a:prstGeom>
+              <a:ln w="25400">
+                <a:tailEnd type="triangle"/>
+              </a:ln>
+            </p:spPr>
+            <p:style>
+              <a:lnRef idx="1">
+                <a:schemeClr val="accent1"/>
+              </a:lnRef>
+              <a:fillRef idx="0">
+                <a:schemeClr val="accent1"/>
+              </a:fillRef>
+              <a:effectRef idx="0">
+                <a:schemeClr val="accent1"/>
+              </a:effectRef>
+              <a:fontRef idx="minor">
+                <a:schemeClr val="tx1"/>
+              </a:fontRef>
+            </p:style>
+          </p:cxnSp>
+          <p:cxnSp>
+            <p:nvCxnSpPr>
+              <p:cNvPr id="204" name="Straight Arrow Connector 203">
+                <a:extLst>
+                  <a:ext uri="{FF2B5EF4-FFF2-40B4-BE49-F238E27FC236}">
+                    <a16:creationId xmlns:a16="http://schemas.microsoft.com/office/drawing/2014/main" id="{078E5664-1043-42FA-84BF-AB0902434037}"/>
+                  </a:ext>
+                </a:extLst>
+              </p:cNvPr>
+              <p:cNvCxnSpPr>
+                <a:cxnSpLocks/>
+                <a:stCxn id="7" idx="2"/>
+                <a:endCxn id="4" idx="7"/>
+              </p:cNvCxnSpPr>
+              <p:nvPr/>
+            </p:nvCxnSpPr>
+            <p:spPr>
+              <a:xfrm flipH="1">
+                <a:off x="3735279" y="2652183"/>
+                <a:ext cx="794388" cy="33310"/>
+              </a:xfrm>
+              <a:prstGeom prst="straightConnector1">
+                <a:avLst/>
+              </a:prstGeom>
+              <a:ln w="25400">
+                <a:tailEnd type="triangle"/>
+              </a:ln>
+            </p:spPr>
+            <p:style>
+              <a:lnRef idx="1">
+                <a:schemeClr val="accent1"/>
+              </a:lnRef>
+              <a:fillRef idx="0">
+                <a:schemeClr val="accent1"/>
+              </a:fillRef>
+              <a:effectRef idx="0">
+                <a:schemeClr val="accent1"/>
+              </a:effectRef>
+              <a:fontRef idx="minor">
+                <a:schemeClr val="tx1"/>
+              </a:fontRef>
+            </p:style>
+          </p:cxnSp>
+          <p:cxnSp>
+            <p:nvCxnSpPr>
+              <p:cNvPr id="207" name="Straight Arrow Connector 206">
+                <a:extLst>
+                  <a:ext uri="{FF2B5EF4-FFF2-40B4-BE49-F238E27FC236}">
+                    <a16:creationId xmlns:a16="http://schemas.microsoft.com/office/drawing/2014/main" id="{8639FD25-2568-4A65-9C1A-9869A4025692}"/>
+                  </a:ext>
+                </a:extLst>
+              </p:cNvPr>
+              <p:cNvCxnSpPr>
+                <a:cxnSpLocks/>
+                <a:stCxn id="4" idx="1"/>
+                <a:endCxn id="6" idx="7"/>
+              </p:cNvCxnSpPr>
+              <p:nvPr/>
+            </p:nvCxnSpPr>
+            <p:spPr>
+              <a:xfrm flipH="1">
+                <a:off x="3011050" y="2685493"/>
+                <a:ext cx="604492" cy="200698"/>
+              </a:xfrm>
+              <a:prstGeom prst="straightConnector1">
+                <a:avLst/>
+              </a:prstGeom>
+              <a:ln w="25400">
+                <a:tailEnd type="triangle"/>
+              </a:ln>
+            </p:spPr>
+            <p:style>
+              <a:lnRef idx="1">
+                <a:schemeClr val="accent1"/>
+              </a:lnRef>
+              <a:fillRef idx="0">
+                <a:schemeClr val="accent1"/>
+              </a:fillRef>
+              <a:effectRef idx="0">
+                <a:schemeClr val="accent1"/>
+              </a:effectRef>
+              <a:fontRef idx="minor">
+                <a:schemeClr val="tx1"/>
+              </a:fontRef>
+            </p:style>
+          </p:cxnSp>
+          <p:cxnSp>
+            <p:nvCxnSpPr>
+              <p:cNvPr id="215" name="Straight Arrow Connector 214">
+                <a:extLst>
+                  <a:ext uri="{FF2B5EF4-FFF2-40B4-BE49-F238E27FC236}">
+                    <a16:creationId xmlns:a16="http://schemas.microsoft.com/office/drawing/2014/main" id="{34AAF79A-8949-4993-ABA8-0C5DC74D8379}"/>
+                  </a:ext>
+                </a:extLst>
+              </p:cNvPr>
+              <p:cNvCxnSpPr>
+                <a:cxnSpLocks/>
+              </p:cNvCxnSpPr>
+              <p:nvPr/>
+            </p:nvCxnSpPr>
+            <p:spPr>
+              <a:xfrm>
+                <a:off x="3881681" y="2323328"/>
+                <a:ext cx="614958" cy="342685"/>
+              </a:xfrm>
+              <a:prstGeom prst="straightConnector1">
+                <a:avLst/>
+              </a:prstGeom>
+              <a:ln w="25400">
+                <a:solidFill>
+                  <a:schemeClr val="accent6">
+                    <a:lumMod val="75000"/>
+                  </a:schemeClr>
+                </a:solidFill>
+                <a:prstDash val="dash"/>
+                <a:tailEnd type="triangle"/>
+              </a:ln>
+            </p:spPr>
+            <p:style>
+              <a:lnRef idx="1">
+                <a:schemeClr val="accent1"/>
+              </a:lnRef>
+              <a:fillRef idx="0">
+                <a:schemeClr val="accent1"/>
+              </a:fillRef>
+              <a:effectRef idx="0">
+                <a:schemeClr val="accent1"/>
+              </a:effectRef>
+              <a:fontRef idx="minor">
+                <a:schemeClr val="tx1"/>
+              </a:fontRef>
+            </p:style>
+          </p:cxnSp>
+          <p:cxnSp>
+            <p:nvCxnSpPr>
+              <p:cNvPr id="244" name="Straight Arrow Connector 243">
+                <a:extLst>
+                  <a:ext uri="{FF2B5EF4-FFF2-40B4-BE49-F238E27FC236}">
+                    <a16:creationId xmlns:a16="http://schemas.microsoft.com/office/drawing/2014/main" id="{3B80D941-D89F-407F-9151-30BD2A2A912E}"/>
+                  </a:ext>
+                </a:extLst>
+              </p:cNvPr>
+              <p:cNvCxnSpPr>
+                <a:cxnSpLocks/>
+                <a:stCxn id="7" idx="3"/>
+                <a:endCxn id="4" idx="6"/>
+              </p:cNvCxnSpPr>
+              <p:nvPr/>
+            </p:nvCxnSpPr>
+            <p:spPr>
+              <a:xfrm flipH="1">
+                <a:off x="3760077" y="2712051"/>
+                <a:ext cx="794388" cy="33311"/>
+              </a:xfrm>
+              <a:prstGeom prst="straightConnector1">
+                <a:avLst/>
+              </a:prstGeom>
+              <a:ln w="25400">
+                <a:solidFill>
+                  <a:schemeClr val="accent6">
+                    <a:lumMod val="75000"/>
+                  </a:schemeClr>
+                </a:solidFill>
+                <a:prstDash val="dash"/>
+                <a:tailEnd type="triangle"/>
+              </a:ln>
+            </p:spPr>
+            <p:style>
+              <a:lnRef idx="1">
+                <a:schemeClr val="accent1"/>
+              </a:lnRef>
+              <a:fillRef idx="0">
+                <a:schemeClr val="accent1"/>
+              </a:fillRef>
+              <a:effectRef idx="0">
+                <a:schemeClr val="accent1"/>
+              </a:effectRef>
+              <a:fontRef idx="minor">
+                <a:schemeClr val="tx1"/>
+              </a:fontRef>
+            </p:style>
+          </p:cxnSp>
+          <p:cxnSp>
+            <p:nvCxnSpPr>
+              <p:cNvPr id="249" name="Straight Arrow Connector 248">
+                <a:extLst>
+                  <a:ext uri="{FF2B5EF4-FFF2-40B4-BE49-F238E27FC236}">
+                    <a16:creationId xmlns:a16="http://schemas.microsoft.com/office/drawing/2014/main" id="{50F2767F-8740-4F46-B52C-A1AC217CAE33}"/>
+                  </a:ext>
+                </a:extLst>
+              </p:cNvPr>
+              <p:cNvCxnSpPr>
+                <a:cxnSpLocks/>
+                <a:stCxn id="4" idx="2"/>
+                <a:endCxn id="6" idx="6"/>
+              </p:cNvCxnSpPr>
+              <p:nvPr/>
+            </p:nvCxnSpPr>
+            <p:spPr>
+              <a:xfrm flipH="1">
+                <a:off x="3035848" y="2745362"/>
+                <a:ext cx="554896" cy="200698"/>
+              </a:xfrm>
+              <a:prstGeom prst="straightConnector1">
+                <a:avLst/>
+              </a:prstGeom>
+              <a:ln w="25400">
+                <a:solidFill>
+                  <a:schemeClr val="accent6">
+                    <a:lumMod val="75000"/>
+                  </a:schemeClr>
+                </a:solidFill>
+                <a:prstDash val="dash"/>
+                <a:tailEnd type="triangle"/>
+              </a:ln>
+            </p:spPr>
+            <p:style>
+              <a:lnRef idx="1">
+                <a:schemeClr val="accent1"/>
+              </a:lnRef>
+              <a:fillRef idx="0">
+                <a:schemeClr val="accent1"/>
+              </a:fillRef>
+              <a:effectRef idx="0">
+                <a:schemeClr val="accent1"/>
+              </a:effectRef>
+              <a:fontRef idx="minor">
+                <a:schemeClr val="tx1"/>
+              </a:fontRef>
+            </p:style>
+          </p:cxnSp>
+          <p:sp>
+            <p:nvSpPr>
+              <p:cNvPr id="259" name="TextBox 258">
+                <a:extLst>
+                  <a:ext uri="{FF2B5EF4-FFF2-40B4-BE49-F238E27FC236}">
+                    <a16:creationId xmlns:a16="http://schemas.microsoft.com/office/drawing/2014/main" id="{D1D67340-7572-46EB-B3DC-301C78F015DB}"/>
+                  </a:ext>
+                </a:extLst>
+              </p:cNvPr>
+              <p:cNvSpPr txBox="1"/>
+              <p:nvPr/>
+            </p:nvSpPr>
+            <p:spPr>
+              <a:xfrm>
+                <a:off x="4213909" y="3378155"/>
+                <a:ext cx="709394" cy="369332"/>
+              </a:xfrm>
+              <a:prstGeom prst="rect">
+                <a:avLst/>
+              </a:prstGeom>
+              <a:noFill/>
+            </p:spPr>
+            <p:txBody>
+              <a:bodyPr wrap="square" rtlCol="0">
+                <a:spAutoFit/>
+              </a:bodyPr>
+              <a:lstStyle/>
+              <a:p>
+                <a:r>
+                  <a:rPr lang="en-US" dirty="0"/>
+                  <a:t>S10</a:t>
+                </a:r>
+              </a:p>
+            </p:txBody>
+          </p:sp>
+          <p:sp>
+            <p:nvSpPr>
+              <p:cNvPr id="260" name="TextBox 259">
+                <a:extLst>
+                  <a:ext uri="{FF2B5EF4-FFF2-40B4-BE49-F238E27FC236}">
+                    <a16:creationId xmlns:a16="http://schemas.microsoft.com/office/drawing/2014/main" id="{4D58ADDA-681A-43D5-B38A-C7CE74DF4B79}"/>
+                  </a:ext>
+                </a:extLst>
+              </p:cNvPr>
+              <p:cNvSpPr txBox="1"/>
+              <p:nvPr/>
+            </p:nvSpPr>
+            <p:spPr>
+              <a:xfrm>
+                <a:off x="4393685" y="2122844"/>
+                <a:ext cx="709394" cy="369332"/>
+              </a:xfrm>
+              <a:prstGeom prst="rect">
+                <a:avLst/>
+              </a:prstGeom>
+              <a:noFill/>
+            </p:spPr>
+            <p:txBody>
+              <a:bodyPr wrap="square" rtlCol="0">
+                <a:spAutoFit/>
+              </a:bodyPr>
+              <a:lstStyle/>
+              <a:p>
+                <a:r>
+                  <a:rPr lang="en-US" dirty="0"/>
+                  <a:t>S5</a:t>
+                </a:r>
+              </a:p>
+            </p:txBody>
+          </p:sp>
+          <p:cxnSp>
+            <p:nvCxnSpPr>
+              <p:cNvPr id="277" name="Straight Arrow Connector 276">
+                <a:extLst>
+                  <a:ext uri="{FF2B5EF4-FFF2-40B4-BE49-F238E27FC236}">
+                    <a16:creationId xmlns:a16="http://schemas.microsoft.com/office/drawing/2014/main" id="{A07F3A12-5C1F-4B34-9D4D-2F73E1B6716D}"/>
+                  </a:ext>
+                </a:extLst>
+              </p:cNvPr>
+              <p:cNvCxnSpPr>
+                <a:cxnSpLocks/>
+                <a:stCxn id="5" idx="2"/>
+                <a:endCxn id="262" idx="6"/>
+              </p:cNvCxnSpPr>
+              <p:nvPr/>
+            </p:nvCxnSpPr>
+            <p:spPr>
+              <a:xfrm flipH="1">
+                <a:off x="3851156" y="3358418"/>
+                <a:ext cx="438787" cy="143130"/>
+              </a:xfrm>
+              <a:prstGeom prst="straightConnector1">
+                <a:avLst/>
+              </a:prstGeom>
+              <a:ln w="25400">
+                <a:tailEnd type="triangle"/>
+              </a:ln>
+            </p:spPr>
+            <p:style>
+              <a:lnRef idx="1">
+                <a:schemeClr val="accent1"/>
+              </a:lnRef>
+              <a:fillRef idx="0">
+                <a:schemeClr val="accent1"/>
+              </a:fillRef>
+              <a:effectRef idx="0">
+                <a:schemeClr val="accent1"/>
+              </a:effectRef>
+              <a:fontRef idx="minor">
+                <a:schemeClr val="tx1"/>
+              </a:fontRef>
+            </p:style>
+          </p:cxnSp>
+          <p:sp>
+            <p:nvSpPr>
+              <p:cNvPr id="280" name="TextBox 279">
+                <a:extLst>
+                  <a:ext uri="{FF2B5EF4-FFF2-40B4-BE49-F238E27FC236}">
+                    <a16:creationId xmlns:a16="http://schemas.microsoft.com/office/drawing/2014/main" id="{67ABDB2F-B41B-4051-A8BB-37EE136C0C62}"/>
+                  </a:ext>
+                </a:extLst>
+              </p:cNvPr>
+              <p:cNvSpPr txBox="1"/>
+              <p:nvPr/>
+            </p:nvSpPr>
+            <p:spPr>
+              <a:xfrm>
+                <a:off x="3538826" y="3499247"/>
+                <a:ext cx="709394" cy="369332"/>
+              </a:xfrm>
+              <a:prstGeom prst="rect">
+                <a:avLst/>
+              </a:prstGeom>
+              <a:noFill/>
+            </p:spPr>
+            <p:txBody>
+              <a:bodyPr wrap="square" rtlCol="0">
+                <a:spAutoFit/>
+              </a:bodyPr>
+              <a:lstStyle/>
+              <a:p>
+                <a:r>
+                  <a:rPr lang="en-US" dirty="0"/>
+                  <a:t>S11</a:t>
+                </a:r>
+              </a:p>
+            </p:txBody>
+          </p:sp>
+        </p:grpSp>
+        <p:cxnSp>
+          <p:nvCxnSpPr>
+            <p:cNvPr id="87" name="Straight Connector 86">
+              <a:extLst>
+                <a:ext uri="{FF2B5EF4-FFF2-40B4-BE49-F238E27FC236}">
+                  <a16:creationId xmlns:a16="http://schemas.microsoft.com/office/drawing/2014/main" id="{7464EEEC-9BC8-4564-9BBE-BF478DCDCE64}"/>
+                </a:ext>
+              </a:extLst>
+            </p:cNvPr>
+            <p:cNvCxnSpPr>
+              <a:cxnSpLocks/>
+              <a:stCxn id="7" idx="7"/>
+            </p:cNvCxnSpPr>
+            <p:nvPr/>
+          </p:nvCxnSpPr>
+          <p:spPr>
+            <a:xfrm flipV="1">
+              <a:off x="5535324" y="1479348"/>
+              <a:ext cx="361831" cy="709880"/>
+            </a:xfrm>
+            <a:prstGeom prst="line">
+              <a:avLst/>
+            </a:prstGeom>
+            <a:ln w="12700">
+              <a:solidFill>
+                <a:schemeClr val="tx1"/>
+              </a:solidFill>
+              <a:prstDash val="dash"/>
+            </a:ln>
+          </p:spPr>
+          <p:style>
+            <a:lnRef idx="1">
+              <a:schemeClr val="accent1"/>
+            </a:lnRef>
+            <a:fillRef idx="0">
+              <a:schemeClr val="accent1"/>
+            </a:fillRef>
+            <a:effectRef idx="0">
+              <a:schemeClr val="accent1"/>
+            </a:effectRef>
+            <a:fontRef idx="minor">
+              <a:schemeClr val="tx1"/>
+            </a:fontRef>
+          </p:style>
+        </p:cxnSp>
+        <p:cxnSp>
+          <p:nvCxnSpPr>
+            <p:cNvPr id="88" name="Straight Connector 87">
+              <a:extLst>
+                <a:ext uri="{FF2B5EF4-FFF2-40B4-BE49-F238E27FC236}">
+                  <a16:creationId xmlns:a16="http://schemas.microsoft.com/office/drawing/2014/main" id="{90D9D81F-DCBA-4A99-AD1A-EE10EF9C626E}"/>
+                </a:ext>
+              </a:extLst>
+            </p:cNvPr>
+            <p:cNvCxnSpPr>
+              <a:cxnSpLocks/>
+              <a:stCxn id="7" idx="5"/>
+            </p:cNvCxnSpPr>
+            <p:nvPr/>
+          </p:nvCxnSpPr>
+          <p:spPr>
+            <a:xfrm>
+              <a:off x="5535324" y="2308965"/>
+              <a:ext cx="386402" cy="2015380"/>
+            </a:xfrm>
+            <a:prstGeom prst="line">
+              <a:avLst/>
+            </a:prstGeom>
+            <a:ln w="12700">
+              <a:solidFill>
+                <a:schemeClr val="tx1"/>
+              </a:solidFill>
+              <a:prstDash val="dash"/>
+            </a:ln>
+          </p:spPr>
+          <p:style>
+            <a:lnRef idx="1">
+              <a:schemeClr val="accent1"/>
+            </a:lnRef>
+            <a:fillRef idx="0">
+              <a:schemeClr val="accent1"/>
+            </a:fillRef>
+            <a:effectRef idx="0">
+              <a:schemeClr val="accent1"/>
+            </a:effectRef>
+            <a:fontRef idx="minor">
+              <a:schemeClr val="tx1"/>
+            </a:fontRef>
+          </p:style>
+        </p:cxnSp>
+        <p:grpSp>
+          <p:nvGrpSpPr>
+            <p:cNvPr id="131" name="Group 130">
+              <a:extLst>
+                <a:ext uri="{FF2B5EF4-FFF2-40B4-BE49-F238E27FC236}">
+                  <a16:creationId xmlns:a16="http://schemas.microsoft.com/office/drawing/2014/main" id="{3B2BE569-3AA4-43D6-B5D3-024B5DA97523}"/>
+                </a:ext>
+              </a:extLst>
+            </p:cNvPr>
+            <p:cNvGrpSpPr/>
+            <p:nvPr/>
+          </p:nvGrpSpPr>
+          <p:grpSpPr>
+            <a:xfrm>
+              <a:off x="7142873" y="2391617"/>
+              <a:ext cx="1058877" cy="1166903"/>
+              <a:chOff x="7478948" y="2478168"/>
+              <a:chExt cx="1058877" cy="1166903"/>
+            </a:xfrm>
+          </p:grpSpPr>
+          <p:sp>
+            <p:nvSpPr>
+              <p:cNvPr id="103" name="Oval 102">
+                <a:extLst>
+                  <a:ext uri="{FF2B5EF4-FFF2-40B4-BE49-F238E27FC236}">
+                    <a16:creationId xmlns:a16="http://schemas.microsoft.com/office/drawing/2014/main" id="{9231058D-C93E-4CE0-A012-D9BC25EE2CED}"/>
+                  </a:ext>
+                </a:extLst>
+              </p:cNvPr>
+              <p:cNvSpPr/>
+              <p:nvPr/>
+            </p:nvSpPr>
+            <p:spPr>
+              <a:xfrm>
+                <a:off x="8016610" y="2478168"/>
+                <a:ext cx="200993" cy="200993"/>
+              </a:xfrm>
+              <a:prstGeom prst="ellipse">
+                <a:avLst/>
+              </a:prstGeom>
+              <a:solidFill>
+                <a:schemeClr val="accent6">
+                  <a:lumMod val="60000"/>
+                  <a:lumOff val="40000"/>
+                </a:schemeClr>
+              </a:solidFill>
+              <a:ln>
+                <a:solidFill>
+                  <a:schemeClr val="accent6">
+                    <a:lumMod val="75000"/>
+                  </a:schemeClr>
+                </a:solidFill>
+              </a:ln>
+            </p:spPr>
+            <p:style>
+              <a:lnRef idx="2">
+                <a:schemeClr val="accent1">
+                  <a:shade val="50000"/>
+                </a:schemeClr>
+              </a:lnRef>
+              <a:fillRef idx="1">
+                <a:schemeClr val="accent1"/>
+              </a:fillRef>
+              <a:effectRef idx="0">
+                <a:schemeClr val="accent1"/>
+              </a:effectRef>
+              <a:fontRef idx="minor">
+                <a:schemeClr val="lt1"/>
+              </a:fontRef>
+            </p:style>
+            <p:txBody>
+              <a:bodyPr rtlCol="0" anchor="ctr"/>
+              <a:lstStyle/>
+              <a:p>
+                <a:pPr algn="ctr"/>
+                <a:endParaRPr lang="en-US" dirty="0"/>
+              </a:p>
+            </p:txBody>
+          </p:sp>
+          <p:sp>
+            <p:nvSpPr>
+              <p:cNvPr id="106" name="Oval 105">
+                <a:extLst>
+                  <a:ext uri="{FF2B5EF4-FFF2-40B4-BE49-F238E27FC236}">
+                    <a16:creationId xmlns:a16="http://schemas.microsoft.com/office/drawing/2014/main" id="{CF0EDD11-0552-4644-A2AC-25343852E901}"/>
+                  </a:ext>
+                </a:extLst>
+              </p:cNvPr>
+              <p:cNvSpPr/>
+              <p:nvPr/>
+            </p:nvSpPr>
+            <p:spPr>
+              <a:xfrm>
+                <a:off x="7735790" y="3011937"/>
+                <a:ext cx="200993" cy="200993"/>
+              </a:xfrm>
+              <a:prstGeom prst="ellipse">
+                <a:avLst/>
+              </a:prstGeom>
+              <a:solidFill>
+                <a:schemeClr val="accent6">
+                  <a:lumMod val="60000"/>
+                  <a:lumOff val="40000"/>
+                </a:schemeClr>
+              </a:solidFill>
+              <a:ln>
+                <a:solidFill>
+                  <a:schemeClr val="accent6">
+                    <a:lumMod val="75000"/>
+                  </a:schemeClr>
+                </a:solidFill>
+              </a:ln>
+            </p:spPr>
+            <p:style>
+              <a:lnRef idx="2">
+                <a:schemeClr val="accent1">
+                  <a:shade val="50000"/>
+                </a:schemeClr>
+              </a:lnRef>
+              <a:fillRef idx="1">
+                <a:schemeClr val="accent1"/>
+              </a:fillRef>
+              <a:effectRef idx="0">
+                <a:schemeClr val="accent1"/>
+              </a:effectRef>
+              <a:fontRef idx="minor">
+                <a:schemeClr val="lt1"/>
+              </a:fontRef>
+            </p:style>
+            <p:txBody>
+              <a:bodyPr rtlCol="0" anchor="ctr"/>
+              <a:lstStyle/>
+              <a:p>
+                <a:pPr algn="ctr"/>
+                <a:endParaRPr lang="en-US" dirty="0"/>
+              </a:p>
+            </p:txBody>
+          </p:sp>
+          <p:sp>
+            <p:nvSpPr>
+              <p:cNvPr id="107" name="Oval 106">
+                <a:extLst>
+                  <a:ext uri="{FF2B5EF4-FFF2-40B4-BE49-F238E27FC236}">
+                    <a16:creationId xmlns:a16="http://schemas.microsoft.com/office/drawing/2014/main" id="{15051DC5-4C88-48F1-B130-33FB50EC16C2}"/>
+                  </a:ext>
+                </a:extLst>
+              </p:cNvPr>
+              <p:cNvSpPr/>
+              <p:nvPr/>
+            </p:nvSpPr>
+            <p:spPr>
+              <a:xfrm>
+                <a:off x="7478948" y="3444078"/>
+                <a:ext cx="200993" cy="200993"/>
+              </a:xfrm>
+              <a:prstGeom prst="ellipse">
+                <a:avLst/>
+              </a:prstGeom>
+              <a:solidFill>
+                <a:schemeClr val="accent6">
+                  <a:lumMod val="60000"/>
+                  <a:lumOff val="40000"/>
+                </a:schemeClr>
+              </a:solidFill>
+              <a:ln>
+                <a:solidFill>
+                  <a:schemeClr val="accent6">
+                    <a:lumMod val="75000"/>
+                  </a:schemeClr>
+                </a:solidFill>
+              </a:ln>
+            </p:spPr>
+            <p:style>
+              <a:lnRef idx="2">
+                <a:schemeClr val="accent1">
+                  <a:shade val="50000"/>
+                </a:schemeClr>
+              </a:lnRef>
+              <a:fillRef idx="1">
+                <a:schemeClr val="accent1"/>
+              </a:fillRef>
+              <a:effectRef idx="0">
+                <a:schemeClr val="accent1"/>
+              </a:effectRef>
+              <a:fontRef idx="minor">
+                <a:schemeClr val="lt1"/>
+              </a:fontRef>
+            </p:style>
+            <p:txBody>
+              <a:bodyPr rtlCol="0" anchor="ctr"/>
+              <a:lstStyle/>
+              <a:p>
+                <a:pPr algn="ctr"/>
+                <a:endParaRPr lang="en-US" dirty="0"/>
+              </a:p>
+            </p:txBody>
+          </p:sp>
+          <p:sp>
+            <p:nvSpPr>
+              <p:cNvPr id="108" name="Oval 107">
+                <a:extLst>
+                  <a:ext uri="{FF2B5EF4-FFF2-40B4-BE49-F238E27FC236}">
+                    <a16:creationId xmlns:a16="http://schemas.microsoft.com/office/drawing/2014/main" id="{7C929B93-2A0B-4131-BC8D-9D0B33840D5A}"/>
+                  </a:ext>
+                </a:extLst>
+              </p:cNvPr>
+              <p:cNvSpPr/>
+              <p:nvPr/>
+            </p:nvSpPr>
+            <p:spPr>
+              <a:xfrm>
+                <a:off x="8054340" y="3429000"/>
+                <a:ext cx="200993" cy="200993"/>
+              </a:xfrm>
+              <a:prstGeom prst="ellipse">
+                <a:avLst/>
+              </a:prstGeom>
+              <a:solidFill>
+                <a:schemeClr val="accent6">
+                  <a:lumMod val="60000"/>
+                  <a:lumOff val="40000"/>
+                </a:schemeClr>
+              </a:solidFill>
+              <a:ln>
+                <a:solidFill>
+                  <a:schemeClr val="accent6">
+                    <a:lumMod val="75000"/>
+                  </a:schemeClr>
+                </a:solidFill>
+              </a:ln>
+            </p:spPr>
+            <p:style>
+              <a:lnRef idx="2">
+                <a:schemeClr val="accent1">
+                  <a:shade val="50000"/>
+                </a:schemeClr>
+              </a:lnRef>
+              <a:fillRef idx="1">
+                <a:schemeClr val="accent1"/>
+              </a:fillRef>
+              <a:effectRef idx="0">
+                <a:schemeClr val="accent1"/>
+              </a:effectRef>
+              <a:fontRef idx="minor">
+                <a:schemeClr val="lt1"/>
+              </a:fontRef>
+            </p:style>
+            <p:txBody>
+              <a:bodyPr rtlCol="0" anchor="ctr"/>
+              <a:lstStyle/>
+              <a:p>
+                <a:pPr algn="ctr"/>
+                <a:endParaRPr lang="en-US" dirty="0"/>
+              </a:p>
+            </p:txBody>
+          </p:sp>
+          <p:cxnSp>
+            <p:nvCxnSpPr>
+              <p:cNvPr id="114" name="Straight Arrow Connector 113">
+                <a:extLst>
+                  <a:ext uri="{FF2B5EF4-FFF2-40B4-BE49-F238E27FC236}">
+                    <a16:creationId xmlns:a16="http://schemas.microsoft.com/office/drawing/2014/main" id="{C2A99880-C852-4962-A5A1-BAFAB6CD176A}"/>
+                  </a:ext>
+                </a:extLst>
+              </p:cNvPr>
+              <p:cNvCxnSpPr>
+                <a:cxnSpLocks/>
+                <a:stCxn id="103" idx="3"/>
+                <a:endCxn id="106" idx="0"/>
+              </p:cNvCxnSpPr>
+              <p:nvPr/>
+            </p:nvCxnSpPr>
+            <p:spPr>
+              <a:xfrm flipH="1">
+                <a:off x="7836287" y="2649726"/>
+                <a:ext cx="209758" cy="362211"/>
+              </a:xfrm>
+              <a:prstGeom prst="straightConnector1">
+                <a:avLst/>
+              </a:prstGeom>
+              <a:ln w="19050">
+                <a:tailEnd type="triangle"/>
+              </a:ln>
+            </p:spPr>
+            <p:style>
+              <a:lnRef idx="1">
+                <a:schemeClr val="accent1"/>
+              </a:lnRef>
+              <a:fillRef idx="0">
+                <a:schemeClr val="accent1"/>
+              </a:fillRef>
+              <a:effectRef idx="0">
+                <a:schemeClr val="accent1"/>
+              </a:effectRef>
+              <a:fontRef idx="minor">
+                <a:schemeClr val="tx1"/>
+              </a:fontRef>
+            </p:style>
+          </p:cxnSp>
+          <p:cxnSp>
+            <p:nvCxnSpPr>
+              <p:cNvPr id="119" name="Straight Arrow Connector 118">
+                <a:extLst>
+                  <a:ext uri="{FF2B5EF4-FFF2-40B4-BE49-F238E27FC236}">
+                    <a16:creationId xmlns:a16="http://schemas.microsoft.com/office/drawing/2014/main" id="{8F360C7E-4768-4774-9E1B-4BC2E6E4D7FA}"/>
+                  </a:ext>
+                </a:extLst>
+              </p:cNvPr>
+              <p:cNvCxnSpPr>
+                <a:cxnSpLocks/>
+                <a:stCxn id="106" idx="3"/>
+                <a:endCxn id="107" idx="7"/>
+              </p:cNvCxnSpPr>
+              <p:nvPr/>
+            </p:nvCxnSpPr>
+            <p:spPr>
+              <a:xfrm flipH="1">
+                <a:off x="7650506" y="3183495"/>
+                <a:ext cx="114719" cy="290018"/>
+              </a:xfrm>
+              <a:prstGeom prst="straightConnector1">
+                <a:avLst/>
+              </a:prstGeom>
+              <a:ln w="19050">
+                <a:tailEnd type="triangle"/>
+              </a:ln>
+            </p:spPr>
+            <p:style>
+              <a:lnRef idx="1">
+                <a:schemeClr val="accent1"/>
+              </a:lnRef>
+              <a:fillRef idx="0">
+                <a:schemeClr val="accent1"/>
+              </a:fillRef>
+              <a:effectRef idx="0">
+                <a:schemeClr val="accent1"/>
+              </a:effectRef>
+              <a:fontRef idx="minor">
+                <a:schemeClr val="tx1"/>
+              </a:fontRef>
+            </p:style>
+          </p:cxnSp>
+          <p:cxnSp>
+            <p:nvCxnSpPr>
+              <p:cNvPr id="124" name="Straight Arrow Connector 123">
+                <a:extLst>
+                  <a:ext uri="{FF2B5EF4-FFF2-40B4-BE49-F238E27FC236}">
+                    <a16:creationId xmlns:a16="http://schemas.microsoft.com/office/drawing/2014/main" id="{69BED906-6204-43A9-A265-0B47BDF465DD}"/>
+                  </a:ext>
+                </a:extLst>
+              </p:cNvPr>
+              <p:cNvCxnSpPr>
+                <a:cxnSpLocks/>
+                <a:stCxn id="106" idx="5"/>
+                <a:endCxn id="108" idx="1"/>
+              </p:cNvCxnSpPr>
+              <p:nvPr/>
+            </p:nvCxnSpPr>
+            <p:spPr>
+              <a:xfrm>
+                <a:off x="7907348" y="3183495"/>
+                <a:ext cx="176427" cy="274940"/>
+              </a:xfrm>
+              <a:prstGeom prst="straightConnector1">
+                <a:avLst/>
+              </a:prstGeom>
+              <a:ln w="19050">
+                <a:tailEnd type="triangle"/>
+              </a:ln>
+            </p:spPr>
+            <p:style>
+              <a:lnRef idx="1">
+                <a:schemeClr val="accent1"/>
+              </a:lnRef>
+              <a:fillRef idx="0">
+                <a:schemeClr val="accent1"/>
+              </a:fillRef>
+              <a:effectRef idx="0">
+                <a:schemeClr val="accent1"/>
+              </a:effectRef>
+              <a:fontRef idx="minor">
+                <a:schemeClr val="tx1"/>
+              </a:fontRef>
+            </p:style>
+          </p:cxnSp>
+          <p:sp>
+            <p:nvSpPr>
+              <p:cNvPr id="175" name="Oval 174">
+                <a:extLst>
+                  <a:ext uri="{FF2B5EF4-FFF2-40B4-BE49-F238E27FC236}">
+                    <a16:creationId xmlns:a16="http://schemas.microsoft.com/office/drawing/2014/main" id="{625046EC-05CA-45C3-A3BA-118BA6E0E69B}"/>
+                  </a:ext>
+                </a:extLst>
+              </p:cNvPr>
+              <p:cNvSpPr/>
+              <p:nvPr/>
+            </p:nvSpPr>
+            <p:spPr>
+              <a:xfrm>
+                <a:off x="8336832" y="3000566"/>
+                <a:ext cx="200993" cy="200993"/>
+              </a:xfrm>
+              <a:prstGeom prst="ellipse">
+                <a:avLst/>
+              </a:prstGeom>
+              <a:solidFill>
+                <a:schemeClr val="accent6">
+                  <a:lumMod val="60000"/>
+                  <a:lumOff val="40000"/>
+                </a:schemeClr>
+              </a:solidFill>
+              <a:ln>
+                <a:solidFill>
+                  <a:schemeClr val="accent6">
+                    <a:lumMod val="75000"/>
+                  </a:schemeClr>
+                </a:solidFill>
+              </a:ln>
+            </p:spPr>
+            <p:style>
+              <a:lnRef idx="2">
+                <a:schemeClr val="accent1">
+                  <a:shade val="50000"/>
+                </a:schemeClr>
+              </a:lnRef>
+              <a:fillRef idx="1">
+                <a:schemeClr val="accent1"/>
+              </a:fillRef>
+              <a:effectRef idx="0">
+                <a:schemeClr val="accent1"/>
+              </a:effectRef>
+              <a:fontRef idx="minor">
+                <a:schemeClr val="lt1"/>
+              </a:fontRef>
+            </p:style>
+            <p:txBody>
+              <a:bodyPr rtlCol="0" anchor="ctr"/>
+              <a:lstStyle/>
+              <a:p>
+                <a:pPr algn="ctr"/>
+                <a:endParaRPr lang="en-US" dirty="0"/>
+              </a:p>
+            </p:txBody>
+          </p:sp>
+          <p:cxnSp>
+            <p:nvCxnSpPr>
+              <p:cNvPr id="176" name="Straight Arrow Connector 175">
+                <a:extLst>
+                  <a:ext uri="{FF2B5EF4-FFF2-40B4-BE49-F238E27FC236}">
+                    <a16:creationId xmlns:a16="http://schemas.microsoft.com/office/drawing/2014/main" id="{E27A4818-F911-48B5-B98E-554843B6440C}"/>
+                  </a:ext>
+                </a:extLst>
+              </p:cNvPr>
+              <p:cNvCxnSpPr>
+                <a:cxnSpLocks/>
+                <a:stCxn id="103" idx="5"/>
+                <a:endCxn id="175" idx="1"/>
+              </p:cNvCxnSpPr>
+              <p:nvPr/>
+            </p:nvCxnSpPr>
+            <p:spPr>
+              <a:xfrm>
+                <a:off x="8188168" y="2649726"/>
+                <a:ext cx="178099" cy="380275"/>
+              </a:xfrm>
+              <a:prstGeom prst="straightConnector1">
+                <a:avLst/>
+              </a:prstGeom>
+              <a:ln w="19050">
+                <a:tailEnd type="triangle"/>
+              </a:ln>
+            </p:spPr>
+            <p:style>
+              <a:lnRef idx="1">
+                <a:schemeClr val="accent1"/>
+              </a:lnRef>
+              <a:fillRef idx="0">
+                <a:schemeClr val="accent1"/>
+              </a:fillRef>
+              <a:effectRef idx="0">
+                <a:schemeClr val="accent1"/>
+              </a:effectRef>
+              <a:fontRef idx="minor">
+                <a:schemeClr val="tx1"/>
+              </a:fontRef>
+            </p:style>
+          </p:cxnSp>
+        </p:grpSp>
+        <p:sp>
+          <p:nvSpPr>
+            <p:cNvPr id="168" name="TextBox 167">
+              <a:extLst>
+                <a:ext uri="{FF2B5EF4-FFF2-40B4-BE49-F238E27FC236}">
+                  <a16:creationId xmlns:a16="http://schemas.microsoft.com/office/drawing/2014/main" id="{995153D3-39EF-4FD5-9329-885DB0F67E8F}"/>
+                </a:ext>
+              </a:extLst>
+            </p:cNvPr>
+            <p:cNvSpPr txBox="1"/>
+            <p:nvPr/>
+          </p:nvSpPr>
+          <p:spPr>
+            <a:xfrm>
+              <a:off x="6615594" y="1397603"/>
+              <a:ext cx="2005835" cy="923330"/>
+            </a:xfrm>
+            <a:prstGeom prst="rect">
+              <a:avLst/>
+            </a:prstGeom>
+            <a:noFill/>
+          </p:spPr>
+          <p:txBody>
+            <a:bodyPr wrap="square" rtlCol="0">
+              <a:spAutoFit/>
+            </a:bodyPr>
+            <a:lstStyle/>
+            <a:p>
+              <a:pPr algn="ctr"/>
+              <a:r>
+                <a:rPr lang="en-US" dirty="0"/>
+                <a:t>   C=&lt;1, 1, 0, …, 0&gt;</a:t>
+              </a:r>
+            </a:p>
+            <a:p>
+              <a:pPr algn="ctr"/>
+              <a:r>
+                <a:rPr lang="en-US" dirty="0"/>
+                <a:t>   R=&lt;0, 1, 0, …, 1&gt;</a:t>
+              </a:r>
+            </a:p>
+            <a:p>
+              <a:pPr algn="ctr"/>
+              <a:r>
+                <a:rPr lang="en-US" dirty="0"/>
+                <a:t>V</a:t>
+              </a:r>
+              <a:r>
+                <a:rPr lang="en-US" sz="1200" dirty="0"/>
+                <a:t>coverage</a:t>
+              </a:r>
+              <a:r>
+                <a:rPr lang="en-US" dirty="0"/>
+                <a:t>=&lt;C, R&gt;</a:t>
+              </a:r>
+            </a:p>
+          </p:txBody>
+        </p:sp>
+        <p:grpSp>
+          <p:nvGrpSpPr>
+            <p:cNvPr id="183" name="Group 182">
+              <a:extLst>
+                <a:ext uri="{FF2B5EF4-FFF2-40B4-BE49-F238E27FC236}">
+                  <a16:creationId xmlns:a16="http://schemas.microsoft.com/office/drawing/2014/main" id="{0360B074-68D9-4646-987B-6C757DF42A9F}"/>
+                </a:ext>
+              </a:extLst>
+            </p:cNvPr>
+            <p:cNvGrpSpPr/>
+            <p:nvPr/>
+          </p:nvGrpSpPr>
+          <p:grpSpPr>
+            <a:xfrm>
+              <a:off x="6709879" y="3749669"/>
+              <a:ext cx="1781658" cy="523220"/>
+              <a:chOff x="6805424" y="4351147"/>
+              <a:chExt cx="1781658" cy="523220"/>
+            </a:xfrm>
+          </p:grpSpPr>
+          <p:sp>
+            <p:nvSpPr>
+              <p:cNvPr id="180" name="TextBox 179">
+                <a:extLst>
+                  <a:ext uri="{FF2B5EF4-FFF2-40B4-BE49-F238E27FC236}">
+                    <a16:creationId xmlns:a16="http://schemas.microsoft.com/office/drawing/2014/main" id="{F76BCE72-1FE4-409B-AC20-30781D11C65E}"/>
+                  </a:ext>
+                </a:extLst>
+              </p:cNvPr>
+              <p:cNvSpPr txBox="1"/>
+              <p:nvPr/>
+            </p:nvSpPr>
+            <p:spPr>
+              <a:xfrm>
+                <a:off x="6805424" y="4351147"/>
+                <a:ext cx="1781658" cy="523220"/>
+              </a:xfrm>
+              <a:prstGeom prst="rect">
+                <a:avLst/>
+              </a:prstGeom>
+              <a:noFill/>
+            </p:spPr>
+            <p:txBody>
+              <a:bodyPr wrap="square" rtlCol="0">
+                <a:spAutoFit/>
+              </a:bodyPr>
+              <a:lstStyle/>
+              <a:p>
+                <a:pPr algn="ctr"/>
+                <a:r>
+                  <a:rPr lang="en-US" sz="1400" i="1" dirty="0"/>
+                  <a:t>tree</a:t>
+                </a:r>
+                <a:r>
+                  <a:rPr lang="en-US" sz="1400" dirty="0"/>
+                  <a:t> </a:t>
+                </a:r>
+                <a:r>
+                  <a:rPr lang="en-US" sz="1400" i="1" dirty="0"/>
+                  <a:t>BSPTree</a:t>
+                </a:r>
+                <a:r>
+                  <a:rPr lang="en-US" sz="1400" dirty="0"/>
+                  <a:t>  </a:t>
+                </a:r>
+                <a:r>
+                  <a:rPr lang="en-US" sz="1400" i="1" dirty="0"/>
+                  <a:t>Euclidean2D</a:t>
+                </a:r>
+                <a:r>
+                  <a:rPr lang="en-US" sz="1400" dirty="0"/>
+                  <a:t> </a:t>
+                </a:r>
+              </a:p>
+            </p:txBody>
+          </p:sp>
+          <p:sp>
+            <p:nvSpPr>
+              <p:cNvPr id="181" name="Rectangle 180">
+                <a:extLst>
+                  <a:ext uri="{FF2B5EF4-FFF2-40B4-BE49-F238E27FC236}">
+                    <a16:creationId xmlns:a16="http://schemas.microsoft.com/office/drawing/2014/main" id="{4114C3CB-5655-496B-8DC5-9999AF3AA9D7}"/>
+                  </a:ext>
+                </a:extLst>
+              </p:cNvPr>
+              <p:cNvSpPr/>
+              <p:nvPr/>
+            </p:nvSpPr>
+            <p:spPr>
+              <a:xfrm>
+                <a:off x="6923518" y="4365593"/>
+                <a:ext cx="1604339" cy="481529"/>
+              </a:xfrm>
+              <a:prstGeom prst="rect">
+                <a:avLst/>
+              </a:prstGeom>
+              <a:noFill/>
+              <a:ln>
+                <a:solidFill>
+                  <a:schemeClr val="tx1"/>
+                </a:solidFill>
+              </a:ln>
+            </p:spPr>
+            <p:style>
+              <a:lnRef idx="2">
+                <a:schemeClr val="accent1">
+                  <a:shade val="50000"/>
+                </a:schemeClr>
+              </a:lnRef>
+              <a:fillRef idx="1">
+                <a:schemeClr val="accent1"/>
+              </a:fillRef>
+              <a:effectRef idx="0">
+                <a:schemeClr val="accent1"/>
+              </a:effectRef>
+              <a:fontRef idx="minor">
+                <a:schemeClr val="lt1"/>
+              </a:fontRef>
+            </p:style>
+            <p:txBody>
+              <a:bodyPr rtlCol="0" anchor="ctr"/>
+              <a:lstStyle/>
+              <a:p>
+                <a:pPr algn="ctr"/>
+                <a:endParaRPr lang="en-US" dirty="0"/>
+              </a:p>
+            </p:txBody>
+          </p:sp>
+        </p:grpSp>
+        <p:grpSp>
+          <p:nvGrpSpPr>
+            <p:cNvPr id="15" name="Group 14">
+              <a:extLst>
+                <a:ext uri="{FF2B5EF4-FFF2-40B4-BE49-F238E27FC236}">
+                  <a16:creationId xmlns:a16="http://schemas.microsoft.com/office/drawing/2014/main" id="{670A217E-204F-407E-917E-FC5D47AB0C42}"/>
+                </a:ext>
+              </a:extLst>
+            </p:cNvPr>
+            <p:cNvGrpSpPr/>
+            <p:nvPr/>
+          </p:nvGrpSpPr>
+          <p:grpSpPr>
+            <a:xfrm>
+              <a:off x="3206243" y="3627948"/>
+              <a:ext cx="2842736" cy="768465"/>
+              <a:chOff x="3284143" y="3504938"/>
+              <a:chExt cx="2842736" cy="768465"/>
+            </a:xfrm>
+          </p:grpSpPr>
+          <p:cxnSp>
+            <p:nvCxnSpPr>
+              <p:cNvPr id="281" name="Straight Arrow Connector 280">
+                <a:extLst>
+                  <a:ext uri="{FF2B5EF4-FFF2-40B4-BE49-F238E27FC236}">
+                    <a16:creationId xmlns:a16="http://schemas.microsoft.com/office/drawing/2014/main" id="{C54AAAD5-1566-4EB3-B8F6-FD32080F2636}"/>
+                  </a:ext>
+                </a:extLst>
+              </p:cNvPr>
+              <p:cNvCxnSpPr>
+                <a:cxnSpLocks/>
+              </p:cNvCxnSpPr>
+              <p:nvPr/>
+            </p:nvCxnSpPr>
+            <p:spPr>
+              <a:xfrm>
+                <a:off x="3284143" y="3673135"/>
+                <a:ext cx="411480" cy="0"/>
+              </a:xfrm>
+              <a:prstGeom prst="straightConnector1">
+                <a:avLst/>
+              </a:prstGeom>
+              <a:ln w="25400">
+                <a:solidFill>
+                  <a:schemeClr val="accent6">
+                    <a:lumMod val="75000"/>
+                  </a:schemeClr>
+                </a:solidFill>
+                <a:prstDash val="dash"/>
+                <a:tailEnd type="triangle"/>
+              </a:ln>
+            </p:spPr>
+            <p:style>
+              <a:lnRef idx="1">
+                <a:schemeClr val="accent1"/>
+              </a:lnRef>
+              <a:fillRef idx="0">
+                <a:schemeClr val="accent1"/>
+              </a:fillRef>
+              <a:effectRef idx="0">
+                <a:schemeClr val="accent1"/>
+              </a:effectRef>
+              <a:fontRef idx="minor">
+                <a:schemeClr val="tx1"/>
+              </a:fontRef>
+            </p:style>
+          </p:cxnSp>
+          <p:cxnSp>
+            <p:nvCxnSpPr>
+              <p:cNvPr id="282" name="Straight Arrow Connector 281">
+                <a:extLst>
+                  <a:ext uri="{FF2B5EF4-FFF2-40B4-BE49-F238E27FC236}">
+                    <a16:creationId xmlns:a16="http://schemas.microsoft.com/office/drawing/2014/main" id="{BAD47E2C-1DA0-4539-AB06-1C1FBA60FF65}"/>
+                  </a:ext>
+                </a:extLst>
+              </p:cNvPr>
+              <p:cNvCxnSpPr>
+                <a:cxnSpLocks/>
+              </p:cNvCxnSpPr>
+              <p:nvPr/>
+            </p:nvCxnSpPr>
+            <p:spPr>
+              <a:xfrm flipH="1">
+                <a:off x="3284185" y="3900196"/>
+                <a:ext cx="411480" cy="0"/>
+              </a:xfrm>
+              <a:prstGeom prst="straightConnector1">
+                <a:avLst/>
+              </a:prstGeom>
+              <a:ln w="25400">
+                <a:solidFill>
+                  <a:schemeClr val="accent2">
+                    <a:lumMod val="75000"/>
+                  </a:schemeClr>
+                </a:solidFill>
+                <a:prstDash val="sysDot"/>
+                <a:headEnd type="triangle"/>
+                <a:tailEnd type="triangle"/>
+              </a:ln>
+            </p:spPr>
+            <p:style>
+              <a:lnRef idx="1">
+                <a:schemeClr val="accent1"/>
+              </a:lnRef>
+              <a:fillRef idx="0">
+                <a:schemeClr val="accent1"/>
+              </a:fillRef>
+              <a:effectRef idx="0">
+                <a:schemeClr val="accent1"/>
+              </a:effectRef>
+              <a:fontRef idx="minor">
+                <a:schemeClr val="tx1"/>
+              </a:fontRef>
+            </p:style>
+          </p:cxnSp>
+          <p:cxnSp>
+            <p:nvCxnSpPr>
+              <p:cNvPr id="283" name="Straight Arrow Connector 282">
+                <a:extLst>
+                  <a:ext uri="{FF2B5EF4-FFF2-40B4-BE49-F238E27FC236}">
+                    <a16:creationId xmlns:a16="http://schemas.microsoft.com/office/drawing/2014/main" id="{2F414263-5A43-42C1-8980-7874C6781C60}"/>
+                  </a:ext>
+                </a:extLst>
+              </p:cNvPr>
+              <p:cNvCxnSpPr>
+                <a:cxnSpLocks/>
+              </p:cNvCxnSpPr>
+              <p:nvPr/>
+            </p:nvCxnSpPr>
+            <p:spPr>
+              <a:xfrm>
+                <a:off x="3284143" y="4136793"/>
+                <a:ext cx="411480" cy="0"/>
+              </a:xfrm>
+              <a:prstGeom prst="straightConnector1">
+                <a:avLst/>
+              </a:prstGeom>
+              <a:ln w="25400">
+                <a:tailEnd type="triangle"/>
+              </a:ln>
+            </p:spPr>
+            <p:style>
+              <a:lnRef idx="1">
+                <a:schemeClr val="accent1"/>
+              </a:lnRef>
+              <a:fillRef idx="0">
+                <a:schemeClr val="accent1"/>
+              </a:fillRef>
+              <a:effectRef idx="0">
+                <a:schemeClr val="accent1"/>
+              </a:effectRef>
+              <a:fontRef idx="minor">
+                <a:schemeClr val="tx1"/>
+              </a:fontRef>
+            </p:style>
+          </p:cxnSp>
+          <p:sp>
+            <p:nvSpPr>
+              <p:cNvPr id="284" name="TextBox 283">
+                <a:extLst>
+                  <a:ext uri="{FF2B5EF4-FFF2-40B4-BE49-F238E27FC236}">
+                    <a16:creationId xmlns:a16="http://schemas.microsoft.com/office/drawing/2014/main" id="{525C4C79-9756-45C9-B76F-BCF00BCBA3FC}"/>
+                  </a:ext>
+                </a:extLst>
+              </p:cNvPr>
+              <p:cNvSpPr txBox="1"/>
+              <p:nvPr/>
+            </p:nvSpPr>
+            <p:spPr>
+              <a:xfrm>
+                <a:off x="3702817" y="3504938"/>
+                <a:ext cx="1823281" cy="338554"/>
+              </a:xfrm>
+              <a:prstGeom prst="rect">
+                <a:avLst/>
+              </a:prstGeom>
+              <a:noFill/>
+            </p:spPr>
+            <p:txBody>
+              <a:bodyPr wrap="square" rtlCol="0">
+                <a:spAutoFit/>
+              </a:bodyPr>
+              <a:lstStyle/>
+              <a:p>
+                <a:r>
+                  <a:rPr lang="en-US" sz="1600" dirty="0"/>
+                  <a:t>Execution Flow</a:t>
+                </a:r>
+              </a:p>
+            </p:txBody>
+          </p:sp>
+          <p:sp>
+            <p:nvSpPr>
+              <p:cNvPr id="285" name="TextBox 284">
+                <a:extLst>
+                  <a:ext uri="{FF2B5EF4-FFF2-40B4-BE49-F238E27FC236}">
+                    <a16:creationId xmlns:a16="http://schemas.microsoft.com/office/drawing/2014/main" id="{3E4C0237-ACC4-48AC-9000-532C913B7DB0}"/>
+                  </a:ext>
+                </a:extLst>
+              </p:cNvPr>
+              <p:cNvSpPr txBox="1"/>
+              <p:nvPr/>
+            </p:nvSpPr>
+            <p:spPr>
+              <a:xfrm>
+                <a:off x="3696779" y="3718992"/>
+                <a:ext cx="2430100" cy="338554"/>
+              </a:xfrm>
+              <a:prstGeom prst="rect">
+                <a:avLst/>
+              </a:prstGeom>
+              <a:noFill/>
+            </p:spPr>
+            <p:txBody>
+              <a:bodyPr wrap="square" rtlCol="0">
+                <a:spAutoFit/>
+              </a:bodyPr>
+              <a:lstStyle/>
+              <a:p>
+                <a:r>
+                  <a:rPr lang="en-US" sz="1600" dirty="0"/>
+                  <a:t>Co-Change Relation</a:t>
+                </a:r>
+              </a:p>
+            </p:txBody>
+          </p:sp>
+          <p:sp>
+            <p:nvSpPr>
+              <p:cNvPr id="286" name="TextBox 285">
+                <a:extLst>
+                  <a:ext uri="{FF2B5EF4-FFF2-40B4-BE49-F238E27FC236}">
+                    <a16:creationId xmlns:a16="http://schemas.microsoft.com/office/drawing/2014/main" id="{B51566CF-5AEF-487F-B983-AED7F735385B}"/>
+                  </a:ext>
+                </a:extLst>
+              </p:cNvPr>
+              <p:cNvSpPr txBox="1"/>
+              <p:nvPr/>
+            </p:nvSpPr>
+            <p:spPr>
+              <a:xfrm>
+                <a:off x="3696779" y="3934849"/>
+                <a:ext cx="2430100" cy="338554"/>
+              </a:xfrm>
+              <a:prstGeom prst="rect">
+                <a:avLst/>
+              </a:prstGeom>
+              <a:noFill/>
+            </p:spPr>
+            <p:txBody>
+              <a:bodyPr wrap="square" rtlCol="0">
+                <a:spAutoFit/>
+              </a:bodyPr>
+              <a:lstStyle/>
+              <a:p>
+                <a:r>
+                  <a:rPr lang="en-US" sz="1600" dirty="0"/>
+                  <a:t>Program Dependencies</a:t>
+                </a:r>
+              </a:p>
+            </p:txBody>
+          </p:sp>
+        </p:grpSp>
+        <p:sp>
+          <p:nvSpPr>
+            <p:cNvPr id="292" name="TextBox 291">
+              <a:extLst>
+                <a:ext uri="{FF2B5EF4-FFF2-40B4-BE49-F238E27FC236}">
+                  <a16:creationId xmlns:a16="http://schemas.microsoft.com/office/drawing/2014/main" id="{5CC7BB72-1F8C-4CD6-B460-E2831895126F}"/>
+                </a:ext>
+              </a:extLst>
+            </p:cNvPr>
+            <p:cNvSpPr txBox="1"/>
+            <p:nvPr/>
+          </p:nvSpPr>
+          <p:spPr>
+            <a:xfrm>
+              <a:off x="155700" y="1470281"/>
+              <a:ext cx="2912919" cy="2800767"/>
+            </a:xfrm>
+            <a:prstGeom prst="rect">
+              <a:avLst/>
+            </a:prstGeom>
+            <a:noFill/>
+            <a:ln>
+              <a:solidFill>
+                <a:schemeClr val="tx1"/>
+              </a:solidFill>
+            </a:ln>
+          </p:spPr>
+          <p:txBody>
+            <a:bodyPr wrap="square" rtlCol="0">
+              <a:spAutoFit/>
+            </a:bodyPr>
+            <a:lstStyle/>
+            <a:p>
+              <a:pPr indent="-18288">
+                <a:buFont typeface="+mj-lt"/>
+                <a:buAutoNum type="arabicPeriod"/>
+              </a:pPr>
+              <a:r>
+                <a:rPr lang="en-US" sz="1100" dirty="0"/>
+                <a:t>Protected void                             </a:t>
+              </a:r>
+              <a:r>
+                <a:rPr lang="en-US" sz="1100" dirty="0" err="1"/>
+                <a:t>computeGeometricalProperties</a:t>
+              </a:r>
+              <a:r>
+                <a:rPr lang="en-US" sz="1100" dirty="0"/>
+                <a:t>() {       </a:t>
+              </a:r>
+            </a:p>
+            <a:p>
+              <a:pPr indent="-18288">
+                <a:buFont typeface="+mj-lt"/>
+                <a:buAutoNum type="arabicPeriod"/>
+              </a:pPr>
+              <a:r>
+                <a:rPr lang="en-US" sz="1100" dirty="0"/>
+                <a:t>          ……</a:t>
+              </a:r>
+            </a:p>
+            <a:p>
+              <a:pPr indent="-18288">
+                <a:buFont typeface="+mj-lt"/>
+                <a:buAutoNum type="arabicPeriod"/>
+              </a:pPr>
+              <a:r>
+                <a:rPr lang="en-US" sz="1100" dirty="0"/>
+                <a:t>          final BSPTree&lt;Euclidean2D&gt; tree = 	getTree(false);           </a:t>
+              </a:r>
+            </a:p>
+            <a:p>
+              <a:pPr indent="-18288">
+                <a:buFont typeface="+mj-lt"/>
+                <a:buAutoNum type="arabicPeriod"/>
+              </a:pPr>
+              <a:r>
+                <a:rPr lang="en-US" sz="1100" dirty="0">
+                  <a:solidFill>
+                    <a:srgbClr val="FF0000"/>
+                  </a:solidFill>
+                </a:rPr>
+                <a:t> -        if ((Boolean) tree.getAttribute()) {  </a:t>
+              </a:r>
+            </a:p>
+            <a:p>
+              <a:pPr indent="-18288">
+                <a:buFont typeface="+mj-lt"/>
+                <a:buAutoNum type="arabicPeriod"/>
+              </a:pPr>
+              <a:r>
+                <a:rPr lang="en-US" sz="1100" dirty="0">
+                  <a:solidFill>
+                    <a:srgbClr val="00B050"/>
+                  </a:solidFill>
+                </a:rPr>
+                <a:t> +       if (tree.getCut() == null &amp;&amp; (Boolean) 	tree.getAttribute()) {</a:t>
+              </a:r>
+            </a:p>
+            <a:p>
+              <a:pPr indent="-18288">
+                <a:buFont typeface="+mj-lt"/>
+                <a:buAutoNum type="arabicPeriod"/>
+              </a:pPr>
+              <a:r>
+                <a:rPr lang="en-US" sz="1100" dirty="0"/>
+                <a:t>                  setSize(Double.POSITIVE_INFINITY);              </a:t>
+              </a:r>
+            </a:p>
+            <a:p>
+              <a:pPr indent="-18288">
+                <a:buFont typeface="+mj-lt"/>
+                <a:buAutoNum type="arabicPeriod"/>
+              </a:pPr>
+              <a:r>
+                <a:rPr lang="en-US" sz="1100" dirty="0"/>
+                <a:t>                  setBarycenter(Vector2D.NaN);            </a:t>
+              </a:r>
+            </a:p>
+            <a:p>
+              <a:pPr indent="-18288">
+                <a:buFont typeface="+mj-lt"/>
+                <a:buAutoNum type="arabicPeriod"/>
+              </a:pPr>
+              <a:r>
+                <a:rPr lang="en-US" sz="1100" dirty="0"/>
+                <a:t>          } else {       </a:t>
+              </a:r>
+            </a:p>
+            <a:p>
+              <a:pPr indent="-18288">
+                <a:buFont typeface="+mj-lt"/>
+                <a:buAutoNum type="arabicPeriod"/>
+              </a:pPr>
+              <a:r>
+                <a:rPr lang="en-US" sz="1100" dirty="0"/>
+                <a:t>                 setSize(0);            </a:t>
+              </a:r>
+            </a:p>
+            <a:p>
+              <a:pPr indent="-18288">
+                <a:buFont typeface="+mj-lt"/>
+                <a:buAutoNum type="arabicPeriod"/>
+              </a:pPr>
+              <a:r>
+                <a:rPr lang="en-US" sz="1100" dirty="0"/>
+                <a:t>               setBarycenter(new Vector2D(0, 0));  </a:t>
+              </a:r>
+            </a:p>
+            <a:p>
+              <a:pPr indent="-18288">
+                <a:buFont typeface="+mj-lt"/>
+                <a:buAutoNum type="arabicPeriod"/>
+              </a:pPr>
+              <a:r>
+                <a:rPr lang="en-US" sz="1100" dirty="0"/>
+                <a:t>        } </a:t>
+              </a:r>
+            </a:p>
+            <a:p>
+              <a:pPr indent="-18288">
+                <a:buFont typeface="+mj-lt"/>
+                <a:buAutoNum type="arabicPeriod"/>
+              </a:pPr>
+              <a:r>
+                <a:rPr lang="en-US" sz="1100" dirty="0"/>
+                <a:t>        ……       </a:t>
+              </a:r>
+            </a:p>
+            <a:p>
+              <a:pPr indent="-18288">
+                <a:buFont typeface="+mj-lt"/>
+                <a:buAutoNum type="arabicPeriod"/>
+              </a:pPr>
+              <a:r>
+                <a:rPr lang="en-US" sz="1100" dirty="0"/>
+                <a:t>}</a:t>
+              </a:r>
+            </a:p>
+          </p:txBody>
+        </p:sp>
+        <p:sp>
+          <p:nvSpPr>
+            <p:cNvPr id="295" name="Arrow: Right 294">
+              <a:extLst>
+                <a:ext uri="{FF2B5EF4-FFF2-40B4-BE49-F238E27FC236}">
+                  <a16:creationId xmlns:a16="http://schemas.microsoft.com/office/drawing/2014/main" id="{2A36A8FD-D285-4EE4-965C-F67A8C46562D}"/>
+                </a:ext>
+              </a:extLst>
+            </p:cNvPr>
+            <p:cNvSpPr/>
+            <p:nvPr/>
+          </p:nvSpPr>
+          <p:spPr>
+            <a:xfrm>
+              <a:off x="3140861" y="2496562"/>
+              <a:ext cx="433575" cy="283207"/>
+            </a:xfrm>
+            <a:prstGeom prst="rightArrow">
+              <a:avLst/>
+            </a:prstGeom>
+          </p:spPr>
+          <p:style>
+            <a:lnRef idx="2">
+              <a:schemeClr val="accent1">
+                <a:shade val="50000"/>
+              </a:schemeClr>
+            </a:lnRef>
+            <a:fillRef idx="1">
+              <a:schemeClr val="accent1"/>
+            </a:fillRef>
+            <a:effectRef idx="0">
+              <a:schemeClr val="accent1"/>
+            </a:effectRef>
+            <a:fontRef idx="minor">
+              <a:schemeClr val="lt1"/>
+            </a:fontRef>
+          </p:style>
+          <p:txBody>
+            <a:bodyPr rtlCol="0" anchor="ctr"/>
+            <a:lstStyle/>
+            <a:p>
+              <a:pPr algn="ctr"/>
+              <a:endParaRPr lang="en-US" dirty="0"/>
+            </a:p>
+          </p:txBody>
+        </p:sp>
+        <p:cxnSp>
+          <p:nvCxnSpPr>
+            <p:cNvPr id="9" name="Straight Connector 8">
+              <a:extLst>
+                <a:ext uri="{FF2B5EF4-FFF2-40B4-BE49-F238E27FC236}">
+                  <a16:creationId xmlns:a16="http://schemas.microsoft.com/office/drawing/2014/main" id="{6535549C-4E9B-4EB4-A99F-D81B81CBAB2D}"/>
+                </a:ext>
+              </a:extLst>
+            </p:cNvPr>
+            <p:cNvCxnSpPr>
+              <a:cxnSpLocks/>
+            </p:cNvCxnSpPr>
+            <p:nvPr/>
+          </p:nvCxnSpPr>
+          <p:spPr>
+            <a:xfrm>
+              <a:off x="5909481" y="1464540"/>
+              <a:ext cx="2635587" cy="0"/>
+            </a:xfrm>
+            <a:prstGeom prst="line">
+              <a:avLst/>
+            </a:prstGeom>
+            <a:ln w="12700">
+              <a:solidFill>
+                <a:schemeClr val="tx1"/>
+              </a:solidFill>
+              <a:prstDash val="dash"/>
+            </a:ln>
+          </p:spPr>
+          <p:style>
+            <a:lnRef idx="1">
+              <a:schemeClr val="accent1"/>
+            </a:lnRef>
+            <a:fillRef idx="0">
+              <a:schemeClr val="accent1"/>
+            </a:fillRef>
+            <a:effectRef idx="0">
+              <a:schemeClr val="accent1"/>
+            </a:effectRef>
+            <a:fontRef idx="minor">
+              <a:schemeClr val="tx1"/>
+            </a:fontRef>
+          </p:style>
+        </p:cxnSp>
+        <p:cxnSp>
+          <p:nvCxnSpPr>
+            <p:cNvPr id="12" name="Straight Connector 11">
+              <a:extLst>
+                <a:ext uri="{FF2B5EF4-FFF2-40B4-BE49-F238E27FC236}">
+                  <a16:creationId xmlns:a16="http://schemas.microsoft.com/office/drawing/2014/main" id="{FE0F9515-817D-41C8-A9B4-F79A9DF0069A}"/>
+                </a:ext>
+              </a:extLst>
+            </p:cNvPr>
+            <p:cNvCxnSpPr>
+              <a:cxnSpLocks/>
+            </p:cNvCxnSpPr>
+            <p:nvPr/>
+          </p:nvCxnSpPr>
+          <p:spPr>
+            <a:xfrm flipH="1">
+              <a:off x="8525819" y="1464540"/>
+              <a:ext cx="19249" cy="2860572"/>
+            </a:xfrm>
+            <a:prstGeom prst="line">
+              <a:avLst/>
+            </a:prstGeom>
+            <a:ln w="12700">
+              <a:solidFill>
+                <a:schemeClr val="tx1"/>
+              </a:solidFill>
+              <a:prstDash val="dash"/>
+            </a:ln>
+          </p:spPr>
+          <p:style>
+            <a:lnRef idx="1">
+              <a:schemeClr val="accent1"/>
+            </a:lnRef>
+            <a:fillRef idx="0">
+              <a:schemeClr val="accent1"/>
+            </a:fillRef>
+            <a:effectRef idx="0">
+              <a:schemeClr val="accent1"/>
+            </a:effectRef>
+            <a:fontRef idx="minor">
+              <a:schemeClr val="tx1"/>
+            </a:fontRef>
+          </p:style>
+        </p:cxnSp>
+        <p:cxnSp>
+          <p:nvCxnSpPr>
+            <p:cNvPr id="63" name="Straight Connector 62">
+              <a:extLst>
+                <a:ext uri="{FF2B5EF4-FFF2-40B4-BE49-F238E27FC236}">
+                  <a16:creationId xmlns:a16="http://schemas.microsoft.com/office/drawing/2014/main" id="{3EDC28BD-D653-4CC0-8FD7-B88E865A0701}"/>
+                </a:ext>
+              </a:extLst>
+            </p:cNvPr>
+            <p:cNvCxnSpPr>
+              <a:cxnSpLocks/>
+            </p:cNvCxnSpPr>
+            <p:nvPr/>
+          </p:nvCxnSpPr>
+          <p:spPr>
+            <a:xfrm>
+              <a:off x="5909481" y="4324345"/>
+              <a:ext cx="2616739" cy="767"/>
+            </a:xfrm>
+            <a:prstGeom prst="line">
+              <a:avLst/>
+            </a:prstGeom>
+            <a:ln w="12700">
+              <a:solidFill>
+                <a:schemeClr val="tx1"/>
+              </a:solidFill>
+              <a:prstDash val="dash"/>
+            </a:ln>
+          </p:spPr>
+          <p:style>
+            <a:lnRef idx="1">
+              <a:schemeClr val="accent1"/>
+            </a:lnRef>
+            <a:fillRef idx="0">
+              <a:schemeClr val="accent1"/>
+            </a:fillRef>
+            <a:effectRef idx="0">
+              <a:schemeClr val="accent1"/>
+            </a:effectRef>
+            <a:fontRef idx="minor">
+              <a:schemeClr val="tx1"/>
+            </a:fontRef>
+          </p:style>
+        </p:cxnSp>
+        <p:sp>
+          <p:nvSpPr>
+            <p:cNvPr id="71" name="TextBox 70">
+              <a:extLst>
+                <a:ext uri="{FF2B5EF4-FFF2-40B4-BE49-F238E27FC236}">
+                  <a16:creationId xmlns:a16="http://schemas.microsoft.com/office/drawing/2014/main" id="{5900F089-E3F4-4E65-B9A4-B338F25BB454}"/>
+                </a:ext>
+              </a:extLst>
+            </p:cNvPr>
+            <p:cNvSpPr txBox="1"/>
+            <p:nvPr/>
+          </p:nvSpPr>
+          <p:spPr>
+            <a:xfrm>
+              <a:off x="3035034" y="1368651"/>
+              <a:ext cx="1244478" cy="830997"/>
+            </a:xfrm>
+            <a:prstGeom prst="rect">
+              <a:avLst/>
+            </a:prstGeom>
+            <a:noFill/>
+          </p:spPr>
+          <p:txBody>
+            <a:bodyPr wrap="square" rtlCol="0">
+              <a:spAutoFit/>
+            </a:bodyPr>
+            <a:lstStyle/>
+            <a:p>
+              <a:pPr algn="ctr"/>
+              <a:r>
+                <a:rPr lang="en-US" sz="1600" dirty="0" err="1"/>
+                <a:t>Stmt</a:t>
+              </a:r>
+              <a:r>
+                <a:rPr lang="en-US" sz="1600" dirty="0"/>
+                <a:t>-level Feature graph</a:t>
+              </a:r>
+            </a:p>
+          </p:txBody>
+        </p:sp>
+      </p:grpSp>
+    </p:spTree>
+    <p:extLst>
+      <p:ext uri="{BB962C8B-B14F-4D97-AF65-F5344CB8AC3E}">
+        <p14:creationId xmlns:p14="http://schemas.microsoft.com/office/powerpoint/2010/main" val="4013530509"/>
+      </p:ext>
+    </p:extLst>
+  </p:cSld>
+  <p:clrMapOvr>
+    <a:masterClrMapping/>
+  </p:clrMapOvr>
+</p:sld>
+</file>
+
 <file path=ppt/theme/theme1.xml><?xml version="1.0" encoding="utf-8"?>
 <a:theme xmlns:a="http://schemas.openxmlformats.org/drawingml/2006/main" name="Office Theme">
   <a:themeElements>

--- a/Figures.pptx
+++ b/Figures.pptx
@@ -17153,9 +17153,10 @@
             <a:lstStyle/>
             <a:p>
               <a:r>
-                <a:rPr lang="en-US" dirty="0"/>
-                <a:t>Execution Path</a:t>
+                <a:rPr lang="en-US"/>
+                <a:t>Execution Trace</a:t>
               </a:r>
+              <a:endParaRPr lang="en-US" dirty="0"/>
             </a:p>
           </p:txBody>
         </p:sp>

--- a/Figures.pptx
+++ b/Figures.pptx
@@ -16559,14 +16559,12 @@
           </p:cNvPr>
           <p:cNvCxnSpPr>
             <a:cxnSpLocks/>
-            <a:stCxn id="21" idx="1"/>
-            <a:endCxn id="25" idx="7"/>
           </p:cNvCxnSpPr>
           <p:nvPr/>
         </p:nvCxnSpPr>
         <p:spPr>
           <a:xfrm flipH="1">
-            <a:off x="2189668" y="2745740"/>
+            <a:off x="2184898" y="2799979"/>
             <a:ext cx="758259" cy="332130"/>
           </a:xfrm>
           <a:prstGeom prst="straightConnector1">
@@ -16579,8 +16577,8 @@
               </a:schemeClr>
             </a:solidFill>
             <a:prstDash val="lgDash"/>
-            <a:headEnd type="triangle"/>
-            <a:tailEnd type="triangle"/>
+            <a:headEnd type="arrow" w="med" len="med"/>
+            <a:tailEnd type="none" w="med" len="med"/>
           </a:ln>
         </p:spPr>
         <p:style>
@@ -16982,7 +16980,7 @@
         </p:nvGrpSpPr>
         <p:grpSpPr>
           <a:xfrm>
-            <a:off x="2150948" y="3602170"/>
+            <a:off x="2133698" y="3601714"/>
             <a:ext cx="2761607" cy="1035278"/>
             <a:chOff x="1893885" y="3670447"/>
             <a:chExt cx="2761607" cy="1035278"/>
@@ -17017,54 +17015,6 @@
                 </a:schemeClr>
               </a:solidFill>
               <a:prstDash val="dash"/>
-              <a:tailEnd type="triangle"/>
-            </a:ln>
-          </p:spPr>
-          <p:style>
-            <a:lnRef idx="1">
-              <a:schemeClr val="accent1"/>
-            </a:lnRef>
-            <a:fillRef idx="0">
-              <a:schemeClr val="accent1"/>
-            </a:fillRef>
-            <a:effectRef idx="0">
-              <a:schemeClr val="accent1"/>
-            </a:effectRef>
-            <a:fontRef idx="minor">
-              <a:schemeClr val="tx1"/>
-            </a:fontRef>
-          </p:style>
-        </p:cxnSp>
-        <p:cxnSp>
-          <p:nvCxnSpPr>
-            <p:cNvPr id="38" name="Straight Arrow Connector 37">
-              <a:extLst>
-                <a:ext uri="{FF2B5EF4-FFF2-40B4-BE49-F238E27FC236}">
-                  <a16:creationId xmlns:a16="http://schemas.microsoft.com/office/drawing/2014/main" id="{702A1946-4BD2-401C-BA24-3073E84A373A}"/>
-                </a:ext>
-              </a:extLst>
-            </p:cNvPr>
-            <p:cNvCxnSpPr>
-              <a:cxnSpLocks/>
-            </p:cNvCxnSpPr>
-            <p:nvPr/>
-          </p:nvCxnSpPr>
-          <p:spPr>
-            <a:xfrm flipH="1">
-              <a:off x="1893925" y="4314440"/>
-              <a:ext cx="472299" cy="0"/>
-            </a:xfrm>
-            <a:prstGeom prst="straightConnector1">
-              <a:avLst/>
-            </a:prstGeom>
-            <a:ln w="25400">
-              <a:solidFill>
-                <a:schemeClr val="accent2">
-                  <a:lumMod val="75000"/>
-                </a:schemeClr>
-              </a:solidFill>
-              <a:prstDash val="dash"/>
-              <a:headEnd type="triangle"/>
               <a:tailEnd type="triangle"/>
             </a:ln>
           </p:spPr>
@@ -18727,6 +18677,102 @@
           </a:p>
         </p:txBody>
       </p:sp>
+      <p:cxnSp>
+        <p:nvCxnSpPr>
+          <p:cNvPr id="77" name="Straight Arrow Connector 76">
+            <a:extLst>
+              <a:ext uri="{FF2B5EF4-FFF2-40B4-BE49-F238E27FC236}">
+                <a16:creationId xmlns:a16="http://schemas.microsoft.com/office/drawing/2014/main" id="{F7BA89C4-FCBE-42BF-B8C6-1FCBE9247C1F}"/>
+              </a:ext>
+            </a:extLst>
+          </p:cNvPr>
+          <p:cNvCxnSpPr>
+            <a:cxnSpLocks/>
+          </p:cNvCxnSpPr>
+          <p:nvPr/>
+        </p:nvCxnSpPr>
+        <p:spPr>
+          <a:xfrm flipV="1">
+            <a:off x="2146911" y="2688456"/>
+            <a:ext cx="823837" cy="392756"/>
+          </a:xfrm>
+          <a:prstGeom prst="straightConnector1">
+            <a:avLst/>
+          </a:prstGeom>
+          <a:ln w="25400">
+            <a:solidFill>
+              <a:schemeClr val="accent2">
+                <a:lumMod val="75000"/>
+              </a:schemeClr>
+            </a:solidFill>
+            <a:prstDash val="lgDash"/>
+            <a:headEnd type="arrow" w="med" len="med"/>
+            <a:tailEnd type="none" w="med" len="med"/>
+          </a:ln>
+        </p:spPr>
+        <p:style>
+          <a:lnRef idx="1">
+            <a:schemeClr val="accent1"/>
+          </a:lnRef>
+          <a:fillRef idx="0">
+            <a:schemeClr val="accent1"/>
+          </a:fillRef>
+          <a:effectRef idx="0">
+            <a:schemeClr val="accent1"/>
+          </a:effectRef>
+          <a:fontRef idx="minor">
+            <a:schemeClr val="tx1"/>
+          </a:fontRef>
+        </p:style>
+      </p:cxnSp>
+      <p:cxnSp>
+        <p:nvCxnSpPr>
+          <p:cNvPr id="79" name="Straight Arrow Connector 78">
+            <a:extLst>
+              <a:ext uri="{FF2B5EF4-FFF2-40B4-BE49-F238E27FC236}">
+                <a16:creationId xmlns:a16="http://schemas.microsoft.com/office/drawing/2014/main" id="{7BAC4A29-C14E-4629-8498-A2371B6E6A4F}"/>
+              </a:ext>
+            </a:extLst>
+          </p:cNvPr>
+          <p:cNvCxnSpPr>
+            <a:cxnSpLocks/>
+          </p:cNvCxnSpPr>
+          <p:nvPr/>
+        </p:nvCxnSpPr>
+        <p:spPr>
+          <a:xfrm flipH="1">
+            <a:off x="2024826" y="4254306"/>
+            <a:ext cx="591060" cy="0"/>
+          </a:xfrm>
+          <a:prstGeom prst="straightConnector1">
+            <a:avLst/>
+          </a:prstGeom>
+          <a:ln w="25400">
+            <a:solidFill>
+              <a:schemeClr val="accent2">
+                <a:lumMod val="75000"/>
+              </a:schemeClr>
+            </a:solidFill>
+            <a:prstDash val="lgDash"/>
+            <a:headEnd type="arrow" w="med" len="med"/>
+            <a:tailEnd type="none" w="med" len="med"/>
+          </a:ln>
+        </p:spPr>
+        <p:style>
+          <a:lnRef idx="1">
+            <a:schemeClr val="accent1"/>
+          </a:lnRef>
+          <a:fillRef idx="0">
+            <a:schemeClr val="accent1"/>
+          </a:fillRef>
+          <a:effectRef idx="0">
+            <a:schemeClr val="accent1"/>
+          </a:effectRef>
+          <a:fontRef idx="minor">
+            <a:schemeClr val="tx1"/>
+          </a:fontRef>
+        </p:style>
+      </p:cxnSp>
     </p:spTree>
     <p:extLst>
       <p:ext uri="{BB962C8B-B14F-4D97-AF65-F5344CB8AC3E}">

--- a/Figures.pptx
+++ b/Figures.pptx
@@ -12,6 +12,7 @@
     <p:sldId id="260" r:id="rId6"/>
     <p:sldId id="261" r:id="rId7"/>
     <p:sldId id="262" r:id="rId8"/>
+    <p:sldId id="263" r:id="rId9"/>
   </p:sldIdLst>
   <p:sldSz cx="12192000" cy="6858000"/>
   <p:notesSz cx="6858000" cy="9144000"/>
@@ -35063,6 +35064,3445 @@
 </p:sld>
 </file>
 
+<file path=ppt/slides/slide8.xml><?xml version="1.0" encoding="utf-8"?>
+<p:sld xmlns:a="http://schemas.openxmlformats.org/drawingml/2006/main" xmlns:r="http://schemas.openxmlformats.org/officeDocument/2006/relationships" xmlns:p="http://schemas.openxmlformats.org/presentationml/2006/main">
+  <p:cSld>
+    <p:spTree>
+      <p:nvGrpSpPr>
+        <p:cNvPr id="1" name=""/>
+        <p:cNvGrpSpPr/>
+        <p:nvPr/>
+      </p:nvGrpSpPr>
+      <p:grpSpPr>
+        <a:xfrm>
+          <a:off x="0" y="0"/>
+          <a:ext cx="0" cy="0"/>
+          <a:chOff x="0" y="0"/>
+          <a:chExt cx="0" cy="0"/>
+        </a:xfrm>
+      </p:grpSpPr>
+      <p:sp>
+        <p:nvSpPr>
+          <p:cNvPr id="2" name="TextBox 1">
+            <a:extLst>
+              <a:ext uri="{FF2B5EF4-FFF2-40B4-BE49-F238E27FC236}">
+                <a16:creationId xmlns:a16="http://schemas.microsoft.com/office/drawing/2014/main" id="{0DA92715-6065-4BD2-A200-8177865C7665}"/>
+              </a:ext>
+            </a:extLst>
+          </p:cNvPr>
+          <p:cNvSpPr txBox="1"/>
+          <p:nvPr/>
+        </p:nvSpPr>
+        <p:spPr>
+          <a:xfrm>
+            <a:off x="3295831" y="1915753"/>
+            <a:ext cx="1930973" cy="338554"/>
+          </a:xfrm>
+          <a:prstGeom prst="rect">
+            <a:avLst/>
+          </a:prstGeom>
+          <a:noFill/>
+        </p:spPr>
+        <p:txBody>
+          <a:bodyPr wrap="square" rtlCol="0">
+            <a:spAutoFit/>
+          </a:bodyPr>
+          <a:lstStyle/>
+          <a:p>
+            <a:r>
+              <a:rPr lang="en-US" sz="1600" i="1" dirty="0"/>
+              <a:t>Code coverage</a:t>
+            </a:r>
+          </a:p>
+        </p:txBody>
+      </p:sp>
+      <p:sp>
+        <p:nvSpPr>
+          <p:cNvPr id="3" name="TextBox 2">
+            <a:extLst>
+              <a:ext uri="{FF2B5EF4-FFF2-40B4-BE49-F238E27FC236}">
+                <a16:creationId xmlns:a16="http://schemas.microsoft.com/office/drawing/2014/main" id="{2E6AADB5-1754-47E3-805D-B0344C7AA2B0}"/>
+              </a:ext>
+            </a:extLst>
+          </p:cNvPr>
+          <p:cNvSpPr txBox="1"/>
+          <p:nvPr/>
+        </p:nvSpPr>
+        <p:spPr>
+          <a:xfrm>
+            <a:off x="3409953" y="2374859"/>
+            <a:ext cx="532549" cy="369332"/>
+          </a:xfrm>
+          <a:prstGeom prst="rect">
+            <a:avLst/>
+          </a:prstGeom>
+          <a:noFill/>
+        </p:spPr>
+        <p:txBody>
+          <a:bodyPr wrap="square" rtlCol="0">
+            <a:spAutoFit/>
+          </a:bodyPr>
+          <a:lstStyle/>
+          <a:p>
+            <a:pPr algn="ctr"/>
+            <a:r>
+              <a:rPr lang="en-US" dirty="0"/>
+              <a:t>AST</a:t>
+            </a:r>
+          </a:p>
+        </p:txBody>
+      </p:sp>
+      <p:sp>
+        <p:nvSpPr>
+          <p:cNvPr id="4" name="TextBox 3">
+            <a:extLst>
+              <a:ext uri="{FF2B5EF4-FFF2-40B4-BE49-F238E27FC236}">
+                <a16:creationId xmlns:a16="http://schemas.microsoft.com/office/drawing/2014/main" id="{5DD5D785-C039-466D-A01A-685FC2094385}"/>
+              </a:ext>
+            </a:extLst>
+          </p:cNvPr>
+          <p:cNvSpPr txBox="1"/>
+          <p:nvPr/>
+        </p:nvSpPr>
+        <p:spPr>
+          <a:xfrm>
+            <a:off x="3264275" y="3240941"/>
+            <a:ext cx="1412660" cy="369332"/>
+          </a:xfrm>
+          <a:prstGeom prst="rect">
+            <a:avLst/>
+          </a:prstGeom>
+          <a:noFill/>
+        </p:spPr>
+        <p:txBody>
+          <a:bodyPr wrap="square" rtlCol="0">
+            <a:spAutoFit/>
+          </a:bodyPr>
+          <a:lstStyle/>
+          <a:p>
+            <a:pPr algn="ctr"/>
+            <a:r>
+              <a:rPr lang="en-US" dirty="0"/>
+              <a:t>Variables</a:t>
+            </a:r>
+          </a:p>
+        </p:txBody>
+      </p:sp>
+      <p:sp>
+        <p:nvSpPr>
+          <p:cNvPr id="33" name="Rectangle: Rounded Corners 32">
+            <a:extLst>
+              <a:ext uri="{FF2B5EF4-FFF2-40B4-BE49-F238E27FC236}">
+                <a16:creationId xmlns:a16="http://schemas.microsoft.com/office/drawing/2014/main" id="{554E4FA8-6A8E-4244-B394-2320D49053FF}"/>
+              </a:ext>
+            </a:extLst>
+          </p:cNvPr>
+          <p:cNvSpPr/>
+          <p:nvPr/>
+        </p:nvSpPr>
+        <p:spPr>
+          <a:xfrm>
+            <a:off x="7749077" y="2489010"/>
+            <a:ext cx="1079695" cy="387059"/>
+          </a:xfrm>
+          <a:prstGeom prst="roundRect">
+            <a:avLst/>
+          </a:prstGeom>
+          <a:solidFill>
+            <a:schemeClr val="accent5">
+              <a:lumMod val="40000"/>
+              <a:lumOff val="60000"/>
+            </a:schemeClr>
+          </a:solidFill>
+          <a:ln>
+            <a:solidFill>
+              <a:schemeClr val="accent5">
+                <a:lumMod val="75000"/>
+              </a:schemeClr>
+            </a:solidFill>
+          </a:ln>
+        </p:spPr>
+        <p:style>
+          <a:lnRef idx="2">
+            <a:schemeClr val="accent1">
+              <a:shade val="50000"/>
+            </a:schemeClr>
+          </a:lnRef>
+          <a:fillRef idx="1">
+            <a:schemeClr val="accent1"/>
+          </a:fillRef>
+          <a:effectRef idx="0">
+            <a:schemeClr val="accent1"/>
+          </a:effectRef>
+          <a:fontRef idx="minor">
+            <a:schemeClr val="lt1"/>
+          </a:fontRef>
+        </p:style>
+        <p:txBody>
+          <a:bodyPr rtlCol="0" anchor="ctr"/>
+          <a:lstStyle/>
+          <a:p>
+            <a:pPr algn="ctr"/>
+            <a:r>
+              <a:rPr lang="en-US" dirty="0"/>
+              <a:t>TreeCaps</a:t>
+            </a:r>
+          </a:p>
+        </p:txBody>
+      </p:sp>
+      <p:sp>
+        <p:nvSpPr>
+          <p:cNvPr id="34" name="Rectangle: Rounded Corners 33">
+            <a:extLst>
+              <a:ext uri="{FF2B5EF4-FFF2-40B4-BE49-F238E27FC236}">
+                <a16:creationId xmlns:a16="http://schemas.microsoft.com/office/drawing/2014/main" id="{D222BB27-0980-484C-96BD-F89E12F26F2D}"/>
+              </a:ext>
+            </a:extLst>
+          </p:cNvPr>
+          <p:cNvSpPr/>
+          <p:nvPr/>
+        </p:nvSpPr>
+        <p:spPr>
+          <a:xfrm>
+            <a:off x="7749077" y="3545224"/>
+            <a:ext cx="1079695" cy="387059"/>
+          </a:xfrm>
+          <a:prstGeom prst="roundRect">
+            <a:avLst/>
+          </a:prstGeom>
+          <a:solidFill>
+            <a:schemeClr val="accent5">
+              <a:lumMod val="40000"/>
+              <a:lumOff val="60000"/>
+            </a:schemeClr>
+          </a:solidFill>
+          <a:ln>
+            <a:solidFill>
+              <a:schemeClr val="accent5">
+                <a:lumMod val="75000"/>
+              </a:schemeClr>
+            </a:solidFill>
+          </a:ln>
+        </p:spPr>
+        <p:style>
+          <a:lnRef idx="2">
+            <a:schemeClr val="accent1">
+              <a:shade val="50000"/>
+            </a:schemeClr>
+          </a:lnRef>
+          <a:fillRef idx="1">
+            <a:schemeClr val="accent1"/>
+          </a:fillRef>
+          <a:effectRef idx="0">
+            <a:schemeClr val="accent1"/>
+          </a:effectRef>
+          <a:fontRef idx="minor">
+            <a:schemeClr val="lt1"/>
+          </a:fontRef>
+        </p:style>
+        <p:txBody>
+          <a:bodyPr rtlCol="0" anchor="ctr"/>
+          <a:lstStyle/>
+          <a:p>
+            <a:pPr algn="ctr"/>
+            <a:r>
+              <a:rPr lang="en-US" dirty="0"/>
+              <a:t>TreeCaps</a:t>
+            </a:r>
+          </a:p>
+        </p:txBody>
+      </p:sp>
+      <p:sp>
+        <p:nvSpPr>
+          <p:cNvPr id="88" name="Rectangle: Rounded Corners 87">
+            <a:extLst>
+              <a:ext uri="{FF2B5EF4-FFF2-40B4-BE49-F238E27FC236}">
+                <a16:creationId xmlns:a16="http://schemas.microsoft.com/office/drawing/2014/main" id="{A9367E06-B8B8-4DE7-9EC6-053AF2EE0809}"/>
+              </a:ext>
+            </a:extLst>
+          </p:cNvPr>
+          <p:cNvSpPr/>
+          <p:nvPr/>
+        </p:nvSpPr>
+        <p:spPr>
+          <a:xfrm>
+            <a:off x="9899307" y="2328492"/>
+            <a:ext cx="1144211" cy="764600"/>
+          </a:xfrm>
+          <a:prstGeom prst="roundRect">
+            <a:avLst/>
+          </a:prstGeom>
+          <a:solidFill>
+            <a:schemeClr val="accent5">
+              <a:lumMod val="40000"/>
+              <a:lumOff val="60000"/>
+            </a:schemeClr>
+          </a:solidFill>
+          <a:ln>
+            <a:solidFill>
+              <a:schemeClr val="accent5">
+                <a:lumMod val="75000"/>
+              </a:schemeClr>
+            </a:solidFill>
+          </a:ln>
+        </p:spPr>
+        <p:style>
+          <a:lnRef idx="2">
+            <a:schemeClr val="accent1">
+              <a:shade val="50000"/>
+            </a:schemeClr>
+          </a:lnRef>
+          <a:fillRef idx="1">
+            <a:schemeClr val="accent1"/>
+          </a:fillRef>
+          <a:effectRef idx="0">
+            <a:schemeClr val="accent1"/>
+          </a:effectRef>
+          <a:fontRef idx="minor">
+            <a:schemeClr val="lt1"/>
+          </a:fontRef>
+        </p:style>
+        <p:txBody>
+          <a:bodyPr lIns="18288" tIns="18288" rIns="18288" bIns="18288" rtlCol="0" anchor="ctr"/>
+          <a:lstStyle/>
+          <a:p>
+            <a:pPr algn="ctr"/>
+            <a:r>
+              <a:rPr lang="en-US" dirty="0"/>
+              <a:t>Fully Connected Layer</a:t>
+            </a:r>
+          </a:p>
+        </p:txBody>
+      </p:sp>
+      <p:sp>
+        <p:nvSpPr>
+          <p:cNvPr id="42" name="TextBox 41">
+            <a:extLst>
+              <a:ext uri="{FF2B5EF4-FFF2-40B4-BE49-F238E27FC236}">
+                <a16:creationId xmlns:a16="http://schemas.microsoft.com/office/drawing/2014/main" id="{40A3D922-C447-4886-B048-8A29486C6ACB}"/>
+              </a:ext>
+            </a:extLst>
+          </p:cNvPr>
+          <p:cNvSpPr txBox="1"/>
+          <p:nvPr/>
+        </p:nvSpPr>
+        <p:spPr>
+          <a:xfrm>
+            <a:off x="9086856" y="3781813"/>
+            <a:ext cx="744222" cy="369332"/>
+          </a:xfrm>
+          <a:prstGeom prst="rect">
+            <a:avLst/>
+          </a:prstGeom>
+          <a:noFill/>
+        </p:spPr>
+        <p:txBody>
+          <a:bodyPr wrap="square" rtlCol="0">
+            <a:spAutoFit/>
+          </a:bodyPr>
+          <a:lstStyle/>
+          <a:p>
+            <a:r>
+              <a:rPr lang="en-US" dirty="0"/>
+              <a:t>V</a:t>
+            </a:r>
+            <a:r>
+              <a:rPr lang="en-US" sz="1050" dirty="0"/>
+              <a:t>var</a:t>
+            </a:r>
+            <a:endParaRPr lang="en-US" sz="1400" dirty="0"/>
+          </a:p>
+        </p:txBody>
+      </p:sp>
+      <p:grpSp>
+        <p:nvGrpSpPr>
+          <p:cNvPr id="74" name="Group 73">
+            <a:extLst>
+              <a:ext uri="{FF2B5EF4-FFF2-40B4-BE49-F238E27FC236}">
+                <a16:creationId xmlns:a16="http://schemas.microsoft.com/office/drawing/2014/main" id="{5D77D2D2-9E26-4AA2-87AF-9D8F429D4CBD}"/>
+              </a:ext>
+            </a:extLst>
+          </p:cNvPr>
+          <p:cNvGrpSpPr/>
+          <p:nvPr/>
+        </p:nvGrpSpPr>
+        <p:grpSpPr>
+          <a:xfrm>
+            <a:off x="9086856" y="3652909"/>
+            <a:ext cx="590550" cy="180483"/>
+            <a:chOff x="10191750" y="3201290"/>
+            <a:chExt cx="590550" cy="180483"/>
+          </a:xfrm>
+        </p:grpSpPr>
+        <p:sp>
+          <p:nvSpPr>
+            <p:cNvPr id="70" name="Rectangle: Rounded Corners 69">
+              <a:extLst>
+                <a:ext uri="{FF2B5EF4-FFF2-40B4-BE49-F238E27FC236}">
+                  <a16:creationId xmlns:a16="http://schemas.microsoft.com/office/drawing/2014/main" id="{A2A97FFB-63D0-4462-AC49-44210F4D91D3}"/>
+                </a:ext>
+              </a:extLst>
+            </p:cNvPr>
+            <p:cNvSpPr/>
+            <p:nvPr/>
+          </p:nvSpPr>
+          <p:spPr>
+            <a:xfrm>
+              <a:off x="10191750" y="3201290"/>
+              <a:ext cx="590550" cy="180483"/>
+            </a:xfrm>
+            <a:prstGeom prst="roundRect">
+              <a:avLst/>
+            </a:prstGeom>
+            <a:noFill/>
+            <a:ln>
+              <a:solidFill>
+                <a:schemeClr val="tx1"/>
+              </a:solidFill>
+            </a:ln>
+          </p:spPr>
+          <p:style>
+            <a:lnRef idx="2">
+              <a:schemeClr val="accent1">
+                <a:shade val="50000"/>
+              </a:schemeClr>
+            </a:lnRef>
+            <a:fillRef idx="1">
+              <a:schemeClr val="accent1"/>
+            </a:fillRef>
+            <a:effectRef idx="0">
+              <a:schemeClr val="accent1"/>
+            </a:effectRef>
+            <a:fontRef idx="minor">
+              <a:schemeClr val="lt1"/>
+            </a:fontRef>
+          </p:style>
+          <p:txBody>
+            <a:bodyPr rtlCol="0" anchor="ctr"/>
+            <a:lstStyle/>
+            <a:p>
+              <a:pPr algn="ctr"/>
+              <a:endParaRPr lang="en-US" dirty="0"/>
+            </a:p>
+          </p:txBody>
+        </p:sp>
+        <p:sp>
+          <p:nvSpPr>
+            <p:cNvPr id="71" name="Oval 70">
+              <a:extLst>
+                <a:ext uri="{FF2B5EF4-FFF2-40B4-BE49-F238E27FC236}">
+                  <a16:creationId xmlns:a16="http://schemas.microsoft.com/office/drawing/2014/main" id="{04E69232-B152-40CD-87CD-0098896F5731}"/>
+                </a:ext>
+              </a:extLst>
+            </p:cNvPr>
+            <p:cNvSpPr/>
+            <p:nvPr/>
+          </p:nvSpPr>
+          <p:spPr>
+            <a:xfrm>
+              <a:off x="10258345" y="3230725"/>
+              <a:ext cx="123905" cy="123905"/>
+            </a:xfrm>
+            <a:prstGeom prst="ellipse">
+              <a:avLst/>
+            </a:prstGeom>
+          </p:spPr>
+          <p:style>
+            <a:lnRef idx="2">
+              <a:schemeClr val="accent1">
+                <a:shade val="50000"/>
+              </a:schemeClr>
+            </a:lnRef>
+            <a:fillRef idx="1">
+              <a:schemeClr val="accent1"/>
+            </a:fillRef>
+            <a:effectRef idx="0">
+              <a:schemeClr val="accent1"/>
+            </a:effectRef>
+            <a:fontRef idx="minor">
+              <a:schemeClr val="lt1"/>
+            </a:fontRef>
+          </p:style>
+          <p:txBody>
+            <a:bodyPr rtlCol="0" anchor="ctr"/>
+            <a:lstStyle/>
+            <a:p>
+              <a:pPr algn="ctr"/>
+              <a:endParaRPr lang="en-US" dirty="0"/>
+            </a:p>
+          </p:txBody>
+        </p:sp>
+        <p:sp>
+          <p:nvSpPr>
+            <p:cNvPr id="72" name="Oval 71">
+              <a:extLst>
+                <a:ext uri="{FF2B5EF4-FFF2-40B4-BE49-F238E27FC236}">
+                  <a16:creationId xmlns:a16="http://schemas.microsoft.com/office/drawing/2014/main" id="{C05F3F5A-98C3-4182-AD40-BE3D86E990F5}"/>
+                </a:ext>
+              </a:extLst>
+            </p:cNvPr>
+            <p:cNvSpPr/>
+            <p:nvPr/>
+          </p:nvSpPr>
+          <p:spPr>
+            <a:xfrm>
+              <a:off x="10421903" y="3227520"/>
+              <a:ext cx="123905" cy="123905"/>
+            </a:xfrm>
+            <a:prstGeom prst="ellipse">
+              <a:avLst/>
+            </a:prstGeom>
+          </p:spPr>
+          <p:style>
+            <a:lnRef idx="2">
+              <a:schemeClr val="accent1">
+                <a:shade val="50000"/>
+              </a:schemeClr>
+            </a:lnRef>
+            <a:fillRef idx="1">
+              <a:schemeClr val="accent1"/>
+            </a:fillRef>
+            <a:effectRef idx="0">
+              <a:schemeClr val="accent1"/>
+            </a:effectRef>
+            <a:fontRef idx="minor">
+              <a:schemeClr val="lt1"/>
+            </a:fontRef>
+          </p:style>
+          <p:txBody>
+            <a:bodyPr rtlCol="0" anchor="ctr"/>
+            <a:lstStyle/>
+            <a:p>
+              <a:pPr algn="ctr"/>
+              <a:endParaRPr lang="en-US" dirty="0"/>
+            </a:p>
+          </p:txBody>
+        </p:sp>
+        <p:sp>
+          <p:nvSpPr>
+            <p:cNvPr id="73" name="Oval 72">
+              <a:extLst>
+                <a:ext uri="{FF2B5EF4-FFF2-40B4-BE49-F238E27FC236}">
+                  <a16:creationId xmlns:a16="http://schemas.microsoft.com/office/drawing/2014/main" id="{2DDD9563-7546-47EB-A666-182C31277647}"/>
+                </a:ext>
+              </a:extLst>
+            </p:cNvPr>
+            <p:cNvSpPr/>
+            <p:nvPr/>
+          </p:nvSpPr>
+          <p:spPr>
+            <a:xfrm>
+              <a:off x="10585461" y="3227520"/>
+              <a:ext cx="123905" cy="123905"/>
+            </a:xfrm>
+            <a:prstGeom prst="ellipse">
+              <a:avLst/>
+            </a:prstGeom>
+          </p:spPr>
+          <p:style>
+            <a:lnRef idx="2">
+              <a:schemeClr val="accent1">
+                <a:shade val="50000"/>
+              </a:schemeClr>
+            </a:lnRef>
+            <a:fillRef idx="1">
+              <a:schemeClr val="accent1"/>
+            </a:fillRef>
+            <a:effectRef idx="0">
+              <a:schemeClr val="accent1"/>
+            </a:effectRef>
+            <a:fontRef idx="minor">
+              <a:schemeClr val="lt1"/>
+            </a:fontRef>
+          </p:style>
+          <p:txBody>
+            <a:bodyPr rtlCol="0" anchor="ctr"/>
+            <a:lstStyle/>
+            <a:p>
+              <a:pPr algn="ctr"/>
+              <a:endParaRPr lang="en-US" dirty="0"/>
+            </a:p>
+          </p:txBody>
+        </p:sp>
+      </p:grpSp>
+      <p:sp>
+        <p:nvSpPr>
+          <p:cNvPr id="75" name="TextBox 74">
+            <a:extLst>
+              <a:ext uri="{FF2B5EF4-FFF2-40B4-BE49-F238E27FC236}">
+                <a16:creationId xmlns:a16="http://schemas.microsoft.com/office/drawing/2014/main" id="{37C7159B-CB38-4E10-B86B-678D503D2FB9}"/>
+              </a:ext>
+            </a:extLst>
+          </p:cNvPr>
+          <p:cNvSpPr txBox="1"/>
+          <p:nvPr/>
+        </p:nvSpPr>
+        <p:spPr>
+          <a:xfrm>
+            <a:off x="9028712" y="2724941"/>
+            <a:ext cx="848615" cy="369332"/>
+          </a:xfrm>
+          <a:prstGeom prst="rect">
+            <a:avLst/>
+          </a:prstGeom>
+          <a:noFill/>
+        </p:spPr>
+        <p:txBody>
+          <a:bodyPr wrap="square" rtlCol="0">
+            <a:spAutoFit/>
+          </a:bodyPr>
+          <a:lstStyle/>
+          <a:p>
+            <a:r>
+              <a:rPr lang="en-US" dirty="0"/>
+              <a:t>V</a:t>
+            </a:r>
+            <a:r>
+              <a:rPr lang="en-US" sz="1050" dirty="0"/>
+              <a:t>sub-AST</a:t>
+            </a:r>
+            <a:endParaRPr lang="en-US" sz="1400" dirty="0"/>
+          </a:p>
+        </p:txBody>
+      </p:sp>
+      <p:grpSp>
+        <p:nvGrpSpPr>
+          <p:cNvPr id="76" name="Group 75">
+            <a:extLst>
+              <a:ext uri="{FF2B5EF4-FFF2-40B4-BE49-F238E27FC236}">
+                <a16:creationId xmlns:a16="http://schemas.microsoft.com/office/drawing/2014/main" id="{BF0F9C16-053D-407A-81DB-C7E42DD4F03B}"/>
+              </a:ext>
+            </a:extLst>
+          </p:cNvPr>
+          <p:cNvGrpSpPr/>
+          <p:nvPr/>
+        </p:nvGrpSpPr>
+        <p:grpSpPr>
+          <a:xfrm>
+            <a:off x="9068803" y="2594056"/>
+            <a:ext cx="590550" cy="180483"/>
+            <a:chOff x="10191750" y="3201290"/>
+            <a:chExt cx="590550" cy="180483"/>
+          </a:xfrm>
+        </p:grpSpPr>
+        <p:sp>
+          <p:nvSpPr>
+            <p:cNvPr id="77" name="Rectangle: Rounded Corners 76">
+              <a:extLst>
+                <a:ext uri="{FF2B5EF4-FFF2-40B4-BE49-F238E27FC236}">
+                  <a16:creationId xmlns:a16="http://schemas.microsoft.com/office/drawing/2014/main" id="{D11EB9D6-0FEB-4749-A1DC-7F62212C2515}"/>
+                </a:ext>
+              </a:extLst>
+            </p:cNvPr>
+            <p:cNvSpPr/>
+            <p:nvPr/>
+          </p:nvSpPr>
+          <p:spPr>
+            <a:xfrm>
+              <a:off x="10191750" y="3201290"/>
+              <a:ext cx="590550" cy="180483"/>
+            </a:xfrm>
+            <a:prstGeom prst="roundRect">
+              <a:avLst/>
+            </a:prstGeom>
+            <a:noFill/>
+            <a:ln>
+              <a:solidFill>
+                <a:schemeClr val="tx1"/>
+              </a:solidFill>
+            </a:ln>
+          </p:spPr>
+          <p:style>
+            <a:lnRef idx="2">
+              <a:schemeClr val="accent1">
+                <a:shade val="50000"/>
+              </a:schemeClr>
+            </a:lnRef>
+            <a:fillRef idx="1">
+              <a:schemeClr val="accent1"/>
+            </a:fillRef>
+            <a:effectRef idx="0">
+              <a:schemeClr val="accent1"/>
+            </a:effectRef>
+            <a:fontRef idx="minor">
+              <a:schemeClr val="lt1"/>
+            </a:fontRef>
+          </p:style>
+          <p:txBody>
+            <a:bodyPr rtlCol="0" anchor="ctr"/>
+            <a:lstStyle/>
+            <a:p>
+              <a:pPr algn="ctr"/>
+              <a:endParaRPr lang="en-US" dirty="0"/>
+            </a:p>
+          </p:txBody>
+        </p:sp>
+        <p:sp>
+          <p:nvSpPr>
+            <p:cNvPr id="78" name="Oval 77">
+              <a:extLst>
+                <a:ext uri="{FF2B5EF4-FFF2-40B4-BE49-F238E27FC236}">
+                  <a16:creationId xmlns:a16="http://schemas.microsoft.com/office/drawing/2014/main" id="{2BB9EB2F-1E3B-4CEE-AC0B-534043517559}"/>
+                </a:ext>
+              </a:extLst>
+            </p:cNvPr>
+            <p:cNvSpPr/>
+            <p:nvPr/>
+          </p:nvSpPr>
+          <p:spPr>
+            <a:xfrm>
+              <a:off x="10258345" y="3230725"/>
+              <a:ext cx="123905" cy="123905"/>
+            </a:xfrm>
+            <a:prstGeom prst="ellipse">
+              <a:avLst/>
+            </a:prstGeom>
+            <a:solidFill>
+              <a:schemeClr val="accent2">
+                <a:lumMod val="40000"/>
+                <a:lumOff val="60000"/>
+              </a:schemeClr>
+            </a:solidFill>
+            <a:ln>
+              <a:solidFill>
+                <a:schemeClr val="accent2">
+                  <a:lumMod val="60000"/>
+                  <a:lumOff val="40000"/>
+                </a:schemeClr>
+              </a:solidFill>
+            </a:ln>
+          </p:spPr>
+          <p:style>
+            <a:lnRef idx="2">
+              <a:schemeClr val="accent1">
+                <a:shade val="50000"/>
+              </a:schemeClr>
+            </a:lnRef>
+            <a:fillRef idx="1">
+              <a:schemeClr val="accent1"/>
+            </a:fillRef>
+            <a:effectRef idx="0">
+              <a:schemeClr val="accent1"/>
+            </a:effectRef>
+            <a:fontRef idx="minor">
+              <a:schemeClr val="lt1"/>
+            </a:fontRef>
+          </p:style>
+          <p:txBody>
+            <a:bodyPr rtlCol="0" anchor="ctr"/>
+            <a:lstStyle/>
+            <a:p>
+              <a:pPr algn="ctr"/>
+              <a:endParaRPr lang="en-US" dirty="0"/>
+            </a:p>
+          </p:txBody>
+        </p:sp>
+        <p:sp>
+          <p:nvSpPr>
+            <p:cNvPr id="79" name="Oval 78">
+              <a:extLst>
+                <a:ext uri="{FF2B5EF4-FFF2-40B4-BE49-F238E27FC236}">
+                  <a16:creationId xmlns:a16="http://schemas.microsoft.com/office/drawing/2014/main" id="{7C5AA231-047D-424F-8BC2-244263F0F501}"/>
+                </a:ext>
+              </a:extLst>
+            </p:cNvPr>
+            <p:cNvSpPr/>
+            <p:nvPr/>
+          </p:nvSpPr>
+          <p:spPr>
+            <a:xfrm>
+              <a:off x="10421903" y="3227520"/>
+              <a:ext cx="123905" cy="123905"/>
+            </a:xfrm>
+            <a:prstGeom prst="ellipse">
+              <a:avLst/>
+            </a:prstGeom>
+            <a:solidFill>
+              <a:schemeClr val="accent2">
+                <a:lumMod val="40000"/>
+                <a:lumOff val="60000"/>
+              </a:schemeClr>
+            </a:solidFill>
+            <a:ln>
+              <a:solidFill>
+                <a:schemeClr val="accent2">
+                  <a:lumMod val="60000"/>
+                  <a:lumOff val="40000"/>
+                </a:schemeClr>
+              </a:solidFill>
+            </a:ln>
+          </p:spPr>
+          <p:style>
+            <a:lnRef idx="2">
+              <a:schemeClr val="accent1">
+                <a:shade val="50000"/>
+              </a:schemeClr>
+            </a:lnRef>
+            <a:fillRef idx="1">
+              <a:schemeClr val="accent1"/>
+            </a:fillRef>
+            <a:effectRef idx="0">
+              <a:schemeClr val="accent1"/>
+            </a:effectRef>
+            <a:fontRef idx="minor">
+              <a:schemeClr val="lt1"/>
+            </a:fontRef>
+          </p:style>
+          <p:txBody>
+            <a:bodyPr rtlCol="0" anchor="ctr"/>
+            <a:lstStyle/>
+            <a:p>
+              <a:pPr algn="ctr"/>
+              <a:endParaRPr lang="en-US" dirty="0"/>
+            </a:p>
+          </p:txBody>
+        </p:sp>
+        <p:sp>
+          <p:nvSpPr>
+            <p:cNvPr id="80" name="Oval 79">
+              <a:extLst>
+                <a:ext uri="{FF2B5EF4-FFF2-40B4-BE49-F238E27FC236}">
+                  <a16:creationId xmlns:a16="http://schemas.microsoft.com/office/drawing/2014/main" id="{16424673-46DB-415F-8BE4-377F84DCAFBE}"/>
+                </a:ext>
+              </a:extLst>
+            </p:cNvPr>
+            <p:cNvSpPr/>
+            <p:nvPr/>
+          </p:nvSpPr>
+          <p:spPr>
+            <a:xfrm>
+              <a:off x="10585461" y="3227520"/>
+              <a:ext cx="123905" cy="123905"/>
+            </a:xfrm>
+            <a:prstGeom prst="ellipse">
+              <a:avLst/>
+            </a:prstGeom>
+            <a:solidFill>
+              <a:schemeClr val="accent2">
+                <a:lumMod val="40000"/>
+                <a:lumOff val="60000"/>
+              </a:schemeClr>
+            </a:solidFill>
+            <a:ln>
+              <a:solidFill>
+                <a:schemeClr val="accent2">
+                  <a:lumMod val="60000"/>
+                  <a:lumOff val="40000"/>
+                </a:schemeClr>
+              </a:solidFill>
+            </a:ln>
+          </p:spPr>
+          <p:style>
+            <a:lnRef idx="2">
+              <a:schemeClr val="accent1">
+                <a:shade val="50000"/>
+              </a:schemeClr>
+            </a:lnRef>
+            <a:fillRef idx="1">
+              <a:schemeClr val="accent1"/>
+            </a:fillRef>
+            <a:effectRef idx="0">
+              <a:schemeClr val="accent1"/>
+            </a:effectRef>
+            <a:fontRef idx="minor">
+              <a:schemeClr val="lt1"/>
+            </a:fontRef>
+          </p:style>
+          <p:txBody>
+            <a:bodyPr rtlCol="0" anchor="ctr"/>
+            <a:lstStyle/>
+            <a:p>
+              <a:pPr algn="ctr"/>
+              <a:endParaRPr lang="en-US" dirty="0"/>
+            </a:p>
+          </p:txBody>
+        </p:sp>
+      </p:grpSp>
+      <p:sp>
+        <p:nvSpPr>
+          <p:cNvPr id="89" name="TextBox 88">
+            <a:extLst>
+              <a:ext uri="{FF2B5EF4-FFF2-40B4-BE49-F238E27FC236}">
+                <a16:creationId xmlns:a16="http://schemas.microsoft.com/office/drawing/2014/main" id="{2A68D3F4-B1F3-4F8F-81E1-76B7E846014D}"/>
+              </a:ext>
+            </a:extLst>
+          </p:cNvPr>
+          <p:cNvSpPr txBox="1"/>
+          <p:nvPr/>
+        </p:nvSpPr>
+        <p:spPr>
+          <a:xfrm>
+            <a:off x="11371552" y="2744191"/>
+            <a:ext cx="744222" cy="369332"/>
+          </a:xfrm>
+          <a:prstGeom prst="rect">
+            <a:avLst/>
+          </a:prstGeom>
+          <a:noFill/>
+        </p:spPr>
+        <p:txBody>
+          <a:bodyPr wrap="square" rtlCol="0">
+            <a:spAutoFit/>
+          </a:bodyPr>
+          <a:lstStyle/>
+          <a:p>
+            <a:r>
+              <a:rPr lang="en-US" dirty="0"/>
+              <a:t>V</a:t>
+            </a:r>
+            <a:r>
+              <a:rPr lang="en-US" sz="1050" dirty="0"/>
+              <a:t>S1</a:t>
+            </a:r>
+            <a:endParaRPr lang="en-US" sz="1400" dirty="0"/>
+          </a:p>
+        </p:txBody>
+      </p:sp>
+      <p:grpSp>
+        <p:nvGrpSpPr>
+          <p:cNvPr id="90" name="Group 89">
+            <a:extLst>
+              <a:ext uri="{FF2B5EF4-FFF2-40B4-BE49-F238E27FC236}">
+                <a16:creationId xmlns:a16="http://schemas.microsoft.com/office/drawing/2014/main" id="{40511621-C7AC-443D-83B2-B4AD1E32C94C}"/>
+              </a:ext>
+            </a:extLst>
+          </p:cNvPr>
+          <p:cNvGrpSpPr/>
+          <p:nvPr/>
+        </p:nvGrpSpPr>
+        <p:grpSpPr>
+          <a:xfrm>
+            <a:off x="11288000" y="2594056"/>
+            <a:ext cx="590550" cy="180483"/>
+            <a:chOff x="10191750" y="3201290"/>
+            <a:chExt cx="590550" cy="180483"/>
+          </a:xfrm>
+        </p:grpSpPr>
+        <p:sp>
+          <p:nvSpPr>
+            <p:cNvPr id="91" name="Rectangle: Rounded Corners 90">
+              <a:extLst>
+                <a:ext uri="{FF2B5EF4-FFF2-40B4-BE49-F238E27FC236}">
+                  <a16:creationId xmlns:a16="http://schemas.microsoft.com/office/drawing/2014/main" id="{448D27F7-3425-460D-BF6E-7E33F2CFF468}"/>
+                </a:ext>
+              </a:extLst>
+            </p:cNvPr>
+            <p:cNvSpPr/>
+            <p:nvPr/>
+          </p:nvSpPr>
+          <p:spPr>
+            <a:xfrm>
+              <a:off x="10191750" y="3201290"/>
+              <a:ext cx="590550" cy="180483"/>
+            </a:xfrm>
+            <a:prstGeom prst="roundRect">
+              <a:avLst/>
+            </a:prstGeom>
+            <a:noFill/>
+            <a:ln>
+              <a:solidFill>
+                <a:schemeClr val="tx1"/>
+              </a:solidFill>
+            </a:ln>
+          </p:spPr>
+          <p:style>
+            <a:lnRef idx="2">
+              <a:schemeClr val="accent1">
+                <a:shade val="50000"/>
+              </a:schemeClr>
+            </a:lnRef>
+            <a:fillRef idx="1">
+              <a:schemeClr val="accent1"/>
+            </a:fillRef>
+            <a:effectRef idx="0">
+              <a:schemeClr val="accent1"/>
+            </a:effectRef>
+            <a:fontRef idx="minor">
+              <a:schemeClr val="lt1"/>
+            </a:fontRef>
+          </p:style>
+          <p:txBody>
+            <a:bodyPr rtlCol="0" anchor="ctr"/>
+            <a:lstStyle/>
+            <a:p>
+              <a:pPr algn="ctr"/>
+              <a:endParaRPr lang="en-US" dirty="0"/>
+            </a:p>
+          </p:txBody>
+        </p:sp>
+        <p:sp>
+          <p:nvSpPr>
+            <p:cNvPr id="92" name="Oval 91">
+              <a:extLst>
+                <a:ext uri="{FF2B5EF4-FFF2-40B4-BE49-F238E27FC236}">
+                  <a16:creationId xmlns:a16="http://schemas.microsoft.com/office/drawing/2014/main" id="{BCC2E568-F967-46F8-8D05-B67502E66FE3}"/>
+                </a:ext>
+              </a:extLst>
+            </p:cNvPr>
+            <p:cNvSpPr/>
+            <p:nvPr/>
+          </p:nvSpPr>
+          <p:spPr>
+            <a:xfrm>
+              <a:off x="10258345" y="3230725"/>
+              <a:ext cx="123905" cy="123905"/>
+            </a:xfrm>
+            <a:prstGeom prst="ellipse">
+              <a:avLst/>
+            </a:prstGeom>
+            <a:solidFill>
+              <a:schemeClr val="accent2">
+                <a:lumMod val="20000"/>
+                <a:lumOff val="80000"/>
+              </a:schemeClr>
+            </a:solidFill>
+            <a:ln>
+              <a:solidFill>
+                <a:srgbClr val="FF0000"/>
+              </a:solidFill>
+            </a:ln>
+          </p:spPr>
+          <p:style>
+            <a:lnRef idx="2">
+              <a:schemeClr val="accent1">
+                <a:shade val="50000"/>
+              </a:schemeClr>
+            </a:lnRef>
+            <a:fillRef idx="1">
+              <a:schemeClr val="accent1"/>
+            </a:fillRef>
+            <a:effectRef idx="0">
+              <a:schemeClr val="accent1"/>
+            </a:effectRef>
+            <a:fontRef idx="minor">
+              <a:schemeClr val="lt1"/>
+            </a:fontRef>
+          </p:style>
+          <p:txBody>
+            <a:bodyPr rtlCol="0" anchor="ctr"/>
+            <a:lstStyle/>
+            <a:p>
+              <a:pPr algn="ctr"/>
+              <a:endParaRPr lang="en-US" dirty="0"/>
+            </a:p>
+          </p:txBody>
+        </p:sp>
+        <p:sp>
+          <p:nvSpPr>
+            <p:cNvPr id="93" name="Oval 92">
+              <a:extLst>
+                <a:ext uri="{FF2B5EF4-FFF2-40B4-BE49-F238E27FC236}">
+                  <a16:creationId xmlns:a16="http://schemas.microsoft.com/office/drawing/2014/main" id="{F00DEC36-3325-4C95-801D-BD13BE6D6C51}"/>
+                </a:ext>
+              </a:extLst>
+            </p:cNvPr>
+            <p:cNvSpPr/>
+            <p:nvPr/>
+          </p:nvSpPr>
+          <p:spPr>
+            <a:xfrm>
+              <a:off x="10421903" y="3227520"/>
+              <a:ext cx="123905" cy="123905"/>
+            </a:xfrm>
+            <a:prstGeom prst="ellipse">
+              <a:avLst/>
+            </a:prstGeom>
+            <a:solidFill>
+              <a:schemeClr val="accent2">
+                <a:lumMod val="20000"/>
+                <a:lumOff val="80000"/>
+              </a:schemeClr>
+            </a:solidFill>
+            <a:ln>
+              <a:solidFill>
+                <a:srgbClr val="FF0000"/>
+              </a:solidFill>
+            </a:ln>
+          </p:spPr>
+          <p:style>
+            <a:lnRef idx="2">
+              <a:schemeClr val="accent1">
+                <a:shade val="50000"/>
+              </a:schemeClr>
+            </a:lnRef>
+            <a:fillRef idx="1">
+              <a:schemeClr val="accent1"/>
+            </a:fillRef>
+            <a:effectRef idx="0">
+              <a:schemeClr val="accent1"/>
+            </a:effectRef>
+            <a:fontRef idx="minor">
+              <a:schemeClr val="lt1"/>
+            </a:fontRef>
+          </p:style>
+          <p:txBody>
+            <a:bodyPr rtlCol="0" anchor="ctr"/>
+            <a:lstStyle/>
+            <a:p>
+              <a:pPr algn="ctr"/>
+              <a:endParaRPr lang="en-US" dirty="0"/>
+            </a:p>
+          </p:txBody>
+        </p:sp>
+        <p:sp>
+          <p:nvSpPr>
+            <p:cNvPr id="94" name="Oval 93">
+              <a:extLst>
+                <a:ext uri="{FF2B5EF4-FFF2-40B4-BE49-F238E27FC236}">
+                  <a16:creationId xmlns:a16="http://schemas.microsoft.com/office/drawing/2014/main" id="{5F5A2604-BED7-4B4C-9318-C7C53A6EAAFA}"/>
+                </a:ext>
+              </a:extLst>
+            </p:cNvPr>
+            <p:cNvSpPr/>
+            <p:nvPr/>
+          </p:nvSpPr>
+          <p:spPr>
+            <a:xfrm>
+              <a:off x="10585461" y="3227520"/>
+              <a:ext cx="123905" cy="123905"/>
+            </a:xfrm>
+            <a:prstGeom prst="ellipse">
+              <a:avLst/>
+            </a:prstGeom>
+            <a:solidFill>
+              <a:schemeClr val="accent2">
+                <a:lumMod val="20000"/>
+                <a:lumOff val="80000"/>
+              </a:schemeClr>
+            </a:solidFill>
+            <a:ln>
+              <a:solidFill>
+                <a:srgbClr val="FF0000"/>
+              </a:solidFill>
+            </a:ln>
+          </p:spPr>
+          <p:style>
+            <a:lnRef idx="2">
+              <a:schemeClr val="accent1">
+                <a:shade val="50000"/>
+              </a:schemeClr>
+            </a:lnRef>
+            <a:fillRef idx="1">
+              <a:schemeClr val="accent1"/>
+            </a:fillRef>
+            <a:effectRef idx="0">
+              <a:schemeClr val="accent1"/>
+            </a:effectRef>
+            <a:fontRef idx="minor">
+              <a:schemeClr val="lt1"/>
+            </a:fontRef>
+          </p:style>
+          <p:txBody>
+            <a:bodyPr rtlCol="0" anchor="ctr"/>
+            <a:lstStyle/>
+            <a:p>
+              <a:pPr algn="ctr"/>
+              <a:endParaRPr lang="en-US" dirty="0"/>
+            </a:p>
+          </p:txBody>
+        </p:sp>
+      </p:grpSp>
+      <p:sp>
+        <p:nvSpPr>
+          <p:cNvPr id="95" name="Left Brace 94">
+            <a:extLst>
+              <a:ext uri="{FF2B5EF4-FFF2-40B4-BE49-F238E27FC236}">
+                <a16:creationId xmlns:a16="http://schemas.microsoft.com/office/drawing/2014/main" id="{C834D831-738E-4293-8262-400D9CC54CC5}"/>
+              </a:ext>
+            </a:extLst>
+          </p:cNvPr>
+          <p:cNvSpPr/>
+          <p:nvPr/>
+        </p:nvSpPr>
+        <p:spPr>
+          <a:xfrm>
+            <a:off x="3040948" y="1261421"/>
+            <a:ext cx="169243" cy="2808437"/>
+          </a:xfrm>
+          <a:prstGeom prst="leftBrace">
+            <a:avLst/>
+          </a:prstGeom>
+          <a:ln w="12700">
+            <a:solidFill>
+              <a:schemeClr val="tx1"/>
+            </a:solidFill>
+          </a:ln>
+        </p:spPr>
+        <p:style>
+          <a:lnRef idx="1">
+            <a:schemeClr val="accent1"/>
+          </a:lnRef>
+          <a:fillRef idx="0">
+            <a:schemeClr val="accent1"/>
+          </a:fillRef>
+          <a:effectRef idx="0">
+            <a:schemeClr val="accent1"/>
+          </a:effectRef>
+          <a:fontRef idx="minor">
+            <a:schemeClr val="tx1"/>
+          </a:fontRef>
+        </p:style>
+        <p:txBody>
+          <a:bodyPr rtlCol="0" anchor="ctr"/>
+          <a:lstStyle/>
+          <a:p>
+            <a:pPr algn="ctr"/>
+            <a:endParaRPr lang="en-US" dirty="0"/>
+          </a:p>
+        </p:txBody>
+      </p:sp>
+      <p:sp>
+        <p:nvSpPr>
+          <p:cNvPr id="96" name="Oval 95">
+            <a:extLst>
+              <a:ext uri="{FF2B5EF4-FFF2-40B4-BE49-F238E27FC236}">
+                <a16:creationId xmlns:a16="http://schemas.microsoft.com/office/drawing/2014/main" id="{A02BA3C1-2213-4915-A024-49F9F6A1CFEE}"/>
+              </a:ext>
+            </a:extLst>
+          </p:cNvPr>
+          <p:cNvSpPr/>
+          <p:nvPr/>
+        </p:nvSpPr>
+        <p:spPr>
+          <a:xfrm>
+            <a:off x="2570797" y="2519921"/>
+            <a:ext cx="373743" cy="373743"/>
+          </a:xfrm>
+          <a:prstGeom prst="ellipse">
+            <a:avLst/>
+          </a:prstGeom>
+          <a:solidFill>
+            <a:schemeClr val="accent2">
+              <a:lumMod val="60000"/>
+              <a:lumOff val="40000"/>
+            </a:schemeClr>
+          </a:solidFill>
+          <a:ln w="31750">
+            <a:solidFill>
+              <a:srgbClr val="FF0000"/>
+            </a:solidFill>
+          </a:ln>
+        </p:spPr>
+        <p:style>
+          <a:lnRef idx="2">
+            <a:schemeClr val="accent1">
+              <a:shade val="50000"/>
+            </a:schemeClr>
+          </a:lnRef>
+          <a:fillRef idx="1">
+            <a:schemeClr val="accent1"/>
+          </a:fillRef>
+          <a:effectRef idx="0">
+            <a:schemeClr val="accent1"/>
+          </a:effectRef>
+          <a:fontRef idx="minor">
+            <a:schemeClr val="lt1"/>
+          </a:fontRef>
+        </p:style>
+        <p:txBody>
+          <a:bodyPr rtlCol="0" anchor="ctr"/>
+          <a:lstStyle/>
+          <a:p>
+            <a:pPr algn="ctr"/>
+            <a:endParaRPr lang="en-US" dirty="0"/>
+          </a:p>
+        </p:txBody>
+      </p:sp>
+      <p:sp>
+        <p:nvSpPr>
+          <p:cNvPr id="97" name="TextBox 96">
+            <a:extLst>
+              <a:ext uri="{FF2B5EF4-FFF2-40B4-BE49-F238E27FC236}">
+                <a16:creationId xmlns:a16="http://schemas.microsoft.com/office/drawing/2014/main" id="{60A2FCE0-B284-46CF-8313-C5EC2315365D}"/>
+              </a:ext>
+            </a:extLst>
+          </p:cNvPr>
+          <p:cNvSpPr txBox="1"/>
+          <p:nvPr/>
+        </p:nvSpPr>
+        <p:spPr>
+          <a:xfrm>
+            <a:off x="2542182" y="2867187"/>
+            <a:ext cx="744222" cy="369332"/>
+          </a:xfrm>
+          <a:prstGeom prst="rect">
+            <a:avLst/>
+          </a:prstGeom>
+          <a:noFill/>
+        </p:spPr>
+        <p:txBody>
+          <a:bodyPr wrap="square" rtlCol="0">
+            <a:spAutoFit/>
+          </a:bodyPr>
+          <a:lstStyle/>
+          <a:p>
+            <a:r>
+              <a:rPr lang="en-US" dirty="0"/>
+              <a:t>S5</a:t>
+            </a:r>
+          </a:p>
+        </p:txBody>
+      </p:sp>
+      <p:grpSp>
+        <p:nvGrpSpPr>
+          <p:cNvPr id="101" name="Group 100">
+            <a:extLst>
+              <a:ext uri="{FF2B5EF4-FFF2-40B4-BE49-F238E27FC236}">
+                <a16:creationId xmlns:a16="http://schemas.microsoft.com/office/drawing/2014/main" id="{732A50FB-52ED-43C7-9A54-CC407AC521CE}"/>
+              </a:ext>
+            </a:extLst>
+          </p:cNvPr>
+          <p:cNvGrpSpPr/>
+          <p:nvPr/>
+        </p:nvGrpSpPr>
+        <p:grpSpPr>
+          <a:xfrm>
+            <a:off x="4843045" y="1356586"/>
+            <a:ext cx="4930439" cy="2505645"/>
+            <a:chOff x="4845386" y="1369465"/>
+            <a:chExt cx="4930439" cy="2505645"/>
+          </a:xfrm>
+        </p:grpSpPr>
+        <p:sp>
+          <p:nvSpPr>
+            <p:cNvPr id="98" name="Arrow: Right 97">
+              <a:extLst>
+                <a:ext uri="{FF2B5EF4-FFF2-40B4-BE49-F238E27FC236}">
+                  <a16:creationId xmlns:a16="http://schemas.microsoft.com/office/drawing/2014/main" id="{3B2E175F-82E6-4D07-91E3-C1DC727C8A4A}"/>
+                </a:ext>
+              </a:extLst>
+            </p:cNvPr>
+            <p:cNvSpPr/>
+            <p:nvPr/>
+          </p:nvSpPr>
+          <p:spPr>
+            <a:xfrm>
+              <a:off x="4853290" y="1369465"/>
+              <a:ext cx="4922535" cy="180484"/>
+            </a:xfrm>
+            <a:prstGeom prst="rightArrow">
+              <a:avLst>
+                <a:gd name="adj1" fmla="val 50000"/>
+                <a:gd name="adj2" fmla="val 0"/>
+              </a:avLst>
+            </a:prstGeom>
+          </p:spPr>
+          <p:style>
+            <a:lnRef idx="2">
+              <a:schemeClr val="accent1">
+                <a:shade val="50000"/>
+              </a:schemeClr>
+            </a:lnRef>
+            <a:fillRef idx="1">
+              <a:schemeClr val="accent1"/>
+            </a:fillRef>
+            <a:effectRef idx="0">
+              <a:schemeClr val="accent1"/>
+            </a:effectRef>
+            <a:fontRef idx="minor">
+              <a:schemeClr val="lt1"/>
+            </a:fontRef>
+          </p:style>
+          <p:txBody>
+            <a:bodyPr rtlCol="0" anchor="ctr"/>
+            <a:lstStyle/>
+            <a:p>
+              <a:pPr algn="ctr"/>
+              <a:endParaRPr lang="en-US" dirty="0"/>
+            </a:p>
+          </p:txBody>
+        </p:sp>
+        <p:sp>
+          <p:nvSpPr>
+            <p:cNvPr id="99" name="Arrow: Right 98">
+              <a:extLst>
+                <a:ext uri="{FF2B5EF4-FFF2-40B4-BE49-F238E27FC236}">
+                  <a16:creationId xmlns:a16="http://schemas.microsoft.com/office/drawing/2014/main" id="{BEB6682C-A6D0-462A-89B9-CFCC0C9E50E1}"/>
+                </a:ext>
+              </a:extLst>
+            </p:cNvPr>
+            <p:cNvSpPr/>
+            <p:nvPr/>
+          </p:nvSpPr>
+          <p:spPr>
+            <a:xfrm>
+              <a:off x="4853290" y="2588312"/>
+              <a:ext cx="210197" cy="221662"/>
+            </a:xfrm>
+            <a:prstGeom prst="rightArrow">
+              <a:avLst/>
+            </a:prstGeom>
+          </p:spPr>
+          <p:style>
+            <a:lnRef idx="2">
+              <a:schemeClr val="accent1">
+                <a:shade val="50000"/>
+              </a:schemeClr>
+            </a:lnRef>
+            <a:fillRef idx="1">
+              <a:schemeClr val="accent1"/>
+            </a:fillRef>
+            <a:effectRef idx="0">
+              <a:schemeClr val="accent1"/>
+            </a:effectRef>
+            <a:fontRef idx="minor">
+              <a:schemeClr val="lt1"/>
+            </a:fontRef>
+          </p:style>
+          <p:txBody>
+            <a:bodyPr rtlCol="0" anchor="ctr"/>
+            <a:lstStyle/>
+            <a:p>
+              <a:pPr algn="ctr"/>
+              <a:endParaRPr lang="en-US" dirty="0"/>
+            </a:p>
+          </p:txBody>
+        </p:sp>
+        <p:sp>
+          <p:nvSpPr>
+            <p:cNvPr id="100" name="Arrow: Right 99">
+              <a:extLst>
+                <a:ext uri="{FF2B5EF4-FFF2-40B4-BE49-F238E27FC236}">
+                  <a16:creationId xmlns:a16="http://schemas.microsoft.com/office/drawing/2014/main" id="{DB552210-CAF0-4467-A574-9E11362CBB8E}"/>
+                </a:ext>
+              </a:extLst>
+            </p:cNvPr>
+            <p:cNvSpPr/>
+            <p:nvPr/>
+          </p:nvSpPr>
+          <p:spPr>
+            <a:xfrm>
+              <a:off x="4845386" y="3653448"/>
+              <a:ext cx="210197" cy="221662"/>
+            </a:xfrm>
+            <a:prstGeom prst="rightArrow">
+              <a:avLst/>
+            </a:prstGeom>
+          </p:spPr>
+          <p:style>
+            <a:lnRef idx="2">
+              <a:schemeClr val="accent1">
+                <a:shade val="50000"/>
+              </a:schemeClr>
+            </a:lnRef>
+            <a:fillRef idx="1">
+              <a:schemeClr val="accent1"/>
+            </a:fillRef>
+            <a:effectRef idx="0">
+              <a:schemeClr val="accent1"/>
+            </a:effectRef>
+            <a:fontRef idx="minor">
+              <a:schemeClr val="lt1"/>
+            </a:fontRef>
+          </p:style>
+          <p:txBody>
+            <a:bodyPr rtlCol="0" anchor="ctr"/>
+            <a:lstStyle/>
+            <a:p>
+              <a:pPr algn="ctr"/>
+              <a:endParaRPr lang="en-US" dirty="0"/>
+            </a:p>
+          </p:txBody>
+        </p:sp>
+      </p:grpSp>
+      <p:grpSp>
+        <p:nvGrpSpPr>
+          <p:cNvPr id="102" name="Group 101">
+            <a:extLst>
+              <a:ext uri="{FF2B5EF4-FFF2-40B4-BE49-F238E27FC236}">
+                <a16:creationId xmlns:a16="http://schemas.microsoft.com/office/drawing/2014/main" id="{65848CD8-EAD9-465F-9992-7DB4574C4FB6}"/>
+              </a:ext>
+            </a:extLst>
+          </p:cNvPr>
+          <p:cNvGrpSpPr/>
+          <p:nvPr/>
+        </p:nvGrpSpPr>
+        <p:grpSpPr>
+          <a:xfrm>
+            <a:off x="5292452" y="2568195"/>
+            <a:ext cx="218101" cy="1286798"/>
+            <a:chOff x="4845386" y="2588312"/>
+            <a:chExt cx="218101" cy="1286798"/>
+          </a:xfrm>
+        </p:grpSpPr>
+        <p:sp>
+          <p:nvSpPr>
+            <p:cNvPr id="104" name="Arrow: Right 103">
+              <a:extLst>
+                <a:ext uri="{FF2B5EF4-FFF2-40B4-BE49-F238E27FC236}">
+                  <a16:creationId xmlns:a16="http://schemas.microsoft.com/office/drawing/2014/main" id="{C9DA98F7-DE71-4CDB-802A-B3D13CFD6CB7}"/>
+                </a:ext>
+              </a:extLst>
+            </p:cNvPr>
+            <p:cNvSpPr/>
+            <p:nvPr/>
+          </p:nvSpPr>
+          <p:spPr>
+            <a:xfrm>
+              <a:off x="4853290" y="2588312"/>
+              <a:ext cx="210197" cy="221662"/>
+            </a:xfrm>
+            <a:prstGeom prst="rightArrow">
+              <a:avLst/>
+            </a:prstGeom>
+          </p:spPr>
+          <p:style>
+            <a:lnRef idx="2">
+              <a:schemeClr val="accent1">
+                <a:shade val="50000"/>
+              </a:schemeClr>
+            </a:lnRef>
+            <a:fillRef idx="1">
+              <a:schemeClr val="accent1"/>
+            </a:fillRef>
+            <a:effectRef idx="0">
+              <a:schemeClr val="accent1"/>
+            </a:effectRef>
+            <a:fontRef idx="minor">
+              <a:schemeClr val="lt1"/>
+            </a:fontRef>
+          </p:style>
+          <p:txBody>
+            <a:bodyPr rtlCol="0" anchor="ctr"/>
+            <a:lstStyle/>
+            <a:p>
+              <a:pPr algn="ctr"/>
+              <a:endParaRPr lang="en-US" dirty="0"/>
+            </a:p>
+          </p:txBody>
+        </p:sp>
+        <p:sp>
+          <p:nvSpPr>
+            <p:cNvPr id="105" name="Arrow: Right 104">
+              <a:extLst>
+                <a:ext uri="{FF2B5EF4-FFF2-40B4-BE49-F238E27FC236}">
+                  <a16:creationId xmlns:a16="http://schemas.microsoft.com/office/drawing/2014/main" id="{B07184F7-29F8-4913-9E76-B1E41FA69E82}"/>
+                </a:ext>
+              </a:extLst>
+            </p:cNvPr>
+            <p:cNvSpPr/>
+            <p:nvPr/>
+          </p:nvSpPr>
+          <p:spPr>
+            <a:xfrm>
+              <a:off x="4845386" y="3653448"/>
+              <a:ext cx="210197" cy="221662"/>
+            </a:xfrm>
+            <a:prstGeom prst="rightArrow">
+              <a:avLst/>
+            </a:prstGeom>
+          </p:spPr>
+          <p:style>
+            <a:lnRef idx="2">
+              <a:schemeClr val="accent1">
+                <a:shade val="50000"/>
+              </a:schemeClr>
+            </a:lnRef>
+            <a:fillRef idx="1">
+              <a:schemeClr val="accent1"/>
+            </a:fillRef>
+            <a:effectRef idx="0">
+              <a:schemeClr val="accent1"/>
+            </a:effectRef>
+            <a:fontRef idx="minor">
+              <a:schemeClr val="lt1"/>
+            </a:fontRef>
+          </p:style>
+          <p:txBody>
+            <a:bodyPr rtlCol="0" anchor="ctr"/>
+            <a:lstStyle/>
+            <a:p>
+              <a:pPr algn="ctr"/>
+              <a:endParaRPr lang="en-US" dirty="0"/>
+            </a:p>
+          </p:txBody>
+        </p:sp>
+      </p:grpSp>
+      <p:grpSp>
+        <p:nvGrpSpPr>
+          <p:cNvPr id="106" name="Group 105">
+            <a:extLst>
+              <a:ext uri="{FF2B5EF4-FFF2-40B4-BE49-F238E27FC236}">
+                <a16:creationId xmlns:a16="http://schemas.microsoft.com/office/drawing/2014/main" id="{A8C23C97-1F7D-48BB-A6FC-6A2403E84F19}"/>
+              </a:ext>
+            </a:extLst>
+          </p:cNvPr>
+          <p:cNvGrpSpPr/>
+          <p:nvPr/>
+        </p:nvGrpSpPr>
+        <p:grpSpPr>
+          <a:xfrm>
+            <a:off x="7506045" y="2575433"/>
+            <a:ext cx="218101" cy="1286798"/>
+            <a:chOff x="4845386" y="2588312"/>
+            <a:chExt cx="218101" cy="1286798"/>
+          </a:xfrm>
+        </p:grpSpPr>
+        <p:sp>
+          <p:nvSpPr>
+            <p:cNvPr id="108" name="Arrow: Right 107">
+              <a:extLst>
+                <a:ext uri="{FF2B5EF4-FFF2-40B4-BE49-F238E27FC236}">
+                  <a16:creationId xmlns:a16="http://schemas.microsoft.com/office/drawing/2014/main" id="{BC61EE30-0D6F-44EC-AC7D-9E516A3A8BEF}"/>
+                </a:ext>
+              </a:extLst>
+            </p:cNvPr>
+            <p:cNvSpPr/>
+            <p:nvPr/>
+          </p:nvSpPr>
+          <p:spPr>
+            <a:xfrm>
+              <a:off x="4853290" y="2588312"/>
+              <a:ext cx="210197" cy="221662"/>
+            </a:xfrm>
+            <a:prstGeom prst="rightArrow">
+              <a:avLst/>
+            </a:prstGeom>
+          </p:spPr>
+          <p:style>
+            <a:lnRef idx="2">
+              <a:schemeClr val="accent1">
+                <a:shade val="50000"/>
+              </a:schemeClr>
+            </a:lnRef>
+            <a:fillRef idx="1">
+              <a:schemeClr val="accent1"/>
+            </a:fillRef>
+            <a:effectRef idx="0">
+              <a:schemeClr val="accent1"/>
+            </a:effectRef>
+            <a:fontRef idx="minor">
+              <a:schemeClr val="lt1"/>
+            </a:fontRef>
+          </p:style>
+          <p:txBody>
+            <a:bodyPr rtlCol="0" anchor="ctr"/>
+            <a:lstStyle/>
+            <a:p>
+              <a:pPr algn="ctr"/>
+              <a:endParaRPr lang="en-US" dirty="0"/>
+            </a:p>
+          </p:txBody>
+        </p:sp>
+        <p:sp>
+          <p:nvSpPr>
+            <p:cNvPr id="109" name="Arrow: Right 108">
+              <a:extLst>
+                <a:ext uri="{FF2B5EF4-FFF2-40B4-BE49-F238E27FC236}">
+                  <a16:creationId xmlns:a16="http://schemas.microsoft.com/office/drawing/2014/main" id="{825A5122-6A1C-47B4-B8E7-4D0C5329B628}"/>
+                </a:ext>
+              </a:extLst>
+            </p:cNvPr>
+            <p:cNvSpPr/>
+            <p:nvPr/>
+          </p:nvSpPr>
+          <p:spPr>
+            <a:xfrm>
+              <a:off x="4845386" y="3653448"/>
+              <a:ext cx="210197" cy="221662"/>
+            </a:xfrm>
+            <a:prstGeom prst="rightArrow">
+              <a:avLst/>
+            </a:prstGeom>
+          </p:spPr>
+          <p:style>
+            <a:lnRef idx="2">
+              <a:schemeClr val="accent1">
+                <a:shade val="50000"/>
+              </a:schemeClr>
+            </a:lnRef>
+            <a:fillRef idx="1">
+              <a:schemeClr val="accent1"/>
+            </a:fillRef>
+            <a:effectRef idx="0">
+              <a:schemeClr val="accent1"/>
+            </a:effectRef>
+            <a:fontRef idx="minor">
+              <a:schemeClr val="lt1"/>
+            </a:fontRef>
+          </p:style>
+          <p:txBody>
+            <a:bodyPr rtlCol="0" anchor="ctr"/>
+            <a:lstStyle/>
+            <a:p>
+              <a:pPr algn="ctr"/>
+              <a:endParaRPr lang="en-US" dirty="0"/>
+            </a:p>
+          </p:txBody>
+        </p:sp>
+      </p:grpSp>
+      <p:grpSp>
+        <p:nvGrpSpPr>
+          <p:cNvPr id="110" name="Group 109">
+            <a:extLst>
+              <a:ext uri="{FF2B5EF4-FFF2-40B4-BE49-F238E27FC236}">
+                <a16:creationId xmlns:a16="http://schemas.microsoft.com/office/drawing/2014/main" id="{EE2FC49A-3C1A-4201-84C4-116AF3F98778}"/>
+              </a:ext>
+            </a:extLst>
+          </p:cNvPr>
+          <p:cNvGrpSpPr/>
+          <p:nvPr/>
+        </p:nvGrpSpPr>
+        <p:grpSpPr>
+          <a:xfrm>
+            <a:off x="8837765" y="2575433"/>
+            <a:ext cx="218101" cy="1286798"/>
+            <a:chOff x="4845386" y="2588312"/>
+            <a:chExt cx="218101" cy="1286798"/>
+          </a:xfrm>
+        </p:grpSpPr>
+        <p:sp>
+          <p:nvSpPr>
+            <p:cNvPr id="112" name="Arrow: Right 111">
+              <a:extLst>
+                <a:ext uri="{FF2B5EF4-FFF2-40B4-BE49-F238E27FC236}">
+                  <a16:creationId xmlns:a16="http://schemas.microsoft.com/office/drawing/2014/main" id="{06AFEB14-1FDB-42F1-B8CA-0774BD5B2323}"/>
+                </a:ext>
+              </a:extLst>
+            </p:cNvPr>
+            <p:cNvSpPr/>
+            <p:nvPr/>
+          </p:nvSpPr>
+          <p:spPr>
+            <a:xfrm>
+              <a:off x="4853290" y="2588312"/>
+              <a:ext cx="210197" cy="221662"/>
+            </a:xfrm>
+            <a:prstGeom prst="rightArrow">
+              <a:avLst/>
+            </a:prstGeom>
+          </p:spPr>
+          <p:style>
+            <a:lnRef idx="2">
+              <a:schemeClr val="accent1">
+                <a:shade val="50000"/>
+              </a:schemeClr>
+            </a:lnRef>
+            <a:fillRef idx="1">
+              <a:schemeClr val="accent1"/>
+            </a:fillRef>
+            <a:effectRef idx="0">
+              <a:schemeClr val="accent1"/>
+            </a:effectRef>
+            <a:fontRef idx="minor">
+              <a:schemeClr val="lt1"/>
+            </a:fontRef>
+          </p:style>
+          <p:txBody>
+            <a:bodyPr rtlCol="0" anchor="ctr"/>
+            <a:lstStyle/>
+            <a:p>
+              <a:pPr algn="ctr"/>
+              <a:endParaRPr lang="en-US" dirty="0"/>
+            </a:p>
+          </p:txBody>
+        </p:sp>
+        <p:sp>
+          <p:nvSpPr>
+            <p:cNvPr id="113" name="Arrow: Right 112">
+              <a:extLst>
+                <a:ext uri="{FF2B5EF4-FFF2-40B4-BE49-F238E27FC236}">
+                  <a16:creationId xmlns:a16="http://schemas.microsoft.com/office/drawing/2014/main" id="{F1634A77-699E-4855-891E-18ABCC30539B}"/>
+                </a:ext>
+              </a:extLst>
+            </p:cNvPr>
+            <p:cNvSpPr/>
+            <p:nvPr/>
+          </p:nvSpPr>
+          <p:spPr>
+            <a:xfrm>
+              <a:off x="4845386" y="3653448"/>
+              <a:ext cx="210197" cy="221662"/>
+            </a:xfrm>
+            <a:prstGeom prst="rightArrow">
+              <a:avLst/>
+            </a:prstGeom>
+          </p:spPr>
+          <p:style>
+            <a:lnRef idx="2">
+              <a:schemeClr val="accent1">
+                <a:shade val="50000"/>
+              </a:schemeClr>
+            </a:lnRef>
+            <a:fillRef idx="1">
+              <a:schemeClr val="accent1"/>
+            </a:fillRef>
+            <a:effectRef idx="0">
+              <a:schemeClr val="accent1"/>
+            </a:effectRef>
+            <a:fontRef idx="minor">
+              <a:schemeClr val="lt1"/>
+            </a:fontRef>
+          </p:style>
+          <p:txBody>
+            <a:bodyPr rtlCol="0" anchor="ctr"/>
+            <a:lstStyle/>
+            <a:p>
+              <a:pPr algn="ctr"/>
+              <a:endParaRPr lang="en-US" dirty="0"/>
+            </a:p>
+          </p:txBody>
+        </p:sp>
+      </p:grpSp>
+      <p:grpSp>
+        <p:nvGrpSpPr>
+          <p:cNvPr id="114" name="Group 113">
+            <a:extLst>
+              <a:ext uri="{FF2B5EF4-FFF2-40B4-BE49-F238E27FC236}">
+                <a16:creationId xmlns:a16="http://schemas.microsoft.com/office/drawing/2014/main" id="{03574EA4-70CA-407C-920B-C0E4A9D3D02A}"/>
+              </a:ext>
+            </a:extLst>
+          </p:cNvPr>
+          <p:cNvGrpSpPr/>
+          <p:nvPr/>
+        </p:nvGrpSpPr>
+        <p:grpSpPr>
+          <a:xfrm>
+            <a:off x="9675796" y="1391913"/>
+            <a:ext cx="1598844" cy="2360035"/>
+            <a:chOff x="4856465" y="1404030"/>
+            <a:chExt cx="1598844" cy="2360035"/>
+          </a:xfrm>
+        </p:grpSpPr>
+        <p:sp>
+          <p:nvSpPr>
+            <p:cNvPr id="115" name="Arrow: Right 114">
+              <a:extLst>
+                <a:ext uri="{FF2B5EF4-FFF2-40B4-BE49-F238E27FC236}">
+                  <a16:creationId xmlns:a16="http://schemas.microsoft.com/office/drawing/2014/main" id="{766829F2-97DB-4AF6-B014-0D2968A08781}"/>
+                </a:ext>
+              </a:extLst>
+            </p:cNvPr>
+            <p:cNvSpPr/>
+            <p:nvPr/>
+          </p:nvSpPr>
+          <p:spPr>
+            <a:xfrm rot="4860053">
+              <a:off x="4499122" y="1802144"/>
+              <a:ext cx="983700" cy="187472"/>
+            </a:xfrm>
+            <a:prstGeom prst="rightArrow">
+              <a:avLst/>
+            </a:prstGeom>
+          </p:spPr>
+          <p:style>
+            <a:lnRef idx="2">
+              <a:schemeClr val="accent1">
+                <a:shade val="50000"/>
+              </a:schemeClr>
+            </a:lnRef>
+            <a:fillRef idx="1">
+              <a:schemeClr val="accent1"/>
+            </a:fillRef>
+            <a:effectRef idx="0">
+              <a:schemeClr val="accent1"/>
+            </a:effectRef>
+            <a:fontRef idx="minor">
+              <a:schemeClr val="lt1"/>
+            </a:fontRef>
+          </p:style>
+          <p:txBody>
+            <a:bodyPr rtlCol="0" anchor="ctr"/>
+            <a:lstStyle/>
+            <a:p>
+              <a:pPr algn="ctr"/>
+              <a:endParaRPr lang="en-US" dirty="0"/>
+            </a:p>
+          </p:txBody>
+        </p:sp>
+        <p:sp>
+          <p:nvSpPr>
+            <p:cNvPr id="116" name="Arrow: Right 115">
+              <a:extLst>
+                <a:ext uri="{FF2B5EF4-FFF2-40B4-BE49-F238E27FC236}">
+                  <a16:creationId xmlns:a16="http://schemas.microsoft.com/office/drawing/2014/main" id="{2F387664-0630-408F-8EA3-D0ECEF069958}"/>
+                </a:ext>
+              </a:extLst>
+            </p:cNvPr>
+            <p:cNvSpPr/>
+            <p:nvPr/>
+          </p:nvSpPr>
+          <p:spPr>
+            <a:xfrm>
+              <a:off x="4856465" y="2588312"/>
+              <a:ext cx="210197" cy="221662"/>
+            </a:xfrm>
+            <a:prstGeom prst="rightArrow">
+              <a:avLst/>
+            </a:prstGeom>
+          </p:spPr>
+          <p:style>
+            <a:lnRef idx="2">
+              <a:schemeClr val="accent1">
+                <a:shade val="50000"/>
+              </a:schemeClr>
+            </a:lnRef>
+            <a:fillRef idx="1">
+              <a:schemeClr val="accent1"/>
+            </a:fillRef>
+            <a:effectRef idx="0">
+              <a:schemeClr val="accent1"/>
+            </a:effectRef>
+            <a:fontRef idx="minor">
+              <a:schemeClr val="lt1"/>
+            </a:fontRef>
+          </p:style>
+          <p:txBody>
+            <a:bodyPr rtlCol="0" anchor="ctr"/>
+            <a:lstStyle/>
+            <a:p>
+              <a:pPr algn="ctr"/>
+              <a:endParaRPr lang="en-US" dirty="0"/>
+            </a:p>
+          </p:txBody>
+        </p:sp>
+        <p:sp>
+          <p:nvSpPr>
+            <p:cNvPr id="118" name="Arrow: Right 117">
+              <a:extLst>
+                <a:ext uri="{FF2B5EF4-FFF2-40B4-BE49-F238E27FC236}">
+                  <a16:creationId xmlns:a16="http://schemas.microsoft.com/office/drawing/2014/main" id="{70DE8E41-2211-4E93-8DB5-2CD1EFFB6728}"/>
+                </a:ext>
+              </a:extLst>
+            </p:cNvPr>
+            <p:cNvSpPr/>
+            <p:nvPr/>
+          </p:nvSpPr>
+          <p:spPr>
+            <a:xfrm rot="16776489">
+              <a:off x="4595559" y="3313634"/>
+              <a:ext cx="768479" cy="132384"/>
+            </a:xfrm>
+            <a:prstGeom prst="rightArrow">
+              <a:avLst/>
+            </a:prstGeom>
+          </p:spPr>
+          <p:style>
+            <a:lnRef idx="2">
+              <a:schemeClr val="accent1">
+                <a:shade val="50000"/>
+              </a:schemeClr>
+            </a:lnRef>
+            <a:fillRef idx="1">
+              <a:schemeClr val="accent1"/>
+            </a:fillRef>
+            <a:effectRef idx="0">
+              <a:schemeClr val="accent1"/>
+            </a:effectRef>
+            <a:fontRef idx="minor">
+              <a:schemeClr val="lt1"/>
+            </a:fontRef>
+          </p:style>
+          <p:txBody>
+            <a:bodyPr rtlCol="0" anchor="ctr"/>
+            <a:lstStyle/>
+            <a:p>
+              <a:pPr algn="ctr"/>
+              <a:endParaRPr lang="en-US" dirty="0"/>
+            </a:p>
+          </p:txBody>
+        </p:sp>
+        <p:sp>
+          <p:nvSpPr>
+            <p:cNvPr id="119" name="Arrow: Right 118">
+              <a:extLst>
+                <a:ext uri="{FF2B5EF4-FFF2-40B4-BE49-F238E27FC236}">
+                  <a16:creationId xmlns:a16="http://schemas.microsoft.com/office/drawing/2014/main" id="{6214AFE8-CD4A-4CDC-85CC-6B7F17160CA6}"/>
+                </a:ext>
+              </a:extLst>
+            </p:cNvPr>
+            <p:cNvSpPr/>
+            <p:nvPr/>
+          </p:nvSpPr>
+          <p:spPr>
+            <a:xfrm>
+              <a:off x="6245112" y="2600429"/>
+              <a:ext cx="210197" cy="221662"/>
+            </a:xfrm>
+            <a:prstGeom prst="rightArrow">
+              <a:avLst/>
+            </a:prstGeom>
+          </p:spPr>
+          <p:style>
+            <a:lnRef idx="2">
+              <a:schemeClr val="accent1">
+                <a:shade val="50000"/>
+              </a:schemeClr>
+            </a:lnRef>
+            <a:fillRef idx="1">
+              <a:schemeClr val="accent1"/>
+            </a:fillRef>
+            <a:effectRef idx="0">
+              <a:schemeClr val="accent1"/>
+            </a:effectRef>
+            <a:fontRef idx="minor">
+              <a:schemeClr val="lt1"/>
+            </a:fontRef>
+          </p:style>
+          <p:txBody>
+            <a:bodyPr rtlCol="0" anchor="ctr"/>
+            <a:lstStyle/>
+            <a:p>
+              <a:pPr algn="ctr"/>
+              <a:endParaRPr lang="en-US" dirty="0"/>
+            </a:p>
+          </p:txBody>
+        </p:sp>
+      </p:grpSp>
+      <p:grpSp>
+        <p:nvGrpSpPr>
+          <p:cNvPr id="117" name="Group 116">
+            <a:extLst>
+              <a:ext uri="{FF2B5EF4-FFF2-40B4-BE49-F238E27FC236}">
+                <a16:creationId xmlns:a16="http://schemas.microsoft.com/office/drawing/2014/main" id="{50AC4347-D3D3-44B2-8511-2224C1D2167B}"/>
+              </a:ext>
+            </a:extLst>
+          </p:cNvPr>
+          <p:cNvGrpSpPr/>
+          <p:nvPr/>
+        </p:nvGrpSpPr>
+        <p:grpSpPr>
+          <a:xfrm>
+            <a:off x="3457306" y="2384221"/>
+            <a:ext cx="1058877" cy="787831"/>
+            <a:chOff x="7478948" y="2478168"/>
+            <a:chExt cx="1058877" cy="1166903"/>
+          </a:xfrm>
+        </p:grpSpPr>
+        <p:sp>
+          <p:nvSpPr>
+            <p:cNvPr id="120" name="Oval 119">
+              <a:extLst>
+                <a:ext uri="{FF2B5EF4-FFF2-40B4-BE49-F238E27FC236}">
+                  <a16:creationId xmlns:a16="http://schemas.microsoft.com/office/drawing/2014/main" id="{02910987-63ED-4E1E-B7C8-471816686224}"/>
+                </a:ext>
+              </a:extLst>
+            </p:cNvPr>
+            <p:cNvSpPr/>
+            <p:nvPr/>
+          </p:nvSpPr>
+          <p:spPr>
+            <a:xfrm>
+              <a:off x="8016610" y="2478168"/>
+              <a:ext cx="200993" cy="200993"/>
+            </a:xfrm>
+            <a:prstGeom prst="ellipse">
+              <a:avLst/>
+            </a:prstGeom>
+            <a:solidFill>
+              <a:schemeClr val="accent6">
+                <a:lumMod val="60000"/>
+                <a:lumOff val="40000"/>
+              </a:schemeClr>
+            </a:solidFill>
+            <a:ln>
+              <a:solidFill>
+                <a:schemeClr val="accent6">
+                  <a:lumMod val="75000"/>
+                </a:schemeClr>
+              </a:solidFill>
+            </a:ln>
+          </p:spPr>
+          <p:style>
+            <a:lnRef idx="2">
+              <a:schemeClr val="accent1">
+                <a:shade val="50000"/>
+              </a:schemeClr>
+            </a:lnRef>
+            <a:fillRef idx="1">
+              <a:schemeClr val="accent1"/>
+            </a:fillRef>
+            <a:effectRef idx="0">
+              <a:schemeClr val="accent1"/>
+            </a:effectRef>
+            <a:fontRef idx="minor">
+              <a:schemeClr val="lt1"/>
+            </a:fontRef>
+          </p:style>
+          <p:txBody>
+            <a:bodyPr rtlCol="0" anchor="ctr"/>
+            <a:lstStyle/>
+            <a:p>
+              <a:pPr algn="ctr"/>
+              <a:endParaRPr lang="en-US" dirty="0"/>
+            </a:p>
+          </p:txBody>
+        </p:sp>
+        <p:sp>
+          <p:nvSpPr>
+            <p:cNvPr id="121" name="Oval 120">
+              <a:extLst>
+                <a:ext uri="{FF2B5EF4-FFF2-40B4-BE49-F238E27FC236}">
+                  <a16:creationId xmlns:a16="http://schemas.microsoft.com/office/drawing/2014/main" id="{860961CC-D4A5-449C-8925-6465367E38D0}"/>
+                </a:ext>
+              </a:extLst>
+            </p:cNvPr>
+            <p:cNvSpPr/>
+            <p:nvPr/>
+          </p:nvSpPr>
+          <p:spPr>
+            <a:xfrm>
+              <a:off x="7735790" y="3011937"/>
+              <a:ext cx="200993" cy="200993"/>
+            </a:xfrm>
+            <a:prstGeom prst="ellipse">
+              <a:avLst/>
+            </a:prstGeom>
+            <a:solidFill>
+              <a:schemeClr val="accent6">
+                <a:lumMod val="60000"/>
+                <a:lumOff val="40000"/>
+              </a:schemeClr>
+            </a:solidFill>
+            <a:ln>
+              <a:solidFill>
+                <a:schemeClr val="accent6">
+                  <a:lumMod val="75000"/>
+                </a:schemeClr>
+              </a:solidFill>
+            </a:ln>
+          </p:spPr>
+          <p:style>
+            <a:lnRef idx="2">
+              <a:schemeClr val="accent1">
+                <a:shade val="50000"/>
+              </a:schemeClr>
+            </a:lnRef>
+            <a:fillRef idx="1">
+              <a:schemeClr val="accent1"/>
+            </a:fillRef>
+            <a:effectRef idx="0">
+              <a:schemeClr val="accent1"/>
+            </a:effectRef>
+            <a:fontRef idx="minor">
+              <a:schemeClr val="lt1"/>
+            </a:fontRef>
+          </p:style>
+          <p:txBody>
+            <a:bodyPr rtlCol="0" anchor="ctr"/>
+            <a:lstStyle/>
+            <a:p>
+              <a:pPr algn="ctr"/>
+              <a:endParaRPr lang="en-US" dirty="0"/>
+            </a:p>
+          </p:txBody>
+        </p:sp>
+        <p:sp>
+          <p:nvSpPr>
+            <p:cNvPr id="122" name="Oval 121">
+              <a:extLst>
+                <a:ext uri="{FF2B5EF4-FFF2-40B4-BE49-F238E27FC236}">
+                  <a16:creationId xmlns:a16="http://schemas.microsoft.com/office/drawing/2014/main" id="{D4324D14-1354-43EA-855A-7CC46352451C}"/>
+                </a:ext>
+              </a:extLst>
+            </p:cNvPr>
+            <p:cNvSpPr/>
+            <p:nvPr/>
+          </p:nvSpPr>
+          <p:spPr>
+            <a:xfrm>
+              <a:off x="7478948" y="3444078"/>
+              <a:ext cx="200993" cy="200993"/>
+            </a:xfrm>
+            <a:prstGeom prst="ellipse">
+              <a:avLst/>
+            </a:prstGeom>
+            <a:solidFill>
+              <a:schemeClr val="accent6">
+                <a:lumMod val="60000"/>
+                <a:lumOff val="40000"/>
+              </a:schemeClr>
+            </a:solidFill>
+            <a:ln>
+              <a:solidFill>
+                <a:schemeClr val="accent6">
+                  <a:lumMod val="75000"/>
+                </a:schemeClr>
+              </a:solidFill>
+            </a:ln>
+          </p:spPr>
+          <p:style>
+            <a:lnRef idx="2">
+              <a:schemeClr val="accent1">
+                <a:shade val="50000"/>
+              </a:schemeClr>
+            </a:lnRef>
+            <a:fillRef idx="1">
+              <a:schemeClr val="accent1"/>
+            </a:fillRef>
+            <a:effectRef idx="0">
+              <a:schemeClr val="accent1"/>
+            </a:effectRef>
+            <a:fontRef idx="minor">
+              <a:schemeClr val="lt1"/>
+            </a:fontRef>
+          </p:style>
+          <p:txBody>
+            <a:bodyPr rtlCol="0" anchor="ctr"/>
+            <a:lstStyle/>
+            <a:p>
+              <a:pPr algn="ctr"/>
+              <a:endParaRPr lang="en-US" dirty="0"/>
+            </a:p>
+          </p:txBody>
+        </p:sp>
+        <p:sp>
+          <p:nvSpPr>
+            <p:cNvPr id="123" name="Oval 122">
+              <a:extLst>
+                <a:ext uri="{FF2B5EF4-FFF2-40B4-BE49-F238E27FC236}">
+                  <a16:creationId xmlns:a16="http://schemas.microsoft.com/office/drawing/2014/main" id="{0263B05C-3EF3-489C-8772-BD13773E375A}"/>
+                </a:ext>
+              </a:extLst>
+            </p:cNvPr>
+            <p:cNvSpPr/>
+            <p:nvPr/>
+          </p:nvSpPr>
+          <p:spPr>
+            <a:xfrm>
+              <a:off x="8054340" y="3429000"/>
+              <a:ext cx="200993" cy="200993"/>
+            </a:xfrm>
+            <a:prstGeom prst="ellipse">
+              <a:avLst/>
+            </a:prstGeom>
+            <a:solidFill>
+              <a:schemeClr val="accent6">
+                <a:lumMod val="60000"/>
+                <a:lumOff val="40000"/>
+              </a:schemeClr>
+            </a:solidFill>
+            <a:ln>
+              <a:solidFill>
+                <a:schemeClr val="accent6">
+                  <a:lumMod val="75000"/>
+                </a:schemeClr>
+              </a:solidFill>
+            </a:ln>
+          </p:spPr>
+          <p:style>
+            <a:lnRef idx="2">
+              <a:schemeClr val="accent1">
+                <a:shade val="50000"/>
+              </a:schemeClr>
+            </a:lnRef>
+            <a:fillRef idx="1">
+              <a:schemeClr val="accent1"/>
+            </a:fillRef>
+            <a:effectRef idx="0">
+              <a:schemeClr val="accent1"/>
+            </a:effectRef>
+            <a:fontRef idx="minor">
+              <a:schemeClr val="lt1"/>
+            </a:fontRef>
+          </p:style>
+          <p:txBody>
+            <a:bodyPr rtlCol="0" anchor="ctr"/>
+            <a:lstStyle/>
+            <a:p>
+              <a:pPr algn="ctr"/>
+              <a:endParaRPr lang="en-US" dirty="0"/>
+            </a:p>
+          </p:txBody>
+        </p:sp>
+        <p:cxnSp>
+          <p:nvCxnSpPr>
+            <p:cNvPr id="124" name="Straight Arrow Connector 123">
+              <a:extLst>
+                <a:ext uri="{FF2B5EF4-FFF2-40B4-BE49-F238E27FC236}">
+                  <a16:creationId xmlns:a16="http://schemas.microsoft.com/office/drawing/2014/main" id="{BA019E94-7E53-47AD-A59F-7BA2CB8CABE9}"/>
+                </a:ext>
+              </a:extLst>
+            </p:cNvPr>
+            <p:cNvCxnSpPr>
+              <a:cxnSpLocks/>
+              <a:stCxn id="120" idx="3"/>
+              <a:endCxn id="121" idx="0"/>
+            </p:cNvCxnSpPr>
+            <p:nvPr/>
+          </p:nvCxnSpPr>
+          <p:spPr>
+            <a:xfrm flipH="1">
+              <a:off x="7836287" y="2649726"/>
+              <a:ext cx="209758" cy="362211"/>
+            </a:xfrm>
+            <a:prstGeom prst="straightConnector1">
+              <a:avLst/>
+            </a:prstGeom>
+            <a:ln w="19050">
+              <a:tailEnd type="triangle"/>
+            </a:ln>
+          </p:spPr>
+          <p:style>
+            <a:lnRef idx="1">
+              <a:schemeClr val="accent1"/>
+            </a:lnRef>
+            <a:fillRef idx="0">
+              <a:schemeClr val="accent1"/>
+            </a:fillRef>
+            <a:effectRef idx="0">
+              <a:schemeClr val="accent1"/>
+            </a:effectRef>
+            <a:fontRef idx="minor">
+              <a:schemeClr val="tx1"/>
+            </a:fontRef>
+          </p:style>
+        </p:cxnSp>
+        <p:cxnSp>
+          <p:nvCxnSpPr>
+            <p:cNvPr id="125" name="Straight Arrow Connector 124">
+              <a:extLst>
+                <a:ext uri="{FF2B5EF4-FFF2-40B4-BE49-F238E27FC236}">
+                  <a16:creationId xmlns:a16="http://schemas.microsoft.com/office/drawing/2014/main" id="{123F44ED-89E4-4AC2-B9F6-720214CDE3F1}"/>
+                </a:ext>
+              </a:extLst>
+            </p:cNvPr>
+            <p:cNvCxnSpPr>
+              <a:cxnSpLocks/>
+              <a:stCxn id="121" idx="3"/>
+              <a:endCxn id="122" idx="7"/>
+            </p:cNvCxnSpPr>
+            <p:nvPr/>
+          </p:nvCxnSpPr>
+          <p:spPr>
+            <a:xfrm flipH="1">
+              <a:off x="7650506" y="3183495"/>
+              <a:ext cx="114719" cy="290018"/>
+            </a:xfrm>
+            <a:prstGeom prst="straightConnector1">
+              <a:avLst/>
+            </a:prstGeom>
+            <a:ln w="19050">
+              <a:tailEnd type="triangle"/>
+            </a:ln>
+          </p:spPr>
+          <p:style>
+            <a:lnRef idx="1">
+              <a:schemeClr val="accent1"/>
+            </a:lnRef>
+            <a:fillRef idx="0">
+              <a:schemeClr val="accent1"/>
+            </a:fillRef>
+            <a:effectRef idx="0">
+              <a:schemeClr val="accent1"/>
+            </a:effectRef>
+            <a:fontRef idx="minor">
+              <a:schemeClr val="tx1"/>
+            </a:fontRef>
+          </p:style>
+        </p:cxnSp>
+        <p:cxnSp>
+          <p:nvCxnSpPr>
+            <p:cNvPr id="126" name="Straight Arrow Connector 125">
+              <a:extLst>
+                <a:ext uri="{FF2B5EF4-FFF2-40B4-BE49-F238E27FC236}">
+                  <a16:creationId xmlns:a16="http://schemas.microsoft.com/office/drawing/2014/main" id="{93852753-F936-4324-8614-1739B9C550C1}"/>
+                </a:ext>
+              </a:extLst>
+            </p:cNvPr>
+            <p:cNvCxnSpPr>
+              <a:cxnSpLocks/>
+              <a:stCxn id="121" idx="5"/>
+              <a:endCxn id="123" idx="1"/>
+            </p:cNvCxnSpPr>
+            <p:nvPr/>
+          </p:nvCxnSpPr>
+          <p:spPr>
+            <a:xfrm>
+              <a:off x="7907348" y="3183495"/>
+              <a:ext cx="176427" cy="274940"/>
+            </a:xfrm>
+            <a:prstGeom prst="straightConnector1">
+              <a:avLst/>
+            </a:prstGeom>
+            <a:ln w="19050">
+              <a:tailEnd type="triangle"/>
+            </a:ln>
+          </p:spPr>
+          <p:style>
+            <a:lnRef idx="1">
+              <a:schemeClr val="accent1"/>
+            </a:lnRef>
+            <a:fillRef idx="0">
+              <a:schemeClr val="accent1"/>
+            </a:fillRef>
+            <a:effectRef idx="0">
+              <a:schemeClr val="accent1"/>
+            </a:effectRef>
+            <a:fontRef idx="minor">
+              <a:schemeClr val="tx1"/>
+            </a:fontRef>
+          </p:style>
+        </p:cxnSp>
+        <p:sp>
+          <p:nvSpPr>
+            <p:cNvPr id="127" name="Oval 126">
+              <a:extLst>
+                <a:ext uri="{FF2B5EF4-FFF2-40B4-BE49-F238E27FC236}">
+                  <a16:creationId xmlns:a16="http://schemas.microsoft.com/office/drawing/2014/main" id="{87518151-4353-4D8A-968D-993A87C546FF}"/>
+                </a:ext>
+              </a:extLst>
+            </p:cNvPr>
+            <p:cNvSpPr/>
+            <p:nvPr/>
+          </p:nvSpPr>
+          <p:spPr>
+            <a:xfrm>
+              <a:off x="8336832" y="3000566"/>
+              <a:ext cx="200993" cy="200993"/>
+            </a:xfrm>
+            <a:prstGeom prst="ellipse">
+              <a:avLst/>
+            </a:prstGeom>
+            <a:solidFill>
+              <a:schemeClr val="accent6">
+                <a:lumMod val="60000"/>
+                <a:lumOff val="40000"/>
+              </a:schemeClr>
+            </a:solidFill>
+            <a:ln>
+              <a:solidFill>
+                <a:schemeClr val="accent6">
+                  <a:lumMod val="75000"/>
+                </a:schemeClr>
+              </a:solidFill>
+            </a:ln>
+          </p:spPr>
+          <p:style>
+            <a:lnRef idx="2">
+              <a:schemeClr val="accent1">
+                <a:shade val="50000"/>
+              </a:schemeClr>
+            </a:lnRef>
+            <a:fillRef idx="1">
+              <a:schemeClr val="accent1"/>
+            </a:fillRef>
+            <a:effectRef idx="0">
+              <a:schemeClr val="accent1"/>
+            </a:effectRef>
+            <a:fontRef idx="minor">
+              <a:schemeClr val="lt1"/>
+            </a:fontRef>
+          </p:style>
+          <p:txBody>
+            <a:bodyPr rtlCol="0" anchor="ctr"/>
+            <a:lstStyle/>
+            <a:p>
+              <a:pPr algn="ctr"/>
+              <a:endParaRPr lang="en-US" dirty="0"/>
+            </a:p>
+          </p:txBody>
+        </p:sp>
+        <p:cxnSp>
+          <p:nvCxnSpPr>
+            <p:cNvPr id="128" name="Straight Arrow Connector 127">
+              <a:extLst>
+                <a:ext uri="{FF2B5EF4-FFF2-40B4-BE49-F238E27FC236}">
+                  <a16:creationId xmlns:a16="http://schemas.microsoft.com/office/drawing/2014/main" id="{44984258-6B71-455F-8101-4CD6CB93E3AC}"/>
+                </a:ext>
+              </a:extLst>
+            </p:cNvPr>
+            <p:cNvCxnSpPr>
+              <a:cxnSpLocks/>
+              <a:stCxn id="120" idx="5"/>
+              <a:endCxn id="127" idx="1"/>
+            </p:cNvCxnSpPr>
+            <p:nvPr/>
+          </p:nvCxnSpPr>
+          <p:spPr>
+            <a:xfrm>
+              <a:off x="8188168" y="2649726"/>
+              <a:ext cx="178099" cy="380275"/>
+            </a:xfrm>
+            <a:prstGeom prst="straightConnector1">
+              <a:avLst/>
+            </a:prstGeom>
+            <a:ln w="19050">
+              <a:tailEnd type="triangle"/>
+            </a:ln>
+          </p:spPr>
+          <p:style>
+            <a:lnRef idx="1">
+              <a:schemeClr val="accent1"/>
+            </a:lnRef>
+            <a:fillRef idx="0">
+              <a:schemeClr val="accent1"/>
+            </a:fillRef>
+            <a:effectRef idx="0">
+              <a:schemeClr val="accent1"/>
+            </a:effectRef>
+            <a:fontRef idx="minor">
+              <a:schemeClr val="tx1"/>
+            </a:fontRef>
+          </p:style>
+        </p:cxnSp>
+      </p:grpSp>
+      <p:sp>
+        <p:nvSpPr>
+          <p:cNvPr id="129" name="TextBox 128">
+            <a:extLst>
+              <a:ext uri="{FF2B5EF4-FFF2-40B4-BE49-F238E27FC236}">
+                <a16:creationId xmlns:a16="http://schemas.microsoft.com/office/drawing/2014/main" id="{8023EBE8-EAFF-4D49-BF19-3F9CD74FEB90}"/>
+              </a:ext>
+            </a:extLst>
+          </p:cNvPr>
+          <p:cNvSpPr txBox="1"/>
+          <p:nvPr/>
+        </p:nvSpPr>
+        <p:spPr>
+          <a:xfrm>
+            <a:off x="3002972" y="1116123"/>
+            <a:ext cx="2005835" cy="923330"/>
+          </a:xfrm>
+          <a:prstGeom prst="rect">
+            <a:avLst/>
+          </a:prstGeom>
+          <a:noFill/>
+        </p:spPr>
+        <p:txBody>
+          <a:bodyPr wrap="square" rtlCol="0">
+            <a:spAutoFit/>
+          </a:bodyPr>
+          <a:lstStyle/>
+          <a:p>
+            <a:pPr algn="ctr"/>
+            <a:r>
+              <a:rPr lang="en-US" dirty="0"/>
+              <a:t>   C=&lt;1, 1, 0, …, 0&gt;</a:t>
+            </a:r>
+          </a:p>
+          <a:p>
+            <a:pPr algn="ctr"/>
+            <a:r>
+              <a:rPr lang="en-US" dirty="0"/>
+              <a:t>   R=&lt;0, 1, 0, …, 1&gt;</a:t>
+            </a:r>
+          </a:p>
+          <a:p>
+            <a:pPr algn="ctr"/>
+            <a:r>
+              <a:rPr lang="en-US" dirty="0"/>
+              <a:t>V</a:t>
+            </a:r>
+            <a:r>
+              <a:rPr lang="en-US" sz="1200" dirty="0"/>
+              <a:t>coverage</a:t>
+            </a:r>
+            <a:r>
+              <a:rPr lang="en-US" dirty="0"/>
+              <a:t>=&lt;C, R&gt;</a:t>
+            </a:r>
+          </a:p>
+        </p:txBody>
+      </p:sp>
+      <p:grpSp>
+        <p:nvGrpSpPr>
+          <p:cNvPr id="130" name="Group 129">
+            <a:extLst>
+              <a:ext uri="{FF2B5EF4-FFF2-40B4-BE49-F238E27FC236}">
+                <a16:creationId xmlns:a16="http://schemas.microsoft.com/office/drawing/2014/main" id="{522FC1BE-EE8A-4869-8492-EB4603AA3F41}"/>
+              </a:ext>
+            </a:extLst>
+          </p:cNvPr>
+          <p:cNvGrpSpPr/>
+          <p:nvPr/>
+        </p:nvGrpSpPr>
+        <p:grpSpPr>
+          <a:xfrm>
+            <a:off x="3164809" y="3541434"/>
+            <a:ext cx="1650239" cy="523220"/>
+            <a:chOff x="6805424" y="4351147"/>
+            <a:chExt cx="1781658" cy="523220"/>
+          </a:xfrm>
+        </p:grpSpPr>
+        <p:sp>
+          <p:nvSpPr>
+            <p:cNvPr id="131" name="TextBox 130">
+              <a:extLst>
+                <a:ext uri="{FF2B5EF4-FFF2-40B4-BE49-F238E27FC236}">
+                  <a16:creationId xmlns:a16="http://schemas.microsoft.com/office/drawing/2014/main" id="{2E739B2D-7B3E-4F4D-8B48-D37DC3F8AAB6}"/>
+                </a:ext>
+              </a:extLst>
+            </p:cNvPr>
+            <p:cNvSpPr txBox="1"/>
+            <p:nvPr/>
+          </p:nvSpPr>
+          <p:spPr>
+            <a:xfrm>
+              <a:off x="6805424" y="4351147"/>
+              <a:ext cx="1781658" cy="523220"/>
+            </a:xfrm>
+            <a:prstGeom prst="rect">
+              <a:avLst/>
+            </a:prstGeom>
+            <a:noFill/>
+          </p:spPr>
+          <p:txBody>
+            <a:bodyPr wrap="square" rtlCol="0">
+              <a:spAutoFit/>
+            </a:bodyPr>
+            <a:lstStyle/>
+            <a:p>
+              <a:pPr algn="ctr"/>
+              <a:r>
+                <a:rPr lang="en-US" sz="1400" dirty="0"/>
+                <a:t>tree BSPTree  Euclidean2D </a:t>
+              </a:r>
+            </a:p>
+          </p:txBody>
+        </p:sp>
+        <p:sp>
+          <p:nvSpPr>
+            <p:cNvPr id="132" name="Rectangle 131">
+              <a:extLst>
+                <a:ext uri="{FF2B5EF4-FFF2-40B4-BE49-F238E27FC236}">
+                  <a16:creationId xmlns:a16="http://schemas.microsoft.com/office/drawing/2014/main" id="{63449A25-935F-4747-A2F1-5BE22151FDB1}"/>
+                </a:ext>
+              </a:extLst>
+            </p:cNvPr>
+            <p:cNvSpPr/>
+            <p:nvPr/>
+          </p:nvSpPr>
+          <p:spPr>
+            <a:xfrm>
+              <a:off x="6923518" y="4365593"/>
+              <a:ext cx="1604339" cy="481529"/>
+            </a:xfrm>
+            <a:prstGeom prst="rect">
+              <a:avLst/>
+            </a:prstGeom>
+            <a:noFill/>
+            <a:ln>
+              <a:solidFill>
+                <a:schemeClr val="tx1"/>
+              </a:solidFill>
+              <a:prstDash val="dash"/>
+            </a:ln>
+          </p:spPr>
+          <p:style>
+            <a:lnRef idx="2">
+              <a:schemeClr val="accent1">
+                <a:shade val="50000"/>
+              </a:schemeClr>
+            </a:lnRef>
+            <a:fillRef idx="1">
+              <a:schemeClr val="accent1"/>
+            </a:fillRef>
+            <a:effectRef idx="0">
+              <a:schemeClr val="accent1"/>
+            </a:effectRef>
+            <a:fontRef idx="minor">
+              <a:schemeClr val="lt1"/>
+            </a:fontRef>
+          </p:style>
+          <p:txBody>
+            <a:bodyPr rtlCol="0" anchor="ctr"/>
+            <a:lstStyle/>
+            <a:p>
+              <a:pPr algn="ctr"/>
+              <a:endParaRPr lang="en-US" dirty="0"/>
+            </a:p>
+          </p:txBody>
+        </p:sp>
+      </p:grpSp>
+      <p:sp>
+        <p:nvSpPr>
+          <p:cNvPr id="81" name="Rectangle: Rounded Corners 80">
+            <a:extLst>
+              <a:ext uri="{FF2B5EF4-FFF2-40B4-BE49-F238E27FC236}">
+                <a16:creationId xmlns:a16="http://schemas.microsoft.com/office/drawing/2014/main" id="{D0EB3768-FA0C-476E-B2C3-DFF5E1EDAA44}"/>
+              </a:ext>
+            </a:extLst>
+          </p:cNvPr>
+          <p:cNvSpPr/>
+          <p:nvPr/>
+        </p:nvSpPr>
+        <p:spPr>
+          <a:xfrm>
+            <a:off x="5065088" y="2284078"/>
+            <a:ext cx="240732" cy="738664"/>
+          </a:xfrm>
+          <a:prstGeom prst="roundRect">
+            <a:avLst/>
+          </a:prstGeom>
+          <a:solidFill>
+            <a:schemeClr val="accent2">
+              <a:lumMod val="60000"/>
+              <a:lumOff val="40000"/>
+            </a:schemeClr>
+          </a:solidFill>
+          <a:ln>
+            <a:solidFill>
+              <a:schemeClr val="accent2">
+                <a:lumMod val="75000"/>
+              </a:schemeClr>
+            </a:solidFill>
+          </a:ln>
+        </p:spPr>
+        <p:style>
+          <a:lnRef idx="2">
+            <a:schemeClr val="accent1">
+              <a:shade val="50000"/>
+            </a:schemeClr>
+          </a:lnRef>
+          <a:fillRef idx="1">
+            <a:schemeClr val="accent1"/>
+          </a:fillRef>
+          <a:effectRef idx="0">
+            <a:schemeClr val="accent1"/>
+          </a:effectRef>
+          <a:fontRef idx="minor">
+            <a:schemeClr val="lt1"/>
+          </a:fontRef>
+        </p:style>
+        <p:txBody>
+          <a:bodyPr rtlCol="0" anchor="ctr"/>
+          <a:lstStyle/>
+          <a:p>
+            <a:pPr algn="ctr"/>
+            <a:endParaRPr lang="en-US" dirty="0"/>
+          </a:p>
+        </p:txBody>
+      </p:sp>
+      <p:sp>
+        <p:nvSpPr>
+          <p:cNvPr id="82" name="Rectangle: Rounded Corners 81">
+            <a:extLst>
+              <a:ext uri="{FF2B5EF4-FFF2-40B4-BE49-F238E27FC236}">
+                <a16:creationId xmlns:a16="http://schemas.microsoft.com/office/drawing/2014/main" id="{E873B225-B823-4EE7-ADD3-C36A6DE5BF03}"/>
+              </a:ext>
+            </a:extLst>
+          </p:cNvPr>
+          <p:cNvSpPr/>
+          <p:nvPr/>
+        </p:nvSpPr>
+        <p:spPr>
+          <a:xfrm>
+            <a:off x="5065088" y="3326849"/>
+            <a:ext cx="240732" cy="738664"/>
+          </a:xfrm>
+          <a:prstGeom prst="roundRect">
+            <a:avLst/>
+          </a:prstGeom>
+          <a:solidFill>
+            <a:schemeClr val="accent2">
+              <a:lumMod val="60000"/>
+              <a:lumOff val="40000"/>
+            </a:schemeClr>
+          </a:solidFill>
+          <a:ln>
+            <a:solidFill>
+              <a:schemeClr val="accent2">
+                <a:lumMod val="75000"/>
+              </a:schemeClr>
+            </a:solidFill>
+          </a:ln>
+        </p:spPr>
+        <p:style>
+          <a:lnRef idx="2">
+            <a:schemeClr val="accent1">
+              <a:shade val="50000"/>
+            </a:schemeClr>
+          </a:lnRef>
+          <a:fillRef idx="1">
+            <a:schemeClr val="accent1"/>
+          </a:fillRef>
+          <a:effectRef idx="0">
+            <a:schemeClr val="accent1"/>
+          </a:effectRef>
+          <a:fontRef idx="minor">
+            <a:schemeClr val="lt1"/>
+          </a:fontRef>
+        </p:style>
+        <p:txBody>
+          <a:bodyPr rtlCol="0" anchor="ctr"/>
+          <a:lstStyle/>
+          <a:p>
+            <a:pPr algn="ctr"/>
+            <a:endParaRPr lang="en-US" dirty="0"/>
+          </a:p>
+        </p:txBody>
+      </p:sp>
+      <p:grpSp>
+        <p:nvGrpSpPr>
+          <p:cNvPr id="5" name="Group 4">
+            <a:extLst>
+              <a:ext uri="{FF2B5EF4-FFF2-40B4-BE49-F238E27FC236}">
+                <a16:creationId xmlns:a16="http://schemas.microsoft.com/office/drawing/2014/main" id="{399C681E-CEA4-4905-9BDF-077710D4E068}"/>
+              </a:ext>
+            </a:extLst>
+          </p:cNvPr>
+          <p:cNvGrpSpPr/>
+          <p:nvPr/>
+        </p:nvGrpSpPr>
+        <p:grpSpPr>
+          <a:xfrm>
+            <a:off x="5450793" y="2214816"/>
+            <a:ext cx="1058877" cy="982630"/>
+            <a:chOff x="5531478" y="2136226"/>
+            <a:chExt cx="1058877" cy="982630"/>
+          </a:xfrm>
+        </p:grpSpPr>
+        <p:grpSp>
+          <p:nvGrpSpPr>
+            <p:cNvPr id="83" name="Group 82">
+              <a:extLst>
+                <a:ext uri="{FF2B5EF4-FFF2-40B4-BE49-F238E27FC236}">
+                  <a16:creationId xmlns:a16="http://schemas.microsoft.com/office/drawing/2014/main" id="{F8043FEC-B630-4E91-BBD0-A44E24505E68}"/>
+                </a:ext>
+              </a:extLst>
+            </p:cNvPr>
+            <p:cNvGrpSpPr/>
+            <p:nvPr/>
+          </p:nvGrpSpPr>
+          <p:grpSpPr>
+            <a:xfrm>
+              <a:off x="5531478" y="2331025"/>
+              <a:ext cx="1058877" cy="787831"/>
+              <a:chOff x="7478948" y="2478168"/>
+              <a:chExt cx="1058877" cy="1166903"/>
+            </a:xfrm>
+          </p:grpSpPr>
+          <p:sp>
+            <p:nvSpPr>
+              <p:cNvPr id="84" name="Oval 83">
+                <a:extLst>
+                  <a:ext uri="{FF2B5EF4-FFF2-40B4-BE49-F238E27FC236}">
+                    <a16:creationId xmlns:a16="http://schemas.microsoft.com/office/drawing/2014/main" id="{B501B9E0-271B-4D8B-838E-27FB9D5DEE87}"/>
+                  </a:ext>
+                </a:extLst>
+              </p:cNvPr>
+              <p:cNvSpPr/>
+              <p:nvPr/>
+            </p:nvSpPr>
+            <p:spPr>
+              <a:xfrm>
+                <a:off x="8016610" y="2478168"/>
+                <a:ext cx="200993" cy="200993"/>
+              </a:xfrm>
+              <a:prstGeom prst="ellipse">
+                <a:avLst/>
+              </a:prstGeom>
+              <a:solidFill>
+                <a:schemeClr val="accent6">
+                  <a:lumMod val="60000"/>
+                  <a:lumOff val="40000"/>
+                </a:schemeClr>
+              </a:solidFill>
+              <a:ln>
+                <a:solidFill>
+                  <a:schemeClr val="accent6">
+                    <a:lumMod val="75000"/>
+                  </a:schemeClr>
+                </a:solidFill>
+              </a:ln>
+            </p:spPr>
+            <p:style>
+              <a:lnRef idx="2">
+                <a:schemeClr val="accent1">
+                  <a:shade val="50000"/>
+                </a:schemeClr>
+              </a:lnRef>
+              <a:fillRef idx="1">
+                <a:schemeClr val="accent1"/>
+              </a:fillRef>
+              <a:effectRef idx="0">
+                <a:schemeClr val="accent1"/>
+              </a:effectRef>
+              <a:fontRef idx="minor">
+                <a:schemeClr val="lt1"/>
+              </a:fontRef>
+            </p:style>
+            <p:txBody>
+              <a:bodyPr rtlCol="0" anchor="ctr"/>
+              <a:lstStyle/>
+              <a:p>
+                <a:pPr algn="ctr"/>
+                <a:endParaRPr lang="en-US" dirty="0"/>
+              </a:p>
+            </p:txBody>
+          </p:sp>
+          <p:sp>
+            <p:nvSpPr>
+              <p:cNvPr id="85" name="Oval 84">
+                <a:extLst>
+                  <a:ext uri="{FF2B5EF4-FFF2-40B4-BE49-F238E27FC236}">
+                    <a16:creationId xmlns:a16="http://schemas.microsoft.com/office/drawing/2014/main" id="{490CF80C-E60B-410E-94C6-18AE832CA284}"/>
+                  </a:ext>
+                </a:extLst>
+              </p:cNvPr>
+              <p:cNvSpPr/>
+              <p:nvPr/>
+            </p:nvSpPr>
+            <p:spPr>
+              <a:xfrm>
+                <a:off x="7735790" y="3011937"/>
+                <a:ext cx="200993" cy="200993"/>
+              </a:xfrm>
+              <a:prstGeom prst="ellipse">
+                <a:avLst/>
+              </a:prstGeom>
+              <a:solidFill>
+                <a:schemeClr val="accent6">
+                  <a:lumMod val="60000"/>
+                  <a:lumOff val="40000"/>
+                </a:schemeClr>
+              </a:solidFill>
+              <a:ln>
+                <a:solidFill>
+                  <a:schemeClr val="accent6">
+                    <a:lumMod val="75000"/>
+                  </a:schemeClr>
+                </a:solidFill>
+              </a:ln>
+            </p:spPr>
+            <p:style>
+              <a:lnRef idx="2">
+                <a:schemeClr val="accent1">
+                  <a:shade val="50000"/>
+                </a:schemeClr>
+              </a:lnRef>
+              <a:fillRef idx="1">
+                <a:schemeClr val="accent1"/>
+              </a:fillRef>
+              <a:effectRef idx="0">
+                <a:schemeClr val="accent1"/>
+              </a:effectRef>
+              <a:fontRef idx="minor">
+                <a:schemeClr val="lt1"/>
+              </a:fontRef>
+            </p:style>
+            <p:txBody>
+              <a:bodyPr rtlCol="0" anchor="ctr"/>
+              <a:lstStyle/>
+              <a:p>
+                <a:pPr algn="ctr"/>
+                <a:endParaRPr lang="en-US" dirty="0"/>
+              </a:p>
+            </p:txBody>
+          </p:sp>
+          <p:sp>
+            <p:nvSpPr>
+              <p:cNvPr id="86" name="Oval 85">
+                <a:extLst>
+                  <a:ext uri="{FF2B5EF4-FFF2-40B4-BE49-F238E27FC236}">
+                    <a16:creationId xmlns:a16="http://schemas.microsoft.com/office/drawing/2014/main" id="{635A5B00-2459-45AE-AEDD-895C595FBA41}"/>
+                  </a:ext>
+                </a:extLst>
+              </p:cNvPr>
+              <p:cNvSpPr/>
+              <p:nvPr/>
+            </p:nvSpPr>
+            <p:spPr>
+              <a:xfrm>
+                <a:off x="7478948" y="3444078"/>
+                <a:ext cx="200993" cy="200993"/>
+              </a:xfrm>
+              <a:prstGeom prst="ellipse">
+                <a:avLst/>
+              </a:prstGeom>
+              <a:solidFill>
+                <a:schemeClr val="accent6">
+                  <a:lumMod val="60000"/>
+                  <a:lumOff val="40000"/>
+                </a:schemeClr>
+              </a:solidFill>
+              <a:ln>
+                <a:solidFill>
+                  <a:schemeClr val="accent6">
+                    <a:lumMod val="75000"/>
+                  </a:schemeClr>
+                </a:solidFill>
+              </a:ln>
+            </p:spPr>
+            <p:style>
+              <a:lnRef idx="2">
+                <a:schemeClr val="accent1">
+                  <a:shade val="50000"/>
+                </a:schemeClr>
+              </a:lnRef>
+              <a:fillRef idx="1">
+                <a:schemeClr val="accent1"/>
+              </a:fillRef>
+              <a:effectRef idx="0">
+                <a:schemeClr val="accent1"/>
+              </a:effectRef>
+              <a:fontRef idx="minor">
+                <a:schemeClr val="lt1"/>
+              </a:fontRef>
+            </p:style>
+            <p:txBody>
+              <a:bodyPr rtlCol="0" anchor="ctr"/>
+              <a:lstStyle/>
+              <a:p>
+                <a:pPr algn="ctr"/>
+                <a:endParaRPr lang="en-US" dirty="0"/>
+              </a:p>
+            </p:txBody>
+          </p:sp>
+          <p:sp>
+            <p:nvSpPr>
+              <p:cNvPr id="87" name="Oval 86">
+                <a:extLst>
+                  <a:ext uri="{FF2B5EF4-FFF2-40B4-BE49-F238E27FC236}">
+                    <a16:creationId xmlns:a16="http://schemas.microsoft.com/office/drawing/2014/main" id="{2E5DBD8C-2AC5-442E-AF2C-C74839113929}"/>
+                  </a:ext>
+                </a:extLst>
+              </p:cNvPr>
+              <p:cNvSpPr/>
+              <p:nvPr/>
+            </p:nvSpPr>
+            <p:spPr>
+              <a:xfrm>
+                <a:off x="8054340" y="3429000"/>
+                <a:ext cx="200993" cy="200993"/>
+              </a:xfrm>
+              <a:prstGeom prst="ellipse">
+                <a:avLst/>
+              </a:prstGeom>
+              <a:solidFill>
+                <a:schemeClr val="accent6">
+                  <a:lumMod val="60000"/>
+                  <a:lumOff val="40000"/>
+                </a:schemeClr>
+              </a:solidFill>
+              <a:ln>
+                <a:solidFill>
+                  <a:schemeClr val="accent6">
+                    <a:lumMod val="75000"/>
+                  </a:schemeClr>
+                </a:solidFill>
+              </a:ln>
+            </p:spPr>
+            <p:style>
+              <a:lnRef idx="2">
+                <a:schemeClr val="accent1">
+                  <a:shade val="50000"/>
+                </a:schemeClr>
+              </a:lnRef>
+              <a:fillRef idx="1">
+                <a:schemeClr val="accent1"/>
+              </a:fillRef>
+              <a:effectRef idx="0">
+                <a:schemeClr val="accent1"/>
+              </a:effectRef>
+              <a:fontRef idx="minor">
+                <a:schemeClr val="lt1"/>
+              </a:fontRef>
+            </p:style>
+            <p:txBody>
+              <a:bodyPr rtlCol="0" anchor="ctr"/>
+              <a:lstStyle/>
+              <a:p>
+                <a:pPr algn="ctr"/>
+                <a:endParaRPr lang="en-US" dirty="0"/>
+              </a:p>
+            </p:txBody>
+          </p:sp>
+          <p:cxnSp>
+            <p:nvCxnSpPr>
+              <p:cNvPr id="103" name="Straight Arrow Connector 102">
+                <a:extLst>
+                  <a:ext uri="{FF2B5EF4-FFF2-40B4-BE49-F238E27FC236}">
+                    <a16:creationId xmlns:a16="http://schemas.microsoft.com/office/drawing/2014/main" id="{B6654A25-7A15-4A3F-821B-9F8DA42BF6DA}"/>
+                  </a:ext>
+                </a:extLst>
+              </p:cNvPr>
+              <p:cNvCxnSpPr>
+                <a:cxnSpLocks/>
+                <a:stCxn id="84" idx="3"/>
+                <a:endCxn id="85" idx="0"/>
+              </p:cNvCxnSpPr>
+              <p:nvPr/>
+            </p:nvCxnSpPr>
+            <p:spPr>
+              <a:xfrm flipH="1">
+                <a:off x="7836287" y="2649726"/>
+                <a:ext cx="209758" cy="362211"/>
+              </a:xfrm>
+              <a:prstGeom prst="straightConnector1">
+                <a:avLst/>
+              </a:prstGeom>
+              <a:ln w="19050">
+                <a:tailEnd type="triangle"/>
+              </a:ln>
+            </p:spPr>
+            <p:style>
+              <a:lnRef idx="1">
+                <a:schemeClr val="accent1"/>
+              </a:lnRef>
+              <a:fillRef idx="0">
+                <a:schemeClr val="accent1"/>
+              </a:fillRef>
+              <a:effectRef idx="0">
+                <a:schemeClr val="accent1"/>
+              </a:effectRef>
+              <a:fontRef idx="minor">
+                <a:schemeClr val="tx1"/>
+              </a:fontRef>
+            </p:style>
+          </p:cxnSp>
+          <p:cxnSp>
+            <p:nvCxnSpPr>
+              <p:cNvPr id="107" name="Straight Arrow Connector 106">
+                <a:extLst>
+                  <a:ext uri="{FF2B5EF4-FFF2-40B4-BE49-F238E27FC236}">
+                    <a16:creationId xmlns:a16="http://schemas.microsoft.com/office/drawing/2014/main" id="{6374AE87-037A-4ECE-8903-7731CC6FA4BA}"/>
+                  </a:ext>
+                </a:extLst>
+              </p:cNvPr>
+              <p:cNvCxnSpPr>
+                <a:cxnSpLocks/>
+                <a:stCxn id="85" idx="3"/>
+                <a:endCxn id="86" idx="7"/>
+              </p:cNvCxnSpPr>
+              <p:nvPr/>
+            </p:nvCxnSpPr>
+            <p:spPr>
+              <a:xfrm flipH="1">
+                <a:off x="7650506" y="3183495"/>
+                <a:ext cx="114719" cy="290018"/>
+              </a:xfrm>
+              <a:prstGeom prst="straightConnector1">
+                <a:avLst/>
+              </a:prstGeom>
+              <a:ln w="19050">
+                <a:tailEnd type="triangle"/>
+              </a:ln>
+            </p:spPr>
+            <p:style>
+              <a:lnRef idx="1">
+                <a:schemeClr val="accent1"/>
+              </a:lnRef>
+              <a:fillRef idx="0">
+                <a:schemeClr val="accent1"/>
+              </a:fillRef>
+              <a:effectRef idx="0">
+                <a:schemeClr val="accent1"/>
+              </a:effectRef>
+              <a:fontRef idx="minor">
+                <a:schemeClr val="tx1"/>
+              </a:fontRef>
+            </p:style>
+          </p:cxnSp>
+          <p:cxnSp>
+            <p:nvCxnSpPr>
+              <p:cNvPr id="111" name="Straight Arrow Connector 110">
+                <a:extLst>
+                  <a:ext uri="{FF2B5EF4-FFF2-40B4-BE49-F238E27FC236}">
+                    <a16:creationId xmlns:a16="http://schemas.microsoft.com/office/drawing/2014/main" id="{6934B496-761B-4D74-B128-428583567E6C}"/>
+                  </a:ext>
+                </a:extLst>
+              </p:cNvPr>
+              <p:cNvCxnSpPr>
+                <a:cxnSpLocks/>
+                <a:stCxn id="85" idx="5"/>
+                <a:endCxn id="87" idx="1"/>
+              </p:cNvCxnSpPr>
+              <p:nvPr/>
+            </p:nvCxnSpPr>
+            <p:spPr>
+              <a:xfrm>
+                <a:off x="7907348" y="3183495"/>
+                <a:ext cx="176427" cy="274940"/>
+              </a:xfrm>
+              <a:prstGeom prst="straightConnector1">
+                <a:avLst/>
+              </a:prstGeom>
+              <a:ln w="19050">
+                <a:tailEnd type="triangle"/>
+              </a:ln>
+            </p:spPr>
+            <p:style>
+              <a:lnRef idx="1">
+                <a:schemeClr val="accent1"/>
+              </a:lnRef>
+              <a:fillRef idx="0">
+                <a:schemeClr val="accent1"/>
+              </a:fillRef>
+              <a:effectRef idx="0">
+                <a:schemeClr val="accent1"/>
+              </a:effectRef>
+              <a:fontRef idx="minor">
+                <a:schemeClr val="tx1"/>
+              </a:fontRef>
+            </p:style>
+          </p:cxnSp>
+          <p:sp>
+            <p:nvSpPr>
+              <p:cNvPr id="144" name="Oval 143">
+                <a:extLst>
+                  <a:ext uri="{FF2B5EF4-FFF2-40B4-BE49-F238E27FC236}">
+                    <a16:creationId xmlns:a16="http://schemas.microsoft.com/office/drawing/2014/main" id="{17DBD242-11CA-4070-AC43-98BCF347B8B0}"/>
+                  </a:ext>
+                </a:extLst>
+              </p:cNvPr>
+              <p:cNvSpPr/>
+              <p:nvPr/>
+            </p:nvSpPr>
+            <p:spPr>
+              <a:xfrm>
+                <a:off x="8336832" y="3000566"/>
+                <a:ext cx="200993" cy="200993"/>
+              </a:xfrm>
+              <a:prstGeom prst="ellipse">
+                <a:avLst/>
+              </a:prstGeom>
+              <a:solidFill>
+                <a:schemeClr val="accent6">
+                  <a:lumMod val="60000"/>
+                  <a:lumOff val="40000"/>
+                </a:schemeClr>
+              </a:solidFill>
+              <a:ln>
+                <a:solidFill>
+                  <a:schemeClr val="accent6">
+                    <a:lumMod val="75000"/>
+                  </a:schemeClr>
+                </a:solidFill>
+              </a:ln>
+            </p:spPr>
+            <p:style>
+              <a:lnRef idx="2">
+                <a:schemeClr val="accent1">
+                  <a:shade val="50000"/>
+                </a:schemeClr>
+              </a:lnRef>
+              <a:fillRef idx="1">
+                <a:schemeClr val="accent1"/>
+              </a:fillRef>
+              <a:effectRef idx="0">
+                <a:schemeClr val="accent1"/>
+              </a:effectRef>
+              <a:fontRef idx="minor">
+                <a:schemeClr val="lt1"/>
+              </a:fontRef>
+            </p:style>
+            <p:txBody>
+              <a:bodyPr rtlCol="0" anchor="ctr"/>
+              <a:lstStyle/>
+              <a:p>
+                <a:pPr algn="ctr"/>
+                <a:endParaRPr lang="en-US" dirty="0"/>
+              </a:p>
+            </p:txBody>
+          </p:sp>
+          <p:cxnSp>
+            <p:nvCxnSpPr>
+              <p:cNvPr id="145" name="Straight Arrow Connector 144">
+                <a:extLst>
+                  <a:ext uri="{FF2B5EF4-FFF2-40B4-BE49-F238E27FC236}">
+                    <a16:creationId xmlns:a16="http://schemas.microsoft.com/office/drawing/2014/main" id="{11904348-BA85-446E-BA0D-557FAB979237}"/>
+                  </a:ext>
+                </a:extLst>
+              </p:cNvPr>
+              <p:cNvCxnSpPr>
+                <a:cxnSpLocks/>
+                <a:stCxn id="84" idx="5"/>
+                <a:endCxn id="144" idx="1"/>
+              </p:cNvCxnSpPr>
+              <p:nvPr/>
+            </p:nvCxnSpPr>
+            <p:spPr>
+              <a:xfrm>
+                <a:off x="8188168" y="2649726"/>
+                <a:ext cx="178099" cy="380275"/>
+              </a:xfrm>
+              <a:prstGeom prst="straightConnector1">
+                <a:avLst/>
+              </a:prstGeom>
+              <a:ln w="19050">
+                <a:tailEnd type="triangle"/>
+              </a:ln>
+            </p:spPr>
+            <p:style>
+              <a:lnRef idx="1">
+                <a:schemeClr val="accent1"/>
+              </a:lnRef>
+              <a:fillRef idx="0">
+                <a:schemeClr val="accent1"/>
+              </a:fillRef>
+              <a:effectRef idx="0">
+                <a:schemeClr val="accent1"/>
+              </a:effectRef>
+              <a:fontRef idx="minor">
+                <a:schemeClr val="tx1"/>
+              </a:fontRef>
+            </p:style>
+          </p:cxnSp>
+        </p:grpSp>
+        <p:sp>
+          <p:nvSpPr>
+            <p:cNvPr id="146" name="TextBox 145">
+              <a:extLst>
+                <a:ext uri="{FF2B5EF4-FFF2-40B4-BE49-F238E27FC236}">
+                  <a16:creationId xmlns:a16="http://schemas.microsoft.com/office/drawing/2014/main" id="{307BFB30-7BEA-4291-B07B-763FF4436103}"/>
+                </a:ext>
+              </a:extLst>
+            </p:cNvPr>
+            <p:cNvSpPr txBox="1"/>
+            <p:nvPr/>
+          </p:nvSpPr>
+          <p:spPr>
+            <a:xfrm>
+              <a:off x="5776954" y="2136226"/>
+              <a:ext cx="424717" cy="307777"/>
+            </a:xfrm>
+            <a:prstGeom prst="rect">
+              <a:avLst/>
+            </a:prstGeom>
+            <a:noFill/>
+          </p:spPr>
+          <p:txBody>
+            <a:bodyPr wrap="square" rtlCol="0">
+              <a:spAutoFit/>
+            </a:bodyPr>
+            <a:lstStyle/>
+            <a:p>
+              <a:r>
+                <a:rPr lang="en-US" sz="1400" dirty="0"/>
+                <a:t>V1</a:t>
+              </a:r>
+              <a:endParaRPr lang="en-US" sz="1100" dirty="0"/>
+            </a:p>
+          </p:txBody>
+        </p:sp>
+        <p:sp>
+          <p:nvSpPr>
+            <p:cNvPr id="147" name="TextBox 146">
+              <a:extLst>
+                <a:ext uri="{FF2B5EF4-FFF2-40B4-BE49-F238E27FC236}">
+                  <a16:creationId xmlns:a16="http://schemas.microsoft.com/office/drawing/2014/main" id="{F68C8B6D-C141-4037-BC49-0D76A06FB751}"/>
+                </a:ext>
+              </a:extLst>
+            </p:cNvPr>
+            <p:cNvSpPr txBox="1"/>
+            <p:nvPr/>
+          </p:nvSpPr>
+          <p:spPr>
+            <a:xfrm>
+              <a:off x="5931347" y="2557816"/>
+              <a:ext cx="424717" cy="307777"/>
+            </a:xfrm>
+            <a:prstGeom prst="rect">
+              <a:avLst/>
+            </a:prstGeom>
+            <a:noFill/>
+          </p:spPr>
+          <p:txBody>
+            <a:bodyPr wrap="square" rtlCol="0">
+              <a:spAutoFit/>
+            </a:bodyPr>
+            <a:lstStyle/>
+            <a:p>
+              <a:r>
+                <a:rPr lang="en-US" sz="1400" dirty="0"/>
+                <a:t>V2</a:t>
+              </a:r>
+              <a:endParaRPr lang="en-US" sz="1100" dirty="0"/>
+            </a:p>
+          </p:txBody>
+        </p:sp>
+      </p:grpSp>
+      <p:sp>
+        <p:nvSpPr>
+          <p:cNvPr id="148" name="TextBox 147">
+            <a:extLst>
+              <a:ext uri="{FF2B5EF4-FFF2-40B4-BE49-F238E27FC236}">
+                <a16:creationId xmlns:a16="http://schemas.microsoft.com/office/drawing/2014/main" id="{0806108C-4B3A-47D8-A9A9-EE0E673A4AC1}"/>
+              </a:ext>
+            </a:extLst>
+          </p:cNvPr>
+          <p:cNvSpPr txBox="1"/>
+          <p:nvPr/>
+        </p:nvSpPr>
+        <p:spPr>
+          <a:xfrm>
+            <a:off x="5510553" y="3605034"/>
+            <a:ext cx="1234702" cy="307777"/>
+          </a:xfrm>
+          <a:prstGeom prst="rect">
+            <a:avLst/>
+          </a:prstGeom>
+          <a:noFill/>
+        </p:spPr>
+        <p:txBody>
+          <a:bodyPr wrap="square" rtlCol="0">
+            <a:spAutoFit/>
+          </a:bodyPr>
+          <a:lstStyle/>
+          <a:p>
+            <a:r>
+              <a:rPr lang="en-US" sz="1400" dirty="0"/>
+              <a:t>&lt;v1,v2,…,</a:t>
+            </a:r>
+            <a:r>
+              <a:rPr lang="en-US" sz="1400" dirty="0" err="1"/>
+              <a:t>vn</a:t>
+            </a:r>
+            <a:r>
+              <a:rPr lang="en-US" sz="1400" dirty="0"/>
+              <a:t>&gt;</a:t>
+            </a:r>
+          </a:p>
+        </p:txBody>
+      </p:sp>
+      <p:sp>
+        <p:nvSpPr>
+          <p:cNvPr id="149" name="TextBox 148">
+            <a:extLst>
+              <a:ext uri="{FF2B5EF4-FFF2-40B4-BE49-F238E27FC236}">
+                <a16:creationId xmlns:a16="http://schemas.microsoft.com/office/drawing/2014/main" id="{DD99E727-5863-4D99-81C1-7E30265922A2}"/>
+              </a:ext>
+            </a:extLst>
+          </p:cNvPr>
+          <p:cNvSpPr txBox="1"/>
+          <p:nvPr/>
+        </p:nvSpPr>
+        <p:spPr>
+          <a:xfrm>
+            <a:off x="4579940" y="1699205"/>
+            <a:ext cx="1373818" cy="646331"/>
+          </a:xfrm>
+          <a:prstGeom prst="rect">
+            <a:avLst/>
+          </a:prstGeom>
+          <a:noFill/>
+        </p:spPr>
+        <p:txBody>
+          <a:bodyPr wrap="square" rtlCol="0">
+            <a:spAutoFit/>
+          </a:bodyPr>
+          <a:lstStyle/>
+          <a:p>
+            <a:pPr algn="ctr"/>
+            <a:r>
+              <a:rPr lang="en-US" dirty="0"/>
+              <a:t>Word</a:t>
+            </a:r>
+          </a:p>
+          <a:p>
+            <a:pPr algn="ctr"/>
+            <a:r>
+              <a:rPr lang="en-US" dirty="0"/>
+              <a:t>Embedding</a:t>
+            </a:r>
+          </a:p>
+        </p:txBody>
+      </p:sp>
+    </p:spTree>
+    <p:extLst>
+      <p:ext uri="{BB962C8B-B14F-4D97-AF65-F5344CB8AC3E}">
+        <p14:creationId xmlns:p14="http://schemas.microsoft.com/office/powerpoint/2010/main" val="3139791959"/>
+      </p:ext>
+    </p:extLst>
+  </p:cSld>
+  <p:clrMapOvr>
+    <a:masterClrMapping/>
+  </p:clrMapOvr>
+</p:sld>
+</file>
+
 <file path=ppt/theme/theme1.xml><?xml version="1.0" encoding="utf-8"?>
 <a:theme xmlns:a="http://schemas.openxmlformats.org/drawingml/2006/main" name="Office Theme">
   <a:themeElements>

--- a/Figures.pptx
+++ b/Figures.pptx
@@ -35081,345 +35081,12 @@
           <a:chExt cx="0" cy="0"/>
         </a:xfrm>
       </p:grpSpPr>
-      <p:sp>
-        <p:nvSpPr>
-          <p:cNvPr id="2" name="TextBox 1">
+      <p:grpSp>
+        <p:nvGrpSpPr>
+          <p:cNvPr id="7" name="Group 6">
             <a:extLst>
               <a:ext uri="{FF2B5EF4-FFF2-40B4-BE49-F238E27FC236}">
-                <a16:creationId xmlns:a16="http://schemas.microsoft.com/office/drawing/2014/main" id="{0DA92715-6065-4BD2-A200-8177865C7665}"/>
-              </a:ext>
-            </a:extLst>
-          </p:cNvPr>
-          <p:cNvSpPr txBox="1"/>
-          <p:nvPr/>
-        </p:nvSpPr>
-        <p:spPr>
-          <a:xfrm>
-            <a:off x="3295831" y="1915753"/>
-            <a:ext cx="1930973" cy="338554"/>
-          </a:xfrm>
-          <a:prstGeom prst="rect">
-            <a:avLst/>
-          </a:prstGeom>
-          <a:noFill/>
-        </p:spPr>
-        <p:txBody>
-          <a:bodyPr wrap="square" rtlCol="0">
-            <a:spAutoFit/>
-          </a:bodyPr>
-          <a:lstStyle/>
-          <a:p>
-            <a:r>
-              <a:rPr lang="en-US" sz="1600" i="1" dirty="0"/>
-              <a:t>Code coverage</a:t>
-            </a:r>
-          </a:p>
-        </p:txBody>
-      </p:sp>
-      <p:sp>
-        <p:nvSpPr>
-          <p:cNvPr id="3" name="TextBox 2">
-            <a:extLst>
-              <a:ext uri="{FF2B5EF4-FFF2-40B4-BE49-F238E27FC236}">
-                <a16:creationId xmlns:a16="http://schemas.microsoft.com/office/drawing/2014/main" id="{2E6AADB5-1754-47E3-805D-B0344C7AA2B0}"/>
-              </a:ext>
-            </a:extLst>
-          </p:cNvPr>
-          <p:cNvSpPr txBox="1"/>
-          <p:nvPr/>
-        </p:nvSpPr>
-        <p:spPr>
-          <a:xfrm>
-            <a:off x="3409953" y="2374859"/>
-            <a:ext cx="532549" cy="369332"/>
-          </a:xfrm>
-          <a:prstGeom prst="rect">
-            <a:avLst/>
-          </a:prstGeom>
-          <a:noFill/>
-        </p:spPr>
-        <p:txBody>
-          <a:bodyPr wrap="square" rtlCol="0">
-            <a:spAutoFit/>
-          </a:bodyPr>
-          <a:lstStyle/>
-          <a:p>
-            <a:pPr algn="ctr"/>
-            <a:r>
-              <a:rPr lang="en-US" dirty="0"/>
-              <a:t>AST</a:t>
-            </a:r>
-          </a:p>
-        </p:txBody>
-      </p:sp>
-      <p:sp>
-        <p:nvSpPr>
-          <p:cNvPr id="4" name="TextBox 3">
-            <a:extLst>
-              <a:ext uri="{FF2B5EF4-FFF2-40B4-BE49-F238E27FC236}">
-                <a16:creationId xmlns:a16="http://schemas.microsoft.com/office/drawing/2014/main" id="{5DD5D785-C039-466D-A01A-685FC2094385}"/>
-              </a:ext>
-            </a:extLst>
-          </p:cNvPr>
-          <p:cNvSpPr txBox="1"/>
-          <p:nvPr/>
-        </p:nvSpPr>
-        <p:spPr>
-          <a:xfrm>
-            <a:off x="3264275" y="3240941"/>
-            <a:ext cx="1412660" cy="369332"/>
-          </a:xfrm>
-          <a:prstGeom prst="rect">
-            <a:avLst/>
-          </a:prstGeom>
-          <a:noFill/>
-        </p:spPr>
-        <p:txBody>
-          <a:bodyPr wrap="square" rtlCol="0">
-            <a:spAutoFit/>
-          </a:bodyPr>
-          <a:lstStyle/>
-          <a:p>
-            <a:pPr algn="ctr"/>
-            <a:r>
-              <a:rPr lang="en-US" dirty="0"/>
-              <a:t>Variables</a:t>
-            </a:r>
-          </a:p>
-        </p:txBody>
-      </p:sp>
-      <p:sp>
-        <p:nvSpPr>
-          <p:cNvPr id="33" name="Rectangle: Rounded Corners 32">
-            <a:extLst>
-              <a:ext uri="{FF2B5EF4-FFF2-40B4-BE49-F238E27FC236}">
-                <a16:creationId xmlns:a16="http://schemas.microsoft.com/office/drawing/2014/main" id="{554E4FA8-6A8E-4244-B394-2320D49053FF}"/>
-              </a:ext>
-            </a:extLst>
-          </p:cNvPr>
-          <p:cNvSpPr/>
-          <p:nvPr/>
-        </p:nvSpPr>
-        <p:spPr>
-          <a:xfrm>
-            <a:off x="7749077" y="2489010"/>
-            <a:ext cx="1079695" cy="387059"/>
-          </a:xfrm>
-          <a:prstGeom prst="roundRect">
-            <a:avLst/>
-          </a:prstGeom>
-          <a:solidFill>
-            <a:schemeClr val="accent5">
-              <a:lumMod val="40000"/>
-              <a:lumOff val="60000"/>
-            </a:schemeClr>
-          </a:solidFill>
-          <a:ln>
-            <a:solidFill>
-              <a:schemeClr val="accent5">
-                <a:lumMod val="75000"/>
-              </a:schemeClr>
-            </a:solidFill>
-          </a:ln>
-        </p:spPr>
-        <p:style>
-          <a:lnRef idx="2">
-            <a:schemeClr val="accent1">
-              <a:shade val="50000"/>
-            </a:schemeClr>
-          </a:lnRef>
-          <a:fillRef idx="1">
-            <a:schemeClr val="accent1"/>
-          </a:fillRef>
-          <a:effectRef idx="0">
-            <a:schemeClr val="accent1"/>
-          </a:effectRef>
-          <a:fontRef idx="minor">
-            <a:schemeClr val="lt1"/>
-          </a:fontRef>
-        </p:style>
-        <p:txBody>
-          <a:bodyPr rtlCol="0" anchor="ctr"/>
-          <a:lstStyle/>
-          <a:p>
-            <a:pPr algn="ctr"/>
-            <a:r>
-              <a:rPr lang="en-US" dirty="0"/>
-              <a:t>TreeCaps</a:t>
-            </a:r>
-          </a:p>
-        </p:txBody>
-      </p:sp>
-      <p:sp>
-        <p:nvSpPr>
-          <p:cNvPr id="34" name="Rectangle: Rounded Corners 33">
-            <a:extLst>
-              <a:ext uri="{FF2B5EF4-FFF2-40B4-BE49-F238E27FC236}">
-                <a16:creationId xmlns:a16="http://schemas.microsoft.com/office/drawing/2014/main" id="{D222BB27-0980-484C-96BD-F89E12F26F2D}"/>
-              </a:ext>
-            </a:extLst>
-          </p:cNvPr>
-          <p:cNvSpPr/>
-          <p:nvPr/>
-        </p:nvSpPr>
-        <p:spPr>
-          <a:xfrm>
-            <a:off x="7749077" y="3545224"/>
-            <a:ext cx="1079695" cy="387059"/>
-          </a:xfrm>
-          <a:prstGeom prst="roundRect">
-            <a:avLst/>
-          </a:prstGeom>
-          <a:solidFill>
-            <a:schemeClr val="accent5">
-              <a:lumMod val="40000"/>
-              <a:lumOff val="60000"/>
-            </a:schemeClr>
-          </a:solidFill>
-          <a:ln>
-            <a:solidFill>
-              <a:schemeClr val="accent5">
-                <a:lumMod val="75000"/>
-              </a:schemeClr>
-            </a:solidFill>
-          </a:ln>
-        </p:spPr>
-        <p:style>
-          <a:lnRef idx="2">
-            <a:schemeClr val="accent1">
-              <a:shade val="50000"/>
-            </a:schemeClr>
-          </a:lnRef>
-          <a:fillRef idx="1">
-            <a:schemeClr val="accent1"/>
-          </a:fillRef>
-          <a:effectRef idx="0">
-            <a:schemeClr val="accent1"/>
-          </a:effectRef>
-          <a:fontRef idx="minor">
-            <a:schemeClr val="lt1"/>
-          </a:fontRef>
-        </p:style>
-        <p:txBody>
-          <a:bodyPr rtlCol="0" anchor="ctr"/>
-          <a:lstStyle/>
-          <a:p>
-            <a:pPr algn="ctr"/>
-            <a:r>
-              <a:rPr lang="en-US" dirty="0"/>
-              <a:t>TreeCaps</a:t>
-            </a:r>
-          </a:p>
-        </p:txBody>
-      </p:sp>
-      <p:sp>
-        <p:nvSpPr>
-          <p:cNvPr id="88" name="Rectangle: Rounded Corners 87">
-            <a:extLst>
-              <a:ext uri="{FF2B5EF4-FFF2-40B4-BE49-F238E27FC236}">
-                <a16:creationId xmlns:a16="http://schemas.microsoft.com/office/drawing/2014/main" id="{A9367E06-B8B8-4DE7-9EC6-053AF2EE0809}"/>
-              </a:ext>
-            </a:extLst>
-          </p:cNvPr>
-          <p:cNvSpPr/>
-          <p:nvPr/>
-        </p:nvSpPr>
-        <p:spPr>
-          <a:xfrm>
-            <a:off x="9899307" y="2328492"/>
-            <a:ext cx="1144211" cy="764600"/>
-          </a:xfrm>
-          <a:prstGeom prst="roundRect">
-            <a:avLst/>
-          </a:prstGeom>
-          <a:solidFill>
-            <a:schemeClr val="accent5">
-              <a:lumMod val="40000"/>
-              <a:lumOff val="60000"/>
-            </a:schemeClr>
-          </a:solidFill>
-          <a:ln>
-            <a:solidFill>
-              <a:schemeClr val="accent5">
-                <a:lumMod val="75000"/>
-              </a:schemeClr>
-            </a:solidFill>
-          </a:ln>
-        </p:spPr>
-        <p:style>
-          <a:lnRef idx="2">
-            <a:schemeClr val="accent1">
-              <a:shade val="50000"/>
-            </a:schemeClr>
-          </a:lnRef>
-          <a:fillRef idx="1">
-            <a:schemeClr val="accent1"/>
-          </a:fillRef>
-          <a:effectRef idx="0">
-            <a:schemeClr val="accent1"/>
-          </a:effectRef>
-          <a:fontRef idx="minor">
-            <a:schemeClr val="lt1"/>
-          </a:fontRef>
-        </p:style>
-        <p:txBody>
-          <a:bodyPr lIns="18288" tIns="18288" rIns="18288" bIns="18288" rtlCol="0" anchor="ctr"/>
-          <a:lstStyle/>
-          <a:p>
-            <a:pPr algn="ctr"/>
-            <a:r>
-              <a:rPr lang="en-US" dirty="0"/>
-              <a:t>Fully Connected Layer</a:t>
-            </a:r>
-          </a:p>
-        </p:txBody>
-      </p:sp>
-      <p:sp>
-        <p:nvSpPr>
-          <p:cNvPr id="42" name="TextBox 41">
-            <a:extLst>
-              <a:ext uri="{FF2B5EF4-FFF2-40B4-BE49-F238E27FC236}">
-                <a16:creationId xmlns:a16="http://schemas.microsoft.com/office/drawing/2014/main" id="{40A3D922-C447-4886-B048-8A29486C6ACB}"/>
-              </a:ext>
-            </a:extLst>
-          </p:cNvPr>
-          <p:cNvSpPr txBox="1"/>
-          <p:nvPr/>
-        </p:nvSpPr>
-        <p:spPr>
-          <a:xfrm>
-            <a:off x="9086856" y="3781813"/>
-            <a:ext cx="744222" cy="369332"/>
-          </a:xfrm>
-          <a:prstGeom prst="rect">
-            <a:avLst/>
-          </a:prstGeom>
-          <a:noFill/>
-        </p:spPr>
-        <p:txBody>
-          <a:bodyPr wrap="square" rtlCol="0">
-            <a:spAutoFit/>
-          </a:bodyPr>
-          <a:lstStyle/>
-          <a:p>
-            <a:r>
-              <a:rPr lang="en-US" dirty="0"/>
-              <a:t>V</a:t>
-            </a:r>
-            <a:r>
-              <a:rPr lang="en-US" sz="1050" dirty="0"/>
-              <a:t>var</a:t>
-            </a:r>
-            <a:endParaRPr lang="en-US" sz="1400" dirty="0"/>
-          </a:p>
-        </p:txBody>
-      </p:sp>
-      <p:grpSp>
-        <p:nvGrpSpPr>
-          <p:cNvPr id="74" name="Group 73">
-            <a:extLst>
-              <a:ext uri="{FF2B5EF4-FFF2-40B4-BE49-F238E27FC236}">
-                <a16:creationId xmlns:a16="http://schemas.microsoft.com/office/drawing/2014/main" id="{5D77D2D2-9E26-4AA2-87AF-9D8F429D4CBD}"/>
+                <a16:creationId xmlns:a16="http://schemas.microsoft.com/office/drawing/2014/main" id="{B6D50F21-764B-49B2-9D04-85C2C1E94A0B}"/>
               </a:ext>
             </a:extLst>
           </p:cNvPr>
@@ -35428,12 +35095,231 @@
         </p:nvGrpSpPr>
         <p:grpSpPr>
           <a:xfrm>
-            <a:off x="9086856" y="3652909"/>
-            <a:ext cx="590550" cy="180483"/>
-            <a:chOff x="10191750" y="3201290"/>
-            <a:chExt cx="590550" cy="180483"/>
+            <a:off x="2542182" y="1051666"/>
+            <a:ext cx="7810316" cy="3027596"/>
+            <a:chOff x="2542182" y="1051666"/>
+            <a:chExt cx="7810316" cy="3027596"/>
           </a:xfrm>
         </p:grpSpPr>
+        <p:sp>
+          <p:nvSpPr>
+            <p:cNvPr id="2" name="TextBox 1">
+              <a:extLst>
+                <a:ext uri="{FF2B5EF4-FFF2-40B4-BE49-F238E27FC236}">
+                  <a16:creationId xmlns:a16="http://schemas.microsoft.com/office/drawing/2014/main" id="{0DA92715-6065-4BD2-A200-8177865C7665}"/>
+                </a:ext>
+              </a:extLst>
+            </p:cNvPr>
+            <p:cNvSpPr txBox="1"/>
+            <p:nvPr/>
+          </p:nvSpPr>
+          <p:spPr>
+            <a:xfrm>
+              <a:off x="4966715" y="1051666"/>
+              <a:ext cx="1930973" cy="584775"/>
+            </a:xfrm>
+            <a:prstGeom prst="rect">
+              <a:avLst/>
+            </a:prstGeom>
+            <a:noFill/>
+          </p:spPr>
+          <p:txBody>
+            <a:bodyPr wrap="square" rtlCol="0">
+              <a:spAutoFit/>
+            </a:bodyPr>
+            <a:lstStyle/>
+            <a:p>
+              <a:r>
+                <a:rPr lang="en-US" sz="1600" i="1" dirty="0"/>
+                <a:t>Code </a:t>
+              </a:r>
+            </a:p>
+            <a:p>
+              <a:r>
+                <a:rPr lang="en-US" sz="1600" i="1" dirty="0"/>
+                <a:t>coverage</a:t>
+              </a:r>
+            </a:p>
+          </p:txBody>
+        </p:sp>
+        <p:sp>
+          <p:nvSpPr>
+            <p:cNvPr id="3" name="TextBox 2">
+              <a:extLst>
+                <a:ext uri="{FF2B5EF4-FFF2-40B4-BE49-F238E27FC236}">
+                  <a16:creationId xmlns:a16="http://schemas.microsoft.com/office/drawing/2014/main" id="{2E6AADB5-1754-47E3-805D-B0344C7AA2B0}"/>
+                </a:ext>
+              </a:extLst>
+            </p:cNvPr>
+            <p:cNvSpPr txBox="1"/>
+            <p:nvPr/>
+          </p:nvSpPr>
+          <p:spPr>
+            <a:xfrm>
+              <a:off x="3409953" y="2374859"/>
+              <a:ext cx="532549" cy="369332"/>
+            </a:xfrm>
+            <a:prstGeom prst="rect">
+              <a:avLst/>
+            </a:prstGeom>
+            <a:noFill/>
+          </p:spPr>
+          <p:txBody>
+            <a:bodyPr wrap="square" rtlCol="0">
+              <a:spAutoFit/>
+            </a:bodyPr>
+            <a:lstStyle/>
+            <a:p>
+              <a:pPr algn="ctr"/>
+              <a:r>
+                <a:rPr lang="en-US" dirty="0"/>
+                <a:t>AST</a:t>
+              </a:r>
+            </a:p>
+          </p:txBody>
+        </p:sp>
+        <p:sp>
+          <p:nvSpPr>
+            <p:cNvPr id="4" name="TextBox 3">
+              <a:extLst>
+                <a:ext uri="{FF2B5EF4-FFF2-40B4-BE49-F238E27FC236}">
+                  <a16:creationId xmlns:a16="http://schemas.microsoft.com/office/drawing/2014/main" id="{5DD5D785-C039-466D-A01A-685FC2094385}"/>
+                </a:ext>
+              </a:extLst>
+            </p:cNvPr>
+            <p:cNvSpPr txBox="1"/>
+            <p:nvPr/>
+          </p:nvSpPr>
+          <p:spPr>
+            <a:xfrm>
+              <a:off x="3264275" y="3240941"/>
+              <a:ext cx="1412660" cy="369332"/>
+            </a:xfrm>
+            <a:prstGeom prst="rect">
+              <a:avLst/>
+            </a:prstGeom>
+            <a:noFill/>
+          </p:spPr>
+          <p:txBody>
+            <a:bodyPr wrap="square" rtlCol="0">
+              <a:spAutoFit/>
+            </a:bodyPr>
+            <a:lstStyle/>
+            <a:p>
+              <a:pPr algn="ctr"/>
+              <a:r>
+                <a:rPr lang="en-US" dirty="0"/>
+                <a:t>Variables</a:t>
+              </a:r>
+            </a:p>
+          </p:txBody>
+        </p:sp>
+        <p:sp>
+          <p:nvSpPr>
+            <p:cNvPr id="88" name="Rectangle: Rounded Corners 87">
+              <a:extLst>
+                <a:ext uri="{FF2B5EF4-FFF2-40B4-BE49-F238E27FC236}">
+                  <a16:creationId xmlns:a16="http://schemas.microsoft.com/office/drawing/2014/main" id="{A9367E06-B8B8-4DE7-9EC6-053AF2EE0809}"/>
+                </a:ext>
+              </a:extLst>
+            </p:cNvPr>
+            <p:cNvSpPr/>
+            <p:nvPr/>
+          </p:nvSpPr>
+          <p:spPr>
+            <a:xfrm>
+              <a:off x="8136031" y="2256609"/>
+              <a:ext cx="1144211" cy="764600"/>
+            </a:xfrm>
+            <a:prstGeom prst="roundRect">
+              <a:avLst/>
+            </a:prstGeom>
+            <a:solidFill>
+              <a:schemeClr val="accent5">
+                <a:lumMod val="40000"/>
+                <a:lumOff val="60000"/>
+              </a:schemeClr>
+            </a:solidFill>
+            <a:ln>
+              <a:solidFill>
+                <a:schemeClr val="accent5">
+                  <a:lumMod val="75000"/>
+                </a:schemeClr>
+              </a:solidFill>
+            </a:ln>
+          </p:spPr>
+          <p:style>
+            <a:lnRef idx="2">
+              <a:schemeClr val="accent1">
+                <a:shade val="50000"/>
+              </a:schemeClr>
+            </a:lnRef>
+            <a:fillRef idx="1">
+              <a:schemeClr val="accent1"/>
+            </a:fillRef>
+            <a:effectRef idx="0">
+              <a:schemeClr val="accent1"/>
+            </a:effectRef>
+            <a:fontRef idx="minor">
+              <a:schemeClr val="lt1"/>
+            </a:fontRef>
+          </p:style>
+          <p:txBody>
+            <a:bodyPr lIns="18288" tIns="18288" rIns="18288" bIns="18288" rtlCol="0" anchor="ctr"/>
+            <a:lstStyle/>
+            <a:p>
+              <a:pPr algn="ctr"/>
+              <a:r>
+                <a:rPr lang="en-US" dirty="0">
+                  <a:solidFill>
+                    <a:schemeClr val="tx1"/>
+                  </a:solidFill>
+                </a:rPr>
+                <a:t>Fully Connected Layer</a:t>
+              </a:r>
+            </a:p>
+          </p:txBody>
+        </p:sp>
+        <p:sp>
+          <p:nvSpPr>
+            <p:cNvPr id="42" name="TextBox 41">
+              <a:extLst>
+                <a:ext uri="{FF2B5EF4-FFF2-40B4-BE49-F238E27FC236}">
+                  <a16:creationId xmlns:a16="http://schemas.microsoft.com/office/drawing/2014/main" id="{40A3D922-C447-4886-B048-8A29486C6ACB}"/>
+                </a:ext>
+              </a:extLst>
+            </p:cNvPr>
+            <p:cNvSpPr txBox="1"/>
+            <p:nvPr/>
+          </p:nvSpPr>
+          <p:spPr>
+            <a:xfrm>
+              <a:off x="7323580" y="3709930"/>
+              <a:ext cx="744222" cy="369332"/>
+            </a:xfrm>
+            <a:prstGeom prst="rect">
+              <a:avLst/>
+            </a:prstGeom>
+            <a:noFill/>
+          </p:spPr>
+          <p:txBody>
+            <a:bodyPr wrap="square" rtlCol="0">
+              <a:spAutoFit/>
+            </a:bodyPr>
+            <a:lstStyle/>
+            <a:p>
+              <a:r>
+                <a:rPr lang="en-US" dirty="0"/>
+                <a:t>V</a:t>
+              </a:r>
+              <a:r>
+                <a:rPr lang="en-US" sz="1050" dirty="0"/>
+                <a:t>var</a:t>
+              </a:r>
+              <a:endParaRPr lang="en-US" sz="1400" dirty="0"/>
+            </a:p>
+          </p:txBody>
+        </p:sp>
         <p:sp>
           <p:nvSpPr>
             <p:cNvPr id="70" name="Rectangle: Rounded Corners 69">
@@ -35448,7 +35334,7 @@
           </p:nvSpPr>
           <p:spPr>
             <a:xfrm>
-              <a:off x="10191750" y="3201290"/>
+              <a:off x="7323580" y="3581026"/>
               <a:ext cx="590550" cy="180483"/>
             </a:xfrm>
             <a:prstGeom prst="roundRect">
@@ -35500,7 +35386,7 @@
           </p:nvSpPr>
           <p:spPr>
             <a:xfrm>
-              <a:off x="10258345" y="3230725"/>
+              <a:off x="7390175" y="3610461"/>
               <a:ext cx="123905" cy="123905"/>
             </a:xfrm>
             <a:prstGeom prst="ellipse">
@@ -35546,7 +35432,7 @@
           </p:nvSpPr>
           <p:spPr>
             <a:xfrm>
-              <a:off x="10421903" y="3227520"/>
+              <a:off x="7553733" y="3607256"/>
               <a:ext cx="123905" cy="123905"/>
             </a:xfrm>
             <a:prstGeom prst="ellipse">
@@ -35592,7 +35478,7 @@
           </p:nvSpPr>
           <p:spPr>
             <a:xfrm>
-              <a:off x="10585461" y="3227520"/>
+              <a:off x="7717291" y="3607256"/>
               <a:ext cx="123905" cy="123905"/>
             </a:xfrm>
             <a:prstGeom prst="ellipse">
@@ -35624,67 +35510,46 @@
             </a:p>
           </p:txBody>
         </p:sp>
-      </p:grpSp>
-      <p:sp>
-        <p:nvSpPr>
-          <p:cNvPr id="75" name="TextBox 74">
-            <a:extLst>
-              <a:ext uri="{FF2B5EF4-FFF2-40B4-BE49-F238E27FC236}">
-                <a16:creationId xmlns:a16="http://schemas.microsoft.com/office/drawing/2014/main" id="{37C7159B-CB38-4E10-B86B-678D503D2FB9}"/>
-              </a:ext>
-            </a:extLst>
-          </p:cNvPr>
-          <p:cNvSpPr txBox="1"/>
-          <p:nvPr/>
-        </p:nvSpPr>
-        <p:spPr>
-          <a:xfrm>
-            <a:off x="9028712" y="2724941"/>
-            <a:ext cx="848615" cy="369332"/>
-          </a:xfrm>
-          <a:prstGeom prst="rect">
-            <a:avLst/>
-          </a:prstGeom>
-          <a:noFill/>
-        </p:spPr>
-        <p:txBody>
-          <a:bodyPr wrap="square" rtlCol="0">
-            <a:spAutoFit/>
-          </a:bodyPr>
-          <a:lstStyle/>
-          <a:p>
-            <a:r>
-              <a:rPr lang="en-US" dirty="0"/>
-              <a:t>V</a:t>
-            </a:r>
-            <a:r>
-              <a:rPr lang="en-US" sz="1050" dirty="0"/>
-              <a:t>sub-AST</a:t>
-            </a:r>
-            <a:endParaRPr lang="en-US" sz="1400" dirty="0"/>
-          </a:p>
-        </p:txBody>
-      </p:sp>
-      <p:grpSp>
-        <p:nvGrpSpPr>
-          <p:cNvPr id="76" name="Group 75">
-            <a:extLst>
-              <a:ext uri="{FF2B5EF4-FFF2-40B4-BE49-F238E27FC236}">
-                <a16:creationId xmlns:a16="http://schemas.microsoft.com/office/drawing/2014/main" id="{BF0F9C16-053D-407A-81DB-C7E42DD4F03B}"/>
-              </a:ext>
-            </a:extLst>
-          </p:cNvPr>
-          <p:cNvGrpSpPr/>
-          <p:nvPr/>
-        </p:nvGrpSpPr>
-        <p:grpSpPr>
-          <a:xfrm>
-            <a:off x="9068803" y="2594056"/>
-            <a:ext cx="590550" cy="180483"/>
-            <a:chOff x="10191750" y="3201290"/>
-            <a:chExt cx="590550" cy="180483"/>
-          </a:xfrm>
-        </p:grpSpPr>
+        <p:sp>
+          <p:nvSpPr>
+            <p:cNvPr id="75" name="TextBox 74">
+              <a:extLst>
+                <a:ext uri="{FF2B5EF4-FFF2-40B4-BE49-F238E27FC236}">
+                  <a16:creationId xmlns:a16="http://schemas.microsoft.com/office/drawing/2014/main" id="{37C7159B-CB38-4E10-B86B-678D503D2FB9}"/>
+                </a:ext>
+              </a:extLst>
+            </p:cNvPr>
+            <p:cNvSpPr txBox="1"/>
+            <p:nvPr/>
+          </p:nvSpPr>
+          <p:spPr>
+            <a:xfrm>
+              <a:off x="7265436" y="2653058"/>
+              <a:ext cx="848615" cy="369332"/>
+            </a:xfrm>
+            <a:prstGeom prst="rect">
+              <a:avLst/>
+            </a:prstGeom>
+            <a:noFill/>
+          </p:spPr>
+          <p:txBody>
+            <a:bodyPr wrap="square" rtlCol="0">
+              <a:spAutoFit/>
+            </a:bodyPr>
+            <a:lstStyle/>
+            <a:p>
+              <a:r>
+                <a:rPr lang="en-US" dirty="0"/>
+                <a:t>V</a:t>
+              </a:r>
+              <a:r>
+                <a:rPr lang="en-US" sz="1050" dirty="0"/>
+                <a:t>sub-AST</a:t>
+              </a:r>
+              <a:endParaRPr lang="en-US" sz="1400" dirty="0"/>
+            </a:p>
+          </p:txBody>
+        </p:sp>
         <p:sp>
           <p:nvSpPr>
             <p:cNvPr id="77" name="Rectangle: Rounded Corners 76">
@@ -35699,7 +35564,7 @@
           </p:nvSpPr>
           <p:spPr>
             <a:xfrm>
-              <a:off x="10191750" y="3201290"/>
+              <a:off x="7305527" y="2522173"/>
               <a:ext cx="590550" cy="180483"/>
             </a:xfrm>
             <a:prstGeom prst="roundRect">
@@ -35751,7 +35616,7 @@
           </p:nvSpPr>
           <p:spPr>
             <a:xfrm>
-              <a:off x="10258345" y="3230725"/>
+              <a:off x="7372122" y="2551608"/>
               <a:ext cx="123905" cy="123905"/>
             </a:xfrm>
             <a:prstGeom prst="ellipse">
@@ -35811,7 +35676,7 @@
           </p:nvSpPr>
           <p:spPr>
             <a:xfrm>
-              <a:off x="10421903" y="3227520"/>
+              <a:off x="7535680" y="2548403"/>
               <a:ext cx="123905" cy="123905"/>
             </a:xfrm>
             <a:prstGeom prst="ellipse">
@@ -35871,7 +35736,7 @@
           </p:nvSpPr>
           <p:spPr>
             <a:xfrm>
-              <a:off x="10585461" y="3227520"/>
+              <a:off x="7699238" y="2548403"/>
               <a:ext cx="123905" cy="123905"/>
             </a:xfrm>
             <a:prstGeom prst="ellipse">
@@ -35917,67 +35782,46 @@
             </a:p>
           </p:txBody>
         </p:sp>
-      </p:grpSp>
-      <p:sp>
-        <p:nvSpPr>
-          <p:cNvPr id="89" name="TextBox 88">
-            <a:extLst>
-              <a:ext uri="{FF2B5EF4-FFF2-40B4-BE49-F238E27FC236}">
-                <a16:creationId xmlns:a16="http://schemas.microsoft.com/office/drawing/2014/main" id="{2A68D3F4-B1F3-4F8F-81E1-76B7E846014D}"/>
-              </a:ext>
-            </a:extLst>
-          </p:cNvPr>
-          <p:cNvSpPr txBox="1"/>
-          <p:nvPr/>
-        </p:nvSpPr>
-        <p:spPr>
-          <a:xfrm>
-            <a:off x="11371552" y="2744191"/>
-            <a:ext cx="744222" cy="369332"/>
-          </a:xfrm>
-          <a:prstGeom prst="rect">
-            <a:avLst/>
-          </a:prstGeom>
-          <a:noFill/>
-        </p:spPr>
-        <p:txBody>
-          <a:bodyPr wrap="square" rtlCol="0">
-            <a:spAutoFit/>
-          </a:bodyPr>
-          <a:lstStyle/>
-          <a:p>
-            <a:r>
-              <a:rPr lang="en-US" dirty="0"/>
-              <a:t>V</a:t>
-            </a:r>
-            <a:r>
-              <a:rPr lang="en-US" sz="1050" dirty="0"/>
-              <a:t>S1</a:t>
-            </a:r>
-            <a:endParaRPr lang="en-US" sz="1400" dirty="0"/>
-          </a:p>
-        </p:txBody>
-      </p:sp>
-      <p:grpSp>
-        <p:nvGrpSpPr>
-          <p:cNvPr id="90" name="Group 89">
-            <a:extLst>
-              <a:ext uri="{FF2B5EF4-FFF2-40B4-BE49-F238E27FC236}">
-                <a16:creationId xmlns:a16="http://schemas.microsoft.com/office/drawing/2014/main" id="{40511621-C7AC-443D-83B2-B4AD1E32C94C}"/>
-              </a:ext>
-            </a:extLst>
-          </p:cNvPr>
-          <p:cNvGrpSpPr/>
-          <p:nvPr/>
-        </p:nvGrpSpPr>
-        <p:grpSpPr>
-          <a:xfrm>
-            <a:off x="11288000" y="2594056"/>
-            <a:ext cx="590550" cy="180483"/>
-            <a:chOff x="10191750" y="3201290"/>
-            <a:chExt cx="590550" cy="180483"/>
-          </a:xfrm>
-        </p:grpSpPr>
+        <p:sp>
+          <p:nvSpPr>
+            <p:cNvPr id="89" name="TextBox 88">
+              <a:extLst>
+                <a:ext uri="{FF2B5EF4-FFF2-40B4-BE49-F238E27FC236}">
+                  <a16:creationId xmlns:a16="http://schemas.microsoft.com/office/drawing/2014/main" id="{2A68D3F4-B1F3-4F8F-81E1-76B7E846014D}"/>
+                </a:ext>
+              </a:extLst>
+            </p:cNvPr>
+            <p:cNvSpPr txBox="1"/>
+            <p:nvPr/>
+          </p:nvSpPr>
+          <p:spPr>
+            <a:xfrm>
+              <a:off x="9608276" y="2672308"/>
+              <a:ext cx="744222" cy="369332"/>
+            </a:xfrm>
+            <a:prstGeom prst="rect">
+              <a:avLst/>
+            </a:prstGeom>
+            <a:noFill/>
+          </p:spPr>
+          <p:txBody>
+            <a:bodyPr wrap="square" rtlCol="0">
+              <a:spAutoFit/>
+            </a:bodyPr>
+            <a:lstStyle/>
+            <a:p>
+              <a:r>
+                <a:rPr lang="en-US" dirty="0"/>
+                <a:t>V</a:t>
+              </a:r>
+              <a:r>
+                <a:rPr lang="en-US" sz="1050" dirty="0"/>
+                <a:t>S1</a:t>
+              </a:r>
+              <a:endParaRPr lang="en-US" sz="1400" dirty="0"/>
+            </a:p>
+          </p:txBody>
+        </p:sp>
         <p:sp>
           <p:nvSpPr>
             <p:cNvPr id="91" name="Rectangle: Rounded Corners 90">
@@ -35992,7 +35836,7 @@
           </p:nvSpPr>
           <p:spPr>
             <a:xfrm>
-              <a:off x="10191750" y="3201290"/>
+              <a:off x="9524724" y="2522173"/>
               <a:ext cx="590550" cy="180483"/>
             </a:xfrm>
             <a:prstGeom prst="roundRect">
@@ -36044,7 +35888,7 @@
           </p:nvSpPr>
           <p:spPr>
             <a:xfrm>
-              <a:off x="10258345" y="3230725"/>
+              <a:off x="9591319" y="2551608"/>
               <a:ext cx="123905" cy="123905"/>
             </a:xfrm>
             <a:prstGeom prst="ellipse">
@@ -36101,7 +35945,7 @@
           </p:nvSpPr>
           <p:spPr>
             <a:xfrm>
-              <a:off x="10421903" y="3227520"/>
+              <a:off x="9754877" y="2548403"/>
               <a:ext cx="123905" cy="123905"/>
             </a:xfrm>
             <a:prstGeom prst="ellipse">
@@ -36158,7 +36002,7 @@
           </p:nvSpPr>
           <p:spPr>
             <a:xfrm>
-              <a:off x="10585461" y="3227520"/>
+              <a:off x="9918435" y="2548403"/>
               <a:ext cx="123905" cy="123905"/>
             </a:xfrm>
             <a:prstGeom prst="ellipse">
@@ -36201,168 +36045,147 @@
             </a:p>
           </p:txBody>
         </p:sp>
-      </p:grpSp>
-      <p:sp>
-        <p:nvSpPr>
-          <p:cNvPr id="95" name="Left Brace 94">
-            <a:extLst>
-              <a:ext uri="{FF2B5EF4-FFF2-40B4-BE49-F238E27FC236}">
-                <a16:creationId xmlns:a16="http://schemas.microsoft.com/office/drawing/2014/main" id="{C834D831-738E-4293-8262-400D9CC54CC5}"/>
-              </a:ext>
-            </a:extLst>
-          </p:cNvPr>
-          <p:cNvSpPr/>
-          <p:nvPr/>
-        </p:nvSpPr>
-        <p:spPr>
-          <a:xfrm>
-            <a:off x="3040948" y="1261421"/>
-            <a:ext cx="169243" cy="2808437"/>
-          </a:xfrm>
-          <a:prstGeom prst="leftBrace">
-            <a:avLst/>
-          </a:prstGeom>
-          <a:ln w="12700">
+        <p:sp>
+          <p:nvSpPr>
+            <p:cNvPr id="95" name="Left Brace 94">
+              <a:extLst>
+                <a:ext uri="{FF2B5EF4-FFF2-40B4-BE49-F238E27FC236}">
+                  <a16:creationId xmlns:a16="http://schemas.microsoft.com/office/drawing/2014/main" id="{C834D831-738E-4293-8262-400D9CC54CC5}"/>
+                </a:ext>
+              </a:extLst>
+            </p:cNvPr>
+            <p:cNvSpPr/>
+            <p:nvPr/>
+          </p:nvSpPr>
+          <p:spPr>
+            <a:xfrm>
+              <a:off x="3040948" y="1261421"/>
+              <a:ext cx="169243" cy="2808437"/>
+            </a:xfrm>
+            <a:prstGeom prst="leftBrace">
+              <a:avLst/>
+            </a:prstGeom>
+            <a:ln w="12700">
+              <a:solidFill>
+                <a:schemeClr val="tx1"/>
+              </a:solidFill>
+            </a:ln>
+          </p:spPr>
+          <p:style>
+            <a:lnRef idx="1">
+              <a:schemeClr val="accent1"/>
+            </a:lnRef>
+            <a:fillRef idx="0">
+              <a:schemeClr val="accent1"/>
+            </a:fillRef>
+            <a:effectRef idx="0">
+              <a:schemeClr val="accent1"/>
+            </a:effectRef>
+            <a:fontRef idx="minor">
+              <a:schemeClr val="tx1"/>
+            </a:fontRef>
+          </p:style>
+          <p:txBody>
+            <a:bodyPr rtlCol="0" anchor="ctr"/>
+            <a:lstStyle/>
+            <a:p>
+              <a:pPr algn="ctr"/>
+              <a:endParaRPr lang="en-US" dirty="0"/>
+            </a:p>
+          </p:txBody>
+        </p:sp>
+        <p:sp>
+          <p:nvSpPr>
+            <p:cNvPr id="96" name="Oval 95">
+              <a:extLst>
+                <a:ext uri="{FF2B5EF4-FFF2-40B4-BE49-F238E27FC236}">
+                  <a16:creationId xmlns:a16="http://schemas.microsoft.com/office/drawing/2014/main" id="{A02BA3C1-2213-4915-A024-49F9F6A1CFEE}"/>
+                </a:ext>
+              </a:extLst>
+            </p:cNvPr>
+            <p:cNvSpPr/>
+            <p:nvPr/>
+          </p:nvSpPr>
+          <p:spPr>
+            <a:xfrm>
+              <a:off x="2570797" y="2519921"/>
+              <a:ext cx="373743" cy="373743"/>
+            </a:xfrm>
+            <a:prstGeom prst="ellipse">
+              <a:avLst/>
+            </a:prstGeom>
             <a:solidFill>
-              <a:schemeClr val="tx1"/>
+              <a:schemeClr val="accent2">
+                <a:lumMod val="60000"/>
+                <a:lumOff val="40000"/>
+              </a:schemeClr>
             </a:solidFill>
-          </a:ln>
-        </p:spPr>
-        <p:style>
-          <a:lnRef idx="1">
-            <a:schemeClr val="accent1"/>
-          </a:lnRef>
-          <a:fillRef idx="0">
-            <a:schemeClr val="accent1"/>
-          </a:fillRef>
-          <a:effectRef idx="0">
-            <a:schemeClr val="accent1"/>
-          </a:effectRef>
-          <a:fontRef idx="minor">
-            <a:schemeClr val="tx1"/>
-          </a:fontRef>
-        </p:style>
-        <p:txBody>
-          <a:bodyPr rtlCol="0" anchor="ctr"/>
-          <a:lstStyle/>
-          <a:p>
-            <a:pPr algn="ctr"/>
-            <a:endParaRPr lang="en-US" dirty="0"/>
-          </a:p>
-        </p:txBody>
-      </p:sp>
-      <p:sp>
-        <p:nvSpPr>
-          <p:cNvPr id="96" name="Oval 95">
-            <a:extLst>
-              <a:ext uri="{FF2B5EF4-FFF2-40B4-BE49-F238E27FC236}">
-                <a16:creationId xmlns:a16="http://schemas.microsoft.com/office/drawing/2014/main" id="{A02BA3C1-2213-4915-A024-49F9F6A1CFEE}"/>
-              </a:ext>
-            </a:extLst>
-          </p:cNvPr>
-          <p:cNvSpPr/>
-          <p:nvPr/>
-        </p:nvSpPr>
-        <p:spPr>
-          <a:xfrm>
-            <a:off x="2570797" y="2519921"/>
-            <a:ext cx="373743" cy="373743"/>
-          </a:xfrm>
-          <a:prstGeom prst="ellipse">
-            <a:avLst/>
-          </a:prstGeom>
-          <a:solidFill>
-            <a:schemeClr val="accent2">
-              <a:lumMod val="60000"/>
-              <a:lumOff val="40000"/>
-            </a:schemeClr>
-          </a:solidFill>
-          <a:ln w="31750">
-            <a:solidFill>
-              <a:srgbClr val="FF0000"/>
-            </a:solidFill>
-          </a:ln>
-        </p:spPr>
-        <p:style>
-          <a:lnRef idx="2">
-            <a:schemeClr val="accent1">
-              <a:shade val="50000"/>
-            </a:schemeClr>
-          </a:lnRef>
-          <a:fillRef idx="1">
-            <a:schemeClr val="accent1"/>
-          </a:fillRef>
-          <a:effectRef idx="0">
-            <a:schemeClr val="accent1"/>
-          </a:effectRef>
-          <a:fontRef idx="minor">
-            <a:schemeClr val="lt1"/>
-          </a:fontRef>
-        </p:style>
-        <p:txBody>
-          <a:bodyPr rtlCol="0" anchor="ctr"/>
-          <a:lstStyle/>
-          <a:p>
-            <a:pPr algn="ctr"/>
-            <a:endParaRPr lang="en-US" dirty="0"/>
-          </a:p>
-        </p:txBody>
-      </p:sp>
-      <p:sp>
-        <p:nvSpPr>
-          <p:cNvPr id="97" name="TextBox 96">
-            <a:extLst>
-              <a:ext uri="{FF2B5EF4-FFF2-40B4-BE49-F238E27FC236}">
-                <a16:creationId xmlns:a16="http://schemas.microsoft.com/office/drawing/2014/main" id="{60A2FCE0-B284-46CF-8313-C5EC2315365D}"/>
-              </a:ext>
-            </a:extLst>
-          </p:cNvPr>
-          <p:cNvSpPr txBox="1"/>
-          <p:nvPr/>
-        </p:nvSpPr>
-        <p:spPr>
-          <a:xfrm>
-            <a:off x="2542182" y="2867187"/>
-            <a:ext cx="744222" cy="369332"/>
-          </a:xfrm>
-          <a:prstGeom prst="rect">
-            <a:avLst/>
-          </a:prstGeom>
-          <a:noFill/>
-        </p:spPr>
-        <p:txBody>
-          <a:bodyPr wrap="square" rtlCol="0">
-            <a:spAutoFit/>
-          </a:bodyPr>
-          <a:lstStyle/>
-          <a:p>
-            <a:r>
-              <a:rPr lang="en-US" dirty="0"/>
-              <a:t>S5</a:t>
-            </a:r>
-          </a:p>
-        </p:txBody>
-      </p:sp>
-      <p:grpSp>
-        <p:nvGrpSpPr>
-          <p:cNvPr id="101" name="Group 100">
-            <a:extLst>
-              <a:ext uri="{FF2B5EF4-FFF2-40B4-BE49-F238E27FC236}">
-                <a16:creationId xmlns:a16="http://schemas.microsoft.com/office/drawing/2014/main" id="{732A50FB-52ED-43C7-9A54-CC407AC521CE}"/>
-              </a:ext>
-            </a:extLst>
-          </p:cNvPr>
-          <p:cNvGrpSpPr/>
-          <p:nvPr/>
-        </p:nvGrpSpPr>
-        <p:grpSpPr>
-          <a:xfrm>
-            <a:off x="4843045" y="1356586"/>
-            <a:ext cx="4930439" cy="2505645"/>
-            <a:chOff x="4845386" y="1369465"/>
-            <a:chExt cx="4930439" cy="2505645"/>
-          </a:xfrm>
-        </p:grpSpPr>
+            <a:ln w="31750">
+              <a:solidFill>
+                <a:srgbClr val="FF0000"/>
+              </a:solidFill>
+            </a:ln>
+          </p:spPr>
+          <p:style>
+            <a:lnRef idx="2">
+              <a:schemeClr val="accent1">
+                <a:shade val="50000"/>
+              </a:schemeClr>
+            </a:lnRef>
+            <a:fillRef idx="1">
+              <a:schemeClr val="accent1"/>
+            </a:fillRef>
+            <a:effectRef idx="0">
+              <a:schemeClr val="accent1"/>
+            </a:effectRef>
+            <a:fontRef idx="minor">
+              <a:schemeClr val="lt1"/>
+            </a:fontRef>
+          </p:style>
+          <p:txBody>
+            <a:bodyPr rtlCol="0" anchor="ctr"/>
+            <a:lstStyle/>
+            <a:p>
+              <a:pPr algn="ctr"/>
+              <a:endParaRPr lang="en-US" dirty="0"/>
+            </a:p>
+          </p:txBody>
+        </p:sp>
+        <p:sp>
+          <p:nvSpPr>
+            <p:cNvPr id="97" name="TextBox 96">
+              <a:extLst>
+                <a:ext uri="{FF2B5EF4-FFF2-40B4-BE49-F238E27FC236}">
+                  <a16:creationId xmlns:a16="http://schemas.microsoft.com/office/drawing/2014/main" id="{60A2FCE0-B284-46CF-8313-C5EC2315365D}"/>
+                </a:ext>
+              </a:extLst>
+            </p:cNvPr>
+            <p:cNvSpPr txBox="1"/>
+            <p:nvPr/>
+          </p:nvSpPr>
+          <p:spPr>
+            <a:xfrm>
+              <a:off x="2542182" y="2867187"/>
+              <a:ext cx="744222" cy="369332"/>
+            </a:xfrm>
+            <a:prstGeom prst="rect">
+              <a:avLst/>
+            </a:prstGeom>
+            <a:noFill/>
+          </p:spPr>
+          <p:txBody>
+            <a:bodyPr wrap="square" rtlCol="0">
+              <a:spAutoFit/>
+            </a:bodyPr>
+            <a:lstStyle/>
+            <a:p>
+              <a:r>
+                <a:rPr lang="en-US" dirty="0"/>
+                <a:t>S5</a:t>
+              </a:r>
+            </a:p>
+          </p:txBody>
+        </p:sp>
         <p:sp>
           <p:nvSpPr>
             <p:cNvPr id="98" name="Arrow: Right 97">
@@ -36377,8 +36200,8 @@
           </p:nvSpPr>
           <p:spPr>
             <a:xfrm>
-              <a:off x="4853290" y="1369465"/>
-              <a:ext cx="4922535" cy="180484"/>
+              <a:off x="5622351" y="1184167"/>
+              <a:ext cx="2395394" cy="183342"/>
             </a:xfrm>
             <a:prstGeom prst="rightArrow">
               <a:avLst>
@@ -36426,7 +36249,7 @@
           </p:nvSpPr>
           <p:spPr>
             <a:xfrm>
-              <a:off x="4853290" y="2588312"/>
+              <a:off x="4850949" y="2575433"/>
               <a:ext cx="210197" cy="221662"/>
             </a:xfrm>
             <a:prstGeom prst="rightArrow">
@@ -36472,7 +36295,7 @@
           </p:nvSpPr>
           <p:spPr>
             <a:xfrm>
-              <a:off x="4845386" y="3653448"/>
+              <a:off x="4843045" y="3640569"/>
               <a:ext cx="210197" cy="221662"/>
             </a:xfrm>
             <a:prstGeom prst="rightArrow">
@@ -36504,27 +36327,6 @@
             </a:p>
           </p:txBody>
         </p:sp>
-      </p:grpSp>
-      <p:grpSp>
-        <p:nvGrpSpPr>
-          <p:cNvPr id="102" name="Group 101">
-            <a:extLst>
-              <a:ext uri="{FF2B5EF4-FFF2-40B4-BE49-F238E27FC236}">
-                <a16:creationId xmlns:a16="http://schemas.microsoft.com/office/drawing/2014/main" id="{65848CD8-EAD9-465F-9992-7DB4574C4FB6}"/>
-              </a:ext>
-            </a:extLst>
-          </p:cNvPr>
-          <p:cNvGrpSpPr/>
-          <p:nvPr/>
-        </p:nvGrpSpPr>
-        <p:grpSpPr>
-          <a:xfrm>
-            <a:off x="5292452" y="2568195"/>
-            <a:ext cx="218101" cy="1286798"/>
-            <a:chOff x="4845386" y="2588312"/>
-            <a:chExt cx="218101" cy="1286798"/>
-          </a:xfrm>
-        </p:grpSpPr>
         <p:sp>
           <p:nvSpPr>
             <p:cNvPr id="104" name="Arrow: Right 103">
@@ -36539,7 +36341,7 @@
           </p:nvSpPr>
           <p:spPr>
             <a:xfrm>
-              <a:off x="4853290" y="2588312"/>
+              <a:off x="5300356" y="2568195"/>
               <a:ext cx="210197" cy="221662"/>
             </a:xfrm>
             <a:prstGeom prst="rightArrow">
@@ -36585,7 +36387,7 @@
           </p:nvSpPr>
           <p:spPr>
             <a:xfrm>
-              <a:off x="4845386" y="3653448"/>
+              <a:off x="5292452" y="3633331"/>
               <a:ext cx="210197" cy="221662"/>
             </a:xfrm>
             <a:prstGeom prst="rightArrow">
@@ -36617,27 +36419,6 @@
             </a:p>
           </p:txBody>
         </p:sp>
-      </p:grpSp>
-      <p:grpSp>
-        <p:nvGrpSpPr>
-          <p:cNvPr id="106" name="Group 105">
-            <a:extLst>
-              <a:ext uri="{FF2B5EF4-FFF2-40B4-BE49-F238E27FC236}">
-                <a16:creationId xmlns:a16="http://schemas.microsoft.com/office/drawing/2014/main" id="{A8C23C97-1F7D-48BB-A6FC-6A2403E84F19}"/>
-              </a:ext>
-            </a:extLst>
-          </p:cNvPr>
-          <p:cNvGrpSpPr/>
-          <p:nvPr/>
-        </p:nvGrpSpPr>
-        <p:grpSpPr>
-          <a:xfrm>
-            <a:off x="7506045" y="2575433"/>
-            <a:ext cx="218101" cy="1286798"/>
-            <a:chOff x="4845386" y="2588312"/>
-            <a:chExt cx="218101" cy="1286798"/>
-          </a:xfrm>
-        </p:grpSpPr>
         <p:sp>
           <p:nvSpPr>
             <p:cNvPr id="108" name="Arrow: Right 107">
@@ -36652,7 +36433,7 @@
           </p:nvSpPr>
           <p:spPr>
             <a:xfrm>
-              <a:off x="4853290" y="2588312"/>
+              <a:off x="6620931" y="2509846"/>
               <a:ext cx="210197" cy="221662"/>
             </a:xfrm>
             <a:prstGeom prst="rightArrow">
@@ -36698,7 +36479,7 @@
           </p:nvSpPr>
           <p:spPr>
             <a:xfrm>
-              <a:off x="4845386" y="3653448"/>
+              <a:off x="6613027" y="3574982"/>
               <a:ext cx="210197" cy="221662"/>
             </a:xfrm>
             <a:prstGeom prst="rightArrow">
@@ -36730,27 +36511,6 @@
             </a:p>
           </p:txBody>
         </p:sp>
-      </p:grpSp>
-      <p:grpSp>
-        <p:nvGrpSpPr>
-          <p:cNvPr id="110" name="Group 109">
-            <a:extLst>
-              <a:ext uri="{FF2B5EF4-FFF2-40B4-BE49-F238E27FC236}">
-                <a16:creationId xmlns:a16="http://schemas.microsoft.com/office/drawing/2014/main" id="{EE2FC49A-3C1A-4201-84C4-116AF3F98778}"/>
-              </a:ext>
-            </a:extLst>
-          </p:cNvPr>
-          <p:cNvGrpSpPr/>
-          <p:nvPr/>
-        </p:nvGrpSpPr>
-        <p:grpSpPr>
-          <a:xfrm>
-            <a:off x="8837765" y="2575433"/>
-            <a:ext cx="218101" cy="1286798"/>
-            <a:chOff x="4845386" y="2588312"/>
-            <a:chExt cx="218101" cy="1286798"/>
-          </a:xfrm>
-        </p:grpSpPr>
         <p:sp>
           <p:nvSpPr>
             <p:cNvPr id="112" name="Arrow: Right 111">
@@ -36765,7 +36525,7 @@
           </p:nvSpPr>
           <p:spPr>
             <a:xfrm>
-              <a:off x="4853290" y="2588312"/>
+              <a:off x="7094316" y="2500048"/>
               <a:ext cx="210197" cy="221662"/>
             </a:xfrm>
             <a:prstGeom prst="rightArrow">
@@ -36811,7 +36571,7 @@
           </p:nvSpPr>
           <p:spPr>
             <a:xfrm>
-              <a:off x="4845386" y="3653448"/>
+              <a:off x="7086412" y="3565184"/>
               <a:ext cx="210197" cy="221662"/>
             </a:xfrm>
             <a:prstGeom prst="rightArrow">
@@ -36843,27 +36603,6 @@
             </a:p>
           </p:txBody>
         </p:sp>
-      </p:grpSp>
-      <p:grpSp>
-        <p:nvGrpSpPr>
-          <p:cNvPr id="114" name="Group 113">
-            <a:extLst>
-              <a:ext uri="{FF2B5EF4-FFF2-40B4-BE49-F238E27FC236}">
-                <a16:creationId xmlns:a16="http://schemas.microsoft.com/office/drawing/2014/main" id="{03574EA4-70CA-407C-920B-C0E4A9D3D02A}"/>
-              </a:ext>
-            </a:extLst>
-          </p:cNvPr>
-          <p:cNvGrpSpPr/>
-          <p:nvPr/>
-        </p:nvGrpSpPr>
-        <p:grpSpPr>
-          <a:xfrm>
-            <a:off x="9675796" y="1391913"/>
-            <a:ext cx="1598844" cy="2360035"/>
-            <a:chOff x="4856465" y="1404030"/>
-            <a:chExt cx="1598844" cy="2360035"/>
-          </a:xfrm>
-        </p:grpSpPr>
         <p:sp>
           <p:nvSpPr>
             <p:cNvPr id="115" name="Arrow: Right 114">
@@ -36878,7 +36617,7 @@
           </p:nvSpPr>
           <p:spPr>
             <a:xfrm rot="4860053">
-              <a:off x="4499122" y="1802144"/>
+              <a:off x="7555177" y="1718144"/>
               <a:ext cx="983700" cy="187472"/>
             </a:xfrm>
             <a:prstGeom prst="rightArrow">
@@ -36924,7 +36663,7 @@
           </p:nvSpPr>
           <p:spPr>
             <a:xfrm>
-              <a:off x="4856465" y="2588312"/>
+              <a:off x="7912520" y="2504312"/>
               <a:ext cx="210197" cy="221662"/>
             </a:xfrm>
             <a:prstGeom prst="rightArrow">
@@ -36970,7 +36709,7 @@
           </p:nvSpPr>
           <p:spPr>
             <a:xfrm rot="16776489">
-              <a:off x="4595559" y="3313634"/>
+              <a:off x="7651614" y="3229634"/>
               <a:ext cx="768479" cy="132384"/>
             </a:xfrm>
             <a:prstGeom prst="rightArrow">
@@ -37016,7 +36755,7 @@
           </p:nvSpPr>
           <p:spPr>
             <a:xfrm>
-              <a:off x="6245112" y="2600429"/>
+              <a:off x="9301167" y="2516429"/>
               <a:ext cx="210197" cy="221662"/>
             </a:xfrm>
             <a:prstGeom prst="rightArrow">
@@ -37048,27 +36787,6 @@
             </a:p>
           </p:txBody>
         </p:sp>
-      </p:grpSp>
-      <p:grpSp>
-        <p:nvGrpSpPr>
-          <p:cNvPr id="117" name="Group 116">
-            <a:extLst>
-              <a:ext uri="{FF2B5EF4-FFF2-40B4-BE49-F238E27FC236}">
-                <a16:creationId xmlns:a16="http://schemas.microsoft.com/office/drawing/2014/main" id="{50AC4347-D3D3-44B2-8511-2224C1D2167B}"/>
-              </a:ext>
-            </a:extLst>
-          </p:cNvPr>
-          <p:cNvGrpSpPr/>
-          <p:nvPr/>
-        </p:nvGrpSpPr>
-        <p:grpSpPr>
-          <a:xfrm>
-            <a:off x="3457306" y="2384221"/>
-            <a:ext cx="1058877" cy="787831"/>
-            <a:chOff x="7478948" y="2478168"/>
-            <a:chExt cx="1058877" cy="1166903"/>
-          </a:xfrm>
-        </p:grpSpPr>
         <p:sp>
           <p:nvSpPr>
             <p:cNvPr id="120" name="Oval 119">
@@ -37083,8 +36801,8 @@
           </p:nvSpPr>
           <p:spPr>
             <a:xfrm>
-              <a:off x="8016610" y="2478168"/>
-              <a:ext cx="200993" cy="200993"/>
+              <a:off x="3994968" y="2384221"/>
+              <a:ext cx="200993" cy="135700"/>
             </a:xfrm>
             <a:prstGeom prst="ellipse">
               <a:avLst/>
@@ -37142,8 +36860,8 @@
           </p:nvSpPr>
           <p:spPr>
             <a:xfrm>
-              <a:off x="7735790" y="3011937"/>
-              <a:ext cx="200993" cy="200993"/>
+              <a:off x="3714148" y="2744594"/>
+              <a:ext cx="200993" cy="135700"/>
             </a:xfrm>
             <a:prstGeom prst="ellipse">
               <a:avLst/>
@@ -37201,8 +36919,8 @@
           </p:nvSpPr>
           <p:spPr>
             <a:xfrm>
-              <a:off x="7478948" y="3444078"/>
-              <a:ext cx="200993" cy="200993"/>
+              <a:off x="3457306" y="3036352"/>
+              <a:ext cx="200993" cy="135700"/>
             </a:xfrm>
             <a:prstGeom prst="ellipse">
               <a:avLst/>
@@ -37260,8 +36978,8 @@
           </p:nvSpPr>
           <p:spPr>
             <a:xfrm>
-              <a:off x="8054340" y="3429000"/>
-              <a:ext cx="200993" cy="200993"/>
+              <a:off x="4032698" y="3026172"/>
+              <a:ext cx="200993" cy="135700"/>
             </a:xfrm>
             <a:prstGeom prst="ellipse">
               <a:avLst/>
@@ -37323,8 +37041,8 @@
           </p:nvCxnSpPr>
           <p:spPr>
             <a:xfrm flipH="1">
-              <a:off x="7836287" y="2649726"/>
-              <a:ext cx="209758" cy="362211"/>
+              <a:off x="3814645" y="2500048"/>
+              <a:ext cx="209758" cy="244546"/>
             </a:xfrm>
             <a:prstGeom prst="straightConnector1">
               <a:avLst/>
@@ -37366,8 +37084,8 @@
           </p:nvCxnSpPr>
           <p:spPr>
             <a:xfrm flipH="1">
-              <a:off x="7650506" y="3183495"/>
-              <a:ext cx="114719" cy="290018"/>
+              <a:off x="3628864" y="2860420"/>
+              <a:ext cx="114719" cy="195805"/>
             </a:xfrm>
             <a:prstGeom prst="straightConnector1">
               <a:avLst/>
@@ -37409,8 +37127,8 @@
           </p:nvCxnSpPr>
           <p:spPr>
             <a:xfrm>
-              <a:off x="7907348" y="3183495"/>
-              <a:ext cx="176427" cy="274940"/>
+              <a:off x="3885706" y="2860420"/>
+              <a:ext cx="176427" cy="185625"/>
             </a:xfrm>
             <a:prstGeom prst="straightConnector1">
               <a:avLst/>
@@ -37448,8 +37166,8 @@
           </p:nvSpPr>
           <p:spPr>
             <a:xfrm>
-              <a:off x="8336832" y="3000566"/>
-              <a:ext cx="200993" cy="200993"/>
+              <a:off x="4315190" y="2736916"/>
+              <a:ext cx="200993" cy="135700"/>
             </a:xfrm>
             <a:prstGeom prst="ellipse">
               <a:avLst/>
@@ -37511,8 +37229,8 @@
           </p:nvCxnSpPr>
           <p:spPr>
             <a:xfrm>
-              <a:off x="8188168" y="2649726"/>
-              <a:ext cx="178099" cy="380275"/>
+              <a:off x="4166526" y="2500048"/>
+              <a:ext cx="178099" cy="256742"/>
             </a:xfrm>
             <a:prstGeom prst="straightConnector1">
               <a:avLst/>
@@ -37536,85 +37254,64 @@
             </a:fontRef>
           </p:style>
         </p:cxnSp>
-      </p:grpSp>
-      <p:sp>
-        <p:nvSpPr>
-          <p:cNvPr id="129" name="TextBox 128">
-            <a:extLst>
-              <a:ext uri="{FF2B5EF4-FFF2-40B4-BE49-F238E27FC236}">
-                <a16:creationId xmlns:a16="http://schemas.microsoft.com/office/drawing/2014/main" id="{8023EBE8-EAFF-4D49-BF19-3F9CD74FEB90}"/>
-              </a:ext>
-            </a:extLst>
-          </p:cNvPr>
-          <p:cNvSpPr txBox="1"/>
-          <p:nvPr/>
-        </p:nvSpPr>
-        <p:spPr>
-          <a:xfrm>
-            <a:off x="3002972" y="1116123"/>
-            <a:ext cx="2005835" cy="923330"/>
-          </a:xfrm>
-          <a:prstGeom prst="rect">
-            <a:avLst/>
-          </a:prstGeom>
-          <a:noFill/>
-        </p:spPr>
-        <p:txBody>
-          <a:bodyPr wrap="square" rtlCol="0">
-            <a:spAutoFit/>
-          </a:bodyPr>
-          <a:lstStyle/>
-          <a:p>
-            <a:pPr algn="ctr"/>
-            <a:r>
-              <a:rPr lang="en-US" dirty="0"/>
-              <a:t>   C=&lt;1, 1, 0, …, 0&gt;</a:t>
-            </a:r>
-          </a:p>
-          <a:p>
-            <a:pPr algn="ctr"/>
-            <a:r>
-              <a:rPr lang="en-US" dirty="0"/>
-              <a:t>   R=&lt;0, 1, 0, …, 1&gt;</a:t>
-            </a:r>
-          </a:p>
-          <a:p>
-            <a:pPr algn="ctr"/>
-            <a:r>
-              <a:rPr lang="en-US" dirty="0"/>
-              <a:t>V</a:t>
-            </a:r>
-            <a:r>
-              <a:rPr lang="en-US" sz="1200" dirty="0"/>
-              <a:t>coverage</a:t>
-            </a:r>
-            <a:r>
-              <a:rPr lang="en-US" dirty="0"/>
-              <a:t>=&lt;C, R&gt;</a:t>
-            </a:r>
-          </a:p>
-        </p:txBody>
-      </p:sp>
-      <p:grpSp>
-        <p:nvGrpSpPr>
-          <p:cNvPr id="130" name="Group 129">
-            <a:extLst>
-              <a:ext uri="{FF2B5EF4-FFF2-40B4-BE49-F238E27FC236}">
-                <a16:creationId xmlns:a16="http://schemas.microsoft.com/office/drawing/2014/main" id="{522FC1BE-EE8A-4869-8492-EB4603AA3F41}"/>
-              </a:ext>
-            </a:extLst>
-          </p:cNvPr>
-          <p:cNvGrpSpPr/>
-          <p:nvPr/>
-        </p:nvGrpSpPr>
-        <p:grpSpPr>
-          <a:xfrm>
-            <a:off x="3164809" y="3541434"/>
-            <a:ext cx="1650239" cy="523220"/>
-            <a:chOff x="6805424" y="4351147"/>
-            <a:chExt cx="1781658" cy="523220"/>
-          </a:xfrm>
-        </p:grpSpPr>
+        <p:sp>
+          <p:nvSpPr>
+            <p:cNvPr id="129" name="TextBox 128">
+              <a:extLst>
+                <a:ext uri="{FF2B5EF4-FFF2-40B4-BE49-F238E27FC236}">
+                  <a16:creationId xmlns:a16="http://schemas.microsoft.com/office/drawing/2014/main" id="{8023EBE8-EAFF-4D49-BF19-3F9CD74FEB90}"/>
+                </a:ext>
+              </a:extLst>
+            </p:cNvPr>
+            <p:cNvSpPr txBox="1"/>
+            <p:nvPr/>
+          </p:nvSpPr>
+          <p:spPr>
+            <a:xfrm>
+              <a:off x="3058841" y="1083204"/>
+              <a:ext cx="2005835" cy="923330"/>
+            </a:xfrm>
+            <a:prstGeom prst="rect">
+              <a:avLst/>
+            </a:prstGeom>
+            <a:noFill/>
+          </p:spPr>
+          <p:txBody>
+            <a:bodyPr wrap="square" rtlCol="0">
+              <a:spAutoFit/>
+            </a:bodyPr>
+            <a:lstStyle/>
+            <a:p>
+              <a:pPr algn="ctr"/>
+              <a:r>
+                <a:rPr lang="en-US" dirty="0"/>
+                <a:t>   C=&lt;1, 1, 0, …, 0&gt;</a:t>
+              </a:r>
+            </a:p>
+            <a:p>
+              <a:pPr algn="ctr"/>
+              <a:r>
+                <a:rPr lang="en-US" dirty="0"/>
+                <a:t>   R=&lt;0, 1, 0, …, 1&gt;</a:t>
+              </a:r>
+            </a:p>
+            <a:p>
+              <a:pPr algn="ctr"/>
+              <a:r>
+                <a:rPr lang="en-US" dirty="0"/>
+                <a:t>V</a:t>
+              </a:r>
+              <a:r>
+                <a:rPr lang="en-US" sz="1200" dirty="0"/>
+                <a:t>coverage</a:t>
+              </a:r>
+              <a:r>
+                <a:rPr lang="en-US" dirty="0"/>
+                <a:t>=&lt;C, R&gt;</a:t>
+              </a:r>
+            </a:p>
+          </p:txBody>
+        </p:sp>
         <p:sp>
           <p:nvSpPr>
             <p:cNvPr id="131" name="TextBox 130">
@@ -37629,8 +37326,8 @@
           </p:nvSpPr>
           <p:spPr>
             <a:xfrm>
-              <a:off x="6805424" y="4351147"/>
-              <a:ext cx="1781658" cy="523220"/>
+              <a:off x="3164809" y="3541434"/>
+              <a:ext cx="1650239" cy="523220"/>
             </a:xfrm>
             <a:prstGeom prst="rect">
               <a:avLst/>
@@ -37665,8 +37362,8 @@
           </p:nvSpPr>
           <p:spPr>
             <a:xfrm>
-              <a:off x="6923518" y="4365593"/>
-              <a:ext cx="1604339" cy="481529"/>
+              <a:off x="3274192" y="3555880"/>
+              <a:ext cx="1485999" cy="481529"/>
             </a:xfrm>
             <a:prstGeom prst="rect">
               <a:avLst/>
@@ -37704,145 +37401,124 @@
             </a:p>
           </p:txBody>
         </p:sp>
-      </p:grpSp>
-      <p:sp>
-        <p:nvSpPr>
-          <p:cNvPr id="81" name="Rectangle: Rounded Corners 80">
-            <a:extLst>
-              <a:ext uri="{FF2B5EF4-FFF2-40B4-BE49-F238E27FC236}">
-                <a16:creationId xmlns:a16="http://schemas.microsoft.com/office/drawing/2014/main" id="{D0EB3768-FA0C-476E-B2C3-DFF5E1EDAA44}"/>
-              </a:ext>
-            </a:extLst>
-          </p:cNvPr>
-          <p:cNvSpPr/>
-          <p:nvPr/>
-        </p:nvSpPr>
-        <p:spPr>
-          <a:xfrm>
-            <a:off x="5065088" y="2284078"/>
-            <a:ext cx="240732" cy="738664"/>
-          </a:xfrm>
-          <a:prstGeom prst="roundRect">
-            <a:avLst/>
-          </a:prstGeom>
-          <a:solidFill>
-            <a:schemeClr val="accent2">
-              <a:lumMod val="60000"/>
-              <a:lumOff val="40000"/>
-            </a:schemeClr>
-          </a:solidFill>
-          <a:ln>
+        <p:sp>
+          <p:nvSpPr>
+            <p:cNvPr id="81" name="Rectangle: Rounded Corners 80">
+              <a:extLst>
+                <a:ext uri="{FF2B5EF4-FFF2-40B4-BE49-F238E27FC236}">
+                  <a16:creationId xmlns:a16="http://schemas.microsoft.com/office/drawing/2014/main" id="{D0EB3768-FA0C-476E-B2C3-DFF5E1EDAA44}"/>
+                </a:ext>
+              </a:extLst>
+            </p:cNvPr>
+            <p:cNvSpPr/>
+            <p:nvPr/>
+          </p:nvSpPr>
+          <p:spPr>
+            <a:xfrm>
+              <a:off x="5065088" y="2284078"/>
+              <a:ext cx="240732" cy="738664"/>
+            </a:xfrm>
+            <a:prstGeom prst="roundRect">
+              <a:avLst/>
+            </a:prstGeom>
             <a:solidFill>
               <a:schemeClr val="accent2">
-                <a:lumMod val="75000"/>
+                <a:lumMod val="60000"/>
+                <a:lumOff val="40000"/>
               </a:schemeClr>
             </a:solidFill>
-          </a:ln>
-        </p:spPr>
-        <p:style>
-          <a:lnRef idx="2">
-            <a:schemeClr val="accent1">
-              <a:shade val="50000"/>
-            </a:schemeClr>
-          </a:lnRef>
-          <a:fillRef idx="1">
-            <a:schemeClr val="accent1"/>
-          </a:fillRef>
-          <a:effectRef idx="0">
-            <a:schemeClr val="accent1"/>
-          </a:effectRef>
-          <a:fontRef idx="minor">
-            <a:schemeClr val="lt1"/>
-          </a:fontRef>
-        </p:style>
-        <p:txBody>
-          <a:bodyPr rtlCol="0" anchor="ctr"/>
-          <a:lstStyle/>
-          <a:p>
-            <a:pPr algn="ctr"/>
-            <a:endParaRPr lang="en-US" dirty="0"/>
-          </a:p>
-        </p:txBody>
-      </p:sp>
-      <p:sp>
-        <p:nvSpPr>
-          <p:cNvPr id="82" name="Rectangle: Rounded Corners 81">
-            <a:extLst>
-              <a:ext uri="{FF2B5EF4-FFF2-40B4-BE49-F238E27FC236}">
-                <a16:creationId xmlns:a16="http://schemas.microsoft.com/office/drawing/2014/main" id="{E873B225-B823-4EE7-ADD3-C36A6DE5BF03}"/>
-              </a:ext>
-            </a:extLst>
-          </p:cNvPr>
-          <p:cNvSpPr/>
-          <p:nvPr/>
-        </p:nvSpPr>
-        <p:spPr>
-          <a:xfrm>
-            <a:off x="5065088" y="3326849"/>
-            <a:ext cx="240732" cy="738664"/>
-          </a:xfrm>
-          <a:prstGeom prst="roundRect">
-            <a:avLst/>
-          </a:prstGeom>
-          <a:solidFill>
-            <a:schemeClr val="accent2">
-              <a:lumMod val="60000"/>
-              <a:lumOff val="40000"/>
-            </a:schemeClr>
-          </a:solidFill>
-          <a:ln>
+            <a:ln>
+              <a:solidFill>
+                <a:schemeClr val="accent2">
+                  <a:lumMod val="75000"/>
+                </a:schemeClr>
+              </a:solidFill>
+            </a:ln>
+          </p:spPr>
+          <p:style>
+            <a:lnRef idx="2">
+              <a:schemeClr val="accent1">
+                <a:shade val="50000"/>
+              </a:schemeClr>
+            </a:lnRef>
+            <a:fillRef idx="1">
+              <a:schemeClr val="accent1"/>
+            </a:fillRef>
+            <a:effectRef idx="0">
+              <a:schemeClr val="accent1"/>
+            </a:effectRef>
+            <a:fontRef idx="minor">
+              <a:schemeClr val="lt1"/>
+            </a:fontRef>
+          </p:style>
+          <p:txBody>
+            <a:bodyPr rtlCol="0" anchor="ctr"/>
+            <a:lstStyle/>
+            <a:p>
+              <a:pPr algn="ctr"/>
+              <a:endParaRPr lang="en-US" dirty="0"/>
+            </a:p>
+          </p:txBody>
+        </p:sp>
+        <p:sp>
+          <p:nvSpPr>
+            <p:cNvPr id="82" name="Rectangle: Rounded Corners 81">
+              <a:extLst>
+                <a:ext uri="{FF2B5EF4-FFF2-40B4-BE49-F238E27FC236}">
+                  <a16:creationId xmlns:a16="http://schemas.microsoft.com/office/drawing/2014/main" id="{E873B225-B823-4EE7-ADD3-C36A6DE5BF03}"/>
+                </a:ext>
+              </a:extLst>
+            </p:cNvPr>
+            <p:cNvSpPr/>
+            <p:nvPr/>
+          </p:nvSpPr>
+          <p:spPr>
+            <a:xfrm>
+              <a:off x="5065088" y="3326849"/>
+              <a:ext cx="240732" cy="738664"/>
+            </a:xfrm>
+            <a:prstGeom prst="roundRect">
+              <a:avLst/>
+            </a:prstGeom>
             <a:solidFill>
               <a:schemeClr val="accent2">
-                <a:lumMod val="75000"/>
+                <a:lumMod val="60000"/>
+                <a:lumOff val="40000"/>
               </a:schemeClr>
             </a:solidFill>
-          </a:ln>
-        </p:spPr>
-        <p:style>
-          <a:lnRef idx="2">
-            <a:schemeClr val="accent1">
-              <a:shade val="50000"/>
-            </a:schemeClr>
-          </a:lnRef>
-          <a:fillRef idx="1">
-            <a:schemeClr val="accent1"/>
-          </a:fillRef>
-          <a:effectRef idx="0">
-            <a:schemeClr val="accent1"/>
-          </a:effectRef>
-          <a:fontRef idx="minor">
-            <a:schemeClr val="lt1"/>
-          </a:fontRef>
-        </p:style>
-        <p:txBody>
-          <a:bodyPr rtlCol="0" anchor="ctr"/>
-          <a:lstStyle/>
-          <a:p>
-            <a:pPr algn="ctr"/>
-            <a:endParaRPr lang="en-US" dirty="0"/>
-          </a:p>
-        </p:txBody>
-      </p:sp>
-      <p:grpSp>
-        <p:nvGrpSpPr>
-          <p:cNvPr id="5" name="Group 4">
-            <a:extLst>
-              <a:ext uri="{FF2B5EF4-FFF2-40B4-BE49-F238E27FC236}">
-                <a16:creationId xmlns:a16="http://schemas.microsoft.com/office/drawing/2014/main" id="{399C681E-CEA4-4905-9BDF-077710D4E068}"/>
-              </a:ext>
-            </a:extLst>
-          </p:cNvPr>
-          <p:cNvGrpSpPr/>
-          <p:nvPr/>
-        </p:nvGrpSpPr>
-        <p:grpSpPr>
-          <a:xfrm>
-            <a:off x="5450793" y="2214816"/>
-            <a:ext cx="1058877" cy="982630"/>
-            <a:chOff x="5531478" y="2136226"/>
-            <a:chExt cx="1058877" cy="982630"/>
-          </a:xfrm>
-        </p:grpSpPr>
+            <a:ln>
+              <a:solidFill>
+                <a:schemeClr val="accent2">
+                  <a:lumMod val="75000"/>
+                </a:schemeClr>
+              </a:solidFill>
+            </a:ln>
+          </p:spPr>
+          <p:style>
+            <a:lnRef idx="2">
+              <a:schemeClr val="accent1">
+                <a:shade val="50000"/>
+              </a:schemeClr>
+            </a:lnRef>
+            <a:fillRef idx="1">
+              <a:schemeClr val="accent1"/>
+            </a:fillRef>
+            <a:effectRef idx="0">
+              <a:schemeClr val="accent1"/>
+            </a:effectRef>
+            <a:fontRef idx="minor">
+              <a:schemeClr val="lt1"/>
+            </a:fontRef>
+          </p:style>
+          <p:txBody>
+            <a:bodyPr rtlCol="0" anchor="ctr"/>
+            <a:lstStyle/>
+            <a:p>
+              <a:pPr algn="ctr"/>
+              <a:endParaRPr lang="en-US" dirty="0"/>
+            </a:p>
+          </p:txBody>
+        </p:sp>
         <p:grpSp>
           <p:nvGrpSpPr>
             <p:cNvPr id="83" name="Group 82">
@@ -37857,7 +37533,7 @@
           </p:nvGrpSpPr>
           <p:grpSpPr>
             <a:xfrm>
-              <a:off x="5531478" y="2331025"/>
+              <a:off x="5450793" y="2409615"/>
               <a:ext cx="1058877" cy="787831"/>
               <a:chOff x="7478948" y="2478168"/>
               <a:chExt cx="1058877" cy="1166903"/>
@@ -38345,7 +38021,7 @@
           </p:nvSpPr>
           <p:spPr>
             <a:xfrm>
-              <a:off x="5776954" y="2136226"/>
+              <a:off x="5696269" y="2214816"/>
               <a:ext cx="424717" cy="307777"/>
             </a:xfrm>
             <a:prstGeom prst="rect">
@@ -38381,7 +38057,7 @@
           </p:nvSpPr>
           <p:spPr>
             <a:xfrm>
-              <a:off x="5931347" y="2557816"/>
+              <a:off x="5850662" y="2636406"/>
               <a:ext cx="424717" cy="307777"/>
             </a:xfrm>
             <a:prstGeom prst="rect">
@@ -38403,93 +38079,255 @@
             </a:p>
           </p:txBody>
         </p:sp>
+        <p:sp>
+          <p:nvSpPr>
+            <p:cNvPr id="148" name="TextBox 147">
+              <a:extLst>
+                <a:ext uri="{FF2B5EF4-FFF2-40B4-BE49-F238E27FC236}">
+                  <a16:creationId xmlns:a16="http://schemas.microsoft.com/office/drawing/2014/main" id="{0806108C-4B3A-47D8-A9A9-EE0E673A4AC1}"/>
+                </a:ext>
+              </a:extLst>
+            </p:cNvPr>
+            <p:cNvSpPr txBox="1"/>
+            <p:nvPr/>
+          </p:nvSpPr>
+          <p:spPr>
+            <a:xfrm>
+              <a:off x="5510553" y="3605034"/>
+              <a:ext cx="1234702" cy="307777"/>
+            </a:xfrm>
+            <a:prstGeom prst="rect">
+              <a:avLst/>
+            </a:prstGeom>
+            <a:noFill/>
+          </p:spPr>
+          <p:txBody>
+            <a:bodyPr wrap="square" rtlCol="0">
+              <a:spAutoFit/>
+            </a:bodyPr>
+            <a:lstStyle/>
+            <a:p>
+              <a:r>
+                <a:rPr lang="en-US" sz="1400" dirty="0"/>
+                <a:t>&lt;v1,v2,…,</a:t>
+              </a:r>
+              <a:r>
+                <a:rPr lang="en-US" sz="1400" dirty="0" err="1"/>
+                <a:t>vn</a:t>
+              </a:r>
+              <a:r>
+                <a:rPr lang="en-US" sz="1400" dirty="0"/>
+                <a:t>&gt;</a:t>
+              </a:r>
+            </a:p>
+          </p:txBody>
+        </p:sp>
+        <p:sp>
+          <p:nvSpPr>
+            <p:cNvPr id="149" name="TextBox 148">
+              <a:extLst>
+                <a:ext uri="{FF2B5EF4-FFF2-40B4-BE49-F238E27FC236}">
+                  <a16:creationId xmlns:a16="http://schemas.microsoft.com/office/drawing/2014/main" id="{DD99E727-5863-4D99-81C1-7E30265922A2}"/>
+                </a:ext>
+              </a:extLst>
+            </p:cNvPr>
+            <p:cNvSpPr txBox="1"/>
+            <p:nvPr/>
+          </p:nvSpPr>
+          <p:spPr>
+            <a:xfrm>
+              <a:off x="4579940" y="1699205"/>
+              <a:ext cx="1373818" cy="646331"/>
+            </a:xfrm>
+            <a:prstGeom prst="rect">
+              <a:avLst/>
+            </a:prstGeom>
+            <a:noFill/>
+          </p:spPr>
+          <p:txBody>
+            <a:bodyPr wrap="square" rtlCol="0">
+              <a:spAutoFit/>
+            </a:bodyPr>
+            <a:lstStyle/>
+            <a:p>
+              <a:pPr algn="ctr"/>
+              <a:r>
+                <a:rPr lang="en-US" dirty="0"/>
+                <a:t>Word</a:t>
+              </a:r>
+            </a:p>
+            <a:p>
+              <a:pPr algn="ctr"/>
+              <a:r>
+                <a:rPr lang="en-US" dirty="0"/>
+                <a:t>Embedding</a:t>
+              </a:r>
+            </a:p>
+          </p:txBody>
+        </p:sp>
+        <p:sp>
+          <p:nvSpPr>
+            <p:cNvPr id="150" name="Rectangle: Rounded Corners 149">
+              <a:extLst>
+                <a:ext uri="{FF2B5EF4-FFF2-40B4-BE49-F238E27FC236}">
+                  <a16:creationId xmlns:a16="http://schemas.microsoft.com/office/drawing/2014/main" id="{4739094A-D88C-4C63-BCBA-46D4ED8847C3}"/>
+                </a:ext>
+              </a:extLst>
+            </p:cNvPr>
+            <p:cNvSpPr/>
+            <p:nvPr/>
+          </p:nvSpPr>
+          <p:spPr>
+            <a:xfrm>
+              <a:off x="6825366" y="2271406"/>
+              <a:ext cx="247856" cy="730000"/>
+            </a:xfrm>
+            <a:prstGeom prst="roundRect">
+              <a:avLst/>
+            </a:prstGeom>
+            <a:solidFill>
+              <a:schemeClr val="accent5">
+                <a:lumMod val="40000"/>
+                <a:lumOff val="60000"/>
+              </a:schemeClr>
+            </a:solidFill>
+            <a:ln>
+              <a:solidFill>
+                <a:schemeClr val="accent5">
+                  <a:lumMod val="75000"/>
+                </a:schemeClr>
+              </a:solidFill>
+            </a:ln>
+          </p:spPr>
+          <p:style>
+            <a:lnRef idx="2">
+              <a:schemeClr val="accent1">
+                <a:shade val="50000"/>
+              </a:schemeClr>
+            </a:lnRef>
+            <a:fillRef idx="1">
+              <a:schemeClr val="accent1"/>
+            </a:fillRef>
+            <a:effectRef idx="0">
+              <a:schemeClr val="accent1"/>
+            </a:effectRef>
+            <a:fontRef idx="minor">
+              <a:schemeClr val="lt1"/>
+            </a:fontRef>
+          </p:style>
+          <p:txBody>
+            <a:bodyPr rtlCol="0" anchor="ctr"/>
+            <a:lstStyle/>
+            <a:p>
+              <a:pPr algn="ctr"/>
+              <a:endParaRPr lang="en-US" dirty="0"/>
+            </a:p>
+          </p:txBody>
+        </p:sp>
+        <p:sp>
+          <p:nvSpPr>
+            <p:cNvPr id="151" name="Rectangle: Rounded Corners 150">
+              <a:extLst>
+                <a:ext uri="{FF2B5EF4-FFF2-40B4-BE49-F238E27FC236}">
+                  <a16:creationId xmlns:a16="http://schemas.microsoft.com/office/drawing/2014/main" id="{AE5EE844-DB20-4B6E-B977-0204A91BB3CC}"/>
+                </a:ext>
+              </a:extLst>
+            </p:cNvPr>
+            <p:cNvSpPr/>
+            <p:nvPr/>
+          </p:nvSpPr>
+          <p:spPr>
+            <a:xfrm>
+              <a:off x="6825366" y="3307409"/>
+              <a:ext cx="247856" cy="730000"/>
+            </a:xfrm>
+            <a:prstGeom prst="roundRect">
+              <a:avLst/>
+            </a:prstGeom>
+            <a:solidFill>
+              <a:schemeClr val="accent5">
+                <a:lumMod val="40000"/>
+                <a:lumOff val="60000"/>
+              </a:schemeClr>
+            </a:solidFill>
+            <a:ln>
+              <a:solidFill>
+                <a:schemeClr val="accent5">
+                  <a:lumMod val="75000"/>
+                </a:schemeClr>
+              </a:solidFill>
+            </a:ln>
+          </p:spPr>
+          <p:style>
+            <a:lnRef idx="2">
+              <a:schemeClr val="accent1">
+                <a:shade val="50000"/>
+              </a:schemeClr>
+            </a:lnRef>
+            <a:fillRef idx="1">
+              <a:schemeClr val="accent1"/>
+            </a:fillRef>
+            <a:effectRef idx="0">
+              <a:schemeClr val="accent1"/>
+            </a:effectRef>
+            <a:fontRef idx="minor">
+              <a:schemeClr val="lt1"/>
+            </a:fontRef>
+          </p:style>
+          <p:txBody>
+            <a:bodyPr rtlCol="0" anchor="ctr"/>
+            <a:lstStyle/>
+            <a:p>
+              <a:pPr algn="ctr"/>
+              <a:endParaRPr lang="en-US" dirty="0"/>
+            </a:p>
+          </p:txBody>
+        </p:sp>
+        <p:sp>
+          <p:nvSpPr>
+            <p:cNvPr id="6" name="Right Brace 5">
+              <a:extLst>
+                <a:ext uri="{FF2B5EF4-FFF2-40B4-BE49-F238E27FC236}">
+                  <a16:creationId xmlns:a16="http://schemas.microsoft.com/office/drawing/2014/main" id="{13D3DC6D-0EE0-40CD-B4C6-07D9395CAC69}"/>
+                </a:ext>
+              </a:extLst>
+            </p:cNvPr>
+            <p:cNvSpPr/>
+            <p:nvPr/>
+          </p:nvSpPr>
+          <p:spPr>
+            <a:xfrm>
+              <a:off x="4934648" y="1116123"/>
+              <a:ext cx="126498" cy="750215"/>
+            </a:xfrm>
+            <a:prstGeom prst="rightBrace">
+              <a:avLst/>
+            </a:prstGeom>
+          </p:spPr>
+          <p:style>
+            <a:lnRef idx="1">
+              <a:schemeClr val="dk1"/>
+            </a:lnRef>
+            <a:fillRef idx="0">
+              <a:schemeClr val="dk1"/>
+            </a:fillRef>
+            <a:effectRef idx="0">
+              <a:schemeClr val="dk1"/>
+            </a:effectRef>
+            <a:fontRef idx="minor">
+              <a:schemeClr val="tx1"/>
+            </a:fontRef>
+          </p:style>
+          <p:txBody>
+            <a:bodyPr rtlCol="0" anchor="ctr"/>
+            <a:lstStyle/>
+            <a:p>
+              <a:pPr algn="ctr"/>
+              <a:endParaRPr lang="en-US"/>
+            </a:p>
+          </p:txBody>
+        </p:sp>
       </p:grpSp>
-      <p:sp>
-        <p:nvSpPr>
-          <p:cNvPr id="148" name="TextBox 147">
-            <a:extLst>
-              <a:ext uri="{FF2B5EF4-FFF2-40B4-BE49-F238E27FC236}">
-                <a16:creationId xmlns:a16="http://schemas.microsoft.com/office/drawing/2014/main" id="{0806108C-4B3A-47D8-A9A9-EE0E673A4AC1}"/>
-              </a:ext>
-            </a:extLst>
-          </p:cNvPr>
-          <p:cNvSpPr txBox="1"/>
-          <p:nvPr/>
-        </p:nvSpPr>
-        <p:spPr>
-          <a:xfrm>
-            <a:off x="5510553" y="3605034"/>
-            <a:ext cx="1234702" cy="307777"/>
-          </a:xfrm>
-          <a:prstGeom prst="rect">
-            <a:avLst/>
-          </a:prstGeom>
-          <a:noFill/>
-        </p:spPr>
-        <p:txBody>
-          <a:bodyPr wrap="square" rtlCol="0">
-            <a:spAutoFit/>
-          </a:bodyPr>
-          <a:lstStyle/>
-          <a:p>
-            <a:r>
-              <a:rPr lang="en-US" sz="1400" dirty="0"/>
-              <a:t>&lt;v1,v2,…,</a:t>
-            </a:r>
-            <a:r>
-              <a:rPr lang="en-US" sz="1400" dirty="0" err="1"/>
-              <a:t>vn</a:t>
-            </a:r>
-            <a:r>
-              <a:rPr lang="en-US" sz="1400" dirty="0"/>
-              <a:t>&gt;</a:t>
-            </a:r>
-          </a:p>
-        </p:txBody>
-      </p:sp>
-      <p:sp>
-        <p:nvSpPr>
-          <p:cNvPr id="149" name="TextBox 148">
-            <a:extLst>
-              <a:ext uri="{FF2B5EF4-FFF2-40B4-BE49-F238E27FC236}">
-                <a16:creationId xmlns:a16="http://schemas.microsoft.com/office/drawing/2014/main" id="{DD99E727-5863-4D99-81C1-7E30265922A2}"/>
-              </a:ext>
-            </a:extLst>
-          </p:cNvPr>
-          <p:cNvSpPr txBox="1"/>
-          <p:nvPr/>
-        </p:nvSpPr>
-        <p:spPr>
-          <a:xfrm>
-            <a:off x="4579940" y="1699205"/>
-            <a:ext cx="1373818" cy="646331"/>
-          </a:xfrm>
-          <a:prstGeom prst="rect">
-            <a:avLst/>
-          </a:prstGeom>
-          <a:noFill/>
-        </p:spPr>
-        <p:txBody>
-          <a:bodyPr wrap="square" rtlCol="0">
-            <a:spAutoFit/>
-          </a:bodyPr>
-          <a:lstStyle/>
-          <a:p>
-            <a:pPr algn="ctr"/>
-            <a:r>
-              <a:rPr lang="en-US" dirty="0"/>
-              <a:t>Word</a:t>
-            </a:r>
-          </a:p>
-          <a:p>
-            <a:pPr algn="ctr"/>
-            <a:r>
-              <a:rPr lang="en-US" dirty="0"/>
-              <a:t>Embedding</a:t>
-            </a:r>
-          </a:p>
-        </p:txBody>
-      </p:sp>
     </p:spTree>
     <p:extLst>
       <p:ext uri="{BB962C8B-B14F-4D97-AF65-F5344CB8AC3E}">

--- a/Figures.pptx
+++ b/Figures.pptx
@@ -15,6 +15,8 @@
     <p:sldId id="265" r:id="rId9"/>
     <p:sldId id="262" r:id="rId10"/>
     <p:sldId id="263" r:id="rId11"/>
+    <p:sldId id="266" r:id="rId12"/>
+    <p:sldId id="267" r:id="rId13"/>
   </p:sldIdLst>
   <p:sldSz cx="12192000" cy="6858000"/>
   <p:notesSz cx="6858000" cy="9144000"/>
@@ -16964,6 +16966,9608 @@
 </p:sld>
 </file>
 
+<file path=ppt/slides/slide11.xml><?xml version="1.0" encoding="utf-8"?>
+<p:sld xmlns:a="http://schemas.openxmlformats.org/drawingml/2006/main" xmlns:r="http://schemas.openxmlformats.org/officeDocument/2006/relationships" xmlns:p="http://schemas.openxmlformats.org/presentationml/2006/main">
+  <p:cSld>
+    <p:spTree>
+      <p:nvGrpSpPr>
+        <p:cNvPr id="1" name=""/>
+        <p:cNvGrpSpPr/>
+        <p:nvPr/>
+      </p:nvGrpSpPr>
+      <p:grpSpPr>
+        <a:xfrm>
+          <a:off x="0" y="0"/>
+          <a:ext cx="0" cy="0"/>
+          <a:chOff x="0" y="0"/>
+          <a:chExt cx="0" cy="0"/>
+        </a:xfrm>
+      </p:grpSpPr>
+      <p:grpSp>
+        <p:nvGrpSpPr>
+          <p:cNvPr id="5" name="Group 4">
+            <a:extLst>
+              <a:ext uri="{FF2B5EF4-FFF2-40B4-BE49-F238E27FC236}">
+                <a16:creationId xmlns:a16="http://schemas.microsoft.com/office/drawing/2014/main" id="{B9A74A14-E1D7-47CB-AA66-F2E08067C1EB}"/>
+              </a:ext>
+            </a:extLst>
+          </p:cNvPr>
+          <p:cNvGrpSpPr/>
+          <p:nvPr/>
+        </p:nvGrpSpPr>
+        <p:grpSpPr>
+          <a:xfrm>
+            <a:off x="3605303" y="2384315"/>
+            <a:ext cx="752479" cy="753091"/>
+            <a:chOff x="6766338" y="2672758"/>
+            <a:chExt cx="967018" cy="913916"/>
+          </a:xfrm>
+        </p:grpSpPr>
+        <p:sp>
+          <p:nvSpPr>
+            <p:cNvPr id="6" name="Oval 5">
+              <a:extLst>
+                <a:ext uri="{FF2B5EF4-FFF2-40B4-BE49-F238E27FC236}">
+                  <a16:creationId xmlns:a16="http://schemas.microsoft.com/office/drawing/2014/main" id="{B5E76B31-EAE5-4439-AF8F-DBF3ECF795DA}"/>
+                </a:ext>
+              </a:extLst>
+            </p:cNvPr>
+            <p:cNvSpPr/>
+            <p:nvPr/>
+          </p:nvSpPr>
+          <p:spPr>
+            <a:xfrm>
+              <a:off x="7032937" y="2672758"/>
+              <a:ext cx="200993" cy="200993"/>
+            </a:xfrm>
+            <a:prstGeom prst="ellipse">
+              <a:avLst/>
+            </a:prstGeom>
+            <a:solidFill>
+              <a:schemeClr val="accent6">
+                <a:lumMod val="60000"/>
+                <a:lumOff val="40000"/>
+              </a:schemeClr>
+            </a:solidFill>
+            <a:ln>
+              <a:solidFill>
+                <a:schemeClr val="accent6">
+                  <a:lumMod val="75000"/>
+                </a:schemeClr>
+              </a:solidFill>
+            </a:ln>
+          </p:spPr>
+          <p:style>
+            <a:lnRef idx="2">
+              <a:schemeClr val="accent1">
+                <a:shade val="50000"/>
+              </a:schemeClr>
+            </a:lnRef>
+            <a:fillRef idx="1">
+              <a:schemeClr val="accent1"/>
+            </a:fillRef>
+            <a:effectRef idx="0">
+              <a:schemeClr val="accent1"/>
+            </a:effectRef>
+            <a:fontRef idx="minor">
+              <a:schemeClr val="lt1"/>
+            </a:fontRef>
+          </p:style>
+          <p:txBody>
+            <a:bodyPr rtlCol="0" anchor="ctr"/>
+            <a:lstStyle/>
+            <a:p>
+              <a:pPr algn="ctr"/>
+              <a:endParaRPr lang="en-US" dirty="0"/>
+            </a:p>
+          </p:txBody>
+        </p:sp>
+        <p:sp>
+          <p:nvSpPr>
+            <p:cNvPr id="7" name="Oval 6">
+              <a:extLst>
+                <a:ext uri="{FF2B5EF4-FFF2-40B4-BE49-F238E27FC236}">
+                  <a16:creationId xmlns:a16="http://schemas.microsoft.com/office/drawing/2014/main" id="{2DFCF77A-47DB-433F-823D-2272B447FF72}"/>
+                </a:ext>
+              </a:extLst>
+            </p:cNvPr>
+            <p:cNvSpPr/>
+            <p:nvPr/>
+          </p:nvSpPr>
+          <p:spPr>
+            <a:xfrm>
+              <a:off x="6766338" y="3011937"/>
+              <a:ext cx="200993" cy="200993"/>
+            </a:xfrm>
+            <a:prstGeom prst="ellipse">
+              <a:avLst/>
+            </a:prstGeom>
+            <a:solidFill>
+              <a:schemeClr val="accent6">
+                <a:lumMod val="60000"/>
+                <a:lumOff val="40000"/>
+              </a:schemeClr>
+            </a:solidFill>
+            <a:ln>
+              <a:solidFill>
+                <a:schemeClr val="accent6">
+                  <a:lumMod val="75000"/>
+                </a:schemeClr>
+              </a:solidFill>
+            </a:ln>
+          </p:spPr>
+          <p:style>
+            <a:lnRef idx="2">
+              <a:schemeClr val="accent1">
+                <a:shade val="50000"/>
+              </a:schemeClr>
+            </a:lnRef>
+            <a:fillRef idx="1">
+              <a:schemeClr val="accent1"/>
+            </a:fillRef>
+            <a:effectRef idx="0">
+              <a:schemeClr val="accent1"/>
+            </a:effectRef>
+            <a:fontRef idx="minor">
+              <a:schemeClr val="lt1"/>
+            </a:fontRef>
+          </p:style>
+          <p:txBody>
+            <a:bodyPr rtlCol="0" anchor="ctr"/>
+            <a:lstStyle/>
+            <a:p>
+              <a:pPr algn="ctr"/>
+              <a:endParaRPr lang="en-US" dirty="0"/>
+            </a:p>
+          </p:txBody>
+        </p:sp>
+        <p:sp>
+          <p:nvSpPr>
+            <p:cNvPr id="8" name="Oval 7">
+              <a:extLst>
+                <a:ext uri="{FF2B5EF4-FFF2-40B4-BE49-F238E27FC236}">
+                  <a16:creationId xmlns:a16="http://schemas.microsoft.com/office/drawing/2014/main" id="{A328BB5E-7856-4446-A6DE-224F13797155}"/>
+                </a:ext>
+              </a:extLst>
+            </p:cNvPr>
+            <p:cNvSpPr/>
+            <p:nvPr/>
+          </p:nvSpPr>
+          <p:spPr>
+            <a:xfrm>
+              <a:off x="7252169" y="3011937"/>
+              <a:ext cx="200993" cy="200993"/>
+            </a:xfrm>
+            <a:prstGeom prst="ellipse">
+              <a:avLst/>
+            </a:prstGeom>
+            <a:solidFill>
+              <a:schemeClr val="accent6">
+                <a:lumMod val="60000"/>
+                <a:lumOff val="40000"/>
+              </a:schemeClr>
+            </a:solidFill>
+            <a:ln>
+              <a:solidFill>
+                <a:schemeClr val="accent6">
+                  <a:lumMod val="75000"/>
+                </a:schemeClr>
+              </a:solidFill>
+            </a:ln>
+          </p:spPr>
+          <p:style>
+            <a:lnRef idx="2">
+              <a:schemeClr val="accent1">
+                <a:shade val="50000"/>
+              </a:schemeClr>
+            </a:lnRef>
+            <a:fillRef idx="1">
+              <a:schemeClr val="accent1"/>
+            </a:fillRef>
+            <a:effectRef idx="0">
+              <a:schemeClr val="accent1"/>
+            </a:effectRef>
+            <a:fontRef idx="minor">
+              <a:schemeClr val="lt1"/>
+            </a:fontRef>
+          </p:style>
+          <p:txBody>
+            <a:bodyPr rtlCol="0" anchor="ctr"/>
+            <a:lstStyle/>
+            <a:p>
+              <a:pPr algn="ctr"/>
+              <a:endParaRPr lang="en-US" dirty="0"/>
+            </a:p>
+          </p:txBody>
+        </p:sp>
+        <p:sp>
+          <p:nvSpPr>
+            <p:cNvPr id="9" name="Oval 8">
+              <a:extLst>
+                <a:ext uri="{FF2B5EF4-FFF2-40B4-BE49-F238E27FC236}">
+                  <a16:creationId xmlns:a16="http://schemas.microsoft.com/office/drawing/2014/main" id="{00F65760-7086-4C19-B1A4-4E816ED104EC}"/>
+                </a:ext>
+              </a:extLst>
+            </p:cNvPr>
+            <p:cNvSpPr/>
+            <p:nvPr/>
+          </p:nvSpPr>
+          <p:spPr>
+            <a:xfrm>
+              <a:off x="7532363" y="3385681"/>
+              <a:ext cx="200993" cy="200993"/>
+            </a:xfrm>
+            <a:prstGeom prst="ellipse">
+              <a:avLst/>
+            </a:prstGeom>
+            <a:solidFill>
+              <a:schemeClr val="accent6">
+                <a:lumMod val="60000"/>
+                <a:lumOff val="40000"/>
+              </a:schemeClr>
+            </a:solidFill>
+            <a:ln>
+              <a:solidFill>
+                <a:schemeClr val="accent6">
+                  <a:lumMod val="75000"/>
+                </a:schemeClr>
+              </a:solidFill>
+            </a:ln>
+          </p:spPr>
+          <p:style>
+            <a:lnRef idx="2">
+              <a:schemeClr val="accent1">
+                <a:shade val="50000"/>
+              </a:schemeClr>
+            </a:lnRef>
+            <a:fillRef idx="1">
+              <a:schemeClr val="accent1"/>
+            </a:fillRef>
+            <a:effectRef idx="0">
+              <a:schemeClr val="accent1"/>
+            </a:effectRef>
+            <a:fontRef idx="minor">
+              <a:schemeClr val="lt1"/>
+            </a:fontRef>
+          </p:style>
+          <p:txBody>
+            <a:bodyPr rtlCol="0" anchor="ctr"/>
+            <a:lstStyle/>
+            <a:p>
+              <a:pPr algn="ctr"/>
+              <a:endParaRPr lang="en-US" dirty="0"/>
+            </a:p>
+          </p:txBody>
+        </p:sp>
+        <p:sp>
+          <p:nvSpPr>
+            <p:cNvPr id="10" name="Oval 9">
+              <a:extLst>
+                <a:ext uri="{FF2B5EF4-FFF2-40B4-BE49-F238E27FC236}">
+                  <a16:creationId xmlns:a16="http://schemas.microsoft.com/office/drawing/2014/main" id="{98BEF534-263D-4D2B-807F-2C94B1905F12}"/>
+                </a:ext>
+              </a:extLst>
+            </p:cNvPr>
+            <p:cNvSpPr/>
+            <p:nvPr/>
+          </p:nvSpPr>
+          <p:spPr>
+            <a:xfrm>
+              <a:off x="7006326" y="3385680"/>
+              <a:ext cx="200993" cy="200993"/>
+            </a:xfrm>
+            <a:prstGeom prst="ellipse">
+              <a:avLst/>
+            </a:prstGeom>
+            <a:solidFill>
+              <a:schemeClr val="accent6">
+                <a:lumMod val="60000"/>
+                <a:lumOff val="40000"/>
+              </a:schemeClr>
+            </a:solidFill>
+            <a:ln>
+              <a:solidFill>
+                <a:schemeClr val="accent6">
+                  <a:lumMod val="75000"/>
+                </a:schemeClr>
+              </a:solidFill>
+            </a:ln>
+          </p:spPr>
+          <p:style>
+            <a:lnRef idx="2">
+              <a:schemeClr val="accent1">
+                <a:shade val="50000"/>
+              </a:schemeClr>
+            </a:lnRef>
+            <a:fillRef idx="1">
+              <a:schemeClr val="accent1"/>
+            </a:fillRef>
+            <a:effectRef idx="0">
+              <a:schemeClr val="accent1"/>
+            </a:effectRef>
+            <a:fontRef idx="minor">
+              <a:schemeClr val="lt1"/>
+            </a:fontRef>
+          </p:style>
+          <p:txBody>
+            <a:bodyPr rtlCol="0" anchor="ctr"/>
+            <a:lstStyle/>
+            <a:p>
+              <a:pPr algn="ctr"/>
+              <a:endParaRPr lang="en-US" dirty="0"/>
+            </a:p>
+          </p:txBody>
+        </p:sp>
+        <p:cxnSp>
+          <p:nvCxnSpPr>
+            <p:cNvPr id="11" name="Straight Arrow Connector 10">
+              <a:extLst>
+                <a:ext uri="{FF2B5EF4-FFF2-40B4-BE49-F238E27FC236}">
+                  <a16:creationId xmlns:a16="http://schemas.microsoft.com/office/drawing/2014/main" id="{5361EA6E-1B81-4E56-8BCA-ED4BFC6F3BA0}"/>
+                </a:ext>
+              </a:extLst>
+            </p:cNvPr>
+            <p:cNvCxnSpPr>
+              <a:cxnSpLocks/>
+              <a:stCxn id="6" idx="3"/>
+              <a:endCxn id="7" idx="7"/>
+            </p:cNvCxnSpPr>
+            <p:nvPr/>
+          </p:nvCxnSpPr>
+          <p:spPr>
+            <a:xfrm flipH="1">
+              <a:off x="6937896" y="2844316"/>
+              <a:ext cx="124476" cy="197056"/>
+            </a:xfrm>
+            <a:prstGeom prst="straightConnector1">
+              <a:avLst/>
+            </a:prstGeom>
+            <a:ln w="19050">
+              <a:tailEnd type="triangle"/>
+            </a:ln>
+          </p:spPr>
+          <p:style>
+            <a:lnRef idx="1">
+              <a:schemeClr val="accent1"/>
+            </a:lnRef>
+            <a:fillRef idx="0">
+              <a:schemeClr val="accent1"/>
+            </a:fillRef>
+            <a:effectRef idx="0">
+              <a:schemeClr val="accent1"/>
+            </a:effectRef>
+            <a:fontRef idx="minor">
+              <a:schemeClr val="tx1"/>
+            </a:fontRef>
+          </p:style>
+        </p:cxnSp>
+        <p:cxnSp>
+          <p:nvCxnSpPr>
+            <p:cNvPr id="12" name="Straight Arrow Connector 11">
+              <a:extLst>
+                <a:ext uri="{FF2B5EF4-FFF2-40B4-BE49-F238E27FC236}">
+                  <a16:creationId xmlns:a16="http://schemas.microsoft.com/office/drawing/2014/main" id="{D31E76B9-DF99-41C9-8564-3FC6060B763C}"/>
+                </a:ext>
+              </a:extLst>
+            </p:cNvPr>
+            <p:cNvCxnSpPr>
+              <a:cxnSpLocks/>
+              <a:stCxn id="6" idx="5"/>
+              <a:endCxn id="8" idx="0"/>
+            </p:cNvCxnSpPr>
+            <p:nvPr/>
+          </p:nvCxnSpPr>
+          <p:spPr>
+            <a:xfrm>
+              <a:off x="7204495" y="2844316"/>
+              <a:ext cx="148171" cy="167621"/>
+            </a:xfrm>
+            <a:prstGeom prst="straightConnector1">
+              <a:avLst/>
+            </a:prstGeom>
+            <a:ln w="19050">
+              <a:tailEnd type="triangle"/>
+            </a:ln>
+          </p:spPr>
+          <p:style>
+            <a:lnRef idx="1">
+              <a:schemeClr val="accent1"/>
+            </a:lnRef>
+            <a:fillRef idx="0">
+              <a:schemeClr val="accent1"/>
+            </a:fillRef>
+            <a:effectRef idx="0">
+              <a:schemeClr val="accent1"/>
+            </a:effectRef>
+            <a:fontRef idx="minor">
+              <a:schemeClr val="tx1"/>
+            </a:fontRef>
+          </p:style>
+        </p:cxnSp>
+        <p:cxnSp>
+          <p:nvCxnSpPr>
+            <p:cNvPr id="13" name="Straight Arrow Connector 12">
+              <a:extLst>
+                <a:ext uri="{FF2B5EF4-FFF2-40B4-BE49-F238E27FC236}">
+                  <a16:creationId xmlns:a16="http://schemas.microsoft.com/office/drawing/2014/main" id="{AD93818C-FF46-442A-A082-8498B88876EA}"/>
+                </a:ext>
+              </a:extLst>
+            </p:cNvPr>
+            <p:cNvCxnSpPr>
+              <a:cxnSpLocks/>
+              <a:stCxn id="8" idx="5"/>
+              <a:endCxn id="9" idx="1"/>
+            </p:cNvCxnSpPr>
+            <p:nvPr/>
+          </p:nvCxnSpPr>
+          <p:spPr>
+            <a:xfrm>
+              <a:off x="7423727" y="3183495"/>
+              <a:ext cx="138071" cy="231621"/>
+            </a:xfrm>
+            <a:prstGeom prst="straightConnector1">
+              <a:avLst/>
+            </a:prstGeom>
+            <a:ln w="19050">
+              <a:tailEnd type="triangle"/>
+            </a:ln>
+          </p:spPr>
+          <p:style>
+            <a:lnRef idx="1">
+              <a:schemeClr val="accent1"/>
+            </a:lnRef>
+            <a:fillRef idx="0">
+              <a:schemeClr val="accent1"/>
+            </a:fillRef>
+            <a:effectRef idx="0">
+              <a:schemeClr val="accent1"/>
+            </a:effectRef>
+            <a:fontRef idx="minor">
+              <a:schemeClr val="tx1"/>
+            </a:fontRef>
+          </p:style>
+        </p:cxnSp>
+        <p:cxnSp>
+          <p:nvCxnSpPr>
+            <p:cNvPr id="14" name="Straight Arrow Connector 13">
+              <a:extLst>
+                <a:ext uri="{FF2B5EF4-FFF2-40B4-BE49-F238E27FC236}">
+                  <a16:creationId xmlns:a16="http://schemas.microsoft.com/office/drawing/2014/main" id="{43545B6B-944A-4C42-B900-4DE1EBD3C4B0}"/>
+                </a:ext>
+              </a:extLst>
+            </p:cNvPr>
+            <p:cNvCxnSpPr>
+              <a:cxnSpLocks/>
+              <a:stCxn id="8" idx="3"/>
+              <a:endCxn id="10" idx="7"/>
+            </p:cNvCxnSpPr>
+            <p:nvPr/>
+          </p:nvCxnSpPr>
+          <p:spPr>
+            <a:xfrm flipH="1">
+              <a:off x="7177884" y="3183495"/>
+              <a:ext cx="103720" cy="231620"/>
+            </a:xfrm>
+            <a:prstGeom prst="straightConnector1">
+              <a:avLst/>
+            </a:prstGeom>
+            <a:ln w="19050">
+              <a:tailEnd type="triangle"/>
+            </a:ln>
+          </p:spPr>
+          <p:style>
+            <a:lnRef idx="1">
+              <a:schemeClr val="accent1"/>
+            </a:lnRef>
+            <a:fillRef idx="0">
+              <a:schemeClr val="accent1"/>
+            </a:fillRef>
+            <a:effectRef idx="0">
+              <a:schemeClr val="accent1"/>
+            </a:effectRef>
+            <a:fontRef idx="minor">
+              <a:schemeClr val="tx1"/>
+            </a:fontRef>
+          </p:style>
+        </p:cxnSp>
+      </p:grpSp>
+      <p:grpSp>
+        <p:nvGrpSpPr>
+          <p:cNvPr id="15" name="Group 14">
+            <a:extLst>
+              <a:ext uri="{FF2B5EF4-FFF2-40B4-BE49-F238E27FC236}">
+                <a16:creationId xmlns:a16="http://schemas.microsoft.com/office/drawing/2014/main" id="{3E4F4E6D-1F72-48D7-94A3-2E9E6C003183}"/>
+              </a:ext>
+            </a:extLst>
+          </p:cNvPr>
+          <p:cNvGrpSpPr/>
+          <p:nvPr/>
+        </p:nvGrpSpPr>
+        <p:grpSpPr>
+          <a:xfrm>
+            <a:off x="3551097" y="3506619"/>
+            <a:ext cx="857259" cy="646331"/>
+            <a:chOff x="6752673" y="2659896"/>
+            <a:chExt cx="1184110" cy="873122"/>
+          </a:xfrm>
+        </p:grpSpPr>
+        <p:sp>
+          <p:nvSpPr>
+            <p:cNvPr id="16" name="Oval 15">
+              <a:extLst>
+                <a:ext uri="{FF2B5EF4-FFF2-40B4-BE49-F238E27FC236}">
+                  <a16:creationId xmlns:a16="http://schemas.microsoft.com/office/drawing/2014/main" id="{23F255E3-B6A6-4558-B81E-C40328AADA33}"/>
+                </a:ext>
+              </a:extLst>
+            </p:cNvPr>
+            <p:cNvSpPr/>
+            <p:nvPr/>
+          </p:nvSpPr>
+          <p:spPr>
+            <a:xfrm>
+              <a:off x="7151673" y="2659896"/>
+              <a:ext cx="200993" cy="200993"/>
+            </a:xfrm>
+            <a:prstGeom prst="ellipse">
+              <a:avLst/>
+            </a:prstGeom>
+            <a:solidFill>
+              <a:schemeClr val="accent6">
+                <a:lumMod val="60000"/>
+                <a:lumOff val="40000"/>
+              </a:schemeClr>
+            </a:solidFill>
+            <a:ln>
+              <a:solidFill>
+                <a:schemeClr val="accent6">
+                  <a:lumMod val="75000"/>
+                </a:schemeClr>
+              </a:solidFill>
+            </a:ln>
+          </p:spPr>
+          <p:style>
+            <a:lnRef idx="2">
+              <a:schemeClr val="accent1">
+                <a:shade val="50000"/>
+              </a:schemeClr>
+            </a:lnRef>
+            <a:fillRef idx="1">
+              <a:schemeClr val="accent1"/>
+            </a:fillRef>
+            <a:effectRef idx="0">
+              <a:schemeClr val="accent1"/>
+            </a:effectRef>
+            <a:fontRef idx="minor">
+              <a:schemeClr val="lt1"/>
+            </a:fontRef>
+          </p:style>
+          <p:txBody>
+            <a:bodyPr rtlCol="0" anchor="ctr"/>
+            <a:lstStyle/>
+            <a:p>
+              <a:pPr algn="ctr"/>
+              <a:endParaRPr lang="en-US" dirty="0"/>
+            </a:p>
+          </p:txBody>
+        </p:sp>
+        <p:sp>
+          <p:nvSpPr>
+            <p:cNvPr id="17" name="Oval 16">
+              <a:extLst>
+                <a:ext uri="{FF2B5EF4-FFF2-40B4-BE49-F238E27FC236}">
+                  <a16:creationId xmlns:a16="http://schemas.microsoft.com/office/drawing/2014/main" id="{9A330A94-2DD9-49F2-8E3D-575A86BFDA51}"/>
+                </a:ext>
+              </a:extLst>
+            </p:cNvPr>
+            <p:cNvSpPr/>
+            <p:nvPr/>
+          </p:nvSpPr>
+          <p:spPr>
+            <a:xfrm>
+              <a:off x="6752673" y="3028649"/>
+              <a:ext cx="200993" cy="200993"/>
+            </a:xfrm>
+            <a:prstGeom prst="ellipse">
+              <a:avLst/>
+            </a:prstGeom>
+            <a:solidFill>
+              <a:schemeClr val="accent6">
+                <a:lumMod val="60000"/>
+                <a:lumOff val="40000"/>
+              </a:schemeClr>
+            </a:solidFill>
+            <a:ln>
+              <a:solidFill>
+                <a:schemeClr val="accent6">
+                  <a:lumMod val="75000"/>
+                </a:schemeClr>
+              </a:solidFill>
+            </a:ln>
+          </p:spPr>
+          <p:style>
+            <a:lnRef idx="2">
+              <a:schemeClr val="accent1">
+                <a:shade val="50000"/>
+              </a:schemeClr>
+            </a:lnRef>
+            <a:fillRef idx="1">
+              <a:schemeClr val="accent1"/>
+            </a:fillRef>
+            <a:effectRef idx="0">
+              <a:schemeClr val="accent1"/>
+            </a:effectRef>
+            <a:fontRef idx="minor">
+              <a:schemeClr val="lt1"/>
+            </a:fontRef>
+          </p:style>
+          <p:txBody>
+            <a:bodyPr rtlCol="0" anchor="ctr"/>
+            <a:lstStyle/>
+            <a:p>
+              <a:pPr algn="ctr"/>
+              <a:endParaRPr lang="en-US" dirty="0"/>
+            </a:p>
+          </p:txBody>
+        </p:sp>
+        <p:sp>
+          <p:nvSpPr>
+            <p:cNvPr id="18" name="Oval 17">
+              <a:extLst>
+                <a:ext uri="{FF2B5EF4-FFF2-40B4-BE49-F238E27FC236}">
+                  <a16:creationId xmlns:a16="http://schemas.microsoft.com/office/drawing/2014/main" id="{BC091031-E8B6-48F9-8055-78536B9D08DB}"/>
+                </a:ext>
+              </a:extLst>
+            </p:cNvPr>
+            <p:cNvSpPr/>
+            <p:nvPr/>
+          </p:nvSpPr>
+          <p:spPr>
+            <a:xfrm>
+              <a:off x="7252169" y="3011937"/>
+              <a:ext cx="200993" cy="200993"/>
+            </a:xfrm>
+            <a:prstGeom prst="ellipse">
+              <a:avLst/>
+            </a:prstGeom>
+            <a:solidFill>
+              <a:schemeClr val="accent6">
+                <a:lumMod val="60000"/>
+                <a:lumOff val="40000"/>
+              </a:schemeClr>
+            </a:solidFill>
+            <a:ln>
+              <a:solidFill>
+                <a:schemeClr val="accent6">
+                  <a:lumMod val="75000"/>
+                </a:schemeClr>
+              </a:solidFill>
+            </a:ln>
+          </p:spPr>
+          <p:style>
+            <a:lnRef idx="2">
+              <a:schemeClr val="accent1">
+                <a:shade val="50000"/>
+              </a:schemeClr>
+            </a:lnRef>
+            <a:fillRef idx="1">
+              <a:schemeClr val="accent1"/>
+            </a:fillRef>
+            <a:effectRef idx="0">
+              <a:schemeClr val="accent1"/>
+            </a:effectRef>
+            <a:fontRef idx="minor">
+              <a:schemeClr val="lt1"/>
+            </a:fontRef>
+          </p:style>
+          <p:txBody>
+            <a:bodyPr rtlCol="0" anchor="ctr"/>
+            <a:lstStyle/>
+            <a:p>
+              <a:pPr algn="ctr"/>
+              <a:endParaRPr lang="en-US" dirty="0"/>
+            </a:p>
+          </p:txBody>
+        </p:sp>
+        <p:sp>
+          <p:nvSpPr>
+            <p:cNvPr id="19" name="Oval 18">
+              <a:extLst>
+                <a:ext uri="{FF2B5EF4-FFF2-40B4-BE49-F238E27FC236}">
+                  <a16:creationId xmlns:a16="http://schemas.microsoft.com/office/drawing/2014/main" id="{95808625-DBB1-4F10-A934-6EE35FF7954A}"/>
+                </a:ext>
+              </a:extLst>
+            </p:cNvPr>
+            <p:cNvSpPr/>
+            <p:nvPr/>
+          </p:nvSpPr>
+          <p:spPr>
+            <a:xfrm>
+              <a:off x="7735790" y="3011937"/>
+              <a:ext cx="200993" cy="200993"/>
+            </a:xfrm>
+            <a:prstGeom prst="ellipse">
+              <a:avLst/>
+            </a:prstGeom>
+            <a:solidFill>
+              <a:schemeClr val="accent6">
+                <a:lumMod val="60000"/>
+                <a:lumOff val="40000"/>
+              </a:schemeClr>
+            </a:solidFill>
+            <a:ln>
+              <a:solidFill>
+                <a:schemeClr val="accent6">
+                  <a:lumMod val="75000"/>
+                </a:schemeClr>
+              </a:solidFill>
+            </a:ln>
+          </p:spPr>
+          <p:style>
+            <a:lnRef idx="2">
+              <a:schemeClr val="accent1">
+                <a:shade val="50000"/>
+              </a:schemeClr>
+            </a:lnRef>
+            <a:fillRef idx="1">
+              <a:schemeClr val="accent1"/>
+            </a:fillRef>
+            <a:effectRef idx="0">
+              <a:schemeClr val="accent1"/>
+            </a:effectRef>
+            <a:fontRef idx="minor">
+              <a:schemeClr val="lt1"/>
+            </a:fontRef>
+          </p:style>
+          <p:txBody>
+            <a:bodyPr rtlCol="0" anchor="ctr"/>
+            <a:lstStyle/>
+            <a:p>
+              <a:pPr algn="ctr"/>
+              <a:endParaRPr lang="en-US" dirty="0"/>
+            </a:p>
+          </p:txBody>
+        </p:sp>
+        <p:sp>
+          <p:nvSpPr>
+            <p:cNvPr id="20" name="Oval 19">
+              <a:extLst>
+                <a:ext uri="{FF2B5EF4-FFF2-40B4-BE49-F238E27FC236}">
+                  <a16:creationId xmlns:a16="http://schemas.microsoft.com/office/drawing/2014/main" id="{2C18E2FE-A261-45D0-AC4D-ED528DF54C11}"/>
+                </a:ext>
+              </a:extLst>
+            </p:cNvPr>
+            <p:cNvSpPr/>
+            <p:nvPr/>
+          </p:nvSpPr>
+          <p:spPr>
+            <a:xfrm>
+              <a:off x="7531954" y="3332025"/>
+              <a:ext cx="200993" cy="200993"/>
+            </a:xfrm>
+            <a:prstGeom prst="ellipse">
+              <a:avLst/>
+            </a:prstGeom>
+            <a:solidFill>
+              <a:schemeClr val="accent6">
+                <a:lumMod val="60000"/>
+                <a:lumOff val="40000"/>
+              </a:schemeClr>
+            </a:solidFill>
+            <a:ln>
+              <a:solidFill>
+                <a:schemeClr val="accent6">
+                  <a:lumMod val="75000"/>
+                </a:schemeClr>
+              </a:solidFill>
+            </a:ln>
+          </p:spPr>
+          <p:style>
+            <a:lnRef idx="2">
+              <a:schemeClr val="accent1">
+                <a:shade val="50000"/>
+              </a:schemeClr>
+            </a:lnRef>
+            <a:fillRef idx="1">
+              <a:schemeClr val="accent1"/>
+            </a:fillRef>
+            <a:effectRef idx="0">
+              <a:schemeClr val="accent1"/>
+            </a:effectRef>
+            <a:fontRef idx="minor">
+              <a:schemeClr val="lt1"/>
+            </a:fontRef>
+          </p:style>
+          <p:txBody>
+            <a:bodyPr rtlCol="0" anchor="ctr"/>
+            <a:lstStyle/>
+            <a:p>
+              <a:pPr algn="ctr"/>
+              <a:endParaRPr lang="en-US" dirty="0"/>
+            </a:p>
+          </p:txBody>
+        </p:sp>
+        <p:sp>
+          <p:nvSpPr>
+            <p:cNvPr id="21" name="Oval 20">
+              <a:extLst>
+                <a:ext uri="{FF2B5EF4-FFF2-40B4-BE49-F238E27FC236}">
+                  <a16:creationId xmlns:a16="http://schemas.microsoft.com/office/drawing/2014/main" id="{14B4B71D-7077-491F-A599-476D7714A0F9}"/>
+                </a:ext>
+              </a:extLst>
+            </p:cNvPr>
+            <p:cNvSpPr/>
+            <p:nvPr/>
+          </p:nvSpPr>
+          <p:spPr>
+            <a:xfrm>
+              <a:off x="6985929" y="3332024"/>
+              <a:ext cx="200993" cy="200993"/>
+            </a:xfrm>
+            <a:prstGeom prst="ellipse">
+              <a:avLst/>
+            </a:prstGeom>
+            <a:solidFill>
+              <a:schemeClr val="accent6">
+                <a:lumMod val="60000"/>
+                <a:lumOff val="40000"/>
+              </a:schemeClr>
+            </a:solidFill>
+            <a:ln>
+              <a:solidFill>
+                <a:schemeClr val="accent6">
+                  <a:lumMod val="75000"/>
+                </a:schemeClr>
+              </a:solidFill>
+            </a:ln>
+          </p:spPr>
+          <p:style>
+            <a:lnRef idx="2">
+              <a:schemeClr val="accent1">
+                <a:shade val="50000"/>
+              </a:schemeClr>
+            </a:lnRef>
+            <a:fillRef idx="1">
+              <a:schemeClr val="accent1"/>
+            </a:fillRef>
+            <a:effectRef idx="0">
+              <a:schemeClr val="accent1"/>
+            </a:effectRef>
+            <a:fontRef idx="minor">
+              <a:schemeClr val="lt1"/>
+            </a:fontRef>
+          </p:style>
+          <p:txBody>
+            <a:bodyPr rtlCol="0" anchor="ctr"/>
+            <a:lstStyle/>
+            <a:p>
+              <a:pPr algn="ctr"/>
+              <a:endParaRPr lang="en-US" dirty="0"/>
+            </a:p>
+          </p:txBody>
+        </p:sp>
+        <p:cxnSp>
+          <p:nvCxnSpPr>
+            <p:cNvPr id="22" name="Straight Arrow Connector 21">
+              <a:extLst>
+                <a:ext uri="{FF2B5EF4-FFF2-40B4-BE49-F238E27FC236}">
+                  <a16:creationId xmlns:a16="http://schemas.microsoft.com/office/drawing/2014/main" id="{F211B338-AB9C-4B6A-B55B-D0F41B821A85}"/>
+                </a:ext>
+              </a:extLst>
+            </p:cNvPr>
+            <p:cNvCxnSpPr>
+              <a:stCxn id="16" idx="3"/>
+              <a:endCxn id="17" idx="7"/>
+            </p:cNvCxnSpPr>
+            <p:nvPr/>
+          </p:nvCxnSpPr>
+          <p:spPr>
+            <a:xfrm flipH="1">
+              <a:off x="6924231" y="2831454"/>
+              <a:ext cx="256877" cy="226630"/>
+            </a:xfrm>
+            <a:prstGeom prst="straightConnector1">
+              <a:avLst/>
+            </a:prstGeom>
+            <a:ln w="19050">
+              <a:tailEnd type="triangle"/>
+            </a:ln>
+          </p:spPr>
+          <p:style>
+            <a:lnRef idx="1">
+              <a:schemeClr val="accent1"/>
+            </a:lnRef>
+            <a:fillRef idx="0">
+              <a:schemeClr val="accent1"/>
+            </a:fillRef>
+            <a:effectRef idx="0">
+              <a:schemeClr val="accent1"/>
+            </a:effectRef>
+            <a:fontRef idx="minor">
+              <a:schemeClr val="tx1"/>
+            </a:fontRef>
+          </p:style>
+        </p:cxnSp>
+        <p:cxnSp>
+          <p:nvCxnSpPr>
+            <p:cNvPr id="23" name="Straight Arrow Connector 22">
+              <a:extLst>
+                <a:ext uri="{FF2B5EF4-FFF2-40B4-BE49-F238E27FC236}">
+                  <a16:creationId xmlns:a16="http://schemas.microsoft.com/office/drawing/2014/main" id="{E0FFACF1-8875-4150-9BF6-DE532C23F79D}"/>
+                </a:ext>
+              </a:extLst>
+            </p:cNvPr>
+            <p:cNvCxnSpPr>
+              <a:cxnSpLocks/>
+              <a:stCxn id="16" idx="4"/>
+              <a:endCxn id="18" idx="0"/>
+            </p:cNvCxnSpPr>
+            <p:nvPr/>
+          </p:nvCxnSpPr>
+          <p:spPr>
+            <a:xfrm>
+              <a:off x="7252170" y="2860889"/>
+              <a:ext cx="100496" cy="151048"/>
+            </a:xfrm>
+            <a:prstGeom prst="straightConnector1">
+              <a:avLst/>
+            </a:prstGeom>
+            <a:ln w="19050">
+              <a:tailEnd type="triangle"/>
+            </a:ln>
+          </p:spPr>
+          <p:style>
+            <a:lnRef idx="1">
+              <a:schemeClr val="accent1"/>
+            </a:lnRef>
+            <a:fillRef idx="0">
+              <a:schemeClr val="accent1"/>
+            </a:fillRef>
+            <a:effectRef idx="0">
+              <a:schemeClr val="accent1"/>
+            </a:effectRef>
+            <a:fontRef idx="minor">
+              <a:schemeClr val="tx1"/>
+            </a:fontRef>
+          </p:style>
+        </p:cxnSp>
+        <p:cxnSp>
+          <p:nvCxnSpPr>
+            <p:cNvPr id="24" name="Straight Arrow Connector 23">
+              <a:extLst>
+                <a:ext uri="{FF2B5EF4-FFF2-40B4-BE49-F238E27FC236}">
+                  <a16:creationId xmlns:a16="http://schemas.microsoft.com/office/drawing/2014/main" id="{E6CAE9CF-EC2C-4877-8ABA-3EB2D3AB861B}"/>
+                </a:ext>
+              </a:extLst>
+            </p:cNvPr>
+            <p:cNvCxnSpPr>
+              <a:cxnSpLocks/>
+              <a:stCxn id="16" idx="5"/>
+              <a:endCxn id="19" idx="1"/>
+            </p:cNvCxnSpPr>
+            <p:nvPr/>
+          </p:nvCxnSpPr>
+          <p:spPr>
+            <a:xfrm>
+              <a:off x="7323231" y="2831454"/>
+              <a:ext cx="441994" cy="209918"/>
+            </a:xfrm>
+            <a:prstGeom prst="straightConnector1">
+              <a:avLst/>
+            </a:prstGeom>
+            <a:ln w="19050">
+              <a:tailEnd type="triangle"/>
+            </a:ln>
+          </p:spPr>
+          <p:style>
+            <a:lnRef idx="1">
+              <a:schemeClr val="accent1"/>
+            </a:lnRef>
+            <a:fillRef idx="0">
+              <a:schemeClr val="accent1"/>
+            </a:fillRef>
+            <a:effectRef idx="0">
+              <a:schemeClr val="accent1"/>
+            </a:effectRef>
+            <a:fontRef idx="minor">
+              <a:schemeClr val="tx1"/>
+            </a:fontRef>
+          </p:style>
+        </p:cxnSp>
+        <p:cxnSp>
+          <p:nvCxnSpPr>
+            <p:cNvPr id="25" name="Straight Arrow Connector 24">
+              <a:extLst>
+                <a:ext uri="{FF2B5EF4-FFF2-40B4-BE49-F238E27FC236}">
+                  <a16:creationId xmlns:a16="http://schemas.microsoft.com/office/drawing/2014/main" id="{61046813-C36B-4F35-97EC-A3354279961B}"/>
+                </a:ext>
+              </a:extLst>
+            </p:cNvPr>
+            <p:cNvCxnSpPr>
+              <a:cxnSpLocks/>
+              <a:stCxn id="18" idx="5"/>
+              <a:endCxn id="20" idx="1"/>
+            </p:cNvCxnSpPr>
+            <p:nvPr/>
+          </p:nvCxnSpPr>
+          <p:spPr>
+            <a:xfrm>
+              <a:off x="7423727" y="3183495"/>
+              <a:ext cx="137662" cy="177965"/>
+            </a:xfrm>
+            <a:prstGeom prst="straightConnector1">
+              <a:avLst/>
+            </a:prstGeom>
+            <a:ln w="19050">
+              <a:tailEnd type="triangle"/>
+            </a:ln>
+          </p:spPr>
+          <p:style>
+            <a:lnRef idx="1">
+              <a:schemeClr val="accent1"/>
+            </a:lnRef>
+            <a:fillRef idx="0">
+              <a:schemeClr val="accent1"/>
+            </a:fillRef>
+            <a:effectRef idx="0">
+              <a:schemeClr val="accent1"/>
+            </a:effectRef>
+            <a:fontRef idx="minor">
+              <a:schemeClr val="tx1"/>
+            </a:fontRef>
+          </p:style>
+        </p:cxnSp>
+        <p:cxnSp>
+          <p:nvCxnSpPr>
+            <p:cNvPr id="26" name="Straight Arrow Connector 25">
+              <a:extLst>
+                <a:ext uri="{FF2B5EF4-FFF2-40B4-BE49-F238E27FC236}">
+                  <a16:creationId xmlns:a16="http://schemas.microsoft.com/office/drawing/2014/main" id="{949FC9E0-5A27-4E6E-B847-73A80B69B1D2}"/>
+                </a:ext>
+              </a:extLst>
+            </p:cNvPr>
+            <p:cNvCxnSpPr>
+              <a:cxnSpLocks/>
+              <a:stCxn id="18" idx="3"/>
+              <a:endCxn id="21" idx="7"/>
+            </p:cNvCxnSpPr>
+            <p:nvPr/>
+          </p:nvCxnSpPr>
+          <p:spPr>
+            <a:xfrm flipH="1">
+              <a:off x="7157487" y="3183495"/>
+              <a:ext cx="124117" cy="177964"/>
+            </a:xfrm>
+            <a:prstGeom prst="straightConnector1">
+              <a:avLst/>
+            </a:prstGeom>
+            <a:ln w="19050">
+              <a:tailEnd type="triangle"/>
+            </a:ln>
+          </p:spPr>
+          <p:style>
+            <a:lnRef idx="1">
+              <a:schemeClr val="accent1"/>
+            </a:lnRef>
+            <a:fillRef idx="0">
+              <a:schemeClr val="accent1"/>
+            </a:fillRef>
+            <a:effectRef idx="0">
+              <a:schemeClr val="accent1"/>
+            </a:effectRef>
+            <a:fontRef idx="minor">
+              <a:schemeClr val="tx1"/>
+            </a:fontRef>
+          </p:style>
+        </p:cxnSp>
+      </p:grpSp>
+      <p:grpSp>
+        <p:nvGrpSpPr>
+          <p:cNvPr id="30" name="Group 29">
+            <a:extLst>
+              <a:ext uri="{FF2B5EF4-FFF2-40B4-BE49-F238E27FC236}">
+                <a16:creationId xmlns:a16="http://schemas.microsoft.com/office/drawing/2014/main" id="{E02E8400-A5C1-4858-8E8D-51AFAB548694}"/>
+              </a:ext>
+            </a:extLst>
+          </p:cNvPr>
+          <p:cNvGrpSpPr/>
+          <p:nvPr/>
+        </p:nvGrpSpPr>
+        <p:grpSpPr>
+          <a:xfrm>
+            <a:off x="2919916" y="1052078"/>
+            <a:ext cx="1892379" cy="738664"/>
+            <a:chOff x="5959989" y="1474641"/>
+            <a:chExt cx="1892379" cy="738664"/>
+          </a:xfrm>
+        </p:grpSpPr>
+        <p:sp>
+          <p:nvSpPr>
+            <p:cNvPr id="27" name="TextBox 26">
+              <a:extLst>
+                <a:ext uri="{FF2B5EF4-FFF2-40B4-BE49-F238E27FC236}">
+                  <a16:creationId xmlns:a16="http://schemas.microsoft.com/office/drawing/2014/main" id="{BDCF3676-3D7B-4162-B8EF-083AFFA278D1}"/>
+                </a:ext>
+              </a:extLst>
+            </p:cNvPr>
+            <p:cNvSpPr txBox="1"/>
+            <p:nvPr/>
+          </p:nvSpPr>
+          <p:spPr>
+            <a:xfrm>
+              <a:off x="5959989" y="1474641"/>
+              <a:ext cx="1892379" cy="738664"/>
+            </a:xfrm>
+            <a:prstGeom prst="rect">
+              <a:avLst/>
+            </a:prstGeom>
+            <a:noFill/>
+          </p:spPr>
+          <p:txBody>
+            <a:bodyPr wrap="square" rtlCol="0">
+              <a:spAutoFit/>
+            </a:bodyPr>
+            <a:lstStyle/>
+            <a:p>
+              <a:pPr algn="ctr"/>
+              <a:r>
+                <a:rPr lang="en-US" sz="1400" dirty="0"/>
+                <a:t>protected void compute Geometrical Properties ……</a:t>
+              </a:r>
+            </a:p>
+          </p:txBody>
+        </p:sp>
+        <p:sp>
+          <p:nvSpPr>
+            <p:cNvPr id="28" name="Rectangle 27">
+              <a:extLst>
+                <a:ext uri="{FF2B5EF4-FFF2-40B4-BE49-F238E27FC236}">
+                  <a16:creationId xmlns:a16="http://schemas.microsoft.com/office/drawing/2014/main" id="{096FBF32-F042-4C6E-9EB1-D66A53B112C3}"/>
+                </a:ext>
+              </a:extLst>
+            </p:cNvPr>
+            <p:cNvSpPr/>
+            <p:nvPr/>
+          </p:nvSpPr>
+          <p:spPr>
+            <a:xfrm>
+              <a:off x="6049420" y="1516332"/>
+              <a:ext cx="1704041" cy="679796"/>
+            </a:xfrm>
+            <a:prstGeom prst="rect">
+              <a:avLst/>
+            </a:prstGeom>
+            <a:noFill/>
+            <a:ln>
+              <a:solidFill>
+                <a:schemeClr val="tx1"/>
+              </a:solidFill>
+              <a:prstDash val="dash"/>
+            </a:ln>
+          </p:spPr>
+          <p:style>
+            <a:lnRef idx="2">
+              <a:schemeClr val="accent1">
+                <a:shade val="50000"/>
+              </a:schemeClr>
+            </a:lnRef>
+            <a:fillRef idx="1">
+              <a:schemeClr val="accent1"/>
+            </a:fillRef>
+            <a:effectRef idx="0">
+              <a:schemeClr val="accent1"/>
+            </a:effectRef>
+            <a:fontRef idx="minor">
+              <a:schemeClr val="lt1"/>
+            </a:fontRef>
+          </p:style>
+          <p:txBody>
+            <a:bodyPr rtlCol="0" anchor="ctr"/>
+            <a:lstStyle/>
+            <a:p>
+              <a:pPr algn="ctr"/>
+              <a:endParaRPr lang="en-US" dirty="0"/>
+            </a:p>
+          </p:txBody>
+        </p:sp>
+      </p:grpSp>
+      <p:sp>
+        <p:nvSpPr>
+          <p:cNvPr id="29" name="TextBox 28">
+            <a:extLst>
+              <a:ext uri="{FF2B5EF4-FFF2-40B4-BE49-F238E27FC236}">
+                <a16:creationId xmlns:a16="http://schemas.microsoft.com/office/drawing/2014/main" id="{93B6C0B2-B16E-4C5F-BD5F-3DD0D2B2D61B}"/>
+              </a:ext>
+            </a:extLst>
+          </p:cNvPr>
+          <p:cNvSpPr txBox="1"/>
+          <p:nvPr/>
+        </p:nvSpPr>
+        <p:spPr>
+          <a:xfrm>
+            <a:off x="2834929" y="1720377"/>
+            <a:ext cx="1997111" cy="369332"/>
+          </a:xfrm>
+          <a:prstGeom prst="rect">
+            <a:avLst/>
+          </a:prstGeom>
+          <a:noFill/>
+        </p:spPr>
+        <p:txBody>
+          <a:bodyPr wrap="square" rtlCol="0">
+            <a:spAutoFit/>
+          </a:bodyPr>
+          <a:lstStyle/>
+          <a:p>
+            <a:pPr algn="ctr"/>
+            <a:r>
+              <a:rPr lang="en-US" dirty="0"/>
+              <a:t>Method content </a:t>
+            </a:r>
+          </a:p>
+        </p:txBody>
+      </p:sp>
+      <p:sp>
+        <p:nvSpPr>
+          <p:cNvPr id="32" name="Rectangle: Rounded Corners 31">
+            <a:extLst>
+              <a:ext uri="{FF2B5EF4-FFF2-40B4-BE49-F238E27FC236}">
+                <a16:creationId xmlns:a16="http://schemas.microsoft.com/office/drawing/2014/main" id="{8E64F294-211B-4BE6-9421-0950E085C127}"/>
+              </a:ext>
+            </a:extLst>
+          </p:cNvPr>
+          <p:cNvSpPr/>
+          <p:nvPr/>
+        </p:nvSpPr>
+        <p:spPr>
+          <a:xfrm>
+            <a:off x="5065205" y="1080347"/>
+            <a:ext cx="240732" cy="738664"/>
+          </a:xfrm>
+          <a:prstGeom prst="roundRect">
+            <a:avLst/>
+          </a:prstGeom>
+          <a:solidFill>
+            <a:schemeClr val="accent2">
+              <a:lumMod val="60000"/>
+              <a:lumOff val="40000"/>
+            </a:schemeClr>
+          </a:solidFill>
+          <a:ln>
+            <a:solidFill>
+              <a:schemeClr val="accent2">
+                <a:lumMod val="75000"/>
+              </a:schemeClr>
+            </a:solidFill>
+          </a:ln>
+        </p:spPr>
+        <p:style>
+          <a:lnRef idx="2">
+            <a:schemeClr val="accent1">
+              <a:shade val="50000"/>
+            </a:schemeClr>
+          </a:lnRef>
+          <a:fillRef idx="1">
+            <a:schemeClr val="accent1"/>
+          </a:fillRef>
+          <a:effectRef idx="0">
+            <a:schemeClr val="accent1"/>
+          </a:effectRef>
+          <a:fontRef idx="minor">
+            <a:schemeClr val="lt1"/>
+          </a:fontRef>
+        </p:style>
+        <p:txBody>
+          <a:bodyPr rtlCol="0" anchor="ctr"/>
+          <a:lstStyle/>
+          <a:p>
+            <a:pPr algn="ctr"/>
+            <a:endParaRPr lang="en-US" dirty="0"/>
+          </a:p>
+        </p:txBody>
+      </p:sp>
+      <p:sp>
+        <p:nvSpPr>
+          <p:cNvPr id="33" name="Rectangle: Rounded Corners 32">
+            <a:extLst>
+              <a:ext uri="{FF2B5EF4-FFF2-40B4-BE49-F238E27FC236}">
+                <a16:creationId xmlns:a16="http://schemas.microsoft.com/office/drawing/2014/main" id="{554E4FA8-6A8E-4244-B394-2320D49053FF}"/>
+              </a:ext>
+            </a:extLst>
+          </p:cNvPr>
+          <p:cNvSpPr/>
+          <p:nvPr/>
+        </p:nvSpPr>
+        <p:spPr>
+          <a:xfrm>
+            <a:off x="6990387" y="2288514"/>
+            <a:ext cx="247856" cy="730000"/>
+          </a:xfrm>
+          <a:prstGeom prst="roundRect">
+            <a:avLst/>
+          </a:prstGeom>
+          <a:solidFill>
+            <a:schemeClr val="accent5">
+              <a:lumMod val="40000"/>
+              <a:lumOff val="60000"/>
+            </a:schemeClr>
+          </a:solidFill>
+          <a:ln>
+            <a:solidFill>
+              <a:schemeClr val="accent5">
+                <a:lumMod val="75000"/>
+              </a:schemeClr>
+            </a:solidFill>
+          </a:ln>
+        </p:spPr>
+        <p:style>
+          <a:lnRef idx="2">
+            <a:schemeClr val="accent1">
+              <a:shade val="50000"/>
+            </a:schemeClr>
+          </a:lnRef>
+          <a:fillRef idx="1">
+            <a:schemeClr val="accent1"/>
+          </a:fillRef>
+          <a:effectRef idx="0">
+            <a:schemeClr val="accent1"/>
+          </a:effectRef>
+          <a:fontRef idx="minor">
+            <a:schemeClr val="lt1"/>
+          </a:fontRef>
+        </p:style>
+        <p:txBody>
+          <a:bodyPr rtlCol="0" anchor="ctr"/>
+          <a:lstStyle/>
+          <a:p>
+            <a:pPr algn="ctr"/>
+            <a:endParaRPr lang="en-US" dirty="0"/>
+          </a:p>
+        </p:txBody>
+      </p:sp>
+      <p:sp>
+        <p:nvSpPr>
+          <p:cNvPr id="43" name="Rectangle: Rounded Corners 42">
+            <a:extLst>
+              <a:ext uri="{FF2B5EF4-FFF2-40B4-BE49-F238E27FC236}">
+                <a16:creationId xmlns:a16="http://schemas.microsoft.com/office/drawing/2014/main" id="{1E8AC285-DCE6-4287-80CE-24880535A213}"/>
+              </a:ext>
+            </a:extLst>
+          </p:cNvPr>
+          <p:cNvSpPr/>
+          <p:nvPr/>
+        </p:nvSpPr>
+        <p:spPr>
+          <a:xfrm>
+            <a:off x="7007761" y="1080190"/>
+            <a:ext cx="240732" cy="772611"/>
+          </a:xfrm>
+          <a:prstGeom prst="roundRect">
+            <a:avLst/>
+          </a:prstGeom>
+          <a:solidFill>
+            <a:schemeClr val="accent4">
+              <a:lumMod val="40000"/>
+              <a:lumOff val="60000"/>
+            </a:schemeClr>
+          </a:solidFill>
+          <a:ln>
+            <a:solidFill>
+              <a:schemeClr val="accent4">
+                <a:lumMod val="75000"/>
+              </a:schemeClr>
+            </a:solidFill>
+          </a:ln>
+        </p:spPr>
+        <p:style>
+          <a:lnRef idx="2">
+            <a:schemeClr val="accent1">
+              <a:shade val="50000"/>
+            </a:schemeClr>
+          </a:lnRef>
+          <a:fillRef idx="1">
+            <a:schemeClr val="accent1"/>
+          </a:fillRef>
+          <a:effectRef idx="0">
+            <a:schemeClr val="accent1"/>
+          </a:effectRef>
+          <a:fontRef idx="minor">
+            <a:schemeClr val="lt1"/>
+          </a:fontRef>
+        </p:style>
+        <p:txBody>
+          <a:bodyPr rtlCol="0" anchor="ctr"/>
+          <a:lstStyle/>
+          <a:p>
+            <a:pPr algn="ctr"/>
+            <a:endParaRPr lang="en-US" dirty="0">
+              <a:solidFill>
+                <a:schemeClr val="tx1"/>
+              </a:solidFill>
+            </a:endParaRPr>
+          </a:p>
+        </p:txBody>
+      </p:sp>
+      <p:sp>
+        <p:nvSpPr>
+          <p:cNvPr id="41" name="TextBox 40">
+            <a:extLst>
+              <a:ext uri="{FF2B5EF4-FFF2-40B4-BE49-F238E27FC236}">
+                <a16:creationId xmlns:a16="http://schemas.microsoft.com/office/drawing/2014/main" id="{1E19C122-7670-438F-A032-194C04C0DB72}"/>
+              </a:ext>
+            </a:extLst>
+          </p:cNvPr>
+          <p:cNvSpPr txBox="1"/>
+          <p:nvPr/>
+        </p:nvSpPr>
+        <p:spPr>
+          <a:xfrm>
+            <a:off x="5576678" y="1266544"/>
+            <a:ext cx="1509159" cy="307777"/>
+          </a:xfrm>
+          <a:prstGeom prst="rect">
+            <a:avLst/>
+          </a:prstGeom>
+          <a:noFill/>
+        </p:spPr>
+        <p:txBody>
+          <a:bodyPr wrap="square" rtlCol="0">
+            <a:spAutoFit/>
+          </a:bodyPr>
+          <a:lstStyle/>
+          <a:p>
+            <a:r>
+              <a:rPr lang="en-US" sz="1400" dirty="0"/>
+              <a:t>&lt;v1,v2,…,</a:t>
+            </a:r>
+            <a:r>
+              <a:rPr lang="en-US" sz="1400" dirty="0" err="1"/>
+              <a:t>vn</a:t>
+            </a:r>
+            <a:r>
+              <a:rPr lang="en-US" sz="1400" dirty="0"/>
+              <a:t>&gt;</a:t>
+            </a:r>
+          </a:p>
+        </p:txBody>
+      </p:sp>
+      <p:sp>
+        <p:nvSpPr>
+          <p:cNvPr id="42" name="TextBox 41">
+            <a:extLst>
+              <a:ext uri="{FF2B5EF4-FFF2-40B4-BE49-F238E27FC236}">
+                <a16:creationId xmlns:a16="http://schemas.microsoft.com/office/drawing/2014/main" id="{40A3D922-C447-4886-B048-8A29486C6ACB}"/>
+              </a:ext>
+            </a:extLst>
+          </p:cNvPr>
+          <p:cNvSpPr txBox="1"/>
+          <p:nvPr/>
+        </p:nvSpPr>
+        <p:spPr>
+          <a:xfrm>
+            <a:off x="7450861" y="3774895"/>
+            <a:ext cx="744222" cy="369332"/>
+          </a:xfrm>
+          <a:prstGeom prst="rect">
+            <a:avLst/>
+          </a:prstGeom>
+          <a:noFill/>
+        </p:spPr>
+        <p:txBody>
+          <a:bodyPr wrap="square" rtlCol="0">
+            <a:spAutoFit/>
+          </a:bodyPr>
+          <a:lstStyle/>
+          <a:p>
+            <a:r>
+              <a:rPr lang="en-US" dirty="0"/>
+              <a:t>V</a:t>
+            </a:r>
+            <a:r>
+              <a:rPr lang="en-US" sz="1050" dirty="0"/>
+              <a:t>MSBM</a:t>
+            </a:r>
+            <a:endParaRPr lang="en-US" sz="1400" dirty="0"/>
+          </a:p>
+        </p:txBody>
+      </p:sp>
+      <p:grpSp>
+        <p:nvGrpSpPr>
+          <p:cNvPr id="74" name="Group 73">
+            <a:extLst>
+              <a:ext uri="{FF2B5EF4-FFF2-40B4-BE49-F238E27FC236}">
+                <a16:creationId xmlns:a16="http://schemas.microsoft.com/office/drawing/2014/main" id="{5D77D2D2-9E26-4AA2-87AF-9D8F429D4CBD}"/>
+              </a:ext>
+            </a:extLst>
+          </p:cNvPr>
+          <p:cNvGrpSpPr/>
+          <p:nvPr/>
+        </p:nvGrpSpPr>
+        <p:grpSpPr>
+          <a:xfrm>
+            <a:off x="7524454" y="3637201"/>
+            <a:ext cx="590550" cy="180483"/>
+            <a:chOff x="10191750" y="3201290"/>
+            <a:chExt cx="590550" cy="180483"/>
+          </a:xfrm>
+        </p:grpSpPr>
+        <p:sp>
+          <p:nvSpPr>
+            <p:cNvPr id="70" name="Rectangle: Rounded Corners 69">
+              <a:extLst>
+                <a:ext uri="{FF2B5EF4-FFF2-40B4-BE49-F238E27FC236}">
+                  <a16:creationId xmlns:a16="http://schemas.microsoft.com/office/drawing/2014/main" id="{A2A97FFB-63D0-4462-AC49-44210F4D91D3}"/>
+                </a:ext>
+              </a:extLst>
+            </p:cNvPr>
+            <p:cNvSpPr/>
+            <p:nvPr/>
+          </p:nvSpPr>
+          <p:spPr>
+            <a:xfrm>
+              <a:off x="10191750" y="3201290"/>
+              <a:ext cx="590550" cy="180483"/>
+            </a:xfrm>
+            <a:prstGeom prst="roundRect">
+              <a:avLst/>
+            </a:prstGeom>
+            <a:noFill/>
+            <a:ln>
+              <a:solidFill>
+                <a:schemeClr val="tx1"/>
+              </a:solidFill>
+            </a:ln>
+          </p:spPr>
+          <p:style>
+            <a:lnRef idx="2">
+              <a:schemeClr val="accent1">
+                <a:shade val="50000"/>
+              </a:schemeClr>
+            </a:lnRef>
+            <a:fillRef idx="1">
+              <a:schemeClr val="accent1"/>
+            </a:fillRef>
+            <a:effectRef idx="0">
+              <a:schemeClr val="accent1"/>
+            </a:effectRef>
+            <a:fontRef idx="minor">
+              <a:schemeClr val="lt1"/>
+            </a:fontRef>
+          </p:style>
+          <p:txBody>
+            <a:bodyPr rtlCol="0" anchor="ctr"/>
+            <a:lstStyle/>
+            <a:p>
+              <a:pPr algn="ctr"/>
+              <a:endParaRPr lang="en-US" dirty="0"/>
+            </a:p>
+          </p:txBody>
+        </p:sp>
+        <p:sp>
+          <p:nvSpPr>
+            <p:cNvPr id="71" name="Oval 70">
+              <a:extLst>
+                <a:ext uri="{FF2B5EF4-FFF2-40B4-BE49-F238E27FC236}">
+                  <a16:creationId xmlns:a16="http://schemas.microsoft.com/office/drawing/2014/main" id="{04E69232-B152-40CD-87CD-0098896F5731}"/>
+                </a:ext>
+              </a:extLst>
+            </p:cNvPr>
+            <p:cNvSpPr/>
+            <p:nvPr/>
+          </p:nvSpPr>
+          <p:spPr>
+            <a:xfrm>
+              <a:off x="10258345" y="3230725"/>
+              <a:ext cx="123905" cy="123905"/>
+            </a:xfrm>
+            <a:prstGeom prst="ellipse">
+              <a:avLst/>
+            </a:prstGeom>
+          </p:spPr>
+          <p:style>
+            <a:lnRef idx="2">
+              <a:schemeClr val="accent1">
+                <a:shade val="50000"/>
+              </a:schemeClr>
+            </a:lnRef>
+            <a:fillRef idx="1">
+              <a:schemeClr val="accent1"/>
+            </a:fillRef>
+            <a:effectRef idx="0">
+              <a:schemeClr val="accent1"/>
+            </a:effectRef>
+            <a:fontRef idx="minor">
+              <a:schemeClr val="lt1"/>
+            </a:fontRef>
+          </p:style>
+          <p:txBody>
+            <a:bodyPr rtlCol="0" anchor="ctr"/>
+            <a:lstStyle/>
+            <a:p>
+              <a:pPr algn="ctr"/>
+              <a:endParaRPr lang="en-US" dirty="0"/>
+            </a:p>
+          </p:txBody>
+        </p:sp>
+        <p:sp>
+          <p:nvSpPr>
+            <p:cNvPr id="72" name="Oval 71">
+              <a:extLst>
+                <a:ext uri="{FF2B5EF4-FFF2-40B4-BE49-F238E27FC236}">
+                  <a16:creationId xmlns:a16="http://schemas.microsoft.com/office/drawing/2014/main" id="{C05F3F5A-98C3-4182-AD40-BE3D86E990F5}"/>
+                </a:ext>
+              </a:extLst>
+            </p:cNvPr>
+            <p:cNvSpPr/>
+            <p:nvPr/>
+          </p:nvSpPr>
+          <p:spPr>
+            <a:xfrm>
+              <a:off x="10421903" y="3227520"/>
+              <a:ext cx="123905" cy="123905"/>
+            </a:xfrm>
+            <a:prstGeom prst="ellipse">
+              <a:avLst/>
+            </a:prstGeom>
+          </p:spPr>
+          <p:style>
+            <a:lnRef idx="2">
+              <a:schemeClr val="accent1">
+                <a:shade val="50000"/>
+              </a:schemeClr>
+            </a:lnRef>
+            <a:fillRef idx="1">
+              <a:schemeClr val="accent1"/>
+            </a:fillRef>
+            <a:effectRef idx="0">
+              <a:schemeClr val="accent1"/>
+            </a:effectRef>
+            <a:fontRef idx="minor">
+              <a:schemeClr val="lt1"/>
+            </a:fontRef>
+          </p:style>
+          <p:txBody>
+            <a:bodyPr rtlCol="0" anchor="ctr"/>
+            <a:lstStyle/>
+            <a:p>
+              <a:pPr algn="ctr"/>
+              <a:endParaRPr lang="en-US" dirty="0"/>
+            </a:p>
+          </p:txBody>
+        </p:sp>
+        <p:sp>
+          <p:nvSpPr>
+            <p:cNvPr id="73" name="Oval 72">
+              <a:extLst>
+                <a:ext uri="{FF2B5EF4-FFF2-40B4-BE49-F238E27FC236}">
+                  <a16:creationId xmlns:a16="http://schemas.microsoft.com/office/drawing/2014/main" id="{2DDD9563-7546-47EB-A666-182C31277647}"/>
+                </a:ext>
+              </a:extLst>
+            </p:cNvPr>
+            <p:cNvSpPr/>
+            <p:nvPr/>
+          </p:nvSpPr>
+          <p:spPr>
+            <a:xfrm>
+              <a:off x="10585461" y="3227520"/>
+              <a:ext cx="123905" cy="123905"/>
+            </a:xfrm>
+            <a:prstGeom prst="ellipse">
+              <a:avLst/>
+            </a:prstGeom>
+          </p:spPr>
+          <p:style>
+            <a:lnRef idx="2">
+              <a:schemeClr val="accent1">
+                <a:shade val="50000"/>
+              </a:schemeClr>
+            </a:lnRef>
+            <a:fillRef idx="1">
+              <a:schemeClr val="accent1"/>
+            </a:fillRef>
+            <a:effectRef idx="0">
+              <a:schemeClr val="accent1"/>
+            </a:effectRef>
+            <a:fontRef idx="minor">
+              <a:schemeClr val="lt1"/>
+            </a:fontRef>
+          </p:style>
+          <p:txBody>
+            <a:bodyPr rtlCol="0" anchor="ctr"/>
+            <a:lstStyle/>
+            <a:p>
+              <a:pPr algn="ctr"/>
+              <a:endParaRPr lang="en-US" dirty="0"/>
+            </a:p>
+          </p:txBody>
+        </p:sp>
+      </p:grpSp>
+      <p:sp>
+        <p:nvSpPr>
+          <p:cNvPr id="75" name="TextBox 74">
+            <a:extLst>
+              <a:ext uri="{FF2B5EF4-FFF2-40B4-BE49-F238E27FC236}">
+                <a16:creationId xmlns:a16="http://schemas.microsoft.com/office/drawing/2014/main" id="{37C7159B-CB38-4E10-B86B-678D503D2FB9}"/>
+              </a:ext>
+            </a:extLst>
+          </p:cNvPr>
+          <p:cNvSpPr txBox="1"/>
+          <p:nvPr/>
+        </p:nvSpPr>
+        <p:spPr>
+          <a:xfrm>
+            <a:off x="7539533" y="2258613"/>
+            <a:ext cx="744222" cy="369332"/>
+          </a:xfrm>
+          <a:prstGeom prst="rect">
+            <a:avLst/>
+          </a:prstGeom>
+          <a:noFill/>
+        </p:spPr>
+        <p:txBody>
+          <a:bodyPr wrap="square" rtlCol="0">
+            <a:spAutoFit/>
+          </a:bodyPr>
+          <a:lstStyle/>
+          <a:p>
+            <a:r>
+              <a:rPr lang="en-US" dirty="0"/>
+              <a:t>V</a:t>
+            </a:r>
+            <a:r>
+              <a:rPr lang="en-US" sz="1050" dirty="0"/>
+              <a:t>AST</a:t>
+            </a:r>
+            <a:endParaRPr lang="en-US" sz="1400" dirty="0"/>
+          </a:p>
+        </p:txBody>
+      </p:sp>
+      <p:grpSp>
+        <p:nvGrpSpPr>
+          <p:cNvPr id="76" name="Group 75">
+            <a:extLst>
+              <a:ext uri="{FF2B5EF4-FFF2-40B4-BE49-F238E27FC236}">
+                <a16:creationId xmlns:a16="http://schemas.microsoft.com/office/drawing/2014/main" id="{BF0F9C16-053D-407A-81DB-C7E42DD4F03B}"/>
+              </a:ext>
+            </a:extLst>
+          </p:cNvPr>
+          <p:cNvGrpSpPr/>
+          <p:nvPr/>
+        </p:nvGrpSpPr>
+        <p:grpSpPr>
+          <a:xfrm>
+            <a:off x="7506401" y="2578348"/>
+            <a:ext cx="590550" cy="180483"/>
+            <a:chOff x="10191750" y="3201290"/>
+            <a:chExt cx="590550" cy="180483"/>
+          </a:xfrm>
+        </p:grpSpPr>
+        <p:sp>
+          <p:nvSpPr>
+            <p:cNvPr id="77" name="Rectangle: Rounded Corners 76">
+              <a:extLst>
+                <a:ext uri="{FF2B5EF4-FFF2-40B4-BE49-F238E27FC236}">
+                  <a16:creationId xmlns:a16="http://schemas.microsoft.com/office/drawing/2014/main" id="{D11EB9D6-0FEB-4749-A1DC-7F62212C2515}"/>
+                </a:ext>
+              </a:extLst>
+            </p:cNvPr>
+            <p:cNvSpPr/>
+            <p:nvPr/>
+          </p:nvSpPr>
+          <p:spPr>
+            <a:xfrm>
+              <a:off x="10191750" y="3201290"/>
+              <a:ext cx="590550" cy="180483"/>
+            </a:xfrm>
+            <a:prstGeom prst="roundRect">
+              <a:avLst/>
+            </a:prstGeom>
+            <a:noFill/>
+            <a:ln>
+              <a:solidFill>
+                <a:schemeClr val="tx1"/>
+              </a:solidFill>
+            </a:ln>
+          </p:spPr>
+          <p:style>
+            <a:lnRef idx="2">
+              <a:schemeClr val="accent1">
+                <a:shade val="50000"/>
+              </a:schemeClr>
+            </a:lnRef>
+            <a:fillRef idx="1">
+              <a:schemeClr val="accent1"/>
+            </a:fillRef>
+            <a:effectRef idx="0">
+              <a:schemeClr val="accent1"/>
+            </a:effectRef>
+            <a:fontRef idx="minor">
+              <a:schemeClr val="lt1"/>
+            </a:fontRef>
+          </p:style>
+          <p:txBody>
+            <a:bodyPr rtlCol="0" anchor="ctr"/>
+            <a:lstStyle/>
+            <a:p>
+              <a:pPr algn="ctr"/>
+              <a:endParaRPr lang="en-US" dirty="0"/>
+            </a:p>
+          </p:txBody>
+        </p:sp>
+        <p:sp>
+          <p:nvSpPr>
+            <p:cNvPr id="78" name="Oval 77">
+              <a:extLst>
+                <a:ext uri="{FF2B5EF4-FFF2-40B4-BE49-F238E27FC236}">
+                  <a16:creationId xmlns:a16="http://schemas.microsoft.com/office/drawing/2014/main" id="{2BB9EB2F-1E3B-4CEE-AC0B-534043517559}"/>
+                </a:ext>
+              </a:extLst>
+            </p:cNvPr>
+            <p:cNvSpPr/>
+            <p:nvPr/>
+          </p:nvSpPr>
+          <p:spPr>
+            <a:xfrm>
+              <a:off x="10258345" y="3230725"/>
+              <a:ext cx="123905" cy="123905"/>
+            </a:xfrm>
+            <a:prstGeom prst="ellipse">
+              <a:avLst/>
+            </a:prstGeom>
+            <a:solidFill>
+              <a:schemeClr val="accent2">
+                <a:lumMod val="40000"/>
+                <a:lumOff val="60000"/>
+              </a:schemeClr>
+            </a:solidFill>
+            <a:ln>
+              <a:solidFill>
+                <a:schemeClr val="accent2">
+                  <a:lumMod val="60000"/>
+                  <a:lumOff val="40000"/>
+                </a:schemeClr>
+              </a:solidFill>
+            </a:ln>
+          </p:spPr>
+          <p:style>
+            <a:lnRef idx="2">
+              <a:schemeClr val="accent1">
+                <a:shade val="50000"/>
+              </a:schemeClr>
+            </a:lnRef>
+            <a:fillRef idx="1">
+              <a:schemeClr val="accent1"/>
+            </a:fillRef>
+            <a:effectRef idx="0">
+              <a:schemeClr val="accent1"/>
+            </a:effectRef>
+            <a:fontRef idx="minor">
+              <a:schemeClr val="lt1"/>
+            </a:fontRef>
+          </p:style>
+          <p:txBody>
+            <a:bodyPr rtlCol="0" anchor="ctr"/>
+            <a:lstStyle/>
+            <a:p>
+              <a:pPr algn="ctr"/>
+              <a:endParaRPr lang="en-US" dirty="0"/>
+            </a:p>
+          </p:txBody>
+        </p:sp>
+        <p:sp>
+          <p:nvSpPr>
+            <p:cNvPr id="79" name="Oval 78">
+              <a:extLst>
+                <a:ext uri="{FF2B5EF4-FFF2-40B4-BE49-F238E27FC236}">
+                  <a16:creationId xmlns:a16="http://schemas.microsoft.com/office/drawing/2014/main" id="{7C5AA231-047D-424F-8BC2-244263F0F501}"/>
+                </a:ext>
+              </a:extLst>
+            </p:cNvPr>
+            <p:cNvSpPr/>
+            <p:nvPr/>
+          </p:nvSpPr>
+          <p:spPr>
+            <a:xfrm>
+              <a:off x="10421903" y="3227520"/>
+              <a:ext cx="123905" cy="123905"/>
+            </a:xfrm>
+            <a:prstGeom prst="ellipse">
+              <a:avLst/>
+            </a:prstGeom>
+            <a:solidFill>
+              <a:schemeClr val="accent2">
+                <a:lumMod val="40000"/>
+                <a:lumOff val="60000"/>
+              </a:schemeClr>
+            </a:solidFill>
+            <a:ln>
+              <a:solidFill>
+                <a:schemeClr val="accent2">
+                  <a:lumMod val="60000"/>
+                  <a:lumOff val="40000"/>
+                </a:schemeClr>
+              </a:solidFill>
+            </a:ln>
+          </p:spPr>
+          <p:style>
+            <a:lnRef idx="2">
+              <a:schemeClr val="accent1">
+                <a:shade val="50000"/>
+              </a:schemeClr>
+            </a:lnRef>
+            <a:fillRef idx="1">
+              <a:schemeClr val="accent1"/>
+            </a:fillRef>
+            <a:effectRef idx="0">
+              <a:schemeClr val="accent1"/>
+            </a:effectRef>
+            <a:fontRef idx="minor">
+              <a:schemeClr val="lt1"/>
+            </a:fontRef>
+          </p:style>
+          <p:txBody>
+            <a:bodyPr rtlCol="0" anchor="ctr"/>
+            <a:lstStyle/>
+            <a:p>
+              <a:pPr algn="ctr"/>
+              <a:endParaRPr lang="en-US" dirty="0"/>
+            </a:p>
+          </p:txBody>
+        </p:sp>
+        <p:sp>
+          <p:nvSpPr>
+            <p:cNvPr id="80" name="Oval 79">
+              <a:extLst>
+                <a:ext uri="{FF2B5EF4-FFF2-40B4-BE49-F238E27FC236}">
+                  <a16:creationId xmlns:a16="http://schemas.microsoft.com/office/drawing/2014/main" id="{16424673-46DB-415F-8BE4-377F84DCAFBE}"/>
+                </a:ext>
+              </a:extLst>
+            </p:cNvPr>
+            <p:cNvSpPr/>
+            <p:nvPr/>
+          </p:nvSpPr>
+          <p:spPr>
+            <a:xfrm>
+              <a:off x="10585461" y="3227520"/>
+              <a:ext cx="123905" cy="123905"/>
+            </a:xfrm>
+            <a:prstGeom prst="ellipse">
+              <a:avLst/>
+            </a:prstGeom>
+            <a:solidFill>
+              <a:schemeClr val="accent2">
+                <a:lumMod val="40000"/>
+                <a:lumOff val="60000"/>
+              </a:schemeClr>
+            </a:solidFill>
+            <a:ln>
+              <a:solidFill>
+                <a:schemeClr val="accent2">
+                  <a:lumMod val="60000"/>
+                  <a:lumOff val="40000"/>
+                </a:schemeClr>
+              </a:solidFill>
+            </a:ln>
+          </p:spPr>
+          <p:style>
+            <a:lnRef idx="2">
+              <a:schemeClr val="accent1">
+                <a:shade val="50000"/>
+              </a:schemeClr>
+            </a:lnRef>
+            <a:fillRef idx="1">
+              <a:schemeClr val="accent1"/>
+            </a:fillRef>
+            <a:effectRef idx="0">
+              <a:schemeClr val="accent1"/>
+            </a:effectRef>
+            <a:fontRef idx="minor">
+              <a:schemeClr val="lt1"/>
+            </a:fontRef>
+          </p:style>
+          <p:txBody>
+            <a:bodyPr rtlCol="0" anchor="ctr"/>
+            <a:lstStyle/>
+            <a:p>
+              <a:pPr algn="ctr"/>
+              <a:endParaRPr lang="en-US" dirty="0"/>
+            </a:p>
+          </p:txBody>
+        </p:sp>
+      </p:grpSp>
+      <p:sp>
+        <p:nvSpPr>
+          <p:cNvPr id="81" name="TextBox 80">
+            <a:extLst>
+              <a:ext uri="{FF2B5EF4-FFF2-40B4-BE49-F238E27FC236}">
+                <a16:creationId xmlns:a16="http://schemas.microsoft.com/office/drawing/2014/main" id="{0F12761C-4ECA-44D6-9B1A-B70F07F5E366}"/>
+              </a:ext>
+            </a:extLst>
+          </p:cNvPr>
+          <p:cNvSpPr txBox="1"/>
+          <p:nvPr/>
+        </p:nvSpPr>
+        <p:spPr>
+          <a:xfrm>
+            <a:off x="7569254" y="991124"/>
+            <a:ext cx="744222" cy="369332"/>
+          </a:xfrm>
+          <a:prstGeom prst="rect">
+            <a:avLst/>
+          </a:prstGeom>
+          <a:noFill/>
+        </p:spPr>
+        <p:txBody>
+          <a:bodyPr wrap="square" rtlCol="0">
+            <a:spAutoFit/>
+          </a:bodyPr>
+          <a:lstStyle/>
+          <a:p>
+            <a:r>
+              <a:rPr lang="en-US" dirty="0"/>
+              <a:t>V</a:t>
+            </a:r>
+            <a:r>
+              <a:rPr lang="en-US" sz="1050" dirty="0"/>
+              <a:t>MC</a:t>
+            </a:r>
+            <a:endParaRPr lang="en-US" sz="1400" dirty="0"/>
+          </a:p>
+        </p:txBody>
+      </p:sp>
+      <p:grpSp>
+        <p:nvGrpSpPr>
+          <p:cNvPr id="82" name="Group 81">
+            <a:extLst>
+              <a:ext uri="{FF2B5EF4-FFF2-40B4-BE49-F238E27FC236}">
+                <a16:creationId xmlns:a16="http://schemas.microsoft.com/office/drawing/2014/main" id="{2FCA8CD7-D5FA-4F5E-8E48-BD9D4B4B3481}"/>
+              </a:ext>
+            </a:extLst>
+          </p:cNvPr>
+          <p:cNvGrpSpPr/>
+          <p:nvPr/>
+        </p:nvGrpSpPr>
+        <p:grpSpPr>
+          <a:xfrm>
+            <a:off x="7511226" y="1344689"/>
+            <a:ext cx="590550" cy="180483"/>
+            <a:chOff x="10191750" y="3201290"/>
+            <a:chExt cx="590550" cy="180483"/>
+          </a:xfrm>
+        </p:grpSpPr>
+        <p:sp>
+          <p:nvSpPr>
+            <p:cNvPr id="83" name="Rectangle: Rounded Corners 82">
+              <a:extLst>
+                <a:ext uri="{FF2B5EF4-FFF2-40B4-BE49-F238E27FC236}">
+                  <a16:creationId xmlns:a16="http://schemas.microsoft.com/office/drawing/2014/main" id="{E9E9D78B-191F-4E3F-8C79-0310B37BBC48}"/>
+                </a:ext>
+              </a:extLst>
+            </p:cNvPr>
+            <p:cNvSpPr/>
+            <p:nvPr/>
+          </p:nvSpPr>
+          <p:spPr>
+            <a:xfrm>
+              <a:off x="10191750" y="3201290"/>
+              <a:ext cx="590550" cy="180483"/>
+            </a:xfrm>
+            <a:prstGeom prst="roundRect">
+              <a:avLst/>
+            </a:prstGeom>
+            <a:noFill/>
+            <a:ln>
+              <a:solidFill>
+                <a:schemeClr val="tx1"/>
+              </a:solidFill>
+            </a:ln>
+          </p:spPr>
+          <p:style>
+            <a:lnRef idx="2">
+              <a:schemeClr val="accent1">
+                <a:shade val="50000"/>
+              </a:schemeClr>
+            </a:lnRef>
+            <a:fillRef idx="1">
+              <a:schemeClr val="accent1"/>
+            </a:fillRef>
+            <a:effectRef idx="0">
+              <a:schemeClr val="accent1"/>
+            </a:effectRef>
+            <a:fontRef idx="minor">
+              <a:schemeClr val="lt1"/>
+            </a:fontRef>
+          </p:style>
+          <p:txBody>
+            <a:bodyPr rtlCol="0" anchor="ctr"/>
+            <a:lstStyle/>
+            <a:p>
+              <a:pPr algn="ctr"/>
+              <a:endParaRPr lang="en-US" dirty="0"/>
+            </a:p>
+          </p:txBody>
+        </p:sp>
+        <p:sp>
+          <p:nvSpPr>
+            <p:cNvPr id="84" name="Oval 83">
+              <a:extLst>
+                <a:ext uri="{FF2B5EF4-FFF2-40B4-BE49-F238E27FC236}">
+                  <a16:creationId xmlns:a16="http://schemas.microsoft.com/office/drawing/2014/main" id="{76B8A072-44C4-4BAC-A214-FD12CC4C73E9}"/>
+                </a:ext>
+              </a:extLst>
+            </p:cNvPr>
+            <p:cNvSpPr/>
+            <p:nvPr/>
+          </p:nvSpPr>
+          <p:spPr>
+            <a:xfrm>
+              <a:off x="10258345" y="3230725"/>
+              <a:ext cx="123905" cy="123905"/>
+            </a:xfrm>
+            <a:prstGeom prst="ellipse">
+              <a:avLst/>
+            </a:prstGeom>
+            <a:solidFill>
+              <a:schemeClr val="accent6">
+                <a:lumMod val="40000"/>
+                <a:lumOff val="60000"/>
+              </a:schemeClr>
+            </a:solidFill>
+            <a:ln>
+              <a:solidFill>
+                <a:schemeClr val="accent6">
+                  <a:lumMod val="75000"/>
+                </a:schemeClr>
+              </a:solidFill>
+            </a:ln>
+          </p:spPr>
+          <p:style>
+            <a:lnRef idx="2">
+              <a:schemeClr val="accent1">
+                <a:shade val="50000"/>
+              </a:schemeClr>
+            </a:lnRef>
+            <a:fillRef idx="1">
+              <a:schemeClr val="accent1"/>
+            </a:fillRef>
+            <a:effectRef idx="0">
+              <a:schemeClr val="accent1"/>
+            </a:effectRef>
+            <a:fontRef idx="minor">
+              <a:schemeClr val="lt1"/>
+            </a:fontRef>
+          </p:style>
+          <p:txBody>
+            <a:bodyPr rtlCol="0" anchor="ctr"/>
+            <a:lstStyle/>
+            <a:p>
+              <a:pPr algn="ctr"/>
+              <a:endParaRPr lang="en-US" dirty="0"/>
+            </a:p>
+          </p:txBody>
+        </p:sp>
+        <p:sp>
+          <p:nvSpPr>
+            <p:cNvPr id="85" name="Oval 84">
+              <a:extLst>
+                <a:ext uri="{FF2B5EF4-FFF2-40B4-BE49-F238E27FC236}">
+                  <a16:creationId xmlns:a16="http://schemas.microsoft.com/office/drawing/2014/main" id="{35CFD02C-B4DB-45F2-88AB-044748ADA6BC}"/>
+                </a:ext>
+              </a:extLst>
+            </p:cNvPr>
+            <p:cNvSpPr/>
+            <p:nvPr/>
+          </p:nvSpPr>
+          <p:spPr>
+            <a:xfrm>
+              <a:off x="10421903" y="3227520"/>
+              <a:ext cx="123905" cy="123905"/>
+            </a:xfrm>
+            <a:prstGeom prst="ellipse">
+              <a:avLst/>
+            </a:prstGeom>
+            <a:solidFill>
+              <a:schemeClr val="accent6">
+                <a:lumMod val="40000"/>
+                <a:lumOff val="60000"/>
+              </a:schemeClr>
+            </a:solidFill>
+            <a:ln>
+              <a:solidFill>
+                <a:schemeClr val="accent6">
+                  <a:lumMod val="75000"/>
+                </a:schemeClr>
+              </a:solidFill>
+            </a:ln>
+          </p:spPr>
+          <p:style>
+            <a:lnRef idx="2">
+              <a:schemeClr val="accent1">
+                <a:shade val="50000"/>
+              </a:schemeClr>
+            </a:lnRef>
+            <a:fillRef idx="1">
+              <a:schemeClr val="accent1"/>
+            </a:fillRef>
+            <a:effectRef idx="0">
+              <a:schemeClr val="accent1"/>
+            </a:effectRef>
+            <a:fontRef idx="minor">
+              <a:schemeClr val="lt1"/>
+            </a:fontRef>
+          </p:style>
+          <p:txBody>
+            <a:bodyPr rtlCol="0" anchor="ctr"/>
+            <a:lstStyle/>
+            <a:p>
+              <a:pPr algn="ctr"/>
+              <a:endParaRPr lang="en-US" dirty="0"/>
+            </a:p>
+          </p:txBody>
+        </p:sp>
+        <p:sp>
+          <p:nvSpPr>
+            <p:cNvPr id="86" name="Oval 85">
+              <a:extLst>
+                <a:ext uri="{FF2B5EF4-FFF2-40B4-BE49-F238E27FC236}">
+                  <a16:creationId xmlns:a16="http://schemas.microsoft.com/office/drawing/2014/main" id="{D858E298-51E9-4175-A554-4CEDF035D106}"/>
+                </a:ext>
+              </a:extLst>
+            </p:cNvPr>
+            <p:cNvSpPr/>
+            <p:nvPr/>
+          </p:nvSpPr>
+          <p:spPr>
+            <a:xfrm>
+              <a:off x="10585461" y="3227520"/>
+              <a:ext cx="123905" cy="123905"/>
+            </a:xfrm>
+            <a:prstGeom prst="ellipse">
+              <a:avLst/>
+            </a:prstGeom>
+            <a:solidFill>
+              <a:schemeClr val="accent6">
+                <a:lumMod val="40000"/>
+                <a:lumOff val="60000"/>
+              </a:schemeClr>
+            </a:solidFill>
+            <a:ln>
+              <a:solidFill>
+                <a:schemeClr val="accent6">
+                  <a:lumMod val="75000"/>
+                </a:schemeClr>
+              </a:solidFill>
+            </a:ln>
+          </p:spPr>
+          <p:style>
+            <a:lnRef idx="2">
+              <a:schemeClr val="accent1">
+                <a:shade val="50000"/>
+              </a:schemeClr>
+            </a:lnRef>
+            <a:fillRef idx="1">
+              <a:schemeClr val="accent1"/>
+            </a:fillRef>
+            <a:effectRef idx="0">
+              <a:schemeClr val="accent1"/>
+            </a:effectRef>
+            <a:fontRef idx="minor">
+              <a:schemeClr val="lt1"/>
+            </a:fontRef>
+          </p:style>
+          <p:txBody>
+            <a:bodyPr rtlCol="0" anchor="ctr"/>
+            <a:lstStyle/>
+            <a:p>
+              <a:pPr algn="ctr"/>
+              <a:endParaRPr lang="en-US" dirty="0"/>
+            </a:p>
+          </p:txBody>
+        </p:sp>
+      </p:grpSp>
+      <p:sp>
+        <p:nvSpPr>
+          <p:cNvPr id="89" name="TextBox 88">
+            <a:extLst>
+              <a:ext uri="{FF2B5EF4-FFF2-40B4-BE49-F238E27FC236}">
+                <a16:creationId xmlns:a16="http://schemas.microsoft.com/office/drawing/2014/main" id="{2A68D3F4-B1F3-4F8F-81E1-76B7E846014D}"/>
+              </a:ext>
+            </a:extLst>
+          </p:cNvPr>
+          <p:cNvSpPr txBox="1"/>
+          <p:nvPr/>
+        </p:nvSpPr>
+        <p:spPr>
+          <a:xfrm>
+            <a:off x="9605563" y="2197470"/>
+            <a:ext cx="744222" cy="369332"/>
+          </a:xfrm>
+          <a:prstGeom prst="rect">
+            <a:avLst/>
+          </a:prstGeom>
+          <a:noFill/>
+        </p:spPr>
+        <p:txBody>
+          <a:bodyPr wrap="square" rtlCol="0">
+            <a:spAutoFit/>
+          </a:bodyPr>
+          <a:lstStyle/>
+          <a:p>
+            <a:r>
+              <a:rPr lang="en-US" dirty="0"/>
+              <a:t>V</a:t>
+            </a:r>
+            <a:r>
+              <a:rPr lang="en-US" sz="1050" dirty="0"/>
+              <a:t>M1</a:t>
+            </a:r>
+            <a:endParaRPr lang="en-US" sz="1400" dirty="0"/>
+          </a:p>
+        </p:txBody>
+      </p:sp>
+      <p:grpSp>
+        <p:nvGrpSpPr>
+          <p:cNvPr id="90" name="Group 89">
+            <a:extLst>
+              <a:ext uri="{FF2B5EF4-FFF2-40B4-BE49-F238E27FC236}">
+                <a16:creationId xmlns:a16="http://schemas.microsoft.com/office/drawing/2014/main" id="{40511621-C7AC-443D-83B2-B4AD1E32C94C}"/>
+              </a:ext>
+            </a:extLst>
+          </p:cNvPr>
+          <p:cNvGrpSpPr/>
+          <p:nvPr/>
+        </p:nvGrpSpPr>
+        <p:grpSpPr>
+          <a:xfrm>
+            <a:off x="9588687" y="2543209"/>
+            <a:ext cx="590550" cy="180483"/>
+            <a:chOff x="10191750" y="3201290"/>
+            <a:chExt cx="590550" cy="180483"/>
+          </a:xfrm>
+        </p:grpSpPr>
+        <p:sp>
+          <p:nvSpPr>
+            <p:cNvPr id="91" name="Rectangle: Rounded Corners 90">
+              <a:extLst>
+                <a:ext uri="{FF2B5EF4-FFF2-40B4-BE49-F238E27FC236}">
+                  <a16:creationId xmlns:a16="http://schemas.microsoft.com/office/drawing/2014/main" id="{448D27F7-3425-460D-BF6E-7E33F2CFF468}"/>
+                </a:ext>
+              </a:extLst>
+            </p:cNvPr>
+            <p:cNvSpPr/>
+            <p:nvPr/>
+          </p:nvSpPr>
+          <p:spPr>
+            <a:xfrm>
+              <a:off x="10191750" y="3201290"/>
+              <a:ext cx="590550" cy="180483"/>
+            </a:xfrm>
+            <a:prstGeom prst="roundRect">
+              <a:avLst/>
+            </a:prstGeom>
+            <a:noFill/>
+            <a:ln>
+              <a:solidFill>
+                <a:schemeClr val="tx1"/>
+              </a:solidFill>
+            </a:ln>
+          </p:spPr>
+          <p:style>
+            <a:lnRef idx="2">
+              <a:schemeClr val="accent1">
+                <a:shade val="50000"/>
+              </a:schemeClr>
+            </a:lnRef>
+            <a:fillRef idx="1">
+              <a:schemeClr val="accent1"/>
+            </a:fillRef>
+            <a:effectRef idx="0">
+              <a:schemeClr val="accent1"/>
+            </a:effectRef>
+            <a:fontRef idx="minor">
+              <a:schemeClr val="lt1"/>
+            </a:fontRef>
+          </p:style>
+          <p:txBody>
+            <a:bodyPr rtlCol="0" anchor="ctr"/>
+            <a:lstStyle/>
+            <a:p>
+              <a:pPr algn="ctr"/>
+              <a:endParaRPr lang="en-US" dirty="0"/>
+            </a:p>
+          </p:txBody>
+        </p:sp>
+        <p:sp>
+          <p:nvSpPr>
+            <p:cNvPr id="92" name="Oval 91">
+              <a:extLst>
+                <a:ext uri="{FF2B5EF4-FFF2-40B4-BE49-F238E27FC236}">
+                  <a16:creationId xmlns:a16="http://schemas.microsoft.com/office/drawing/2014/main" id="{BCC2E568-F967-46F8-8D05-B67502E66FE3}"/>
+                </a:ext>
+              </a:extLst>
+            </p:cNvPr>
+            <p:cNvSpPr/>
+            <p:nvPr/>
+          </p:nvSpPr>
+          <p:spPr>
+            <a:xfrm>
+              <a:off x="10258345" y="3230725"/>
+              <a:ext cx="123905" cy="123905"/>
+            </a:xfrm>
+            <a:prstGeom prst="ellipse">
+              <a:avLst/>
+            </a:prstGeom>
+            <a:solidFill>
+              <a:schemeClr val="accent2">
+                <a:lumMod val="20000"/>
+                <a:lumOff val="80000"/>
+              </a:schemeClr>
+            </a:solidFill>
+            <a:ln>
+              <a:solidFill>
+                <a:srgbClr val="FF0000"/>
+              </a:solidFill>
+            </a:ln>
+          </p:spPr>
+          <p:style>
+            <a:lnRef idx="2">
+              <a:schemeClr val="accent1">
+                <a:shade val="50000"/>
+              </a:schemeClr>
+            </a:lnRef>
+            <a:fillRef idx="1">
+              <a:schemeClr val="accent1"/>
+            </a:fillRef>
+            <a:effectRef idx="0">
+              <a:schemeClr val="accent1"/>
+            </a:effectRef>
+            <a:fontRef idx="minor">
+              <a:schemeClr val="lt1"/>
+            </a:fontRef>
+          </p:style>
+          <p:txBody>
+            <a:bodyPr rtlCol="0" anchor="ctr"/>
+            <a:lstStyle/>
+            <a:p>
+              <a:pPr algn="ctr"/>
+              <a:endParaRPr lang="en-US" dirty="0"/>
+            </a:p>
+          </p:txBody>
+        </p:sp>
+        <p:sp>
+          <p:nvSpPr>
+            <p:cNvPr id="93" name="Oval 92">
+              <a:extLst>
+                <a:ext uri="{FF2B5EF4-FFF2-40B4-BE49-F238E27FC236}">
+                  <a16:creationId xmlns:a16="http://schemas.microsoft.com/office/drawing/2014/main" id="{F00DEC36-3325-4C95-801D-BD13BE6D6C51}"/>
+                </a:ext>
+              </a:extLst>
+            </p:cNvPr>
+            <p:cNvSpPr/>
+            <p:nvPr/>
+          </p:nvSpPr>
+          <p:spPr>
+            <a:xfrm>
+              <a:off x="10421903" y="3227520"/>
+              <a:ext cx="123905" cy="123905"/>
+            </a:xfrm>
+            <a:prstGeom prst="ellipse">
+              <a:avLst/>
+            </a:prstGeom>
+            <a:solidFill>
+              <a:schemeClr val="accent2">
+                <a:lumMod val="20000"/>
+                <a:lumOff val="80000"/>
+              </a:schemeClr>
+            </a:solidFill>
+            <a:ln>
+              <a:solidFill>
+                <a:srgbClr val="FF0000"/>
+              </a:solidFill>
+            </a:ln>
+          </p:spPr>
+          <p:style>
+            <a:lnRef idx="2">
+              <a:schemeClr val="accent1">
+                <a:shade val="50000"/>
+              </a:schemeClr>
+            </a:lnRef>
+            <a:fillRef idx="1">
+              <a:schemeClr val="accent1"/>
+            </a:fillRef>
+            <a:effectRef idx="0">
+              <a:schemeClr val="accent1"/>
+            </a:effectRef>
+            <a:fontRef idx="minor">
+              <a:schemeClr val="lt1"/>
+            </a:fontRef>
+          </p:style>
+          <p:txBody>
+            <a:bodyPr rtlCol="0" anchor="ctr"/>
+            <a:lstStyle/>
+            <a:p>
+              <a:pPr algn="ctr"/>
+              <a:endParaRPr lang="en-US" dirty="0"/>
+            </a:p>
+          </p:txBody>
+        </p:sp>
+        <p:sp>
+          <p:nvSpPr>
+            <p:cNvPr id="94" name="Oval 93">
+              <a:extLst>
+                <a:ext uri="{FF2B5EF4-FFF2-40B4-BE49-F238E27FC236}">
+                  <a16:creationId xmlns:a16="http://schemas.microsoft.com/office/drawing/2014/main" id="{5F5A2604-BED7-4B4C-9318-C7C53A6EAAFA}"/>
+                </a:ext>
+              </a:extLst>
+            </p:cNvPr>
+            <p:cNvSpPr/>
+            <p:nvPr/>
+          </p:nvSpPr>
+          <p:spPr>
+            <a:xfrm>
+              <a:off x="10585461" y="3227520"/>
+              <a:ext cx="123905" cy="123905"/>
+            </a:xfrm>
+            <a:prstGeom prst="ellipse">
+              <a:avLst/>
+            </a:prstGeom>
+            <a:solidFill>
+              <a:schemeClr val="accent2">
+                <a:lumMod val="20000"/>
+                <a:lumOff val="80000"/>
+              </a:schemeClr>
+            </a:solidFill>
+            <a:ln>
+              <a:solidFill>
+                <a:srgbClr val="FF0000"/>
+              </a:solidFill>
+            </a:ln>
+          </p:spPr>
+          <p:style>
+            <a:lnRef idx="2">
+              <a:schemeClr val="accent1">
+                <a:shade val="50000"/>
+              </a:schemeClr>
+            </a:lnRef>
+            <a:fillRef idx="1">
+              <a:schemeClr val="accent1"/>
+            </a:fillRef>
+            <a:effectRef idx="0">
+              <a:schemeClr val="accent1"/>
+            </a:effectRef>
+            <a:fontRef idx="minor">
+              <a:schemeClr val="lt1"/>
+            </a:fontRef>
+          </p:style>
+          <p:txBody>
+            <a:bodyPr rtlCol="0" anchor="ctr"/>
+            <a:lstStyle/>
+            <a:p>
+              <a:pPr algn="ctr"/>
+              <a:endParaRPr lang="en-US" dirty="0"/>
+            </a:p>
+          </p:txBody>
+        </p:sp>
+      </p:grpSp>
+      <p:sp>
+        <p:nvSpPr>
+          <p:cNvPr id="95" name="Left Brace 94">
+            <a:extLst>
+              <a:ext uri="{FF2B5EF4-FFF2-40B4-BE49-F238E27FC236}">
+                <a16:creationId xmlns:a16="http://schemas.microsoft.com/office/drawing/2014/main" id="{C834D831-738E-4293-8262-400D9CC54CC5}"/>
+              </a:ext>
+            </a:extLst>
+          </p:cNvPr>
+          <p:cNvSpPr/>
+          <p:nvPr/>
+        </p:nvSpPr>
+        <p:spPr>
+          <a:xfrm>
+            <a:off x="2868543" y="1268503"/>
+            <a:ext cx="119834" cy="2907480"/>
+          </a:xfrm>
+          <a:prstGeom prst="leftBrace">
+            <a:avLst/>
+          </a:prstGeom>
+          <a:ln w="12700">
+            <a:solidFill>
+              <a:schemeClr val="tx1"/>
+            </a:solidFill>
+          </a:ln>
+        </p:spPr>
+        <p:style>
+          <a:lnRef idx="1">
+            <a:schemeClr val="accent1"/>
+          </a:lnRef>
+          <a:fillRef idx="0">
+            <a:schemeClr val="accent1"/>
+          </a:fillRef>
+          <a:effectRef idx="0">
+            <a:schemeClr val="accent1"/>
+          </a:effectRef>
+          <a:fontRef idx="minor">
+            <a:schemeClr val="tx1"/>
+          </a:fontRef>
+        </p:style>
+        <p:txBody>
+          <a:bodyPr rtlCol="0" anchor="ctr"/>
+          <a:lstStyle/>
+          <a:p>
+            <a:pPr algn="ctr"/>
+            <a:endParaRPr lang="en-US" dirty="0"/>
+          </a:p>
+        </p:txBody>
+      </p:sp>
+      <p:sp>
+        <p:nvSpPr>
+          <p:cNvPr id="96" name="Oval 95">
+            <a:extLst>
+              <a:ext uri="{FF2B5EF4-FFF2-40B4-BE49-F238E27FC236}">
+                <a16:creationId xmlns:a16="http://schemas.microsoft.com/office/drawing/2014/main" id="{A02BA3C1-2213-4915-A024-49F9F6A1CFEE}"/>
+              </a:ext>
+            </a:extLst>
+          </p:cNvPr>
+          <p:cNvSpPr/>
+          <p:nvPr/>
+        </p:nvSpPr>
+        <p:spPr>
+          <a:xfrm>
+            <a:off x="2417442" y="2480292"/>
+            <a:ext cx="373743" cy="373743"/>
+          </a:xfrm>
+          <a:prstGeom prst="ellipse">
+            <a:avLst/>
+          </a:prstGeom>
+          <a:solidFill>
+            <a:schemeClr val="accent2">
+              <a:lumMod val="60000"/>
+              <a:lumOff val="40000"/>
+            </a:schemeClr>
+          </a:solidFill>
+          <a:ln w="31750">
+            <a:solidFill>
+              <a:srgbClr val="FF0000"/>
+            </a:solidFill>
+          </a:ln>
+        </p:spPr>
+        <p:style>
+          <a:lnRef idx="2">
+            <a:schemeClr val="accent1">
+              <a:shade val="50000"/>
+            </a:schemeClr>
+          </a:lnRef>
+          <a:fillRef idx="1">
+            <a:schemeClr val="accent1"/>
+          </a:fillRef>
+          <a:effectRef idx="0">
+            <a:schemeClr val="accent1"/>
+          </a:effectRef>
+          <a:fontRef idx="minor">
+            <a:schemeClr val="lt1"/>
+          </a:fontRef>
+        </p:style>
+        <p:txBody>
+          <a:bodyPr rtlCol="0" anchor="ctr"/>
+          <a:lstStyle/>
+          <a:p>
+            <a:pPr algn="ctr"/>
+            <a:endParaRPr lang="en-US" dirty="0"/>
+          </a:p>
+        </p:txBody>
+      </p:sp>
+      <p:sp>
+        <p:nvSpPr>
+          <p:cNvPr id="97" name="TextBox 96">
+            <a:extLst>
+              <a:ext uri="{FF2B5EF4-FFF2-40B4-BE49-F238E27FC236}">
+                <a16:creationId xmlns:a16="http://schemas.microsoft.com/office/drawing/2014/main" id="{60A2FCE0-B284-46CF-8313-C5EC2315365D}"/>
+              </a:ext>
+            </a:extLst>
+          </p:cNvPr>
+          <p:cNvSpPr txBox="1"/>
+          <p:nvPr/>
+        </p:nvSpPr>
+        <p:spPr>
+          <a:xfrm>
+            <a:off x="2388827" y="2827558"/>
+            <a:ext cx="744222" cy="369332"/>
+          </a:xfrm>
+          <a:prstGeom prst="rect">
+            <a:avLst/>
+          </a:prstGeom>
+          <a:noFill/>
+        </p:spPr>
+        <p:txBody>
+          <a:bodyPr wrap="square" rtlCol="0">
+            <a:spAutoFit/>
+          </a:bodyPr>
+          <a:lstStyle/>
+          <a:p>
+            <a:r>
+              <a:rPr lang="en-US" dirty="0"/>
+              <a:t>M1</a:t>
+            </a:r>
+            <a:endParaRPr lang="en-US" sz="1400" dirty="0"/>
+          </a:p>
+        </p:txBody>
+      </p:sp>
+      <p:grpSp>
+        <p:nvGrpSpPr>
+          <p:cNvPr id="101" name="Group 100">
+            <a:extLst>
+              <a:ext uri="{FF2B5EF4-FFF2-40B4-BE49-F238E27FC236}">
+                <a16:creationId xmlns:a16="http://schemas.microsoft.com/office/drawing/2014/main" id="{732A50FB-52ED-43C7-9A54-CC407AC521CE}"/>
+              </a:ext>
+            </a:extLst>
+          </p:cNvPr>
+          <p:cNvGrpSpPr/>
+          <p:nvPr/>
+        </p:nvGrpSpPr>
+        <p:grpSpPr>
+          <a:xfrm>
+            <a:off x="4837338" y="1329637"/>
+            <a:ext cx="218101" cy="2523963"/>
+            <a:chOff x="4845386" y="1351147"/>
+            <a:chExt cx="218101" cy="2523963"/>
+          </a:xfrm>
+        </p:grpSpPr>
+        <p:sp>
+          <p:nvSpPr>
+            <p:cNvPr id="98" name="Arrow: Right 97">
+              <a:extLst>
+                <a:ext uri="{FF2B5EF4-FFF2-40B4-BE49-F238E27FC236}">
+                  <a16:creationId xmlns:a16="http://schemas.microsoft.com/office/drawing/2014/main" id="{3B2E175F-82E6-4D07-91E3-C1DC727C8A4A}"/>
+                </a:ext>
+              </a:extLst>
+            </p:cNvPr>
+            <p:cNvSpPr/>
+            <p:nvPr/>
+          </p:nvSpPr>
+          <p:spPr>
+            <a:xfrm>
+              <a:off x="4853290" y="1351147"/>
+              <a:ext cx="210197" cy="221662"/>
+            </a:xfrm>
+            <a:prstGeom prst="rightArrow">
+              <a:avLst/>
+            </a:prstGeom>
+          </p:spPr>
+          <p:style>
+            <a:lnRef idx="2">
+              <a:schemeClr val="accent1">
+                <a:shade val="50000"/>
+              </a:schemeClr>
+            </a:lnRef>
+            <a:fillRef idx="1">
+              <a:schemeClr val="accent1"/>
+            </a:fillRef>
+            <a:effectRef idx="0">
+              <a:schemeClr val="accent1"/>
+            </a:effectRef>
+            <a:fontRef idx="minor">
+              <a:schemeClr val="lt1"/>
+            </a:fontRef>
+          </p:style>
+          <p:txBody>
+            <a:bodyPr rtlCol="0" anchor="ctr"/>
+            <a:lstStyle/>
+            <a:p>
+              <a:pPr algn="ctr"/>
+              <a:endParaRPr lang="en-US" dirty="0"/>
+            </a:p>
+          </p:txBody>
+        </p:sp>
+        <p:sp>
+          <p:nvSpPr>
+            <p:cNvPr id="99" name="Arrow: Right 98">
+              <a:extLst>
+                <a:ext uri="{FF2B5EF4-FFF2-40B4-BE49-F238E27FC236}">
+                  <a16:creationId xmlns:a16="http://schemas.microsoft.com/office/drawing/2014/main" id="{BEB6682C-A6D0-462A-89B9-CFCC0C9E50E1}"/>
+                </a:ext>
+              </a:extLst>
+            </p:cNvPr>
+            <p:cNvSpPr/>
+            <p:nvPr/>
+          </p:nvSpPr>
+          <p:spPr>
+            <a:xfrm>
+              <a:off x="4853290" y="2588312"/>
+              <a:ext cx="210197" cy="221662"/>
+            </a:xfrm>
+            <a:prstGeom prst="rightArrow">
+              <a:avLst/>
+            </a:prstGeom>
+          </p:spPr>
+          <p:style>
+            <a:lnRef idx="2">
+              <a:schemeClr val="accent1">
+                <a:shade val="50000"/>
+              </a:schemeClr>
+            </a:lnRef>
+            <a:fillRef idx="1">
+              <a:schemeClr val="accent1"/>
+            </a:fillRef>
+            <a:effectRef idx="0">
+              <a:schemeClr val="accent1"/>
+            </a:effectRef>
+            <a:fontRef idx="minor">
+              <a:schemeClr val="lt1"/>
+            </a:fontRef>
+          </p:style>
+          <p:txBody>
+            <a:bodyPr rtlCol="0" anchor="ctr"/>
+            <a:lstStyle/>
+            <a:p>
+              <a:pPr algn="ctr"/>
+              <a:endParaRPr lang="en-US" dirty="0"/>
+            </a:p>
+          </p:txBody>
+        </p:sp>
+        <p:sp>
+          <p:nvSpPr>
+            <p:cNvPr id="100" name="Arrow: Right 99">
+              <a:extLst>
+                <a:ext uri="{FF2B5EF4-FFF2-40B4-BE49-F238E27FC236}">
+                  <a16:creationId xmlns:a16="http://schemas.microsoft.com/office/drawing/2014/main" id="{DB552210-CAF0-4467-A574-9E11362CBB8E}"/>
+                </a:ext>
+              </a:extLst>
+            </p:cNvPr>
+            <p:cNvSpPr/>
+            <p:nvPr/>
+          </p:nvSpPr>
+          <p:spPr>
+            <a:xfrm>
+              <a:off x="4845386" y="3653448"/>
+              <a:ext cx="210197" cy="221662"/>
+            </a:xfrm>
+            <a:prstGeom prst="rightArrow">
+              <a:avLst/>
+            </a:prstGeom>
+          </p:spPr>
+          <p:style>
+            <a:lnRef idx="2">
+              <a:schemeClr val="accent1">
+                <a:shade val="50000"/>
+              </a:schemeClr>
+            </a:lnRef>
+            <a:fillRef idx="1">
+              <a:schemeClr val="accent1"/>
+            </a:fillRef>
+            <a:effectRef idx="0">
+              <a:schemeClr val="accent1"/>
+            </a:effectRef>
+            <a:fontRef idx="minor">
+              <a:schemeClr val="lt1"/>
+            </a:fontRef>
+          </p:style>
+          <p:txBody>
+            <a:bodyPr rtlCol="0" anchor="ctr"/>
+            <a:lstStyle/>
+            <a:p>
+              <a:pPr algn="ctr"/>
+              <a:endParaRPr lang="en-US" dirty="0"/>
+            </a:p>
+          </p:txBody>
+        </p:sp>
+      </p:grpSp>
+      <p:grpSp>
+        <p:nvGrpSpPr>
+          <p:cNvPr id="102" name="Group 101">
+            <a:extLst>
+              <a:ext uri="{FF2B5EF4-FFF2-40B4-BE49-F238E27FC236}">
+                <a16:creationId xmlns:a16="http://schemas.microsoft.com/office/drawing/2014/main" id="{65848CD8-EAD9-465F-9992-7DB4574C4FB6}"/>
+              </a:ext>
+            </a:extLst>
+          </p:cNvPr>
+          <p:cNvGrpSpPr/>
+          <p:nvPr/>
+        </p:nvGrpSpPr>
+        <p:grpSpPr>
+          <a:xfrm>
+            <a:off x="5308185" y="1330659"/>
+            <a:ext cx="218101" cy="2523963"/>
+            <a:chOff x="4845386" y="1351147"/>
+            <a:chExt cx="218101" cy="2523963"/>
+          </a:xfrm>
+        </p:grpSpPr>
+        <p:sp>
+          <p:nvSpPr>
+            <p:cNvPr id="103" name="Arrow: Right 102">
+              <a:extLst>
+                <a:ext uri="{FF2B5EF4-FFF2-40B4-BE49-F238E27FC236}">
+                  <a16:creationId xmlns:a16="http://schemas.microsoft.com/office/drawing/2014/main" id="{3F308696-B826-4426-99E2-196F8FD4918D}"/>
+                </a:ext>
+              </a:extLst>
+            </p:cNvPr>
+            <p:cNvSpPr/>
+            <p:nvPr/>
+          </p:nvSpPr>
+          <p:spPr>
+            <a:xfrm>
+              <a:off x="4853290" y="1351147"/>
+              <a:ext cx="210197" cy="221662"/>
+            </a:xfrm>
+            <a:prstGeom prst="rightArrow">
+              <a:avLst/>
+            </a:prstGeom>
+          </p:spPr>
+          <p:style>
+            <a:lnRef idx="2">
+              <a:schemeClr val="accent1">
+                <a:shade val="50000"/>
+              </a:schemeClr>
+            </a:lnRef>
+            <a:fillRef idx="1">
+              <a:schemeClr val="accent1"/>
+            </a:fillRef>
+            <a:effectRef idx="0">
+              <a:schemeClr val="accent1"/>
+            </a:effectRef>
+            <a:fontRef idx="minor">
+              <a:schemeClr val="lt1"/>
+            </a:fontRef>
+          </p:style>
+          <p:txBody>
+            <a:bodyPr rtlCol="0" anchor="ctr"/>
+            <a:lstStyle/>
+            <a:p>
+              <a:pPr algn="ctr"/>
+              <a:endParaRPr lang="en-US" dirty="0"/>
+            </a:p>
+          </p:txBody>
+        </p:sp>
+        <p:sp>
+          <p:nvSpPr>
+            <p:cNvPr id="104" name="Arrow: Right 103">
+              <a:extLst>
+                <a:ext uri="{FF2B5EF4-FFF2-40B4-BE49-F238E27FC236}">
+                  <a16:creationId xmlns:a16="http://schemas.microsoft.com/office/drawing/2014/main" id="{C9DA98F7-DE71-4CDB-802A-B3D13CFD6CB7}"/>
+                </a:ext>
+              </a:extLst>
+            </p:cNvPr>
+            <p:cNvSpPr/>
+            <p:nvPr/>
+          </p:nvSpPr>
+          <p:spPr>
+            <a:xfrm>
+              <a:off x="4853290" y="2588312"/>
+              <a:ext cx="210197" cy="221662"/>
+            </a:xfrm>
+            <a:prstGeom prst="rightArrow">
+              <a:avLst/>
+            </a:prstGeom>
+          </p:spPr>
+          <p:style>
+            <a:lnRef idx="2">
+              <a:schemeClr val="accent1">
+                <a:shade val="50000"/>
+              </a:schemeClr>
+            </a:lnRef>
+            <a:fillRef idx="1">
+              <a:schemeClr val="accent1"/>
+            </a:fillRef>
+            <a:effectRef idx="0">
+              <a:schemeClr val="accent1"/>
+            </a:effectRef>
+            <a:fontRef idx="minor">
+              <a:schemeClr val="lt1"/>
+            </a:fontRef>
+          </p:style>
+          <p:txBody>
+            <a:bodyPr rtlCol="0" anchor="ctr"/>
+            <a:lstStyle/>
+            <a:p>
+              <a:pPr algn="ctr"/>
+              <a:endParaRPr lang="en-US" dirty="0"/>
+            </a:p>
+          </p:txBody>
+        </p:sp>
+        <p:sp>
+          <p:nvSpPr>
+            <p:cNvPr id="105" name="Arrow: Right 104">
+              <a:extLst>
+                <a:ext uri="{FF2B5EF4-FFF2-40B4-BE49-F238E27FC236}">
+                  <a16:creationId xmlns:a16="http://schemas.microsoft.com/office/drawing/2014/main" id="{B07184F7-29F8-4913-9E76-B1E41FA69E82}"/>
+                </a:ext>
+              </a:extLst>
+            </p:cNvPr>
+            <p:cNvSpPr/>
+            <p:nvPr/>
+          </p:nvSpPr>
+          <p:spPr>
+            <a:xfrm>
+              <a:off x="4845386" y="3653448"/>
+              <a:ext cx="210197" cy="221662"/>
+            </a:xfrm>
+            <a:prstGeom prst="rightArrow">
+              <a:avLst/>
+            </a:prstGeom>
+          </p:spPr>
+          <p:style>
+            <a:lnRef idx="2">
+              <a:schemeClr val="accent1">
+                <a:shade val="50000"/>
+              </a:schemeClr>
+            </a:lnRef>
+            <a:fillRef idx="1">
+              <a:schemeClr val="accent1"/>
+            </a:fillRef>
+            <a:effectRef idx="0">
+              <a:schemeClr val="accent1"/>
+            </a:effectRef>
+            <a:fontRef idx="minor">
+              <a:schemeClr val="lt1"/>
+            </a:fontRef>
+          </p:style>
+          <p:txBody>
+            <a:bodyPr rtlCol="0" anchor="ctr"/>
+            <a:lstStyle/>
+            <a:p>
+              <a:pPr algn="ctr"/>
+              <a:endParaRPr lang="en-US" dirty="0"/>
+            </a:p>
+          </p:txBody>
+        </p:sp>
+      </p:grpSp>
+      <p:grpSp>
+        <p:nvGrpSpPr>
+          <p:cNvPr id="106" name="Group 105">
+            <a:extLst>
+              <a:ext uri="{FF2B5EF4-FFF2-40B4-BE49-F238E27FC236}">
+                <a16:creationId xmlns:a16="http://schemas.microsoft.com/office/drawing/2014/main" id="{A8C23C97-1F7D-48BB-A6FC-6A2403E84F19}"/>
+              </a:ext>
+            </a:extLst>
+          </p:cNvPr>
+          <p:cNvGrpSpPr/>
+          <p:nvPr/>
+        </p:nvGrpSpPr>
+        <p:grpSpPr>
+          <a:xfrm>
+            <a:off x="6768334" y="1327962"/>
+            <a:ext cx="218101" cy="2523963"/>
+            <a:chOff x="4845386" y="1351147"/>
+            <a:chExt cx="218101" cy="2523963"/>
+          </a:xfrm>
+        </p:grpSpPr>
+        <p:sp>
+          <p:nvSpPr>
+            <p:cNvPr id="107" name="Arrow: Right 106">
+              <a:extLst>
+                <a:ext uri="{FF2B5EF4-FFF2-40B4-BE49-F238E27FC236}">
+                  <a16:creationId xmlns:a16="http://schemas.microsoft.com/office/drawing/2014/main" id="{2FA575D8-C494-453B-BA04-9280301F81FD}"/>
+                </a:ext>
+              </a:extLst>
+            </p:cNvPr>
+            <p:cNvSpPr/>
+            <p:nvPr/>
+          </p:nvSpPr>
+          <p:spPr>
+            <a:xfrm>
+              <a:off x="4853290" y="1351147"/>
+              <a:ext cx="210197" cy="221662"/>
+            </a:xfrm>
+            <a:prstGeom prst="rightArrow">
+              <a:avLst/>
+            </a:prstGeom>
+          </p:spPr>
+          <p:style>
+            <a:lnRef idx="2">
+              <a:schemeClr val="accent1">
+                <a:shade val="50000"/>
+              </a:schemeClr>
+            </a:lnRef>
+            <a:fillRef idx="1">
+              <a:schemeClr val="accent1"/>
+            </a:fillRef>
+            <a:effectRef idx="0">
+              <a:schemeClr val="accent1"/>
+            </a:effectRef>
+            <a:fontRef idx="minor">
+              <a:schemeClr val="lt1"/>
+            </a:fontRef>
+          </p:style>
+          <p:txBody>
+            <a:bodyPr rtlCol="0" anchor="ctr"/>
+            <a:lstStyle/>
+            <a:p>
+              <a:pPr algn="ctr"/>
+              <a:endParaRPr lang="en-US" dirty="0"/>
+            </a:p>
+          </p:txBody>
+        </p:sp>
+        <p:sp>
+          <p:nvSpPr>
+            <p:cNvPr id="108" name="Arrow: Right 107">
+              <a:extLst>
+                <a:ext uri="{FF2B5EF4-FFF2-40B4-BE49-F238E27FC236}">
+                  <a16:creationId xmlns:a16="http://schemas.microsoft.com/office/drawing/2014/main" id="{BC61EE30-0D6F-44EC-AC7D-9E516A3A8BEF}"/>
+                </a:ext>
+              </a:extLst>
+            </p:cNvPr>
+            <p:cNvSpPr/>
+            <p:nvPr/>
+          </p:nvSpPr>
+          <p:spPr>
+            <a:xfrm>
+              <a:off x="4853290" y="2588312"/>
+              <a:ext cx="210197" cy="221662"/>
+            </a:xfrm>
+            <a:prstGeom prst="rightArrow">
+              <a:avLst/>
+            </a:prstGeom>
+          </p:spPr>
+          <p:style>
+            <a:lnRef idx="2">
+              <a:schemeClr val="accent1">
+                <a:shade val="50000"/>
+              </a:schemeClr>
+            </a:lnRef>
+            <a:fillRef idx="1">
+              <a:schemeClr val="accent1"/>
+            </a:fillRef>
+            <a:effectRef idx="0">
+              <a:schemeClr val="accent1"/>
+            </a:effectRef>
+            <a:fontRef idx="minor">
+              <a:schemeClr val="lt1"/>
+            </a:fontRef>
+          </p:style>
+          <p:txBody>
+            <a:bodyPr rtlCol="0" anchor="ctr"/>
+            <a:lstStyle/>
+            <a:p>
+              <a:pPr algn="ctr"/>
+              <a:endParaRPr lang="en-US" dirty="0"/>
+            </a:p>
+          </p:txBody>
+        </p:sp>
+        <p:sp>
+          <p:nvSpPr>
+            <p:cNvPr id="109" name="Arrow: Right 108">
+              <a:extLst>
+                <a:ext uri="{FF2B5EF4-FFF2-40B4-BE49-F238E27FC236}">
+                  <a16:creationId xmlns:a16="http://schemas.microsoft.com/office/drawing/2014/main" id="{825A5122-6A1C-47B4-B8E7-4D0C5329B628}"/>
+                </a:ext>
+              </a:extLst>
+            </p:cNvPr>
+            <p:cNvSpPr/>
+            <p:nvPr/>
+          </p:nvSpPr>
+          <p:spPr>
+            <a:xfrm>
+              <a:off x="4845386" y="3653448"/>
+              <a:ext cx="210197" cy="221662"/>
+            </a:xfrm>
+            <a:prstGeom prst="rightArrow">
+              <a:avLst/>
+            </a:prstGeom>
+          </p:spPr>
+          <p:style>
+            <a:lnRef idx="2">
+              <a:schemeClr val="accent1">
+                <a:shade val="50000"/>
+              </a:schemeClr>
+            </a:lnRef>
+            <a:fillRef idx="1">
+              <a:schemeClr val="accent1"/>
+            </a:fillRef>
+            <a:effectRef idx="0">
+              <a:schemeClr val="accent1"/>
+            </a:effectRef>
+            <a:fontRef idx="minor">
+              <a:schemeClr val="lt1"/>
+            </a:fontRef>
+          </p:style>
+          <p:txBody>
+            <a:bodyPr rtlCol="0" anchor="ctr"/>
+            <a:lstStyle/>
+            <a:p>
+              <a:pPr algn="ctr"/>
+              <a:endParaRPr lang="en-US" dirty="0"/>
+            </a:p>
+          </p:txBody>
+        </p:sp>
+      </p:grpSp>
+      <p:grpSp>
+        <p:nvGrpSpPr>
+          <p:cNvPr id="110" name="Group 109">
+            <a:extLst>
+              <a:ext uri="{FF2B5EF4-FFF2-40B4-BE49-F238E27FC236}">
+                <a16:creationId xmlns:a16="http://schemas.microsoft.com/office/drawing/2014/main" id="{EE2FC49A-3C1A-4201-84C4-116AF3F98778}"/>
+              </a:ext>
+            </a:extLst>
+          </p:cNvPr>
+          <p:cNvGrpSpPr/>
+          <p:nvPr/>
+        </p:nvGrpSpPr>
+        <p:grpSpPr>
+          <a:xfrm>
+            <a:off x="7275363" y="1322560"/>
+            <a:ext cx="218101" cy="2523963"/>
+            <a:chOff x="4845386" y="1351147"/>
+            <a:chExt cx="218101" cy="2523963"/>
+          </a:xfrm>
+        </p:grpSpPr>
+        <p:sp>
+          <p:nvSpPr>
+            <p:cNvPr id="111" name="Arrow: Right 110">
+              <a:extLst>
+                <a:ext uri="{FF2B5EF4-FFF2-40B4-BE49-F238E27FC236}">
+                  <a16:creationId xmlns:a16="http://schemas.microsoft.com/office/drawing/2014/main" id="{A42338F7-C372-41C1-856C-32C5EA40CF5B}"/>
+                </a:ext>
+              </a:extLst>
+            </p:cNvPr>
+            <p:cNvSpPr/>
+            <p:nvPr/>
+          </p:nvSpPr>
+          <p:spPr>
+            <a:xfrm>
+              <a:off x="4853290" y="1351147"/>
+              <a:ext cx="210197" cy="221662"/>
+            </a:xfrm>
+            <a:prstGeom prst="rightArrow">
+              <a:avLst/>
+            </a:prstGeom>
+          </p:spPr>
+          <p:style>
+            <a:lnRef idx="2">
+              <a:schemeClr val="accent1">
+                <a:shade val="50000"/>
+              </a:schemeClr>
+            </a:lnRef>
+            <a:fillRef idx="1">
+              <a:schemeClr val="accent1"/>
+            </a:fillRef>
+            <a:effectRef idx="0">
+              <a:schemeClr val="accent1"/>
+            </a:effectRef>
+            <a:fontRef idx="minor">
+              <a:schemeClr val="lt1"/>
+            </a:fontRef>
+          </p:style>
+          <p:txBody>
+            <a:bodyPr rtlCol="0" anchor="ctr"/>
+            <a:lstStyle/>
+            <a:p>
+              <a:pPr algn="ctr"/>
+              <a:endParaRPr lang="en-US" dirty="0"/>
+            </a:p>
+          </p:txBody>
+        </p:sp>
+        <p:sp>
+          <p:nvSpPr>
+            <p:cNvPr id="112" name="Arrow: Right 111">
+              <a:extLst>
+                <a:ext uri="{FF2B5EF4-FFF2-40B4-BE49-F238E27FC236}">
+                  <a16:creationId xmlns:a16="http://schemas.microsoft.com/office/drawing/2014/main" id="{06AFEB14-1FDB-42F1-B8CA-0774BD5B2323}"/>
+                </a:ext>
+              </a:extLst>
+            </p:cNvPr>
+            <p:cNvSpPr/>
+            <p:nvPr/>
+          </p:nvSpPr>
+          <p:spPr>
+            <a:xfrm>
+              <a:off x="4853290" y="2588312"/>
+              <a:ext cx="210197" cy="221662"/>
+            </a:xfrm>
+            <a:prstGeom prst="rightArrow">
+              <a:avLst/>
+            </a:prstGeom>
+          </p:spPr>
+          <p:style>
+            <a:lnRef idx="2">
+              <a:schemeClr val="accent1">
+                <a:shade val="50000"/>
+              </a:schemeClr>
+            </a:lnRef>
+            <a:fillRef idx="1">
+              <a:schemeClr val="accent1"/>
+            </a:fillRef>
+            <a:effectRef idx="0">
+              <a:schemeClr val="accent1"/>
+            </a:effectRef>
+            <a:fontRef idx="minor">
+              <a:schemeClr val="lt1"/>
+            </a:fontRef>
+          </p:style>
+          <p:txBody>
+            <a:bodyPr rtlCol="0" anchor="ctr"/>
+            <a:lstStyle/>
+            <a:p>
+              <a:pPr algn="ctr"/>
+              <a:endParaRPr lang="en-US" dirty="0"/>
+            </a:p>
+          </p:txBody>
+        </p:sp>
+        <p:sp>
+          <p:nvSpPr>
+            <p:cNvPr id="113" name="Arrow: Right 112">
+              <a:extLst>
+                <a:ext uri="{FF2B5EF4-FFF2-40B4-BE49-F238E27FC236}">
+                  <a16:creationId xmlns:a16="http://schemas.microsoft.com/office/drawing/2014/main" id="{F1634A77-699E-4855-891E-18ABCC30539B}"/>
+                </a:ext>
+              </a:extLst>
+            </p:cNvPr>
+            <p:cNvSpPr/>
+            <p:nvPr/>
+          </p:nvSpPr>
+          <p:spPr>
+            <a:xfrm>
+              <a:off x="4845386" y="3653448"/>
+              <a:ext cx="210197" cy="221662"/>
+            </a:xfrm>
+            <a:prstGeom prst="rightArrow">
+              <a:avLst/>
+            </a:prstGeom>
+          </p:spPr>
+          <p:style>
+            <a:lnRef idx="2">
+              <a:schemeClr val="accent1">
+                <a:shade val="50000"/>
+              </a:schemeClr>
+            </a:lnRef>
+            <a:fillRef idx="1">
+              <a:schemeClr val="accent1"/>
+            </a:fillRef>
+            <a:effectRef idx="0">
+              <a:schemeClr val="accent1"/>
+            </a:effectRef>
+            <a:fontRef idx="minor">
+              <a:schemeClr val="lt1"/>
+            </a:fontRef>
+          </p:style>
+          <p:txBody>
+            <a:bodyPr rtlCol="0" anchor="ctr"/>
+            <a:lstStyle/>
+            <a:p>
+              <a:pPr algn="ctr"/>
+              <a:endParaRPr lang="en-US" dirty="0"/>
+            </a:p>
+          </p:txBody>
+        </p:sp>
+      </p:grpSp>
+      <p:grpSp>
+        <p:nvGrpSpPr>
+          <p:cNvPr id="114" name="Group 113">
+            <a:extLst>
+              <a:ext uri="{FF2B5EF4-FFF2-40B4-BE49-F238E27FC236}">
+                <a16:creationId xmlns:a16="http://schemas.microsoft.com/office/drawing/2014/main" id="{03574EA4-70CA-407C-920B-C0E4A9D3D02A}"/>
+              </a:ext>
+            </a:extLst>
+          </p:cNvPr>
+          <p:cNvGrpSpPr/>
+          <p:nvPr/>
+        </p:nvGrpSpPr>
+        <p:grpSpPr>
+          <a:xfrm>
+            <a:off x="8618722" y="1631684"/>
+            <a:ext cx="309387" cy="2045154"/>
+            <a:chOff x="4856465" y="1445830"/>
+            <a:chExt cx="210197" cy="2318235"/>
+          </a:xfrm>
+        </p:grpSpPr>
+        <p:sp>
+          <p:nvSpPr>
+            <p:cNvPr id="115" name="Arrow: Right 114">
+              <a:extLst>
+                <a:ext uri="{FF2B5EF4-FFF2-40B4-BE49-F238E27FC236}">
+                  <a16:creationId xmlns:a16="http://schemas.microsoft.com/office/drawing/2014/main" id="{766829F2-97DB-4AF6-B014-0D2968A08781}"/>
+                </a:ext>
+              </a:extLst>
+            </p:cNvPr>
+            <p:cNvSpPr/>
+            <p:nvPr/>
+          </p:nvSpPr>
+          <p:spPr>
+            <a:xfrm rot="4860053">
+              <a:off x="4495574" y="1858760"/>
+              <a:ext cx="958244" cy="132384"/>
+            </a:xfrm>
+            <a:prstGeom prst="rightArrow">
+              <a:avLst/>
+            </a:prstGeom>
+          </p:spPr>
+          <p:style>
+            <a:lnRef idx="2">
+              <a:schemeClr val="accent1">
+                <a:shade val="50000"/>
+              </a:schemeClr>
+            </a:lnRef>
+            <a:fillRef idx="1">
+              <a:schemeClr val="accent1"/>
+            </a:fillRef>
+            <a:effectRef idx="0">
+              <a:schemeClr val="accent1"/>
+            </a:effectRef>
+            <a:fontRef idx="minor">
+              <a:schemeClr val="lt1"/>
+            </a:fontRef>
+          </p:style>
+          <p:txBody>
+            <a:bodyPr rtlCol="0" anchor="ctr"/>
+            <a:lstStyle/>
+            <a:p>
+              <a:pPr algn="ctr"/>
+              <a:endParaRPr lang="en-US" dirty="0"/>
+            </a:p>
+          </p:txBody>
+        </p:sp>
+        <p:sp>
+          <p:nvSpPr>
+            <p:cNvPr id="116" name="Arrow: Right 115">
+              <a:extLst>
+                <a:ext uri="{FF2B5EF4-FFF2-40B4-BE49-F238E27FC236}">
+                  <a16:creationId xmlns:a16="http://schemas.microsoft.com/office/drawing/2014/main" id="{2F387664-0630-408F-8EA3-D0ECEF069958}"/>
+                </a:ext>
+              </a:extLst>
+            </p:cNvPr>
+            <p:cNvSpPr/>
+            <p:nvPr/>
+          </p:nvSpPr>
+          <p:spPr>
+            <a:xfrm>
+              <a:off x="4856465" y="2588312"/>
+              <a:ext cx="210197" cy="221662"/>
+            </a:xfrm>
+            <a:prstGeom prst="rightArrow">
+              <a:avLst/>
+            </a:prstGeom>
+          </p:spPr>
+          <p:style>
+            <a:lnRef idx="2">
+              <a:schemeClr val="accent1">
+                <a:shade val="50000"/>
+              </a:schemeClr>
+            </a:lnRef>
+            <a:fillRef idx="1">
+              <a:schemeClr val="accent1"/>
+            </a:fillRef>
+            <a:effectRef idx="0">
+              <a:schemeClr val="accent1"/>
+            </a:effectRef>
+            <a:fontRef idx="minor">
+              <a:schemeClr val="lt1"/>
+            </a:fontRef>
+          </p:style>
+          <p:txBody>
+            <a:bodyPr rtlCol="0" anchor="ctr"/>
+            <a:lstStyle/>
+            <a:p>
+              <a:pPr algn="ctr"/>
+              <a:endParaRPr lang="en-US" dirty="0"/>
+            </a:p>
+          </p:txBody>
+        </p:sp>
+        <p:sp>
+          <p:nvSpPr>
+            <p:cNvPr id="118" name="Arrow: Right 117">
+              <a:extLst>
+                <a:ext uri="{FF2B5EF4-FFF2-40B4-BE49-F238E27FC236}">
+                  <a16:creationId xmlns:a16="http://schemas.microsoft.com/office/drawing/2014/main" id="{70DE8E41-2211-4E93-8DB5-2CD1EFFB6728}"/>
+                </a:ext>
+              </a:extLst>
+            </p:cNvPr>
+            <p:cNvSpPr/>
+            <p:nvPr/>
+          </p:nvSpPr>
+          <p:spPr>
+            <a:xfrm rot="16776489">
+              <a:off x="4595559" y="3313634"/>
+              <a:ext cx="768479" cy="132384"/>
+            </a:xfrm>
+            <a:prstGeom prst="rightArrow">
+              <a:avLst/>
+            </a:prstGeom>
+          </p:spPr>
+          <p:style>
+            <a:lnRef idx="2">
+              <a:schemeClr val="accent1">
+                <a:shade val="50000"/>
+              </a:schemeClr>
+            </a:lnRef>
+            <a:fillRef idx="1">
+              <a:schemeClr val="accent1"/>
+            </a:fillRef>
+            <a:effectRef idx="0">
+              <a:schemeClr val="accent1"/>
+            </a:effectRef>
+            <a:fontRef idx="minor">
+              <a:schemeClr val="lt1"/>
+            </a:fontRef>
+          </p:style>
+          <p:txBody>
+            <a:bodyPr rtlCol="0" anchor="ctr"/>
+            <a:lstStyle/>
+            <a:p>
+              <a:pPr algn="ctr"/>
+              <a:endParaRPr lang="en-US" dirty="0"/>
+            </a:p>
+          </p:txBody>
+        </p:sp>
+      </p:grpSp>
+      <p:sp>
+        <p:nvSpPr>
+          <p:cNvPr id="117" name="TextBox 116">
+            <a:extLst>
+              <a:ext uri="{FF2B5EF4-FFF2-40B4-BE49-F238E27FC236}">
+                <a16:creationId xmlns:a16="http://schemas.microsoft.com/office/drawing/2014/main" id="{BD1C4FB1-7CC0-4898-B806-90531CCCD0F8}"/>
+              </a:ext>
+            </a:extLst>
+          </p:cNvPr>
+          <p:cNvSpPr txBox="1"/>
+          <p:nvPr/>
+        </p:nvSpPr>
+        <p:spPr>
+          <a:xfrm>
+            <a:off x="2909197" y="2194911"/>
+            <a:ext cx="2051892" cy="400110"/>
+          </a:xfrm>
+          <a:prstGeom prst="rect">
+            <a:avLst/>
+          </a:prstGeom>
+          <a:noFill/>
+        </p:spPr>
+        <p:txBody>
+          <a:bodyPr wrap="square" rtlCol="0">
+            <a:spAutoFit/>
+          </a:bodyPr>
+          <a:lstStyle/>
+          <a:p>
+            <a:r>
+              <a:rPr lang="en-US" sz="1400" dirty="0"/>
+              <a:t>    </a:t>
+            </a:r>
+            <a:r>
+              <a:rPr lang="en-US" sz="2000" dirty="0"/>
+              <a:t>AST</a:t>
+            </a:r>
+          </a:p>
+        </p:txBody>
+      </p:sp>
+      <p:sp>
+        <p:nvSpPr>
+          <p:cNvPr id="120" name="TextBox 119">
+            <a:extLst>
+              <a:ext uri="{FF2B5EF4-FFF2-40B4-BE49-F238E27FC236}">
+                <a16:creationId xmlns:a16="http://schemas.microsoft.com/office/drawing/2014/main" id="{5075CFA9-D689-409C-B35C-AB5FD8B5F150}"/>
+              </a:ext>
+            </a:extLst>
+          </p:cNvPr>
+          <p:cNvSpPr txBox="1"/>
+          <p:nvPr/>
+        </p:nvSpPr>
+        <p:spPr>
+          <a:xfrm>
+            <a:off x="3060557" y="3037963"/>
+            <a:ext cx="866549" cy="646331"/>
+          </a:xfrm>
+          <a:prstGeom prst="rect">
+            <a:avLst/>
+          </a:prstGeom>
+          <a:noFill/>
+        </p:spPr>
+        <p:txBody>
+          <a:bodyPr wrap="square" rtlCol="0">
+            <a:spAutoFit/>
+          </a:bodyPr>
+          <a:lstStyle/>
+          <a:p>
+            <a:r>
+              <a:rPr lang="en-US" sz="2000" dirty="0"/>
+              <a:t>AST</a:t>
+            </a:r>
+          </a:p>
+          <a:p>
+            <a:r>
+              <a:rPr lang="en-US" sz="1600" dirty="0"/>
+              <a:t>(MSM)</a:t>
+            </a:r>
+          </a:p>
+        </p:txBody>
+      </p:sp>
+      <p:sp>
+        <p:nvSpPr>
+          <p:cNvPr id="123" name="Rectangle: Rounded Corners 122">
+            <a:extLst>
+              <a:ext uri="{FF2B5EF4-FFF2-40B4-BE49-F238E27FC236}">
+                <a16:creationId xmlns:a16="http://schemas.microsoft.com/office/drawing/2014/main" id="{8EEFE097-852A-46E2-8CDF-A171316D99B0}"/>
+              </a:ext>
+            </a:extLst>
+          </p:cNvPr>
+          <p:cNvSpPr/>
+          <p:nvPr/>
+        </p:nvSpPr>
+        <p:spPr>
+          <a:xfrm>
+            <a:off x="5058776" y="2291526"/>
+            <a:ext cx="240732" cy="738664"/>
+          </a:xfrm>
+          <a:prstGeom prst="roundRect">
+            <a:avLst/>
+          </a:prstGeom>
+          <a:solidFill>
+            <a:schemeClr val="accent2">
+              <a:lumMod val="60000"/>
+              <a:lumOff val="40000"/>
+            </a:schemeClr>
+          </a:solidFill>
+          <a:ln>
+            <a:solidFill>
+              <a:schemeClr val="accent2">
+                <a:lumMod val="75000"/>
+              </a:schemeClr>
+            </a:solidFill>
+          </a:ln>
+        </p:spPr>
+        <p:style>
+          <a:lnRef idx="2">
+            <a:schemeClr val="accent1">
+              <a:shade val="50000"/>
+            </a:schemeClr>
+          </a:lnRef>
+          <a:fillRef idx="1">
+            <a:schemeClr val="accent1"/>
+          </a:fillRef>
+          <a:effectRef idx="0">
+            <a:schemeClr val="accent1"/>
+          </a:effectRef>
+          <a:fontRef idx="minor">
+            <a:schemeClr val="lt1"/>
+          </a:fontRef>
+        </p:style>
+        <p:txBody>
+          <a:bodyPr rtlCol="0" anchor="ctr"/>
+          <a:lstStyle/>
+          <a:p>
+            <a:pPr algn="ctr"/>
+            <a:endParaRPr lang="en-US" dirty="0"/>
+          </a:p>
+        </p:txBody>
+      </p:sp>
+      <p:sp>
+        <p:nvSpPr>
+          <p:cNvPr id="124" name="Rectangle: Rounded Corners 123">
+            <a:extLst>
+              <a:ext uri="{FF2B5EF4-FFF2-40B4-BE49-F238E27FC236}">
+                <a16:creationId xmlns:a16="http://schemas.microsoft.com/office/drawing/2014/main" id="{E454BE86-D902-4B81-95EB-A3157EFD2133}"/>
+              </a:ext>
+            </a:extLst>
+          </p:cNvPr>
+          <p:cNvSpPr/>
+          <p:nvPr/>
+        </p:nvSpPr>
+        <p:spPr>
+          <a:xfrm>
+            <a:off x="5060387" y="3396745"/>
+            <a:ext cx="240732" cy="738664"/>
+          </a:xfrm>
+          <a:prstGeom prst="roundRect">
+            <a:avLst/>
+          </a:prstGeom>
+          <a:solidFill>
+            <a:schemeClr val="accent2">
+              <a:lumMod val="60000"/>
+              <a:lumOff val="40000"/>
+            </a:schemeClr>
+          </a:solidFill>
+          <a:ln>
+            <a:solidFill>
+              <a:schemeClr val="accent2">
+                <a:lumMod val="75000"/>
+              </a:schemeClr>
+            </a:solidFill>
+          </a:ln>
+        </p:spPr>
+        <p:style>
+          <a:lnRef idx="2">
+            <a:schemeClr val="accent1">
+              <a:shade val="50000"/>
+            </a:schemeClr>
+          </a:lnRef>
+          <a:fillRef idx="1">
+            <a:schemeClr val="accent1"/>
+          </a:fillRef>
+          <a:effectRef idx="0">
+            <a:schemeClr val="accent1"/>
+          </a:effectRef>
+          <a:fontRef idx="minor">
+            <a:schemeClr val="lt1"/>
+          </a:fontRef>
+        </p:style>
+        <p:txBody>
+          <a:bodyPr rtlCol="0" anchor="ctr"/>
+          <a:lstStyle/>
+          <a:p>
+            <a:pPr algn="ctr"/>
+            <a:endParaRPr lang="en-US" dirty="0"/>
+          </a:p>
+        </p:txBody>
+      </p:sp>
+      <p:sp>
+        <p:nvSpPr>
+          <p:cNvPr id="125" name="TextBox 124">
+            <a:extLst>
+              <a:ext uri="{FF2B5EF4-FFF2-40B4-BE49-F238E27FC236}">
+                <a16:creationId xmlns:a16="http://schemas.microsoft.com/office/drawing/2014/main" id="{A13DEE6C-5C0D-46BF-8BBE-569723A71262}"/>
+              </a:ext>
+            </a:extLst>
+          </p:cNvPr>
+          <p:cNvSpPr txBox="1"/>
+          <p:nvPr/>
+        </p:nvSpPr>
+        <p:spPr>
+          <a:xfrm>
+            <a:off x="4488329" y="1853405"/>
+            <a:ext cx="1373818" cy="369332"/>
+          </a:xfrm>
+          <a:prstGeom prst="rect">
+            <a:avLst/>
+          </a:prstGeom>
+          <a:noFill/>
+        </p:spPr>
+        <p:txBody>
+          <a:bodyPr wrap="square" rtlCol="0">
+            <a:spAutoFit/>
+          </a:bodyPr>
+          <a:lstStyle/>
+          <a:p>
+            <a:pPr algn="ctr"/>
+            <a:r>
+              <a:rPr lang="en-US" b="1" i="1" dirty="0"/>
+              <a:t>embedding</a:t>
+            </a:r>
+          </a:p>
+        </p:txBody>
+      </p:sp>
+      <p:sp>
+        <p:nvSpPr>
+          <p:cNvPr id="126" name="Rectangle: Rounded Corners 125">
+            <a:extLst>
+              <a:ext uri="{FF2B5EF4-FFF2-40B4-BE49-F238E27FC236}">
+                <a16:creationId xmlns:a16="http://schemas.microsoft.com/office/drawing/2014/main" id="{BD17F2C7-E460-4B9B-865D-88EB3BCE31B2}"/>
+              </a:ext>
+            </a:extLst>
+          </p:cNvPr>
+          <p:cNvSpPr/>
+          <p:nvPr/>
+        </p:nvSpPr>
+        <p:spPr>
+          <a:xfrm>
+            <a:off x="6990387" y="3381050"/>
+            <a:ext cx="247856" cy="730000"/>
+          </a:xfrm>
+          <a:prstGeom prst="roundRect">
+            <a:avLst/>
+          </a:prstGeom>
+          <a:solidFill>
+            <a:schemeClr val="accent5">
+              <a:lumMod val="40000"/>
+              <a:lumOff val="60000"/>
+            </a:schemeClr>
+          </a:solidFill>
+          <a:ln>
+            <a:solidFill>
+              <a:schemeClr val="accent5">
+                <a:lumMod val="75000"/>
+              </a:schemeClr>
+            </a:solidFill>
+          </a:ln>
+        </p:spPr>
+        <p:style>
+          <a:lnRef idx="2">
+            <a:schemeClr val="accent1">
+              <a:shade val="50000"/>
+            </a:schemeClr>
+          </a:lnRef>
+          <a:fillRef idx="1">
+            <a:schemeClr val="accent1"/>
+          </a:fillRef>
+          <a:effectRef idx="0">
+            <a:schemeClr val="accent1"/>
+          </a:effectRef>
+          <a:fontRef idx="minor">
+            <a:schemeClr val="lt1"/>
+          </a:fontRef>
+        </p:style>
+        <p:txBody>
+          <a:bodyPr rtlCol="0" anchor="ctr"/>
+          <a:lstStyle/>
+          <a:p>
+            <a:pPr algn="ctr"/>
+            <a:endParaRPr lang="en-US" dirty="0"/>
+          </a:p>
+        </p:txBody>
+      </p:sp>
+      <p:sp>
+        <p:nvSpPr>
+          <p:cNvPr id="127" name="TextBox 126">
+            <a:extLst>
+              <a:ext uri="{FF2B5EF4-FFF2-40B4-BE49-F238E27FC236}">
+                <a16:creationId xmlns:a16="http://schemas.microsoft.com/office/drawing/2014/main" id="{A4EBEDDD-DB1C-4A1A-B6BC-895583E8A132}"/>
+              </a:ext>
+            </a:extLst>
+          </p:cNvPr>
+          <p:cNvSpPr txBox="1"/>
+          <p:nvPr/>
+        </p:nvSpPr>
+        <p:spPr>
+          <a:xfrm>
+            <a:off x="6175908" y="2987582"/>
+            <a:ext cx="2121264" cy="369332"/>
+          </a:xfrm>
+          <a:prstGeom prst="rect">
+            <a:avLst/>
+          </a:prstGeom>
+          <a:noFill/>
+        </p:spPr>
+        <p:txBody>
+          <a:bodyPr wrap="square" rtlCol="0">
+            <a:spAutoFit/>
+          </a:bodyPr>
+          <a:lstStyle/>
+          <a:p>
+            <a:pPr algn="ctr"/>
+            <a:r>
+              <a:rPr lang="en-US" b="1" i="1" dirty="0"/>
+              <a:t>Tree-based Models</a:t>
+            </a:r>
+          </a:p>
+        </p:txBody>
+      </p:sp>
+      <p:sp>
+        <p:nvSpPr>
+          <p:cNvPr id="121" name="TextBox 120">
+            <a:extLst>
+              <a:ext uri="{FF2B5EF4-FFF2-40B4-BE49-F238E27FC236}">
+                <a16:creationId xmlns:a16="http://schemas.microsoft.com/office/drawing/2014/main" id="{1BD60F71-152E-42C9-BF2E-C0C525538FA0}"/>
+              </a:ext>
+            </a:extLst>
+          </p:cNvPr>
+          <p:cNvSpPr txBox="1"/>
+          <p:nvPr/>
+        </p:nvSpPr>
+        <p:spPr>
+          <a:xfrm>
+            <a:off x="4481649" y="3030558"/>
+            <a:ext cx="1387177" cy="369332"/>
+          </a:xfrm>
+          <a:prstGeom prst="rect">
+            <a:avLst/>
+          </a:prstGeom>
+          <a:noFill/>
+        </p:spPr>
+        <p:txBody>
+          <a:bodyPr wrap="square" rtlCol="0">
+            <a:spAutoFit/>
+          </a:bodyPr>
+          <a:lstStyle/>
+          <a:p>
+            <a:pPr algn="ctr"/>
+            <a:r>
+              <a:rPr lang="en-US" b="1" i="1" dirty="0"/>
+              <a:t>embedding</a:t>
+            </a:r>
+          </a:p>
+        </p:txBody>
+      </p:sp>
+      <p:sp>
+        <p:nvSpPr>
+          <p:cNvPr id="122" name="TextBox 121">
+            <a:extLst>
+              <a:ext uri="{FF2B5EF4-FFF2-40B4-BE49-F238E27FC236}">
+                <a16:creationId xmlns:a16="http://schemas.microsoft.com/office/drawing/2014/main" id="{D5C47259-354B-4707-A833-4A45183BB655}"/>
+              </a:ext>
+            </a:extLst>
+          </p:cNvPr>
+          <p:cNvSpPr txBox="1"/>
+          <p:nvPr/>
+        </p:nvSpPr>
+        <p:spPr>
+          <a:xfrm>
+            <a:off x="6159392" y="1778998"/>
+            <a:ext cx="1893136" cy="369332"/>
+          </a:xfrm>
+          <a:prstGeom prst="rect">
+            <a:avLst/>
+          </a:prstGeom>
+          <a:noFill/>
+        </p:spPr>
+        <p:txBody>
+          <a:bodyPr wrap="square" rtlCol="0">
+            <a:spAutoFit/>
+          </a:bodyPr>
+          <a:lstStyle/>
+          <a:p>
+            <a:pPr algn="ctr"/>
+            <a:r>
+              <a:rPr lang="en-US" b="1" i="1" dirty="0"/>
+              <a:t>Sequential Model</a:t>
+            </a:r>
+          </a:p>
+        </p:txBody>
+      </p:sp>
+      <p:sp>
+        <p:nvSpPr>
+          <p:cNvPr id="128" name="Rectangle: Rounded Corners 127">
+            <a:extLst>
+              <a:ext uri="{FF2B5EF4-FFF2-40B4-BE49-F238E27FC236}">
+                <a16:creationId xmlns:a16="http://schemas.microsoft.com/office/drawing/2014/main" id="{9A383A23-BDCB-4D43-A7FF-023015F304C9}"/>
+              </a:ext>
+            </a:extLst>
+          </p:cNvPr>
+          <p:cNvSpPr/>
+          <p:nvPr/>
+        </p:nvSpPr>
+        <p:spPr>
+          <a:xfrm>
+            <a:off x="8397403" y="1074167"/>
+            <a:ext cx="228600" cy="778634"/>
+          </a:xfrm>
+          <a:prstGeom prst="roundRect">
+            <a:avLst/>
+          </a:prstGeom>
+          <a:solidFill>
+            <a:schemeClr val="accent6">
+              <a:lumMod val="20000"/>
+              <a:lumOff val="80000"/>
+            </a:schemeClr>
+          </a:solidFill>
+          <a:ln>
+            <a:solidFill>
+              <a:schemeClr val="accent6">
+                <a:lumMod val="75000"/>
+              </a:schemeClr>
+            </a:solidFill>
+          </a:ln>
+        </p:spPr>
+        <p:style>
+          <a:lnRef idx="2">
+            <a:schemeClr val="accent1">
+              <a:shade val="50000"/>
+            </a:schemeClr>
+          </a:lnRef>
+          <a:fillRef idx="1">
+            <a:schemeClr val="accent1"/>
+          </a:fillRef>
+          <a:effectRef idx="0">
+            <a:schemeClr val="accent1"/>
+          </a:effectRef>
+          <a:fontRef idx="minor">
+            <a:schemeClr val="lt1"/>
+          </a:fontRef>
+        </p:style>
+        <p:txBody>
+          <a:bodyPr rtlCol="0" anchor="ctr"/>
+          <a:lstStyle/>
+          <a:p>
+            <a:pPr algn="ctr"/>
+            <a:endParaRPr lang="en-US" dirty="0"/>
+          </a:p>
+        </p:txBody>
+      </p:sp>
+      <p:grpSp>
+        <p:nvGrpSpPr>
+          <p:cNvPr id="129" name="Group 128">
+            <a:extLst>
+              <a:ext uri="{FF2B5EF4-FFF2-40B4-BE49-F238E27FC236}">
+                <a16:creationId xmlns:a16="http://schemas.microsoft.com/office/drawing/2014/main" id="{557974FF-1EA7-44C9-B498-2BD2334B06F9}"/>
+              </a:ext>
+            </a:extLst>
+          </p:cNvPr>
+          <p:cNvGrpSpPr/>
+          <p:nvPr/>
+        </p:nvGrpSpPr>
+        <p:grpSpPr>
+          <a:xfrm>
+            <a:off x="8162363" y="1329637"/>
+            <a:ext cx="218101" cy="2523963"/>
+            <a:chOff x="4845386" y="1351147"/>
+            <a:chExt cx="218101" cy="2523963"/>
+          </a:xfrm>
+        </p:grpSpPr>
+        <p:sp>
+          <p:nvSpPr>
+            <p:cNvPr id="130" name="Arrow: Right 129">
+              <a:extLst>
+                <a:ext uri="{FF2B5EF4-FFF2-40B4-BE49-F238E27FC236}">
+                  <a16:creationId xmlns:a16="http://schemas.microsoft.com/office/drawing/2014/main" id="{2D4C5B17-3A94-4159-AFA5-601119A1D9A8}"/>
+                </a:ext>
+              </a:extLst>
+            </p:cNvPr>
+            <p:cNvSpPr/>
+            <p:nvPr/>
+          </p:nvSpPr>
+          <p:spPr>
+            <a:xfrm>
+              <a:off x="4853290" y="1351147"/>
+              <a:ext cx="210197" cy="221662"/>
+            </a:xfrm>
+            <a:prstGeom prst="rightArrow">
+              <a:avLst/>
+            </a:prstGeom>
+          </p:spPr>
+          <p:style>
+            <a:lnRef idx="2">
+              <a:schemeClr val="accent1">
+                <a:shade val="50000"/>
+              </a:schemeClr>
+            </a:lnRef>
+            <a:fillRef idx="1">
+              <a:schemeClr val="accent1"/>
+            </a:fillRef>
+            <a:effectRef idx="0">
+              <a:schemeClr val="accent1"/>
+            </a:effectRef>
+            <a:fontRef idx="minor">
+              <a:schemeClr val="lt1"/>
+            </a:fontRef>
+          </p:style>
+          <p:txBody>
+            <a:bodyPr rtlCol="0" anchor="ctr"/>
+            <a:lstStyle/>
+            <a:p>
+              <a:pPr algn="ctr"/>
+              <a:endParaRPr lang="en-US" dirty="0"/>
+            </a:p>
+          </p:txBody>
+        </p:sp>
+        <p:sp>
+          <p:nvSpPr>
+            <p:cNvPr id="131" name="Arrow: Right 130">
+              <a:extLst>
+                <a:ext uri="{FF2B5EF4-FFF2-40B4-BE49-F238E27FC236}">
+                  <a16:creationId xmlns:a16="http://schemas.microsoft.com/office/drawing/2014/main" id="{610357BC-2770-4B55-9A0F-9A8EB3AAFD59}"/>
+                </a:ext>
+              </a:extLst>
+            </p:cNvPr>
+            <p:cNvSpPr/>
+            <p:nvPr/>
+          </p:nvSpPr>
+          <p:spPr>
+            <a:xfrm>
+              <a:off x="4853290" y="2588312"/>
+              <a:ext cx="210197" cy="221662"/>
+            </a:xfrm>
+            <a:prstGeom prst="rightArrow">
+              <a:avLst/>
+            </a:prstGeom>
+          </p:spPr>
+          <p:style>
+            <a:lnRef idx="2">
+              <a:schemeClr val="accent1">
+                <a:shade val="50000"/>
+              </a:schemeClr>
+            </a:lnRef>
+            <a:fillRef idx="1">
+              <a:schemeClr val="accent1"/>
+            </a:fillRef>
+            <a:effectRef idx="0">
+              <a:schemeClr val="accent1"/>
+            </a:effectRef>
+            <a:fontRef idx="minor">
+              <a:schemeClr val="lt1"/>
+            </a:fontRef>
+          </p:style>
+          <p:txBody>
+            <a:bodyPr rtlCol="0" anchor="ctr"/>
+            <a:lstStyle/>
+            <a:p>
+              <a:pPr algn="ctr"/>
+              <a:endParaRPr lang="en-US" dirty="0"/>
+            </a:p>
+          </p:txBody>
+        </p:sp>
+        <p:sp>
+          <p:nvSpPr>
+            <p:cNvPr id="132" name="Arrow: Right 131">
+              <a:extLst>
+                <a:ext uri="{FF2B5EF4-FFF2-40B4-BE49-F238E27FC236}">
+                  <a16:creationId xmlns:a16="http://schemas.microsoft.com/office/drawing/2014/main" id="{A64F7E18-0A37-4DB8-B80F-9CFF0608042B}"/>
+                </a:ext>
+              </a:extLst>
+            </p:cNvPr>
+            <p:cNvSpPr/>
+            <p:nvPr/>
+          </p:nvSpPr>
+          <p:spPr>
+            <a:xfrm>
+              <a:off x="4845386" y="3653448"/>
+              <a:ext cx="210197" cy="221662"/>
+            </a:xfrm>
+            <a:prstGeom prst="rightArrow">
+              <a:avLst/>
+            </a:prstGeom>
+          </p:spPr>
+          <p:style>
+            <a:lnRef idx="2">
+              <a:schemeClr val="accent1">
+                <a:shade val="50000"/>
+              </a:schemeClr>
+            </a:lnRef>
+            <a:fillRef idx="1">
+              <a:schemeClr val="accent1"/>
+            </a:fillRef>
+            <a:effectRef idx="0">
+              <a:schemeClr val="accent1"/>
+            </a:effectRef>
+            <a:fontRef idx="minor">
+              <a:schemeClr val="lt1"/>
+            </a:fontRef>
+          </p:style>
+          <p:txBody>
+            <a:bodyPr rtlCol="0" anchor="ctr"/>
+            <a:lstStyle/>
+            <a:p>
+              <a:pPr algn="ctr"/>
+              <a:endParaRPr lang="en-US" dirty="0"/>
+            </a:p>
+          </p:txBody>
+        </p:sp>
+      </p:grpSp>
+      <p:sp>
+        <p:nvSpPr>
+          <p:cNvPr id="133" name="Rectangle: Rounded Corners 132">
+            <a:extLst>
+              <a:ext uri="{FF2B5EF4-FFF2-40B4-BE49-F238E27FC236}">
+                <a16:creationId xmlns:a16="http://schemas.microsoft.com/office/drawing/2014/main" id="{7778344D-DFC2-4458-8F39-28B42208EF6C}"/>
+              </a:ext>
+            </a:extLst>
+          </p:cNvPr>
+          <p:cNvSpPr/>
+          <p:nvPr/>
+        </p:nvSpPr>
+        <p:spPr>
+          <a:xfrm>
+            <a:off x="8392627" y="2233590"/>
+            <a:ext cx="228600" cy="778634"/>
+          </a:xfrm>
+          <a:prstGeom prst="roundRect">
+            <a:avLst/>
+          </a:prstGeom>
+          <a:solidFill>
+            <a:schemeClr val="accent6">
+              <a:lumMod val="20000"/>
+              <a:lumOff val="80000"/>
+            </a:schemeClr>
+          </a:solidFill>
+          <a:ln>
+            <a:solidFill>
+              <a:schemeClr val="accent6">
+                <a:lumMod val="75000"/>
+              </a:schemeClr>
+            </a:solidFill>
+          </a:ln>
+        </p:spPr>
+        <p:style>
+          <a:lnRef idx="2">
+            <a:schemeClr val="accent1">
+              <a:shade val="50000"/>
+            </a:schemeClr>
+          </a:lnRef>
+          <a:fillRef idx="1">
+            <a:schemeClr val="accent1"/>
+          </a:fillRef>
+          <a:effectRef idx="0">
+            <a:schemeClr val="accent1"/>
+          </a:effectRef>
+          <a:fontRef idx="minor">
+            <a:schemeClr val="lt1"/>
+          </a:fontRef>
+        </p:style>
+        <p:txBody>
+          <a:bodyPr rtlCol="0" anchor="ctr"/>
+          <a:lstStyle/>
+          <a:p>
+            <a:pPr algn="ctr"/>
+            <a:endParaRPr lang="en-US" dirty="0"/>
+          </a:p>
+        </p:txBody>
+      </p:sp>
+      <p:sp>
+        <p:nvSpPr>
+          <p:cNvPr id="134" name="Rectangle: Rounded Corners 133">
+            <a:extLst>
+              <a:ext uri="{FF2B5EF4-FFF2-40B4-BE49-F238E27FC236}">
+                <a16:creationId xmlns:a16="http://schemas.microsoft.com/office/drawing/2014/main" id="{53B3264D-2132-4147-A2B6-316128787C0E}"/>
+              </a:ext>
+            </a:extLst>
+          </p:cNvPr>
+          <p:cNvSpPr/>
+          <p:nvPr/>
+        </p:nvSpPr>
+        <p:spPr>
+          <a:xfrm>
+            <a:off x="8380464" y="3328524"/>
+            <a:ext cx="228600" cy="778634"/>
+          </a:xfrm>
+          <a:prstGeom prst="roundRect">
+            <a:avLst/>
+          </a:prstGeom>
+          <a:solidFill>
+            <a:schemeClr val="accent6">
+              <a:lumMod val="20000"/>
+              <a:lumOff val="80000"/>
+            </a:schemeClr>
+          </a:solidFill>
+          <a:ln>
+            <a:solidFill>
+              <a:schemeClr val="accent6">
+                <a:lumMod val="75000"/>
+              </a:schemeClr>
+            </a:solidFill>
+          </a:ln>
+        </p:spPr>
+        <p:style>
+          <a:lnRef idx="2">
+            <a:schemeClr val="accent1">
+              <a:shade val="50000"/>
+            </a:schemeClr>
+          </a:lnRef>
+          <a:fillRef idx="1">
+            <a:schemeClr val="accent1"/>
+          </a:fillRef>
+          <a:effectRef idx="0">
+            <a:schemeClr val="accent1"/>
+          </a:effectRef>
+          <a:fontRef idx="minor">
+            <a:schemeClr val="lt1"/>
+          </a:fontRef>
+        </p:style>
+        <p:txBody>
+          <a:bodyPr rtlCol="0" anchor="ctr"/>
+          <a:lstStyle/>
+          <a:p>
+            <a:pPr algn="ctr"/>
+            <a:endParaRPr lang="en-US" dirty="0"/>
+          </a:p>
+        </p:txBody>
+      </p:sp>
+      <p:sp>
+        <p:nvSpPr>
+          <p:cNvPr id="136" name="Rectangle: Rounded Corners 135">
+            <a:extLst>
+              <a:ext uri="{FF2B5EF4-FFF2-40B4-BE49-F238E27FC236}">
+                <a16:creationId xmlns:a16="http://schemas.microsoft.com/office/drawing/2014/main" id="{B0EFBBA2-978A-43D1-BF8B-1832841C11CD}"/>
+              </a:ext>
+            </a:extLst>
+          </p:cNvPr>
+          <p:cNvSpPr/>
+          <p:nvPr/>
+        </p:nvSpPr>
+        <p:spPr>
+          <a:xfrm>
+            <a:off x="9025153" y="2251556"/>
+            <a:ext cx="228600" cy="778634"/>
+          </a:xfrm>
+          <a:prstGeom prst="roundRect">
+            <a:avLst/>
+          </a:prstGeom>
+          <a:solidFill>
+            <a:schemeClr val="bg2">
+              <a:lumMod val="90000"/>
+            </a:schemeClr>
+          </a:solidFill>
+          <a:ln>
+            <a:solidFill>
+              <a:schemeClr val="accent6">
+                <a:lumMod val="75000"/>
+              </a:schemeClr>
+            </a:solidFill>
+          </a:ln>
+        </p:spPr>
+        <p:style>
+          <a:lnRef idx="2">
+            <a:schemeClr val="accent1">
+              <a:shade val="50000"/>
+            </a:schemeClr>
+          </a:lnRef>
+          <a:fillRef idx="1">
+            <a:schemeClr val="accent1"/>
+          </a:fillRef>
+          <a:effectRef idx="0">
+            <a:schemeClr val="accent1"/>
+          </a:effectRef>
+          <a:fontRef idx="minor">
+            <a:schemeClr val="lt1"/>
+          </a:fontRef>
+        </p:style>
+        <p:txBody>
+          <a:bodyPr rtlCol="0" anchor="ctr"/>
+          <a:lstStyle/>
+          <a:p>
+            <a:pPr algn="ctr"/>
+            <a:endParaRPr lang="en-US" dirty="0"/>
+          </a:p>
+        </p:txBody>
+      </p:sp>
+      <p:sp>
+        <p:nvSpPr>
+          <p:cNvPr id="137" name="Arrow: Right 136">
+            <a:extLst>
+              <a:ext uri="{FF2B5EF4-FFF2-40B4-BE49-F238E27FC236}">
+                <a16:creationId xmlns:a16="http://schemas.microsoft.com/office/drawing/2014/main" id="{6CC385B4-1FF2-4199-AD12-6169218AD09A}"/>
+              </a:ext>
+            </a:extLst>
+          </p:cNvPr>
+          <p:cNvSpPr/>
+          <p:nvPr/>
+        </p:nvSpPr>
+        <p:spPr>
+          <a:xfrm>
+            <a:off x="9343898" y="2553634"/>
+            <a:ext cx="210197" cy="221662"/>
+          </a:xfrm>
+          <a:prstGeom prst="rightArrow">
+            <a:avLst/>
+          </a:prstGeom>
+        </p:spPr>
+        <p:style>
+          <a:lnRef idx="2">
+            <a:schemeClr val="accent1">
+              <a:shade val="50000"/>
+            </a:schemeClr>
+          </a:lnRef>
+          <a:fillRef idx="1">
+            <a:schemeClr val="accent1"/>
+          </a:fillRef>
+          <a:effectRef idx="0">
+            <a:schemeClr val="accent1"/>
+          </a:effectRef>
+          <a:fontRef idx="minor">
+            <a:schemeClr val="lt1"/>
+          </a:fontRef>
+        </p:style>
+        <p:txBody>
+          <a:bodyPr rtlCol="0" anchor="ctr"/>
+          <a:lstStyle/>
+          <a:p>
+            <a:pPr algn="ctr"/>
+            <a:endParaRPr lang="en-US" dirty="0"/>
+          </a:p>
+        </p:txBody>
+      </p:sp>
+      <p:sp>
+        <p:nvSpPr>
+          <p:cNvPr id="138" name="TextBox 137">
+            <a:extLst>
+              <a:ext uri="{FF2B5EF4-FFF2-40B4-BE49-F238E27FC236}">
+                <a16:creationId xmlns:a16="http://schemas.microsoft.com/office/drawing/2014/main" id="{CC091614-0860-4B4D-8F95-D7D0021765BC}"/>
+              </a:ext>
+            </a:extLst>
+          </p:cNvPr>
+          <p:cNvSpPr txBox="1"/>
+          <p:nvPr/>
+        </p:nvSpPr>
+        <p:spPr>
+          <a:xfrm>
+            <a:off x="8901778" y="3001070"/>
+            <a:ext cx="1373818" cy="369332"/>
+          </a:xfrm>
+          <a:prstGeom prst="rect">
+            <a:avLst/>
+          </a:prstGeom>
+          <a:noFill/>
+        </p:spPr>
+        <p:txBody>
+          <a:bodyPr wrap="square" rtlCol="0">
+            <a:spAutoFit/>
+          </a:bodyPr>
+          <a:lstStyle/>
+          <a:p>
+            <a:pPr algn="ctr"/>
+            <a:r>
+              <a:rPr lang="en-US" b="1" i="1" dirty="0"/>
+              <a:t>concatenate</a:t>
+            </a:r>
+          </a:p>
+        </p:txBody>
+      </p:sp>
+      <p:grpSp>
+        <p:nvGrpSpPr>
+          <p:cNvPr id="4" name="Group 3">
+            <a:extLst>
+              <a:ext uri="{FF2B5EF4-FFF2-40B4-BE49-F238E27FC236}">
+                <a16:creationId xmlns:a16="http://schemas.microsoft.com/office/drawing/2014/main" id="{11192A4F-A837-4810-AB63-D185F6B28BE9}"/>
+              </a:ext>
+            </a:extLst>
+          </p:cNvPr>
+          <p:cNvGrpSpPr/>
+          <p:nvPr/>
+        </p:nvGrpSpPr>
+        <p:grpSpPr>
+          <a:xfrm>
+            <a:off x="5704090" y="2141396"/>
+            <a:ext cx="772631" cy="877253"/>
+            <a:chOff x="5603115" y="2166232"/>
+            <a:chExt cx="772631" cy="877253"/>
+          </a:xfrm>
+        </p:grpSpPr>
+        <p:grpSp>
+          <p:nvGrpSpPr>
+            <p:cNvPr id="46" name="Group 45">
+              <a:extLst>
+                <a:ext uri="{FF2B5EF4-FFF2-40B4-BE49-F238E27FC236}">
+                  <a16:creationId xmlns:a16="http://schemas.microsoft.com/office/drawing/2014/main" id="{84F6E754-A2FA-459B-99EB-BD21CA813A0D}"/>
+                </a:ext>
+              </a:extLst>
+            </p:cNvPr>
+            <p:cNvGrpSpPr/>
+            <p:nvPr/>
+          </p:nvGrpSpPr>
+          <p:grpSpPr>
+            <a:xfrm>
+              <a:off x="5603115" y="2318947"/>
+              <a:ext cx="701371" cy="724538"/>
+              <a:chOff x="6766338" y="2672758"/>
+              <a:chExt cx="967018" cy="913916"/>
+            </a:xfrm>
+          </p:grpSpPr>
+          <p:sp>
+            <p:nvSpPr>
+              <p:cNvPr id="47" name="Oval 46">
+                <a:extLst>
+                  <a:ext uri="{FF2B5EF4-FFF2-40B4-BE49-F238E27FC236}">
+                    <a16:creationId xmlns:a16="http://schemas.microsoft.com/office/drawing/2014/main" id="{0F98A04F-6836-43E7-9375-533CBD0FB6E1}"/>
+                  </a:ext>
+                </a:extLst>
+              </p:cNvPr>
+              <p:cNvSpPr/>
+              <p:nvPr/>
+            </p:nvSpPr>
+            <p:spPr>
+              <a:xfrm>
+                <a:off x="7032937" y="2672758"/>
+                <a:ext cx="200993" cy="200993"/>
+              </a:xfrm>
+              <a:prstGeom prst="ellipse">
+                <a:avLst/>
+              </a:prstGeom>
+              <a:solidFill>
+                <a:schemeClr val="accent6">
+                  <a:lumMod val="60000"/>
+                  <a:lumOff val="40000"/>
+                </a:schemeClr>
+              </a:solidFill>
+              <a:ln>
+                <a:solidFill>
+                  <a:schemeClr val="accent6">
+                    <a:lumMod val="75000"/>
+                  </a:schemeClr>
+                </a:solidFill>
+              </a:ln>
+            </p:spPr>
+            <p:style>
+              <a:lnRef idx="2">
+                <a:schemeClr val="accent1">
+                  <a:shade val="50000"/>
+                </a:schemeClr>
+              </a:lnRef>
+              <a:fillRef idx="1">
+                <a:schemeClr val="accent1"/>
+              </a:fillRef>
+              <a:effectRef idx="0">
+                <a:schemeClr val="accent1"/>
+              </a:effectRef>
+              <a:fontRef idx="minor">
+                <a:schemeClr val="lt1"/>
+              </a:fontRef>
+            </p:style>
+            <p:txBody>
+              <a:bodyPr lIns="18288" tIns="18288" rIns="18288" bIns="18288" rtlCol="0" anchor="ctr"/>
+              <a:lstStyle/>
+              <a:p>
+                <a:pPr algn="ctr"/>
+                <a:r>
+                  <a:rPr lang="en-US" sz="700" dirty="0">
+                    <a:solidFill>
+                      <a:schemeClr val="tx1"/>
+                    </a:solidFill>
+                  </a:rPr>
+                  <a:t>V</a:t>
+                </a:r>
+              </a:p>
+            </p:txBody>
+          </p:sp>
+          <p:sp>
+            <p:nvSpPr>
+              <p:cNvPr id="48" name="Oval 47">
+                <a:extLst>
+                  <a:ext uri="{FF2B5EF4-FFF2-40B4-BE49-F238E27FC236}">
+                    <a16:creationId xmlns:a16="http://schemas.microsoft.com/office/drawing/2014/main" id="{3E8FA06B-F8A3-4FBD-98AF-4202F22B72CC}"/>
+                  </a:ext>
+                </a:extLst>
+              </p:cNvPr>
+              <p:cNvSpPr/>
+              <p:nvPr/>
+            </p:nvSpPr>
+            <p:spPr>
+              <a:xfrm>
+                <a:off x="6766338" y="3011937"/>
+                <a:ext cx="200993" cy="200993"/>
+              </a:xfrm>
+              <a:prstGeom prst="ellipse">
+                <a:avLst/>
+              </a:prstGeom>
+              <a:solidFill>
+                <a:schemeClr val="accent6">
+                  <a:lumMod val="60000"/>
+                  <a:lumOff val="40000"/>
+                </a:schemeClr>
+              </a:solidFill>
+              <a:ln>
+                <a:solidFill>
+                  <a:schemeClr val="accent6">
+                    <a:lumMod val="75000"/>
+                  </a:schemeClr>
+                </a:solidFill>
+              </a:ln>
+            </p:spPr>
+            <p:style>
+              <a:lnRef idx="2">
+                <a:schemeClr val="accent1">
+                  <a:shade val="50000"/>
+                </a:schemeClr>
+              </a:lnRef>
+              <a:fillRef idx="1">
+                <a:schemeClr val="accent1"/>
+              </a:fillRef>
+              <a:effectRef idx="0">
+                <a:schemeClr val="accent1"/>
+              </a:effectRef>
+              <a:fontRef idx="minor">
+                <a:schemeClr val="lt1"/>
+              </a:fontRef>
+            </p:style>
+            <p:txBody>
+              <a:bodyPr lIns="18288" tIns="18288" rIns="18288" bIns="18288" rtlCol="0" anchor="ctr"/>
+              <a:lstStyle/>
+              <a:p>
+                <a:pPr algn="ctr"/>
+                <a:r>
+                  <a:rPr lang="en-US" sz="700" dirty="0">
+                    <a:solidFill>
+                      <a:schemeClr val="tx1"/>
+                    </a:solidFill>
+                  </a:rPr>
+                  <a:t>V</a:t>
+                </a:r>
+              </a:p>
+            </p:txBody>
+          </p:sp>
+          <p:sp>
+            <p:nvSpPr>
+              <p:cNvPr id="49" name="Oval 48">
+                <a:extLst>
+                  <a:ext uri="{FF2B5EF4-FFF2-40B4-BE49-F238E27FC236}">
+                    <a16:creationId xmlns:a16="http://schemas.microsoft.com/office/drawing/2014/main" id="{FF26FAB3-1258-436E-8A43-BDA8B947E138}"/>
+                  </a:ext>
+                </a:extLst>
+              </p:cNvPr>
+              <p:cNvSpPr/>
+              <p:nvPr/>
+            </p:nvSpPr>
+            <p:spPr>
+              <a:xfrm>
+                <a:off x="7252169" y="3011937"/>
+                <a:ext cx="200993" cy="200993"/>
+              </a:xfrm>
+              <a:prstGeom prst="ellipse">
+                <a:avLst/>
+              </a:prstGeom>
+              <a:solidFill>
+                <a:schemeClr val="accent6">
+                  <a:lumMod val="60000"/>
+                  <a:lumOff val="40000"/>
+                </a:schemeClr>
+              </a:solidFill>
+              <a:ln>
+                <a:solidFill>
+                  <a:schemeClr val="accent6">
+                    <a:lumMod val="75000"/>
+                  </a:schemeClr>
+                </a:solidFill>
+              </a:ln>
+            </p:spPr>
+            <p:style>
+              <a:lnRef idx="2">
+                <a:schemeClr val="accent1">
+                  <a:shade val="50000"/>
+                </a:schemeClr>
+              </a:lnRef>
+              <a:fillRef idx="1">
+                <a:schemeClr val="accent1"/>
+              </a:fillRef>
+              <a:effectRef idx="0">
+                <a:schemeClr val="accent1"/>
+              </a:effectRef>
+              <a:fontRef idx="minor">
+                <a:schemeClr val="lt1"/>
+              </a:fontRef>
+            </p:style>
+            <p:txBody>
+              <a:bodyPr lIns="18288" tIns="18288" rIns="18288" bIns="18288" rtlCol="0" anchor="ctr"/>
+              <a:lstStyle/>
+              <a:p>
+                <a:pPr algn="ctr"/>
+                <a:r>
+                  <a:rPr lang="en-US" sz="700" dirty="0">
+                    <a:solidFill>
+                      <a:schemeClr val="tx1"/>
+                    </a:solidFill>
+                  </a:rPr>
+                  <a:t>V</a:t>
+                </a:r>
+              </a:p>
+            </p:txBody>
+          </p:sp>
+          <p:sp>
+            <p:nvSpPr>
+              <p:cNvPr id="50" name="Oval 49">
+                <a:extLst>
+                  <a:ext uri="{FF2B5EF4-FFF2-40B4-BE49-F238E27FC236}">
+                    <a16:creationId xmlns:a16="http://schemas.microsoft.com/office/drawing/2014/main" id="{E7FF4386-1D35-4763-A08D-5CCE9C172683}"/>
+                  </a:ext>
+                </a:extLst>
+              </p:cNvPr>
+              <p:cNvSpPr/>
+              <p:nvPr/>
+            </p:nvSpPr>
+            <p:spPr>
+              <a:xfrm>
+                <a:off x="7532363" y="3385681"/>
+                <a:ext cx="200993" cy="200993"/>
+              </a:xfrm>
+              <a:prstGeom prst="ellipse">
+                <a:avLst/>
+              </a:prstGeom>
+              <a:solidFill>
+                <a:schemeClr val="accent6">
+                  <a:lumMod val="60000"/>
+                  <a:lumOff val="40000"/>
+                </a:schemeClr>
+              </a:solidFill>
+              <a:ln>
+                <a:solidFill>
+                  <a:schemeClr val="accent6">
+                    <a:lumMod val="75000"/>
+                  </a:schemeClr>
+                </a:solidFill>
+              </a:ln>
+            </p:spPr>
+            <p:style>
+              <a:lnRef idx="2">
+                <a:schemeClr val="accent1">
+                  <a:shade val="50000"/>
+                </a:schemeClr>
+              </a:lnRef>
+              <a:fillRef idx="1">
+                <a:schemeClr val="accent1"/>
+              </a:fillRef>
+              <a:effectRef idx="0">
+                <a:schemeClr val="accent1"/>
+              </a:effectRef>
+              <a:fontRef idx="minor">
+                <a:schemeClr val="lt1"/>
+              </a:fontRef>
+            </p:style>
+            <p:txBody>
+              <a:bodyPr lIns="18288" tIns="18288" rIns="18288" bIns="18288" rtlCol="0" anchor="ctr"/>
+              <a:lstStyle/>
+              <a:p>
+                <a:pPr algn="ctr"/>
+                <a:r>
+                  <a:rPr lang="en-US" sz="700" dirty="0">
+                    <a:solidFill>
+                      <a:schemeClr val="tx1"/>
+                    </a:solidFill>
+                  </a:rPr>
+                  <a:t>V</a:t>
+                </a:r>
+              </a:p>
+            </p:txBody>
+          </p:sp>
+          <p:sp>
+            <p:nvSpPr>
+              <p:cNvPr id="51" name="Oval 50">
+                <a:extLst>
+                  <a:ext uri="{FF2B5EF4-FFF2-40B4-BE49-F238E27FC236}">
+                    <a16:creationId xmlns:a16="http://schemas.microsoft.com/office/drawing/2014/main" id="{7EEB6DE4-30E0-4CBB-BE6C-A8F12FE25223}"/>
+                  </a:ext>
+                </a:extLst>
+              </p:cNvPr>
+              <p:cNvSpPr/>
+              <p:nvPr/>
+            </p:nvSpPr>
+            <p:spPr>
+              <a:xfrm>
+                <a:off x="7035727" y="3394378"/>
+                <a:ext cx="171593" cy="192293"/>
+              </a:xfrm>
+              <a:prstGeom prst="ellipse">
+                <a:avLst/>
+              </a:prstGeom>
+              <a:solidFill>
+                <a:schemeClr val="accent6">
+                  <a:lumMod val="60000"/>
+                  <a:lumOff val="40000"/>
+                </a:schemeClr>
+              </a:solidFill>
+              <a:ln>
+                <a:solidFill>
+                  <a:schemeClr val="accent6">
+                    <a:lumMod val="75000"/>
+                  </a:schemeClr>
+                </a:solidFill>
+              </a:ln>
+            </p:spPr>
+            <p:style>
+              <a:lnRef idx="2">
+                <a:schemeClr val="accent1">
+                  <a:shade val="50000"/>
+                </a:schemeClr>
+              </a:lnRef>
+              <a:fillRef idx="1">
+                <a:schemeClr val="accent1"/>
+              </a:fillRef>
+              <a:effectRef idx="0">
+                <a:schemeClr val="accent1"/>
+              </a:effectRef>
+              <a:fontRef idx="minor">
+                <a:schemeClr val="lt1"/>
+              </a:fontRef>
+            </p:style>
+            <p:txBody>
+              <a:bodyPr lIns="18288" tIns="18288" rIns="18288" bIns="18288" rtlCol="0" anchor="ctr"/>
+              <a:lstStyle/>
+              <a:p>
+                <a:pPr algn="ctr"/>
+                <a:r>
+                  <a:rPr lang="en-US" sz="700" dirty="0">
+                    <a:solidFill>
+                      <a:schemeClr val="tx1"/>
+                    </a:solidFill>
+                  </a:rPr>
+                  <a:t>V</a:t>
+                </a:r>
+              </a:p>
+            </p:txBody>
+          </p:sp>
+          <p:cxnSp>
+            <p:nvCxnSpPr>
+              <p:cNvPr id="52" name="Straight Arrow Connector 51">
+                <a:extLst>
+                  <a:ext uri="{FF2B5EF4-FFF2-40B4-BE49-F238E27FC236}">
+                    <a16:creationId xmlns:a16="http://schemas.microsoft.com/office/drawing/2014/main" id="{C1B80F8D-55A4-4AAD-A333-1F99F53A0EC0}"/>
+                  </a:ext>
+                </a:extLst>
+              </p:cNvPr>
+              <p:cNvCxnSpPr>
+                <a:cxnSpLocks/>
+                <a:stCxn id="47" idx="3"/>
+                <a:endCxn id="48" idx="7"/>
+              </p:cNvCxnSpPr>
+              <p:nvPr/>
+            </p:nvCxnSpPr>
+            <p:spPr>
+              <a:xfrm flipH="1">
+                <a:off x="6937896" y="2844316"/>
+                <a:ext cx="124476" cy="197056"/>
+              </a:xfrm>
+              <a:prstGeom prst="straightConnector1">
+                <a:avLst/>
+              </a:prstGeom>
+              <a:ln w="19050">
+                <a:tailEnd type="triangle"/>
+              </a:ln>
+            </p:spPr>
+            <p:style>
+              <a:lnRef idx="1">
+                <a:schemeClr val="accent1"/>
+              </a:lnRef>
+              <a:fillRef idx="0">
+                <a:schemeClr val="accent1"/>
+              </a:fillRef>
+              <a:effectRef idx="0">
+                <a:schemeClr val="accent1"/>
+              </a:effectRef>
+              <a:fontRef idx="minor">
+                <a:schemeClr val="tx1"/>
+              </a:fontRef>
+            </p:style>
+          </p:cxnSp>
+          <p:cxnSp>
+            <p:nvCxnSpPr>
+              <p:cNvPr id="53" name="Straight Arrow Connector 52">
+                <a:extLst>
+                  <a:ext uri="{FF2B5EF4-FFF2-40B4-BE49-F238E27FC236}">
+                    <a16:creationId xmlns:a16="http://schemas.microsoft.com/office/drawing/2014/main" id="{DDDFDB28-85E3-40D6-97BB-B59C8BCD6CE0}"/>
+                  </a:ext>
+                </a:extLst>
+              </p:cNvPr>
+              <p:cNvCxnSpPr>
+                <a:cxnSpLocks/>
+                <a:stCxn id="47" idx="5"/>
+                <a:endCxn id="49" idx="0"/>
+              </p:cNvCxnSpPr>
+              <p:nvPr/>
+            </p:nvCxnSpPr>
+            <p:spPr>
+              <a:xfrm>
+                <a:off x="7204495" y="2844316"/>
+                <a:ext cx="148171" cy="167621"/>
+              </a:xfrm>
+              <a:prstGeom prst="straightConnector1">
+                <a:avLst/>
+              </a:prstGeom>
+              <a:ln w="19050">
+                <a:tailEnd type="triangle"/>
+              </a:ln>
+            </p:spPr>
+            <p:style>
+              <a:lnRef idx="1">
+                <a:schemeClr val="accent1"/>
+              </a:lnRef>
+              <a:fillRef idx="0">
+                <a:schemeClr val="accent1"/>
+              </a:fillRef>
+              <a:effectRef idx="0">
+                <a:schemeClr val="accent1"/>
+              </a:effectRef>
+              <a:fontRef idx="minor">
+                <a:schemeClr val="tx1"/>
+              </a:fontRef>
+            </p:style>
+          </p:cxnSp>
+          <p:cxnSp>
+            <p:nvCxnSpPr>
+              <p:cNvPr id="54" name="Straight Arrow Connector 53">
+                <a:extLst>
+                  <a:ext uri="{FF2B5EF4-FFF2-40B4-BE49-F238E27FC236}">
+                    <a16:creationId xmlns:a16="http://schemas.microsoft.com/office/drawing/2014/main" id="{59BEAB0E-39C8-42A2-819F-879CE49B153E}"/>
+                  </a:ext>
+                </a:extLst>
+              </p:cNvPr>
+              <p:cNvCxnSpPr>
+                <a:cxnSpLocks/>
+                <a:stCxn id="49" idx="5"/>
+                <a:endCxn id="50" idx="1"/>
+              </p:cNvCxnSpPr>
+              <p:nvPr/>
+            </p:nvCxnSpPr>
+            <p:spPr>
+              <a:xfrm>
+                <a:off x="7423727" y="3183495"/>
+                <a:ext cx="138071" cy="231621"/>
+              </a:xfrm>
+              <a:prstGeom prst="straightConnector1">
+                <a:avLst/>
+              </a:prstGeom>
+              <a:ln w="19050">
+                <a:tailEnd type="triangle"/>
+              </a:ln>
+            </p:spPr>
+            <p:style>
+              <a:lnRef idx="1">
+                <a:schemeClr val="accent1"/>
+              </a:lnRef>
+              <a:fillRef idx="0">
+                <a:schemeClr val="accent1"/>
+              </a:fillRef>
+              <a:effectRef idx="0">
+                <a:schemeClr val="accent1"/>
+              </a:effectRef>
+              <a:fontRef idx="minor">
+                <a:schemeClr val="tx1"/>
+              </a:fontRef>
+            </p:style>
+          </p:cxnSp>
+          <p:cxnSp>
+            <p:nvCxnSpPr>
+              <p:cNvPr id="55" name="Straight Arrow Connector 54">
+                <a:extLst>
+                  <a:ext uri="{FF2B5EF4-FFF2-40B4-BE49-F238E27FC236}">
+                    <a16:creationId xmlns:a16="http://schemas.microsoft.com/office/drawing/2014/main" id="{2359C239-1FFB-46BE-BA11-0B121D046B65}"/>
+                  </a:ext>
+                </a:extLst>
+              </p:cNvPr>
+              <p:cNvCxnSpPr>
+                <a:cxnSpLocks/>
+                <a:stCxn id="49" idx="3"/>
+                <a:endCxn id="51" idx="7"/>
+              </p:cNvCxnSpPr>
+              <p:nvPr/>
+            </p:nvCxnSpPr>
+            <p:spPr>
+              <a:xfrm flipH="1">
+                <a:off x="7182191" y="3183496"/>
+                <a:ext cx="99414" cy="239042"/>
+              </a:xfrm>
+              <a:prstGeom prst="straightConnector1">
+                <a:avLst/>
+              </a:prstGeom>
+              <a:ln w="19050">
+                <a:tailEnd type="triangle"/>
+              </a:ln>
+            </p:spPr>
+            <p:style>
+              <a:lnRef idx="1">
+                <a:schemeClr val="accent1"/>
+              </a:lnRef>
+              <a:fillRef idx="0">
+                <a:schemeClr val="accent1"/>
+              </a:fillRef>
+              <a:effectRef idx="0">
+                <a:schemeClr val="accent1"/>
+              </a:effectRef>
+              <a:fontRef idx="minor">
+                <a:schemeClr val="tx1"/>
+              </a:fontRef>
+            </p:style>
+          </p:cxnSp>
+        </p:grpSp>
+        <p:sp>
+          <p:nvSpPr>
+            <p:cNvPr id="139" name="TextBox 138">
+              <a:extLst>
+                <a:ext uri="{FF2B5EF4-FFF2-40B4-BE49-F238E27FC236}">
+                  <a16:creationId xmlns:a16="http://schemas.microsoft.com/office/drawing/2014/main" id="{6DF0B672-6A33-4331-98B9-4F8F14EC3D7A}"/>
+                </a:ext>
+              </a:extLst>
+            </p:cNvPr>
+            <p:cNvSpPr txBox="1"/>
+            <p:nvPr/>
+          </p:nvSpPr>
+          <p:spPr>
+            <a:xfrm>
+              <a:off x="5863896" y="2166232"/>
+              <a:ext cx="343916" cy="369332"/>
+            </a:xfrm>
+            <a:prstGeom prst="rect">
+              <a:avLst/>
+            </a:prstGeom>
+            <a:noFill/>
+          </p:spPr>
+          <p:txBody>
+            <a:bodyPr wrap="square" rtlCol="0">
+              <a:spAutoFit/>
+            </a:bodyPr>
+            <a:lstStyle/>
+            <a:p>
+              <a:r>
+                <a:rPr lang="en-US" dirty="0"/>
+                <a:t>V</a:t>
+              </a:r>
+              <a:endParaRPr lang="en-US" sz="1400" dirty="0"/>
+            </a:p>
+          </p:txBody>
+        </p:sp>
+        <p:sp>
+          <p:nvSpPr>
+            <p:cNvPr id="142" name="TextBox 141">
+              <a:extLst>
+                <a:ext uri="{FF2B5EF4-FFF2-40B4-BE49-F238E27FC236}">
+                  <a16:creationId xmlns:a16="http://schemas.microsoft.com/office/drawing/2014/main" id="{1814E84E-3BFD-41AD-823E-6B1D87DF3614}"/>
+                </a:ext>
+              </a:extLst>
+            </p:cNvPr>
+            <p:cNvSpPr txBox="1"/>
+            <p:nvPr/>
+          </p:nvSpPr>
+          <p:spPr>
+            <a:xfrm>
+              <a:off x="6017519" y="2433815"/>
+              <a:ext cx="358227" cy="369332"/>
+            </a:xfrm>
+            <a:prstGeom prst="rect">
+              <a:avLst/>
+            </a:prstGeom>
+            <a:noFill/>
+          </p:spPr>
+          <p:txBody>
+            <a:bodyPr wrap="square" rtlCol="0">
+              <a:spAutoFit/>
+            </a:bodyPr>
+            <a:lstStyle/>
+            <a:p>
+              <a:r>
+                <a:rPr lang="en-US" dirty="0"/>
+                <a:t>V</a:t>
+              </a:r>
+              <a:endParaRPr lang="en-US" sz="1400" dirty="0"/>
+            </a:p>
+          </p:txBody>
+        </p:sp>
+      </p:grpSp>
+      <p:grpSp>
+        <p:nvGrpSpPr>
+          <p:cNvPr id="3" name="Group 2">
+            <a:extLst>
+              <a:ext uri="{FF2B5EF4-FFF2-40B4-BE49-F238E27FC236}">
+                <a16:creationId xmlns:a16="http://schemas.microsoft.com/office/drawing/2014/main" id="{0ECFEEF9-4FB0-49B2-B663-C4FACB9E7957}"/>
+              </a:ext>
+            </a:extLst>
+          </p:cNvPr>
+          <p:cNvGrpSpPr/>
+          <p:nvPr/>
+        </p:nvGrpSpPr>
+        <p:grpSpPr>
+          <a:xfrm>
+            <a:off x="5638024" y="3325743"/>
+            <a:ext cx="828202" cy="736511"/>
+            <a:chOff x="5688770" y="3359948"/>
+            <a:chExt cx="828202" cy="736511"/>
+          </a:xfrm>
+        </p:grpSpPr>
+        <p:grpSp>
+          <p:nvGrpSpPr>
+            <p:cNvPr id="56" name="Group 55">
+              <a:extLst>
+                <a:ext uri="{FF2B5EF4-FFF2-40B4-BE49-F238E27FC236}">
+                  <a16:creationId xmlns:a16="http://schemas.microsoft.com/office/drawing/2014/main" id="{4D4625BB-57A4-45DC-AD4E-9E5D31CABA44}"/>
+                </a:ext>
+              </a:extLst>
+            </p:cNvPr>
+            <p:cNvGrpSpPr/>
+            <p:nvPr/>
+          </p:nvGrpSpPr>
+          <p:grpSpPr>
+            <a:xfrm>
+              <a:off x="5727546" y="3479083"/>
+              <a:ext cx="705538" cy="617376"/>
+              <a:chOff x="6752673" y="2659896"/>
+              <a:chExt cx="1184110" cy="873122"/>
+            </a:xfrm>
+          </p:grpSpPr>
+          <p:sp>
+            <p:nvSpPr>
+              <p:cNvPr id="57" name="Oval 56">
+                <a:extLst>
+                  <a:ext uri="{FF2B5EF4-FFF2-40B4-BE49-F238E27FC236}">
+                    <a16:creationId xmlns:a16="http://schemas.microsoft.com/office/drawing/2014/main" id="{422922E7-F785-43C5-8602-A56FF40145C7}"/>
+                  </a:ext>
+                </a:extLst>
+              </p:cNvPr>
+              <p:cNvSpPr/>
+              <p:nvPr/>
+            </p:nvSpPr>
+            <p:spPr>
+              <a:xfrm>
+                <a:off x="7151673" y="2659896"/>
+                <a:ext cx="200993" cy="200993"/>
+              </a:xfrm>
+              <a:prstGeom prst="ellipse">
+                <a:avLst/>
+              </a:prstGeom>
+              <a:solidFill>
+                <a:schemeClr val="accent6">
+                  <a:lumMod val="60000"/>
+                  <a:lumOff val="40000"/>
+                </a:schemeClr>
+              </a:solidFill>
+              <a:ln>
+                <a:solidFill>
+                  <a:schemeClr val="accent6">
+                    <a:lumMod val="75000"/>
+                  </a:schemeClr>
+                </a:solidFill>
+              </a:ln>
+            </p:spPr>
+            <p:style>
+              <a:lnRef idx="2">
+                <a:schemeClr val="accent1">
+                  <a:shade val="50000"/>
+                </a:schemeClr>
+              </a:lnRef>
+              <a:fillRef idx="1">
+                <a:schemeClr val="accent1"/>
+              </a:fillRef>
+              <a:effectRef idx="0">
+                <a:schemeClr val="accent1"/>
+              </a:effectRef>
+              <a:fontRef idx="minor">
+                <a:schemeClr val="lt1"/>
+              </a:fontRef>
+            </p:style>
+            <p:txBody>
+              <a:bodyPr lIns="18288" tIns="18288" rIns="18288" bIns="18288" rtlCol="0" anchor="ctr"/>
+              <a:lstStyle/>
+              <a:p>
+                <a:pPr algn="ctr"/>
+                <a:r>
+                  <a:rPr lang="en-US" sz="700" dirty="0">
+                    <a:solidFill>
+                      <a:schemeClr val="tx1"/>
+                    </a:solidFill>
+                  </a:rPr>
+                  <a:t>V</a:t>
+                </a:r>
+              </a:p>
+            </p:txBody>
+          </p:sp>
+          <p:sp>
+            <p:nvSpPr>
+              <p:cNvPr id="58" name="Oval 57">
+                <a:extLst>
+                  <a:ext uri="{FF2B5EF4-FFF2-40B4-BE49-F238E27FC236}">
+                    <a16:creationId xmlns:a16="http://schemas.microsoft.com/office/drawing/2014/main" id="{01AB6E1C-8A82-40CE-8B6E-6FAB6857D92D}"/>
+                  </a:ext>
+                </a:extLst>
+              </p:cNvPr>
+              <p:cNvSpPr/>
+              <p:nvPr/>
+            </p:nvSpPr>
+            <p:spPr>
+              <a:xfrm>
+                <a:off x="6752673" y="3028649"/>
+                <a:ext cx="200993" cy="200993"/>
+              </a:xfrm>
+              <a:prstGeom prst="ellipse">
+                <a:avLst/>
+              </a:prstGeom>
+              <a:solidFill>
+                <a:schemeClr val="accent6">
+                  <a:lumMod val="60000"/>
+                  <a:lumOff val="40000"/>
+                </a:schemeClr>
+              </a:solidFill>
+              <a:ln>
+                <a:solidFill>
+                  <a:schemeClr val="accent6">
+                    <a:lumMod val="75000"/>
+                  </a:schemeClr>
+                </a:solidFill>
+              </a:ln>
+            </p:spPr>
+            <p:style>
+              <a:lnRef idx="2">
+                <a:schemeClr val="accent1">
+                  <a:shade val="50000"/>
+                </a:schemeClr>
+              </a:lnRef>
+              <a:fillRef idx="1">
+                <a:schemeClr val="accent1"/>
+              </a:fillRef>
+              <a:effectRef idx="0">
+                <a:schemeClr val="accent1"/>
+              </a:effectRef>
+              <a:fontRef idx="minor">
+                <a:schemeClr val="lt1"/>
+              </a:fontRef>
+            </p:style>
+            <p:txBody>
+              <a:bodyPr lIns="18288" tIns="18288" rIns="18288" bIns="18288" rtlCol="0" anchor="ctr"/>
+              <a:lstStyle/>
+              <a:p>
+                <a:pPr algn="ctr"/>
+                <a:r>
+                  <a:rPr lang="en-US" sz="700" dirty="0">
+                    <a:solidFill>
+                      <a:schemeClr val="tx1"/>
+                    </a:solidFill>
+                  </a:rPr>
+                  <a:t>V</a:t>
+                </a:r>
+              </a:p>
+            </p:txBody>
+          </p:sp>
+          <p:sp>
+            <p:nvSpPr>
+              <p:cNvPr id="59" name="Oval 58">
+                <a:extLst>
+                  <a:ext uri="{FF2B5EF4-FFF2-40B4-BE49-F238E27FC236}">
+                    <a16:creationId xmlns:a16="http://schemas.microsoft.com/office/drawing/2014/main" id="{9F82494A-1192-4F2F-B720-57F3312B4D5B}"/>
+                  </a:ext>
+                </a:extLst>
+              </p:cNvPr>
+              <p:cNvSpPr/>
+              <p:nvPr/>
+            </p:nvSpPr>
+            <p:spPr>
+              <a:xfrm>
+                <a:off x="7252169" y="3011937"/>
+                <a:ext cx="200993" cy="200993"/>
+              </a:xfrm>
+              <a:prstGeom prst="ellipse">
+                <a:avLst/>
+              </a:prstGeom>
+              <a:solidFill>
+                <a:schemeClr val="accent6">
+                  <a:lumMod val="60000"/>
+                  <a:lumOff val="40000"/>
+                </a:schemeClr>
+              </a:solidFill>
+              <a:ln>
+                <a:solidFill>
+                  <a:schemeClr val="accent6">
+                    <a:lumMod val="75000"/>
+                  </a:schemeClr>
+                </a:solidFill>
+              </a:ln>
+            </p:spPr>
+            <p:style>
+              <a:lnRef idx="2">
+                <a:schemeClr val="accent1">
+                  <a:shade val="50000"/>
+                </a:schemeClr>
+              </a:lnRef>
+              <a:fillRef idx="1">
+                <a:schemeClr val="accent1"/>
+              </a:fillRef>
+              <a:effectRef idx="0">
+                <a:schemeClr val="accent1"/>
+              </a:effectRef>
+              <a:fontRef idx="minor">
+                <a:schemeClr val="lt1"/>
+              </a:fontRef>
+            </p:style>
+            <p:txBody>
+              <a:bodyPr lIns="18288" tIns="18288" rIns="18288" bIns="18288" rtlCol="0" anchor="ctr"/>
+              <a:lstStyle/>
+              <a:p>
+                <a:pPr algn="ctr"/>
+                <a:r>
+                  <a:rPr lang="en-US" sz="700" dirty="0">
+                    <a:solidFill>
+                      <a:schemeClr val="tx1"/>
+                    </a:solidFill>
+                  </a:rPr>
+                  <a:t>V</a:t>
+                </a:r>
+              </a:p>
+            </p:txBody>
+          </p:sp>
+          <p:sp>
+            <p:nvSpPr>
+              <p:cNvPr id="60" name="Oval 59">
+                <a:extLst>
+                  <a:ext uri="{FF2B5EF4-FFF2-40B4-BE49-F238E27FC236}">
+                    <a16:creationId xmlns:a16="http://schemas.microsoft.com/office/drawing/2014/main" id="{A5F4A83C-ABE9-4F94-8520-6BF2F74CD71C}"/>
+                  </a:ext>
+                </a:extLst>
+              </p:cNvPr>
+              <p:cNvSpPr/>
+              <p:nvPr/>
+            </p:nvSpPr>
+            <p:spPr>
+              <a:xfrm>
+                <a:off x="7735790" y="3011937"/>
+                <a:ext cx="200993" cy="200993"/>
+              </a:xfrm>
+              <a:prstGeom prst="ellipse">
+                <a:avLst/>
+              </a:prstGeom>
+              <a:solidFill>
+                <a:schemeClr val="accent6">
+                  <a:lumMod val="60000"/>
+                  <a:lumOff val="40000"/>
+                </a:schemeClr>
+              </a:solidFill>
+              <a:ln>
+                <a:solidFill>
+                  <a:schemeClr val="accent6">
+                    <a:lumMod val="75000"/>
+                  </a:schemeClr>
+                </a:solidFill>
+              </a:ln>
+            </p:spPr>
+            <p:style>
+              <a:lnRef idx="2">
+                <a:schemeClr val="accent1">
+                  <a:shade val="50000"/>
+                </a:schemeClr>
+              </a:lnRef>
+              <a:fillRef idx="1">
+                <a:schemeClr val="accent1"/>
+              </a:fillRef>
+              <a:effectRef idx="0">
+                <a:schemeClr val="accent1"/>
+              </a:effectRef>
+              <a:fontRef idx="minor">
+                <a:schemeClr val="lt1"/>
+              </a:fontRef>
+            </p:style>
+            <p:txBody>
+              <a:bodyPr lIns="18288" tIns="18288" rIns="18288" bIns="18288" rtlCol="0" anchor="ctr"/>
+              <a:lstStyle/>
+              <a:p>
+                <a:pPr algn="ctr"/>
+                <a:r>
+                  <a:rPr lang="en-US" sz="700" dirty="0">
+                    <a:solidFill>
+                      <a:schemeClr val="tx1"/>
+                    </a:solidFill>
+                  </a:rPr>
+                  <a:t>V</a:t>
+                </a:r>
+              </a:p>
+            </p:txBody>
+          </p:sp>
+          <p:sp>
+            <p:nvSpPr>
+              <p:cNvPr id="61" name="Oval 60">
+                <a:extLst>
+                  <a:ext uri="{FF2B5EF4-FFF2-40B4-BE49-F238E27FC236}">
+                    <a16:creationId xmlns:a16="http://schemas.microsoft.com/office/drawing/2014/main" id="{1A52A04A-6435-4489-A527-E38B6D77D039}"/>
+                  </a:ext>
+                </a:extLst>
+              </p:cNvPr>
+              <p:cNvSpPr/>
+              <p:nvPr/>
+            </p:nvSpPr>
+            <p:spPr>
+              <a:xfrm>
+                <a:off x="7531954" y="3332025"/>
+                <a:ext cx="263207" cy="200993"/>
+              </a:xfrm>
+              <a:prstGeom prst="ellipse">
+                <a:avLst/>
+              </a:prstGeom>
+              <a:solidFill>
+                <a:schemeClr val="accent6">
+                  <a:lumMod val="60000"/>
+                  <a:lumOff val="40000"/>
+                </a:schemeClr>
+              </a:solidFill>
+              <a:ln>
+                <a:solidFill>
+                  <a:schemeClr val="accent6">
+                    <a:lumMod val="75000"/>
+                  </a:schemeClr>
+                </a:solidFill>
+              </a:ln>
+            </p:spPr>
+            <p:style>
+              <a:lnRef idx="2">
+                <a:schemeClr val="accent1">
+                  <a:shade val="50000"/>
+                </a:schemeClr>
+              </a:lnRef>
+              <a:fillRef idx="1">
+                <a:schemeClr val="accent1"/>
+              </a:fillRef>
+              <a:effectRef idx="0">
+                <a:schemeClr val="accent1"/>
+              </a:effectRef>
+              <a:fontRef idx="minor">
+                <a:schemeClr val="lt1"/>
+              </a:fontRef>
+            </p:style>
+            <p:txBody>
+              <a:bodyPr lIns="18288" tIns="18288" rIns="18288" bIns="18288" rtlCol="0" anchor="ctr"/>
+              <a:lstStyle/>
+              <a:p>
+                <a:pPr algn="ctr"/>
+                <a:r>
+                  <a:rPr lang="en-US" sz="700" dirty="0">
+                    <a:solidFill>
+                      <a:schemeClr val="tx1"/>
+                    </a:solidFill>
+                  </a:rPr>
+                  <a:t>V</a:t>
+                </a:r>
+              </a:p>
+            </p:txBody>
+          </p:sp>
+          <p:sp>
+            <p:nvSpPr>
+              <p:cNvPr id="62" name="Oval 61">
+                <a:extLst>
+                  <a:ext uri="{FF2B5EF4-FFF2-40B4-BE49-F238E27FC236}">
+                    <a16:creationId xmlns:a16="http://schemas.microsoft.com/office/drawing/2014/main" id="{D0EDF18C-789A-4B9A-8F3D-A0A7919ADD99}"/>
+                  </a:ext>
+                </a:extLst>
+              </p:cNvPr>
+              <p:cNvSpPr/>
+              <p:nvPr/>
+            </p:nvSpPr>
+            <p:spPr>
+              <a:xfrm>
+                <a:off x="6923716" y="3332024"/>
+                <a:ext cx="263207" cy="200993"/>
+              </a:xfrm>
+              <a:prstGeom prst="ellipse">
+                <a:avLst/>
+              </a:prstGeom>
+              <a:solidFill>
+                <a:schemeClr val="accent6">
+                  <a:lumMod val="60000"/>
+                  <a:lumOff val="40000"/>
+                </a:schemeClr>
+              </a:solidFill>
+              <a:ln>
+                <a:solidFill>
+                  <a:schemeClr val="accent6">
+                    <a:lumMod val="75000"/>
+                  </a:schemeClr>
+                </a:solidFill>
+              </a:ln>
+            </p:spPr>
+            <p:style>
+              <a:lnRef idx="2">
+                <a:schemeClr val="accent1">
+                  <a:shade val="50000"/>
+                </a:schemeClr>
+              </a:lnRef>
+              <a:fillRef idx="1">
+                <a:schemeClr val="accent1"/>
+              </a:fillRef>
+              <a:effectRef idx="0">
+                <a:schemeClr val="accent1"/>
+              </a:effectRef>
+              <a:fontRef idx="minor">
+                <a:schemeClr val="lt1"/>
+              </a:fontRef>
+            </p:style>
+            <p:txBody>
+              <a:bodyPr lIns="18288" tIns="18288" rIns="18288" bIns="18288" rtlCol="0" anchor="ctr"/>
+              <a:lstStyle/>
+              <a:p>
+                <a:pPr algn="ctr"/>
+                <a:r>
+                  <a:rPr lang="en-US" sz="700" dirty="0">
+                    <a:solidFill>
+                      <a:schemeClr val="tx1"/>
+                    </a:solidFill>
+                  </a:rPr>
+                  <a:t>V</a:t>
+                </a:r>
+              </a:p>
+            </p:txBody>
+          </p:sp>
+          <p:cxnSp>
+            <p:nvCxnSpPr>
+              <p:cNvPr id="63" name="Straight Arrow Connector 62">
+                <a:extLst>
+                  <a:ext uri="{FF2B5EF4-FFF2-40B4-BE49-F238E27FC236}">
+                    <a16:creationId xmlns:a16="http://schemas.microsoft.com/office/drawing/2014/main" id="{920BDF67-B308-4BEB-9152-5D1F9011D199}"/>
+                  </a:ext>
+                </a:extLst>
+              </p:cNvPr>
+              <p:cNvCxnSpPr>
+                <a:stCxn id="57" idx="3"/>
+                <a:endCxn id="58" idx="7"/>
+              </p:cNvCxnSpPr>
+              <p:nvPr/>
+            </p:nvCxnSpPr>
+            <p:spPr>
+              <a:xfrm flipH="1">
+                <a:off x="6924231" y="2831454"/>
+                <a:ext cx="256877" cy="226630"/>
+              </a:xfrm>
+              <a:prstGeom prst="straightConnector1">
+                <a:avLst/>
+              </a:prstGeom>
+              <a:ln w="19050">
+                <a:tailEnd type="triangle"/>
+              </a:ln>
+            </p:spPr>
+            <p:style>
+              <a:lnRef idx="1">
+                <a:schemeClr val="accent1"/>
+              </a:lnRef>
+              <a:fillRef idx="0">
+                <a:schemeClr val="accent1"/>
+              </a:fillRef>
+              <a:effectRef idx="0">
+                <a:schemeClr val="accent1"/>
+              </a:effectRef>
+              <a:fontRef idx="minor">
+                <a:schemeClr val="tx1"/>
+              </a:fontRef>
+            </p:style>
+          </p:cxnSp>
+          <p:cxnSp>
+            <p:nvCxnSpPr>
+              <p:cNvPr id="64" name="Straight Arrow Connector 63">
+                <a:extLst>
+                  <a:ext uri="{FF2B5EF4-FFF2-40B4-BE49-F238E27FC236}">
+                    <a16:creationId xmlns:a16="http://schemas.microsoft.com/office/drawing/2014/main" id="{83C19EFD-1D90-40EE-BE99-1E11CE28645B}"/>
+                  </a:ext>
+                </a:extLst>
+              </p:cNvPr>
+              <p:cNvCxnSpPr>
+                <a:cxnSpLocks/>
+                <a:stCxn id="57" idx="4"/>
+                <a:endCxn id="59" idx="0"/>
+              </p:cNvCxnSpPr>
+              <p:nvPr/>
+            </p:nvCxnSpPr>
+            <p:spPr>
+              <a:xfrm>
+                <a:off x="7252170" y="2860889"/>
+                <a:ext cx="100496" cy="151048"/>
+              </a:xfrm>
+              <a:prstGeom prst="straightConnector1">
+                <a:avLst/>
+              </a:prstGeom>
+              <a:ln w="19050">
+                <a:tailEnd type="triangle"/>
+              </a:ln>
+            </p:spPr>
+            <p:style>
+              <a:lnRef idx="1">
+                <a:schemeClr val="accent1"/>
+              </a:lnRef>
+              <a:fillRef idx="0">
+                <a:schemeClr val="accent1"/>
+              </a:fillRef>
+              <a:effectRef idx="0">
+                <a:schemeClr val="accent1"/>
+              </a:effectRef>
+              <a:fontRef idx="minor">
+                <a:schemeClr val="tx1"/>
+              </a:fontRef>
+            </p:style>
+          </p:cxnSp>
+          <p:cxnSp>
+            <p:nvCxnSpPr>
+              <p:cNvPr id="65" name="Straight Arrow Connector 64">
+                <a:extLst>
+                  <a:ext uri="{FF2B5EF4-FFF2-40B4-BE49-F238E27FC236}">
+                    <a16:creationId xmlns:a16="http://schemas.microsoft.com/office/drawing/2014/main" id="{18C45B9B-13E8-4999-9C0D-0075A4D0BE81}"/>
+                  </a:ext>
+                </a:extLst>
+              </p:cNvPr>
+              <p:cNvCxnSpPr>
+                <a:cxnSpLocks/>
+                <a:stCxn id="57" idx="5"/>
+                <a:endCxn id="60" idx="1"/>
+              </p:cNvCxnSpPr>
+              <p:nvPr/>
+            </p:nvCxnSpPr>
+            <p:spPr>
+              <a:xfrm>
+                <a:off x="7323231" y="2831454"/>
+                <a:ext cx="441994" cy="209918"/>
+              </a:xfrm>
+              <a:prstGeom prst="straightConnector1">
+                <a:avLst/>
+              </a:prstGeom>
+              <a:ln w="19050">
+                <a:tailEnd type="triangle"/>
+              </a:ln>
+            </p:spPr>
+            <p:style>
+              <a:lnRef idx="1">
+                <a:schemeClr val="accent1"/>
+              </a:lnRef>
+              <a:fillRef idx="0">
+                <a:schemeClr val="accent1"/>
+              </a:fillRef>
+              <a:effectRef idx="0">
+                <a:schemeClr val="accent1"/>
+              </a:effectRef>
+              <a:fontRef idx="minor">
+                <a:schemeClr val="tx1"/>
+              </a:fontRef>
+            </p:style>
+          </p:cxnSp>
+          <p:cxnSp>
+            <p:nvCxnSpPr>
+              <p:cNvPr id="66" name="Straight Arrow Connector 65">
+                <a:extLst>
+                  <a:ext uri="{FF2B5EF4-FFF2-40B4-BE49-F238E27FC236}">
+                    <a16:creationId xmlns:a16="http://schemas.microsoft.com/office/drawing/2014/main" id="{D915C34E-7EA7-4E39-8BB0-EADE35192383}"/>
+                  </a:ext>
+                </a:extLst>
+              </p:cNvPr>
+              <p:cNvCxnSpPr>
+                <a:cxnSpLocks/>
+                <a:stCxn id="59" idx="5"/>
+                <a:endCxn id="61" idx="1"/>
+              </p:cNvCxnSpPr>
+              <p:nvPr/>
+            </p:nvCxnSpPr>
+            <p:spPr>
+              <a:xfrm>
+                <a:off x="7423727" y="3183495"/>
+                <a:ext cx="146773" cy="177965"/>
+              </a:xfrm>
+              <a:prstGeom prst="straightConnector1">
+                <a:avLst/>
+              </a:prstGeom>
+              <a:ln w="19050">
+                <a:tailEnd type="triangle"/>
+              </a:ln>
+            </p:spPr>
+            <p:style>
+              <a:lnRef idx="1">
+                <a:schemeClr val="accent1"/>
+              </a:lnRef>
+              <a:fillRef idx="0">
+                <a:schemeClr val="accent1"/>
+              </a:fillRef>
+              <a:effectRef idx="0">
+                <a:schemeClr val="accent1"/>
+              </a:effectRef>
+              <a:fontRef idx="minor">
+                <a:schemeClr val="tx1"/>
+              </a:fontRef>
+            </p:style>
+          </p:cxnSp>
+          <p:cxnSp>
+            <p:nvCxnSpPr>
+              <p:cNvPr id="67" name="Straight Arrow Connector 66">
+                <a:extLst>
+                  <a:ext uri="{FF2B5EF4-FFF2-40B4-BE49-F238E27FC236}">
+                    <a16:creationId xmlns:a16="http://schemas.microsoft.com/office/drawing/2014/main" id="{3EE51699-5A2E-4965-8E0C-CDFE8EFD24F9}"/>
+                  </a:ext>
+                </a:extLst>
+              </p:cNvPr>
+              <p:cNvCxnSpPr>
+                <a:cxnSpLocks/>
+                <a:stCxn id="59" idx="3"/>
+                <a:endCxn id="62" idx="7"/>
+              </p:cNvCxnSpPr>
+              <p:nvPr/>
+            </p:nvCxnSpPr>
+            <p:spPr>
+              <a:xfrm flipH="1">
+                <a:off x="7148377" y="3183495"/>
+                <a:ext cx="133227" cy="177964"/>
+              </a:xfrm>
+              <a:prstGeom prst="straightConnector1">
+                <a:avLst/>
+              </a:prstGeom>
+              <a:ln w="19050">
+                <a:tailEnd type="triangle"/>
+              </a:ln>
+            </p:spPr>
+            <p:style>
+              <a:lnRef idx="1">
+                <a:schemeClr val="accent1"/>
+              </a:lnRef>
+              <a:fillRef idx="0">
+                <a:schemeClr val="accent1"/>
+              </a:fillRef>
+              <a:effectRef idx="0">
+                <a:schemeClr val="accent1"/>
+              </a:effectRef>
+              <a:fontRef idx="minor">
+                <a:schemeClr val="tx1"/>
+              </a:fontRef>
+            </p:style>
+          </p:cxnSp>
+        </p:grpSp>
+        <p:sp>
+          <p:nvSpPr>
+            <p:cNvPr id="140" name="TextBox 139">
+              <a:extLst>
+                <a:ext uri="{FF2B5EF4-FFF2-40B4-BE49-F238E27FC236}">
+                  <a16:creationId xmlns:a16="http://schemas.microsoft.com/office/drawing/2014/main" id="{EB90242B-A295-4F8A-89ED-2FDF900F0999}"/>
+                </a:ext>
+              </a:extLst>
+            </p:cNvPr>
+            <p:cNvSpPr txBox="1"/>
+            <p:nvPr/>
+          </p:nvSpPr>
+          <p:spPr>
+            <a:xfrm>
+              <a:off x="5688770" y="3359948"/>
+              <a:ext cx="343916" cy="369332"/>
+            </a:xfrm>
+            <a:prstGeom prst="rect">
+              <a:avLst/>
+            </a:prstGeom>
+            <a:noFill/>
+          </p:spPr>
+          <p:txBody>
+            <a:bodyPr wrap="square" rtlCol="0">
+              <a:spAutoFit/>
+            </a:bodyPr>
+            <a:lstStyle/>
+            <a:p>
+              <a:r>
+                <a:rPr lang="en-US" dirty="0"/>
+                <a:t>V</a:t>
+              </a:r>
+              <a:endParaRPr lang="en-US" sz="1400" dirty="0"/>
+            </a:p>
+          </p:txBody>
+        </p:sp>
+        <p:sp>
+          <p:nvSpPr>
+            <p:cNvPr id="143" name="TextBox 142">
+              <a:extLst>
+                <a:ext uri="{FF2B5EF4-FFF2-40B4-BE49-F238E27FC236}">
+                  <a16:creationId xmlns:a16="http://schemas.microsoft.com/office/drawing/2014/main" id="{FCCAC2B5-3AB7-4751-83FC-25BD1750D6E3}"/>
+                </a:ext>
+              </a:extLst>
+            </p:cNvPr>
+            <p:cNvSpPr txBox="1"/>
+            <p:nvPr/>
+          </p:nvSpPr>
+          <p:spPr>
+            <a:xfrm>
+              <a:off x="6173056" y="3397886"/>
+              <a:ext cx="343916" cy="369332"/>
+            </a:xfrm>
+            <a:prstGeom prst="rect">
+              <a:avLst/>
+            </a:prstGeom>
+            <a:noFill/>
+          </p:spPr>
+          <p:txBody>
+            <a:bodyPr wrap="square" rtlCol="0">
+              <a:spAutoFit/>
+            </a:bodyPr>
+            <a:lstStyle/>
+            <a:p>
+              <a:r>
+                <a:rPr lang="en-US" dirty="0"/>
+                <a:t>V</a:t>
+              </a:r>
+              <a:endParaRPr lang="en-US" sz="1400" dirty="0"/>
+            </a:p>
+          </p:txBody>
+        </p:sp>
+      </p:grpSp>
+      <p:sp>
+        <p:nvSpPr>
+          <p:cNvPr id="144" name="TextBox 143">
+            <a:extLst>
+              <a:ext uri="{FF2B5EF4-FFF2-40B4-BE49-F238E27FC236}">
+                <a16:creationId xmlns:a16="http://schemas.microsoft.com/office/drawing/2014/main" id="{6FF893BA-6C6E-41DE-BA20-A92AFCC0E8C5}"/>
+              </a:ext>
+            </a:extLst>
+          </p:cNvPr>
+          <p:cNvSpPr txBox="1"/>
+          <p:nvPr/>
+        </p:nvSpPr>
+        <p:spPr>
+          <a:xfrm>
+            <a:off x="8484139" y="988014"/>
+            <a:ext cx="1310628" cy="923330"/>
+          </a:xfrm>
+          <a:prstGeom prst="rect">
+            <a:avLst/>
+          </a:prstGeom>
+          <a:noFill/>
+        </p:spPr>
+        <p:txBody>
+          <a:bodyPr wrap="square" rtlCol="0">
+            <a:spAutoFit/>
+          </a:bodyPr>
+          <a:lstStyle/>
+          <a:p>
+            <a:pPr algn="ctr"/>
+            <a:r>
+              <a:rPr lang="en-US" b="1" i="1" dirty="0"/>
+              <a:t>Fully connected </a:t>
+            </a:r>
+          </a:p>
+          <a:p>
+            <a:pPr algn="ctr"/>
+            <a:r>
+              <a:rPr lang="en-US" b="1" i="1" dirty="0"/>
+              <a:t>layer</a:t>
+            </a:r>
+          </a:p>
+        </p:txBody>
+      </p:sp>
+    </p:spTree>
+    <p:extLst>
+      <p:ext uri="{BB962C8B-B14F-4D97-AF65-F5344CB8AC3E}">
+        <p14:creationId xmlns:p14="http://schemas.microsoft.com/office/powerpoint/2010/main" val="3302563056"/>
+      </p:ext>
+    </p:extLst>
+  </p:cSld>
+  <p:clrMapOvr>
+    <a:masterClrMapping/>
+  </p:clrMapOvr>
+</p:sld>
+</file>
+
+<file path=ppt/slides/slide12.xml><?xml version="1.0" encoding="utf-8"?>
+<p:sld xmlns:a="http://schemas.openxmlformats.org/drawingml/2006/main" xmlns:r="http://schemas.openxmlformats.org/officeDocument/2006/relationships" xmlns:p="http://schemas.openxmlformats.org/presentationml/2006/main">
+  <p:cSld>
+    <p:spTree>
+      <p:nvGrpSpPr>
+        <p:cNvPr id="1" name=""/>
+        <p:cNvGrpSpPr/>
+        <p:nvPr/>
+      </p:nvGrpSpPr>
+      <p:grpSpPr>
+        <a:xfrm>
+          <a:off x="0" y="0"/>
+          <a:ext cx="0" cy="0"/>
+          <a:chOff x="0" y="0"/>
+          <a:chExt cx="0" cy="0"/>
+        </a:xfrm>
+      </p:grpSpPr>
+      <p:sp>
+        <p:nvSpPr>
+          <p:cNvPr id="2" name="TextBox 1">
+            <a:extLst>
+              <a:ext uri="{FF2B5EF4-FFF2-40B4-BE49-F238E27FC236}">
+                <a16:creationId xmlns:a16="http://schemas.microsoft.com/office/drawing/2014/main" id="{0DA92715-6065-4BD2-A200-8177865C7665}"/>
+              </a:ext>
+            </a:extLst>
+          </p:cNvPr>
+          <p:cNvSpPr txBox="1"/>
+          <p:nvPr/>
+        </p:nvSpPr>
+        <p:spPr>
+          <a:xfrm>
+            <a:off x="3227458" y="1872309"/>
+            <a:ext cx="3092227" cy="338554"/>
+          </a:xfrm>
+          <a:prstGeom prst="rect">
+            <a:avLst/>
+          </a:prstGeom>
+          <a:noFill/>
+        </p:spPr>
+        <p:txBody>
+          <a:bodyPr wrap="square" rtlCol="0">
+            <a:spAutoFit/>
+          </a:bodyPr>
+          <a:lstStyle/>
+          <a:p>
+            <a:r>
+              <a:rPr lang="en-US" sz="1600" i="1" dirty="0"/>
+              <a:t>Code  coverage</a:t>
+            </a:r>
+          </a:p>
+        </p:txBody>
+      </p:sp>
+      <p:sp>
+        <p:nvSpPr>
+          <p:cNvPr id="3" name="TextBox 2">
+            <a:extLst>
+              <a:ext uri="{FF2B5EF4-FFF2-40B4-BE49-F238E27FC236}">
+                <a16:creationId xmlns:a16="http://schemas.microsoft.com/office/drawing/2014/main" id="{2E6AADB5-1754-47E3-805D-B0344C7AA2B0}"/>
+              </a:ext>
+            </a:extLst>
+          </p:cNvPr>
+          <p:cNvSpPr txBox="1"/>
+          <p:nvPr/>
+        </p:nvSpPr>
+        <p:spPr>
+          <a:xfrm>
+            <a:off x="3431855" y="2369383"/>
+            <a:ext cx="532549" cy="369332"/>
+          </a:xfrm>
+          <a:prstGeom prst="rect">
+            <a:avLst/>
+          </a:prstGeom>
+          <a:noFill/>
+        </p:spPr>
+        <p:txBody>
+          <a:bodyPr wrap="square" rtlCol="0">
+            <a:spAutoFit/>
+          </a:bodyPr>
+          <a:lstStyle/>
+          <a:p>
+            <a:pPr algn="ctr"/>
+            <a:r>
+              <a:rPr lang="en-US" dirty="0"/>
+              <a:t>AST</a:t>
+            </a:r>
+          </a:p>
+        </p:txBody>
+      </p:sp>
+      <p:sp>
+        <p:nvSpPr>
+          <p:cNvPr id="4" name="TextBox 3">
+            <a:extLst>
+              <a:ext uri="{FF2B5EF4-FFF2-40B4-BE49-F238E27FC236}">
+                <a16:creationId xmlns:a16="http://schemas.microsoft.com/office/drawing/2014/main" id="{5DD5D785-C039-466D-A01A-685FC2094385}"/>
+              </a:ext>
+            </a:extLst>
+          </p:cNvPr>
+          <p:cNvSpPr txBox="1"/>
+          <p:nvPr/>
+        </p:nvSpPr>
+        <p:spPr>
+          <a:xfrm>
+            <a:off x="3018593" y="3241112"/>
+            <a:ext cx="1412660" cy="369332"/>
+          </a:xfrm>
+          <a:prstGeom prst="rect">
+            <a:avLst/>
+          </a:prstGeom>
+          <a:noFill/>
+        </p:spPr>
+        <p:txBody>
+          <a:bodyPr wrap="square" rtlCol="0">
+            <a:spAutoFit/>
+          </a:bodyPr>
+          <a:lstStyle/>
+          <a:p>
+            <a:pPr algn="ctr"/>
+            <a:r>
+              <a:rPr lang="en-US" i="1" dirty="0"/>
+              <a:t>Variables</a:t>
+            </a:r>
+          </a:p>
+        </p:txBody>
+      </p:sp>
+      <p:sp>
+        <p:nvSpPr>
+          <p:cNvPr id="42" name="TextBox 41">
+            <a:extLst>
+              <a:ext uri="{FF2B5EF4-FFF2-40B4-BE49-F238E27FC236}">
+                <a16:creationId xmlns:a16="http://schemas.microsoft.com/office/drawing/2014/main" id="{40A3D922-C447-4886-B048-8A29486C6ACB}"/>
+              </a:ext>
+            </a:extLst>
+          </p:cNvPr>
+          <p:cNvSpPr txBox="1"/>
+          <p:nvPr/>
+        </p:nvSpPr>
+        <p:spPr>
+          <a:xfrm>
+            <a:off x="7345482" y="3704454"/>
+            <a:ext cx="744222" cy="369332"/>
+          </a:xfrm>
+          <a:prstGeom prst="rect">
+            <a:avLst/>
+          </a:prstGeom>
+          <a:noFill/>
+        </p:spPr>
+        <p:txBody>
+          <a:bodyPr wrap="square" rtlCol="0">
+            <a:spAutoFit/>
+          </a:bodyPr>
+          <a:lstStyle/>
+          <a:p>
+            <a:r>
+              <a:rPr lang="en-US" dirty="0"/>
+              <a:t>V</a:t>
+            </a:r>
+            <a:r>
+              <a:rPr lang="en-US" sz="1050" dirty="0"/>
+              <a:t>var</a:t>
+            </a:r>
+            <a:endParaRPr lang="en-US" sz="1400" dirty="0"/>
+          </a:p>
+        </p:txBody>
+      </p:sp>
+      <p:sp>
+        <p:nvSpPr>
+          <p:cNvPr id="70" name="Rectangle: Rounded Corners 69">
+            <a:extLst>
+              <a:ext uri="{FF2B5EF4-FFF2-40B4-BE49-F238E27FC236}">
+                <a16:creationId xmlns:a16="http://schemas.microsoft.com/office/drawing/2014/main" id="{A2A97FFB-63D0-4462-AC49-44210F4D91D3}"/>
+              </a:ext>
+            </a:extLst>
+          </p:cNvPr>
+          <p:cNvSpPr/>
+          <p:nvPr/>
+        </p:nvSpPr>
+        <p:spPr>
+          <a:xfrm>
+            <a:off x="7345482" y="3575550"/>
+            <a:ext cx="590550" cy="180483"/>
+          </a:xfrm>
+          <a:prstGeom prst="roundRect">
+            <a:avLst/>
+          </a:prstGeom>
+          <a:noFill/>
+          <a:ln>
+            <a:solidFill>
+              <a:schemeClr val="tx1"/>
+            </a:solidFill>
+          </a:ln>
+        </p:spPr>
+        <p:style>
+          <a:lnRef idx="2">
+            <a:schemeClr val="accent1">
+              <a:shade val="50000"/>
+            </a:schemeClr>
+          </a:lnRef>
+          <a:fillRef idx="1">
+            <a:schemeClr val="accent1"/>
+          </a:fillRef>
+          <a:effectRef idx="0">
+            <a:schemeClr val="accent1"/>
+          </a:effectRef>
+          <a:fontRef idx="minor">
+            <a:schemeClr val="lt1"/>
+          </a:fontRef>
+        </p:style>
+        <p:txBody>
+          <a:bodyPr rtlCol="0" anchor="ctr"/>
+          <a:lstStyle/>
+          <a:p>
+            <a:pPr algn="ctr"/>
+            <a:endParaRPr lang="en-US" dirty="0"/>
+          </a:p>
+        </p:txBody>
+      </p:sp>
+      <p:sp>
+        <p:nvSpPr>
+          <p:cNvPr id="71" name="Oval 70">
+            <a:extLst>
+              <a:ext uri="{FF2B5EF4-FFF2-40B4-BE49-F238E27FC236}">
+                <a16:creationId xmlns:a16="http://schemas.microsoft.com/office/drawing/2014/main" id="{04E69232-B152-40CD-87CD-0098896F5731}"/>
+              </a:ext>
+            </a:extLst>
+          </p:cNvPr>
+          <p:cNvSpPr/>
+          <p:nvPr/>
+        </p:nvSpPr>
+        <p:spPr>
+          <a:xfrm>
+            <a:off x="7412077" y="3604985"/>
+            <a:ext cx="123905" cy="123905"/>
+          </a:xfrm>
+          <a:prstGeom prst="ellipse">
+            <a:avLst/>
+          </a:prstGeom>
+        </p:spPr>
+        <p:style>
+          <a:lnRef idx="2">
+            <a:schemeClr val="accent1">
+              <a:shade val="50000"/>
+            </a:schemeClr>
+          </a:lnRef>
+          <a:fillRef idx="1">
+            <a:schemeClr val="accent1"/>
+          </a:fillRef>
+          <a:effectRef idx="0">
+            <a:schemeClr val="accent1"/>
+          </a:effectRef>
+          <a:fontRef idx="minor">
+            <a:schemeClr val="lt1"/>
+          </a:fontRef>
+        </p:style>
+        <p:txBody>
+          <a:bodyPr rtlCol="0" anchor="ctr"/>
+          <a:lstStyle/>
+          <a:p>
+            <a:pPr algn="ctr"/>
+            <a:endParaRPr lang="en-US" dirty="0"/>
+          </a:p>
+        </p:txBody>
+      </p:sp>
+      <p:sp>
+        <p:nvSpPr>
+          <p:cNvPr id="72" name="Oval 71">
+            <a:extLst>
+              <a:ext uri="{FF2B5EF4-FFF2-40B4-BE49-F238E27FC236}">
+                <a16:creationId xmlns:a16="http://schemas.microsoft.com/office/drawing/2014/main" id="{C05F3F5A-98C3-4182-AD40-BE3D86E990F5}"/>
+              </a:ext>
+            </a:extLst>
+          </p:cNvPr>
+          <p:cNvSpPr/>
+          <p:nvPr/>
+        </p:nvSpPr>
+        <p:spPr>
+          <a:xfrm>
+            <a:off x="7575635" y="3601780"/>
+            <a:ext cx="123905" cy="123905"/>
+          </a:xfrm>
+          <a:prstGeom prst="ellipse">
+            <a:avLst/>
+          </a:prstGeom>
+        </p:spPr>
+        <p:style>
+          <a:lnRef idx="2">
+            <a:schemeClr val="accent1">
+              <a:shade val="50000"/>
+            </a:schemeClr>
+          </a:lnRef>
+          <a:fillRef idx="1">
+            <a:schemeClr val="accent1"/>
+          </a:fillRef>
+          <a:effectRef idx="0">
+            <a:schemeClr val="accent1"/>
+          </a:effectRef>
+          <a:fontRef idx="minor">
+            <a:schemeClr val="lt1"/>
+          </a:fontRef>
+        </p:style>
+        <p:txBody>
+          <a:bodyPr rtlCol="0" anchor="ctr"/>
+          <a:lstStyle/>
+          <a:p>
+            <a:pPr algn="ctr"/>
+            <a:endParaRPr lang="en-US" dirty="0"/>
+          </a:p>
+        </p:txBody>
+      </p:sp>
+      <p:sp>
+        <p:nvSpPr>
+          <p:cNvPr id="73" name="Oval 72">
+            <a:extLst>
+              <a:ext uri="{FF2B5EF4-FFF2-40B4-BE49-F238E27FC236}">
+                <a16:creationId xmlns:a16="http://schemas.microsoft.com/office/drawing/2014/main" id="{2DDD9563-7546-47EB-A666-182C31277647}"/>
+              </a:ext>
+            </a:extLst>
+          </p:cNvPr>
+          <p:cNvSpPr/>
+          <p:nvPr/>
+        </p:nvSpPr>
+        <p:spPr>
+          <a:xfrm>
+            <a:off x="7739193" y="3601780"/>
+            <a:ext cx="123905" cy="123905"/>
+          </a:xfrm>
+          <a:prstGeom prst="ellipse">
+            <a:avLst/>
+          </a:prstGeom>
+        </p:spPr>
+        <p:style>
+          <a:lnRef idx="2">
+            <a:schemeClr val="accent1">
+              <a:shade val="50000"/>
+            </a:schemeClr>
+          </a:lnRef>
+          <a:fillRef idx="1">
+            <a:schemeClr val="accent1"/>
+          </a:fillRef>
+          <a:effectRef idx="0">
+            <a:schemeClr val="accent1"/>
+          </a:effectRef>
+          <a:fontRef idx="minor">
+            <a:schemeClr val="lt1"/>
+          </a:fontRef>
+        </p:style>
+        <p:txBody>
+          <a:bodyPr rtlCol="0" anchor="ctr"/>
+          <a:lstStyle/>
+          <a:p>
+            <a:pPr algn="ctr"/>
+            <a:endParaRPr lang="en-US" dirty="0"/>
+          </a:p>
+        </p:txBody>
+      </p:sp>
+      <p:sp>
+        <p:nvSpPr>
+          <p:cNvPr id="75" name="TextBox 74">
+            <a:extLst>
+              <a:ext uri="{FF2B5EF4-FFF2-40B4-BE49-F238E27FC236}">
+                <a16:creationId xmlns:a16="http://schemas.microsoft.com/office/drawing/2014/main" id="{37C7159B-CB38-4E10-B86B-678D503D2FB9}"/>
+              </a:ext>
+            </a:extLst>
+          </p:cNvPr>
+          <p:cNvSpPr txBox="1"/>
+          <p:nvPr/>
+        </p:nvSpPr>
+        <p:spPr>
+          <a:xfrm>
+            <a:off x="7287338" y="2647582"/>
+            <a:ext cx="848615" cy="369332"/>
+          </a:xfrm>
+          <a:prstGeom prst="rect">
+            <a:avLst/>
+          </a:prstGeom>
+          <a:noFill/>
+        </p:spPr>
+        <p:txBody>
+          <a:bodyPr wrap="square" rtlCol="0">
+            <a:spAutoFit/>
+          </a:bodyPr>
+          <a:lstStyle/>
+          <a:p>
+            <a:r>
+              <a:rPr lang="en-US" dirty="0" err="1"/>
+              <a:t>V</a:t>
+            </a:r>
+            <a:r>
+              <a:rPr lang="en-US" sz="1050" dirty="0" err="1"/>
+              <a:t>subtree</a:t>
+            </a:r>
+            <a:endParaRPr lang="en-US" sz="1400" dirty="0"/>
+          </a:p>
+        </p:txBody>
+      </p:sp>
+      <p:sp>
+        <p:nvSpPr>
+          <p:cNvPr id="77" name="Rectangle: Rounded Corners 76">
+            <a:extLst>
+              <a:ext uri="{FF2B5EF4-FFF2-40B4-BE49-F238E27FC236}">
+                <a16:creationId xmlns:a16="http://schemas.microsoft.com/office/drawing/2014/main" id="{D11EB9D6-0FEB-4749-A1DC-7F62212C2515}"/>
+              </a:ext>
+            </a:extLst>
+          </p:cNvPr>
+          <p:cNvSpPr/>
+          <p:nvPr/>
+        </p:nvSpPr>
+        <p:spPr>
+          <a:xfrm>
+            <a:off x="7327429" y="2516697"/>
+            <a:ext cx="590550" cy="180483"/>
+          </a:xfrm>
+          <a:prstGeom prst="roundRect">
+            <a:avLst/>
+          </a:prstGeom>
+          <a:noFill/>
+          <a:ln>
+            <a:solidFill>
+              <a:schemeClr val="tx1"/>
+            </a:solidFill>
+          </a:ln>
+        </p:spPr>
+        <p:style>
+          <a:lnRef idx="2">
+            <a:schemeClr val="accent1">
+              <a:shade val="50000"/>
+            </a:schemeClr>
+          </a:lnRef>
+          <a:fillRef idx="1">
+            <a:schemeClr val="accent1"/>
+          </a:fillRef>
+          <a:effectRef idx="0">
+            <a:schemeClr val="accent1"/>
+          </a:effectRef>
+          <a:fontRef idx="minor">
+            <a:schemeClr val="lt1"/>
+          </a:fontRef>
+        </p:style>
+        <p:txBody>
+          <a:bodyPr rtlCol="0" anchor="ctr"/>
+          <a:lstStyle/>
+          <a:p>
+            <a:pPr algn="ctr"/>
+            <a:endParaRPr lang="en-US" dirty="0"/>
+          </a:p>
+        </p:txBody>
+      </p:sp>
+      <p:sp>
+        <p:nvSpPr>
+          <p:cNvPr id="78" name="Oval 77">
+            <a:extLst>
+              <a:ext uri="{FF2B5EF4-FFF2-40B4-BE49-F238E27FC236}">
+                <a16:creationId xmlns:a16="http://schemas.microsoft.com/office/drawing/2014/main" id="{2BB9EB2F-1E3B-4CEE-AC0B-534043517559}"/>
+              </a:ext>
+            </a:extLst>
+          </p:cNvPr>
+          <p:cNvSpPr/>
+          <p:nvPr/>
+        </p:nvSpPr>
+        <p:spPr>
+          <a:xfrm>
+            <a:off x="7394024" y="2546132"/>
+            <a:ext cx="123905" cy="123905"/>
+          </a:xfrm>
+          <a:prstGeom prst="ellipse">
+            <a:avLst/>
+          </a:prstGeom>
+          <a:solidFill>
+            <a:schemeClr val="accent2">
+              <a:lumMod val="40000"/>
+              <a:lumOff val="60000"/>
+            </a:schemeClr>
+          </a:solidFill>
+          <a:ln>
+            <a:solidFill>
+              <a:schemeClr val="accent2">
+                <a:lumMod val="60000"/>
+                <a:lumOff val="40000"/>
+              </a:schemeClr>
+            </a:solidFill>
+          </a:ln>
+        </p:spPr>
+        <p:style>
+          <a:lnRef idx="2">
+            <a:schemeClr val="accent1">
+              <a:shade val="50000"/>
+            </a:schemeClr>
+          </a:lnRef>
+          <a:fillRef idx="1">
+            <a:schemeClr val="accent1"/>
+          </a:fillRef>
+          <a:effectRef idx="0">
+            <a:schemeClr val="accent1"/>
+          </a:effectRef>
+          <a:fontRef idx="minor">
+            <a:schemeClr val="lt1"/>
+          </a:fontRef>
+        </p:style>
+        <p:txBody>
+          <a:bodyPr rtlCol="0" anchor="ctr"/>
+          <a:lstStyle/>
+          <a:p>
+            <a:pPr algn="ctr"/>
+            <a:endParaRPr lang="en-US" dirty="0"/>
+          </a:p>
+        </p:txBody>
+      </p:sp>
+      <p:sp>
+        <p:nvSpPr>
+          <p:cNvPr id="79" name="Oval 78">
+            <a:extLst>
+              <a:ext uri="{FF2B5EF4-FFF2-40B4-BE49-F238E27FC236}">
+                <a16:creationId xmlns:a16="http://schemas.microsoft.com/office/drawing/2014/main" id="{7C5AA231-047D-424F-8BC2-244263F0F501}"/>
+              </a:ext>
+            </a:extLst>
+          </p:cNvPr>
+          <p:cNvSpPr/>
+          <p:nvPr/>
+        </p:nvSpPr>
+        <p:spPr>
+          <a:xfrm>
+            <a:off x="7557582" y="2542927"/>
+            <a:ext cx="123905" cy="123905"/>
+          </a:xfrm>
+          <a:prstGeom prst="ellipse">
+            <a:avLst/>
+          </a:prstGeom>
+          <a:solidFill>
+            <a:schemeClr val="accent2">
+              <a:lumMod val="40000"/>
+              <a:lumOff val="60000"/>
+            </a:schemeClr>
+          </a:solidFill>
+          <a:ln>
+            <a:solidFill>
+              <a:schemeClr val="accent2">
+                <a:lumMod val="60000"/>
+                <a:lumOff val="40000"/>
+              </a:schemeClr>
+            </a:solidFill>
+          </a:ln>
+        </p:spPr>
+        <p:style>
+          <a:lnRef idx="2">
+            <a:schemeClr val="accent1">
+              <a:shade val="50000"/>
+            </a:schemeClr>
+          </a:lnRef>
+          <a:fillRef idx="1">
+            <a:schemeClr val="accent1"/>
+          </a:fillRef>
+          <a:effectRef idx="0">
+            <a:schemeClr val="accent1"/>
+          </a:effectRef>
+          <a:fontRef idx="minor">
+            <a:schemeClr val="lt1"/>
+          </a:fontRef>
+        </p:style>
+        <p:txBody>
+          <a:bodyPr rtlCol="0" anchor="ctr"/>
+          <a:lstStyle/>
+          <a:p>
+            <a:pPr algn="ctr"/>
+            <a:endParaRPr lang="en-US" dirty="0"/>
+          </a:p>
+        </p:txBody>
+      </p:sp>
+      <p:sp>
+        <p:nvSpPr>
+          <p:cNvPr id="80" name="Oval 79">
+            <a:extLst>
+              <a:ext uri="{FF2B5EF4-FFF2-40B4-BE49-F238E27FC236}">
+                <a16:creationId xmlns:a16="http://schemas.microsoft.com/office/drawing/2014/main" id="{16424673-46DB-415F-8BE4-377F84DCAFBE}"/>
+              </a:ext>
+            </a:extLst>
+          </p:cNvPr>
+          <p:cNvSpPr/>
+          <p:nvPr/>
+        </p:nvSpPr>
+        <p:spPr>
+          <a:xfrm>
+            <a:off x="7721140" y="2542927"/>
+            <a:ext cx="123905" cy="123905"/>
+          </a:xfrm>
+          <a:prstGeom prst="ellipse">
+            <a:avLst/>
+          </a:prstGeom>
+          <a:solidFill>
+            <a:schemeClr val="accent2">
+              <a:lumMod val="40000"/>
+              <a:lumOff val="60000"/>
+            </a:schemeClr>
+          </a:solidFill>
+          <a:ln>
+            <a:solidFill>
+              <a:schemeClr val="accent2">
+                <a:lumMod val="60000"/>
+                <a:lumOff val="40000"/>
+              </a:schemeClr>
+            </a:solidFill>
+          </a:ln>
+        </p:spPr>
+        <p:style>
+          <a:lnRef idx="2">
+            <a:schemeClr val="accent1">
+              <a:shade val="50000"/>
+            </a:schemeClr>
+          </a:lnRef>
+          <a:fillRef idx="1">
+            <a:schemeClr val="accent1"/>
+          </a:fillRef>
+          <a:effectRef idx="0">
+            <a:schemeClr val="accent1"/>
+          </a:effectRef>
+          <a:fontRef idx="minor">
+            <a:schemeClr val="lt1"/>
+          </a:fontRef>
+        </p:style>
+        <p:txBody>
+          <a:bodyPr rtlCol="0" anchor="ctr"/>
+          <a:lstStyle/>
+          <a:p>
+            <a:pPr algn="ctr"/>
+            <a:endParaRPr lang="en-US" dirty="0"/>
+          </a:p>
+        </p:txBody>
+      </p:sp>
+      <p:sp>
+        <p:nvSpPr>
+          <p:cNvPr id="95" name="Left Brace 94">
+            <a:extLst>
+              <a:ext uri="{FF2B5EF4-FFF2-40B4-BE49-F238E27FC236}">
+                <a16:creationId xmlns:a16="http://schemas.microsoft.com/office/drawing/2014/main" id="{C834D831-738E-4293-8262-400D9CC54CC5}"/>
+              </a:ext>
+            </a:extLst>
+          </p:cNvPr>
+          <p:cNvSpPr/>
+          <p:nvPr/>
+        </p:nvSpPr>
+        <p:spPr>
+          <a:xfrm>
+            <a:off x="3062850" y="1255945"/>
+            <a:ext cx="169243" cy="2808437"/>
+          </a:xfrm>
+          <a:prstGeom prst="leftBrace">
+            <a:avLst/>
+          </a:prstGeom>
+          <a:ln w="12700">
+            <a:solidFill>
+              <a:schemeClr val="tx1"/>
+            </a:solidFill>
+          </a:ln>
+        </p:spPr>
+        <p:style>
+          <a:lnRef idx="1">
+            <a:schemeClr val="accent1"/>
+          </a:lnRef>
+          <a:fillRef idx="0">
+            <a:schemeClr val="accent1"/>
+          </a:fillRef>
+          <a:effectRef idx="0">
+            <a:schemeClr val="accent1"/>
+          </a:effectRef>
+          <a:fontRef idx="minor">
+            <a:schemeClr val="tx1"/>
+          </a:fontRef>
+        </p:style>
+        <p:txBody>
+          <a:bodyPr rtlCol="0" anchor="ctr"/>
+          <a:lstStyle/>
+          <a:p>
+            <a:pPr algn="ctr"/>
+            <a:endParaRPr lang="en-US" dirty="0"/>
+          </a:p>
+        </p:txBody>
+      </p:sp>
+      <p:sp>
+        <p:nvSpPr>
+          <p:cNvPr id="96" name="Oval 95">
+            <a:extLst>
+              <a:ext uri="{FF2B5EF4-FFF2-40B4-BE49-F238E27FC236}">
+                <a16:creationId xmlns:a16="http://schemas.microsoft.com/office/drawing/2014/main" id="{A02BA3C1-2213-4915-A024-49F9F6A1CFEE}"/>
+              </a:ext>
+            </a:extLst>
+          </p:cNvPr>
+          <p:cNvSpPr/>
+          <p:nvPr/>
+        </p:nvSpPr>
+        <p:spPr>
+          <a:xfrm>
+            <a:off x="2592699" y="2514445"/>
+            <a:ext cx="373743" cy="373743"/>
+          </a:xfrm>
+          <a:prstGeom prst="ellipse">
+            <a:avLst/>
+          </a:prstGeom>
+          <a:solidFill>
+            <a:schemeClr val="accent2">
+              <a:lumMod val="60000"/>
+              <a:lumOff val="40000"/>
+            </a:schemeClr>
+          </a:solidFill>
+          <a:ln w="31750">
+            <a:solidFill>
+              <a:srgbClr val="FF0000"/>
+            </a:solidFill>
+          </a:ln>
+        </p:spPr>
+        <p:style>
+          <a:lnRef idx="2">
+            <a:schemeClr val="accent1">
+              <a:shade val="50000"/>
+            </a:schemeClr>
+          </a:lnRef>
+          <a:fillRef idx="1">
+            <a:schemeClr val="accent1"/>
+          </a:fillRef>
+          <a:effectRef idx="0">
+            <a:schemeClr val="accent1"/>
+          </a:effectRef>
+          <a:fontRef idx="minor">
+            <a:schemeClr val="lt1"/>
+          </a:fontRef>
+        </p:style>
+        <p:txBody>
+          <a:bodyPr rtlCol="0" anchor="ctr"/>
+          <a:lstStyle/>
+          <a:p>
+            <a:pPr algn="ctr"/>
+            <a:endParaRPr lang="en-US" dirty="0"/>
+          </a:p>
+        </p:txBody>
+      </p:sp>
+      <p:sp>
+        <p:nvSpPr>
+          <p:cNvPr id="97" name="TextBox 96">
+            <a:extLst>
+              <a:ext uri="{FF2B5EF4-FFF2-40B4-BE49-F238E27FC236}">
+                <a16:creationId xmlns:a16="http://schemas.microsoft.com/office/drawing/2014/main" id="{60A2FCE0-B284-46CF-8313-C5EC2315365D}"/>
+              </a:ext>
+            </a:extLst>
+          </p:cNvPr>
+          <p:cNvSpPr txBox="1"/>
+          <p:nvPr/>
+        </p:nvSpPr>
+        <p:spPr>
+          <a:xfrm>
+            <a:off x="2564084" y="2861711"/>
+            <a:ext cx="744222" cy="369332"/>
+          </a:xfrm>
+          <a:prstGeom prst="rect">
+            <a:avLst/>
+          </a:prstGeom>
+          <a:noFill/>
+        </p:spPr>
+        <p:txBody>
+          <a:bodyPr wrap="square" rtlCol="0">
+            <a:spAutoFit/>
+          </a:bodyPr>
+          <a:lstStyle/>
+          <a:p>
+            <a:r>
+              <a:rPr lang="en-US" dirty="0"/>
+              <a:t>S5</a:t>
+            </a:r>
+          </a:p>
+        </p:txBody>
+      </p:sp>
+      <p:sp>
+        <p:nvSpPr>
+          <p:cNvPr id="98" name="Arrow: Right 97">
+            <a:extLst>
+              <a:ext uri="{FF2B5EF4-FFF2-40B4-BE49-F238E27FC236}">
+                <a16:creationId xmlns:a16="http://schemas.microsoft.com/office/drawing/2014/main" id="{3B2E175F-82E6-4D07-91E3-C1DC727C8A4A}"/>
+              </a:ext>
+            </a:extLst>
+          </p:cNvPr>
+          <p:cNvSpPr/>
+          <p:nvPr/>
+        </p:nvSpPr>
+        <p:spPr>
+          <a:xfrm>
+            <a:off x="5026072" y="1383252"/>
+            <a:ext cx="2971523" cy="207694"/>
+          </a:xfrm>
+          <a:prstGeom prst="rightArrow">
+            <a:avLst>
+              <a:gd name="adj1" fmla="val 50000"/>
+              <a:gd name="adj2" fmla="val 0"/>
+            </a:avLst>
+          </a:prstGeom>
+        </p:spPr>
+        <p:style>
+          <a:lnRef idx="2">
+            <a:schemeClr val="accent1">
+              <a:shade val="50000"/>
+            </a:schemeClr>
+          </a:lnRef>
+          <a:fillRef idx="1">
+            <a:schemeClr val="accent1"/>
+          </a:fillRef>
+          <a:effectRef idx="0">
+            <a:schemeClr val="accent1"/>
+          </a:effectRef>
+          <a:fontRef idx="minor">
+            <a:schemeClr val="lt1"/>
+          </a:fontRef>
+        </p:style>
+        <p:txBody>
+          <a:bodyPr rtlCol="0" anchor="ctr"/>
+          <a:lstStyle/>
+          <a:p>
+            <a:pPr algn="ctr"/>
+            <a:endParaRPr lang="en-US" dirty="0"/>
+          </a:p>
+        </p:txBody>
+      </p:sp>
+      <p:sp>
+        <p:nvSpPr>
+          <p:cNvPr id="99" name="Arrow: Right 98">
+            <a:extLst>
+              <a:ext uri="{FF2B5EF4-FFF2-40B4-BE49-F238E27FC236}">
+                <a16:creationId xmlns:a16="http://schemas.microsoft.com/office/drawing/2014/main" id="{BEB6682C-A6D0-462A-89B9-CFCC0C9E50E1}"/>
+              </a:ext>
+            </a:extLst>
+          </p:cNvPr>
+          <p:cNvSpPr/>
+          <p:nvPr/>
+        </p:nvSpPr>
+        <p:spPr>
+          <a:xfrm>
+            <a:off x="4872851" y="2569957"/>
+            <a:ext cx="210197" cy="221662"/>
+          </a:xfrm>
+          <a:prstGeom prst="rightArrow">
+            <a:avLst/>
+          </a:prstGeom>
+        </p:spPr>
+        <p:style>
+          <a:lnRef idx="2">
+            <a:schemeClr val="accent1">
+              <a:shade val="50000"/>
+            </a:schemeClr>
+          </a:lnRef>
+          <a:fillRef idx="1">
+            <a:schemeClr val="accent1"/>
+          </a:fillRef>
+          <a:effectRef idx="0">
+            <a:schemeClr val="accent1"/>
+          </a:effectRef>
+          <a:fontRef idx="minor">
+            <a:schemeClr val="lt1"/>
+          </a:fontRef>
+        </p:style>
+        <p:txBody>
+          <a:bodyPr rtlCol="0" anchor="ctr"/>
+          <a:lstStyle/>
+          <a:p>
+            <a:pPr algn="ctr"/>
+            <a:endParaRPr lang="en-US" dirty="0"/>
+          </a:p>
+        </p:txBody>
+      </p:sp>
+      <p:sp>
+        <p:nvSpPr>
+          <p:cNvPr id="100" name="Arrow: Right 99">
+            <a:extLst>
+              <a:ext uri="{FF2B5EF4-FFF2-40B4-BE49-F238E27FC236}">
+                <a16:creationId xmlns:a16="http://schemas.microsoft.com/office/drawing/2014/main" id="{DB552210-CAF0-4467-A574-9E11362CBB8E}"/>
+              </a:ext>
+            </a:extLst>
+          </p:cNvPr>
+          <p:cNvSpPr/>
+          <p:nvPr/>
+        </p:nvSpPr>
+        <p:spPr>
+          <a:xfrm>
+            <a:off x="4864947" y="3635093"/>
+            <a:ext cx="210197" cy="221662"/>
+          </a:xfrm>
+          <a:prstGeom prst="rightArrow">
+            <a:avLst/>
+          </a:prstGeom>
+        </p:spPr>
+        <p:style>
+          <a:lnRef idx="2">
+            <a:schemeClr val="accent1">
+              <a:shade val="50000"/>
+            </a:schemeClr>
+          </a:lnRef>
+          <a:fillRef idx="1">
+            <a:schemeClr val="accent1"/>
+          </a:fillRef>
+          <a:effectRef idx="0">
+            <a:schemeClr val="accent1"/>
+          </a:effectRef>
+          <a:fontRef idx="minor">
+            <a:schemeClr val="lt1"/>
+          </a:fontRef>
+        </p:style>
+        <p:txBody>
+          <a:bodyPr rtlCol="0" anchor="ctr"/>
+          <a:lstStyle/>
+          <a:p>
+            <a:pPr algn="ctr"/>
+            <a:endParaRPr lang="en-US" dirty="0"/>
+          </a:p>
+        </p:txBody>
+      </p:sp>
+      <p:sp>
+        <p:nvSpPr>
+          <p:cNvPr id="104" name="Arrow: Right 103">
+            <a:extLst>
+              <a:ext uri="{FF2B5EF4-FFF2-40B4-BE49-F238E27FC236}">
+                <a16:creationId xmlns:a16="http://schemas.microsoft.com/office/drawing/2014/main" id="{C9DA98F7-DE71-4CDB-802A-B3D13CFD6CB7}"/>
+              </a:ext>
+            </a:extLst>
+          </p:cNvPr>
+          <p:cNvSpPr/>
+          <p:nvPr/>
+        </p:nvSpPr>
+        <p:spPr>
+          <a:xfrm>
+            <a:off x="5322258" y="2562719"/>
+            <a:ext cx="210197" cy="221662"/>
+          </a:xfrm>
+          <a:prstGeom prst="rightArrow">
+            <a:avLst/>
+          </a:prstGeom>
+        </p:spPr>
+        <p:style>
+          <a:lnRef idx="2">
+            <a:schemeClr val="accent1">
+              <a:shade val="50000"/>
+            </a:schemeClr>
+          </a:lnRef>
+          <a:fillRef idx="1">
+            <a:schemeClr val="accent1"/>
+          </a:fillRef>
+          <a:effectRef idx="0">
+            <a:schemeClr val="accent1"/>
+          </a:effectRef>
+          <a:fontRef idx="minor">
+            <a:schemeClr val="lt1"/>
+          </a:fontRef>
+        </p:style>
+        <p:txBody>
+          <a:bodyPr rtlCol="0" anchor="ctr"/>
+          <a:lstStyle/>
+          <a:p>
+            <a:pPr algn="ctr"/>
+            <a:endParaRPr lang="en-US" dirty="0"/>
+          </a:p>
+        </p:txBody>
+      </p:sp>
+      <p:sp>
+        <p:nvSpPr>
+          <p:cNvPr id="105" name="Arrow: Right 104">
+            <a:extLst>
+              <a:ext uri="{FF2B5EF4-FFF2-40B4-BE49-F238E27FC236}">
+                <a16:creationId xmlns:a16="http://schemas.microsoft.com/office/drawing/2014/main" id="{B07184F7-29F8-4913-9E76-B1E41FA69E82}"/>
+              </a:ext>
+            </a:extLst>
+          </p:cNvPr>
+          <p:cNvSpPr/>
+          <p:nvPr/>
+        </p:nvSpPr>
+        <p:spPr>
+          <a:xfrm>
+            <a:off x="5314354" y="3627855"/>
+            <a:ext cx="210197" cy="221662"/>
+          </a:xfrm>
+          <a:prstGeom prst="rightArrow">
+            <a:avLst/>
+          </a:prstGeom>
+        </p:spPr>
+        <p:style>
+          <a:lnRef idx="2">
+            <a:schemeClr val="accent1">
+              <a:shade val="50000"/>
+            </a:schemeClr>
+          </a:lnRef>
+          <a:fillRef idx="1">
+            <a:schemeClr val="accent1"/>
+          </a:fillRef>
+          <a:effectRef idx="0">
+            <a:schemeClr val="accent1"/>
+          </a:effectRef>
+          <a:fontRef idx="minor">
+            <a:schemeClr val="lt1"/>
+          </a:fontRef>
+        </p:style>
+        <p:txBody>
+          <a:bodyPr rtlCol="0" anchor="ctr"/>
+          <a:lstStyle/>
+          <a:p>
+            <a:pPr algn="ctr"/>
+            <a:endParaRPr lang="en-US" dirty="0"/>
+          </a:p>
+        </p:txBody>
+      </p:sp>
+      <p:sp>
+        <p:nvSpPr>
+          <p:cNvPr id="108" name="Arrow: Right 107">
+            <a:extLst>
+              <a:ext uri="{FF2B5EF4-FFF2-40B4-BE49-F238E27FC236}">
+                <a16:creationId xmlns:a16="http://schemas.microsoft.com/office/drawing/2014/main" id="{BC61EE30-0D6F-44EC-AC7D-9E516A3A8BEF}"/>
+              </a:ext>
+            </a:extLst>
+          </p:cNvPr>
+          <p:cNvSpPr/>
+          <p:nvPr/>
+        </p:nvSpPr>
+        <p:spPr>
+          <a:xfrm>
+            <a:off x="6642833" y="2504370"/>
+            <a:ext cx="210197" cy="221662"/>
+          </a:xfrm>
+          <a:prstGeom prst="rightArrow">
+            <a:avLst/>
+          </a:prstGeom>
+        </p:spPr>
+        <p:style>
+          <a:lnRef idx="2">
+            <a:schemeClr val="accent1">
+              <a:shade val="50000"/>
+            </a:schemeClr>
+          </a:lnRef>
+          <a:fillRef idx="1">
+            <a:schemeClr val="accent1"/>
+          </a:fillRef>
+          <a:effectRef idx="0">
+            <a:schemeClr val="accent1"/>
+          </a:effectRef>
+          <a:fontRef idx="minor">
+            <a:schemeClr val="lt1"/>
+          </a:fontRef>
+        </p:style>
+        <p:txBody>
+          <a:bodyPr rtlCol="0" anchor="ctr"/>
+          <a:lstStyle/>
+          <a:p>
+            <a:pPr algn="ctr"/>
+            <a:endParaRPr lang="en-US" dirty="0"/>
+          </a:p>
+        </p:txBody>
+      </p:sp>
+      <p:sp>
+        <p:nvSpPr>
+          <p:cNvPr id="109" name="Arrow: Right 108">
+            <a:extLst>
+              <a:ext uri="{FF2B5EF4-FFF2-40B4-BE49-F238E27FC236}">
+                <a16:creationId xmlns:a16="http://schemas.microsoft.com/office/drawing/2014/main" id="{825A5122-6A1C-47B4-B8E7-4D0C5329B628}"/>
+              </a:ext>
+            </a:extLst>
+          </p:cNvPr>
+          <p:cNvSpPr/>
+          <p:nvPr/>
+        </p:nvSpPr>
+        <p:spPr>
+          <a:xfrm>
+            <a:off x="6634929" y="3569506"/>
+            <a:ext cx="210197" cy="221662"/>
+          </a:xfrm>
+          <a:prstGeom prst="rightArrow">
+            <a:avLst/>
+          </a:prstGeom>
+        </p:spPr>
+        <p:style>
+          <a:lnRef idx="2">
+            <a:schemeClr val="accent1">
+              <a:shade val="50000"/>
+            </a:schemeClr>
+          </a:lnRef>
+          <a:fillRef idx="1">
+            <a:schemeClr val="accent1"/>
+          </a:fillRef>
+          <a:effectRef idx="0">
+            <a:schemeClr val="accent1"/>
+          </a:effectRef>
+          <a:fontRef idx="minor">
+            <a:schemeClr val="lt1"/>
+          </a:fontRef>
+        </p:style>
+        <p:txBody>
+          <a:bodyPr rtlCol="0" anchor="ctr"/>
+          <a:lstStyle/>
+          <a:p>
+            <a:pPr algn="ctr"/>
+            <a:endParaRPr lang="en-US" dirty="0"/>
+          </a:p>
+        </p:txBody>
+      </p:sp>
+      <p:sp>
+        <p:nvSpPr>
+          <p:cNvPr id="112" name="Arrow: Right 111">
+            <a:extLst>
+              <a:ext uri="{FF2B5EF4-FFF2-40B4-BE49-F238E27FC236}">
+                <a16:creationId xmlns:a16="http://schemas.microsoft.com/office/drawing/2014/main" id="{06AFEB14-1FDB-42F1-B8CA-0774BD5B2323}"/>
+              </a:ext>
+            </a:extLst>
+          </p:cNvPr>
+          <p:cNvSpPr/>
+          <p:nvPr/>
+        </p:nvSpPr>
+        <p:spPr>
+          <a:xfrm>
+            <a:off x="7116218" y="2494572"/>
+            <a:ext cx="210197" cy="221662"/>
+          </a:xfrm>
+          <a:prstGeom prst="rightArrow">
+            <a:avLst/>
+          </a:prstGeom>
+        </p:spPr>
+        <p:style>
+          <a:lnRef idx="2">
+            <a:schemeClr val="accent1">
+              <a:shade val="50000"/>
+            </a:schemeClr>
+          </a:lnRef>
+          <a:fillRef idx="1">
+            <a:schemeClr val="accent1"/>
+          </a:fillRef>
+          <a:effectRef idx="0">
+            <a:schemeClr val="accent1"/>
+          </a:effectRef>
+          <a:fontRef idx="minor">
+            <a:schemeClr val="lt1"/>
+          </a:fontRef>
+        </p:style>
+        <p:txBody>
+          <a:bodyPr rtlCol="0" anchor="ctr"/>
+          <a:lstStyle/>
+          <a:p>
+            <a:pPr algn="ctr"/>
+            <a:endParaRPr lang="en-US" dirty="0"/>
+          </a:p>
+        </p:txBody>
+      </p:sp>
+      <p:sp>
+        <p:nvSpPr>
+          <p:cNvPr id="113" name="Arrow: Right 112">
+            <a:extLst>
+              <a:ext uri="{FF2B5EF4-FFF2-40B4-BE49-F238E27FC236}">
+                <a16:creationId xmlns:a16="http://schemas.microsoft.com/office/drawing/2014/main" id="{F1634A77-699E-4855-891E-18ABCC30539B}"/>
+              </a:ext>
+            </a:extLst>
+          </p:cNvPr>
+          <p:cNvSpPr/>
+          <p:nvPr/>
+        </p:nvSpPr>
+        <p:spPr>
+          <a:xfrm>
+            <a:off x="7108314" y="3559708"/>
+            <a:ext cx="210197" cy="221662"/>
+          </a:xfrm>
+          <a:prstGeom prst="rightArrow">
+            <a:avLst/>
+          </a:prstGeom>
+        </p:spPr>
+        <p:style>
+          <a:lnRef idx="2">
+            <a:schemeClr val="accent1">
+              <a:shade val="50000"/>
+            </a:schemeClr>
+          </a:lnRef>
+          <a:fillRef idx="1">
+            <a:schemeClr val="accent1"/>
+          </a:fillRef>
+          <a:effectRef idx="0">
+            <a:schemeClr val="accent1"/>
+          </a:effectRef>
+          <a:fontRef idx="minor">
+            <a:schemeClr val="lt1"/>
+          </a:fontRef>
+        </p:style>
+        <p:txBody>
+          <a:bodyPr rtlCol="0" anchor="ctr"/>
+          <a:lstStyle/>
+          <a:p>
+            <a:pPr algn="ctr"/>
+            <a:endParaRPr lang="en-US" dirty="0"/>
+          </a:p>
+        </p:txBody>
+      </p:sp>
+      <p:sp>
+        <p:nvSpPr>
+          <p:cNvPr id="120" name="Oval 119">
+            <a:extLst>
+              <a:ext uri="{FF2B5EF4-FFF2-40B4-BE49-F238E27FC236}">
+                <a16:creationId xmlns:a16="http://schemas.microsoft.com/office/drawing/2014/main" id="{02910987-63ED-4E1E-B7C8-471816686224}"/>
+              </a:ext>
+            </a:extLst>
+          </p:cNvPr>
+          <p:cNvSpPr/>
+          <p:nvPr/>
+        </p:nvSpPr>
+        <p:spPr>
+          <a:xfrm>
+            <a:off x="4016870" y="2378745"/>
+            <a:ext cx="200993" cy="135700"/>
+          </a:xfrm>
+          <a:prstGeom prst="ellipse">
+            <a:avLst/>
+          </a:prstGeom>
+          <a:solidFill>
+            <a:schemeClr val="accent6">
+              <a:lumMod val="60000"/>
+              <a:lumOff val="40000"/>
+            </a:schemeClr>
+          </a:solidFill>
+          <a:ln>
+            <a:solidFill>
+              <a:schemeClr val="accent6">
+                <a:lumMod val="75000"/>
+              </a:schemeClr>
+            </a:solidFill>
+          </a:ln>
+        </p:spPr>
+        <p:style>
+          <a:lnRef idx="2">
+            <a:schemeClr val="accent1">
+              <a:shade val="50000"/>
+            </a:schemeClr>
+          </a:lnRef>
+          <a:fillRef idx="1">
+            <a:schemeClr val="accent1"/>
+          </a:fillRef>
+          <a:effectRef idx="0">
+            <a:schemeClr val="accent1"/>
+          </a:effectRef>
+          <a:fontRef idx="minor">
+            <a:schemeClr val="lt1"/>
+          </a:fontRef>
+        </p:style>
+        <p:txBody>
+          <a:bodyPr rtlCol="0" anchor="ctr"/>
+          <a:lstStyle/>
+          <a:p>
+            <a:pPr algn="ctr"/>
+            <a:endParaRPr lang="en-US" dirty="0"/>
+          </a:p>
+        </p:txBody>
+      </p:sp>
+      <p:sp>
+        <p:nvSpPr>
+          <p:cNvPr id="121" name="Oval 120">
+            <a:extLst>
+              <a:ext uri="{FF2B5EF4-FFF2-40B4-BE49-F238E27FC236}">
+                <a16:creationId xmlns:a16="http://schemas.microsoft.com/office/drawing/2014/main" id="{860961CC-D4A5-449C-8925-6465367E38D0}"/>
+              </a:ext>
+            </a:extLst>
+          </p:cNvPr>
+          <p:cNvSpPr/>
+          <p:nvPr/>
+        </p:nvSpPr>
+        <p:spPr>
+          <a:xfrm>
+            <a:off x="3736050" y="2739118"/>
+            <a:ext cx="200993" cy="135700"/>
+          </a:xfrm>
+          <a:prstGeom prst="ellipse">
+            <a:avLst/>
+          </a:prstGeom>
+          <a:solidFill>
+            <a:schemeClr val="accent6">
+              <a:lumMod val="60000"/>
+              <a:lumOff val="40000"/>
+            </a:schemeClr>
+          </a:solidFill>
+          <a:ln>
+            <a:solidFill>
+              <a:schemeClr val="accent6">
+                <a:lumMod val="75000"/>
+              </a:schemeClr>
+            </a:solidFill>
+          </a:ln>
+        </p:spPr>
+        <p:style>
+          <a:lnRef idx="2">
+            <a:schemeClr val="accent1">
+              <a:shade val="50000"/>
+            </a:schemeClr>
+          </a:lnRef>
+          <a:fillRef idx="1">
+            <a:schemeClr val="accent1"/>
+          </a:fillRef>
+          <a:effectRef idx="0">
+            <a:schemeClr val="accent1"/>
+          </a:effectRef>
+          <a:fontRef idx="minor">
+            <a:schemeClr val="lt1"/>
+          </a:fontRef>
+        </p:style>
+        <p:txBody>
+          <a:bodyPr rtlCol="0" anchor="ctr"/>
+          <a:lstStyle/>
+          <a:p>
+            <a:pPr algn="ctr"/>
+            <a:endParaRPr lang="en-US" dirty="0"/>
+          </a:p>
+        </p:txBody>
+      </p:sp>
+      <p:sp>
+        <p:nvSpPr>
+          <p:cNvPr id="122" name="Oval 121">
+            <a:extLst>
+              <a:ext uri="{FF2B5EF4-FFF2-40B4-BE49-F238E27FC236}">
+                <a16:creationId xmlns:a16="http://schemas.microsoft.com/office/drawing/2014/main" id="{D4324D14-1354-43EA-855A-7CC46352451C}"/>
+              </a:ext>
+            </a:extLst>
+          </p:cNvPr>
+          <p:cNvSpPr/>
+          <p:nvPr/>
+        </p:nvSpPr>
+        <p:spPr>
+          <a:xfrm>
+            <a:off x="3479208" y="3030876"/>
+            <a:ext cx="200993" cy="135700"/>
+          </a:xfrm>
+          <a:prstGeom prst="ellipse">
+            <a:avLst/>
+          </a:prstGeom>
+          <a:solidFill>
+            <a:schemeClr val="accent6">
+              <a:lumMod val="60000"/>
+              <a:lumOff val="40000"/>
+            </a:schemeClr>
+          </a:solidFill>
+          <a:ln>
+            <a:solidFill>
+              <a:schemeClr val="accent6">
+                <a:lumMod val="75000"/>
+              </a:schemeClr>
+            </a:solidFill>
+          </a:ln>
+        </p:spPr>
+        <p:style>
+          <a:lnRef idx="2">
+            <a:schemeClr val="accent1">
+              <a:shade val="50000"/>
+            </a:schemeClr>
+          </a:lnRef>
+          <a:fillRef idx="1">
+            <a:schemeClr val="accent1"/>
+          </a:fillRef>
+          <a:effectRef idx="0">
+            <a:schemeClr val="accent1"/>
+          </a:effectRef>
+          <a:fontRef idx="minor">
+            <a:schemeClr val="lt1"/>
+          </a:fontRef>
+        </p:style>
+        <p:txBody>
+          <a:bodyPr rtlCol="0" anchor="ctr"/>
+          <a:lstStyle/>
+          <a:p>
+            <a:pPr algn="ctr"/>
+            <a:endParaRPr lang="en-US" dirty="0"/>
+          </a:p>
+        </p:txBody>
+      </p:sp>
+      <p:sp>
+        <p:nvSpPr>
+          <p:cNvPr id="123" name="Oval 122">
+            <a:extLst>
+              <a:ext uri="{FF2B5EF4-FFF2-40B4-BE49-F238E27FC236}">
+                <a16:creationId xmlns:a16="http://schemas.microsoft.com/office/drawing/2014/main" id="{0263B05C-3EF3-489C-8772-BD13773E375A}"/>
+              </a:ext>
+            </a:extLst>
+          </p:cNvPr>
+          <p:cNvSpPr/>
+          <p:nvPr/>
+        </p:nvSpPr>
+        <p:spPr>
+          <a:xfrm>
+            <a:off x="4054600" y="3020696"/>
+            <a:ext cx="200993" cy="135700"/>
+          </a:xfrm>
+          <a:prstGeom prst="ellipse">
+            <a:avLst/>
+          </a:prstGeom>
+          <a:solidFill>
+            <a:schemeClr val="accent6">
+              <a:lumMod val="60000"/>
+              <a:lumOff val="40000"/>
+            </a:schemeClr>
+          </a:solidFill>
+          <a:ln>
+            <a:solidFill>
+              <a:schemeClr val="accent6">
+                <a:lumMod val="75000"/>
+              </a:schemeClr>
+            </a:solidFill>
+          </a:ln>
+        </p:spPr>
+        <p:style>
+          <a:lnRef idx="2">
+            <a:schemeClr val="accent1">
+              <a:shade val="50000"/>
+            </a:schemeClr>
+          </a:lnRef>
+          <a:fillRef idx="1">
+            <a:schemeClr val="accent1"/>
+          </a:fillRef>
+          <a:effectRef idx="0">
+            <a:schemeClr val="accent1"/>
+          </a:effectRef>
+          <a:fontRef idx="minor">
+            <a:schemeClr val="lt1"/>
+          </a:fontRef>
+        </p:style>
+        <p:txBody>
+          <a:bodyPr rtlCol="0" anchor="ctr"/>
+          <a:lstStyle/>
+          <a:p>
+            <a:pPr algn="ctr"/>
+            <a:endParaRPr lang="en-US" dirty="0"/>
+          </a:p>
+        </p:txBody>
+      </p:sp>
+      <p:cxnSp>
+        <p:nvCxnSpPr>
+          <p:cNvPr id="124" name="Straight Arrow Connector 123">
+            <a:extLst>
+              <a:ext uri="{FF2B5EF4-FFF2-40B4-BE49-F238E27FC236}">
+                <a16:creationId xmlns:a16="http://schemas.microsoft.com/office/drawing/2014/main" id="{BA019E94-7E53-47AD-A59F-7BA2CB8CABE9}"/>
+              </a:ext>
+            </a:extLst>
+          </p:cNvPr>
+          <p:cNvCxnSpPr>
+            <a:cxnSpLocks/>
+            <a:stCxn id="120" idx="3"/>
+            <a:endCxn id="121" idx="0"/>
+          </p:cNvCxnSpPr>
+          <p:nvPr/>
+        </p:nvCxnSpPr>
+        <p:spPr>
+          <a:xfrm flipH="1">
+            <a:off x="3836547" y="2494572"/>
+            <a:ext cx="209758" cy="244546"/>
+          </a:xfrm>
+          <a:prstGeom prst="straightConnector1">
+            <a:avLst/>
+          </a:prstGeom>
+          <a:ln w="19050">
+            <a:tailEnd type="triangle"/>
+          </a:ln>
+        </p:spPr>
+        <p:style>
+          <a:lnRef idx="1">
+            <a:schemeClr val="accent1"/>
+          </a:lnRef>
+          <a:fillRef idx="0">
+            <a:schemeClr val="accent1"/>
+          </a:fillRef>
+          <a:effectRef idx="0">
+            <a:schemeClr val="accent1"/>
+          </a:effectRef>
+          <a:fontRef idx="minor">
+            <a:schemeClr val="tx1"/>
+          </a:fontRef>
+        </p:style>
+      </p:cxnSp>
+      <p:cxnSp>
+        <p:nvCxnSpPr>
+          <p:cNvPr id="125" name="Straight Arrow Connector 124">
+            <a:extLst>
+              <a:ext uri="{FF2B5EF4-FFF2-40B4-BE49-F238E27FC236}">
+                <a16:creationId xmlns:a16="http://schemas.microsoft.com/office/drawing/2014/main" id="{123F44ED-89E4-4AC2-B9F6-720214CDE3F1}"/>
+              </a:ext>
+            </a:extLst>
+          </p:cNvPr>
+          <p:cNvCxnSpPr>
+            <a:cxnSpLocks/>
+            <a:stCxn id="121" idx="3"/>
+            <a:endCxn id="122" idx="7"/>
+          </p:cNvCxnSpPr>
+          <p:nvPr/>
+        </p:nvCxnSpPr>
+        <p:spPr>
+          <a:xfrm flipH="1">
+            <a:off x="3650766" y="2854944"/>
+            <a:ext cx="114719" cy="195805"/>
+          </a:xfrm>
+          <a:prstGeom prst="straightConnector1">
+            <a:avLst/>
+          </a:prstGeom>
+          <a:ln w="19050">
+            <a:tailEnd type="triangle"/>
+          </a:ln>
+        </p:spPr>
+        <p:style>
+          <a:lnRef idx="1">
+            <a:schemeClr val="accent1"/>
+          </a:lnRef>
+          <a:fillRef idx="0">
+            <a:schemeClr val="accent1"/>
+          </a:fillRef>
+          <a:effectRef idx="0">
+            <a:schemeClr val="accent1"/>
+          </a:effectRef>
+          <a:fontRef idx="minor">
+            <a:schemeClr val="tx1"/>
+          </a:fontRef>
+        </p:style>
+      </p:cxnSp>
+      <p:cxnSp>
+        <p:nvCxnSpPr>
+          <p:cNvPr id="126" name="Straight Arrow Connector 125">
+            <a:extLst>
+              <a:ext uri="{FF2B5EF4-FFF2-40B4-BE49-F238E27FC236}">
+                <a16:creationId xmlns:a16="http://schemas.microsoft.com/office/drawing/2014/main" id="{93852753-F936-4324-8614-1739B9C550C1}"/>
+              </a:ext>
+            </a:extLst>
+          </p:cNvPr>
+          <p:cNvCxnSpPr>
+            <a:cxnSpLocks/>
+            <a:stCxn id="121" idx="5"/>
+            <a:endCxn id="123" idx="1"/>
+          </p:cNvCxnSpPr>
+          <p:nvPr/>
+        </p:nvCxnSpPr>
+        <p:spPr>
+          <a:xfrm>
+            <a:off x="3907608" y="2854944"/>
+            <a:ext cx="176427" cy="185625"/>
+          </a:xfrm>
+          <a:prstGeom prst="straightConnector1">
+            <a:avLst/>
+          </a:prstGeom>
+          <a:ln w="19050">
+            <a:tailEnd type="triangle"/>
+          </a:ln>
+        </p:spPr>
+        <p:style>
+          <a:lnRef idx="1">
+            <a:schemeClr val="accent1"/>
+          </a:lnRef>
+          <a:fillRef idx="0">
+            <a:schemeClr val="accent1"/>
+          </a:fillRef>
+          <a:effectRef idx="0">
+            <a:schemeClr val="accent1"/>
+          </a:effectRef>
+          <a:fontRef idx="minor">
+            <a:schemeClr val="tx1"/>
+          </a:fontRef>
+        </p:style>
+      </p:cxnSp>
+      <p:sp>
+        <p:nvSpPr>
+          <p:cNvPr id="127" name="Oval 126">
+            <a:extLst>
+              <a:ext uri="{FF2B5EF4-FFF2-40B4-BE49-F238E27FC236}">
+                <a16:creationId xmlns:a16="http://schemas.microsoft.com/office/drawing/2014/main" id="{87518151-4353-4D8A-968D-993A87C546FF}"/>
+              </a:ext>
+            </a:extLst>
+          </p:cNvPr>
+          <p:cNvSpPr/>
+          <p:nvPr/>
+        </p:nvSpPr>
+        <p:spPr>
+          <a:xfrm>
+            <a:off x="4337092" y="2731440"/>
+            <a:ext cx="200993" cy="135700"/>
+          </a:xfrm>
+          <a:prstGeom prst="ellipse">
+            <a:avLst/>
+          </a:prstGeom>
+          <a:solidFill>
+            <a:schemeClr val="accent6">
+              <a:lumMod val="60000"/>
+              <a:lumOff val="40000"/>
+            </a:schemeClr>
+          </a:solidFill>
+          <a:ln>
+            <a:solidFill>
+              <a:schemeClr val="accent6">
+                <a:lumMod val="75000"/>
+              </a:schemeClr>
+            </a:solidFill>
+          </a:ln>
+        </p:spPr>
+        <p:style>
+          <a:lnRef idx="2">
+            <a:schemeClr val="accent1">
+              <a:shade val="50000"/>
+            </a:schemeClr>
+          </a:lnRef>
+          <a:fillRef idx="1">
+            <a:schemeClr val="accent1"/>
+          </a:fillRef>
+          <a:effectRef idx="0">
+            <a:schemeClr val="accent1"/>
+          </a:effectRef>
+          <a:fontRef idx="minor">
+            <a:schemeClr val="lt1"/>
+          </a:fontRef>
+        </p:style>
+        <p:txBody>
+          <a:bodyPr rtlCol="0" anchor="ctr"/>
+          <a:lstStyle/>
+          <a:p>
+            <a:pPr algn="ctr"/>
+            <a:endParaRPr lang="en-US" dirty="0"/>
+          </a:p>
+        </p:txBody>
+      </p:sp>
+      <p:cxnSp>
+        <p:nvCxnSpPr>
+          <p:cNvPr id="128" name="Straight Arrow Connector 127">
+            <a:extLst>
+              <a:ext uri="{FF2B5EF4-FFF2-40B4-BE49-F238E27FC236}">
+                <a16:creationId xmlns:a16="http://schemas.microsoft.com/office/drawing/2014/main" id="{44984258-6B71-455F-8101-4CD6CB93E3AC}"/>
+              </a:ext>
+            </a:extLst>
+          </p:cNvPr>
+          <p:cNvCxnSpPr>
+            <a:cxnSpLocks/>
+            <a:stCxn id="120" idx="5"/>
+            <a:endCxn id="127" idx="1"/>
+          </p:cNvCxnSpPr>
+          <p:nvPr/>
+        </p:nvCxnSpPr>
+        <p:spPr>
+          <a:xfrm>
+            <a:off x="4188428" y="2494572"/>
+            <a:ext cx="178099" cy="256742"/>
+          </a:xfrm>
+          <a:prstGeom prst="straightConnector1">
+            <a:avLst/>
+          </a:prstGeom>
+          <a:ln w="19050">
+            <a:tailEnd type="triangle"/>
+          </a:ln>
+        </p:spPr>
+        <p:style>
+          <a:lnRef idx="1">
+            <a:schemeClr val="accent1"/>
+          </a:lnRef>
+          <a:fillRef idx="0">
+            <a:schemeClr val="accent1"/>
+          </a:fillRef>
+          <a:effectRef idx="0">
+            <a:schemeClr val="accent1"/>
+          </a:effectRef>
+          <a:fontRef idx="minor">
+            <a:schemeClr val="tx1"/>
+          </a:fontRef>
+        </p:style>
+      </p:cxnSp>
+      <p:sp>
+        <p:nvSpPr>
+          <p:cNvPr id="129" name="TextBox 128">
+            <a:extLst>
+              <a:ext uri="{FF2B5EF4-FFF2-40B4-BE49-F238E27FC236}">
+                <a16:creationId xmlns:a16="http://schemas.microsoft.com/office/drawing/2014/main" id="{8023EBE8-EAFF-4D49-BF19-3F9CD74FEB90}"/>
+              </a:ext>
+            </a:extLst>
+          </p:cNvPr>
+          <p:cNvSpPr txBox="1"/>
+          <p:nvPr/>
+        </p:nvSpPr>
+        <p:spPr>
+          <a:xfrm>
+            <a:off x="3062850" y="1079607"/>
+            <a:ext cx="1975122" cy="923330"/>
+          </a:xfrm>
+          <a:prstGeom prst="rect">
+            <a:avLst/>
+          </a:prstGeom>
+          <a:noFill/>
+          <a:ln>
+            <a:noFill/>
+            <a:prstDash val="dash"/>
+          </a:ln>
+        </p:spPr>
+        <p:txBody>
+          <a:bodyPr wrap="square" rtlCol="0">
+            <a:spAutoFit/>
+          </a:bodyPr>
+          <a:lstStyle/>
+          <a:p>
+            <a:pPr algn="ctr"/>
+            <a:r>
+              <a:rPr lang="en-US" dirty="0"/>
+              <a:t>   C=&lt;1, 1, 0, …, 0&gt;</a:t>
+            </a:r>
+          </a:p>
+          <a:p>
+            <a:pPr algn="ctr"/>
+            <a:r>
+              <a:rPr lang="en-US" dirty="0"/>
+              <a:t>   R=&lt;0, 1, 0, …, 1&gt;</a:t>
+            </a:r>
+          </a:p>
+          <a:p>
+            <a:pPr algn="ctr"/>
+            <a:r>
+              <a:rPr lang="en-US" dirty="0"/>
+              <a:t>V</a:t>
+            </a:r>
+            <a:r>
+              <a:rPr lang="en-US" sz="1200" dirty="0"/>
+              <a:t>coverage</a:t>
+            </a:r>
+            <a:r>
+              <a:rPr lang="en-US" dirty="0"/>
+              <a:t>=&lt;C, R&gt;</a:t>
+            </a:r>
+          </a:p>
+        </p:txBody>
+      </p:sp>
+      <p:sp>
+        <p:nvSpPr>
+          <p:cNvPr id="131" name="TextBox 130">
+            <a:extLst>
+              <a:ext uri="{FF2B5EF4-FFF2-40B4-BE49-F238E27FC236}">
+                <a16:creationId xmlns:a16="http://schemas.microsoft.com/office/drawing/2014/main" id="{2E739B2D-7B3E-4F4D-8B48-D37DC3F8AAB6}"/>
+              </a:ext>
+            </a:extLst>
+          </p:cNvPr>
+          <p:cNvSpPr txBox="1"/>
+          <p:nvPr/>
+        </p:nvSpPr>
+        <p:spPr>
+          <a:xfrm>
+            <a:off x="3186711" y="3535958"/>
+            <a:ext cx="1650239" cy="523220"/>
+          </a:xfrm>
+          <a:prstGeom prst="rect">
+            <a:avLst/>
+          </a:prstGeom>
+          <a:noFill/>
+        </p:spPr>
+        <p:txBody>
+          <a:bodyPr wrap="square" rtlCol="0">
+            <a:spAutoFit/>
+          </a:bodyPr>
+          <a:lstStyle/>
+          <a:p>
+            <a:pPr algn="ctr"/>
+            <a:r>
+              <a:rPr lang="en-US" sz="1400" dirty="0"/>
+              <a:t>tree BSPTree  Euclidean2D </a:t>
+            </a:r>
+          </a:p>
+        </p:txBody>
+      </p:sp>
+      <p:sp>
+        <p:nvSpPr>
+          <p:cNvPr id="132" name="Rectangle 131">
+            <a:extLst>
+              <a:ext uri="{FF2B5EF4-FFF2-40B4-BE49-F238E27FC236}">
+                <a16:creationId xmlns:a16="http://schemas.microsoft.com/office/drawing/2014/main" id="{63449A25-935F-4747-A2F1-5BE22151FDB1}"/>
+              </a:ext>
+            </a:extLst>
+          </p:cNvPr>
+          <p:cNvSpPr/>
+          <p:nvPr/>
+        </p:nvSpPr>
+        <p:spPr>
+          <a:xfrm>
+            <a:off x="3296094" y="3550404"/>
+            <a:ext cx="1485999" cy="481529"/>
+          </a:xfrm>
+          <a:prstGeom prst="rect">
+            <a:avLst/>
+          </a:prstGeom>
+          <a:noFill/>
+          <a:ln>
+            <a:solidFill>
+              <a:schemeClr val="tx1"/>
+            </a:solidFill>
+            <a:prstDash val="dash"/>
+          </a:ln>
+        </p:spPr>
+        <p:style>
+          <a:lnRef idx="2">
+            <a:schemeClr val="accent1">
+              <a:shade val="50000"/>
+            </a:schemeClr>
+          </a:lnRef>
+          <a:fillRef idx="1">
+            <a:schemeClr val="accent1"/>
+          </a:fillRef>
+          <a:effectRef idx="0">
+            <a:schemeClr val="accent1"/>
+          </a:effectRef>
+          <a:fontRef idx="minor">
+            <a:schemeClr val="lt1"/>
+          </a:fontRef>
+        </p:style>
+        <p:txBody>
+          <a:bodyPr rtlCol="0" anchor="ctr"/>
+          <a:lstStyle/>
+          <a:p>
+            <a:pPr algn="ctr"/>
+            <a:endParaRPr lang="en-US" dirty="0"/>
+          </a:p>
+        </p:txBody>
+      </p:sp>
+      <p:sp>
+        <p:nvSpPr>
+          <p:cNvPr id="81" name="Rectangle: Rounded Corners 80">
+            <a:extLst>
+              <a:ext uri="{FF2B5EF4-FFF2-40B4-BE49-F238E27FC236}">
+                <a16:creationId xmlns:a16="http://schemas.microsoft.com/office/drawing/2014/main" id="{D0EB3768-FA0C-476E-B2C3-DFF5E1EDAA44}"/>
+              </a:ext>
+            </a:extLst>
+          </p:cNvPr>
+          <p:cNvSpPr/>
+          <p:nvPr/>
+        </p:nvSpPr>
+        <p:spPr>
+          <a:xfrm>
+            <a:off x="5086990" y="2278602"/>
+            <a:ext cx="240732" cy="738664"/>
+          </a:xfrm>
+          <a:prstGeom prst="roundRect">
+            <a:avLst/>
+          </a:prstGeom>
+          <a:solidFill>
+            <a:schemeClr val="accent2">
+              <a:lumMod val="60000"/>
+              <a:lumOff val="40000"/>
+            </a:schemeClr>
+          </a:solidFill>
+          <a:ln>
+            <a:solidFill>
+              <a:schemeClr val="accent2">
+                <a:lumMod val="75000"/>
+              </a:schemeClr>
+            </a:solidFill>
+          </a:ln>
+        </p:spPr>
+        <p:style>
+          <a:lnRef idx="2">
+            <a:schemeClr val="accent1">
+              <a:shade val="50000"/>
+            </a:schemeClr>
+          </a:lnRef>
+          <a:fillRef idx="1">
+            <a:schemeClr val="accent1"/>
+          </a:fillRef>
+          <a:effectRef idx="0">
+            <a:schemeClr val="accent1"/>
+          </a:effectRef>
+          <a:fontRef idx="minor">
+            <a:schemeClr val="lt1"/>
+          </a:fontRef>
+        </p:style>
+        <p:txBody>
+          <a:bodyPr rtlCol="0" anchor="ctr"/>
+          <a:lstStyle/>
+          <a:p>
+            <a:pPr algn="ctr"/>
+            <a:endParaRPr lang="en-US" dirty="0"/>
+          </a:p>
+        </p:txBody>
+      </p:sp>
+      <p:sp>
+        <p:nvSpPr>
+          <p:cNvPr id="82" name="Rectangle: Rounded Corners 81">
+            <a:extLst>
+              <a:ext uri="{FF2B5EF4-FFF2-40B4-BE49-F238E27FC236}">
+                <a16:creationId xmlns:a16="http://schemas.microsoft.com/office/drawing/2014/main" id="{E873B225-B823-4EE7-ADD3-C36A6DE5BF03}"/>
+              </a:ext>
+            </a:extLst>
+          </p:cNvPr>
+          <p:cNvSpPr/>
+          <p:nvPr/>
+        </p:nvSpPr>
+        <p:spPr>
+          <a:xfrm>
+            <a:off x="5086990" y="3321373"/>
+            <a:ext cx="240732" cy="738664"/>
+          </a:xfrm>
+          <a:prstGeom prst="roundRect">
+            <a:avLst/>
+          </a:prstGeom>
+          <a:solidFill>
+            <a:schemeClr val="accent2">
+              <a:lumMod val="60000"/>
+              <a:lumOff val="40000"/>
+            </a:schemeClr>
+          </a:solidFill>
+          <a:ln>
+            <a:solidFill>
+              <a:schemeClr val="accent2">
+                <a:lumMod val="75000"/>
+              </a:schemeClr>
+            </a:solidFill>
+          </a:ln>
+        </p:spPr>
+        <p:style>
+          <a:lnRef idx="2">
+            <a:schemeClr val="accent1">
+              <a:shade val="50000"/>
+            </a:schemeClr>
+          </a:lnRef>
+          <a:fillRef idx="1">
+            <a:schemeClr val="accent1"/>
+          </a:fillRef>
+          <a:effectRef idx="0">
+            <a:schemeClr val="accent1"/>
+          </a:effectRef>
+          <a:fontRef idx="minor">
+            <a:schemeClr val="lt1"/>
+          </a:fontRef>
+        </p:style>
+        <p:txBody>
+          <a:bodyPr rtlCol="0" anchor="ctr"/>
+          <a:lstStyle/>
+          <a:p>
+            <a:pPr algn="ctr"/>
+            <a:endParaRPr lang="en-US" dirty="0"/>
+          </a:p>
+        </p:txBody>
+      </p:sp>
+      <p:grpSp>
+        <p:nvGrpSpPr>
+          <p:cNvPr id="83" name="Group 82">
+            <a:extLst>
+              <a:ext uri="{FF2B5EF4-FFF2-40B4-BE49-F238E27FC236}">
+                <a16:creationId xmlns:a16="http://schemas.microsoft.com/office/drawing/2014/main" id="{F8043FEC-B630-4E91-BBD0-A44E24505E68}"/>
+              </a:ext>
+            </a:extLst>
+          </p:cNvPr>
+          <p:cNvGrpSpPr/>
+          <p:nvPr/>
+        </p:nvGrpSpPr>
+        <p:grpSpPr>
+          <a:xfrm>
+            <a:off x="5461801" y="2287555"/>
+            <a:ext cx="1058877" cy="787831"/>
+            <a:chOff x="7478948" y="2478168"/>
+            <a:chExt cx="1058877" cy="1166903"/>
+          </a:xfrm>
+        </p:grpSpPr>
+        <p:sp>
+          <p:nvSpPr>
+            <p:cNvPr id="84" name="Oval 83">
+              <a:extLst>
+                <a:ext uri="{FF2B5EF4-FFF2-40B4-BE49-F238E27FC236}">
+                  <a16:creationId xmlns:a16="http://schemas.microsoft.com/office/drawing/2014/main" id="{B501B9E0-271B-4D8B-838E-27FB9D5DEE87}"/>
+                </a:ext>
+              </a:extLst>
+            </p:cNvPr>
+            <p:cNvSpPr/>
+            <p:nvPr/>
+          </p:nvSpPr>
+          <p:spPr>
+            <a:xfrm>
+              <a:off x="8016610" y="2478168"/>
+              <a:ext cx="200993" cy="200993"/>
+            </a:xfrm>
+            <a:prstGeom prst="ellipse">
+              <a:avLst/>
+            </a:prstGeom>
+            <a:solidFill>
+              <a:schemeClr val="accent6">
+                <a:lumMod val="60000"/>
+                <a:lumOff val="40000"/>
+              </a:schemeClr>
+            </a:solidFill>
+            <a:ln>
+              <a:solidFill>
+                <a:schemeClr val="accent6">
+                  <a:lumMod val="75000"/>
+                </a:schemeClr>
+              </a:solidFill>
+            </a:ln>
+          </p:spPr>
+          <p:style>
+            <a:lnRef idx="2">
+              <a:schemeClr val="accent1">
+                <a:shade val="50000"/>
+              </a:schemeClr>
+            </a:lnRef>
+            <a:fillRef idx="1">
+              <a:schemeClr val="accent1"/>
+            </a:fillRef>
+            <a:effectRef idx="0">
+              <a:schemeClr val="accent1"/>
+            </a:effectRef>
+            <a:fontRef idx="minor">
+              <a:schemeClr val="lt1"/>
+            </a:fontRef>
+          </p:style>
+          <p:txBody>
+            <a:bodyPr rtlCol="0" anchor="ctr"/>
+            <a:lstStyle/>
+            <a:p>
+              <a:pPr algn="ctr"/>
+              <a:endParaRPr lang="en-US" dirty="0"/>
+            </a:p>
+          </p:txBody>
+        </p:sp>
+        <p:sp>
+          <p:nvSpPr>
+            <p:cNvPr id="85" name="Oval 84">
+              <a:extLst>
+                <a:ext uri="{FF2B5EF4-FFF2-40B4-BE49-F238E27FC236}">
+                  <a16:creationId xmlns:a16="http://schemas.microsoft.com/office/drawing/2014/main" id="{490CF80C-E60B-410E-94C6-18AE832CA284}"/>
+                </a:ext>
+              </a:extLst>
+            </p:cNvPr>
+            <p:cNvSpPr/>
+            <p:nvPr/>
+          </p:nvSpPr>
+          <p:spPr>
+            <a:xfrm>
+              <a:off x="7735790" y="3011937"/>
+              <a:ext cx="200993" cy="200993"/>
+            </a:xfrm>
+            <a:prstGeom prst="ellipse">
+              <a:avLst/>
+            </a:prstGeom>
+            <a:solidFill>
+              <a:schemeClr val="accent6">
+                <a:lumMod val="60000"/>
+                <a:lumOff val="40000"/>
+              </a:schemeClr>
+            </a:solidFill>
+            <a:ln>
+              <a:solidFill>
+                <a:schemeClr val="accent6">
+                  <a:lumMod val="75000"/>
+                </a:schemeClr>
+              </a:solidFill>
+            </a:ln>
+          </p:spPr>
+          <p:style>
+            <a:lnRef idx="2">
+              <a:schemeClr val="accent1">
+                <a:shade val="50000"/>
+              </a:schemeClr>
+            </a:lnRef>
+            <a:fillRef idx="1">
+              <a:schemeClr val="accent1"/>
+            </a:fillRef>
+            <a:effectRef idx="0">
+              <a:schemeClr val="accent1"/>
+            </a:effectRef>
+            <a:fontRef idx="minor">
+              <a:schemeClr val="lt1"/>
+            </a:fontRef>
+          </p:style>
+          <p:txBody>
+            <a:bodyPr rtlCol="0" anchor="ctr"/>
+            <a:lstStyle/>
+            <a:p>
+              <a:pPr algn="ctr"/>
+              <a:endParaRPr lang="en-US" dirty="0"/>
+            </a:p>
+          </p:txBody>
+        </p:sp>
+        <p:sp>
+          <p:nvSpPr>
+            <p:cNvPr id="86" name="Oval 85">
+              <a:extLst>
+                <a:ext uri="{FF2B5EF4-FFF2-40B4-BE49-F238E27FC236}">
+                  <a16:creationId xmlns:a16="http://schemas.microsoft.com/office/drawing/2014/main" id="{635A5B00-2459-45AE-AEDD-895C595FBA41}"/>
+                </a:ext>
+              </a:extLst>
+            </p:cNvPr>
+            <p:cNvSpPr/>
+            <p:nvPr/>
+          </p:nvSpPr>
+          <p:spPr>
+            <a:xfrm>
+              <a:off x="7478948" y="3444078"/>
+              <a:ext cx="200993" cy="200993"/>
+            </a:xfrm>
+            <a:prstGeom prst="ellipse">
+              <a:avLst/>
+            </a:prstGeom>
+            <a:solidFill>
+              <a:schemeClr val="accent6">
+                <a:lumMod val="60000"/>
+                <a:lumOff val="40000"/>
+              </a:schemeClr>
+            </a:solidFill>
+            <a:ln>
+              <a:solidFill>
+                <a:schemeClr val="accent6">
+                  <a:lumMod val="75000"/>
+                </a:schemeClr>
+              </a:solidFill>
+            </a:ln>
+          </p:spPr>
+          <p:style>
+            <a:lnRef idx="2">
+              <a:schemeClr val="accent1">
+                <a:shade val="50000"/>
+              </a:schemeClr>
+            </a:lnRef>
+            <a:fillRef idx="1">
+              <a:schemeClr val="accent1"/>
+            </a:fillRef>
+            <a:effectRef idx="0">
+              <a:schemeClr val="accent1"/>
+            </a:effectRef>
+            <a:fontRef idx="minor">
+              <a:schemeClr val="lt1"/>
+            </a:fontRef>
+          </p:style>
+          <p:txBody>
+            <a:bodyPr rtlCol="0" anchor="ctr"/>
+            <a:lstStyle/>
+            <a:p>
+              <a:pPr algn="ctr"/>
+              <a:endParaRPr lang="en-US" dirty="0"/>
+            </a:p>
+          </p:txBody>
+        </p:sp>
+        <p:sp>
+          <p:nvSpPr>
+            <p:cNvPr id="87" name="Oval 86">
+              <a:extLst>
+                <a:ext uri="{FF2B5EF4-FFF2-40B4-BE49-F238E27FC236}">
+                  <a16:creationId xmlns:a16="http://schemas.microsoft.com/office/drawing/2014/main" id="{2E5DBD8C-2AC5-442E-AF2C-C74839113929}"/>
+                </a:ext>
+              </a:extLst>
+            </p:cNvPr>
+            <p:cNvSpPr/>
+            <p:nvPr/>
+          </p:nvSpPr>
+          <p:spPr>
+            <a:xfrm>
+              <a:off x="8054340" y="3429000"/>
+              <a:ext cx="200993" cy="200993"/>
+            </a:xfrm>
+            <a:prstGeom prst="ellipse">
+              <a:avLst/>
+            </a:prstGeom>
+            <a:solidFill>
+              <a:schemeClr val="accent6">
+                <a:lumMod val="60000"/>
+                <a:lumOff val="40000"/>
+              </a:schemeClr>
+            </a:solidFill>
+            <a:ln>
+              <a:solidFill>
+                <a:schemeClr val="accent6">
+                  <a:lumMod val="75000"/>
+                </a:schemeClr>
+              </a:solidFill>
+            </a:ln>
+          </p:spPr>
+          <p:style>
+            <a:lnRef idx="2">
+              <a:schemeClr val="accent1">
+                <a:shade val="50000"/>
+              </a:schemeClr>
+            </a:lnRef>
+            <a:fillRef idx="1">
+              <a:schemeClr val="accent1"/>
+            </a:fillRef>
+            <a:effectRef idx="0">
+              <a:schemeClr val="accent1"/>
+            </a:effectRef>
+            <a:fontRef idx="minor">
+              <a:schemeClr val="lt1"/>
+            </a:fontRef>
+          </p:style>
+          <p:txBody>
+            <a:bodyPr rtlCol="0" anchor="ctr"/>
+            <a:lstStyle/>
+            <a:p>
+              <a:pPr algn="ctr"/>
+              <a:endParaRPr lang="en-US" dirty="0"/>
+            </a:p>
+          </p:txBody>
+        </p:sp>
+        <p:cxnSp>
+          <p:nvCxnSpPr>
+            <p:cNvPr id="103" name="Straight Arrow Connector 102">
+              <a:extLst>
+                <a:ext uri="{FF2B5EF4-FFF2-40B4-BE49-F238E27FC236}">
+                  <a16:creationId xmlns:a16="http://schemas.microsoft.com/office/drawing/2014/main" id="{B6654A25-7A15-4A3F-821B-9F8DA42BF6DA}"/>
+                </a:ext>
+              </a:extLst>
+            </p:cNvPr>
+            <p:cNvCxnSpPr>
+              <a:cxnSpLocks/>
+              <a:stCxn id="84" idx="3"/>
+              <a:endCxn id="85" idx="0"/>
+            </p:cNvCxnSpPr>
+            <p:nvPr/>
+          </p:nvCxnSpPr>
+          <p:spPr>
+            <a:xfrm flipH="1">
+              <a:off x="7836287" y="2649726"/>
+              <a:ext cx="209758" cy="362211"/>
+            </a:xfrm>
+            <a:prstGeom prst="straightConnector1">
+              <a:avLst/>
+            </a:prstGeom>
+            <a:ln w="19050">
+              <a:tailEnd type="triangle"/>
+            </a:ln>
+          </p:spPr>
+          <p:style>
+            <a:lnRef idx="1">
+              <a:schemeClr val="accent1"/>
+            </a:lnRef>
+            <a:fillRef idx="0">
+              <a:schemeClr val="accent1"/>
+            </a:fillRef>
+            <a:effectRef idx="0">
+              <a:schemeClr val="accent1"/>
+            </a:effectRef>
+            <a:fontRef idx="minor">
+              <a:schemeClr val="tx1"/>
+            </a:fontRef>
+          </p:style>
+        </p:cxnSp>
+        <p:cxnSp>
+          <p:nvCxnSpPr>
+            <p:cNvPr id="107" name="Straight Arrow Connector 106">
+              <a:extLst>
+                <a:ext uri="{FF2B5EF4-FFF2-40B4-BE49-F238E27FC236}">
+                  <a16:creationId xmlns:a16="http://schemas.microsoft.com/office/drawing/2014/main" id="{6374AE87-037A-4ECE-8903-7731CC6FA4BA}"/>
+                </a:ext>
+              </a:extLst>
+            </p:cNvPr>
+            <p:cNvCxnSpPr>
+              <a:cxnSpLocks/>
+              <a:stCxn id="85" idx="3"/>
+              <a:endCxn id="86" idx="7"/>
+            </p:cNvCxnSpPr>
+            <p:nvPr/>
+          </p:nvCxnSpPr>
+          <p:spPr>
+            <a:xfrm flipH="1">
+              <a:off x="7650506" y="3183495"/>
+              <a:ext cx="114719" cy="290018"/>
+            </a:xfrm>
+            <a:prstGeom prst="straightConnector1">
+              <a:avLst/>
+            </a:prstGeom>
+            <a:ln w="19050">
+              <a:tailEnd type="triangle"/>
+            </a:ln>
+          </p:spPr>
+          <p:style>
+            <a:lnRef idx="1">
+              <a:schemeClr val="accent1"/>
+            </a:lnRef>
+            <a:fillRef idx="0">
+              <a:schemeClr val="accent1"/>
+            </a:fillRef>
+            <a:effectRef idx="0">
+              <a:schemeClr val="accent1"/>
+            </a:effectRef>
+            <a:fontRef idx="minor">
+              <a:schemeClr val="tx1"/>
+            </a:fontRef>
+          </p:style>
+        </p:cxnSp>
+        <p:cxnSp>
+          <p:nvCxnSpPr>
+            <p:cNvPr id="111" name="Straight Arrow Connector 110">
+              <a:extLst>
+                <a:ext uri="{FF2B5EF4-FFF2-40B4-BE49-F238E27FC236}">
+                  <a16:creationId xmlns:a16="http://schemas.microsoft.com/office/drawing/2014/main" id="{6934B496-761B-4D74-B128-428583567E6C}"/>
+                </a:ext>
+              </a:extLst>
+            </p:cNvPr>
+            <p:cNvCxnSpPr>
+              <a:cxnSpLocks/>
+              <a:stCxn id="85" idx="5"/>
+              <a:endCxn id="87" idx="1"/>
+            </p:cNvCxnSpPr>
+            <p:nvPr/>
+          </p:nvCxnSpPr>
+          <p:spPr>
+            <a:xfrm>
+              <a:off x="7907348" y="3183495"/>
+              <a:ext cx="176427" cy="274940"/>
+            </a:xfrm>
+            <a:prstGeom prst="straightConnector1">
+              <a:avLst/>
+            </a:prstGeom>
+            <a:ln w="19050">
+              <a:tailEnd type="triangle"/>
+            </a:ln>
+          </p:spPr>
+          <p:style>
+            <a:lnRef idx="1">
+              <a:schemeClr val="accent1"/>
+            </a:lnRef>
+            <a:fillRef idx="0">
+              <a:schemeClr val="accent1"/>
+            </a:fillRef>
+            <a:effectRef idx="0">
+              <a:schemeClr val="accent1"/>
+            </a:effectRef>
+            <a:fontRef idx="minor">
+              <a:schemeClr val="tx1"/>
+            </a:fontRef>
+          </p:style>
+        </p:cxnSp>
+        <p:sp>
+          <p:nvSpPr>
+            <p:cNvPr id="144" name="Oval 143">
+              <a:extLst>
+                <a:ext uri="{FF2B5EF4-FFF2-40B4-BE49-F238E27FC236}">
+                  <a16:creationId xmlns:a16="http://schemas.microsoft.com/office/drawing/2014/main" id="{17DBD242-11CA-4070-AC43-98BCF347B8B0}"/>
+                </a:ext>
+              </a:extLst>
+            </p:cNvPr>
+            <p:cNvSpPr/>
+            <p:nvPr/>
+          </p:nvSpPr>
+          <p:spPr>
+            <a:xfrm>
+              <a:off x="8336832" y="3000566"/>
+              <a:ext cx="200993" cy="200993"/>
+            </a:xfrm>
+            <a:prstGeom prst="ellipse">
+              <a:avLst/>
+            </a:prstGeom>
+            <a:solidFill>
+              <a:schemeClr val="accent6">
+                <a:lumMod val="60000"/>
+                <a:lumOff val="40000"/>
+              </a:schemeClr>
+            </a:solidFill>
+            <a:ln>
+              <a:solidFill>
+                <a:schemeClr val="accent6">
+                  <a:lumMod val="75000"/>
+                </a:schemeClr>
+              </a:solidFill>
+            </a:ln>
+          </p:spPr>
+          <p:style>
+            <a:lnRef idx="2">
+              <a:schemeClr val="accent1">
+                <a:shade val="50000"/>
+              </a:schemeClr>
+            </a:lnRef>
+            <a:fillRef idx="1">
+              <a:schemeClr val="accent1"/>
+            </a:fillRef>
+            <a:effectRef idx="0">
+              <a:schemeClr val="accent1"/>
+            </a:effectRef>
+            <a:fontRef idx="minor">
+              <a:schemeClr val="lt1"/>
+            </a:fontRef>
+          </p:style>
+          <p:txBody>
+            <a:bodyPr rtlCol="0" anchor="ctr"/>
+            <a:lstStyle/>
+            <a:p>
+              <a:pPr algn="ctr"/>
+              <a:endParaRPr lang="en-US" dirty="0"/>
+            </a:p>
+          </p:txBody>
+        </p:sp>
+        <p:cxnSp>
+          <p:nvCxnSpPr>
+            <p:cNvPr id="145" name="Straight Arrow Connector 144">
+              <a:extLst>
+                <a:ext uri="{FF2B5EF4-FFF2-40B4-BE49-F238E27FC236}">
+                  <a16:creationId xmlns:a16="http://schemas.microsoft.com/office/drawing/2014/main" id="{11904348-BA85-446E-BA0D-557FAB979237}"/>
+                </a:ext>
+              </a:extLst>
+            </p:cNvPr>
+            <p:cNvCxnSpPr>
+              <a:cxnSpLocks/>
+              <a:stCxn id="84" idx="5"/>
+              <a:endCxn id="144" idx="1"/>
+            </p:cNvCxnSpPr>
+            <p:nvPr/>
+          </p:nvCxnSpPr>
+          <p:spPr>
+            <a:xfrm>
+              <a:off x="8188168" y="2649726"/>
+              <a:ext cx="178099" cy="380275"/>
+            </a:xfrm>
+            <a:prstGeom prst="straightConnector1">
+              <a:avLst/>
+            </a:prstGeom>
+            <a:ln w="19050">
+              <a:tailEnd type="triangle"/>
+            </a:ln>
+          </p:spPr>
+          <p:style>
+            <a:lnRef idx="1">
+              <a:schemeClr val="accent1"/>
+            </a:lnRef>
+            <a:fillRef idx="0">
+              <a:schemeClr val="accent1"/>
+            </a:fillRef>
+            <a:effectRef idx="0">
+              <a:schemeClr val="accent1"/>
+            </a:effectRef>
+            <a:fontRef idx="minor">
+              <a:schemeClr val="tx1"/>
+            </a:fontRef>
+          </p:style>
+        </p:cxnSp>
+      </p:grpSp>
+      <p:sp>
+        <p:nvSpPr>
+          <p:cNvPr id="146" name="TextBox 145">
+            <a:extLst>
+              <a:ext uri="{FF2B5EF4-FFF2-40B4-BE49-F238E27FC236}">
+                <a16:creationId xmlns:a16="http://schemas.microsoft.com/office/drawing/2014/main" id="{307BFB30-7BEA-4291-B07B-763FF4436103}"/>
+              </a:ext>
+            </a:extLst>
+          </p:cNvPr>
+          <p:cNvSpPr txBox="1"/>
+          <p:nvPr/>
+        </p:nvSpPr>
+        <p:spPr>
+          <a:xfrm>
+            <a:off x="5718171" y="2209340"/>
+            <a:ext cx="424717" cy="307777"/>
+          </a:xfrm>
+          <a:prstGeom prst="rect">
+            <a:avLst/>
+          </a:prstGeom>
+          <a:noFill/>
+        </p:spPr>
+        <p:txBody>
+          <a:bodyPr wrap="square" rtlCol="0">
+            <a:spAutoFit/>
+          </a:bodyPr>
+          <a:lstStyle/>
+          <a:p>
+            <a:r>
+              <a:rPr lang="en-US" sz="1400" dirty="0"/>
+              <a:t>V1</a:t>
+            </a:r>
+            <a:endParaRPr lang="en-US" sz="1100" dirty="0"/>
+          </a:p>
+        </p:txBody>
+      </p:sp>
+      <p:sp>
+        <p:nvSpPr>
+          <p:cNvPr id="147" name="TextBox 146">
+            <a:extLst>
+              <a:ext uri="{FF2B5EF4-FFF2-40B4-BE49-F238E27FC236}">
+                <a16:creationId xmlns:a16="http://schemas.microsoft.com/office/drawing/2014/main" id="{F68C8B6D-C141-4037-BC49-0D76A06FB751}"/>
+              </a:ext>
+            </a:extLst>
+          </p:cNvPr>
+          <p:cNvSpPr txBox="1"/>
+          <p:nvPr/>
+        </p:nvSpPr>
+        <p:spPr>
+          <a:xfrm>
+            <a:off x="5872564" y="2630930"/>
+            <a:ext cx="424717" cy="307777"/>
+          </a:xfrm>
+          <a:prstGeom prst="rect">
+            <a:avLst/>
+          </a:prstGeom>
+          <a:noFill/>
+        </p:spPr>
+        <p:txBody>
+          <a:bodyPr wrap="square" rtlCol="0">
+            <a:spAutoFit/>
+          </a:bodyPr>
+          <a:lstStyle/>
+          <a:p>
+            <a:r>
+              <a:rPr lang="en-US" sz="1400" dirty="0"/>
+              <a:t>V2</a:t>
+            </a:r>
+            <a:endParaRPr lang="en-US" sz="1100" dirty="0"/>
+          </a:p>
+        </p:txBody>
+      </p:sp>
+      <p:sp>
+        <p:nvSpPr>
+          <p:cNvPr id="148" name="TextBox 147">
+            <a:extLst>
+              <a:ext uri="{FF2B5EF4-FFF2-40B4-BE49-F238E27FC236}">
+                <a16:creationId xmlns:a16="http://schemas.microsoft.com/office/drawing/2014/main" id="{0806108C-4B3A-47D8-A9A9-EE0E673A4AC1}"/>
+              </a:ext>
+            </a:extLst>
+          </p:cNvPr>
+          <p:cNvSpPr txBox="1"/>
+          <p:nvPr/>
+        </p:nvSpPr>
+        <p:spPr>
+          <a:xfrm>
+            <a:off x="5445218" y="3494455"/>
+            <a:ext cx="1331825" cy="338554"/>
+          </a:xfrm>
+          <a:prstGeom prst="rect">
+            <a:avLst/>
+          </a:prstGeom>
+          <a:noFill/>
+        </p:spPr>
+        <p:txBody>
+          <a:bodyPr wrap="square" rtlCol="0">
+            <a:spAutoFit/>
+          </a:bodyPr>
+          <a:lstStyle/>
+          <a:p>
+            <a:r>
+              <a:rPr lang="en-US" sz="1600" dirty="0"/>
+              <a:t>&lt;v1,v2,…,</a:t>
+            </a:r>
+            <a:r>
+              <a:rPr lang="en-US" sz="1600" dirty="0" err="1"/>
+              <a:t>vn</a:t>
+            </a:r>
+            <a:r>
+              <a:rPr lang="en-US" sz="1600" dirty="0"/>
+              <a:t>&gt;</a:t>
+            </a:r>
+          </a:p>
+        </p:txBody>
+      </p:sp>
+      <p:sp>
+        <p:nvSpPr>
+          <p:cNvPr id="149" name="TextBox 148">
+            <a:extLst>
+              <a:ext uri="{FF2B5EF4-FFF2-40B4-BE49-F238E27FC236}">
+                <a16:creationId xmlns:a16="http://schemas.microsoft.com/office/drawing/2014/main" id="{DD99E727-5863-4D99-81C1-7E30265922A2}"/>
+              </a:ext>
+            </a:extLst>
+          </p:cNvPr>
+          <p:cNvSpPr txBox="1"/>
+          <p:nvPr/>
+        </p:nvSpPr>
+        <p:spPr>
+          <a:xfrm>
+            <a:off x="4121318" y="1651887"/>
+            <a:ext cx="2373760" cy="646331"/>
+          </a:xfrm>
+          <a:prstGeom prst="rect">
+            <a:avLst/>
+          </a:prstGeom>
+          <a:noFill/>
+        </p:spPr>
+        <p:txBody>
+          <a:bodyPr wrap="square" rtlCol="0">
+            <a:spAutoFit/>
+          </a:bodyPr>
+          <a:lstStyle/>
+          <a:p>
+            <a:pPr algn="ctr"/>
+            <a:r>
+              <a:rPr lang="en-US" i="1" dirty="0"/>
+              <a:t>Token </a:t>
+            </a:r>
+          </a:p>
+          <a:p>
+            <a:pPr algn="ctr"/>
+            <a:r>
+              <a:rPr lang="en-US" i="1" dirty="0"/>
+              <a:t>Embedding</a:t>
+            </a:r>
+          </a:p>
+        </p:txBody>
+      </p:sp>
+      <p:sp>
+        <p:nvSpPr>
+          <p:cNvPr id="150" name="Rectangle: Rounded Corners 149">
+            <a:extLst>
+              <a:ext uri="{FF2B5EF4-FFF2-40B4-BE49-F238E27FC236}">
+                <a16:creationId xmlns:a16="http://schemas.microsoft.com/office/drawing/2014/main" id="{4739094A-D88C-4C63-BCBA-46D4ED8847C3}"/>
+              </a:ext>
+            </a:extLst>
+          </p:cNvPr>
+          <p:cNvSpPr/>
+          <p:nvPr/>
+        </p:nvSpPr>
+        <p:spPr>
+          <a:xfrm>
+            <a:off x="6847268" y="2265930"/>
+            <a:ext cx="247856" cy="730000"/>
+          </a:xfrm>
+          <a:prstGeom prst="roundRect">
+            <a:avLst/>
+          </a:prstGeom>
+          <a:solidFill>
+            <a:schemeClr val="accent5">
+              <a:lumMod val="40000"/>
+              <a:lumOff val="60000"/>
+            </a:schemeClr>
+          </a:solidFill>
+          <a:ln>
+            <a:solidFill>
+              <a:schemeClr val="accent5">
+                <a:lumMod val="75000"/>
+              </a:schemeClr>
+            </a:solidFill>
+          </a:ln>
+        </p:spPr>
+        <p:style>
+          <a:lnRef idx="2">
+            <a:schemeClr val="accent1">
+              <a:shade val="50000"/>
+            </a:schemeClr>
+          </a:lnRef>
+          <a:fillRef idx="1">
+            <a:schemeClr val="accent1"/>
+          </a:fillRef>
+          <a:effectRef idx="0">
+            <a:schemeClr val="accent1"/>
+          </a:effectRef>
+          <a:fontRef idx="minor">
+            <a:schemeClr val="lt1"/>
+          </a:fontRef>
+        </p:style>
+        <p:txBody>
+          <a:bodyPr rtlCol="0" anchor="ctr"/>
+          <a:lstStyle/>
+          <a:p>
+            <a:pPr algn="ctr"/>
+            <a:endParaRPr lang="en-US" dirty="0"/>
+          </a:p>
+        </p:txBody>
+      </p:sp>
+      <p:sp>
+        <p:nvSpPr>
+          <p:cNvPr id="69" name="Rectangle 68">
+            <a:extLst>
+              <a:ext uri="{FF2B5EF4-FFF2-40B4-BE49-F238E27FC236}">
+                <a16:creationId xmlns:a16="http://schemas.microsoft.com/office/drawing/2014/main" id="{0B03B614-2963-4958-959B-0F895F3A2C24}"/>
+              </a:ext>
+            </a:extLst>
+          </p:cNvPr>
+          <p:cNvSpPr/>
+          <p:nvPr/>
+        </p:nvSpPr>
+        <p:spPr>
+          <a:xfrm>
+            <a:off x="3311600" y="1137406"/>
+            <a:ext cx="1677017" cy="786958"/>
+          </a:xfrm>
+          <a:prstGeom prst="rect">
+            <a:avLst/>
+          </a:prstGeom>
+          <a:noFill/>
+          <a:ln>
+            <a:solidFill>
+              <a:schemeClr val="tx1"/>
+            </a:solidFill>
+            <a:prstDash val="dash"/>
+          </a:ln>
+        </p:spPr>
+        <p:style>
+          <a:lnRef idx="2">
+            <a:schemeClr val="accent1">
+              <a:shade val="50000"/>
+            </a:schemeClr>
+          </a:lnRef>
+          <a:fillRef idx="1">
+            <a:schemeClr val="accent1"/>
+          </a:fillRef>
+          <a:effectRef idx="0">
+            <a:schemeClr val="accent1"/>
+          </a:effectRef>
+          <a:fontRef idx="minor">
+            <a:schemeClr val="lt1"/>
+          </a:fontRef>
+        </p:style>
+        <p:txBody>
+          <a:bodyPr rtlCol="0" anchor="ctr"/>
+          <a:lstStyle/>
+          <a:p>
+            <a:pPr algn="ctr"/>
+            <a:endParaRPr lang="en-US" dirty="0"/>
+          </a:p>
+        </p:txBody>
+      </p:sp>
+      <p:sp>
+        <p:nvSpPr>
+          <p:cNvPr id="76" name="TextBox 75">
+            <a:extLst>
+              <a:ext uri="{FF2B5EF4-FFF2-40B4-BE49-F238E27FC236}">
+                <a16:creationId xmlns:a16="http://schemas.microsoft.com/office/drawing/2014/main" id="{7833E23C-76F9-4F5B-A064-77915BE3CD3B}"/>
+              </a:ext>
+            </a:extLst>
+          </p:cNvPr>
+          <p:cNvSpPr txBox="1"/>
+          <p:nvPr/>
+        </p:nvSpPr>
+        <p:spPr>
+          <a:xfrm>
+            <a:off x="4075239" y="3024120"/>
+            <a:ext cx="2373760" cy="369332"/>
+          </a:xfrm>
+          <a:prstGeom prst="rect">
+            <a:avLst/>
+          </a:prstGeom>
+          <a:noFill/>
+        </p:spPr>
+        <p:txBody>
+          <a:bodyPr wrap="square" rtlCol="0">
+            <a:spAutoFit/>
+          </a:bodyPr>
+          <a:lstStyle/>
+          <a:p>
+            <a:pPr algn="ctr"/>
+            <a:r>
+              <a:rPr lang="en-US" i="1" dirty="0"/>
+              <a:t>Sub-token Embedding</a:t>
+            </a:r>
+          </a:p>
+        </p:txBody>
+      </p:sp>
+      <p:sp>
+        <p:nvSpPr>
+          <p:cNvPr id="90" name="Rectangle: Rounded Corners 89">
+            <a:extLst>
+              <a:ext uri="{FF2B5EF4-FFF2-40B4-BE49-F238E27FC236}">
+                <a16:creationId xmlns:a16="http://schemas.microsoft.com/office/drawing/2014/main" id="{BCAE63B3-A7BC-46E1-A5A2-135E10F0F17A}"/>
+              </a:ext>
+            </a:extLst>
+          </p:cNvPr>
+          <p:cNvSpPr/>
+          <p:nvPr/>
+        </p:nvSpPr>
+        <p:spPr>
+          <a:xfrm>
+            <a:off x="6856760" y="3304399"/>
+            <a:ext cx="240732" cy="772611"/>
+          </a:xfrm>
+          <a:prstGeom prst="roundRect">
+            <a:avLst/>
+          </a:prstGeom>
+          <a:solidFill>
+            <a:schemeClr val="accent4">
+              <a:lumMod val="40000"/>
+              <a:lumOff val="60000"/>
+            </a:schemeClr>
+          </a:solidFill>
+          <a:ln>
+            <a:solidFill>
+              <a:schemeClr val="accent4">
+                <a:lumMod val="75000"/>
+              </a:schemeClr>
+            </a:solidFill>
+          </a:ln>
+        </p:spPr>
+        <p:style>
+          <a:lnRef idx="2">
+            <a:schemeClr val="accent1">
+              <a:shade val="50000"/>
+            </a:schemeClr>
+          </a:lnRef>
+          <a:fillRef idx="1">
+            <a:schemeClr val="accent1"/>
+          </a:fillRef>
+          <a:effectRef idx="0">
+            <a:schemeClr val="accent1"/>
+          </a:effectRef>
+          <a:fontRef idx="minor">
+            <a:schemeClr val="lt1"/>
+          </a:fontRef>
+        </p:style>
+        <p:txBody>
+          <a:bodyPr rtlCol="0" anchor="ctr"/>
+          <a:lstStyle/>
+          <a:p>
+            <a:pPr algn="ctr"/>
+            <a:endParaRPr lang="en-US" dirty="0">
+              <a:solidFill>
+                <a:schemeClr val="tx1"/>
+              </a:solidFill>
+            </a:endParaRPr>
+          </a:p>
+        </p:txBody>
+      </p:sp>
+      <p:sp>
+        <p:nvSpPr>
+          <p:cNvPr id="101" name="TextBox 100">
+            <a:extLst>
+              <a:ext uri="{FF2B5EF4-FFF2-40B4-BE49-F238E27FC236}">
+                <a16:creationId xmlns:a16="http://schemas.microsoft.com/office/drawing/2014/main" id="{0F100612-C30B-4314-BBF6-CC32BAC03A5E}"/>
+              </a:ext>
+            </a:extLst>
+          </p:cNvPr>
+          <p:cNvSpPr txBox="1"/>
+          <p:nvPr/>
+        </p:nvSpPr>
+        <p:spPr>
+          <a:xfrm>
+            <a:off x="6256504" y="2940168"/>
+            <a:ext cx="1893136" cy="369332"/>
+          </a:xfrm>
+          <a:prstGeom prst="rect">
+            <a:avLst/>
+          </a:prstGeom>
+          <a:noFill/>
+        </p:spPr>
+        <p:txBody>
+          <a:bodyPr wrap="square" rtlCol="0">
+            <a:spAutoFit/>
+          </a:bodyPr>
+          <a:lstStyle/>
+          <a:p>
+            <a:pPr algn="ctr"/>
+            <a:r>
+              <a:rPr lang="en-US" i="1" dirty="0"/>
+              <a:t>Sequential Model</a:t>
+            </a:r>
+          </a:p>
+        </p:txBody>
+      </p:sp>
+      <p:sp>
+        <p:nvSpPr>
+          <p:cNvPr id="102" name="TextBox 101">
+            <a:extLst>
+              <a:ext uri="{FF2B5EF4-FFF2-40B4-BE49-F238E27FC236}">
+                <a16:creationId xmlns:a16="http://schemas.microsoft.com/office/drawing/2014/main" id="{668D8FFC-F57E-4F88-9395-9C636978FD14}"/>
+              </a:ext>
+            </a:extLst>
+          </p:cNvPr>
+          <p:cNvSpPr txBox="1"/>
+          <p:nvPr/>
+        </p:nvSpPr>
+        <p:spPr>
+          <a:xfrm>
+            <a:off x="5973570" y="1645805"/>
+            <a:ext cx="1972391" cy="646331"/>
+          </a:xfrm>
+          <a:prstGeom prst="rect">
+            <a:avLst/>
+          </a:prstGeom>
+          <a:noFill/>
+        </p:spPr>
+        <p:txBody>
+          <a:bodyPr wrap="square" rtlCol="0">
+            <a:spAutoFit/>
+          </a:bodyPr>
+          <a:lstStyle/>
+          <a:p>
+            <a:pPr algn="ctr"/>
+            <a:r>
+              <a:rPr lang="en-US" i="1" dirty="0"/>
+              <a:t>Tree-based </a:t>
+            </a:r>
+          </a:p>
+          <a:p>
+            <a:pPr algn="ctr"/>
+            <a:r>
+              <a:rPr lang="en-US" i="1" dirty="0"/>
+              <a:t>Model</a:t>
+            </a:r>
+          </a:p>
+        </p:txBody>
+      </p:sp>
+      <p:sp>
+        <p:nvSpPr>
+          <p:cNvPr id="106" name="TextBox 105">
+            <a:extLst>
+              <a:ext uri="{FF2B5EF4-FFF2-40B4-BE49-F238E27FC236}">
+                <a16:creationId xmlns:a16="http://schemas.microsoft.com/office/drawing/2014/main" id="{3EFE41EB-3621-4BE1-89EF-829FA85F9BC7}"/>
+              </a:ext>
+            </a:extLst>
+          </p:cNvPr>
+          <p:cNvSpPr txBox="1"/>
+          <p:nvPr/>
+        </p:nvSpPr>
+        <p:spPr>
+          <a:xfrm>
+            <a:off x="9290437" y="2559760"/>
+            <a:ext cx="744222" cy="369332"/>
+          </a:xfrm>
+          <a:prstGeom prst="rect">
+            <a:avLst/>
+          </a:prstGeom>
+          <a:noFill/>
+        </p:spPr>
+        <p:txBody>
+          <a:bodyPr wrap="square" rtlCol="0">
+            <a:spAutoFit/>
+          </a:bodyPr>
+          <a:lstStyle/>
+          <a:p>
+            <a:r>
+              <a:rPr lang="en-US" dirty="0"/>
+              <a:t>V</a:t>
+            </a:r>
+            <a:r>
+              <a:rPr lang="en-US" sz="1050" dirty="0"/>
+              <a:t>S5</a:t>
+            </a:r>
+            <a:endParaRPr lang="en-US" sz="1400" dirty="0"/>
+          </a:p>
+        </p:txBody>
+      </p:sp>
+      <p:grpSp>
+        <p:nvGrpSpPr>
+          <p:cNvPr id="110" name="Group 109">
+            <a:extLst>
+              <a:ext uri="{FF2B5EF4-FFF2-40B4-BE49-F238E27FC236}">
+                <a16:creationId xmlns:a16="http://schemas.microsoft.com/office/drawing/2014/main" id="{E9D9C274-C247-4462-ABA6-6E819F6FFBAC}"/>
+              </a:ext>
+            </a:extLst>
+          </p:cNvPr>
+          <p:cNvGrpSpPr/>
+          <p:nvPr/>
+        </p:nvGrpSpPr>
+        <p:grpSpPr>
+          <a:xfrm>
+            <a:off x="9220301" y="2464252"/>
+            <a:ext cx="590550" cy="180483"/>
+            <a:chOff x="10191750" y="3201290"/>
+            <a:chExt cx="590550" cy="180483"/>
+          </a:xfrm>
+        </p:grpSpPr>
+        <p:sp>
+          <p:nvSpPr>
+            <p:cNvPr id="114" name="Rectangle: Rounded Corners 113">
+              <a:extLst>
+                <a:ext uri="{FF2B5EF4-FFF2-40B4-BE49-F238E27FC236}">
+                  <a16:creationId xmlns:a16="http://schemas.microsoft.com/office/drawing/2014/main" id="{B21F745C-092B-4A9E-88BF-23D7125C3D0E}"/>
+                </a:ext>
+              </a:extLst>
+            </p:cNvPr>
+            <p:cNvSpPr/>
+            <p:nvPr/>
+          </p:nvSpPr>
+          <p:spPr>
+            <a:xfrm>
+              <a:off x="10191750" y="3201290"/>
+              <a:ext cx="590550" cy="180483"/>
+            </a:xfrm>
+            <a:prstGeom prst="roundRect">
+              <a:avLst/>
+            </a:prstGeom>
+            <a:noFill/>
+            <a:ln>
+              <a:solidFill>
+                <a:schemeClr val="tx1"/>
+              </a:solidFill>
+            </a:ln>
+          </p:spPr>
+          <p:style>
+            <a:lnRef idx="2">
+              <a:schemeClr val="accent1">
+                <a:shade val="50000"/>
+              </a:schemeClr>
+            </a:lnRef>
+            <a:fillRef idx="1">
+              <a:schemeClr val="accent1"/>
+            </a:fillRef>
+            <a:effectRef idx="0">
+              <a:schemeClr val="accent1"/>
+            </a:effectRef>
+            <a:fontRef idx="minor">
+              <a:schemeClr val="lt1"/>
+            </a:fontRef>
+          </p:style>
+          <p:txBody>
+            <a:bodyPr rtlCol="0" anchor="ctr"/>
+            <a:lstStyle/>
+            <a:p>
+              <a:pPr algn="ctr"/>
+              <a:endParaRPr lang="en-US" dirty="0"/>
+            </a:p>
+          </p:txBody>
+        </p:sp>
+        <p:sp>
+          <p:nvSpPr>
+            <p:cNvPr id="117" name="Oval 116">
+              <a:extLst>
+                <a:ext uri="{FF2B5EF4-FFF2-40B4-BE49-F238E27FC236}">
+                  <a16:creationId xmlns:a16="http://schemas.microsoft.com/office/drawing/2014/main" id="{252C8554-1CE2-4EF1-8D9D-57AA210D79EC}"/>
+                </a:ext>
+              </a:extLst>
+            </p:cNvPr>
+            <p:cNvSpPr/>
+            <p:nvPr/>
+          </p:nvSpPr>
+          <p:spPr>
+            <a:xfrm>
+              <a:off x="10258345" y="3230725"/>
+              <a:ext cx="123905" cy="123905"/>
+            </a:xfrm>
+            <a:prstGeom prst="ellipse">
+              <a:avLst/>
+            </a:prstGeom>
+            <a:solidFill>
+              <a:schemeClr val="accent2">
+                <a:lumMod val="20000"/>
+                <a:lumOff val="80000"/>
+              </a:schemeClr>
+            </a:solidFill>
+            <a:ln>
+              <a:solidFill>
+                <a:srgbClr val="FF0000"/>
+              </a:solidFill>
+            </a:ln>
+          </p:spPr>
+          <p:style>
+            <a:lnRef idx="2">
+              <a:schemeClr val="accent1">
+                <a:shade val="50000"/>
+              </a:schemeClr>
+            </a:lnRef>
+            <a:fillRef idx="1">
+              <a:schemeClr val="accent1"/>
+            </a:fillRef>
+            <a:effectRef idx="0">
+              <a:schemeClr val="accent1"/>
+            </a:effectRef>
+            <a:fontRef idx="minor">
+              <a:schemeClr val="lt1"/>
+            </a:fontRef>
+          </p:style>
+          <p:txBody>
+            <a:bodyPr rtlCol="0" anchor="ctr"/>
+            <a:lstStyle/>
+            <a:p>
+              <a:pPr algn="ctr"/>
+              <a:endParaRPr lang="en-US" dirty="0"/>
+            </a:p>
+          </p:txBody>
+        </p:sp>
+        <p:sp>
+          <p:nvSpPr>
+            <p:cNvPr id="130" name="Oval 129">
+              <a:extLst>
+                <a:ext uri="{FF2B5EF4-FFF2-40B4-BE49-F238E27FC236}">
+                  <a16:creationId xmlns:a16="http://schemas.microsoft.com/office/drawing/2014/main" id="{21464A2E-E7FB-4E6A-8A2B-580D9CD003E7}"/>
+                </a:ext>
+              </a:extLst>
+            </p:cNvPr>
+            <p:cNvSpPr/>
+            <p:nvPr/>
+          </p:nvSpPr>
+          <p:spPr>
+            <a:xfrm>
+              <a:off x="10421903" y="3227520"/>
+              <a:ext cx="123905" cy="123905"/>
+            </a:xfrm>
+            <a:prstGeom prst="ellipse">
+              <a:avLst/>
+            </a:prstGeom>
+            <a:solidFill>
+              <a:schemeClr val="accent2">
+                <a:lumMod val="20000"/>
+                <a:lumOff val="80000"/>
+              </a:schemeClr>
+            </a:solidFill>
+            <a:ln>
+              <a:solidFill>
+                <a:srgbClr val="FF0000"/>
+              </a:solidFill>
+            </a:ln>
+          </p:spPr>
+          <p:style>
+            <a:lnRef idx="2">
+              <a:schemeClr val="accent1">
+                <a:shade val="50000"/>
+              </a:schemeClr>
+            </a:lnRef>
+            <a:fillRef idx="1">
+              <a:schemeClr val="accent1"/>
+            </a:fillRef>
+            <a:effectRef idx="0">
+              <a:schemeClr val="accent1"/>
+            </a:effectRef>
+            <a:fontRef idx="minor">
+              <a:schemeClr val="lt1"/>
+            </a:fontRef>
+          </p:style>
+          <p:txBody>
+            <a:bodyPr rtlCol="0" anchor="ctr"/>
+            <a:lstStyle/>
+            <a:p>
+              <a:pPr algn="ctr"/>
+              <a:endParaRPr lang="en-US" dirty="0"/>
+            </a:p>
+          </p:txBody>
+        </p:sp>
+        <p:sp>
+          <p:nvSpPr>
+            <p:cNvPr id="133" name="Oval 132">
+              <a:extLst>
+                <a:ext uri="{FF2B5EF4-FFF2-40B4-BE49-F238E27FC236}">
+                  <a16:creationId xmlns:a16="http://schemas.microsoft.com/office/drawing/2014/main" id="{5D6223AF-C26B-4A71-B7D6-04EB103FA1F7}"/>
+                </a:ext>
+              </a:extLst>
+            </p:cNvPr>
+            <p:cNvSpPr/>
+            <p:nvPr/>
+          </p:nvSpPr>
+          <p:spPr>
+            <a:xfrm>
+              <a:off x="10585461" y="3227520"/>
+              <a:ext cx="123905" cy="123905"/>
+            </a:xfrm>
+            <a:prstGeom prst="ellipse">
+              <a:avLst/>
+            </a:prstGeom>
+            <a:solidFill>
+              <a:schemeClr val="accent2">
+                <a:lumMod val="20000"/>
+                <a:lumOff val="80000"/>
+              </a:schemeClr>
+            </a:solidFill>
+            <a:ln>
+              <a:solidFill>
+                <a:srgbClr val="FF0000"/>
+              </a:solidFill>
+            </a:ln>
+          </p:spPr>
+          <p:style>
+            <a:lnRef idx="2">
+              <a:schemeClr val="accent1">
+                <a:shade val="50000"/>
+              </a:schemeClr>
+            </a:lnRef>
+            <a:fillRef idx="1">
+              <a:schemeClr val="accent1"/>
+            </a:fillRef>
+            <a:effectRef idx="0">
+              <a:schemeClr val="accent1"/>
+            </a:effectRef>
+            <a:fontRef idx="minor">
+              <a:schemeClr val="lt1"/>
+            </a:fontRef>
+          </p:style>
+          <p:txBody>
+            <a:bodyPr rtlCol="0" anchor="ctr"/>
+            <a:lstStyle/>
+            <a:p>
+              <a:pPr algn="ctr"/>
+              <a:endParaRPr lang="en-US" dirty="0"/>
+            </a:p>
+          </p:txBody>
+        </p:sp>
+      </p:grpSp>
+      <p:sp>
+        <p:nvSpPr>
+          <p:cNvPr id="134" name="Rectangle: Rounded Corners 133">
+            <a:extLst>
+              <a:ext uri="{FF2B5EF4-FFF2-40B4-BE49-F238E27FC236}">
+                <a16:creationId xmlns:a16="http://schemas.microsoft.com/office/drawing/2014/main" id="{F0C3F1EF-DF48-4AC9-9336-B582C68DBEC6}"/>
+              </a:ext>
+            </a:extLst>
+          </p:cNvPr>
+          <p:cNvSpPr/>
+          <p:nvPr/>
+        </p:nvSpPr>
+        <p:spPr>
+          <a:xfrm>
+            <a:off x="8727237" y="2175419"/>
+            <a:ext cx="228600" cy="778634"/>
+          </a:xfrm>
+          <a:prstGeom prst="roundRect">
+            <a:avLst/>
+          </a:prstGeom>
+          <a:solidFill>
+            <a:schemeClr val="bg1">
+              <a:lumMod val="85000"/>
+            </a:schemeClr>
+          </a:solidFill>
+          <a:ln>
+            <a:solidFill>
+              <a:schemeClr val="bg1">
+                <a:lumMod val="50000"/>
+              </a:schemeClr>
+            </a:solidFill>
+          </a:ln>
+        </p:spPr>
+        <p:style>
+          <a:lnRef idx="2">
+            <a:schemeClr val="accent1">
+              <a:shade val="50000"/>
+            </a:schemeClr>
+          </a:lnRef>
+          <a:fillRef idx="1">
+            <a:schemeClr val="accent1"/>
+          </a:fillRef>
+          <a:effectRef idx="0">
+            <a:schemeClr val="accent1"/>
+          </a:effectRef>
+          <a:fontRef idx="minor">
+            <a:schemeClr val="lt1"/>
+          </a:fontRef>
+        </p:style>
+        <p:txBody>
+          <a:bodyPr rtlCol="0" anchor="ctr"/>
+          <a:lstStyle/>
+          <a:p>
+            <a:pPr algn="ctr"/>
+            <a:endParaRPr lang="en-US" dirty="0"/>
+          </a:p>
+        </p:txBody>
+      </p:sp>
+      <p:grpSp>
+        <p:nvGrpSpPr>
+          <p:cNvPr id="135" name="Group 134">
+            <a:extLst>
+              <a:ext uri="{FF2B5EF4-FFF2-40B4-BE49-F238E27FC236}">
+                <a16:creationId xmlns:a16="http://schemas.microsoft.com/office/drawing/2014/main" id="{866E9746-80F7-4889-9C62-0D122366803C}"/>
+              </a:ext>
+            </a:extLst>
+          </p:cNvPr>
+          <p:cNvGrpSpPr/>
+          <p:nvPr/>
+        </p:nvGrpSpPr>
+        <p:grpSpPr>
+          <a:xfrm>
+            <a:off x="8490152" y="1572580"/>
+            <a:ext cx="264720" cy="2118377"/>
+            <a:chOff x="4856282" y="1452219"/>
+            <a:chExt cx="264720" cy="2118377"/>
+          </a:xfrm>
+        </p:grpSpPr>
+        <p:sp>
+          <p:nvSpPr>
+            <p:cNvPr id="136" name="Arrow: Right 135">
+              <a:extLst>
+                <a:ext uri="{FF2B5EF4-FFF2-40B4-BE49-F238E27FC236}">
+                  <a16:creationId xmlns:a16="http://schemas.microsoft.com/office/drawing/2014/main" id="{1CF0E210-6B68-4C2F-9F9B-52B28986FD2A}"/>
+                </a:ext>
+              </a:extLst>
+            </p:cNvPr>
+            <p:cNvSpPr/>
+            <p:nvPr/>
+          </p:nvSpPr>
+          <p:spPr>
+            <a:xfrm rot="4778203">
+              <a:off x="4721072" y="1630487"/>
+              <a:ext cx="578197" cy="221662"/>
+            </a:xfrm>
+            <a:prstGeom prst="rightArrow">
+              <a:avLst/>
+            </a:prstGeom>
+          </p:spPr>
+          <p:style>
+            <a:lnRef idx="2">
+              <a:schemeClr val="accent1">
+                <a:shade val="50000"/>
+              </a:schemeClr>
+            </a:lnRef>
+            <a:fillRef idx="1">
+              <a:schemeClr val="accent1"/>
+            </a:fillRef>
+            <a:effectRef idx="0">
+              <a:schemeClr val="accent1"/>
+            </a:effectRef>
+            <a:fontRef idx="minor">
+              <a:schemeClr val="lt1"/>
+            </a:fontRef>
+          </p:style>
+          <p:txBody>
+            <a:bodyPr rtlCol="0" anchor="ctr"/>
+            <a:lstStyle/>
+            <a:p>
+              <a:pPr algn="ctr"/>
+              <a:endParaRPr lang="en-US" dirty="0"/>
+            </a:p>
+          </p:txBody>
+        </p:sp>
+        <p:sp>
+          <p:nvSpPr>
+            <p:cNvPr id="137" name="Arrow: Right 136">
+              <a:extLst>
+                <a:ext uri="{FF2B5EF4-FFF2-40B4-BE49-F238E27FC236}">
+                  <a16:creationId xmlns:a16="http://schemas.microsoft.com/office/drawing/2014/main" id="{65C32BAB-FE98-4C08-91C8-B1C214694E6F}"/>
+                </a:ext>
+              </a:extLst>
+            </p:cNvPr>
+            <p:cNvSpPr/>
+            <p:nvPr/>
+          </p:nvSpPr>
+          <p:spPr>
+            <a:xfrm>
+              <a:off x="4856282" y="2330309"/>
+              <a:ext cx="210197" cy="221662"/>
+            </a:xfrm>
+            <a:prstGeom prst="rightArrow">
+              <a:avLst/>
+            </a:prstGeom>
+          </p:spPr>
+          <p:style>
+            <a:lnRef idx="2">
+              <a:schemeClr val="accent1">
+                <a:shade val="50000"/>
+              </a:schemeClr>
+            </a:lnRef>
+            <a:fillRef idx="1">
+              <a:schemeClr val="accent1"/>
+            </a:fillRef>
+            <a:effectRef idx="0">
+              <a:schemeClr val="accent1"/>
+            </a:effectRef>
+            <a:fontRef idx="minor">
+              <a:schemeClr val="lt1"/>
+            </a:fontRef>
+          </p:style>
+          <p:txBody>
+            <a:bodyPr rtlCol="0" anchor="ctr"/>
+            <a:lstStyle/>
+            <a:p>
+              <a:pPr algn="ctr"/>
+              <a:endParaRPr lang="en-US" dirty="0"/>
+            </a:p>
+          </p:txBody>
+        </p:sp>
+        <p:sp>
+          <p:nvSpPr>
+            <p:cNvPr id="138" name="Arrow: Right 137">
+              <a:extLst>
+                <a:ext uri="{FF2B5EF4-FFF2-40B4-BE49-F238E27FC236}">
+                  <a16:creationId xmlns:a16="http://schemas.microsoft.com/office/drawing/2014/main" id="{2D810EBF-B821-41B9-AD0E-A8518AD78F09}"/>
+                </a:ext>
+              </a:extLst>
+            </p:cNvPr>
+            <p:cNvSpPr/>
+            <p:nvPr/>
+          </p:nvSpPr>
+          <p:spPr>
+            <a:xfrm rot="16844535">
+              <a:off x="4645292" y="3103288"/>
+              <a:ext cx="712955" cy="221662"/>
+            </a:xfrm>
+            <a:prstGeom prst="rightArrow">
+              <a:avLst/>
+            </a:prstGeom>
+          </p:spPr>
+          <p:style>
+            <a:lnRef idx="2">
+              <a:schemeClr val="accent1">
+                <a:shade val="50000"/>
+              </a:schemeClr>
+            </a:lnRef>
+            <a:fillRef idx="1">
+              <a:schemeClr val="accent1"/>
+            </a:fillRef>
+            <a:effectRef idx="0">
+              <a:schemeClr val="accent1"/>
+            </a:effectRef>
+            <a:fontRef idx="minor">
+              <a:schemeClr val="lt1"/>
+            </a:fontRef>
+          </p:style>
+          <p:txBody>
+            <a:bodyPr rtlCol="0" anchor="ctr"/>
+            <a:lstStyle/>
+            <a:p>
+              <a:pPr algn="ctr"/>
+              <a:endParaRPr lang="en-US" dirty="0"/>
+            </a:p>
+          </p:txBody>
+        </p:sp>
+      </p:grpSp>
+      <p:sp>
+        <p:nvSpPr>
+          <p:cNvPr id="139" name="Arrow: Right 138">
+            <a:extLst>
+              <a:ext uri="{FF2B5EF4-FFF2-40B4-BE49-F238E27FC236}">
+                <a16:creationId xmlns:a16="http://schemas.microsoft.com/office/drawing/2014/main" id="{F6D5AA0D-9FA2-40D9-858B-A4FBFFE36FCD}"/>
+              </a:ext>
+            </a:extLst>
+          </p:cNvPr>
+          <p:cNvSpPr/>
+          <p:nvPr/>
+        </p:nvSpPr>
+        <p:spPr>
+          <a:xfrm>
+            <a:off x="8977201" y="2441323"/>
+            <a:ext cx="210197" cy="221662"/>
+          </a:xfrm>
+          <a:prstGeom prst="rightArrow">
+            <a:avLst/>
+          </a:prstGeom>
+        </p:spPr>
+        <p:style>
+          <a:lnRef idx="2">
+            <a:schemeClr val="accent1">
+              <a:shade val="50000"/>
+            </a:schemeClr>
+          </a:lnRef>
+          <a:fillRef idx="1">
+            <a:schemeClr val="accent1"/>
+          </a:fillRef>
+          <a:effectRef idx="0">
+            <a:schemeClr val="accent1"/>
+          </a:effectRef>
+          <a:fontRef idx="minor">
+            <a:schemeClr val="lt1"/>
+          </a:fontRef>
+        </p:style>
+        <p:txBody>
+          <a:bodyPr rtlCol="0" anchor="ctr"/>
+          <a:lstStyle/>
+          <a:p>
+            <a:pPr algn="ctr"/>
+            <a:endParaRPr lang="en-US" dirty="0"/>
+          </a:p>
+        </p:txBody>
+      </p:sp>
+      <p:sp>
+        <p:nvSpPr>
+          <p:cNvPr id="142" name="Arrow: Right 141">
+            <a:extLst>
+              <a:ext uri="{FF2B5EF4-FFF2-40B4-BE49-F238E27FC236}">
+                <a16:creationId xmlns:a16="http://schemas.microsoft.com/office/drawing/2014/main" id="{4C5A9522-0D0A-4CBC-AABF-8EBF5724069C}"/>
+              </a:ext>
+            </a:extLst>
+          </p:cNvPr>
+          <p:cNvSpPr/>
+          <p:nvPr/>
+        </p:nvSpPr>
+        <p:spPr>
+          <a:xfrm>
+            <a:off x="7997595" y="2452722"/>
+            <a:ext cx="210197" cy="221662"/>
+          </a:xfrm>
+          <a:prstGeom prst="rightArrow">
+            <a:avLst/>
+          </a:prstGeom>
+        </p:spPr>
+        <p:style>
+          <a:lnRef idx="2">
+            <a:schemeClr val="accent1">
+              <a:shade val="50000"/>
+            </a:schemeClr>
+          </a:lnRef>
+          <a:fillRef idx="1">
+            <a:schemeClr val="accent1"/>
+          </a:fillRef>
+          <a:effectRef idx="0">
+            <a:schemeClr val="accent1"/>
+          </a:effectRef>
+          <a:fontRef idx="minor">
+            <a:schemeClr val="lt1"/>
+          </a:fontRef>
+        </p:style>
+        <p:txBody>
+          <a:bodyPr rtlCol="0" anchor="ctr"/>
+          <a:lstStyle/>
+          <a:p>
+            <a:pPr algn="ctr"/>
+            <a:endParaRPr lang="en-US" dirty="0"/>
+          </a:p>
+        </p:txBody>
+      </p:sp>
+      <p:sp>
+        <p:nvSpPr>
+          <p:cNvPr id="143" name="Arrow: Right 142">
+            <a:extLst>
+              <a:ext uri="{FF2B5EF4-FFF2-40B4-BE49-F238E27FC236}">
+                <a16:creationId xmlns:a16="http://schemas.microsoft.com/office/drawing/2014/main" id="{9C1D2DC4-338B-46C1-A514-93C4DCC90589}"/>
+              </a:ext>
+            </a:extLst>
+          </p:cNvPr>
+          <p:cNvSpPr/>
+          <p:nvPr/>
+        </p:nvSpPr>
+        <p:spPr>
+          <a:xfrm>
+            <a:off x="8001937" y="3566592"/>
+            <a:ext cx="210197" cy="221662"/>
+          </a:xfrm>
+          <a:prstGeom prst="rightArrow">
+            <a:avLst/>
+          </a:prstGeom>
+        </p:spPr>
+        <p:style>
+          <a:lnRef idx="2">
+            <a:schemeClr val="accent1">
+              <a:shade val="50000"/>
+            </a:schemeClr>
+          </a:lnRef>
+          <a:fillRef idx="1">
+            <a:schemeClr val="accent1"/>
+          </a:fillRef>
+          <a:effectRef idx="0">
+            <a:schemeClr val="accent1"/>
+          </a:effectRef>
+          <a:fontRef idx="minor">
+            <a:schemeClr val="lt1"/>
+          </a:fontRef>
+        </p:style>
+        <p:txBody>
+          <a:bodyPr rtlCol="0" anchor="ctr"/>
+          <a:lstStyle/>
+          <a:p>
+            <a:pPr algn="ctr"/>
+            <a:endParaRPr lang="en-US" dirty="0"/>
+          </a:p>
+        </p:txBody>
+      </p:sp>
+      <p:sp>
+        <p:nvSpPr>
+          <p:cNvPr id="152" name="Rectangle: Rounded Corners 151">
+            <a:extLst>
+              <a:ext uri="{FF2B5EF4-FFF2-40B4-BE49-F238E27FC236}">
+                <a16:creationId xmlns:a16="http://schemas.microsoft.com/office/drawing/2014/main" id="{BF4CD891-1871-429B-9D57-E8A3B6878788}"/>
+              </a:ext>
+            </a:extLst>
+          </p:cNvPr>
+          <p:cNvSpPr/>
+          <p:nvPr/>
+        </p:nvSpPr>
+        <p:spPr>
+          <a:xfrm>
+            <a:off x="8242949" y="1223372"/>
+            <a:ext cx="228600" cy="778634"/>
+          </a:xfrm>
+          <a:prstGeom prst="roundRect">
+            <a:avLst/>
+          </a:prstGeom>
+          <a:solidFill>
+            <a:schemeClr val="accent6">
+              <a:lumMod val="20000"/>
+              <a:lumOff val="80000"/>
+            </a:schemeClr>
+          </a:solidFill>
+          <a:ln>
+            <a:solidFill>
+              <a:schemeClr val="accent6">
+                <a:lumMod val="75000"/>
+              </a:schemeClr>
+            </a:solidFill>
+          </a:ln>
+        </p:spPr>
+        <p:style>
+          <a:lnRef idx="2">
+            <a:schemeClr val="accent1">
+              <a:shade val="50000"/>
+            </a:schemeClr>
+          </a:lnRef>
+          <a:fillRef idx="1">
+            <a:schemeClr val="accent1"/>
+          </a:fillRef>
+          <a:effectRef idx="0">
+            <a:schemeClr val="accent1"/>
+          </a:effectRef>
+          <a:fontRef idx="minor">
+            <a:schemeClr val="lt1"/>
+          </a:fontRef>
+        </p:style>
+        <p:txBody>
+          <a:bodyPr rtlCol="0" anchor="ctr"/>
+          <a:lstStyle/>
+          <a:p>
+            <a:pPr algn="ctr"/>
+            <a:endParaRPr lang="en-US" dirty="0"/>
+          </a:p>
+        </p:txBody>
+      </p:sp>
+      <p:sp>
+        <p:nvSpPr>
+          <p:cNvPr id="153" name="Rectangle: Rounded Corners 152">
+            <a:extLst>
+              <a:ext uri="{FF2B5EF4-FFF2-40B4-BE49-F238E27FC236}">
+                <a16:creationId xmlns:a16="http://schemas.microsoft.com/office/drawing/2014/main" id="{E3558A09-0007-491E-9408-34E125B45A48}"/>
+              </a:ext>
+            </a:extLst>
+          </p:cNvPr>
+          <p:cNvSpPr/>
+          <p:nvPr/>
+        </p:nvSpPr>
+        <p:spPr>
+          <a:xfrm>
+            <a:off x="8242949" y="2170286"/>
+            <a:ext cx="228600" cy="778634"/>
+          </a:xfrm>
+          <a:prstGeom prst="roundRect">
+            <a:avLst/>
+          </a:prstGeom>
+          <a:solidFill>
+            <a:schemeClr val="accent6">
+              <a:lumMod val="20000"/>
+              <a:lumOff val="80000"/>
+            </a:schemeClr>
+          </a:solidFill>
+          <a:ln>
+            <a:solidFill>
+              <a:schemeClr val="accent6">
+                <a:lumMod val="75000"/>
+              </a:schemeClr>
+            </a:solidFill>
+          </a:ln>
+        </p:spPr>
+        <p:style>
+          <a:lnRef idx="2">
+            <a:schemeClr val="accent1">
+              <a:shade val="50000"/>
+            </a:schemeClr>
+          </a:lnRef>
+          <a:fillRef idx="1">
+            <a:schemeClr val="accent1"/>
+          </a:fillRef>
+          <a:effectRef idx="0">
+            <a:schemeClr val="accent1"/>
+          </a:effectRef>
+          <a:fontRef idx="minor">
+            <a:schemeClr val="lt1"/>
+          </a:fontRef>
+        </p:style>
+        <p:txBody>
+          <a:bodyPr rtlCol="0" anchor="ctr"/>
+          <a:lstStyle/>
+          <a:p>
+            <a:pPr algn="ctr"/>
+            <a:endParaRPr lang="en-US" dirty="0"/>
+          </a:p>
+        </p:txBody>
+      </p:sp>
+      <p:sp>
+        <p:nvSpPr>
+          <p:cNvPr id="154" name="Rectangle: Rounded Corners 153">
+            <a:extLst>
+              <a:ext uri="{FF2B5EF4-FFF2-40B4-BE49-F238E27FC236}">
+                <a16:creationId xmlns:a16="http://schemas.microsoft.com/office/drawing/2014/main" id="{E2CA5E43-BB7C-4B51-8CF8-8F791A886AC7}"/>
+              </a:ext>
+            </a:extLst>
+          </p:cNvPr>
+          <p:cNvSpPr/>
+          <p:nvPr/>
+        </p:nvSpPr>
+        <p:spPr>
+          <a:xfrm>
+            <a:off x="8244605" y="3290487"/>
+            <a:ext cx="228600" cy="778634"/>
+          </a:xfrm>
+          <a:prstGeom prst="roundRect">
+            <a:avLst/>
+          </a:prstGeom>
+          <a:solidFill>
+            <a:schemeClr val="accent6">
+              <a:lumMod val="20000"/>
+              <a:lumOff val="80000"/>
+            </a:schemeClr>
+          </a:solidFill>
+          <a:ln>
+            <a:solidFill>
+              <a:schemeClr val="accent6">
+                <a:lumMod val="75000"/>
+              </a:schemeClr>
+            </a:solidFill>
+          </a:ln>
+        </p:spPr>
+        <p:style>
+          <a:lnRef idx="2">
+            <a:schemeClr val="accent1">
+              <a:shade val="50000"/>
+            </a:schemeClr>
+          </a:lnRef>
+          <a:fillRef idx="1">
+            <a:schemeClr val="accent1"/>
+          </a:fillRef>
+          <a:effectRef idx="0">
+            <a:schemeClr val="accent1"/>
+          </a:effectRef>
+          <a:fontRef idx="minor">
+            <a:schemeClr val="lt1"/>
+          </a:fontRef>
+        </p:style>
+        <p:txBody>
+          <a:bodyPr rtlCol="0" anchor="ctr"/>
+          <a:lstStyle/>
+          <a:p>
+            <a:pPr algn="ctr"/>
+            <a:endParaRPr lang="en-US" dirty="0"/>
+          </a:p>
+        </p:txBody>
+      </p:sp>
+      <p:sp>
+        <p:nvSpPr>
+          <p:cNvPr id="156" name="Arrow: Right 155">
+            <a:extLst>
+              <a:ext uri="{FF2B5EF4-FFF2-40B4-BE49-F238E27FC236}">
+                <a16:creationId xmlns:a16="http://schemas.microsoft.com/office/drawing/2014/main" id="{726CA886-9B8A-4FE1-B412-BD4E21AF3791}"/>
+              </a:ext>
+            </a:extLst>
+          </p:cNvPr>
+          <p:cNvSpPr/>
+          <p:nvPr/>
+        </p:nvSpPr>
+        <p:spPr>
+          <a:xfrm>
+            <a:off x="8013692" y="1383252"/>
+            <a:ext cx="210197" cy="221662"/>
+          </a:xfrm>
+          <a:prstGeom prst="rightArrow">
+            <a:avLst/>
+          </a:prstGeom>
+        </p:spPr>
+        <p:style>
+          <a:lnRef idx="2">
+            <a:schemeClr val="accent1">
+              <a:shade val="50000"/>
+            </a:schemeClr>
+          </a:lnRef>
+          <a:fillRef idx="1">
+            <a:schemeClr val="accent1"/>
+          </a:fillRef>
+          <a:effectRef idx="0">
+            <a:schemeClr val="accent1"/>
+          </a:effectRef>
+          <a:fontRef idx="minor">
+            <a:schemeClr val="lt1"/>
+          </a:fontRef>
+        </p:style>
+        <p:txBody>
+          <a:bodyPr rtlCol="0" anchor="ctr"/>
+          <a:lstStyle/>
+          <a:p>
+            <a:pPr algn="ctr"/>
+            <a:endParaRPr lang="en-US" dirty="0"/>
+          </a:p>
+        </p:txBody>
+      </p:sp>
+      <p:sp>
+        <p:nvSpPr>
+          <p:cNvPr id="157" name="TextBox 156">
+            <a:extLst>
+              <a:ext uri="{FF2B5EF4-FFF2-40B4-BE49-F238E27FC236}">
+                <a16:creationId xmlns:a16="http://schemas.microsoft.com/office/drawing/2014/main" id="{4201F98A-A866-4B13-80F3-E4E62D0D0CA0}"/>
+              </a:ext>
+            </a:extLst>
+          </p:cNvPr>
+          <p:cNvSpPr txBox="1"/>
+          <p:nvPr/>
+        </p:nvSpPr>
+        <p:spPr>
+          <a:xfrm>
+            <a:off x="8201360" y="1116650"/>
+            <a:ext cx="2165448" cy="646331"/>
+          </a:xfrm>
+          <a:prstGeom prst="rect">
+            <a:avLst/>
+          </a:prstGeom>
+          <a:noFill/>
+        </p:spPr>
+        <p:txBody>
+          <a:bodyPr wrap="square" rtlCol="0">
+            <a:spAutoFit/>
+          </a:bodyPr>
+          <a:lstStyle/>
+          <a:p>
+            <a:pPr algn="ctr"/>
+            <a:r>
+              <a:rPr lang="en-US" i="1" dirty="0"/>
+              <a:t>Fully connected </a:t>
+            </a:r>
+          </a:p>
+          <a:p>
+            <a:pPr algn="ctr"/>
+            <a:r>
+              <a:rPr lang="en-US" i="1" dirty="0"/>
+              <a:t>layer</a:t>
+            </a:r>
+          </a:p>
+        </p:txBody>
+      </p:sp>
+      <p:sp>
+        <p:nvSpPr>
+          <p:cNvPr id="158" name="TextBox 157">
+            <a:extLst>
+              <a:ext uri="{FF2B5EF4-FFF2-40B4-BE49-F238E27FC236}">
+                <a16:creationId xmlns:a16="http://schemas.microsoft.com/office/drawing/2014/main" id="{48C48188-0603-4764-BAFA-05E4ABDDEADF}"/>
+              </a:ext>
+            </a:extLst>
+          </p:cNvPr>
+          <p:cNvSpPr txBox="1"/>
+          <p:nvPr/>
+        </p:nvSpPr>
+        <p:spPr>
+          <a:xfrm>
+            <a:off x="8927103" y="2024237"/>
+            <a:ext cx="1373818" cy="369332"/>
+          </a:xfrm>
+          <a:prstGeom prst="rect">
+            <a:avLst/>
+          </a:prstGeom>
+          <a:noFill/>
+        </p:spPr>
+        <p:txBody>
+          <a:bodyPr wrap="square" rtlCol="0">
+            <a:spAutoFit/>
+          </a:bodyPr>
+          <a:lstStyle/>
+          <a:p>
+            <a:pPr algn="ctr"/>
+            <a:r>
+              <a:rPr lang="en-US" i="1" dirty="0"/>
+              <a:t>concatenate</a:t>
+            </a:r>
+          </a:p>
+        </p:txBody>
+      </p:sp>
+    </p:spTree>
+    <p:extLst>
+      <p:ext uri="{BB962C8B-B14F-4D97-AF65-F5344CB8AC3E}">
+        <p14:creationId xmlns:p14="http://schemas.microsoft.com/office/powerpoint/2010/main" val="790561605"/>
+      </p:ext>
+    </p:extLst>
+  </p:cSld>
+  <p:clrMapOvr>
+    <a:masterClrMapping/>
+  </p:clrMapOvr>
+</p:sld>
+</file>
+
 <file path=ppt/slides/slide2.xml><?xml version="1.0" encoding="utf-8"?>
 <p:sld xmlns:a="http://schemas.openxmlformats.org/drawingml/2006/main" xmlns:r="http://schemas.openxmlformats.org/officeDocument/2006/relationships" xmlns:p="http://schemas.openxmlformats.org/presentationml/2006/main">
   <p:cSld>
@@ -44379,7 +53983,7 @@
         </p:nvGrpSpPr>
         <p:grpSpPr>
           <a:xfrm>
-            <a:off x="3034891" y="1052078"/>
+            <a:off x="2919916" y="1052078"/>
             <a:ext cx="1892379" cy="738664"/>
             <a:chOff x="5959989" y="1474641"/>
             <a:chExt cx="1892379" cy="738664"/>
@@ -44489,8 +54093,8 @@
         </p:nvSpPr>
         <p:spPr>
           <a:xfrm>
-            <a:off x="3076413" y="1708488"/>
-            <a:ext cx="2051892" cy="307777"/>
+            <a:off x="2834929" y="1720377"/>
+            <a:ext cx="1997111" cy="369332"/>
           </a:xfrm>
           <a:prstGeom prst="rect">
             <a:avLst/>
@@ -44503,9 +54107,10 @@
           </a:bodyPr>
           <a:lstStyle/>
           <a:p>
+            <a:pPr algn="ctr"/>
             <a:r>
-              <a:rPr lang="en-US" sz="1400" dirty="0"/>
-              <a:t>    Method content </a:t>
+              <a:rPr lang="en-US" dirty="0"/>
+              <a:t>Method content </a:t>
             </a:r>
           </a:p>
         </p:txBody>
@@ -47957,7 +57562,7 @@
         </p:nvSpPr>
         <p:spPr>
           <a:xfrm>
-            <a:off x="2904184" y="2102104"/>
+            <a:off x="2909197" y="2194911"/>
             <a:ext cx="2051892" cy="400110"/>
           </a:xfrm>
           <a:prstGeom prst="rect">
@@ -47996,8 +57601,8 @@
         </p:nvSpPr>
         <p:spPr>
           <a:xfrm>
-            <a:off x="2894675" y="3128462"/>
-            <a:ext cx="2051892" cy="584775"/>
+            <a:off x="3060557" y="3037963"/>
+            <a:ext cx="866549" cy="646331"/>
           </a:xfrm>
           <a:prstGeom prst="rect">
             <a:avLst/>
@@ -48011,18 +57616,14 @@
           <a:lstStyle/>
           <a:p>
             <a:r>
-              <a:rPr lang="en-US" sz="1400" dirty="0"/>
-              <a:t>    </a:t>
-            </a:r>
-            <a:r>
               <a:rPr lang="en-US" sz="2000" dirty="0"/>
               <a:t>AST</a:t>
             </a:r>
           </a:p>
           <a:p>
             <a:r>
-              <a:rPr lang="en-US" sz="1200" dirty="0"/>
-              <a:t>(sim. meth)</a:t>
+              <a:rPr lang="en-US" sz="1600" dirty="0"/>
+              <a:t>(MSM)</a:t>
             </a:r>
           </a:p>
         </p:txBody>

--- a/Figures.pptx
+++ b/Figures.pptx
@@ -270,7 +270,7 @@
           <a:p>
             <a:fld id="{9BED4BE8-31C7-403D-911A-3E727E0E58BF}" type="datetimeFigureOut">
               <a:rPr lang="en-US" smtClean="0"/>
-              <a:t>8/20/2021</a:t>
+              <a:t>8/21/2021</a:t>
             </a:fld>
             <a:endParaRPr lang="en-US"/>
           </a:p>
@@ -468,7 +468,7 @@
           <a:p>
             <a:fld id="{9BED4BE8-31C7-403D-911A-3E727E0E58BF}" type="datetimeFigureOut">
               <a:rPr lang="en-US" smtClean="0"/>
-              <a:t>8/20/2021</a:t>
+              <a:t>8/21/2021</a:t>
             </a:fld>
             <a:endParaRPr lang="en-US"/>
           </a:p>
@@ -676,7 +676,7 @@
           <a:p>
             <a:fld id="{9BED4BE8-31C7-403D-911A-3E727E0E58BF}" type="datetimeFigureOut">
               <a:rPr lang="en-US" smtClean="0"/>
-              <a:t>8/20/2021</a:t>
+              <a:t>8/21/2021</a:t>
             </a:fld>
             <a:endParaRPr lang="en-US"/>
           </a:p>
@@ -874,7 +874,7 @@
           <a:p>
             <a:fld id="{9BED4BE8-31C7-403D-911A-3E727E0E58BF}" type="datetimeFigureOut">
               <a:rPr lang="en-US" smtClean="0"/>
-              <a:t>8/20/2021</a:t>
+              <a:t>8/21/2021</a:t>
             </a:fld>
             <a:endParaRPr lang="en-US"/>
           </a:p>
@@ -1149,7 +1149,7 @@
           <a:p>
             <a:fld id="{9BED4BE8-31C7-403D-911A-3E727E0E58BF}" type="datetimeFigureOut">
               <a:rPr lang="en-US" smtClean="0"/>
-              <a:t>8/20/2021</a:t>
+              <a:t>8/21/2021</a:t>
             </a:fld>
             <a:endParaRPr lang="en-US"/>
           </a:p>
@@ -1414,7 +1414,7 @@
           <a:p>
             <a:fld id="{9BED4BE8-31C7-403D-911A-3E727E0E58BF}" type="datetimeFigureOut">
               <a:rPr lang="en-US" smtClean="0"/>
-              <a:t>8/20/2021</a:t>
+              <a:t>8/21/2021</a:t>
             </a:fld>
             <a:endParaRPr lang="en-US"/>
           </a:p>
@@ -1826,7 +1826,7 @@
           <a:p>
             <a:fld id="{9BED4BE8-31C7-403D-911A-3E727E0E58BF}" type="datetimeFigureOut">
               <a:rPr lang="en-US" smtClean="0"/>
-              <a:t>8/20/2021</a:t>
+              <a:t>8/21/2021</a:t>
             </a:fld>
             <a:endParaRPr lang="en-US"/>
           </a:p>
@@ -1967,7 +1967,7 @@
           <a:p>
             <a:fld id="{9BED4BE8-31C7-403D-911A-3E727E0E58BF}" type="datetimeFigureOut">
               <a:rPr lang="en-US" smtClean="0"/>
-              <a:t>8/20/2021</a:t>
+              <a:t>8/21/2021</a:t>
             </a:fld>
             <a:endParaRPr lang="en-US"/>
           </a:p>
@@ -2080,7 +2080,7 @@
           <a:p>
             <a:fld id="{9BED4BE8-31C7-403D-911A-3E727E0E58BF}" type="datetimeFigureOut">
               <a:rPr lang="en-US" smtClean="0"/>
-              <a:t>8/20/2021</a:t>
+              <a:t>8/21/2021</a:t>
             </a:fld>
             <a:endParaRPr lang="en-US"/>
           </a:p>
@@ -2391,7 +2391,7 @@
           <a:p>
             <a:fld id="{9BED4BE8-31C7-403D-911A-3E727E0E58BF}" type="datetimeFigureOut">
               <a:rPr lang="en-US" smtClean="0"/>
-              <a:t>8/20/2021</a:t>
+              <a:t>8/21/2021</a:t>
             </a:fld>
             <a:endParaRPr lang="en-US"/>
           </a:p>
@@ -2679,7 +2679,7 @@
           <a:p>
             <a:fld id="{9BED4BE8-31C7-403D-911A-3E727E0E58BF}" type="datetimeFigureOut">
               <a:rPr lang="en-US" smtClean="0"/>
-              <a:t>8/20/2021</a:t>
+              <a:t>8/21/2021</a:t>
             </a:fld>
             <a:endParaRPr lang="en-US"/>
           </a:p>
@@ -2920,7 +2920,7 @@
           <a:p>
             <a:fld id="{9BED4BE8-31C7-403D-911A-3E727E0E58BF}" type="datetimeFigureOut">
               <a:rPr lang="en-US" smtClean="0"/>
-              <a:t>8/20/2021</a:t>
+              <a:t>8/21/2021</a:t>
             </a:fld>
             <a:endParaRPr lang="en-US"/>
           </a:p>
@@ -22789,7 +22789,7 @@
         </p:nvSpPr>
         <p:spPr>
           <a:xfrm>
-            <a:off x="3227458" y="1872309"/>
+            <a:off x="3384429" y="1866111"/>
             <a:ext cx="3092227" cy="338554"/>
           </a:xfrm>
           <a:prstGeom prst="rect">
@@ -22804,44 +22804,8 @@
           <a:lstStyle/>
           <a:p>
             <a:r>
-              <a:rPr lang="en-US" sz="1600" i="1" dirty="0"/>
+              <a:rPr lang="en-US" sz="1600" dirty="0"/>
               <a:t>Code  coverage</a:t>
-            </a:r>
-          </a:p>
-        </p:txBody>
-      </p:sp>
-      <p:sp>
-        <p:nvSpPr>
-          <p:cNvPr id="3" name="TextBox 2">
-            <a:extLst>
-              <a:ext uri="{FF2B5EF4-FFF2-40B4-BE49-F238E27FC236}">
-                <a16:creationId xmlns:a16="http://schemas.microsoft.com/office/drawing/2014/main" id="{2E6AADB5-1754-47E3-805D-B0344C7AA2B0}"/>
-              </a:ext>
-            </a:extLst>
-          </p:cNvPr>
-          <p:cNvSpPr txBox="1"/>
-          <p:nvPr/>
-        </p:nvSpPr>
-        <p:spPr>
-          <a:xfrm>
-            <a:off x="3431855" y="2369383"/>
-            <a:ext cx="532549" cy="369332"/>
-          </a:xfrm>
-          <a:prstGeom prst="rect">
-            <a:avLst/>
-          </a:prstGeom>
-          <a:noFill/>
-        </p:spPr>
-        <p:txBody>
-          <a:bodyPr wrap="square" rtlCol="0">
-            <a:spAutoFit/>
-          </a:bodyPr>
-          <a:lstStyle/>
-          <a:p>
-            <a:pPr algn="ctr"/>
-            <a:r>
-              <a:rPr lang="en-US" dirty="0"/>
-              <a:t>AST</a:t>
             </a:r>
           </a:p>
         </p:txBody>
@@ -22860,7 +22824,7 @@
         </p:nvSpPr>
         <p:spPr>
           <a:xfrm>
-            <a:off x="3018593" y="3241112"/>
+            <a:off x="3312785" y="3246011"/>
             <a:ext cx="1412660" cy="369332"/>
           </a:xfrm>
           <a:prstGeom prst="rect">
@@ -22876,7 +22840,7 @@
           <a:p>
             <a:pPr algn="ctr"/>
             <a:r>
-              <a:rPr lang="en-US" i="1" dirty="0"/>
+              <a:rPr lang="en-US" dirty="0"/>
               <a:t>Variables</a:t>
             </a:r>
           </a:p>
@@ -22896,7 +22860,7 @@
         </p:nvSpPr>
         <p:spPr>
           <a:xfrm>
-            <a:off x="7345482" y="3704454"/>
+            <a:off x="7412077" y="3689846"/>
             <a:ext cx="744222" cy="369332"/>
           </a:xfrm>
           <a:prstGeom prst="rect">
@@ -23126,7 +23090,7 @@
         </p:nvSpPr>
         <p:spPr>
           <a:xfrm>
-            <a:off x="7287338" y="2647582"/>
+            <a:off x="7264646" y="2190271"/>
             <a:ext cx="848615" cy="369332"/>
           </a:xfrm>
           <a:prstGeom prst="rect">
@@ -23588,7 +23552,7 @@
         </p:nvSpPr>
         <p:spPr>
           <a:xfrm>
-            <a:off x="4872851" y="2569957"/>
+            <a:off x="4871381" y="2542927"/>
             <a:ext cx="210197" cy="221662"/>
           </a:xfrm>
           <a:prstGeom prst="rightArrow">
@@ -23634,7 +23598,7 @@
         </p:nvSpPr>
         <p:spPr>
           <a:xfrm>
-            <a:off x="4864947" y="3635093"/>
+            <a:off x="4871382" y="3579873"/>
             <a:ext cx="210197" cy="221662"/>
           </a:xfrm>
           <a:prstGeom prst="rightArrow">
@@ -23680,7 +23644,7 @@
         </p:nvSpPr>
         <p:spPr>
           <a:xfrm>
-            <a:off x="5322258" y="2562719"/>
+            <a:off x="5327805" y="2529782"/>
             <a:ext cx="210197" cy="221662"/>
           </a:xfrm>
           <a:prstGeom prst="rightArrow">
@@ -23726,7 +23690,7 @@
         </p:nvSpPr>
         <p:spPr>
           <a:xfrm>
-            <a:off x="5314354" y="3627855"/>
+            <a:off x="5332107" y="3587558"/>
             <a:ext cx="210197" cy="221662"/>
           </a:xfrm>
           <a:prstGeom prst="rightArrow">
@@ -23772,7 +23736,7 @@
         </p:nvSpPr>
         <p:spPr>
           <a:xfrm>
-            <a:off x="6642833" y="2504370"/>
+            <a:off x="6642727" y="2504296"/>
             <a:ext cx="210197" cy="221662"/>
           </a:xfrm>
           <a:prstGeom prst="rightArrow">
@@ -23818,7 +23782,7 @@
         </p:nvSpPr>
         <p:spPr>
           <a:xfrm>
-            <a:off x="6634929" y="3569506"/>
+            <a:off x="6646993" y="3599355"/>
             <a:ext cx="210197" cy="221662"/>
           </a:xfrm>
           <a:prstGeom prst="rightArrow">
@@ -23942,473 +23906,530 @@
           </a:p>
         </p:txBody>
       </p:sp>
-      <p:sp>
-        <p:nvSpPr>
-          <p:cNvPr id="120" name="Oval 119">
+      <p:grpSp>
+        <p:nvGrpSpPr>
+          <p:cNvPr id="5" name="Group 4">
             <a:extLst>
               <a:ext uri="{FF2B5EF4-FFF2-40B4-BE49-F238E27FC236}">
-                <a16:creationId xmlns:a16="http://schemas.microsoft.com/office/drawing/2014/main" id="{02910987-63ED-4E1E-B7C8-471816686224}"/>
+                <a16:creationId xmlns:a16="http://schemas.microsoft.com/office/drawing/2014/main" id="{6FC35AC6-BED0-4CFF-9A1F-1C55B0B64254}"/>
               </a:ext>
             </a:extLst>
           </p:cNvPr>
-          <p:cNvSpPr/>
+          <p:cNvGrpSpPr/>
           <p:nvPr/>
-        </p:nvSpPr>
-        <p:spPr>
+        </p:nvGrpSpPr>
+        <p:grpSpPr>
           <a:xfrm>
-            <a:off x="4016870" y="2378745"/>
-            <a:ext cx="200993" cy="135700"/>
+            <a:off x="3499200" y="2269967"/>
+            <a:ext cx="959158" cy="807824"/>
+            <a:chOff x="3379226" y="2351641"/>
+            <a:chExt cx="1158859" cy="814935"/>
           </a:xfrm>
-          <a:prstGeom prst="ellipse">
-            <a:avLst/>
-          </a:prstGeom>
-          <a:solidFill>
-            <a:schemeClr val="accent6">
-              <a:lumMod val="60000"/>
-              <a:lumOff val="40000"/>
-            </a:schemeClr>
-          </a:solidFill>
-          <a:ln>
+        </p:grpSpPr>
+        <p:sp>
+          <p:nvSpPr>
+            <p:cNvPr id="3" name="TextBox 2">
+              <a:extLst>
+                <a:ext uri="{FF2B5EF4-FFF2-40B4-BE49-F238E27FC236}">
+                  <a16:creationId xmlns:a16="http://schemas.microsoft.com/office/drawing/2014/main" id="{2E6AADB5-1754-47E3-805D-B0344C7AA2B0}"/>
+                </a:ext>
+              </a:extLst>
+            </p:cNvPr>
+            <p:cNvSpPr txBox="1"/>
+            <p:nvPr/>
+          </p:nvSpPr>
+          <p:spPr>
+            <a:xfrm>
+              <a:off x="3379226" y="2351641"/>
+              <a:ext cx="660381" cy="372583"/>
+            </a:xfrm>
+            <a:prstGeom prst="rect">
+              <a:avLst/>
+            </a:prstGeom>
+            <a:noFill/>
+          </p:spPr>
+          <p:txBody>
+            <a:bodyPr wrap="square" rtlCol="0">
+              <a:spAutoFit/>
+            </a:bodyPr>
+            <a:lstStyle/>
+            <a:p>
+              <a:pPr algn="ctr"/>
+              <a:r>
+                <a:rPr lang="en-US" dirty="0"/>
+                <a:t>AST</a:t>
+              </a:r>
+            </a:p>
+          </p:txBody>
+        </p:sp>
+        <p:sp>
+          <p:nvSpPr>
+            <p:cNvPr id="120" name="Oval 119">
+              <a:extLst>
+                <a:ext uri="{FF2B5EF4-FFF2-40B4-BE49-F238E27FC236}">
+                  <a16:creationId xmlns:a16="http://schemas.microsoft.com/office/drawing/2014/main" id="{02910987-63ED-4E1E-B7C8-471816686224}"/>
+                </a:ext>
+              </a:extLst>
+            </p:cNvPr>
+            <p:cNvSpPr/>
+            <p:nvPr/>
+          </p:nvSpPr>
+          <p:spPr>
+            <a:xfrm>
+              <a:off x="4016870" y="2378745"/>
+              <a:ext cx="200993" cy="135700"/>
+            </a:xfrm>
+            <a:prstGeom prst="ellipse">
+              <a:avLst/>
+            </a:prstGeom>
             <a:solidFill>
               <a:schemeClr val="accent6">
-                <a:lumMod val="75000"/>
+                <a:lumMod val="60000"/>
+                <a:lumOff val="40000"/>
               </a:schemeClr>
             </a:solidFill>
-          </a:ln>
-        </p:spPr>
-        <p:style>
-          <a:lnRef idx="2">
-            <a:schemeClr val="accent1">
-              <a:shade val="50000"/>
-            </a:schemeClr>
-          </a:lnRef>
-          <a:fillRef idx="1">
-            <a:schemeClr val="accent1"/>
-          </a:fillRef>
-          <a:effectRef idx="0">
-            <a:schemeClr val="accent1"/>
-          </a:effectRef>
-          <a:fontRef idx="minor">
-            <a:schemeClr val="lt1"/>
-          </a:fontRef>
-        </p:style>
-        <p:txBody>
-          <a:bodyPr rtlCol="0" anchor="ctr"/>
-          <a:lstStyle/>
-          <a:p>
-            <a:pPr algn="ctr"/>
-            <a:endParaRPr lang="en-US" dirty="0"/>
-          </a:p>
-        </p:txBody>
-      </p:sp>
-      <p:sp>
-        <p:nvSpPr>
-          <p:cNvPr id="121" name="Oval 120">
-            <a:extLst>
-              <a:ext uri="{FF2B5EF4-FFF2-40B4-BE49-F238E27FC236}">
-                <a16:creationId xmlns:a16="http://schemas.microsoft.com/office/drawing/2014/main" id="{860961CC-D4A5-449C-8925-6465367E38D0}"/>
-              </a:ext>
-            </a:extLst>
-          </p:cNvPr>
-          <p:cNvSpPr/>
-          <p:nvPr/>
-        </p:nvSpPr>
-        <p:spPr>
-          <a:xfrm>
-            <a:off x="3736050" y="2739118"/>
-            <a:ext cx="200993" cy="135700"/>
-          </a:xfrm>
-          <a:prstGeom prst="ellipse">
-            <a:avLst/>
-          </a:prstGeom>
-          <a:solidFill>
-            <a:schemeClr val="accent6">
-              <a:lumMod val="60000"/>
-              <a:lumOff val="40000"/>
-            </a:schemeClr>
-          </a:solidFill>
-          <a:ln>
+            <a:ln>
+              <a:solidFill>
+                <a:schemeClr val="accent6">
+                  <a:lumMod val="75000"/>
+                </a:schemeClr>
+              </a:solidFill>
+            </a:ln>
+          </p:spPr>
+          <p:style>
+            <a:lnRef idx="2">
+              <a:schemeClr val="accent1">
+                <a:shade val="50000"/>
+              </a:schemeClr>
+            </a:lnRef>
+            <a:fillRef idx="1">
+              <a:schemeClr val="accent1"/>
+            </a:fillRef>
+            <a:effectRef idx="0">
+              <a:schemeClr val="accent1"/>
+            </a:effectRef>
+            <a:fontRef idx="minor">
+              <a:schemeClr val="lt1"/>
+            </a:fontRef>
+          </p:style>
+          <p:txBody>
+            <a:bodyPr rtlCol="0" anchor="ctr"/>
+            <a:lstStyle/>
+            <a:p>
+              <a:pPr algn="ctr"/>
+              <a:endParaRPr lang="en-US" dirty="0"/>
+            </a:p>
+          </p:txBody>
+        </p:sp>
+        <p:sp>
+          <p:nvSpPr>
+            <p:cNvPr id="121" name="Oval 120">
+              <a:extLst>
+                <a:ext uri="{FF2B5EF4-FFF2-40B4-BE49-F238E27FC236}">
+                  <a16:creationId xmlns:a16="http://schemas.microsoft.com/office/drawing/2014/main" id="{860961CC-D4A5-449C-8925-6465367E38D0}"/>
+                </a:ext>
+              </a:extLst>
+            </p:cNvPr>
+            <p:cNvSpPr/>
+            <p:nvPr/>
+          </p:nvSpPr>
+          <p:spPr>
+            <a:xfrm>
+              <a:off x="3736050" y="2739118"/>
+              <a:ext cx="200993" cy="135700"/>
+            </a:xfrm>
+            <a:prstGeom prst="ellipse">
+              <a:avLst/>
+            </a:prstGeom>
             <a:solidFill>
               <a:schemeClr val="accent6">
-                <a:lumMod val="75000"/>
+                <a:lumMod val="60000"/>
+                <a:lumOff val="40000"/>
               </a:schemeClr>
             </a:solidFill>
-          </a:ln>
-        </p:spPr>
-        <p:style>
-          <a:lnRef idx="2">
-            <a:schemeClr val="accent1">
-              <a:shade val="50000"/>
-            </a:schemeClr>
-          </a:lnRef>
-          <a:fillRef idx="1">
-            <a:schemeClr val="accent1"/>
-          </a:fillRef>
-          <a:effectRef idx="0">
-            <a:schemeClr val="accent1"/>
-          </a:effectRef>
-          <a:fontRef idx="minor">
-            <a:schemeClr val="lt1"/>
-          </a:fontRef>
-        </p:style>
-        <p:txBody>
-          <a:bodyPr rtlCol="0" anchor="ctr"/>
-          <a:lstStyle/>
-          <a:p>
-            <a:pPr algn="ctr"/>
-            <a:endParaRPr lang="en-US" dirty="0"/>
-          </a:p>
-        </p:txBody>
-      </p:sp>
-      <p:sp>
-        <p:nvSpPr>
-          <p:cNvPr id="122" name="Oval 121">
-            <a:extLst>
-              <a:ext uri="{FF2B5EF4-FFF2-40B4-BE49-F238E27FC236}">
-                <a16:creationId xmlns:a16="http://schemas.microsoft.com/office/drawing/2014/main" id="{D4324D14-1354-43EA-855A-7CC46352451C}"/>
-              </a:ext>
-            </a:extLst>
-          </p:cNvPr>
-          <p:cNvSpPr/>
-          <p:nvPr/>
-        </p:nvSpPr>
-        <p:spPr>
-          <a:xfrm>
-            <a:off x="3479208" y="3030876"/>
-            <a:ext cx="200993" cy="135700"/>
-          </a:xfrm>
-          <a:prstGeom prst="ellipse">
-            <a:avLst/>
-          </a:prstGeom>
-          <a:solidFill>
-            <a:schemeClr val="accent6">
-              <a:lumMod val="60000"/>
-              <a:lumOff val="40000"/>
-            </a:schemeClr>
-          </a:solidFill>
-          <a:ln>
+            <a:ln>
+              <a:solidFill>
+                <a:schemeClr val="accent6">
+                  <a:lumMod val="75000"/>
+                </a:schemeClr>
+              </a:solidFill>
+            </a:ln>
+          </p:spPr>
+          <p:style>
+            <a:lnRef idx="2">
+              <a:schemeClr val="accent1">
+                <a:shade val="50000"/>
+              </a:schemeClr>
+            </a:lnRef>
+            <a:fillRef idx="1">
+              <a:schemeClr val="accent1"/>
+            </a:fillRef>
+            <a:effectRef idx="0">
+              <a:schemeClr val="accent1"/>
+            </a:effectRef>
+            <a:fontRef idx="minor">
+              <a:schemeClr val="lt1"/>
+            </a:fontRef>
+          </p:style>
+          <p:txBody>
+            <a:bodyPr rtlCol="0" anchor="ctr"/>
+            <a:lstStyle/>
+            <a:p>
+              <a:pPr algn="ctr"/>
+              <a:endParaRPr lang="en-US" dirty="0"/>
+            </a:p>
+          </p:txBody>
+        </p:sp>
+        <p:sp>
+          <p:nvSpPr>
+            <p:cNvPr id="122" name="Oval 121">
+              <a:extLst>
+                <a:ext uri="{FF2B5EF4-FFF2-40B4-BE49-F238E27FC236}">
+                  <a16:creationId xmlns:a16="http://schemas.microsoft.com/office/drawing/2014/main" id="{D4324D14-1354-43EA-855A-7CC46352451C}"/>
+                </a:ext>
+              </a:extLst>
+            </p:cNvPr>
+            <p:cNvSpPr/>
+            <p:nvPr/>
+          </p:nvSpPr>
+          <p:spPr>
+            <a:xfrm>
+              <a:off x="3479208" y="3030876"/>
+              <a:ext cx="200993" cy="135700"/>
+            </a:xfrm>
+            <a:prstGeom prst="ellipse">
+              <a:avLst/>
+            </a:prstGeom>
             <a:solidFill>
               <a:schemeClr val="accent6">
-                <a:lumMod val="75000"/>
+                <a:lumMod val="60000"/>
+                <a:lumOff val="40000"/>
               </a:schemeClr>
             </a:solidFill>
-          </a:ln>
-        </p:spPr>
-        <p:style>
-          <a:lnRef idx="2">
-            <a:schemeClr val="accent1">
-              <a:shade val="50000"/>
-            </a:schemeClr>
-          </a:lnRef>
-          <a:fillRef idx="1">
-            <a:schemeClr val="accent1"/>
-          </a:fillRef>
-          <a:effectRef idx="0">
-            <a:schemeClr val="accent1"/>
-          </a:effectRef>
-          <a:fontRef idx="minor">
-            <a:schemeClr val="lt1"/>
-          </a:fontRef>
-        </p:style>
-        <p:txBody>
-          <a:bodyPr rtlCol="0" anchor="ctr"/>
-          <a:lstStyle/>
-          <a:p>
-            <a:pPr algn="ctr"/>
-            <a:endParaRPr lang="en-US" dirty="0"/>
-          </a:p>
-        </p:txBody>
-      </p:sp>
-      <p:sp>
-        <p:nvSpPr>
-          <p:cNvPr id="123" name="Oval 122">
-            <a:extLst>
-              <a:ext uri="{FF2B5EF4-FFF2-40B4-BE49-F238E27FC236}">
-                <a16:creationId xmlns:a16="http://schemas.microsoft.com/office/drawing/2014/main" id="{0263B05C-3EF3-489C-8772-BD13773E375A}"/>
-              </a:ext>
-            </a:extLst>
-          </p:cNvPr>
-          <p:cNvSpPr/>
-          <p:nvPr/>
-        </p:nvSpPr>
-        <p:spPr>
-          <a:xfrm>
-            <a:off x="4054600" y="3020696"/>
-            <a:ext cx="200993" cy="135700"/>
-          </a:xfrm>
-          <a:prstGeom prst="ellipse">
-            <a:avLst/>
-          </a:prstGeom>
-          <a:solidFill>
-            <a:schemeClr val="accent6">
-              <a:lumMod val="60000"/>
-              <a:lumOff val="40000"/>
-            </a:schemeClr>
-          </a:solidFill>
-          <a:ln>
+            <a:ln>
+              <a:solidFill>
+                <a:schemeClr val="accent6">
+                  <a:lumMod val="75000"/>
+                </a:schemeClr>
+              </a:solidFill>
+            </a:ln>
+          </p:spPr>
+          <p:style>
+            <a:lnRef idx="2">
+              <a:schemeClr val="accent1">
+                <a:shade val="50000"/>
+              </a:schemeClr>
+            </a:lnRef>
+            <a:fillRef idx="1">
+              <a:schemeClr val="accent1"/>
+            </a:fillRef>
+            <a:effectRef idx="0">
+              <a:schemeClr val="accent1"/>
+            </a:effectRef>
+            <a:fontRef idx="minor">
+              <a:schemeClr val="lt1"/>
+            </a:fontRef>
+          </p:style>
+          <p:txBody>
+            <a:bodyPr rtlCol="0" anchor="ctr"/>
+            <a:lstStyle/>
+            <a:p>
+              <a:pPr algn="ctr"/>
+              <a:endParaRPr lang="en-US" dirty="0"/>
+            </a:p>
+          </p:txBody>
+        </p:sp>
+        <p:sp>
+          <p:nvSpPr>
+            <p:cNvPr id="123" name="Oval 122">
+              <a:extLst>
+                <a:ext uri="{FF2B5EF4-FFF2-40B4-BE49-F238E27FC236}">
+                  <a16:creationId xmlns:a16="http://schemas.microsoft.com/office/drawing/2014/main" id="{0263B05C-3EF3-489C-8772-BD13773E375A}"/>
+                </a:ext>
+              </a:extLst>
+            </p:cNvPr>
+            <p:cNvSpPr/>
+            <p:nvPr/>
+          </p:nvSpPr>
+          <p:spPr>
+            <a:xfrm>
+              <a:off x="4054600" y="3020696"/>
+              <a:ext cx="200993" cy="135700"/>
+            </a:xfrm>
+            <a:prstGeom prst="ellipse">
+              <a:avLst/>
+            </a:prstGeom>
             <a:solidFill>
               <a:schemeClr val="accent6">
-                <a:lumMod val="75000"/>
+                <a:lumMod val="60000"/>
+                <a:lumOff val="40000"/>
               </a:schemeClr>
             </a:solidFill>
-          </a:ln>
-        </p:spPr>
-        <p:style>
-          <a:lnRef idx="2">
-            <a:schemeClr val="accent1">
-              <a:shade val="50000"/>
-            </a:schemeClr>
-          </a:lnRef>
-          <a:fillRef idx="1">
-            <a:schemeClr val="accent1"/>
-          </a:fillRef>
-          <a:effectRef idx="0">
-            <a:schemeClr val="accent1"/>
-          </a:effectRef>
-          <a:fontRef idx="minor">
-            <a:schemeClr val="lt1"/>
-          </a:fontRef>
-        </p:style>
-        <p:txBody>
-          <a:bodyPr rtlCol="0" anchor="ctr"/>
-          <a:lstStyle/>
-          <a:p>
-            <a:pPr algn="ctr"/>
-            <a:endParaRPr lang="en-US" dirty="0"/>
-          </a:p>
-        </p:txBody>
-      </p:sp>
-      <p:cxnSp>
-        <p:nvCxnSpPr>
-          <p:cNvPr id="124" name="Straight Arrow Connector 123">
-            <a:extLst>
-              <a:ext uri="{FF2B5EF4-FFF2-40B4-BE49-F238E27FC236}">
-                <a16:creationId xmlns:a16="http://schemas.microsoft.com/office/drawing/2014/main" id="{BA019E94-7E53-47AD-A59F-7BA2CB8CABE9}"/>
-              </a:ext>
-            </a:extLst>
-          </p:cNvPr>
-          <p:cNvCxnSpPr>
-            <a:cxnSpLocks/>
-            <a:stCxn id="120" idx="3"/>
-            <a:endCxn id="121" idx="0"/>
-          </p:cNvCxnSpPr>
-          <p:nvPr/>
-        </p:nvCxnSpPr>
-        <p:spPr>
-          <a:xfrm flipH="1">
-            <a:off x="3836547" y="2494572"/>
-            <a:ext cx="209758" cy="244546"/>
-          </a:xfrm>
-          <a:prstGeom prst="straightConnector1">
-            <a:avLst/>
-          </a:prstGeom>
-          <a:ln w="19050">
-            <a:tailEnd type="triangle"/>
-          </a:ln>
-        </p:spPr>
-        <p:style>
-          <a:lnRef idx="1">
-            <a:schemeClr val="accent1"/>
-          </a:lnRef>
-          <a:fillRef idx="0">
-            <a:schemeClr val="accent1"/>
-          </a:fillRef>
-          <a:effectRef idx="0">
-            <a:schemeClr val="accent1"/>
-          </a:effectRef>
-          <a:fontRef idx="minor">
-            <a:schemeClr val="tx1"/>
-          </a:fontRef>
-        </p:style>
-      </p:cxnSp>
-      <p:cxnSp>
-        <p:nvCxnSpPr>
-          <p:cNvPr id="125" name="Straight Arrow Connector 124">
-            <a:extLst>
-              <a:ext uri="{FF2B5EF4-FFF2-40B4-BE49-F238E27FC236}">
-                <a16:creationId xmlns:a16="http://schemas.microsoft.com/office/drawing/2014/main" id="{123F44ED-89E4-4AC2-B9F6-720214CDE3F1}"/>
-              </a:ext>
-            </a:extLst>
-          </p:cNvPr>
-          <p:cNvCxnSpPr>
-            <a:cxnSpLocks/>
-            <a:stCxn id="121" idx="3"/>
-            <a:endCxn id="122" idx="7"/>
-          </p:cNvCxnSpPr>
-          <p:nvPr/>
-        </p:nvCxnSpPr>
-        <p:spPr>
-          <a:xfrm flipH="1">
-            <a:off x="3650766" y="2854944"/>
-            <a:ext cx="114719" cy="195805"/>
-          </a:xfrm>
-          <a:prstGeom prst="straightConnector1">
-            <a:avLst/>
-          </a:prstGeom>
-          <a:ln w="19050">
-            <a:tailEnd type="triangle"/>
-          </a:ln>
-        </p:spPr>
-        <p:style>
-          <a:lnRef idx="1">
-            <a:schemeClr val="accent1"/>
-          </a:lnRef>
-          <a:fillRef idx="0">
-            <a:schemeClr val="accent1"/>
-          </a:fillRef>
-          <a:effectRef idx="0">
-            <a:schemeClr val="accent1"/>
-          </a:effectRef>
-          <a:fontRef idx="minor">
-            <a:schemeClr val="tx1"/>
-          </a:fontRef>
-        </p:style>
-      </p:cxnSp>
-      <p:cxnSp>
-        <p:nvCxnSpPr>
-          <p:cNvPr id="126" name="Straight Arrow Connector 125">
-            <a:extLst>
-              <a:ext uri="{FF2B5EF4-FFF2-40B4-BE49-F238E27FC236}">
-                <a16:creationId xmlns:a16="http://schemas.microsoft.com/office/drawing/2014/main" id="{93852753-F936-4324-8614-1739B9C550C1}"/>
-              </a:ext>
-            </a:extLst>
-          </p:cNvPr>
-          <p:cNvCxnSpPr>
-            <a:cxnSpLocks/>
-            <a:stCxn id="121" idx="5"/>
-            <a:endCxn id="123" idx="1"/>
-          </p:cNvCxnSpPr>
-          <p:nvPr/>
-        </p:nvCxnSpPr>
-        <p:spPr>
-          <a:xfrm>
-            <a:off x="3907608" y="2854944"/>
-            <a:ext cx="176427" cy="185625"/>
-          </a:xfrm>
-          <a:prstGeom prst="straightConnector1">
-            <a:avLst/>
-          </a:prstGeom>
-          <a:ln w="19050">
-            <a:tailEnd type="triangle"/>
-          </a:ln>
-        </p:spPr>
-        <p:style>
-          <a:lnRef idx="1">
-            <a:schemeClr val="accent1"/>
-          </a:lnRef>
-          <a:fillRef idx="0">
-            <a:schemeClr val="accent1"/>
-          </a:fillRef>
-          <a:effectRef idx="0">
-            <a:schemeClr val="accent1"/>
-          </a:effectRef>
-          <a:fontRef idx="minor">
-            <a:schemeClr val="tx1"/>
-          </a:fontRef>
-        </p:style>
-      </p:cxnSp>
-      <p:sp>
-        <p:nvSpPr>
-          <p:cNvPr id="127" name="Oval 126">
-            <a:extLst>
-              <a:ext uri="{FF2B5EF4-FFF2-40B4-BE49-F238E27FC236}">
-                <a16:creationId xmlns:a16="http://schemas.microsoft.com/office/drawing/2014/main" id="{87518151-4353-4D8A-968D-993A87C546FF}"/>
-              </a:ext>
-            </a:extLst>
-          </p:cNvPr>
-          <p:cNvSpPr/>
-          <p:nvPr/>
-        </p:nvSpPr>
-        <p:spPr>
-          <a:xfrm>
-            <a:off x="4337092" y="2731440"/>
-            <a:ext cx="200993" cy="135700"/>
-          </a:xfrm>
-          <a:prstGeom prst="ellipse">
-            <a:avLst/>
-          </a:prstGeom>
-          <a:solidFill>
-            <a:schemeClr val="accent6">
-              <a:lumMod val="60000"/>
-              <a:lumOff val="40000"/>
-            </a:schemeClr>
-          </a:solidFill>
-          <a:ln>
+            <a:ln>
+              <a:solidFill>
+                <a:schemeClr val="accent6">
+                  <a:lumMod val="75000"/>
+                </a:schemeClr>
+              </a:solidFill>
+            </a:ln>
+          </p:spPr>
+          <p:style>
+            <a:lnRef idx="2">
+              <a:schemeClr val="accent1">
+                <a:shade val="50000"/>
+              </a:schemeClr>
+            </a:lnRef>
+            <a:fillRef idx="1">
+              <a:schemeClr val="accent1"/>
+            </a:fillRef>
+            <a:effectRef idx="0">
+              <a:schemeClr val="accent1"/>
+            </a:effectRef>
+            <a:fontRef idx="minor">
+              <a:schemeClr val="lt1"/>
+            </a:fontRef>
+          </p:style>
+          <p:txBody>
+            <a:bodyPr rtlCol="0" anchor="ctr"/>
+            <a:lstStyle/>
+            <a:p>
+              <a:pPr algn="ctr"/>
+              <a:endParaRPr lang="en-US" dirty="0"/>
+            </a:p>
+          </p:txBody>
+        </p:sp>
+        <p:cxnSp>
+          <p:nvCxnSpPr>
+            <p:cNvPr id="124" name="Straight Arrow Connector 123">
+              <a:extLst>
+                <a:ext uri="{FF2B5EF4-FFF2-40B4-BE49-F238E27FC236}">
+                  <a16:creationId xmlns:a16="http://schemas.microsoft.com/office/drawing/2014/main" id="{BA019E94-7E53-47AD-A59F-7BA2CB8CABE9}"/>
+                </a:ext>
+              </a:extLst>
+            </p:cNvPr>
+            <p:cNvCxnSpPr>
+              <a:cxnSpLocks/>
+              <a:stCxn id="120" idx="3"/>
+              <a:endCxn id="121" idx="0"/>
+            </p:cNvCxnSpPr>
+            <p:nvPr/>
+          </p:nvCxnSpPr>
+          <p:spPr>
+            <a:xfrm flipH="1">
+              <a:off x="3836547" y="2494572"/>
+              <a:ext cx="209758" cy="244546"/>
+            </a:xfrm>
+            <a:prstGeom prst="straightConnector1">
+              <a:avLst/>
+            </a:prstGeom>
+            <a:ln w="19050">
+              <a:tailEnd type="triangle"/>
+            </a:ln>
+          </p:spPr>
+          <p:style>
+            <a:lnRef idx="1">
+              <a:schemeClr val="accent1"/>
+            </a:lnRef>
+            <a:fillRef idx="0">
+              <a:schemeClr val="accent1"/>
+            </a:fillRef>
+            <a:effectRef idx="0">
+              <a:schemeClr val="accent1"/>
+            </a:effectRef>
+            <a:fontRef idx="minor">
+              <a:schemeClr val="tx1"/>
+            </a:fontRef>
+          </p:style>
+        </p:cxnSp>
+        <p:cxnSp>
+          <p:nvCxnSpPr>
+            <p:cNvPr id="125" name="Straight Arrow Connector 124">
+              <a:extLst>
+                <a:ext uri="{FF2B5EF4-FFF2-40B4-BE49-F238E27FC236}">
+                  <a16:creationId xmlns:a16="http://schemas.microsoft.com/office/drawing/2014/main" id="{123F44ED-89E4-4AC2-B9F6-720214CDE3F1}"/>
+                </a:ext>
+              </a:extLst>
+            </p:cNvPr>
+            <p:cNvCxnSpPr>
+              <a:cxnSpLocks/>
+              <a:stCxn id="121" idx="3"/>
+              <a:endCxn id="122" idx="7"/>
+            </p:cNvCxnSpPr>
+            <p:nvPr/>
+          </p:nvCxnSpPr>
+          <p:spPr>
+            <a:xfrm flipH="1">
+              <a:off x="3650766" y="2854944"/>
+              <a:ext cx="114719" cy="195805"/>
+            </a:xfrm>
+            <a:prstGeom prst="straightConnector1">
+              <a:avLst/>
+            </a:prstGeom>
+            <a:ln w="19050">
+              <a:tailEnd type="triangle"/>
+            </a:ln>
+          </p:spPr>
+          <p:style>
+            <a:lnRef idx="1">
+              <a:schemeClr val="accent1"/>
+            </a:lnRef>
+            <a:fillRef idx="0">
+              <a:schemeClr val="accent1"/>
+            </a:fillRef>
+            <a:effectRef idx="0">
+              <a:schemeClr val="accent1"/>
+            </a:effectRef>
+            <a:fontRef idx="minor">
+              <a:schemeClr val="tx1"/>
+            </a:fontRef>
+          </p:style>
+        </p:cxnSp>
+        <p:cxnSp>
+          <p:nvCxnSpPr>
+            <p:cNvPr id="126" name="Straight Arrow Connector 125">
+              <a:extLst>
+                <a:ext uri="{FF2B5EF4-FFF2-40B4-BE49-F238E27FC236}">
+                  <a16:creationId xmlns:a16="http://schemas.microsoft.com/office/drawing/2014/main" id="{93852753-F936-4324-8614-1739B9C550C1}"/>
+                </a:ext>
+              </a:extLst>
+            </p:cNvPr>
+            <p:cNvCxnSpPr>
+              <a:cxnSpLocks/>
+              <a:stCxn id="121" idx="5"/>
+              <a:endCxn id="123" idx="1"/>
+            </p:cNvCxnSpPr>
+            <p:nvPr/>
+          </p:nvCxnSpPr>
+          <p:spPr>
+            <a:xfrm>
+              <a:off x="3907608" y="2854944"/>
+              <a:ext cx="176427" cy="185625"/>
+            </a:xfrm>
+            <a:prstGeom prst="straightConnector1">
+              <a:avLst/>
+            </a:prstGeom>
+            <a:ln w="19050">
+              <a:tailEnd type="triangle"/>
+            </a:ln>
+          </p:spPr>
+          <p:style>
+            <a:lnRef idx="1">
+              <a:schemeClr val="accent1"/>
+            </a:lnRef>
+            <a:fillRef idx="0">
+              <a:schemeClr val="accent1"/>
+            </a:fillRef>
+            <a:effectRef idx="0">
+              <a:schemeClr val="accent1"/>
+            </a:effectRef>
+            <a:fontRef idx="minor">
+              <a:schemeClr val="tx1"/>
+            </a:fontRef>
+          </p:style>
+        </p:cxnSp>
+        <p:sp>
+          <p:nvSpPr>
+            <p:cNvPr id="127" name="Oval 126">
+              <a:extLst>
+                <a:ext uri="{FF2B5EF4-FFF2-40B4-BE49-F238E27FC236}">
+                  <a16:creationId xmlns:a16="http://schemas.microsoft.com/office/drawing/2014/main" id="{87518151-4353-4D8A-968D-993A87C546FF}"/>
+                </a:ext>
+              </a:extLst>
+            </p:cNvPr>
+            <p:cNvSpPr/>
+            <p:nvPr/>
+          </p:nvSpPr>
+          <p:spPr>
+            <a:xfrm>
+              <a:off x="4337092" y="2731440"/>
+              <a:ext cx="200993" cy="135700"/>
+            </a:xfrm>
+            <a:prstGeom prst="ellipse">
+              <a:avLst/>
+            </a:prstGeom>
             <a:solidFill>
               <a:schemeClr val="accent6">
-                <a:lumMod val="75000"/>
+                <a:lumMod val="60000"/>
+                <a:lumOff val="40000"/>
               </a:schemeClr>
             </a:solidFill>
-          </a:ln>
-        </p:spPr>
-        <p:style>
-          <a:lnRef idx="2">
-            <a:schemeClr val="accent1">
-              <a:shade val="50000"/>
-            </a:schemeClr>
-          </a:lnRef>
-          <a:fillRef idx="1">
-            <a:schemeClr val="accent1"/>
-          </a:fillRef>
-          <a:effectRef idx="0">
-            <a:schemeClr val="accent1"/>
-          </a:effectRef>
-          <a:fontRef idx="minor">
-            <a:schemeClr val="lt1"/>
-          </a:fontRef>
-        </p:style>
-        <p:txBody>
-          <a:bodyPr rtlCol="0" anchor="ctr"/>
-          <a:lstStyle/>
-          <a:p>
-            <a:pPr algn="ctr"/>
-            <a:endParaRPr lang="en-US" dirty="0"/>
-          </a:p>
-        </p:txBody>
-      </p:sp>
-      <p:cxnSp>
-        <p:nvCxnSpPr>
-          <p:cNvPr id="128" name="Straight Arrow Connector 127">
-            <a:extLst>
-              <a:ext uri="{FF2B5EF4-FFF2-40B4-BE49-F238E27FC236}">
-                <a16:creationId xmlns:a16="http://schemas.microsoft.com/office/drawing/2014/main" id="{44984258-6B71-455F-8101-4CD6CB93E3AC}"/>
-              </a:ext>
-            </a:extLst>
-          </p:cNvPr>
-          <p:cNvCxnSpPr>
-            <a:cxnSpLocks/>
-            <a:stCxn id="120" idx="5"/>
-            <a:endCxn id="127" idx="1"/>
-          </p:cNvCxnSpPr>
-          <p:nvPr/>
-        </p:nvCxnSpPr>
-        <p:spPr>
-          <a:xfrm>
-            <a:off x="4188428" y="2494572"/>
-            <a:ext cx="178099" cy="256742"/>
-          </a:xfrm>
-          <a:prstGeom prst="straightConnector1">
-            <a:avLst/>
-          </a:prstGeom>
-          <a:ln w="19050">
-            <a:tailEnd type="triangle"/>
-          </a:ln>
-        </p:spPr>
-        <p:style>
-          <a:lnRef idx="1">
-            <a:schemeClr val="accent1"/>
-          </a:lnRef>
-          <a:fillRef idx="0">
-            <a:schemeClr val="accent1"/>
-          </a:fillRef>
-          <a:effectRef idx="0">
-            <a:schemeClr val="accent1"/>
-          </a:effectRef>
-          <a:fontRef idx="minor">
-            <a:schemeClr val="tx1"/>
-          </a:fontRef>
-        </p:style>
-      </p:cxnSp>
+            <a:ln>
+              <a:solidFill>
+                <a:schemeClr val="accent6">
+                  <a:lumMod val="75000"/>
+                </a:schemeClr>
+              </a:solidFill>
+            </a:ln>
+          </p:spPr>
+          <p:style>
+            <a:lnRef idx="2">
+              <a:schemeClr val="accent1">
+                <a:shade val="50000"/>
+              </a:schemeClr>
+            </a:lnRef>
+            <a:fillRef idx="1">
+              <a:schemeClr val="accent1"/>
+            </a:fillRef>
+            <a:effectRef idx="0">
+              <a:schemeClr val="accent1"/>
+            </a:effectRef>
+            <a:fontRef idx="minor">
+              <a:schemeClr val="lt1"/>
+            </a:fontRef>
+          </p:style>
+          <p:txBody>
+            <a:bodyPr rtlCol="0" anchor="ctr"/>
+            <a:lstStyle/>
+            <a:p>
+              <a:pPr algn="ctr"/>
+              <a:endParaRPr lang="en-US" dirty="0"/>
+            </a:p>
+          </p:txBody>
+        </p:sp>
+        <p:cxnSp>
+          <p:nvCxnSpPr>
+            <p:cNvPr id="128" name="Straight Arrow Connector 127">
+              <a:extLst>
+                <a:ext uri="{FF2B5EF4-FFF2-40B4-BE49-F238E27FC236}">
+                  <a16:creationId xmlns:a16="http://schemas.microsoft.com/office/drawing/2014/main" id="{44984258-6B71-455F-8101-4CD6CB93E3AC}"/>
+                </a:ext>
+              </a:extLst>
+            </p:cNvPr>
+            <p:cNvCxnSpPr>
+              <a:cxnSpLocks/>
+              <a:stCxn id="120" idx="5"/>
+              <a:endCxn id="127" idx="1"/>
+            </p:cNvCxnSpPr>
+            <p:nvPr/>
+          </p:nvCxnSpPr>
+          <p:spPr>
+            <a:xfrm>
+              <a:off x="4188428" y="2494572"/>
+              <a:ext cx="178099" cy="256742"/>
+            </a:xfrm>
+            <a:prstGeom prst="straightConnector1">
+              <a:avLst/>
+            </a:prstGeom>
+            <a:ln w="19050">
+              <a:tailEnd type="triangle"/>
+            </a:ln>
+          </p:spPr>
+          <p:style>
+            <a:lnRef idx="1">
+              <a:schemeClr val="accent1"/>
+            </a:lnRef>
+            <a:fillRef idx="0">
+              <a:schemeClr val="accent1"/>
+            </a:fillRef>
+            <a:effectRef idx="0">
+              <a:schemeClr val="accent1"/>
+            </a:effectRef>
+            <a:fontRef idx="minor">
+              <a:schemeClr val="tx1"/>
+            </a:fontRef>
+          </p:style>
+        </p:cxnSp>
+      </p:grpSp>
       <p:sp>
         <p:nvSpPr>
           <p:cNvPr id="129" name="TextBox 128">
@@ -24692,8 +24713,8 @@
         </p:nvGrpSpPr>
         <p:grpSpPr>
           <a:xfrm>
-            <a:off x="5461801" y="2287555"/>
-            <a:ext cx="1058877" cy="787831"/>
+            <a:off x="5653482" y="2249070"/>
+            <a:ext cx="785135" cy="738665"/>
             <a:chOff x="7478948" y="2478168"/>
             <a:chExt cx="1058877" cy="1166903"/>
           </a:xfrm>
@@ -25180,8 +25201,8 @@
         </p:nvSpPr>
         <p:spPr>
           <a:xfrm>
-            <a:off x="5718171" y="2209340"/>
-            <a:ext cx="424717" cy="307777"/>
+            <a:off x="5843579" y="2057425"/>
+            <a:ext cx="369190" cy="307777"/>
           </a:xfrm>
           <a:prstGeom prst="rect">
             <a:avLst/>
@@ -25196,7 +25217,7 @@
           <a:p>
             <a:r>
               <a:rPr lang="en-US" sz="1400" dirty="0"/>
-              <a:t>V1</a:t>
+              <a:t>V</a:t>
             </a:r>
             <a:endParaRPr lang="en-US" sz="1100" dirty="0"/>
           </a:p>
@@ -25216,8 +25237,8 @@
         </p:nvSpPr>
         <p:spPr>
           <a:xfrm>
-            <a:off x="5872564" y="2630930"/>
-            <a:ext cx="424717" cy="307777"/>
+            <a:off x="5629248" y="2378808"/>
+            <a:ext cx="339458" cy="307777"/>
           </a:xfrm>
           <a:prstGeom prst="rect">
             <a:avLst/>
@@ -25232,95 +25253,9 @@
           <a:p>
             <a:r>
               <a:rPr lang="en-US" sz="1400" dirty="0"/>
-              <a:t>V2</a:t>
+              <a:t>V</a:t>
             </a:r>
             <a:endParaRPr lang="en-US" sz="1100" dirty="0"/>
-          </a:p>
-        </p:txBody>
-      </p:sp>
-      <p:sp>
-        <p:nvSpPr>
-          <p:cNvPr id="148" name="TextBox 147">
-            <a:extLst>
-              <a:ext uri="{FF2B5EF4-FFF2-40B4-BE49-F238E27FC236}">
-                <a16:creationId xmlns:a16="http://schemas.microsoft.com/office/drawing/2014/main" id="{0806108C-4B3A-47D8-A9A9-EE0E673A4AC1}"/>
-              </a:ext>
-            </a:extLst>
-          </p:cNvPr>
-          <p:cNvSpPr txBox="1"/>
-          <p:nvPr/>
-        </p:nvSpPr>
-        <p:spPr>
-          <a:xfrm>
-            <a:off x="5445218" y="3494455"/>
-            <a:ext cx="1331825" cy="338554"/>
-          </a:xfrm>
-          <a:prstGeom prst="rect">
-            <a:avLst/>
-          </a:prstGeom>
-          <a:noFill/>
-        </p:spPr>
-        <p:txBody>
-          <a:bodyPr wrap="square" rtlCol="0">
-            <a:spAutoFit/>
-          </a:bodyPr>
-          <a:lstStyle/>
-          <a:p>
-            <a:r>
-              <a:rPr lang="en-US" sz="1600" dirty="0"/>
-              <a:t>&lt;v1,v2,…,</a:t>
-            </a:r>
-            <a:r>
-              <a:rPr lang="en-US" sz="1600" dirty="0" err="1"/>
-              <a:t>vn</a:t>
-            </a:r>
-            <a:r>
-              <a:rPr lang="en-US" sz="1600" dirty="0"/>
-              <a:t>&gt;</a:t>
-            </a:r>
-          </a:p>
-        </p:txBody>
-      </p:sp>
-      <p:sp>
-        <p:nvSpPr>
-          <p:cNvPr id="149" name="TextBox 148">
-            <a:extLst>
-              <a:ext uri="{FF2B5EF4-FFF2-40B4-BE49-F238E27FC236}">
-                <a16:creationId xmlns:a16="http://schemas.microsoft.com/office/drawing/2014/main" id="{DD99E727-5863-4D99-81C1-7E30265922A2}"/>
-              </a:ext>
-            </a:extLst>
-          </p:cNvPr>
-          <p:cNvSpPr txBox="1"/>
-          <p:nvPr/>
-        </p:nvSpPr>
-        <p:spPr>
-          <a:xfrm>
-            <a:off x="4121318" y="1651887"/>
-            <a:ext cx="2373760" cy="646331"/>
-          </a:xfrm>
-          <a:prstGeom prst="rect">
-            <a:avLst/>
-          </a:prstGeom>
-          <a:noFill/>
-        </p:spPr>
-        <p:txBody>
-          <a:bodyPr wrap="square" rtlCol="0">
-            <a:spAutoFit/>
-          </a:bodyPr>
-          <a:lstStyle/>
-          <a:p>
-            <a:pPr algn="ctr"/>
-            <a:r>
-              <a:rPr lang="en-US" i="1" dirty="0"/>
-              <a:t>Token </a:t>
-            </a:r>
-          </a:p>
-          <a:p>
-            <a:pPr algn="ctr"/>
-            <a:r>
-              <a:rPr lang="en-US" i="1" dirty="0"/>
-              <a:t>Embedding</a:t>
-            </a:r>
           </a:p>
         </p:txBody>
       </p:sp>
@@ -25438,42 +25373,6 @@
       </p:sp>
       <p:sp>
         <p:nvSpPr>
-          <p:cNvPr id="76" name="TextBox 75">
-            <a:extLst>
-              <a:ext uri="{FF2B5EF4-FFF2-40B4-BE49-F238E27FC236}">
-                <a16:creationId xmlns:a16="http://schemas.microsoft.com/office/drawing/2014/main" id="{7833E23C-76F9-4F5B-A064-77915BE3CD3B}"/>
-              </a:ext>
-            </a:extLst>
-          </p:cNvPr>
-          <p:cNvSpPr txBox="1"/>
-          <p:nvPr/>
-        </p:nvSpPr>
-        <p:spPr>
-          <a:xfrm>
-            <a:off x="4075239" y="3024120"/>
-            <a:ext cx="2373760" cy="369332"/>
-          </a:xfrm>
-          <a:prstGeom prst="rect">
-            <a:avLst/>
-          </a:prstGeom>
-          <a:noFill/>
-        </p:spPr>
-        <p:txBody>
-          <a:bodyPr wrap="square" rtlCol="0">
-            <a:spAutoFit/>
-          </a:bodyPr>
-          <a:lstStyle/>
-          <a:p>
-            <a:pPr algn="ctr"/>
-            <a:r>
-              <a:rPr lang="en-US" i="1" dirty="0"/>
-              <a:t>Sub-token Embedding</a:t>
-            </a:r>
-          </a:p>
-        </p:txBody>
-      </p:sp>
-      <p:sp>
-        <p:nvSpPr>
           <p:cNvPr id="90" name="Rectangle: Rounded Corners 89">
             <a:extLst>
               <a:ext uri="{FF2B5EF4-FFF2-40B4-BE49-F238E27FC236}">
@@ -25549,7 +25448,7 @@
         </p:nvSpPr>
         <p:spPr>
           <a:xfrm>
-            <a:off x="6256504" y="2940168"/>
+            <a:off x="6032200" y="2978374"/>
             <a:ext cx="1893136" cy="369332"/>
           </a:xfrm>
           <a:prstGeom prst="rect">
@@ -25565,7 +25464,7 @@
           <a:p>
             <a:pPr algn="ctr"/>
             <a:r>
-              <a:rPr lang="en-US" i="1" dirty="0"/>
+              <a:rPr lang="en-US" b="1" i="1" dirty="0"/>
               <a:t>Sequential Model</a:t>
             </a:r>
           </a:p>
@@ -25601,14 +25500,14 @@
           <a:p>
             <a:pPr algn="ctr"/>
             <a:r>
-              <a:rPr lang="en-US" i="1" dirty="0"/>
+              <a:rPr lang="en-US" b="1" i="1" dirty="0"/>
               <a:t>Tree-based </a:t>
             </a:r>
           </a:p>
           <a:p>
             <a:pPr algn="ctr"/>
             <a:r>
-              <a:rPr lang="en-US" i="1" dirty="0"/>
+              <a:rPr lang="en-US" b="1" i="1" dirty="0"/>
               <a:t>Model</a:t>
             </a:r>
           </a:p>
@@ -25628,7 +25527,7 @@
         </p:nvSpPr>
         <p:spPr>
           <a:xfrm>
-            <a:off x="9290437" y="2559760"/>
+            <a:off x="9303151" y="2145113"/>
             <a:ext cx="744222" cy="369332"/>
           </a:xfrm>
           <a:prstGeom prst="rect">
@@ -26478,10 +26377,10 @@
       </p:sp>
       <p:sp>
         <p:nvSpPr>
-          <p:cNvPr id="157" name="TextBox 156">
+          <p:cNvPr id="88" name="TextBox 87">
             <a:extLst>
               <a:ext uri="{FF2B5EF4-FFF2-40B4-BE49-F238E27FC236}">
-                <a16:creationId xmlns:a16="http://schemas.microsoft.com/office/drawing/2014/main" id="{4201F98A-A866-4B13-80F3-E4E62D0D0CA0}"/>
+                <a16:creationId xmlns:a16="http://schemas.microsoft.com/office/drawing/2014/main" id="{1D275B28-2F70-4A0D-8506-1508F598CBED}"/>
               </a:ext>
             </a:extLst>
           </p:cNvPr>
@@ -26490,50 +26389,7 @@
         </p:nvSpPr>
         <p:spPr>
           <a:xfrm>
-            <a:off x="8201360" y="1116650"/>
-            <a:ext cx="2165448" cy="646331"/>
-          </a:xfrm>
-          <a:prstGeom prst="rect">
-            <a:avLst/>
-          </a:prstGeom>
-          <a:noFill/>
-        </p:spPr>
-        <p:txBody>
-          <a:bodyPr wrap="square" rtlCol="0">
-            <a:spAutoFit/>
-          </a:bodyPr>
-          <a:lstStyle/>
-          <a:p>
-            <a:pPr algn="ctr"/>
-            <a:r>
-              <a:rPr lang="en-US" i="1" dirty="0"/>
-              <a:t>Fully connected </a:t>
-            </a:r>
-          </a:p>
-          <a:p>
-            <a:pPr algn="ctr"/>
-            <a:r>
-              <a:rPr lang="en-US" i="1" dirty="0"/>
-              <a:t>layer</a:t>
-            </a:r>
-          </a:p>
-        </p:txBody>
-      </p:sp>
-      <p:sp>
-        <p:nvSpPr>
-          <p:cNvPr id="158" name="TextBox 157">
-            <a:extLst>
-              <a:ext uri="{FF2B5EF4-FFF2-40B4-BE49-F238E27FC236}">
-                <a16:creationId xmlns:a16="http://schemas.microsoft.com/office/drawing/2014/main" id="{48C48188-0603-4764-BAFA-05E4ABDDEADF}"/>
-              </a:ext>
-            </a:extLst>
-          </p:cNvPr>
-          <p:cNvSpPr txBox="1"/>
-          <p:nvPr/>
-        </p:nvSpPr>
-        <p:spPr>
-          <a:xfrm>
-            <a:off x="8927103" y="2024237"/>
+            <a:off x="4508042" y="2986144"/>
             <a:ext cx="1373818" cy="369332"/>
           </a:xfrm>
           <a:prstGeom prst="rect">
@@ -26549,7 +26405,129 @@
           <a:p>
             <a:pPr algn="ctr"/>
             <a:r>
-              <a:rPr lang="en-US" i="1" dirty="0"/>
+              <a:rPr lang="en-US" b="1" i="1" dirty="0"/>
+              <a:t>embedding</a:t>
+            </a:r>
+          </a:p>
+        </p:txBody>
+      </p:sp>
+      <p:sp>
+        <p:nvSpPr>
+          <p:cNvPr id="89" name="TextBox 88">
+            <a:extLst>
+              <a:ext uri="{FF2B5EF4-FFF2-40B4-BE49-F238E27FC236}">
+                <a16:creationId xmlns:a16="http://schemas.microsoft.com/office/drawing/2014/main" id="{92DE1A28-6ABC-4D2F-8226-3B72D22A769D}"/>
+              </a:ext>
+            </a:extLst>
+          </p:cNvPr>
+          <p:cNvSpPr txBox="1"/>
+          <p:nvPr/>
+        </p:nvSpPr>
+        <p:spPr>
+          <a:xfrm>
+            <a:off x="5521704" y="3557239"/>
+            <a:ext cx="1509159" cy="307777"/>
+          </a:xfrm>
+          <a:prstGeom prst="rect">
+            <a:avLst/>
+          </a:prstGeom>
+          <a:noFill/>
+        </p:spPr>
+        <p:txBody>
+          <a:bodyPr wrap="square" rtlCol="0">
+            <a:spAutoFit/>
+          </a:bodyPr>
+          <a:lstStyle/>
+          <a:p>
+            <a:r>
+              <a:rPr lang="en-US" sz="1400" dirty="0"/>
+              <a:t>&lt;v1,v2,…,</a:t>
+            </a:r>
+            <a:r>
+              <a:rPr lang="en-US" sz="1400" dirty="0" err="1"/>
+              <a:t>vn</a:t>
+            </a:r>
+            <a:r>
+              <a:rPr lang="en-US" sz="1400" dirty="0"/>
+              <a:t>&gt;</a:t>
+            </a:r>
+          </a:p>
+        </p:txBody>
+      </p:sp>
+      <p:sp>
+        <p:nvSpPr>
+          <p:cNvPr id="91" name="TextBox 90">
+            <a:extLst>
+              <a:ext uri="{FF2B5EF4-FFF2-40B4-BE49-F238E27FC236}">
+                <a16:creationId xmlns:a16="http://schemas.microsoft.com/office/drawing/2014/main" id="{348D64BF-669D-4248-86C4-FE9155FCFEEA}"/>
+              </a:ext>
+            </a:extLst>
+          </p:cNvPr>
+          <p:cNvSpPr txBox="1"/>
+          <p:nvPr/>
+        </p:nvSpPr>
+        <p:spPr>
+          <a:xfrm>
+            <a:off x="8564987" y="1106460"/>
+            <a:ext cx="1310628" cy="923330"/>
+          </a:xfrm>
+          <a:prstGeom prst="rect">
+            <a:avLst/>
+          </a:prstGeom>
+          <a:noFill/>
+        </p:spPr>
+        <p:txBody>
+          <a:bodyPr wrap="square" rtlCol="0">
+            <a:spAutoFit/>
+          </a:bodyPr>
+          <a:lstStyle/>
+          <a:p>
+            <a:pPr algn="ctr"/>
+            <a:r>
+              <a:rPr lang="en-US" b="1" i="1" dirty="0"/>
+              <a:t>Fully connected </a:t>
+            </a:r>
+          </a:p>
+          <a:p>
+            <a:pPr algn="ctr"/>
+            <a:r>
+              <a:rPr lang="en-US" b="1" i="1" dirty="0"/>
+              <a:t>layer</a:t>
+            </a:r>
+          </a:p>
+        </p:txBody>
+      </p:sp>
+      <p:sp>
+        <p:nvSpPr>
+          <p:cNvPr id="92" name="TextBox 91">
+            <a:extLst>
+              <a:ext uri="{FF2B5EF4-FFF2-40B4-BE49-F238E27FC236}">
+                <a16:creationId xmlns:a16="http://schemas.microsoft.com/office/drawing/2014/main" id="{D064FDF3-ACAB-4676-9452-E300D8011371}"/>
+              </a:ext>
+            </a:extLst>
+          </p:cNvPr>
+          <p:cNvSpPr txBox="1"/>
+          <p:nvPr/>
+        </p:nvSpPr>
+        <p:spPr>
+          <a:xfrm>
+            <a:off x="8796519" y="2859716"/>
+            <a:ext cx="1373818" cy="369332"/>
+          </a:xfrm>
+          <a:prstGeom prst="rect">
+            <a:avLst/>
+          </a:prstGeom>
+          <a:noFill/>
+        </p:spPr>
+        <p:txBody>
+          <a:bodyPr wrap="square" rtlCol="0">
+            <a:spAutoFit/>
+          </a:bodyPr>
+          <a:lstStyle/>
+          <a:p>
+            <a:pPr algn="ctr"/>
+            <a:r>
+              <a:rPr lang="en-US" b="1" i="1" dirty="0"/>
               <a:t>concatenate</a:t>
             </a:r>
           </a:p>
